--- a/CLE1_T3G5/present.pptx
+++ b/CLE1_T3G5/present.pptx
@@ -257,7 +257,7 @@
           <a:p>
             <a:fld id="{65E3D7AB-6C06-41C6-99AC-C74008AD09CE}" type="datetimeFigureOut">
               <a:rPr lang="pt-PT" smtClean="0"/>
-              <a:t>18/03/2023</a:t>
+              <a:t>20/03/2023</a:t>
             </a:fld>
             <a:endParaRPr lang="pt-PT"/>
           </a:p>
@@ -468,7 +468,7 @@
           <a:p>
             <a:fld id="{65E3D7AB-6C06-41C6-99AC-C74008AD09CE}" type="datetimeFigureOut">
               <a:rPr lang="pt-PT" smtClean="0"/>
-              <a:t>18/03/2023</a:t>
+              <a:t>20/03/2023</a:t>
             </a:fld>
             <a:endParaRPr lang="pt-PT"/>
           </a:p>
@@ -683,7 +683,7 @@
           <a:p>
             <a:fld id="{65E3D7AB-6C06-41C6-99AC-C74008AD09CE}" type="datetimeFigureOut">
               <a:rPr lang="pt-PT" smtClean="0"/>
-              <a:t>18/03/2023</a:t>
+              <a:t>20/03/2023</a:t>
             </a:fld>
             <a:endParaRPr lang="pt-PT"/>
           </a:p>
@@ -884,7 +884,7 @@
           <a:p>
             <a:fld id="{65E3D7AB-6C06-41C6-99AC-C74008AD09CE}" type="datetimeFigureOut">
               <a:rPr lang="pt-PT" smtClean="0"/>
-              <a:t>18/03/2023</a:t>
+              <a:t>20/03/2023</a:t>
             </a:fld>
             <a:endParaRPr lang="pt-PT"/>
           </a:p>
@@ -1163,7 +1163,7 @@
           <a:p>
             <a:fld id="{65E3D7AB-6C06-41C6-99AC-C74008AD09CE}" type="datetimeFigureOut">
               <a:rPr lang="pt-PT" smtClean="0"/>
-              <a:t>18/03/2023</a:t>
+              <a:t>20/03/2023</a:t>
             </a:fld>
             <a:endParaRPr lang="pt-PT"/>
           </a:p>
@@ -1431,7 +1431,7 @@
           <a:p>
             <a:fld id="{65E3D7AB-6C06-41C6-99AC-C74008AD09CE}" type="datetimeFigureOut">
               <a:rPr lang="pt-PT" smtClean="0"/>
-              <a:t>18/03/2023</a:t>
+              <a:t>20/03/2023</a:t>
             </a:fld>
             <a:endParaRPr lang="pt-PT"/>
           </a:p>
@@ -1847,7 +1847,7 @@
           <a:p>
             <a:fld id="{65E3D7AB-6C06-41C6-99AC-C74008AD09CE}" type="datetimeFigureOut">
               <a:rPr lang="pt-PT" smtClean="0"/>
-              <a:t>18/03/2023</a:t>
+              <a:t>20/03/2023</a:t>
             </a:fld>
             <a:endParaRPr lang="pt-PT"/>
           </a:p>
@@ -1996,7 +1996,7 @@
           <a:p>
             <a:fld id="{65E3D7AB-6C06-41C6-99AC-C74008AD09CE}" type="datetimeFigureOut">
               <a:rPr lang="pt-PT" smtClean="0"/>
-              <a:t>18/03/2023</a:t>
+              <a:t>20/03/2023</a:t>
             </a:fld>
             <a:endParaRPr lang="pt-PT"/>
           </a:p>
@@ -2122,7 +2122,7 @@
           <a:p>
             <a:fld id="{65E3D7AB-6C06-41C6-99AC-C74008AD09CE}" type="datetimeFigureOut">
               <a:rPr lang="pt-PT" smtClean="0"/>
-              <a:t>18/03/2023</a:t>
+              <a:t>20/03/2023</a:t>
             </a:fld>
             <a:endParaRPr lang="pt-PT"/>
           </a:p>
@@ -2373,7 +2373,7 @@
           <a:p>
             <a:fld id="{65E3D7AB-6C06-41C6-99AC-C74008AD09CE}" type="datetimeFigureOut">
               <a:rPr lang="pt-PT" smtClean="0"/>
-              <a:t>18/03/2023</a:t>
+              <a:t>20/03/2023</a:t>
             </a:fld>
             <a:endParaRPr lang="pt-PT"/>
           </a:p>
@@ -2818,7 +2818,7 @@
           <a:p>
             <a:fld id="{65E3D7AB-6C06-41C6-99AC-C74008AD09CE}" type="datetimeFigureOut">
               <a:rPr lang="pt-PT" smtClean="0"/>
-              <a:t>18/03/2023</a:t>
+              <a:t>20/03/2023</a:t>
             </a:fld>
             <a:endParaRPr lang="pt-PT"/>
           </a:p>
@@ -3145,7 +3145,7 @@
           <a:p>
             <a:fld id="{65E3D7AB-6C06-41C6-99AC-C74008AD09CE}" type="datetimeFigureOut">
               <a:rPr lang="pt-PT" smtClean="0"/>
-              <a:t>18/03/2023</a:t>
+              <a:t>20/03/2023</a:t>
             </a:fld>
             <a:endParaRPr lang="pt-PT"/>
           </a:p>
@@ -4072,14 +4072,14 @@
             <p:ph idx="1"/>
             <p:extLst>
               <p:ext uri="{D42A27DB-BD31-4B8C-83A1-F6EECF244321}">
-                <p14:modId xmlns:p14="http://schemas.microsoft.com/office/powerpoint/2010/main" val="2322845272"/>
+                <p14:modId xmlns:p14="http://schemas.microsoft.com/office/powerpoint/2010/main" val="1897475815"/>
               </p:ext>
             </p:extLst>
           </p:nvPr>
         </p:nvGraphicFramePr>
         <p:xfrm>
           <a:off x="1450975" y="2016125"/>
-          <a:ext cx="9604372" cy="1854200"/>
+          <a:ext cx="9604372" cy="741680"/>
         </p:xfrm>
         <a:graphic>
           <a:graphicData uri="http://schemas.openxmlformats.org/drawingml/2006/table">
@@ -4223,11 +4223,14 @@
                     <a:lstStyle/>
                     <a:p>
                       <a:pPr algn="ctr"/>
-                      <a:endParaRPr lang="pt-PT" dirty="0">
-                        <a:latin typeface="Calibri" panose="020F0502020204030204" pitchFamily="34" charset="0"/>
-                        <a:ea typeface="Calibri" panose="020F0502020204030204" pitchFamily="34" charset="0"/>
-                        <a:cs typeface="Calibri" panose="020F0502020204030204" pitchFamily="34" charset="0"/>
-                      </a:endParaRPr>
+                      <a:r>
+                        <a:rPr lang="pt-PT" dirty="0">
+                          <a:latin typeface="Calibri" panose="020F0502020204030204" pitchFamily="34" charset="0"/>
+                          <a:ea typeface="Calibri" panose="020F0502020204030204" pitchFamily="34" charset="0"/>
+                          <a:cs typeface="Calibri" panose="020F0502020204030204" pitchFamily="34" charset="0"/>
+                        </a:rPr>
+                        <a:t>0.02733 (s)</a:t>
+                      </a:r>
                     </a:p>
                   </a:txBody>
                   <a:tcPr/>
@@ -4238,11 +4241,14 @@
                     <a:lstStyle/>
                     <a:p>
                       <a:pPr algn="ctr"/>
-                      <a:endParaRPr lang="pt-PT" dirty="0">
-                        <a:latin typeface="Calibri" panose="020F0502020204030204" pitchFamily="34" charset="0"/>
-                        <a:ea typeface="Calibri" panose="020F0502020204030204" pitchFamily="34" charset="0"/>
-                        <a:cs typeface="Calibri" panose="020F0502020204030204" pitchFamily="34" charset="0"/>
-                      </a:endParaRPr>
+                      <a:r>
+                        <a:rPr lang="pt-PT" dirty="0">
+                          <a:latin typeface="Calibri" panose="020F0502020204030204" pitchFamily="34" charset="0"/>
+                          <a:ea typeface="Calibri" panose="020F0502020204030204" pitchFamily="34" charset="0"/>
+                          <a:cs typeface="Calibri" panose="020F0502020204030204" pitchFamily="34" charset="0"/>
+                        </a:rPr>
+                        <a:t>0.01943 (s)</a:t>
+                      </a:r>
                     </a:p>
                   </a:txBody>
                   <a:tcPr/>
@@ -4253,11 +4259,14 @@
                     <a:lstStyle/>
                     <a:p>
                       <a:pPr algn="ctr"/>
-                      <a:endParaRPr lang="pt-PT" dirty="0">
-                        <a:latin typeface="Calibri" panose="020F0502020204030204" pitchFamily="34" charset="0"/>
-                        <a:ea typeface="Calibri" panose="020F0502020204030204" pitchFamily="34" charset="0"/>
-                        <a:cs typeface="Calibri" panose="020F0502020204030204" pitchFamily="34" charset="0"/>
-                      </a:endParaRPr>
+                      <a:r>
+                        <a:rPr lang="pt-PT" dirty="0">
+                          <a:latin typeface="Calibri" panose="020F0502020204030204" pitchFamily="34" charset="0"/>
+                          <a:ea typeface="Calibri" panose="020F0502020204030204" pitchFamily="34" charset="0"/>
+                          <a:cs typeface="Calibri" panose="020F0502020204030204" pitchFamily="34" charset="0"/>
+                        </a:rPr>
+                        <a:t>0.01989 (s)</a:t>
+                      </a:r>
                     </a:p>
                   </a:txBody>
                   <a:tcPr/>
@@ -4268,11 +4277,14 @@
                     <a:lstStyle/>
                     <a:p>
                       <a:pPr algn="ctr"/>
-                      <a:endParaRPr lang="pt-PT">
-                        <a:latin typeface="Calibri" panose="020F0502020204030204" pitchFamily="34" charset="0"/>
-                        <a:ea typeface="Calibri" panose="020F0502020204030204" pitchFamily="34" charset="0"/>
-                        <a:cs typeface="Calibri" panose="020F0502020204030204" pitchFamily="34" charset="0"/>
-                      </a:endParaRPr>
+                      <a:r>
+                        <a:rPr lang="pt-PT" dirty="0">
+                          <a:latin typeface="Calibri" panose="020F0502020204030204" pitchFamily="34" charset="0"/>
+                          <a:ea typeface="Calibri" panose="020F0502020204030204" pitchFamily="34" charset="0"/>
+                          <a:cs typeface="Calibri" panose="020F0502020204030204" pitchFamily="34" charset="0"/>
+                        </a:rPr>
+                        <a:t>0.02321 (s)</a:t>
+                      </a:r>
                     </a:p>
                   </a:txBody>
                   <a:tcPr/>
@@ -4283,211 +4295,294 @@
                   </a:ext>
                 </a:extLst>
               </a:tr>
-              <a:tr h="370840">
-                <a:tc>
-                  <a:txBody>
-                    <a:bodyPr/>
-                    <a:lstStyle/>
-                    <a:p>
-                      <a:pPr algn="ctr"/>
-                      <a:endParaRPr lang="pt-PT">
-                        <a:latin typeface="Calibri" panose="020F0502020204030204" pitchFamily="34" charset="0"/>
-                        <a:ea typeface="Calibri" panose="020F0502020204030204" pitchFamily="34" charset="0"/>
-                        <a:cs typeface="Calibri" panose="020F0502020204030204" pitchFamily="34" charset="0"/>
-                      </a:endParaRPr>
-                    </a:p>
-                  </a:txBody>
-                  <a:tcPr/>
-                </a:tc>
-                <a:tc>
-                  <a:txBody>
-                    <a:bodyPr/>
-                    <a:lstStyle/>
-                    <a:p>
-                      <a:pPr algn="ctr"/>
-                      <a:endParaRPr lang="pt-PT" dirty="0">
-                        <a:latin typeface="Calibri" panose="020F0502020204030204" pitchFamily="34" charset="0"/>
-                        <a:ea typeface="Calibri" panose="020F0502020204030204" pitchFamily="34" charset="0"/>
-                        <a:cs typeface="Calibri" panose="020F0502020204030204" pitchFamily="34" charset="0"/>
-                      </a:endParaRPr>
-                    </a:p>
-                  </a:txBody>
-                  <a:tcPr/>
-                </a:tc>
-                <a:tc>
-                  <a:txBody>
-                    <a:bodyPr/>
-                    <a:lstStyle/>
-                    <a:p>
-                      <a:pPr algn="ctr"/>
-                      <a:endParaRPr lang="pt-PT" dirty="0">
-                        <a:latin typeface="Calibri" panose="020F0502020204030204" pitchFamily="34" charset="0"/>
-                        <a:ea typeface="Calibri" panose="020F0502020204030204" pitchFamily="34" charset="0"/>
-                        <a:cs typeface="Calibri" panose="020F0502020204030204" pitchFamily="34" charset="0"/>
-                      </a:endParaRPr>
-                    </a:p>
-                  </a:txBody>
-                  <a:tcPr/>
-                </a:tc>
-                <a:tc>
-                  <a:txBody>
-                    <a:bodyPr/>
-                    <a:lstStyle/>
-                    <a:p>
-                      <a:pPr algn="ctr"/>
-                      <a:endParaRPr lang="pt-PT">
-                        <a:latin typeface="Calibri" panose="020F0502020204030204" pitchFamily="34" charset="0"/>
-                        <a:ea typeface="Calibri" panose="020F0502020204030204" pitchFamily="34" charset="0"/>
-                        <a:cs typeface="Calibri" panose="020F0502020204030204" pitchFamily="34" charset="0"/>
-                      </a:endParaRPr>
-                    </a:p>
-                  </a:txBody>
-                  <a:tcPr/>
-                </a:tc>
-                <a:extLst>
-                  <a:ext uri="{0D108BD9-81ED-4DB2-BD59-A6C34878D82A}">
-                    <a16:rowId xmlns:a16="http://schemas.microsoft.com/office/drawing/2014/main" val="1738142589"/>
-                  </a:ext>
-                </a:extLst>
-              </a:tr>
-              <a:tr h="370840">
-                <a:tc>
-                  <a:txBody>
-                    <a:bodyPr/>
-                    <a:lstStyle/>
-                    <a:p>
-                      <a:pPr algn="ctr"/>
-                      <a:endParaRPr lang="pt-PT">
-                        <a:latin typeface="Calibri" panose="020F0502020204030204" pitchFamily="34" charset="0"/>
-                        <a:ea typeface="Calibri" panose="020F0502020204030204" pitchFamily="34" charset="0"/>
-                        <a:cs typeface="Calibri" panose="020F0502020204030204" pitchFamily="34" charset="0"/>
-                      </a:endParaRPr>
-                    </a:p>
-                  </a:txBody>
-                  <a:tcPr/>
-                </a:tc>
-                <a:tc>
-                  <a:txBody>
-                    <a:bodyPr/>
-                    <a:lstStyle/>
-                    <a:p>
-                      <a:pPr algn="ctr"/>
-                      <a:endParaRPr lang="pt-PT">
-                        <a:latin typeface="Calibri" panose="020F0502020204030204" pitchFamily="34" charset="0"/>
-                        <a:ea typeface="Calibri" panose="020F0502020204030204" pitchFamily="34" charset="0"/>
-                        <a:cs typeface="Calibri" panose="020F0502020204030204" pitchFamily="34" charset="0"/>
-                      </a:endParaRPr>
-                    </a:p>
-                  </a:txBody>
-                  <a:tcPr/>
-                </a:tc>
-                <a:tc>
-                  <a:txBody>
-                    <a:bodyPr/>
-                    <a:lstStyle/>
-                    <a:p>
-                      <a:pPr algn="ctr"/>
-                      <a:endParaRPr lang="pt-PT" dirty="0">
-                        <a:latin typeface="Calibri" panose="020F0502020204030204" pitchFamily="34" charset="0"/>
-                        <a:ea typeface="Calibri" panose="020F0502020204030204" pitchFamily="34" charset="0"/>
-                        <a:cs typeface="Calibri" panose="020F0502020204030204" pitchFamily="34" charset="0"/>
-                      </a:endParaRPr>
-                    </a:p>
-                  </a:txBody>
-                  <a:tcPr/>
-                </a:tc>
-                <a:tc>
-                  <a:txBody>
-                    <a:bodyPr/>
-                    <a:lstStyle/>
-                    <a:p>
-                      <a:pPr algn="ctr"/>
-                      <a:endParaRPr lang="pt-PT" dirty="0">
-                        <a:latin typeface="Calibri" panose="020F0502020204030204" pitchFamily="34" charset="0"/>
-                        <a:ea typeface="Calibri" panose="020F0502020204030204" pitchFamily="34" charset="0"/>
-                        <a:cs typeface="Calibri" panose="020F0502020204030204" pitchFamily="34" charset="0"/>
-                      </a:endParaRPr>
-                    </a:p>
-                  </a:txBody>
-                  <a:tcPr/>
-                </a:tc>
-                <a:extLst>
-                  <a:ext uri="{0D108BD9-81ED-4DB2-BD59-A6C34878D82A}">
-                    <a16:rowId xmlns:a16="http://schemas.microsoft.com/office/drawing/2014/main" val="625706260"/>
-                  </a:ext>
-                </a:extLst>
-              </a:tr>
-              <a:tr h="370840">
-                <a:tc>
-                  <a:txBody>
-                    <a:bodyPr/>
-                    <a:lstStyle/>
-                    <a:p>
-                      <a:pPr algn="ctr"/>
-                      <a:endParaRPr lang="pt-PT">
-                        <a:latin typeface="Calibri" panose="020F0502020204030204" pitchFamily="34" charset="0"/>
-                        <a:ea typeface="Calibri" panose="020F0502020204030204" pitchFamily="34" charset="0"/>
-                        <a:cs typeface="Calibri" panose="020F0502020204030204" pitchFamily="34" charset="0"/>
-                      </a:endParaRPr>
-                    </a:p>
-                  </a:txBody>
-                  <a:tcPr/>
-                </a:tc>
-                <a:tc>
-                  <a:txBody>
-                    <a:bodyPr/>
-                    <a:lstStyle/>
-                    <a:p>
-                      <a:pPr algn="ctr"/>
-                      <a:endParaRPr lang="pt-PT">
-                        <a:latin typeface="Calibri" panose="020F0502020204030204" pitchFamily="34" charset="0"/>
-                        <a:ea typeface="Calibri" panose="020F0502020204030204" pitchFamily="34" charset="0"/>
-                        <a:cs typeface="Calibri" panose="020F0502020204030204" pitchFamily="34" charset="0"/>
-                      </a:endParaRPr>
-                    </a:p>
-                  </a:txBody>
-                  <a:tcPr/>
-                </a:tc>
-                <a:tc>
-                  <a:txBody>
-                    <a:bodyPr/>
-                    <a:lstStyle/>
-                    <a:p>
-                      <a:pPr algn="ctr"/>
-                      <a:endParaRPr lang="pt-PT" dirty="0">
-                        <a:latin typeface="Calibri" panose="020F0502020204030204" pitchFamily="34" charset="0"/>
-                        <a:ea typeface="Calibri" panose="020F0502020204030204" pitchFamily="34" charset="0"/>
-                        <a:cs typeface="Calibri" panose="020F0502020204030204" pitchFamily="34" charset="0"/>
-                      </a:endParaRPr>
-                    </a:p>
-                  </a:txBody>
-                  <a:tcPr/>
-                </a:tc>
-                <a:tc>
-                  <a:txBody>
-                    <a:bodyPr/>
-                    <a:lstStyle/>
-                    <a:p>
-                      <a:pPr algn="ctr"/>
-                      <a:endParaRPr lang="pt-PT" dirty="0">
-                        <a:latin typeface="Calibri" panose="020F0502020204030204" pitchFamily="34" charset="0"/>
-                        <a:ea typeface="Calibri" panose="020F0502020204030204" pitchFamily="34" charset="0"/>
-                        <a:cs typeface="Calibri" panose="020F0502020204030204" pitchFamily="34" charset="0"/>
-                      </a:endParaRPr>
-                    </a:p>
-                  </a:txBody>
-                  <a:tcPr/>
-                </a:tc>
-                <a:extLst>
-                  <a:ext uri="{0D108BD9-81ED-4DB2-BD59-A6C34878D82A}">
-                    <a16:rowId xmlns:a16="http://schemas.microsoft.com/office/drawing/2014/main" val="2028467105"/>
-                  </a:ext>
-                </a:extLst>
-              </a:tr>
             </a:tbl>
           </a:graphicData>
         </a:graphic>
       </p:graphicFrame>
+      <p:sp>
+        <p:nvSpPr>
+          <p:cNvPr id="3" name="CaixaDeTexto 2">
+            <a:extLst>
+              <a:ext uri="{FF2B5EF4-FFF2-40B4-BE49-F238E27FC236}">
+                <a16:creationId xmlns:a16="http://schemas.microsoft.com/office/drawing/2014/main" id="{16F8CB4E-7BAE-42BF-AD63-C9A47547EE63}"/>
+              </a:ext>
+            </a:extLst>
+          </p:cNvPr>
+          <p:cNvSpPr txBox="1"/>
+          <p:nvPr/>
+        </p:nvSpPr>
+        <p:spPr>
+          <a:xfrm>
+            <a:off x="2205192" y="3486114"/>
+            <a:ext cx="7781617" cy="1754326"/>
+          </a:xfrm>
+          <a:prstGeom prst="rect">
+            <a:avLst/>
+          </a:prstGeom>
+          <a:noFill/>
+          <a:ln w="9525" cap="flat" cmpd="sng" algn="ctr">
+            <a:solidFill>
+              <a:schemeClr val="dk1"/>
+            </a:solidFill>
+            <a:prstDash val="solid"/>
+            <a:round/>
+            <a:headEnd type="none" w="med" len="med"/>
+            <a:tailEnd type="none" w="med" len="med"/>
+          </a:ln>
+        </p:spPr>
+        <p:style>
+          <a:lnRef idx="0">
+            <a:scrgbClr r="0" g="0" b="0"/>
+          </a:lnRef>
+          <a:fillRef idx="0">
+            <a:scrgbClr r="0" g="0" b="0"/>
+          </a:fillRef>
+          <a:effectRef idx="0">
+            <a:scrgbClr r="0" g="0" b="0"/>
+          </a:effectRef>
+          <a:fontRef idx="minor">
+            <a:schemeClr val="dk1"/>
+          </a:fontRef>
+        </p:style>
+        <p:txBody>
+          <a:bodyPr wrap="none" rtlCol="0">
+            <a:spAutoFit/>
+          </a:bodyPr>
+          <a:lstStyle/>
+          <a:p>
+            <a:pPr marL="285750" indent="-285750">
+              <a:buFont typeface="Wingdings" panose="05000000000000000000" pitchFamily="2" charset="2"/>
+              <a:buChar char="Ø"/>
+            </a:pPr>
+            <a:r>
+              <a:rPr lang="pt-PT" u="sng" dirty="0"/>
+              <a:t>Compile </a:t>
+            </a:r>
+            <a:r>
+              <a:rPr lang="pt-PT" u="sng" dirty="0" err="1"/>
+              <a:t>command</a:t>
+            </a:r>
+            <a:endParaRPr lang="pt-PT" u="sng" dirty="0"/>
+          </a:p>
+          <a:p>
+            <a:r>
+              <a:rPr lang="en-US" dirty="0"/>
+              <a:t>	</a:t>
+            </a:r>
+            <a:r>
+              <a:rPr lang="en-US" dirty="0" err="1">
+                <a:effectLst>
+                  <a:outerShdw blurRad="38100" dist="38100" dir="2700000" algn="tl">
+                    <a:srgbClr val="000000">
+                      <a:alpha val="43137"/>
+                    </a:srgbClr>
+                  </a:outerShdw>
+                </a:effectLst>
+              </a:rPr>
+              <a:t>gcc</a:t>
+            </a:r>
+            <a:r>
+              <a:rPr lang="en-US" dirty="0">
+                <a:effectLst>
+                  <a:outerShdw blurRad="38100" dist="38100" dir="2700000" algn="tl">
+                    <a:srgbClr val="000000">
+                      <a:alpha val="43137"/>
+                    </a:srgbClr>
+                  </a:outerShdw>
+                </a:effectLst>
+              </a:rPr>
+              <a:t> -Wall -O3 -o </a:t>
+            </a:r>
+            <a:r>
+              <a:rPr lang="en-US" dirty="0" err="1">
+                <a:effectLst>
+                  <a:outerShdw blurRad="38100" dist="38100" dir="2700000" algn="tl">
+                    <a:srgbClr val="000000">
+                      <a:alpha val="43137"/>
+                    </a:srgbClr>
+                  </a:outerShdw>
+                </a:effectLst>
+              </a:rPr>
+              <a:t>countWords</a:t>
+            </a:r>
+            <a:r>
+              <a:rPr lang="en-US" dirty="0">
+                <a:effectLst>
+                  <a:outerShdw blurRad="38100" dist="38100" dir="2700000" algn="tl">
+                    <a:srgbClr val="000000">
+                      <a:alpha val="43137"/>
+                    </a:srgbClr>
+                  </a:outerShdw>
+                </a:effectLst>
+              </a:rPr>
+              <a:t> </a:t>
+            </a:r>
+            <a:r>
+              <a:rPr lang="en-US" dirty="0" err="1">
+                <a:effectLst>
+                  <a:outerShdw blurRad="38100" dist="38100" dir="2700000" algn="tl">
+                    <a:srgbClr val="000000">
+                      <a:alpha val="43137"/>
+                    </a:srgbClr>
+                  </a:outerShdw>
+                </a:effectLst>
+              </a:rPr>
+              <a:t>countWords.c</a:t>
+            </a:r>
+            <a:r>
+              <a:rPr lang="en-US" dirty="0">
+                <a:effectLst>
+                  <a:outerShdw blurRad="38100" dist="38100" dir="2700000" algn="tl">
+                    <a:srgbClr val="000000">
+                      <a:alpha val="43137"/>
+                    </a:srgbClr>
+                  </a:outerShdw>
+                </a:effectLst>
+              </a:rPr>
+              <a:t> </a:t>
+            </a:r>
+            <a:r>
+              <a:rPr lang="en-US" dirty="0" err="1">
+                <a:effectLst>
+                  <a:outerShdw blurRad="38100" dist="38100" dir="2700000" algn="tl">
+                    <a:srgbClr val="000000">
+                      <a:alpha val="43137"/>
+                    </a:srgbClr>
+                  </a:outerShdw>
+                </a:effectLst>
+              </a:rPr>
+              <a:t>sharedMemory.c</a:t>
+            </a:r>
+            <a:r>
+              <a:rPr lang="en-US" dirty="0">
+                <a:effectLst>
+                  <a:outerShdw blurRad="38100" dist="38100" dir="2700000" algn="tl">
+                    <a:srgbClr val="000000">
+                      <a:alpha val="43137"/>
+                    </a:srgbClr>
+                  </a:outerShdw>
+                </a:effectLst>
+              </a:rPr>
+              <a:t> -</a:t>
+            </a:r>
+            <a:r>
+              <a:rPr lang="en-US" dirty="0" err="1">
+                <a:effectLst>
+                  <a:outerShdw blurRad="38100" dist="38100" dir="2700000" algn="tl">
+                    <a:srgbClr val="000000">
+                      <a:alpha val="43137"/>
+                    </a:srgbClr>
+                  </a:outerShdw>
+                </a:effectLst>
+              </a:rPr>
+              <a:t>lpthread</a:t>
+            </a:r>
+            <a:r>
+              <a:rPr lang="en-US" dirty="0">
+                <a:effectLst>
+                  <a:outerShdw blurRad="38100" dist="38100" dir="2700000" algn="tl">
+                    <a:srgbClr val="000000">
+                      <a:alpha val="43137"/>
+                    </a:srgbClr>
+                  </a:outerShdw>
+                </a:effectLst>
+              </a:rPr>
+              <a:t> –</a:t>
+            </a:r>
+            <a:r>
+              <a:rPr lang="en-US" dirty="0" err="1">
+                <a:effectLst>
+                  <a:outerShdw blurRad="38100" dist="38100" dir="2700000" algn="tl">
+                    <a:srgbClr val="000000">
+                      <a:alpha val="43137"/>
+                    </a:srgbClr>
+                  </a:outerShdw>
+                </a:effectLst>
+              </a:rPr>
+              <a:t>lm</a:t>
+            </a:r>
+            <a:endParaRPr lang="en-US" dirty="0">
+              <a:effectLst>
+                <a:outerShdw blurRad="38100" dist="38100" dir="2700000" algn="tl">
+                  <a:srgbClr val="000000">
+                    <a:alpha val="43137"/>
+                  </a:srgbClr>
+                </a:outerShdw>
+              </a:effectLst>
+            </a:endParaRPr>
+          </a:p>
+          <a:p>
+            <a:endParaRPr lang="en-US" dirty="0"/>
+          </a:p>
+          <a:p>
+            <a:pPr marL="285750" indent="-285750">
+              <a:buFont typeface="Wingdings" panose="05000000000000000000" pitchFamily="2" charset="2"/>
+              <a:buChar char="Ø"/>
+            </a:pPr>
+            <a:r>
+              <a:rPr lang="en-US" u="sng" dirty="0"/>
+              <a:t>Run command</a:t>
+            </a:r>
+          </a:p>
+          <a:p>
+            <a:r>
+              <a:rPr lang="en-US" dirty="0"/>
+              <a:t>	</a:t>
+            </a:r>
+            <a:r>
+              <a:rPr lang="en-US" dirty="0">
+                <a:effectLst>
+                  <a:outerShdw blurRad="38100" dist="38100" dir="2700000" algn="tl">
+                    <a:srgbClr val="000000">
+                      <a:alpha val="43137"/>
+                    </a:srgbClr>
+                  </a:outerShdw>
+                </a:effectLst>
+              </a:rPr>
+              <a:t>./</a:t>
+            </a:r>
+            <a:r>
+              <a:rPr lang="en-US" dirty="0" err="1">
+                <a:effectLst>
+                  <a:outerShdw blurRad="38100" dist="38100" dir="2700000" algn="tl">
+                    <a:srgbClr val="000000">
+                      <a:alpha val="43137"/>
+                    </a:srgbClr>
+                  </a:outerShdw>
+                </a:effectLst>
+              </a:rPr>
+              <a:t>countWords</a:t>
+            </a:r>
+            <a:r>
+              <a:rPr lang="en-US" dirty="0">
+                <a:effectLst>
+                  <a:outerShdw blurRad="38100" dist="38100" dir="2700000" algn="tl">
+                    <a:srgbClr val="000000">
+                      <a:alpha val="43137"/>
+                    </a:srgbClr>
+                  </a:outerShdw>
+                </a:effectLst>
+              </a:rPr>
+              <a:t> text0.txt text1.txt text2.txt text3.txt text4.txt</a:t>
+            </a:r>
+            <a:endParaRPr lang="pt-PT" dirty="0">
+              <a:effectLst>
+                <a:outerShdw blurRad="38100" dist="38100" dir="2700000" algn="tl">
+                  <a:srgbClr val="000000">
+                    <a:alpha val="43137"/>
+                  </a:srgbClr>
+                </a:outerShdw>
+              </a:effectLst>
+            </a:endParaRPr>
+          </a:p>
+          <a:p>
+            <a:r>
+              <a:rPr lang="pt-PT" dirty="0"/>
+              <a:t>	</a:t>
+            </a:r>
+          </a:p>
+        </p:txBody>
+      </p:sp>
     </p:spTree>
     <p:extLst>
       <p:ext uri="{BB962C8B-B14F-4D97-AF65-F5344CB8AC3E}">
@@ -4699,6 +4794,22 @@
               </a:rPr>
               <a:t>Workers</a:t>
             </a:r>
+            <a:r>
+              <a:rPr lang="pt-PT" sz="2200" dirty="0">
+                <a:latin typeface="Calibri" panose="020F0502020204030204" pitchFamily="34" charset="0"/>
+                <a:ea typeface="Calibri" panose="020F0502020204030204" pitchFamily="34" charset="0"/>
+                <a:cs typeface="Calibri" panose="020F0502020204030204" pitchFamily="34" charset="0"/>
+              </a:rPr>
+              <a:t> / </a:t>
+            </a:r>
+            <a:r>
+              <a:rPr lang="pt-PT" sz="2200" dirty="0" err="1">
+                <a:latin typeface="Calibri" panose="020F0502020204030204" pitchFamily="34" charset="0"/>
+                <a:ea typeface="Calibri" panose="020F0502020204030204" pitchFamily="34" charset="0"/>
+                <a:cs typeface="Calibri" panose="020F0502020204030204" pitchFamily="34" charset="0"/>
+              </a:rPr>
+              <a:t>Distributor</a:t>
+            </a:r>
             <a:endParaRPr lang="pt-PT" dirty="0">
               <a:latin typeface="Calibri" panose="020F0502020204030204" pitchFamily="34" charset="0"/>
               <a:ea typeface="Calibri" panose="020F0502020204030204" pitchFamily="34" charset="0"/>
@@ -4843,11 +4954,16 @@
           </p:cNvGraphicFramePr>
           <p:nvPr>
             <p:ph idx="1"/>
+            <p:extLst>
+              <p:ext uri="{D42A27DB-BD31-4B8C-83A1-F6EECF244321}">
+                <p14:modId xmlns:p14="http://schemas.microsoft.com/office/powerpoint/2010/main" val="3032451300"/>
+              </p:ext>
+            </p:extLst>
           </p:nvPr>
         </p:nvGraphicFramePr>
         <p:xfrm>
           <a:off x="1450975" y="2016125"/>
-          <a:ext cx="9604372" cy="1854200"/>
+          <a:ext cx="9604370" cy="1854200"/>
         </p:xfrm>
         <a:graphic>
           <a:graphicData uri="http://schemas.openxmlformats.org/drawingml/2006/table">
@@ -4856,28 +4972,35 @@
                 <a:tableStyleId>{073A0DAA-6AF3-43AB-8588-CEC1D06C72B9}</a:tableStyleId>
               </a:tblPr>
               <a:tblGrid>
-                <a:gridCol w="2401093">
+                <a:gridCol w="1920874">
+                  <a:extLst>
+                    <a:ext uri="{9D8B030D-6E8A-4147-A177-3AD203B41FA5}">
+                      <a16:colId xmlns:a16="http://schemas.microsoft.com/office/drawing/2014/main" val="2688708435"/>
+                    </a:ext>
+                  </a:extLst>
+                </a:gridCol>
+                <a:gridCol w="1920874">
                   <a:extLst>
                     <a:ext uri="{9D8B030D-6E8A-4147-A177-3AD203B41FA5}">
                       <a16:colId xmlns:a16="http://schemas.microsoft.com/office/drawing/2014/main" val="1694873685"/>
                     </a:ext>
                   </a:extLst>
                 </a:gridCol>
-                <a:gridCol w="2401093">
+                <a:gridCol w="1920874">
                   <a:extLst>
                     <a:ext uri="{9D8B030D-6E8A-4147-A177-3AD203B41FA5}">
                       <a16:colId xmlns:a16="http://schemas.microsoft.com/office/drawing/2014/main" val="1516063400"/>
                     </a:ext>
                   </a:extLst>
                 </a:gridCol>
-                <a:gridCol w="2401093">
+                <a:gridCol w="1920874">
                   <a:extLst>
                     <a:ext uri="{9D8B030D-6E8A-4147-A177-3AD203B41FA5}">
                       <a16:colId xmlns:a16="http://schemas.microsoft.com/office/drawing/2014/main" val="1935499054"/>
                     </a:ext>
                   </a:extLst>
                 </a:gridCol>
-                <a:gridCol w="2401093">
+                <a:gridCol w="1920874">
                   <a:extLst>
                     <a:ext uri="{9D8B030D-6E8A-4147-A177-3AD203B41FA5}">
                       <a16:colId xmlns:a16="http://schemas.microsoft.com/office/drawing/2014/main" val="3036198595"/>
@@ -4886,6 +5009,32 @@
                 </a:gridCol>
               </a:tblGrid>
               <a:tr h="370840">
+                <a:tc>
+                  <a:txBody>
+                    <a:bodyPr/>
+                    <a:lstStyle/>
+                    <a:p>
+                      <a:pPr algn="ctr"/>
+                      <a:r>
+                        <a:rPr lang="pt-PT" b="0" dirty="0" err="1">
+                          <a:latin typeface="Calibri" panose="020F0502020204030204" pitchFamily="34" charset="0"/>
+                          <a:ea typeface="Calibri" panose="020F0502020204030204" pitchFamily="34" charset="0"/>
+                          <a:cs typeface="Calibri" panose="020F0502020204030204" pitchFamily="34" charset="0"/>
+                        </a:rPr>
+                        <a:t>Binary</a:t>
+                      </a:r>
+                      <a:r>
+                        <a:rPr lang="pt-PT" b="0" dirty="0">
+                          <a:latin typeface="Calibri" panose="020F0502020204030204" pitchFamily="34" charset="0"/>
+                          <a:ea typeface="Calibri" panose="020F0502020204030204" pitchFamily="34" charset="0"/>
+                          <a:cs typeface="Calibri" panose="020F0502020204030204" pitchFamily="34" charset="0"/>
+                        </a:rPr>
+                        <a:t> file</a:t>
+                      </a:r>
+                    </a:p>
+                  </a:txBody>
+                  <a:tcPr/>
+                </a:tc>
                 <a:tc>
                   <a:txBody>
                     <a:bodyPr/>
@@ -4991,11 +5140,14 @@
                     <a:lstStyle/>
                     <a:p>
                       <a:pPr algn="ctr"/>
-                      <a:endParaRPr lang="pt-PT" dirty="0">
-                        <a:latin typeface="Calibri" panose="020F0502020204030204" pitchFamily="34" charset="0"/>
-                        <a:ea typeface="Calibri" panose="020F0502020204030204" pitchFamily="34" charset="0"/>
-                        <a:cs typeface="Calibri" panose="020F0502020204030204" pitchFamily="34" charset="0"/>
-                      </a:endParaRPr>
+                      <a:r>
+                        <a:rPr lang="pt-PT" dirty="0">
+                          <a:latin typeface="Calibri" panose="020F0502020204030204" pitchFamily="34" charset="0"/>
+                          <a:ea typeface="Calibri" panose="020F0502020204030204" pitchFamily="34" charset="0"/>
+                          <a:cs typeface="Calibri" panose="020F0502020204030204" pitchFamily="34" charset="0"/>
+                        </a:rPr>
+                        <a:t>datSeq32.bin</a:t>
+                      </a:r>
                     </a:p>
                   </a:txBody>
                   <a:tcPr/>
@@ -5006,11 +5158,14 @@
                     <a:lstStyle/>
                     <a:p>
                       <a:pPr algn="ctr"/>
-                      <a:endParaRPr lang="pt-PT" dirty="0">
-                        <a:latin typeface="Calibri" panose="020F0502020204030204" pitchFamily="34" charset="0"/>
-                        <a:ea typeface="Calibri" panose="020F0502020204030204" pitchFamily="34" charset="0"/>
-                        <a:cs typeface="Calibri" panose="020F0502020204030204" pitchFamily="34" charset="0"/>
-                      </a:endParaRPr>
+                      <a:r>
+                        <a:rPr lang="pt-PT" dirty="0">
+                          <a:latin typeface="Calibri" panose="020F0502020204030204" pitchFamily="34" charset="0"/>
+                          <a:ea typeface="Calibri" panose="020F0502020204030204" pitchFamily="34" charset="0"/>
+                          <a:cs typeface="Calibri" panose="020F0502020204030204" pitchFamily="34" charset="0"/>
+                        </a:rPr>
+                        <a:t>0.00346 (s)</a:t>
+                      </a:r>
                     </a:p>
                   </a:txBody>
                   <a:tcPr/>
@@ -5021,11 +5176,14 @@
                     <a:lstStyle/>
                     <a:p>
                       <a:pPr algn="ctr"/>
-                      <a:endParaRPr lang="pt-PT" dirty="0">
-                        <a:latin typeface="Calibri" panose="020F0502020204030204" pitchFamily="34" charset="0"/>
-                        <a:ea typeface="Calibri" panose="020F0502020204030204" pitchFamily="34" charset="0"/>
-                        <a:cs typeface="Calibri" panose="020F0502020204030204" pitchFamily="34" charset="0"/>
-                      </a:endParaRPr>
+                      <a:r>
+                        <a:rPr lang="pt-PT" dirty="0">
+                          <a:latin typeface="Calibri" panose="020F0502020204030204" pitchFamily="34" charset="0"/>
+                          <a:ea typeface="Calibri" panose="020F0502020204030204" pitchFamily="34" charset="0"/>
+                          <a:cs typeface="Calibri" panose="020F0502020204030204" pitchFamily="34" charset="0"/>
+                        </a:rPr>
+                        <a:t>0.003670 (s)</a:t>
+                      </a:r>
                     </a:p>
                   </a:txBody>
                   <a:tcPr/>
@@ -5036,11 +5194,32 @@
                     <a:lstStyle/>
                     <a:p>
                       <a:pPr algn="ctr"/>
-                      <a:endParaRPr lang="pt-PT">
-                        <a:latin typeface="Calibri" panose="020F0502020204030204" pitchFamily="34" charset="0"/>
-                        <a:ea typeface="Calibri" panose="020F0502020204030204" pitchFamily="34" charset="0"/>
-                        <a:cs typeface="Calibri" panose="020F0502020204030204" pitchFamily="34" charset="0"/>
-                      </a:endParaRPr>
+                      <a:r>
+                        <a:rPr lang="pt-PT" dirty="0">
+                          <a:latin typeface="Calibri" panose="020F0502020204030204" pitchFamily="34" charset="0"/>
+                          <a:ea typeface="Calibri" panose="020F0502020204030204" pitchFamily="34" charset="0"/>
+                          <a:cs typeface="Calibri" panose="020F0502020204030204" pitchFamily="34" charset="0"/>
+                        </a:rPr>
+                        <a:t>0.00375 (s)</a:t>
+                      </a:r>
+                    </a:p>
+                  </a:txBody>
+                  <a:tcPr/>
+                </a:tc>
+                <a:tc>
+                  <a:txBody>
+                    <a:bodyPr/>
+                    <a:lstStyle/>
+                    <a:p>
+                      <a:pPr algn="ctr"/>
+                      <a:r>
+                        <a:rPr lang="pt-PT" dirty="0">
+                          <a:latin typeface="Calibri" panose="020F0502020204030204" pitchFamily="34" charset="0"/>
+                          <a:ea typeface="Calibri" panose="020F0502020204030204" pitchFamily="34" charset="0"/>
+                          <a:cs typeface="Calibri" panose="020F0502020204030204" pitchFamily="34" charset="0"/>
+                        </a:rPr>
+                        <a:t>0.00353 (s)</a:t>
+                      </a:r>
                     </a:p>
                   </a:txBody>
                   <a:tcPr/>
@@ -5058,11 +5237,14 @@
                     <a:lstStyle/>
                     <a:p>
                       <a:pPr algn="ctr"/>
-                      <a:endParaRPr lang="pt-PT">
-                        <a:latin typeface="Calibri" panose="020F0502020204030204" pitchFamily="34" charset="0"/>
-                        <a:ea typeface="Calibri" panose="020F0502020204030204" pitchFamily="34" charset="0"/>
-                        <a:cs typeface="Calibri" panose="020F0502020204030204" pitchFamily="34" charset="0"/>
-                      </a:endParaRPr>
+                      <a:r>
+                        <a:rPr lang="pt-PT" dirty="0">
+                          <a:latin typeface="Calibri" panose="020F0502020204030204" pitchFamily="34" charset="0"/>
+                          <a:ea typeface="Calibri" panose="020F0502020204030204" pitchFamily="34" charset="0"/>
+                          <a:cs typeface="Calibri" panose="020F0502020204030204" pitchFamily="34" charset="0"/>
+                        </a:rPr>
+                        <a:t>datSeq256K.bin</a:t>
+                      </a:r>
                     </a:p>
                   </a:txBody>
                   <a:tcPr/>
@@ -5073,11 +5255,14 @@
                     <a:lstStyle/>
                     <a:p>
                       <a:pPr algn="ctr"/>
-                      <a:endParaRPr lang="pt-PT" dirty="0">
-                        <a:latin typeface="Calibri" panose="020F0502020204030204" pitchFamily="34" charset="0"/>
-                        <a:ea typeface="Calibri" panose="020F0502020204030204" pitchFamily="34" charset="0"/>
-                        <a:cs typeface="Calibri" panose="020F0502020204030204" pitchFamily="34" charset="0"/>
-                      </a:endParaRPr>
+                      <a:r>
+                        <a:rPr lang="pt-PT" dirty="0">
+                          <a:latin typeface="Calibri" panose="020F0502020204030204" pitchFamily="34" charset="0"/>
+                          <a:ea typeface="Calibri" panose="020F0502020204030204" pitchFamily="34" charset="0"/>
+                          <a:cs typeface="Calibri" panose="020F0502020204030204" pitchFamily="34" charset="0"/>
+                        </a:rPr>
+                        <a:t>0.25714 (s)</a:t>
+                      </a:r>
                     </a:p>
                   </a:txBody>
                   <a:tcPr/>
@@ -5088,11 +5273,14 @@
                     <a:lstStyle/>
                     <a:p>
                       <a:pPr algn="ctr"/>
-                      <a:endParaRPr lang="pt-PT" dirty="0">
-                        <a:latin typeface="Calibri" panose="020F0502020204030204" pitchFamily="34" charset="0"/>
-                        <a:ea typeface="Calibri" panose="020F0502020204030204" pitchFamily="34" charset="0"/>
-                        <a:cs typeface="Calibri" panose="020F0502020204030204" pitchFamily="34" charset="0"/>
-                      </a:endParaRPr>
+                      <a:r>
+                        <a:rPr lang="pt-PT" dirty="0">
+                          <a:latin typeface="Calibri" panose="020F0502020204030204" pitchFamily="34" charset="0"/>
+                          <a:ea typeface="Calibri" panose="020F0502020204030204" pitchFamily="34" charset="0"/>
+                          <a:cs typeface="Calibri" panose="020F0502020204030204" pitchFamily="34" charset="0"/>
+                        </a:rPr>
+                        <a:t>0.24202 (s)</a:t>
+                      </a:r>
                     </a:p>
                   </a:txBody>
                   <a:tcPr/>
@@ -5103,11 +5291,32 @@
                     <a:lstStyle/>
                     <a:p>
                       <a:pPr algn="ctr"/>
-                      <a:endParaRPr lang="pt-PT">
-                        <a:latin typeface="Calibri" panose="020F0502020204030204" pitchFamily="34" charset="0"/>
-                        <a:ea typeface="Calibri" panose="020F0502020204030204" pitchFamily="34" charset="0"/>
-                        <a:cs typeface="Calibri" panose="020F0502020204030204" pitchFamily="34" charset="0"/>
-                      </a:endParaRPr>
+                      <a:r>
+                        <a:rPr lang="pt-PT" dirty="0">
+                          <a:latin typeface="Calibri" panose="020F0502020204030204" pitchFamily="34" charset="0"/>
+                          <a:ea typeface="Calibri" panose="020F0502020204030204" pitchFamily="34" charset="0"/>
+                          <a:cs typeface="Calibri" panose="020F0502020204030204" pitchFamily="34" charset="0"/>
+                        </a:rPr>
+                        <a:t>0.25478 (s)</a:t>
+                      </a:r>
+                    </a:p>
+                  </a:txBody>
+                  <a:tcPr/>
+                </a:tc>
+                <a:tc>
+                  <a:txBody>
+                    <a:bodyPr/>
+                    <a:lstStyle/>
+                    <a:p>
+                      <a:pPr algn="ctr"/>
+                      <a:r>
+                        <a:rPr lang="pt-PT" dirty="0">
+                          <a:latin typeface="Calibri" panose="020F0502020204030204" pitchFamily="34" charset="0"/>
+                          <a:ea typeface="Calibri" panose="020F0502020204030204" pitchFamily="34" charset="0"/>
+                          <a:cs typeface="Calibri" panose="020F0502020204030204" pitchFamily="34" charset="0"/>
+                        </a:rPr>
+                        <a:t>0.23286 (s)</a:t>
+                      </a:r>
                     </a:p>
                   </a:txBody>
                   <a:tcPr/>
@@ -5125,11 +5334,14 @@
                     <a:lstStyle/>
                     <a:p>
                       <a:pPr algn="ctr"/>
-                      <a:endParaRPr lang="pt-PT">
-                        <a:latin typeface="Calibri" panose="020F0502020204030204" pitchFamily="34" charset="0"/>
-                        <a:ea typeface="Calibri" panose="020F0502020204030204" pitchFamily="34" charset="0"/>
-                        <a:cs typeface="Calibri" panose="020F0502020204030204" pitchFamily="34" charset="0"/>
-                      </a:endParaRPr>
+                      <a:r>
+                        <a:rPr lang="pt-PT" dirty="0">
+                          <a:latin typeface="Calibri" panose="020F0502020204030204" pitchFamily="34" charset="0"/>
+                          <a:ea typeface="Calibri" panose="020F0502020204030204" pitchFamily="34" charset="0"/>
+                          <a:cs typeface="Calibri" panose="020F0502020204030204" pitchFamily="34" charset="0"/>
+                        </a:rPr>
+                        <a:t>datSeq1M.bin</a:t>
+                      </a:r>
                     </a:p>
                   </a:txBody>
                   <a:tcPr/>
@@ -5140,11 +5352,14 @@
                     <a:lstStyle/>
                     <a:p>
                       <a:pPr algn="ctr"/>
-                      <a:endParaRPr lang="pt-PT">
-                        <a:latin typeface="Calibri" panose="020F0502020204030204" pitchFamily="34" charset="0"/>
-                        <a:ea typeface="Calibri" panose="020F0502020204030204" pitchFamily="34" charset="0"/>
-                        <a:cs typeface="Calibri" panose="020F0502020204030204" pitchFamily="34" charset="0"/>
-                      </a:endParaRPr>
+                      <a:r>
+                        <a:rPr lang="pt-PT" dirty="0">
+                          <a:latin typeface="Calibri" panose="020F0502020204030204" pitchFamily="34" charset="0"/>
+                          <a:ea typeface="Calibri" panose="020F0502020204030204" pitchFamily="34" charset="0"/>
+                          <a:cs typeface="Calibri" panose="020F0502020204030204" pitchFamily="34" charset="0"/>
+                        </a:rPr>
+                        <a:t>1.17612 (s)</a:t>
+                      </a:r>
                     </a:p>
                   </a:txBody>
                   <a:tcPr/>
@@ -5155,11 +5370,14 @@
                     <a:lstStyle/>
                     <a:p>
                       <a:pPr algn="ctr"/>
-                      <a:endParaRPr lang="pt-PT" dirty="0">
-                        <a:latin typeface="Calibri" panose="020F0502020204030204" pitchFamily="34" charset="0"/>
-                        <a:ea typeface="Calibri" panose="020F0502020204030204" pitchFamily="34" charset="0"/>
-                        <a:cs typeface="Calibri" panose="020F0502020204030204" pitchFamily="34" charset="0"/>
-                      </a:endParaRPr>
+                      <a:r>
+                        <a:rPr lang="pt-PT" dirty="0">
+                          <a:latin typeface="Calibri" panose="020F0502020204030204" pitchFamily="34" charset="0"/>
+                          <a:ea typeface="Calibri" panose="020F0502020204030204" pitchFamily="34" charset="0"/>
+                          <a:cs typeface="Calibri" panose="020F0502020204030204" pitchFamily="34" charset="0"/>
+                        </a:rPr>
+                        <a:t>1.02708 (s)</a:t>
+                      </a:r>
                     </a:p>
                   </a:txBody>
                   <a:tcPr/>
@@ -5170,11 +5388,32 @@
                     <a:lstStyle/>
                     <a:p>
                       <a:pPr algn="ctr"/>
-                      <a:endParaRPr lang="pt-PT" dirty="0">
-                        <a:latin typeface="Calibri" panose="020F0502020204030204" pitchFamily="34" charset="0"/>
-                        <a:ea typeface="Calibri" panose="020F0502020204030204" pitchFamily="34" charset="0"/>
-                        <a:cs typeface="Calibri" panose="020F0502020204030204" pitchFamily="34" charset="0"/>
-                      </a:endParaRPr>
+                      <a:r>
+                        <a:rPr lang="pt-PT" dirty="0">
+                          <a:latin typeface="Calibri" panose="020F0502020204030204" pitchFamily="34" charset="0"/>
+                          <a:ea typeface="Calibri" panose="020F0502020204030204" pitchFamily="34" charset="0"/>
+                          <a:cs typeface="Calibri" panose="020F0502020204030204" pitchFamily="34" charset="0"/>
+                        </a:rPr>
+                        <a:t>1.10320 (s)</a:t>
+                      </a:r>
+                    </a:p>
+                  </a:txBody>
+                  <a:tcPr/>
+                </a:tc>
+                <a:tc>
+                  <a:txBody>
+                    <a:bodyPr/>
+                    <a:lstStyle/>
+                    <a:p>
+                      <a:pPr algn="ctr"/>
+                      <a:r>
+                        <a:rPr lang="pt-PT" dirty="0">
+                          <a:latin typeface="Calibri" panose="020F0502020204030204" pitchFamily="34" charset="0"/>
+                          <a:ea typeface="Calibri" panose="020F0502020204030204" pitchFamily="34" charset="0"/>
+                          <a:cs typeface="Calibri" panose="020F0502020204030204" pitchFamily="34" charset="0"/>
+                        </a:rPr>
+                        <a:t>1.24012 (s)</a:t>
+                      </a:r>
                     </a:p>
                   </a:txBody>
                   <a:tcPr/>
@@ -5192,11 +5431,14 @@
                     <a:lstStyle/>
                     <a:p>
                       <a:pPr algn="ctr"/>
-                      <a:endParaRPr lang="pt-PT">
-                        <a:latin typeface="Calibri" panose="020F0502020204030204" pitchFamily="34" charset="0"/>
-                        <a:ea typeface="Calibri" panose="020F0502020204030204" pitchFamily="34" charset="0"/>
-                        <a:cs typeface="Calibri" panose="020F0502020204030204" pitchFamily="34" charset="0"/>
-                      </a:endParaRPr>
+                      <a:r>
+                        <a:rPr lang="pt-PT" dirty="0">
+                          <a:latin typeface="Calibri" panose="020F0502020204030204" pitchFamily="34" charset="0"/>
+                          <a:ea typeface="Calibri" panose="020F0502020204030204" pitchFamily="34" charset="0"/>
+                          <a:cs typeface="Calibri" panose="020F0502020204030204" pitchFamily="34" charset="0"/>
+                        </a:rPr>
+                        <a:t>datSeq16M.bin</a:t>
+                      </a:r>
                     </a:p>
                   </a:txBody>
                   <a:tcPr/>
@@ -5207,11 +5449,14 @@
                     <a:lstStyle/>
                     <a:p>
                       <a:pPr algn="ctr"/>
-                      <a:endParaRPr lang="pt-PT">
-                        <a:latin typeface="Calibri" panose="020F0502020204030204" pitchFamily="34" charset="0"/>
-                        <a:ea typeface="Calibri" panose="020F0502020204030204" pitchFamily="34" charset="0"/>
-                        <a:cs typeface="Calibri" panose="020F0502020204030204" pitchFamily="34" charset="0"/>
-                      </a:endParaRPr>
+                      <a:r>
+                        <a:rPr lang="pt-PT" dirty="0">
+                          <a:latin typeface="Calibri" panose="020F0502020204030204" pitchFamily="34" charset="0"/>
+                          <a:ea typeface="Calibri" panose="020F0502020204030204" pitchFamily="34" charset="0"/>
+                          <a:cs typeface="Calibri" panose="020F0502020204030204" pitchFamily="34" charset="0"/>
+                        </a:rPr>
+                        <a:t>25.04875 (s)</a:t>
+                      </a:r>
                     </a:p>
                   </a:txBody>
                   <a:tcPr/>
@@ -5222,11 +5467,14 @@
                     <a:lstStyle/>
                     <a:p>
                       <a:pPr algn="ctr"/>
-                      <a:endParaRPr lang="pt-PT" dirty="0">
-                        <a:latin typeface="Calibri" panose="020F0502020204030204" pitchFamily="34" charset="0"/>
-                        <a:ea typeface="Calibri" panose="020F0502020204030204" pitchFamily="34" charset="0"/>
-                        <a:cs typeface="Calibri" panose="020F0502020204030204" pitchFamily="34" charset="0"/>
-                      </a:endParaRPr>
+                      <a:r>
+                        <a:rPr lang="pt-PT" dirty="0">
+                          <a:latin typeface="Calibri" panose="020F0502020204030204" pitchFamily="34" charset="0"/>
+                          <a:ea typeface="Calibri" panose="020F0502020204030204" pitchFamily="34" charset="0"/>
+                          <a:cs typeface="Calibri" panose="020F0502020204030204" pitchFamily="34" charset="0"/>
+                        </a:rPr>
+                        <a:t>23.03485 (s)</a:t>
+                      </a:r>
                     </a:p>
                   </a:txBody>
                   <a:tcPr/>
@@ -5237,6 +5485,48 @@
                     <a:lstStyle/>
                     <a:p>
                       <a:pPr algn="ctr"/>
+                      <a:r>
+                        <a:rPr lang="pt-PT" dirty="0">
+                          <a:latin typeface="Calibri" panose="020F0502020204030204" pitchFamily="34" charset="0"/>
+                          <a:ea typeface="Calibri" panose="020F0502020204030204" pitchFamily="34" charset="0"/>
+                          <a:cs typeface="Calibri" panose="020F0502020204030204" pitchFamily="34" charset="0"/>
+                        </a:rPr>
+                        <a:t>25.10465 (s)</a:t>
+                      </a:r>
+                    </a:p>
+                  </a:txBody>
+                  <a:tcPr/>
+                </a:tc>
+                <a:tc>
+                  <a:txBody>
+                    <a:bodyPr/>
+                    <a:lstStyle/>
+                    <a:p>
+                      <a:pPr algn="ctr"/>
+                      <a:r>
+                        <a:rPr lang="pt-PT">
+                          <a:latin typeface="Calibri" panose="020F0502020204030204" pitchFamily="34" charset="0"/>
+                          <a:ea typeface="Calibri" panose="020F0502020204030204" pitchFamily="34" charset="0"/>
+                          <a:cs typeface="Calibri" panose="020F0502020204030204" pitchFamily="34" charset="0"/>
+                        </a:rPr>
+                        <a:t>25.01592</a:t>
+                      </a:r>
+                      <a:r>
+                        <a:rPr lang="pt-PT" u="sng">
+                          <a:latin typeface="Calibri" panose="020F0502020204030204" pitchFamily="34" charset="0"/>
+                          <a:ea typeface="Calibri" panose="020F0502020204030204" pitchFamily="34" charset="0"/>
+                          <a:cs typeface="Calibri" panose="020F0502020204030204" pitchFamily="34" charset="0"/>
+                        </a:rPr>
+                        <a:t>s</a:t>
+                      </a:r>
+                      <a:r>
+                        <a:rPr lang="pt-PT">
+                          <a:latin typeface="Calibri" panose="020F0502020204030204" pitchFamily="34" charset="0"/>
+                          <a:ea typeface="Calibri" panose="020F0502020204030204" pitchFamily="34" charset="0"/>
+                          <a:cs typeface="Calibri" panose="020F0502020204030204" pitchFamily="34" charset="0"/>
+                        </a:rPr>
+                        <a:t> ()</a:t>
+                      </a:r>
                       <a:endParaRPr lang="pt-PT" dirty="0">
                         <a:latin typeface="Calibri" panose="020F0502020204030204" pitchFamily="34" charset="0"/>
                         <a:ea typeface="Calibri" panose="020F0502020204030204" pitchFamily="34" charset="0"/>
@@ -5256,6 +5546,305 @@
           </a:graphicData>
         </a:graphic>
       </p:graphicFrame>
+      <p:sp>
+        <p:nvSpPr>
+          <p:cNvPr id="8" name="CaixaDeTexto 7">
+            <a:extLst>
+              <a:ext uri="{FF2B5EF4-FFF2-40B4-BE49-F238E27FC236}">
+                <a16:creationId xmlns:a16="http://schemas.microsoft.com/office/drawing/2014/main" id="{C21A4B6E-E24A-4553-9F63-5C358B965921}"/>
+              </a:ext>
+            </a:extLst>
+          </p:cNvPr>
+          <p:cNvSpPr txBox="1"/>
+          <p:nvPr/>
+        </p:nvSpPr>
+        <p:spPr>
+          <a:xfrm>
+            <a:off x="2205192" y="4144447"/>
+            <a:ext cx="8470589" cy="1754326"/>
+          </a:xfrm>
+          <a:prstGeom prst="rect">
+            <a:avLst/>
+          </a:prstGeom>
+          <a:noFill/>
+          <a:ln w="9525" cap="flat" cmpd="sng" algn="ctr">
+            <a:solidFill>
+              <a:schemeClr val="dk1"/>
+            </a:solidFill>
+            <a:prstDash val="solid"/>
+            <a:round/>
+            <a:headEnd type="none" w="med" len="med"/>
+            <a:tailEnd type="none" w="med" len="med"/>
+          </a:ln>
+        </p:spPr>
+        <p:style>
+          <a:lnRef idx="0">
+            <a:scrgbClr r="0" g="0" b="0"/>
+          </a:lnRef>
+          <a:fillRef idx="0">
+            <a:scrgbClr r="0" g="0" b="0"/>
+          </a:fillRef>
+          <a:effectRef idx="0">
+            <a:scrgbClr r="0" g="0" b="0"/>
+          </a:effectRef>
+          <a:fontRef idx="minor">
+            <a:schemeClr val="dk1"/>
+          </a:fontRef>
+        </p:style>
+        <p:txBody>
+          <a:bodyPr wrap="none" rtlCol="0">
+            <a:spAutoFit/>
+          </a:bodyPr>
+          <a:lstStyle/>
+          <a:p>
+            <a:pPr marL="285750" indent="-285750">
+              <a:buFont typeface="Wingdings" panose="05000000000000000000" pitchFamily="2" charset="2"/>
+              <a:buChar char="Ø"/>
+            </a:pPr>
+            <a:r>
+              <a:rPr lang="pt-PT" u="sng" dirty="0"/>
+              <a:t>Compile </a:t>
+            </a:r>
+            <a:r>
+              <a:rPr lang="pt-PT" u="sng" dirty="0" err="1"/>
+              <a:t>command</a:t>
+            </a:r>
+            <a:endParaRPr lang="pt-PT" u="sng" dirty="0"/>
+          </a:p>
+          <a:p>
+            <a:r>
+              <a:rPr lang="en-US" dirty="0"/>
+              <a:t>	</a:t>
+            </a:r>
+            <a:r>
+              <a:rPr lang="en-US" dirty="0" err="1">
+                <a:effectLst>
+                  <a:outerShdw blurRad="38100" dist="38100" dir="2700000" algn="tl">
+                    <a:srgbClr val="000000">
+                      <a:alpha val="43137"/>
+                    </a:srgbClr>
+                  </a:outerShdw>
+                </a:effectLst>
+              </a:rPr>
+              <a:t>gcc</a:t>
+            </a:r>
+            <a:r>
+              <a:rPr lang="en-US" dirty="0">
+                <a:effectLst>
+                  <a:outerShdw blurRad="38100" dist="38100" dir="2700000" algn="tl">
+                    <a:srgbClr val="000000">
+                      <a:alpha val="43137"/>
+                    </a:srgbClr>
+                  </a:outerShdw>
+                </a:effectLst>
+              </a:rPr>
+              <a:t> -Wall -O3 -o </a:t>
+            </a:r>
+            <a:r>
+              <a:rPr lang="en-US" dirty="0" err="1">
+                <a:effectLst>
+                  <a:outerShdw blurRad="38100" dist="38100" dir="2700000" algn="tl">
+                    <a:srgbClr val="000000">
+                      <a:alpha val="43137"/>
+                    </a:srgbClr>
+                  </a:outerShdw>
+                </a:effectLst>
+              </a:rPr>
+              <a:t>sortingSequence</a:t>
+            </a:r>
+            <a:r>
+              <a:rPr lang="en-US" dirty="0">
+                <a:effectLst>
+                  <a:outerShdw blurRad="38100" dist="38100" dir="2700000" algn="tl">
+                    <a:srgbClr val="000000">
+                      <a:alpha val="43137"/>
+                    </a:srgbClr>
+                  </a:outerShdw>
+                </a:effectLst>
+              </a:rPr>
+              <a:t> </a:t>
+            </a:r>
+            <a:r>
+              <a:rPr lang="en-US" dirty="0" err="1">
+                <a:effectLst>
+                  <a:outerShdw blurRad="38100" dist="38100" dir="2700000" algn="tl">
+                    <a:srgbClr val="000000">
+                      <a:alpha val="43137"/>
+                    </a:srgbClr>
+                  </a:outerShdw>
+                </a:effectLst>
+              </a:rPr>
+              <a:t>sortingSequence.c</a:t>
+            </a:r>
+            <a:r>
+              <a:rPr lang="en-US" dirty="0">
+                <a:effectLst>
+                  <a:outerShdw blurRad="38100" dist="38100" dir="2700000" algn="tl">
+                    <a:srgbClr val="000000">
+                      <a:alpha val="43137"/>
+                    </a:srgbClr>
+                  </a:outerShdw>
+                </a:effectLst>
+              </a:rPr>
+              <a:t> </a:t>
+            </a:r>
+            <a:r>
+              <a:rPr lang="en-US" dirty="0" err="1">
+                <a:effectLst>
+                  <a:outerShdw blurRad="38100" dist="38100" dir="2700000" algn="tl">
+                    <a:srgbClr val="000000">
+                      <a:alpha val="43137"/>
+                    </a:srgbClr>
+                  </a:outerShdw>
+                </a:effectLst>
+              </a:rPr>
+              <a:t>sharedMemory.c</a:t>
+            </a:r>
+            <a:r>
+              <a:rPr lang="en-US" dirty="0">
+                <a:effectLst>
+                  <a:outerShdw blurRad="38100" dist="38100" dir="2700000" algn="tl">
+                    <a:srgbClr val="000000">
+                      <a:alpha val="43137"/>
+                    </a:srgbClr>
+                  </a:outerShdw>
+                </a:effectLst>
+              </a:rPr>
+              <a:t> -</a:t>
+            </a:r>
+            <a:r>
+              <a:rPr lang="en-US" dirty="0" err="1">
+                <a:effectLst>
+                  <a:outerShdw blurRad="38100" dist="38100" dir="2700000" algn="tl">
+                    <a:srgbClr val="000000">
+                      <a:alpha val="43137"/>
+                    </a:srgbClr>
+                  </a:outerShdw>
+                </a:effectLst>
+              </a:rPr>
+              <a:t>lpthread</a:t>
+            </a:r>
+            <a:r>
+              <a:rPr lang="en-US" dirty="0">
+                <a:effectLst>
+                  <a:outerShdw blurRad="38100" dist="38100" dir="2700000" algn="tl">
+                    <a:srgbClr val="000000">
+                      <a:alpha val="43137"/>
+                    </a:srgbClr>
+                  </a:outerShdw>
+                </a:effectLst>
+              </a:rPr>
+              <a:t> -</a:t>
+            </a:r>
+            <a:r>
+              <a:rPr lang="en-US" dirty="0" err="1">
+                <a:effectLst>
+                  <a:outerShdw blurRad="38100" dist="38100" dir="2700000" algn="tl">
+                    <a:srgbClr val="000000">
+                      <a:alpha val="43137"/>
+                    </a:srgbClr>
+                  </a:outerShdw>
+                </a:effectLst>
+              </a:rPr>
+              <a:t>lm</a:t>
+            </a:r>
+            <a:endParaRPr lang="en-US" dirty="0">
+              <a:effectLst>
+                <a:outerShdw blurRad="38100" dist="38100" dir="2700000" algn="tl">
+                  <a:srgbClr val="000000">
+                    <a:alpha val="43137"/>
+                  </a:srgbClr>
+                </a:outerShdw>
+              </a:effectLst>
+            </a:endParaRPr>
+          </a:p>
+          <a:p>
+            <a:endParaRPr lang="en-US" dirty="0"/>
+          </a:p>
+          <a:p>
+            <a:pPr marL="285750" indent="-285750">
+              <a:buFont typeface="Wingdings" panose="05000000000000000000" pitchFamily="2" charset="2"/>
+              <a:buChar char="Ø"/>
+            </a:pPr>
+            <a:r>
+              <a:rPr lang="en-US" u="sng" dirty="0"/>
+              <a:t>Run command</a:t>
+            </a:r>
+          </a:p>
+          <a:p>
+            <a:r>
+              <a:rPr lang="en-US" dirty="0"/>
+              <a:t>	</a:t>
+            </a:r>
+            <a:r>
+              <a:rPr lang="pt-PT" dirty="0">
+                <a:effectLst>
+                  <a:outerShdw blurRad="38100" dist="38100" dir="2700000" algn="tl">
+                    <a:srgbClr val="000000">
+                      <a:alpha val="43137"/>
+                    </a:srgbClr>
+                  </a:outerShdw>
+                </a:effectLst>
+              </a:rPr>
+              <a:t>./</a:t>
+            </a:r>
+            <a:r>
+              <a:rPr lang="pt-PT" dirty="0" err="1">
+                <a:effectLst>
+                  <a:outerShdw blurRad="38100" dist="38100" dir="2700000" algn="tl">
+                    <a:srgbClr val="000000">
+                      <a:alpha val="43137"/>
+                    </a:srgbClr>
+                  </a:outerShdw>
+                </a:effectLst>
+              </a:rPr>
+              <a:t>sortingSequence</a:t>
+            </a:r>
+            <a:r>
+              <a:rPr lang="pt-PT" dirty="0">
+                <a:effectLst>
+                  <a:outerShdw blurRad="38100" dist="38100" dir="2700000" algn="tl">
+                    <a:srgbClr val="000000">
+                      <a:alpha val="43137"/>
+                    </a:srgbClr>
+                  </a:outerShdw>
+                </a:effectLst>
+              </a:rPr>
+              <a:t> [</a:t>
+            </a:r>
+            <a:r>
+              <a:rPr lang="pt-PT" i="1" dirty="0" err="1">
+                <a:effectLst>
+                  <a:outerShdw blurRad="38100" dist="38100" dir="2700000" algn="tl">
+                    <a:srgbClr val="000000">
+                      <a:alpha val="43137"/>
+                    </a:srgbClr>
+                  </a:outerShdw>
+                </a:effectLst>
+              </a:rPr>
+              <a:t>binary_file_name</a:t>
+            </a:r>
+            <a:r>
+              <a:rPr lang="pt-PT" dirty="0">
+                <a:effectLst>
+                  <a:outerShdw blurRad="38100" dist="38100" dir="2700000" algn="tl">
+                    <a:srgbClr val="000000">
+                      <a:alpha val="43137"/>
+                    </a:srgbClr>
+                  </a:outerShdw>
+                </a:effectLst>
+              </a:rPr>
+              <a:t>]</a:t>
+            </a:r>
+          </a:p>
+          <a:p>
+            <a:r>
+              <a:rPr lang="pt-PT" dirty="0"/>
+              <a:t>	</a:t>
+            </a:r>
+          </a:p>
+        </p:txBody>
+      </p:sp>
     </p:spTree>
     <p:extLst>
       <p:ext uri="{BB962C8B-B14F-4D97-AF65-F5344CB8AC3E}">

--- a/CLE1_T3G5/present.pptx
+++ b/CLE1_T3G5/present.pptx
@@ -3814,25 +3814,1085 @@
       </p:sp>
       <p:sp>
         <p:nvSpPr>
-          <p:cNvPr id="3" name="Marcador de Posição de Conteúdo 2">
+          <p:cNvPr id="5" name="Retângulo 4">
             <a:extLst>
               <a:ext uri="{FF2B5EF4-FFF2-40B4-BE49-F238E27FC236}">
-                <a16:creationId xmlns:a16="http://schemas.microsoft.com/office/drawing/2014/main" id="{2D745695-6161-41A4-A2E0-37169F11F70A}"/>
+                <a16:creationId xmlns:a16="http://schemas.microsoft.com/office/drawing/2014/main" id="{29F7720A-1671-452A-9D05-6045B26559AD}"/>
               </a:ext>
             </a:extLst>
           </p:cNvPr>
-          <p:cNvSpPr>
-            <a:spLocks noGrp="1"/>
-          </p:cNvSpPr>
-          <p:nvPr>
-            <p:ph idx="1"/>
-          </p:nvPr>
-        </p:nvSpPr>
-        <p:spPr/>
-        <p:txBody>
-          <a:bodyPr/>
-          <a:lstStyle/>
-          <a:p>
+          <p:cNvSpPr/>
+          <p:nvPr/>
+        </p:nvSpPr>
+        <p:spPr>
+          <a:xfrm>
+            <a:off x="8446124" y="2015732"/>
+            <a:ext cx="2608730" cy="2188716"/>
+          </a:xfrm>
+          <a:prstGeom prst="rect">
+            <a:avLst/>
+          </a:prstGeom>
+          <a:solidFill>
+            <a:schemeClr val="dk1">
+              <a:alpha val="50000"/>
+            </a:schemeClr>
+          </a:solidFill>
+          <a:ln w="38100">
+            <a:solidFill>
+              <a:schemeClr val="tx1"/>
+            </a:solidFill>
+          </a:ln>
+        </p:spPr>
+        <p:style>
+          <a:lnRef idx="0">
+            <a:scrgbClr r="0" g="0" b="0"/>
+          </a:lnRef>
+          <a:fillRef idx="0">
+            <a:scrgbClr r="0" g="0" b="0"/>
+          </a:fillRef>
+          <a:effectRef idx="0">
+            <a:scrgbClr r="0" g="0" b="0"/>
+          </a:effectRef>
+          <a:fontRef idx="minor">
+            <a:schemeClr val="lt1"/>
+          </a:fontRef>
+        </p:style>
+        <p:txBody>
+          <a:bodyPr rtlCol="0" anchor="ctr"/>
+          <a:lstStyle/>
+          <a:p>
+            <a:pPr algn="ctr"/>
+            <a:endParaRPr lang="pt-PT" dirty="0"/>
+          </a:p>
+        </p:txBody>
+      </p:sp>
+      <p:sp>
+        <p:nvSpPr>
+          <p:cNvPr id="6" name="CaixaDeTexto 5">
+            <a:extLst>
+              <a:ext uri="{FF2B5EF4-FFF2-40B4-BE49-F238E27FC236}">
+                <a16:creationId xmlns:a16="http://schemas.microsoft.com/office/drawing/2014/main" id="{F7E58B08-A09D-49A3-BEEC-69277A084225}"/>
+              </a:ext>
+            </a:extLst>
+          </p:cNvPr>
+          <p:cNvSpPr txBox="1"/>
+          <p:nvPr/>
+        </p:nvSpPr>
+        <p:spPr>
+          <a:xfrm>
+            <a:off x="8446123" y="2033659"/>
+            <a:ext cx="2608729" cy="369332"/>
+          </a:xfrm>
+          <a:prstGeom prst="rect">
+            <a:avLst/>
+          </a:prstGeom>
+          <a:noFill/>
+        </p:spPr>
+        <p:txBody>
+          <a:bodyPr wrap="square" rtlCol="0">
+            <a:spAutoFit/>
+          </a:bodyPr>
+          <a:lstStyle/>
+          <a:p>
+            <a:pPr algn="ctr"/>
+            <a:r>
+              <a:rPr lang="pt-PT" dirty="0" err="1">
+                <a:solidFill>
+                  <a:schemeClr val="bg1"/>
+                </a:solidFill>
+              </a:rPr>
+              <a:t>SharedMemory</a:t>
+            </a:r>
+            <a:endParaRPr lang="pt-PT" dirty="0">
+              <a:solidFill>
+                <a:schemeClr val="bg1"/>
+              </a:solidFill>
+            </a:endParaRPr>
+          </a:p>
+        </p:txBody>
+      </p:sp>
+      <p:sp>
+        <p:nvSpPr>
+          <p:cNvPr id="7" name="CaixaDeTexto 6">
+            <a:extLst>
+              <a:ext uri="{FF2B5EF4-FFF2-40B4-BE49-F238E27FC236}">
+                <a16:creationId xmlns:a16="http://schemas.microsoft.com/office/drawing/2014/main" id="{717FB2EE-FF16-4062-967A-B8DA6211FFAC}"/>
+              </a:ext>
+            </a:extLst>
+          </p:cNvPr>
+          <p:cNvSpPr txBox="1"/>
+          <p:nvPr/>
+        </p:nvSpPr>
+        <p:spPr>
+          <a:xfrm>
+            <a:off x="8446124" y="2533784"/>
+            <a:ext cx="2608728" cy="1600438"/>
+          </a:xfrm>
+          <a:prstGeom prst="rect">
+            <a:avLst/>
+          </a:prstGeom>
+          <a:noFill/>
+        </p:spPr>
+        <p:txBody>
+          <a:bodyPr wrap="square" rtlCol="0">
+            <a:spAutoFit/>
+          </a:bodyPr>
+          <a:lstStyle/>
+          <a:p>
+            <a:pPr marL="285750" indent="-285750">
+              <a:buFont typeface="Arial" panose="020B0604020202020204" pitchFamily="34" charset="0"/>
+              <a:buChar char="•"/>
+            </a:pPr>
+            <a:r>
+              <a:rPr lang="pt-PT" sz="1400" dirty="0" err="1">
+                <a:solidFill>
+                  <a:schemeClr val="bg1"/>
+                </a:solidFill>
+              </a:rPr>
+              <a:t>struct</a:t>
+            </a:r>
+            <a:r>
+              <a:rPr lang="pt-PT" sz="1400" dirty="0">
+                <a:solidFill>
+                  <a:schemeClr val="bg1"/>
+                </a:solidFill>
+              </a:rPr>
+              <a:t> </a:t>
+            </a:r>
+            <a:r>
+              <a:rPr lang="pt-PT" sz="1400" dirty="0" err="1">
+                <a:solidFill>
+                  <a:schemeClr val="bg1"/>
+                </a:solidFill>
+              </a:rPr>
+              <a:t>FileResult</a:t>
+            </a:r>
+            <a:r>
+              <a:rPr lang="pt-PT" sz="1400" dirty="0">
+                <a:solidFill>
+                  <a:schemeClr val="bg1"/>
+                </a:solidFill>
+              </a:rPr>
+              <a:t>* </a:t>
+            </a:r>
+            <a:r>
+              <a:rPr lang="pt-PT" sz="1400" dirty="0" err="1">
+                <a:solidFill>
+                  <a:schemeClr val="bg1"/>
+                </a:solidFill>
+              </a:rPr>
+              <a:t>fileResults</a:t>
+            </a:r>
+            <a:endParaRPr lang="pt-PT" sz="1400" dirty="0">
+              <a:solidFill>
+                <a:schemeClr val="bg1"/>
+              </a:solidFill>
+            </a:endParaRPr>
+          </a:p>
+          <a:p>
+            <a:pPr marL="285750" indent="-285750">
+              <a:buFont typeface="Arial" panose="020B0604020202020204" pitchFamily="34" charset="0"/>
+              <a:buChar char="•"/>
+            </a:pPr>
+            <a:r>
+              <a:rPr lang="pt-PT" sz="1400" dirty="0" err="1">
+                <a:solidFill>
+                  <a:schemeClr val="bg1"/>
+                </a:solidFill>
+              </a:rPr>
+              <a:t>char</a:t>
+            </a:r>
+            <a:r>
+              <a:rPr lang="pt-PT" sz="1400" dirty="0">
+                <a:solidFill>
+                  <a:schemeClr val="bg1"/>
+                </a:solidFill>
+              </a:rPr>
+              <a:t>** </a:t>
+            </a:r>
+            <a:r>
+              <a:rPr lang="pt-PT" sz="1400" dirty="0" err="1">
+                <a:solidFill>
+                  <a:schemeClr val="bg1"/>
+                </a:solidFill>
+              </a:rPr>
+              <a:t>fileNames</a:t>
+            </a:r>
+            <a:endParaRPr lang="pt-PT" sz="1400" dirty="0">
+              <a:solidFill>
+                <a:schemeClr val="bg1"/>
+              </a:solidFill>
+            </a:endParaRPr>
+          </a:p>
+          <a:p>
+            <a:pPr marL="285750" indent="-285750">
+              <a:buFont typeface="Arial" panose="020B0604020202020204" pitchFamily="34" charset="0"/>
+              <a:buChar char="•"/>
+            </a:pPr>
+            <a:r>
+              <a:rPr lang="pt-PT" sz="1400" dirty="0" err="1">
+                <a:solidFill>
+                  <a:schemeClr val="bg1"/>
+                </a:solidFill>
+              </a:rPr>
+              <a:t>int</a:t>
+            </a:r>
+            <a:r>
+              <a:rPr lang="pt-PT" sz="1400" dirty="0">
+                <a:solidFill>
+                  <a:schemeClr val="bg1"/>
+                </a:solidFill>
+              </a:rPr>
+              <a:t> </a:t>
+            </a:r>
+            <a:r>
+              <a:rPr lang="pt-PT" sz="1400" dirty="0" err="1">
+                <a:solidFill>
+                  <a:schemeClr val="bg1"/>
+                </a:solidFill>
+              </a:rPr>
+              <a:t>fileId</a:t>
+            </a:r>
+            <a:endParaRPr lang="pt-PT" sz="1400" dirty="0">
+              <a:solidFill>
+                <a:schemeClr val="bg1"/>
+              </a:solidFill>
+            </a:endParaRPr>
+          </a:p>
+          <a:p>
+            <a:pPr marL="285750" indent="-285750">
+              <a:buFont typeface="Arial" panose="020B0604020202020204" pitchFamily="34" charset="0"/>
+              <a:buChar char="•"/>
+            </a:pPr>
+            <a:r>
+              <a:rPr lang="pt-PT" sz="1400" dirty="0" err="1">
+                <a:solidFill>
+                  <a:schemeClr val="bg1"/>
+                </a:solidFill>
+              </a:rPr>
+              <a:t>int</a:t>
+            </a:r>
+            <a:r>
+              <a:rPr lang="pt-PT" sz="1400" dirty="0">
+                <a:solidFill>
+                  <a:schemeClr val="bg1"/>
+                </a:solidFill>
+              </a:rPr>
+              <a:t> </a:t>
+            </a:r>
+            <a:r>
+              <a:rPr lang="pt-PT" sz="1400" dirty="0" err="1">
+                <a:solidFill>
+                  <a:schemeClr val="bg1"/>
+                </a:solidFill>
+              </a:rPr>
+              <a:t>totalFiles</a:t>
+            </a:r>
+            <a:endParaRPr lang="pt-PT" sz="1400" dirty="0">
+              <a:solidFill>
+                <a:schemeClr val="bg1"/>
+              </a:solidFill>
+            </a:endParaRPr>
+          </a:p>
+          <a:p>
+            <a:pPr marL="285750" indent="-285750">
+              <a:buFont typeface="Arial" panose="020B0604020202020204" pitchFamily="34" charset="0"/>
+              <a:buChar char="•"/>
+            </a:pPr>
+            <a:r>
+              <a:rPr lang="pt-PT" sz="1400" dirty="0" err="1">
+                <a:solidFill>
+                  <a:schemeClr val="bg1"/>
+                </a:solidFill>
+              </a:rPr>
+              <a:t>int</a:t>
+            </a:r>
+            <a:r>
+              <a:rPr lang="pt-PT" sz="1400" dirty="0">
+                <a:solidFill>
+                  <a:schemeClr val="bg1"/>
+                </a:solidFill>
+              </a:rPr>
+              <a:t> </a:t>
+            </a:r>
+            <a:r>
+              <a:rPr lang="pt-PT" sz="1400" dirty="0" err="1">
+                <a:solidFill>
+                  <a:schemeClr val="bg1"/>
+                </a:solidFill>
+              </a:rPr>
+              <a:t>chunkSize</a:t>
+            </a:r>
+            <a:endParaRPr lang="pt-PT" sz="1400" dirty="0">
+              <a:solidFill>
+                <a:schemeClr val="bg1"/>
+              </a:solidFill>
+            </a:endParaRPr>
+          </a:p>
+          <a:p>
+            <a:pPr marL="285750" indent="-285750">
+              <a:buFont typeface="Arial" panose="020B0604020202020204" pitchFamily="34" charset="0"/>
+              <a:buChar char="•"/>
+            </a:pPr>
+            <a:r>
+              <a:rPr lang="pt-PT" sz="1400" dirty="0" err="1">
+                <a:solidFill>
+                  <a:schemeClr val="bg1"/>
+                </a:solidFill>
+              </a:rPr>
+              <a:t>bool</a:t>
+            </a:r>
+            <a:r>
+              <a:rPr lang="pt-PT" sz="1400" dirty="0">
+                <a:solidFill>
+                  <a:schemeClr val="bg1"/>
+                </a:solidFill>
+              </a:rPr>
+              <a:t> </a:t>
+            </a:r>
+            <a:r>
+              <a:rPr lang="pt-PT" sz="1400" dirty="0" err="1">
+                <a:solidFill>
+                  <a:schemeClr val="bg1"/>
+                </a:solidFill>
+              </a:rPr>
+              <a:t>openFile</a:t>
+            </a:r>
+            <a:endParaRPr lang="pt-PT" sz="1400" dirty="0">
+              <a:solidFill>
+                <a:schemeClr val="bg1"/>
+              </a:solidFill>
+            </a:endParaRPr>
+          </a:p>
+          <a:p>
+            <a:pPr marL="285750" indent="-285750">
+              <a:buFont typeface="Arial" panose="020B0604020202020204" pitchFamily="34" charset="0"/>
+              <a:buChar char="•"/>
+            </a:pPr>
+            <a:r>
+              <a:rPr lang="pt-PT" sz="1400" dirty="0">
+                <a:solidFill>
+                  <a:schemeClr val="bg1"/>
+                </a:solidFill>
+              </a:rPr>
+              <a:t>File* </a:t>
+            </a:r>
+            <a:r>
+              <a:rPr lang="pt-PT" sz="1400" dirty="0" err="1">
+                <a:solidFill>
+                  <a:schemeClr val="bg1"/>
+                </a:solidFill>
+              </a:rPr>
+              <a:t>currentFile</a:t>
+            </a:r>
+            <a:endParaRPr lang="pt-PT" sz="1400" dirty="0">
+              <a:solidFill>
+                <a:schemeClr val="bg1"/>
+              </a:solidFill>
+            </a:endParaRPr>
+          </a:p>
+        </p:txBody>
+      </p:sp>
+      <p:sp>
+        <p:nvSpPr>
+          <p:cNvPr id="12" name="Retângulo 11">
+            <a:extLst>
+              <a:ext uri="{FF2B5EF4-FFF2-40B4-BE49-F238E27FC236}">
+                <a16:creationId xmlns:a16="http://schemas.microsoft.com/office/drawing/2014/main" id="{084C925D-D4F7-43DC-89EE-C59442D43FE5}"/>
+              </a:ext>
+            </a:extLst>
+          </p:cNvPr>
+          <p:cNvSpPr/>
+          <p:nvPr/>
+        </p:nvSpPr>
+        <p:spPr>
+          <a:xfrm>
+            <a:off x="8446124" y="4561709"/>
+            <a:ext cx="2608730" cy="1256384"/>
+          </a:xfrm>
+          <a:prstGeom prst="rect">
+            <a:avLst/>
+          </a:prstGeom>
+          <a:solidFill>
+            <a:schemeClr val="dk1">
+              <a:alpha val="50000"/>
+            </a:schemeClr>
+          </a:solidFill>
+          <a:ln>
+            <a:noFill/>
+          </a:ln>
+        </p:spPr>
+        <p:style>
+          <a:lnRef idx="0">
+            <a:scrgbClr r="0" g="0" b="0"/>
+          </a:lnRef>
+          <a:fillRef idx="0">
+            <a:scrgbClr r="0" g="0" b="0"/>
+          </a:fillRef>
+          <a:effectRef idx="0">
+            <a:scrgbClr r="0" g="0" b="0"/>
+          </a:effectRef>
+          <a:fontRef idx="minor">
+            <a:schemeClr val="lt1"/>
+          </a:fontRef>
+        </p:style>
+        <p:txBody>
+          <a:bodyPr rtlCol="0" anchor="ctr"/>
+          <a:lstStyle/>
+          <a:p>
+            <a:pPr algn="ctr"/>
+            <a:endParaRPr lang="pt-PT" dirty="0"/>
+          </a:p>
+        </p:txBody>
+      </p:sp>
+      <p:sp>
+        <p:nvSpPr>
+          <p:cNvPr id="13" name="CaixaDeTexto 12">
+            <a:extLst>
+              <a:ext uri="{FF2B5EF4-FFF2-40B4-BE49-F238E27FC236}">
+                <a16:creationId xmlns:a16="http://schemas.microsoft.com/office/drawing/2014/main" id="{902ED50C-BB19-4988-A429-E5917976072E}"/>
+              </a:ext>
+            </a:extLst>
+          </p:cNvPr>
+          <p:cNvSpPr txBox="1"/>
+          <p:nvPr/>
+        </p:nvSpPr>
+        <p:spPr>
+          <a:xfrm>
+            <a:off x="8446123" y="4579636"/>
+            <a:ext cx="2608729" cy="369332"/>
+          </a:xfrm>
+          <a:prstGeom prst="rect">
+            <a:avLst/>
+          </a:prstGeom>
+          <a:noFill/>
+        </p:spPr>
+        <p:txBody>
+          <a:bodyPr wrap="square" rtlCol="0">
+            <a:spAutoFit/>
+          </a:bodyPr>
+          <a:lstStyle/>
+          <a:p>
+            <a:pPr algn="ctr"/>
+            <a:r>
+              <a:rPr lang="pt-PT" dirty="0" err="1">
+                <a:solidFill>
+                  <a:schemeClr val="bg1"/>
+                </a:solidFill>
+              </a:rPr>
+              <a:t>FileResults</a:t>
+            </a:r>
+            <a:endParaRPr lang="pt-PT" dirty="0">
+              <a:solidFill>
+                <a:schemeClr val="bg1"/>
+              </a:solidFill>
+            </a:endParaRPr>
+          </a:p>
+        </p:txBody>
+      </p:sp>
+      <p:sp>
+        <p:nvSpPr>
+          <p:cNvPr id="14" name="CaixaDeTexto 13">
+            <a:extLst>
+              <a:ext uri="{FF2B5EF4-FFF2-40B4-BE49-F238E27FC236}">
+                <a16:creationId xmlns:a16="http://schemas.microsoft.com/office/drawing/2014/main" id="{9305E7AD-A7AC-4270-B857-86C147BDBCF8}"/>
+              </a:ext>
+            </a:extLst>
+          </p:cNvPr>
+          <p:cNvSpPr txBox="1"/>
+          <p:nvPr/>
+        </p:nvSpPr>
+        <p:spPr>
+          <a:xfrm>
+            <a:off x="8446124" y="5079761"/>
+            <a:ext cx="2608728" cy="738664"/>
+          </a:xfrm>
+          <a:prstGeom prst="rect">
+            <a:avLst/>
+          </a:prstGeom>
+          <a:noFill/>
+        </p:spPr>
+        <p:txBody>
+          <a:bodyPr wrap="square" rtlCol="0">
+            <a:spAutoFit/>
+          </a:bodyPr>
+          <a:lstStyle/>
+          <a:p>
+            <a:pPr marL="285750" indent="-285750">
+              <a:buFont typeface="Arial" panose="020B0604020202020204" pitchFamily="34" charset="0"/>
+              <a:buChar char="•"/>
+            </a:pPr>
+            <a:r>
+              <a:rPr lang="pt-PT" sz="1400" dirty="0" err="1">
+                <a:solidFill>
+                  <a:schemeClr val="bg1"/>
+                </a:solidFill>
+              </a:rPr>
+              <a:t>int</a:t>
+            </a:r>
+            <a:r>
+              <a:rPr lang="pt-PT" sz="1400" dirty="0">
+                <a:solidFill>
+                  <a:schemeClr val="bg1"/>
+                </a:solidFill>
+              </a:rPr>
+              <a:t> </a:t>
+            </a:r>
+            <a:r>
+              <a:rPr lang="pt-PT" sz="1400" dirty="0" err="1">
+                <a:solidFill>
+                  <a:schemeClr val="bg1"/>
+                </a:solidFill>
+              </a:rPr>
+              <a:t>nWords</a:t>
+            </a:r>
+            <a:endParaRPr lang="pt-PT" sz="1400" dirty="0">
+              <a:solidFill>
+                <a:schemeClr val="bg1"/>
+              </a:solidFill>
+            </a:endParaRPr>
+          </a:p>
+          <a:p>
+            <a:pPr marL="285750" indent="-285750">
+              <a:buFont typeface="Arial" panose="020B0604020202020204" pitchFamily="34" charset="0"/>
+              <a:buChar char="•"/>
+            </a:pPr>
+            <a:r>
+              <a:rPr lang="pt-PT" sz="1400" dirty="0" err="1">
+                <a:solidFill>
+                  <a:schemeClr val="bg1"/>
+                </a:solidFill>
+              </a:rPr>
+              <a:t>int</a:t>
+            </a:r>
+            <a:r>
+              <a:rPr lang="pt-PT" sz="1400" dirty="0">
+                <a:solidFill>
+                  <a:schemeClr val="bg1"/>
+                </a:solidFill>
+              </a:rPr>
+              <a:t> </a:t>
+            </a:r>
+            <a:r>
+              <a:rPr lang="pt-PT" sz="1400" dirty="0" err="1">
+                <a:solidFill>
+                  <a:schemeClr val="bg1"/>
+                </a:solidFill>
+              </a:rPr>
+              <a:t>vowels</a:t>
+            </a:r>
+            <a:r>
+              <a:rPr lang="pt-PT" sz="1400" dirty="0">
+                <a:solidFill>
+                  <a:schemeClr val="bg1"/>
+                </a:solidFill>
+              </a:rPr>
+              <a:t>[6]</a:t>
+            </a:r>
+          </a:p>
+          <a:p>
+            <a:pPr marL="285750" indent="-285750">
+              <a:buFont typeface="Arial" panose="020B0604020202020204" pitchFamily="34" charset="0"/>
+              <a:buChar char="•"/>
+            </a:pPr>
+            <a:r>
+              <a:rPr lang="pt-PT" sz="1400" dirty="0" err="1">
+                <a:solidFill>
+                  <a:schemeClr val="bg1"/>
+                </a:solidFill>
+              </a:rPr>
+              <a:t>char</a:t>
+            </a:r>
+            <a:r>
+              <a:rPr lang="pt-PT" sz="1400" dirty="0">
+                <a:solidFill>
+                  <a:schemeClr val="bg1"/>
+                </a:solidFill>
+              </a:rPr>
+              <a:t>* </a:t>
+            </a:r>
+            <a:r>
+              <a:rPr lang="pt-PT" sz="1400" dirty="0" err="1">
+                <a:solidFill>
+                  <a:schemeClr val="bg1"/>
+                </a:solidFill>
+              </a:rPr>
+              <a:t>fileName</a:t>
+            </a:r>
+            <a:endParaRPr lang="pt-PT" sz="1400" dirty="0">
+              <a:solidFill>
+                <a:schemeClr val="bg1"/>
+              </a:solidFill>
+            </a:endParaRPr>
+          </a:p>
+        </p:txBody>
+      </p:sp>
+      <p:sp>
+        <p:nvSpPr>
+          <p:cNvPr id="15" name="CaixaDeTexto 14">
+            <a:extLst>
+              <a:ext uri="{FF2B5EF4-FFF2-40B4-BE49-F238E27FC236}">
+                <a16:creationId xmlns:a16="http://schemas.microsoft.com/office/drawing/2014/main" id="{76F53E89-4251-4B7E-BFF6-5604277C9C8F}"/>
+              </a:ext>
+            </a:extLst>
+          </p:cNvPr>
+          <p:cNvSpPr txBox="1"/>
+          <p:nvPr/>
+        </p:nvSpPr>
+        <p:spPr>
+          <a:xfrm>
+            <a:off x="2948703" y="2033659"/>
+            <a:ext cx="2439770" cy="369332"/>
+          </a:xfrm>
+          <a:prstGeom prst="rect">
+            <a:avLst/>
+          </a:prstGeom>
+          <a:noFill/>
+        </p:spPr>
+        <p:txBody>
+          <a:bodyPr wrap="square" rtlCol="0">
+            <a:spAutoFit/>
+          </a:bodyPr>
+          <a:lstStyle/>
+          <a:p>
+            <a:pPr algn="ctr"/>
+            <a:r>
+              <a:rPr lang="pt-PT" dirty="0" err="1"/>
+              <a:t>Threads</a:t>
+            </a:r>
+            <a:r>
+              <a:rPr lang="pt-PT" dirty="0"/>
+              <a:t> </a:t>
+            </a:r>
+            <a:r>
+              <a:rPr lang="pt-PT" dirty="0" err="1"/>
+              <a:t>initialization</a:t>
+            </a:r>
+            <a:endParaRPr lang="pt-PT" dirty="0"/>
+          </a:p>
+        </p:txBody>
+      </p:sp>
+      <p:cxnSp>
+        <p:nvCxnSpPr>
+          <p:cNvPr id="17" name="Conexão reta unidirecional 16">
+            <a:extLst>
+              <a:ext uri="{FF2B5EF4-FFF2-40B4-BE49-F238E27FC236}">
+                <a16:creationId xmlns:a16="http://schemas.microsoft.com/office/drawing/2014/main" id="{553E32DC-E45B-44D9-80E9-55F80C45FA56}"/>
+              </a:ext>
+            </a:extLst>
+          </p:cNvPr>
+          <p:cNvCxnSpPr>
+            <a:cxnSpLocks/>
+          </p:cNvCxnSpPr>
+          <p:nvPr/>
+        </p:nvCxnSpPr>
+        <p:spPr>
+          <a:xfrm>
+            <a:off x="4150660" y="2420921"/>
+            <a:ext cx="0" cy="322280"/>
+          </a:xfrm>
+          <a:prstGeom prst="straightConnector1">
+            <a:avLst/>
+          </a:prstGeom>
+          <a:ln>
+            <a:tailEnd type="triangle"/>
+          </a:ln>
+        </p:spPr>
+        <p:style>
+          <a:lnRef idx="1">
+            <a:schemeClr val="accent1"/>
+          </a:lnRef>
+          <a:fillRef idx="0">
+            <a:schemeClr val="accent1"/>
+          </a:fillRef>
+          <a:effectRef idx="0">
+            <a:schemeClr val="accent1"/>
+          </a:effectRef>
+          <a:fontRef idx="minor">
+            <a:schemeClr val="tx1"/>
+          </a:fontRef>
+        </p:style>
+      </p:cxnSp>
+      <p:sp>
+        <p:nvSpPr>
+          <p:cNvPr id="19" name="CaixaDeTexto 18">
+            <a:extLst>
+              <a:ext uri="{FF2B5EF4-FFF2-40B4-BE49-F238E27FC236}">
+                <a16:creationId xmlns:a16="http://schemas.microsoft.com/office/drawing/2014/main" id="{18BF5EFF-4E50-4808-BEBF-076E982D032A}"/>
+              </a:ext>
+            </a:extLst>
+          </p:cNvPr>
+          <p:cNvSpPr txBox="1"/>
+          <p:nvPr/>
+        </p:nvSpPr>
+        <p:spPr>
+          <a:xfrm>
+            <a:off x="2948703" y="2725271"/>
+            <a:ext cx="2439770" cy="369332"/>
+          </a:xfrm>
+          <a:prstGeom prst="rect">
+            <a:avLst/>
+          </a:prstGeom>
+          <a:noFill/>
+        </p:spPr>
+        <p:txBody>
+          <a:bodyPr wrap="square" rtlCol="0">
+            <a:spAutoFit/>
+          </a:bodyPr>
+          <a:lstStyle/>
+          <a:p>
+            <a:pPr algn="ctr"/>
+            <a:r>
+              <a:rPr lang="pt-PT" dirty="0" err="1"/>
+              <a:t>Fill</a:t>
+            </a:r>
+            <a:r>
+              <a:rPr lang="pt-PT" dirty="0"/>
+              <a:t> </a:t>
+            </a:r>
+            <a:r>
+              <a:rPr lang="pt-PT" dirty="0" err="1"/>
+              <a:t>shared</a:t>
+            </a:r>
+            <a:r>
+              <a:rPr lang="pt-PT" dirty="0"/>
+              <a:t> </a:t>
+            </a:r>
+            <a:r>
+              <a:rPr lang="pt-PT" dirty="0" err="1"/>
+              <a:t>memory</a:t>
+            </a:r>
+            <a:endParaRPr lang="pt-PT" dirty="0"/>
+          </a:p>
+        </p:txBody>
+      </p:sp>
+      <p:sp>
+        <p:nvSpPr>
+          <p:cNvPr id="21" name="CaixaDeTexto 20">
+            <a:extLst>
+              <a:ext uri="{FF2B5EF4-FFF2-40B4-BE49-F238E27FC236}">
+                <a16:creationId xmlns:a16="http://schemas.microsoft.com/office/drawing/2014/main" id="{6BA57DE3-534E-4077-931E-473808C41764}"/>
+              </a:ext>
+            </a:extLst>
+          </p:cNvPr>
+          <p:cNvSpPr txBox="1"/>
+          <p:nvPr/>
+        </p:nvSpPr>
+        <p:spPr>
+          <a:xfrm>
+            <a:off x="2930775" y="3416883"/>
+            <a:ext cx="2439770" cy="369332"/>
+          </a:xfrm>
+          <a:prstGeom prst="rect">
+            <a:avLst/>
+          </a:prstGeom>
+          <a:noFill/>
+        </p:spPr>
+        <p:txBody>
+          <a:bodyPr wrap="square" rtlCol="0">
+            <a:spAutoFit/>
+          </a:bodyPr>
+          <a:lstStyle/>
+          <a:p>
+            <a:pPr algn="ctr"/>
+            <a:r>
+              <a:rPr lang="pt-PT" dirty="0" err="1"/>
+              <a:t>Start</a:t>
+            </a:r>
+            <a:r>
+              <a:rPr lang="pt-PT" dirty="0"/>
+              <a:t> </a:t>
+            </a:r>
+            <a:r>
+              <a:rPr lang="pt-PT" dirty="0" err="1"/>
+              <a:t>threads</a:t>
+            </a:r>
+            <a:endParaRPr lang="pt-PT" dirty="0"/>
+          </a:p>
+        </p:txBody>
+      </p:sp>
+      <p:sp>
+        <p:nvSpPr>
+          <p:cNvPr id="23" name="CaixaDeTexto 22">
+            <a:extLst>
+              <a:ext uri="{FF2B5EF4-FFF2-40B4-BE49-F238E27FC236}">
+                <a16:creationId xmlns:a16="http://schemas.microsoft.com/office/drawing/2014/main" id="{E414D643-A511-4194-8DD4-1D009D671CD4}"/>
+              </a:ext>
+            </a:extLst>
+          </p:cNvPr>
+          <p:cNvSpPr txBox="1"/>
+          <p:nvPr/>
+        </p:nvSpPr>
+        <p:spPr>
+          <a:xfrm>
+            <a:off x="2948703" y="4103347"/>
+            <a:ext cx="2439770" cy="369332"/>
+          </a:xfrm>
+          <a:prstGeom prst="rect">
+            <a:avLst/>
+          </a:prstGeom>
+          <a:noFill/>
+        </p:spPr>
+        <p:txBody>
+          <a:bodyPr wrap="square" rtlCol="0">
+            <a:spAutoFit/>
+          </a:bodyPr>
+          <a:lstStyle/>
+          <a:p>
+            <a:pPr algn="ctr"/>
+            <a:r>
+              <a:rPr lang="pt-PT" dirty="0"/>
+              <a:t>…</a:t>
+            </a:r>
+          </a:p>
+        </p:txBody>
+      </p:sp>
+      <p:cxnSp>
+        <p:nvCxnSpPr>
+          <p:cNvPr id="25" name="Conexão reta unidirecional 24">
+            <a:extLst>
+              <a:ext uri="{FF2B5EF4-FFF2-40B4-BE49-F238E27FC236}">
+                <a16:creationId xmlns:a16="http://schemas.microsoft.com/office/drawing/2014/main" id="{45FA949B-C680-423D-BB75-E98626B23652}"/>
+              </a:ext>
+            </a:extLst>
+          </p:cNvPr>
+          <p:cNvCxnSpPr>
+            <a:cxnSpLocks/>
+          </p:cNvCxnSpPr>
+          <p:nvPr/>
+        </p:nvCxnSpPr>
+        <p:spPr>
+          <a:xfrm>
+            <a:off x="4150660" y="3110756"/>
+            <a:ext cx="0" cy="322280"/>
+          </a:xfrm>
+          <a:prstGeom prst="straightConnector1">
+            <a:avLst/>
+          </a:prstGeom>
+          <a:ln>
+            <a:tailEnd type="triangle"/>
+          </a:ln>
+        </p:spPr>
+        <p:style>
+          <a:lnRef idx="1">
+            <a:schemeClr val="accent1"/>
+          </a:lnRef>
+          <a:fillRef idx="0">
+            <a:schemeClr val="accent1"/>
+          </a:fillRef>
+          <a:effectRef idx="0">
+            <a:schemeClr val="accent1"/>
+          </a:effectRef>
+          <a:fontRef idx="minor">
+            <a:schemeClr val="tx1"/>
+          </a:fontRef>
+        </p:style>
+      </p:cxnSp>
+      <p:cxnSp>
+        <p:nvCxnSpPr>
+          <p:cNvPr id="26" name="Conexão reta unidirecional 25">
+            <a:extLst>
+              <a:ext uri="{FF2B5EF4-FFF2-40B4-BE49-F238E27FC236}">
+                <a16:creationId xmlns:a16="http://schemas.microsoft.com/office/drawing/2014/main" id="{E91AF71E-F317-4336-9015-4FF8C192AB67}"/>
+              </a:ext>
+            </a:extLst>
+          </p:cNvPr>
+          <p:cNvCxnSpPr>
+            <a:cxnSpLocks/>
+          </p:cNvCxnSpPr>
+          <p:nvPr/>
+        </p:nvCxnSpPr>
+        <p:spPr>
+          <a:xfrm>
+            <a:off x="4150660" y="3834856"/>
+            <a:ext cx="0" cy="322280"/>
+          </a:xfrm>
+          <a:prstGeom prst="straightConnector1">
+            <a:avLst/>
+          </a:prstGeom>
+          <a:ln>
+            <a:tailEnd type="triangle"/>
+          </a:ln>
+        </p:spPr>
+        <p:style>
+          <a:lnRef idx="1">
+            <a:schemeClr val="accent1"/>
+          </a:lnRef>
+          <a:fillRef idx="0">
+            <a:schemeClr val="accent1"/>
+          </a:fillRef>
+          <a:effectRef idx="0">
+            <a:schemeClr val="accent1"/>
+          </a:effectRef>
+          <a:fontRef idx="minor">
+            <a:schemeClr val="tx1"/>
+          </a:fontRef>
+        </p:style>
+      </p:cxnSp>
+      <p:cxnSp>
+        <p:nvCxnSpPr>
+          <p:cNvPr id="27" name="Conexão reta unidirecional 26">
+            <a:extLst>
+              <a:ext uri="{FF2B5EF4-FFF2-40B4-BE49-F238E27FC236}">
+                <a16:creationId xmlns:a16="http://schemas.microsoft.com/office/drawing/2014/main" id="{ADEA7A9B-3DC0-4453-9776-B6D778BD5870}"/>
+              </a:ext>
+            </a:extLst>
+          </p:cNvPr>
+          <p:cNvCxnSpPr>
+            <a:cxnSpLocks/>
+          </p:cNvCxnSpPr>
+          <p:nvPr/>
+        </p:nvCxnSpPr>
+        <p:spPr>
+          <a:xfrm>
+            <a:off x="4141696" y="4481644"/>
+            <a:ext cx="0" cy="322280"/>
+          </a:xfrm>
+          <a:prstGeom prst="straightConnector1">
+            <a:avLst/>
+          </a:prstGeom>
+          <a:ln>
+            <a:tailEnd type="triangle"/>
+          </a:ln>
+        </p:spPr>
+        <p:style>
+          <a:lnRef idx="1">
+            <a:schemeClr val="accent1"/>
+          </a:lnRef>
+          <a:fillRef idx="0">
+            <a:schemeClr val="accent1"/>
+          </a:fillRef>
+          <a:effectRef idx="0">
+            <a:schemeClr val="accent1"/>
+          </a:effectRef>
+          <a:fontRef idx="minor">
+            <a:schemeClr val="tx1"/>
+          </a:fontRef>
+        </p:style>
+      </p:cxnSp>
+      <p:sp>
+        <p:nvSpPr>
+          <p:cNvPr id="28" name="CaixaDeTexto 27">
+            <a:extLst>
+              <a:ext uri="{FF2B5EF4-FFF2-40B4-BE49-F238E27FC236}">
+                <a16:creationId xmlns:a16="http://schemas.microsoft.com/office/drawing/2014/main" id="{CF274CB7-C6D3-4DF0-9E0C-6A7048985AF8}"/>
+              </a:ext>
+            </a:extLst>
+          </p:cNvPr>
+          <p:cNvSpPr txBox="1"/>
+          <p:nvPr/>
+        </p:nvSpPr>
+        <p:spPr>
+          <a:xfrm>
+            <a:off x="2948703" y="4789811"/>
+            <a:ext cx="2439770" cy="369332"/>
+          </a:xfrm>
+          <a:prstGeom prst="rect">
+            <a:avLst/>
+          </a:prstGeom>
+          <a:noFill/>
+        </p:spPr>
+        <p:txBody>
+          <a:bodyPr wrap="square" rtlCol="0">
+            <a:spAutoFit/>
+          </a:bodyPr>
+          <a:lstStyle/>
+          <a:p>
+            <a:pPr algn="ctr"/>
+            <a:r>
+              <a:rPr lang="pt-PT" dirty="0" err="1"/>
+              <a:t>Wait</a:t>
+            </a:r>
+            <a:r>
+              <a:rPr lang="pt-PT" dirty="0"/>
+              <a:t> </a:t>
+            </a:r>
+            <a:r>
+              <a:rPr lang="pt-PT" dirty="0" err="1"/>
+              <a:t>workers</a:t>
+            </a:r>
+            <a:endParaRPr lang="pt-PT" dirty="0"/>
+          </a:p>
+        </p:txBody>
+      </p:sp>
+      <p:cxnSp>
+        <p:nvCxnSpPr>
+          <p:cNvPr id="29" name="Conexão reta unidirecional 28">
+            <a:extLst>
+              <a:ext uri="{FF2B5EF4-FFF2-40B4-BE49-F238E27FC236}">
+                <a16:creationId xmlns:a16="http://schemas.microsoft.com/office/drawing/2014/main" id="{93496383-EDDC-4F00-B3EB-BFF4FFFD26DF}"/>
+              </a:ext>
+            </a:extLst>
+          </p:cNvPr>
+          <p:cNvCxnSpPr>
+            <a:cxnSpLocks/>
+          </p:cNvCxnSpPr>
+          <p:nvPr/>
+        </p:nvCxnSpPr>
+        <p:spPr>
+          <a:xfrm>
+            <a:off x="4141696" y="5159143"/>
+            <a:ext cx="0" cy="322280"/>
+          </a:xfrm>
+          <a:prstGeom prst="straightConnector1">
+            <a:avLst/>
+          </a:prstGeom>
+          <a:ln>
+            <a:tailEnd type="triangle"/>
+          </a:ln>
+        </p:spPr>
+        <p:style>
+          <a:lnRef idx="1">
+            <a:schemeClr val="accent1"/>
+          </a:lnRef>
+          <a:fillRef idx="0">
+            <a:schemeClr val="accent1"/>
+          </a:fillRef>
+          <a:effectRef idx="0">
+            <a:schemeClr val="accent1"/>
+          </a:effectRef>
+          <a:fontRef idx="minor">
+            <a:schemeClr val="tx1"/>
+          </a:fontRef>
+        </p:style>
+      </p:cxnSp>
+      <p:sp>
+        <p:nvSpPr>
+          <p:cNvPr id="30" name="CaixaDeTexto 29">
+            <a:extLst>
+              <a:ext uri="{FF2B5EF4-FFF2-40B4-BE49-F238E27FC236}">
+                <a16:creationId xmlns:a16="http://schemas.microsoft.com/office/drawing/2014/main" id="{B3339711-D1E5-487A-800C-1663429EA463}"/>
+              </a:ext>
+            </a:extLst>
+          </p:cNvPr>
+          <p:cNvSpPr txBox="1"/>
+          <p:nvPr/>
+        </p:nvSpPr>
+        <p:spPr>
+          <a:xfrm>
+            <a:off x="2948703" y="5514362"/>
+            <a:ext cx="2439770" cy="369332"/>
+          </a:xfrm>
+          <a:prstGeom prst="rect">
+            <a:avLst/>
+          </a:prstGeom>
+          <a:noFill/>
+        </p:spPr>
+        <p:txBody>
+          <a:bodyPr wrap="square" rtlCol="0">
+            <a:spAutoFit/>
+          </a:bodyPr>
+          <a:lstStyle/>
+          <a:p>
+            <a:pPr algn="ctr"/>
+            <a:r>
+              <a:rPr lang="pt-PT" dirty="0"/>
+              <a:t>Print </a:t>
+            </a:r>
+            <a:r>
+              <a:rPr lang="pt-PT" dirty="0" err="1"/>
+              <a:t>results</a:t>
+            </a:r>
             <a:endParaRPr lang="pt-PT" dirty="0"/>
           </a:p>
         </p:txBody>
@@ -3926,36 +4986,19 @@
               </a:rPr>
               <a:t>Workers</a:t>
             </a:r>
+            <a:r>
+              <a:rPr lang="pt-PT" sz="2200" dirty="0">
+                <a:latin typeface="Calibri" panose="020F0502020204030204" pitchFamily="34" charset="0"/>
+                <a:ea typeface="Calibri" panose="020F0502020204030204" pitchFamily="34" charset="0"/>
+                <a:cs typeface="Calibri" panose="020F0502020204030204" pitchFamily="34" charset="0"/>
+              </a:rPr>
+              <a:t> LIFECYCLE</a:t>
+            </a:r>
             <a:endParaRPr lang="pt-PT" dirty="0">
               <a:latin typeface="Calibri" panose="020F0502020204030204" pitchFamily="34" charset="0"/>
               <a:ea typeface="Calibri" panose="020F0502020204030204" pitchFamily="34" charset="0"/>
               <a:cs typeface="Calibri" panose="020F0502020204030204" pitchFamily="34" charset="0"/>
             </a:endParaRPr>
-          </a:p>
-        </p:txBody>
-      </p:sp>
-      <p:sp>
-        <p:nvSpPr>
-          <p:cNvPr id="3" name="Marcador de Posição de Conteúdo 2">
-            <a:extLst>
-              <a:ext uri="{FF2B5EF4-FFF2-40B4-BE49-F238E27FC236}">
-                <a16:creationId xmlns:a16="http://schemas.microsoft.com/office/drawing/2014/main" id="{2D745695-6161-41A4-A2E0-37169F11F70A}"/>
-              </a:ext>
-            </a:extLst>
-          </p:cNvPr>
-          <p:cNvSpPr>
-            <a:spLocks noGrp="1"/>
-          </p:cNvSpPr>
-          <p:nvPr>
-            <p:ph idx="1"/>
-          </p:nvPr>
-        </p:nvSpPr>
-        <p:spPr/>
-        <p:txBody>
-          <a:bodyPr/>
-          <a:lstStyle/>
-          <a:p>
-            <a:endParaRPr lang="pt-PT" dirty="0"/>
           </a:p>
         </p:txBody>
       </p:sp>
@@ -4299,290 +5342,6 @@
           </a:graphicData>
         </a:graphic>
       </p:graphicFrame>
-      <p:sp>
-        <p:nvSpPr>
-          <p:cNvPr id="3" name="CaixaDeTexto 2">
-            <a:extLst>
-              <a:ext uri="{FF2B5EF4-FFF2-40B4-BE49-F238E27FC236}">
-                <a16:creationId xmlns:a16="http://schemas.microsoft.com/office/drawing/2014/main" id="{16F8CB4E-7BAE-42BF-AD63-C9A47547EE63}"/>
-              </a:ext>
-            </a:extLst>
-          </p:cNvPr>
-          <p:cNvSpPr txBox="1"/>
-          <p:nvPr/>
-        </p:nvSpPr>
-        <p:spPr>
-          <a:xfrm>
-            <a:off x="2205192" y="3486114"/>
-            <a:ext cx="7781617" cy="1754326"/>
-          </a:xfrm>
-          <a:prstGeom prst="rect">
-            <a:avLst/>
-          </a:prstGeom>
-          <a:noFill/>
-          <a:ln w="9525" cap="flat" cmpd="sng" algn="ctr">
-            <a:solidFill>
-              <a:schemeClr val="dk1"/>
-            </a:solidFill>
-            <a:prstDash val="solid"/>
-            <a:round/>
-            <a:headEnd type="none" w="med" len="med"/>
-            <a:tailEnd type="none" w="med" len="med"/>
-          </a:ln>
-        </p:spPr>
-        <p:style>
-          <a:lnRef idx="0">
-            <a:scrgbClr r="0" g="0" b="0"/>
-          </a:lnRef>
-          <a:fillRef idx="0">
-            <a:scrgbClr r="0" g="0" b="0"/>
-          </a:fillRef>
-          <a:effectRef idx="0">
-            <a:scrgbClr r="0" g="0" b="0"/>
-          </a:effectRef>
-          <a:fontRef idx="minor">
-            <a:schemeClr val="dk1"/>
-          </a:fontRef>
-        </p:style>
-        <p:txBody>
-          <a:bodyPr wrap="none" rtlCol="0">
-            <a:spAutoFit/>
-          </a:bodyPr>
-          <a:lstStyle/>
-          <a:p>
-            <a:pPr marL="285750" indent="-285750">
-              <a:buFont typeface="Wingdings" panose="05000000000000000000" pitchFamily="2" charset="2"/>
-              <a:buChar char="Ø"/>
-            </a:pPr>
-            <a:r>
-              <a:rPr lang="pt-PT" u="sng" dirty="0"/>
-              <a:t>Compile </a:t>
-            </a:r>
-            <a:r>
-              <a:rPr lang="pt-PT" u="sng" dirty="0" err="1"/>
-              <a:t>command</a:t>
-            </a:r>
-            <a:endParaRPr lang="pt-PT" u="sng" dirty="0"/>
-          </a:p>
-          <a:p>
-            <a:r>
-              <a:rPr lang="en-US" dirty="0"/>
-              <a:t>	</a:t>
-            </a:r>
-            <a:r>
-              <a:rPr lang="en-US" dirty="0" err="1">
-                <a:effectLst>
-                  <a:outerShdw blurRad="38100" dist="38100" dir="2700000" algn="tl">
-                    <a:srgbClr val="000000">
-                      <a:alpha val="43137"/>
-                    </a:srgbClr>
-                  </a:outerShdw>
-                </a:effectLst>
-              </a:rPr>
-              <a:t>gcc</a:t>
-            </a:r>
-            <a:r>
-              <a:rPr lang="en-US" dirty="0">
-                <a:effectLst>
-                  <a:outerShdw blurRad="38100" dist="38100" dir="2700000" algn="tl">
-                    <a:srgbClr val="000000">
-                      <a:alpha val="43137"/>
-                    </a:srgbClr>
-                  </a:outerShdw>
-                </a:effectLst>
-              </a:rPr>
-              <a:t> -Wall -O3 -o </a:t>
-            </a:r>
-            <a:r>
-              <a:rPr lang="en-US" dirty="0" err="1">
-                <a:effectLst>
-                  <a:outerShdw blurRad="38100" dist="38100" dir="2700000" algn="tl">
-                    <a:srgbClr val="000000">
-                      <a:alpha val="43137"/>
-                    </a:srgbClr>
-                  </a:outerShdw>
-                </a:effectLst>
-              </a:rPr>
-              <a:t>countWords</a:t>
-            </a:r>
-            <a:r>
-              <a:rPr lang="en-US" dirty="0">
-                <a:effectLst>
-                  <a:outerShdw blurRad="38100" dist="38100" dir="2700000" algn="tl">
-                    <a:srgbClr val="000000">
-                      <a:alpha val="43137"/>
-                    </a:srgbClr>
-                  </a:outerShdw>
-                </a:effectLst>
-              </a:rPr>
-              <a:t> </a:t>
-            </a:r>
-            <a:r>
-              <a:rPr lang="en-US" dirty="0" err="1">
-                <a:effectLst>
-                  <a:outerShdw blurRad="38100" dist="38100" dir="2700000" algn="tl">
-                    <a:srgbClr val="000000">
-                      <a:alpha val="43137"/>
-                    </a:srgbClr>
-                  </a:outerShdw>
-                </a:effectLst>
-              </a:rPr>
-              <a:t>countWords.c</a:t>
-            </a:r>
-            <a:r>
-              <a:rPr lang="en-US" dirty="0">
-                <a:effectLst>
-                  <a:outerShdw blurRad="38100" dist="38100" dir="2700000" algn="tl">
-                    <a:srgbClr val="000000">
-                      <a:alpha val="43137"/>
-                    </a:srgbClr>
-                  </a:outerShdw>
-                </a:effectLst>
-              </a:rPr>
-              <a:t> </a:t>
-            </a:r>
-            <a:r>
-              <a:rPr lang="en-US" dirty="0" err="1">
-                <a:effectLst>
-                  <a:outerShdw blurRad="38100" dist="38100" dir="2700000" algn="tl">
-                    <a:srgbClr val="000000">
-                      <a:alpha val="43137"/>
-                    </a:srgbClr>
-                  </a:outerShdw>
-                </a:effectLst>
-              </a:rPr>
-              <a:t>sharedMemory.c</a:t>
-            </a:r>
-            <a:r>
-              <a:rPr lang="en-US" dirty="0">
-                <a:effectLst>
-                  <a:outerShdw blurRad="38100" dist="38100" dir="2700000" algn="tl">
-                    <a:srgbClr val="000000">
-                      <a:alpha val="43137"/>
-                    </a:srgbClr>
-                  </a:outerShdw>
-                </a:effectLst>
-              </a:rPr>
-              <a:t> -</a:t>
-            </a:r>
-            <a:r>
-              <a:rPr lang="en-US" dirty="0" err="1">
-                <a:effectLst>
-                  <a:outerShdw blurRad="38100" dist="38100" dir="2700000" algn="tl">
-                    <a:srgbClr val="000000">
-                      <a:alpha val="43137"/>
-                    </a:srgbClr>
-                  </a:outerShdw>
-                </a:effectLst>
-              </a:rPr>
-              <a:t>lpthread</a:t>
-            </a:r>
-            <a:r>
-              <a:rPr lang="en-US" dirty="0">
-                <a:effectLst>
-                  <a:outerShdw blurRad="38100" dist="38100" dir="2700000" algn="tl">
-                    <a:srgbClr val="000000">
-                      <a:alpha val="43137"/>
-                    </a:srgbClr>
-                  </a:outerShdw>
-                </a:effectLst>
-              </a:rPr>
-              <a:t> –</a:t>
-            </a:r>
-            <a:r>
-              <a:rPr lang="en-US" dirty="0" err="1">
-                <a:effectLst>
-                  <a:outerShdw blurRad="38100" dist="38100" dir="2700000" algn="tl">
-                    <a:srgbClr val="000000">
-                      <a:alpha val="43137"/>
-                    </a:srgbClr>
-                  </a:outerShdw>
-                </a:effectLst>
-              </a:rPr>
-              <a:t>lm</a:t>
-            </a:r>
-            <a:endParaRPr lang="en-US" dirty="0">
-              <a:effectLst>
-                <a:outerShdw blurRad="38100" dist="38100" dir="2700000" algn="tl">
-                  <a:srgbClr val="000000">
-                    <a:alpha val="43137"/>
-                  </a:srgbClr>
-                </a:outerShdw>
-              </a:effectLst>
-            </a:endParaRPr>
-          </a:p>
-          <a:p>
-            <a:endParaRPr lang="en-US" dirty="0"/>
-          </a:p>
-          <a:p>
-            <a:pPr marL="285750" indent="-285750">
-              <a:buFont typeface="Wingdings" panose="05000000000000000000" pitchFamily="2" charset="2"/>
-              <a:buChar char="Ø"/>
-            </a:pPr>
-            <a:r>
-              <a:rPr lang="en-US" u="sng" dirty="0"/>
-              <a:t>Run command</a:t>
-            </a:r>
-          </a:p>
-          <a:p>
-            <a:r>
-              <a:rPr lang="en-US" dirty="0"/>
-              <a:t>	</a:t>
-            </a:r>
-            <a:r>
-              <a:rPr lang="en-US" dirty="0">
-                <a:effectLst>
-                  <a:outerShdw blurRad="38100" dist="38100" dir="2700000" algn="tl">
-                    <a:srgbClr val="000000">
-                      <a:alpha val="43137"/>
-                    </a:srgbClr>
-                  </a:outerShdw>
-                </a:effectLst>
-              </a:rPr>
-              <a:t>./</a:t>
-            </a:r>
-            <a:r>
-              <a:rPr lang="en-US" dirty="0" err="1">
-                <a:effectLst>
-                  <a:outerShdw blurRad="38100" dist="38100" dir="2700000" algn="tl">
-                    <a:srgbClr val="000000">
-                      <a:alpha val="43137"/>
-                    </a:srgbClr>
-                  </a:outerShdw>
-                </a:effectLst>
-              </a:rPr>
-              <a:t>countWords</a:t>
-            </a:r>
-            <a:r>
-              <a:rPr lang="en-US" dirty="0">
-                <a:effectLst>
-                  <a:outerShdw blurRad="38100" dist="38100" dir="2700000" algn="tl">
-                    <a:srgbClr val="000000">
-                      <a:alpha val="43137"/>
-                    </a:srgbClr>
-                  </a:outerShdw>
-                </a:effectLst>
-              </a:rPr>
-              <a:t> text0.txt text1.txt text2.txt text3.txt text4.txt</a:t>
-            </a:r>
-            <a:endParaRPr lang="pt-PT" dirty="0">
-              <a:effectLst>
-                <a:outerShdw blurRad="38100" dist="38100" dir="2700000" algn="tl">
-                  <a:srgbClr val="000000">
-                    <a:alpha val="43137"/>
-                  </a:srgbClr>
-                </a:outerShdw>
-              </a:effectLst>
-            </a:endParaRPr>
-          </a:p>
-          <a:p>
-            <a:r>
-              <a:rPr lang="pt-PT" dirty="0"/>
-              <a:t>	</a:t>
-            </a:r>
-          </a:p>
-        </p:txBody>
-      </p:sp>
     </p:spTree>
     <p:extLst>
       <p:ext uri="{BB962C8B-B14F-4D97-AF65-F5344CB8AC3E}">
@@ -4956,7 +5715,7 @@
             <p:ph idx="1"/>
             <p:extLst>
               <p:ext uri="{D42A27DB-BD31-4B8C-83A1-F6EECF244321}">
-                <p14:modId xmlns:p14="http://schemas.microsoft.com/office/powerpoint/2010/main" val="3032451300"/>
+                <p14:modId xmlns:p14="http://schemas.microsoft.com/office/powerpoint/2010/main" val="2241353057"/>
               </p:ext>
             </p:extLst>
           </p:nvPr>
@@ -5509,23 +6268,7 @@
                           <a:ea typeface="Calibri" panose="020F0502020204030204" pitchFamily="34" charset="0"/>
                           <a:cs typeface="Calibri" panose="020F0502020204030204" pitchFamily="34" charset="0"/>
                         </a:rPr>
-                        <a:t>25.01592</a:t>
-                      </a:r>
-                      <a:r>
-                        <a:rPr lang="pt-PT" u="sng">
-                          <a:latin typeface="Calibri" panose="020F0502020204030204" pitchFamily="34" charset="0"/>
-                          <a:ea typeface="Calibri" panose="020F0502020204030204" pitchFamily="34" charset="0"/>
-                          <a:cs typeface="Calibri" panose="020F0502020204030204" pitchFamily="34" charset="0"/>
-                        </a:rPr>
-                        <a:t>s</a:t>
-                      </a:r>
-                      <a:r>
-                        <a:rPr lang="pt-PT">
-                          <a:latin typeface="Calibri" panose="020F0502020204030204" pitchFamily="34" charset="0"/>
-                          <a:ea typeface="Calibri" panose="020F0502020204030204" pitchFamily="34" charset="0"/>
-                          <a:cs typeface="Calibri" panose="020F0502020204030204" pitchFamily="34" charset="0"/>
-                        </a:rPr>
-                        <a:t> ()</a:t>
+                        <a:t>25.01592 (s)</a:t>
                       </a:r>
                       <a:endParaRPr lang="pt-PT" dirty="0">
                         <a:latin typeface="Calibri" panose="020F0502020204030204" pitchFamily="34" charset="0"/>
@@ -5546,305 +6289,6 @@
           </a:graphicData>
         </a:graphic>
       </p:graphicFrame>
-      <p:sp>
-        <p:nvSpPr>
-          <p:cNvPr id="8" name="CaixaDeTexto 7">
-            <a:extLst>
-              <a:ext uri="{FF2B5EF4-FFF2-40B4-BE49-F238E27FC236}">
-                <a16:creationId xmlns:a16="http://schemas.microsoft.com/office/drawing/2014/main" id="{C21A4B6E-E24A-4553-9F63-5C358B965921}"/>
-              </a:ext>
-            </a:extLst>
-          </p:cNvPr>
-          <p:cNvSpPr txBox="1"/>
-          <p:nvPr/>
-        </p:nvSpPr>
-        <p:spPr>
-          <a:xfrm>
-            <a:off x="2205192" y="4144447"/>
-            <a:ext cx="8470589" cy="1754326"/>
-          </a:xfrm>
-          <a:prstGeom prst="rect">
-            <a:avLst/>
-          </a:prstGeom>
-          <a:noFill/>
-          <a:ln w="9525" cap="flat" cmpd="sng" algn="ctr">
-            <a:solidFill>
-              <a:schemeClr val="dk1"/>
-            </a:solidFill>
-            <a:prstDash val="solid"/>
-            <a:round/>
-            <a:headEnd type="none" w="med" len="med"/>
-            <a:tailEnd type="none" w="med" len="med"/>
-          </a:ln>
-        </p:spPr>
-        <p:style>
-          <a:lnRef idx="0">
-            <a:scrgbClr r="0" g="0" b="0"/>
-          </a:lnRef>
-          <a:fillRef idx="0">
-            <a:scrgbClr r="0" g="0" b="0"/>
-          </a:fillRef>
-          <a:effectRef idx="0">
-            <a:scrgbClr r="0" g="0" b="0"/>
-          </a:effectRef>
-          <a:fontRef idx="minor">
-            <a:schemeClr val="dk1"/>
-          </a:fontRef>
-        </p:style>
-        <p:txBody>
-          <a:bodyPr wrap="none" rtlCol="0">
-            <a:spAutoFit/>
-          </a:bodyPr>
-          <a:lstStyle/>
-          <a:p>
-            <a:pPr marL="285750" indent="-285750">
-              <a:buFont typeface="Wingdings" panose="05000000000000000000" pitchFamily="2" charset="2"/>
-              <a:buChar char="Ø"/>
-            </a:pPr>
-            <a:r>
-              <a:rPr lang="pt-PT" u="sng" dirty="0"/>
-              <a:t>Compile </a:t>
-            </a:r>
-            <a:r>
-              <a:rPr lang="pt-PT" u="sng" dirty="0" err="1"/>
-              <a:t>command</a:t>
-            </a:r>
-            <a:endParaRPr lang="pt-PT" u="sng" dirty="0"/>
-          </a:p>
-          <a:p>
-            <a:r>
-              <a:rPr lang="en-US" dirty="0"/>
-              <a:t>	</a:t>
-            </a:r>
-            <a:r>
-              <a:rPr lang="en-US" dirty="0" err="1">
-                <a:effectLst>
-                  <a:outerShdw blurRad="38100" dist="38100" dir="2700000" algn="tl">
-                    <a:srgbClr val="000000">
-                      <a:alpha val="43137"/>
-                    </a:srgbClr>
-                  </a:outerShdw>
-                </a:effectLst>
-              </a:rPr>
-              <a:t>gcc</a:t>
-            </a:r>
-            <a:r>
-              <a:rPr lang="en-US" dirty="0">
-                <a:effectLst>
-                  <a:outerShdw blurRad="38100" dist="38100" dir="2700000" algn="tl">
-                    <a:srgbClr val="000000">
-                      <a:alpha val="43137"/>
-                    </a:srgbClr>
-                  </a:outerShdw>
-                </a:effectLst>
-              </a:rPr>
-              <a:t> -Wall -O3 -o </a:t>
-            </a:r>
-            <a:r>
-              <a:rPr lang="en-US" dirty="0" err="1">
-                <a:effectLst>
-                  <a:outerShdw blurRad="38100" dist="38100" dir="2700000" algn="tl">
-                    <a:srgbClr val="000000">
-                      <a:alpha val="43137"/>
-                    </a:srgbClr>
-                  </a:outerShdw>
-                </a:effectLst>
-              </a:rPr>
-              <a:t>sortingSequence</a:t>
-            </a:r>
-            <a:r>
-              <a:rPr lang="en-US" dirty="0">
-                <a:effectLst>
-                  <a:outerShdw blurRad="38100" dist="38100" dir="2700000" algn="tl">
-                    <a:srgbClr val="000000">
-                      <a:alpha val="43137"/>
-                    </a:srgbClr>
-                  </a:outerShdw>
-                </a:effectLst>
-              </a:rPr>
-              <a:t> </a:t>
-            </a:r>
-            <a:r>
-              <a:rPr lang="en-US" dirty="0" err="1">
-                <a:effectLst>
-                  <a:outerShdw blurRad="38100" dist="38100" dir="2700000" algn="tl">
-                    <a:srgbClr val="000000">
-                      <a:alpha val="43137"/>
-                    </a:srgbClr>
-                  </a:outerShdw>
-                </a:effectLst>
-              </a:rPr>
-              <a:t>sortingSequence.c</a:t>
-            </a:r>
-            <a:r>
-              <a:rPr lang="en-US" dirty="0">
-                <a:effectLst>
-                  <a:outerShdw blurRad="38100" dist="38100" dir="2700000" algn="tl">
-                    <a:srgbClr val="000000">
-                      <a:alpha val="43137"/>
-                    </a:srgbClr>
-                  </a:outerShdw>
-                </a:effectLst>
-              </a:rPr>
-              <a:t> </a:t>
-            </a:r>
-            <a:r>
-              <a:rPr lang="en-US" dirty="0" err="1">
-                <a:effectLst>
-                  <a:outerShdw blurRad="38100" dist="38100" dir="2700000" algn="tl">
-                    <a:srgbClr val="000000">
-                      <a:alpha val="43137"/>
-                    </a:srgbClr>
-                  </a:outerShdw>
-                </a:effectLst>
-              </a:rPr>
-              <a:t>sharedMemory.c</a:t>
-            </a:r>
-            <a:r>
-              <a:rPr lang="en-US" dirty="0">
-                <a:effectLst>
-                  <a:outerShdw blurRad="38100" dist="38100" dir="2700000" algn="tl">
-                    <a:srgbClr val="000000">
-                      <a:alpha val="43137"/>
-                    </a:srgbClr>
-                  </a:outerShdw>
-                </a:effectLst>
-              </a:rPr>
-              <a:t> -</a:t>
-            </a:r>
-            <a:r>
-              <a:rPr lang="en-US" dirty="0" err="1">
-                <a:effectLst>
-                  <a:outerShdw blurRad="38100" dist="38100" dir="2700000" algn="tl">
-                    <a:srgbClr val="000000">
-                      <a:alpha val="43137"/>
-                    </a:srgbClr>
-                  </a:outerShdw>
-                </a:effectLst>
-              </a:rPr>
-              <a:t>lpthread</a:t>
-            </a:r>
-            <a:r>
-              <a:rPr lang="en-US" dirty="0">
-                <a:effectLst>
-                  <a:outerShdw blurRad="38100" dist="38100" dir="2700000" algn="tl">
-                    <a:srgbClr val="000000">
-                      <a:alpha val="43137"/>
-                    </a:srgbClr>
-                  </a:outerShdw>
-                </a:effectLst>
-              </a:rPr>
-              <a:t> -</a:t>
-            </a:r>
-            <a:r>
-              <a:rPr lang="en-US" dirty="0" err="1">
-                <a:effectLst>
-                  <a:outerShdw blurRad="38100" dist="38100" dir="2700000" algn="tl">
-                    <a:srgbClr val="000000">
-                      <a:alpha val="43137"/>
-                    </a:srgbClr>
-                  </a:outerShdw>
-                </a:effectLst>
-              </a:rPr>
-              <a:t>lm</a:t>
-            </a:r>
-            <a:endParaRPr lang="en-US" dirty="0">
-              <a:effectLst>
-                <a:outerShdw blurRad="38100" dist="38100" dir="2700000" algn="tl">
-                  <a:srgbClr val="000000">
-                    <a:alpha val="43137"/>
-                  </a:srgbClr>
-                </a:outerShdw>
-              </a:effectLst>
-            </a:endParaRPr>
-          </a:p>
-          <a:p>
-            <a:endParaRPr lang="en-US" dirty="0"/>
-          </a:p>
-          <a:p>
-            <a:pPr marL="285750" indent="-285750">
-              <a:buFont typeface="Wingdings" panose="05000000000000000000" pitchFamily="2" charset="2"/>
-              <a:buChar char="Ø"/>
-            </a:pPr>
-            <a:r>
-              <a:rPr lang="en-US" u="sng" dirty="0"/>
-              <a:t>Run command</a:t>
-            </a:r>
-          </a:p>
-          <a:p>
-            <a:r>
-              <a:rPr lang="en-US" dirty="0"/>
-              <a:t>	</a:t>
-            </a:r>
-            <a:r>
-              <a:rPr lang="pt-PT" dirty="0">
-                <a:effectLst>
-                  <a:outerShdw blurRad="38100" dist="38100" dir="2700000" algn="tl">
-                    <a:srgbClr val="000000">
-                      <a:alpha val="43137"/>
-                    </a:srgbClr>
-                  </a:outerShdw>
-                </a:effectLst>
-              </a:rPr>
-              <a:t>./</a:t>
-            </a:r>
-            <a:r>
-              <a:rPr lang="pt-PT" dirty="0" err="1">
-                <a:effectLst>
-                  <a:outerShdw blurRad="38100" dist="38100" dir="2700000" algn="tl">
-                    <a:srgbClr val="000000">
-                      <a:alpha val="43137"/>
-                    </a:srgbClr>
-                  </a:outerShdw>
-                </a:effectLst>
-              </a:rPr>
-              <a:t>sortingSequence</a:t>
-            </a:r>
-            <a:r>
-              <a:rPr lang="pt-PT" dirty="0">
-                <a:effectLst>
-                  <a:outerShdw blurRad="38100" dist="38100" dir="2700000" algn="tl">
-                    <a:srgbClr val="000000">
-                      <a:alpha val="43137"/>
-                    </a:srgbClr>
-                  </a:outerShdw>
-                </a:effectLst>
-              </a:rPr>
-              <a:t> [</a:t>
-            </a:r>
-            <a:r>
-              <a:rPr lang="pt-PT" i="1" dirty="0" err="1">
-                <a:effectLst>
-                  <a:outerShdw blurRad="38100" dist="38100" dir="2700000" algn="tl">
-                    <a:srgbClr val="000000">
-                      <a:alpha val="43137"/>
-                    </a:srgbClr>
-                  </a:outerShdw>
-                </a:effectLst>
-              </a:rPr>
-              <a:t>binary_file_name</a:t>
-            </a:r>
-            <a:r>
-              <a:rPr lang="pt-PT" dirty="0">
-                <a:effectLst>
-                  <a:outerShdw blurRad="38100" dist="38100" dir="2700000" algn="tl">
-                    <a:srgbClr val="000000">
-                      <a:alpha val="43137"/>
-                    </a:srgbClr>
-                  </a:outerShdw>
-                </a:effectLst>
-              </a:rPr>
-              <a:t>]</a:t>
-            </a:r>
-          </a:p>
-          <a:p>
-            <a:r>
-              <a:rPr lang="pt-PT" dirty="0"/>
-              <a:t>	</a:t>
-            </a:r>
-          </a:p>
-        </p:txBody>
-      </p:sp>
     </p:spTree>
     <p:extLst>
       <p:ext uri="{BB962C8B-B14F-4D97-AF65-F5344CB8AC3E}">

--- a/CLE1_T3G5/present.pptx
+++ b/CLE1_T3G5/present.pptx
@@ -7,11 +7,11 @@
   <p:sldIdLst>
     <p:sldId id="256" r:id="rId2"/>
     <p:sldId id="257" r:id="rId3"/>
-    <p:sldId id="258" r:id="rId4"/>
-    <p:sldId id="259" r:id="rId5"/>
+    <p:sldId id="259" r:id="rId4"/>
+    <p:sldId id="258" r:id="rId5"/>
     <p:sldId id="260" r:id="rId6"/>
-    <p:sldId id="261" r:id="rId7"/>
-    <p:sldId id="262" r:id="rId8"/>
+    <p:sldId id="262" r:id="rId7"/>
+    <p:sldId id="261" r:id="rId8"/>
   </p:sldIdLst>
   <p:sldSz cx="12192000" cy="6858000"/>
   <p:notesSz cx="6858000" cy="9144000"/>
@@ -257,7 +257,7 @@
           <a:p>
             <a:fld id="{65E3D7AB-6C06-41C6-99AC-C74008AD09CE}" type="datetimeFigureOut">
               <a:rPr lang="pt-PT" smtClean="0"/>
-              <a:t>20/03/2023</a:t>
+              <a:t>21/03/2023</a:t>
             </a:fld>
             <a:endParaRPr lang="pt-PT"/>
           </a:p>
@@ -468,7 +468,7 @@
           <a:p>
             <a:fld id="{65E3D7AB-6C06-41C6-99AC-C74008AD09CE}" type="datetimeFigureOut">
               <a:rPr lang="pt-PT" smtClean="0"/>
-              <a:t>20/03/2023</a:t>
+              <a:t>21/03/2023</a:t>
             </a:fld>
             <a:endParaRPr lang="pt-PT"/>
           </a:p>
@@ -683,7 +683,7 @@
           <a:p>
             <a:fld id="{65E3D7AB-6C06-41C6-99AC-C74008AD09CE}" type="datetimeFigureOut">
               <a:rPr lang="pt-PT" smtClean="0"/>
-              <a:t>20/03/2023</a:t>
+              <a:t>21/03/2023</a:t>
             </a:fld>
             <a:endParaRPr lang="pt-PT"/>
           </a:p>
@@ -884,7 +884,7 @@
           <a:p>
             <a:fld id="{65E3D7AB-6C06-41C6-99AC-C74008AD09CE}" type="datetimeFigureOut">
               <a:rPr lang="pt-PT" smtClean="0"/>
-              <a:t>20/03/2023</a:t>
+              <a:t>21/03/2023</a:t>
             </a:fld>
             <a:endParaRPr lang="pt-PT"/>
           </a:p>
@@ -1163,7 +1163,7 @@
           <a:p>
             <a:fld id="{65E3D7AB-6C06-41C6-99AC-C74008AD09CE}" type="datetimeFigureOut">
               <a:rPr lang="pt-PT" smtClean="0"/>
-              <a:t>20/03/2023</a:t>
+              <a:t>21/03/2023</a:t>
             </a:fld>
             <a:endParaRPr lang="pt-PT"/>
           </a:p>
@@ -1431,7 +1431,7 @@
           <a:p>
             <a:fld id="{65E3D7AB-6C06-41C6-99AC-C74008AD09CE}" type="datetimeFigureOut">
               <a:rPr lang="pt-PT" smtClean="0"/>
-              <a:t>20/03/2023</a:t>
+              <a:t>21/03/2023</a:t>
             </a:fld>
             <a:endParaRPr lang="pt-PT"/>
           </a:p>
@@ -1847,7 +1847,7 @@
           <a:p>
             <a:fld id="{65E3D7AB-6C06-41C6-99AC-C74008AD09CE}" type="datetimeFigureOut">
               <a:rPr lang="pt-PT" smtClean="0"/>
-              <a:t>20/03/2023</a:t>
+              <a:t>21/03/2023</a:t>
             </a:fld>
             <a:endParaRPr lang="pt-PT"/>
           </a:p>
@@ -1996,7 +1996,7 @@
           <a:p>
             <a:fld id="{65E3D7AB-6C06-41C6-99AC-C74008AD09CE}" type="datetimeFigureOut">
               <a:rPr lang="pt-PT" smtClean="0"/>
-              <a:t>20/03/2023</a:t>
+              <a:t>21/03/2023</a:t>
             </a:fld>
             <a:endParaRPr lang="pt-PT"/>
           </a:p>
@@ -2122,7 +2122,7 @@
           <a:p>
             <a:fld id="{65E3D7AB-6C06-41C6-99AC-C74008AD09CE}" type="datetimeFigureOut">
               <a:rPr lang="pt-PT" smtClean="0"/>
-              <a:t>20/03/2023</a:t>
+              <a:t>21/03/2023</a:t>
             </a:fld>
             <a:endParaRPr lang="pt-PT"/>
           </a:p>
@@ -2373,7 +2373,7 @@
           <a:p>
             <a:fld id="{65E3D7AB-6C06-41C6-99AC-C74008AD09CE}" type="datetimeFigureOut">
               <a:rPr lang="pt-PT" smtClean="0"/>
-              <a:t>20/03/2023</a:t>
+              <a:t>21/03/2023</a:t>
             </a:fld>
             <a:endParaRPr lang="pt-PT"/>
           </a:p>
@@ -2818,7 +2818,7 @@
           <a:p>
             <a:fld id="{65E3D7AB-6C06-41C6-99AC-C74008AD09CE}" type="datetimeFigureOut">
               <a:rPr lang="pt-PT" smtClean="0"/>
-              <a:t>20/03/2023</a:t>
+              <a:t>21/03/2023</a:t>
             </a:fld>
             <a:endParaRPr lang="pt-PT"/>
           </a:p>
@@ -3145,7 +3145,7 @@
           <a:p>
             <a:fld id="{65E3D7AB-6C06-41C6-99AC-C74008AD09CE}" type="datetimeFigureOut">
               <a:rPr lang="pt-PT" smtClean="0"/>
-              <a:t>20/03/2023</a:t>
+              <a:t>21/03/2023</a:t>
             </a:fld>
             <a:endParaRPr lang="pt-PT"/>
           </a:p>
@@ -3802,7 +3802,23 @@
                 <a:ea typeface="Calibri" panose="020F0502020204030204" pitchFamily="34" charset="0"/>
                 <a:cs typeface="Calibri" panose="020F0502020204030204" pitchFamily="34" charset="0"/>
               </a:rPr>
-              <a:t>Initializations</a:t>
+              <a:t>Entities</a:t>
+            </a:r>
+            <a:r>
+              <a:rPr lang="pt-PT" sz="2200" dirty="0">
+                <a:latin typeface="Calibri" panose="020F0502020204030204" pitchFamily="34" charset="0"/>
+                <a:ea typeface="Calibri" panose="020F0502020204030204" pitchFamily="34" charset="0"/>
+                <a:cs typeface="Calibri" panose="020F0502020204030204" pitchFamily="34" charset="0"/>
+              </a:rPr>
+              <a:t> </a:t>
+            </a:r>
+            <a:r>
+              <a:rPr lang="pt-PT" sz="2200" dirty="0" err="1">
+                <a:latin typeface="Calibri" panose="020F0502020204030204" pitchFamily="34" charset="0"/>
+                <a:ea typeface="Calibri" panose="020F0502020204030204" pitchFamily="34" charset="0"/>
+                <a:cs typeface="Calibri" panose="020F0502020204030204" pitchFamily="34" charset="0"/>
+              </a:rPr>
+              <a:t>diagram</a:t>
             </a:r>
             <a:endParaRPr lang="pt-PT" dirty="0">
               <a:latin typeface="Calibri" panose="020F0502020204030204" pitchFamily="34" charset="0"/>
@@ -3832,162 +3848,66 @@
           <a:prstGeom prst="rect">
             <a:avLst/>
           </a:prstGeom>
-          <a:solidFill>
-            <a:schemeClr val="dk1">
-              <a:alpha val="50000"/>
-            </a:schemeClr>
-          </a:solidFill>
-          <a:ln w="38100">
-            <a:solidFill>
-              <a:schemeClr val="tx1"/>
-            </a:solidFill>
-          </a:ln>
+          <a:ln/>
         </p:spPr>
         <p:style>
-          <a:lnRef idx="0">
-            <a:scrgbClr r="0" g="0" b="0"/>
+          <a:lnRef idx="2">
+            <a:schemeClr val="dk1"/>
           </a:lnRef>
-          <a:fillRef idx="0">
-            <a:scrgbClr r="0" g="0" b="0"/>
+          <a:fillRef idx="1">
+            <a:schemeClr val="lt1"/>
           </a:fillRef>
           <a:effectRef idx="0">
-            <a:scrgbClr r="0" g="0" b="0"/>
+            <a:schemeClr val="dk1"/>
           </a:effectRef>
           <a:fontRef idx="minor">
-            <a:schemeClr val="lt1"/>
+            <a:schemeClr val="dk1"/>
           </a:fontRef>
         </p:style>
         <p:txBody>
           <a:bodyPr rtlCol="0" anchor="ctr"/>
           <a:lstStyle/>
           <a:p>
-            <a:pPr algn="ctr"/>
-            <a:endParaRPr lang="pt-PT" dirty="0"/>
-          </a:p>
-        </p:txBody>
-      </p:sp>
-      <p:sp>
-        <p:nvSpPr>
-          <p:cNvPr id="6" name="CaixaDeTexto 5">
-            <a:extLst>
-              <a:ext uri="{FF2B5EF4-FFF2-40B4-BE49-F238E27FC236}">
-                <a16:creationId xmlns:a16="http://schemas.microsoft.com/office/drawing/2014/main" id="{F7E58B08-A09D-49A3-BEEC-69277A084225}"/>
-              </a:ext>
-            </a:extLst>
-          </p:cNvPr>
-          <p:cNvSpPr txBox="1"/>
-          <p:nvPr/>
-        </p:nvSpPr>
-        <p:spPr>
-          <a:xfrm>
-            <a:off x="8446123" y="2033659"/>
-            <a:ext cx="2608729" cy="369332"/>
-          </a:xfrm>
-          <a:prstGeom prst="rect">
-            <a:avLst/>
-          </a:prstGeom>
-          <a:noFill/>
-        </p:spPr>
-        <p:txBody>
-          <a:bodyPr wrap="square" rtlCol="0">
-            <a:spAutoFit/>
-          </a:bodyPr>
-          <a:lstStyle/>
-          <a:p>
-            <a:pPr algn="ctr"/>
-            <a:r>
-              <a:rPr lang="pt-PT" dirty="0" err="1">
-                <a:solidFill>
-                  <a:schemeClr val="bg1"/>
-                </a:solidFill>
-              </a:rPr>
-              <a:t>SharedMemory</a:t>
-            </a:r>
-            <a:endParaRPr lang="pt-PT" dirty="0">
-              <a:solidFill>
-                <a:schemeClr val="bg1"/>
-              </a:solidFill>
-            </a:endParaRPr>
-          </a:p>
-        </p:txBody>
-      </p:sp>
-      <p:sp>
-        <p:nvSpPr>
-          <p:cNvPr id="7" name="CaixaDeTexto 6">
-            <a:extLst>
-              <a:ext uri="{FF2B5EF4-FFF2-40B4-BE49-F238E27FC236}">
-                <a16:creationId xmlns:a16="http://schemas.microsoft.com/office/drawing/2014/main" id="{717FB2EE-FF16-4062-967A-B8DA6211FFAC}"/>
-              </a:ext>
-            </a:extLst>
-          </p:cNvPr>
-          <p:cNvSpPr txBox="1"/>
-          <p:nvPr/>
-        </p:nvSpPr>
-        <p:spPr>
-          <a:xfrm>
-            <a:off x="8446124" y="2533784"/>
-            <a:ext cx="2608728" cy="1600438"/>
-          </a:xfrm>
-          <a:prstGeom prst="rect">
-            <a:avLst/>
-          </a:prstGeom>
-          <a:noFill/>
-        </p:spPr>
-        <p:txBody>
-          <a:bodyPr wrap="square" rtlCol="0">
-            <a:spAutoFit/>
-          </a:bodyPr>
-          <a:lstStyle/>
+            <a:r>
+              <a:rPr lang="pt-PT" dirty="0" err="1"/>
+              <a:t>Shared</a:t>
+            </a:r>
+            <a:r>
+              <a:rPr lang="pt-PT" dirty="0"/>
+              <a:t> </a:t>
+            </a:r>
+            <a:r>
+              <a:rPr lang="pt-PT" dirty="0" err="1"/>
+              <a:t>Region</a:t>
+            </a:r>
+            <a:endParaRPr lang="pt-PT" sz="1400" dirty="0"/>
+          </a:p>
           <a:p>
             <a:pPr marL="285750" indent="-285750">
               <a:buFont typeface="Arial" panose="020B0604020202020204" pitchFamily="34" charset="0"/>
               <a:buChar char="•"/>
             </a:pPr>
             <a:r>
-              <a:rPr lang="pt-PT" sz="1400" dirty="0" err="1">
-                <a:solidFill>
-                  <a:schemeClr val="bg1"/>
-                </a:solidFill>
-              </a:rPr>
+              <a:rPr lang="pt-PT" sz="1400" dirty="0" err="1"/>
               <a:t>struct</a:t>
             </a:r>
             <a:r>
-              <a:rPr lang="pt-PT" sz="1400" dirty="0">
-                <a:solidFill>
-                  <a:schemeClr val="bg1"/>
-                </a:solidFill>
-              </a:rPr>
+              <a:rPr lang="pt-PT" sz="1400" dirty="0"/>
               <a:t> </a:t>
             </a:r>
             <a:r>
-              <a:rPr lang="pt-PT" sz="1400" dirty="0" err="1">
-                <a:solidFill>
-                  <a:schemeClr val="bg1"/>
-                </a:solidFill>
-              </a:rPr>
+              <a:rPr lang="pt-PT" sz="1400" dirty="0" err="1"/>
               <a:t>FileResult</a:t>
             </a:r>
             <a:r>
-              <a:rPr lang="pt-PT" sz="1400" dirty="0">
-                <a:solidFill>
-                  <a:schemeClr val="bg1"/>
-                </a:solidFill>
-              </a:rPr>
+              <a:rPr lang="pt-PT" sz="1400" dirty="0"/>
               <a:t>* </a:t>
             </a:r>
             <a:r>
-              <a:rPr lang="pt-PT" sz="1400" dirty="0" err="1">
-                <a:solidFill>
-                  <a:schemeClr val="bg1"/>
-                </a:solidFill>
-              </a:rPr>
+              <a:rPr lang="pt-PT" sz="1400" dirty="0" err="1"/>
               <a:t>fileResults</a:t>
             </a:r>
-            <a:endParaRPr lang="pt-PT" sz="1400" dirty="0">
-              <a:solidFill>
-                <a:schemeClr val="bg1"/>
-              </a:solidFill>
-            </a:endParaRPr>
+            <a:endParaRPr lang="pt-PT" sz="1400" dirty="0"/>
           </a:p>
           <a:p>
             <a:pPr marL="285750" indent="-285750">
@@ -3995,34 +3915,18 @@
               <a:buChar char="•"/>
             </a:pPr>
             <a:r>
-              <a:rPr lang="pt-PT" sz="1400" dirty="0" err="1">
-                <a:solidFill>
-                  <a:schemeClr val="bg1"/>
-                </a:solidFill>
-              </a:rPr>
+              <a:rPr lang="pt-PT" sz="1400" dirty="0" err="1"/>
               <a:t>char</a:t>
             </a:r>
             <a:r>
-              <a:rPr lang="pt-PT" sz="1400" dirty="0">
-                <a:solidFill>
-                  <a:schemeClr val="bg1"/>
-                </a:solidFill>
-              </a:rPr>
+              <a:rPr lang="pt-PT" sz="1400" dirty="0"/>
               <a:t>** </a:t>
             </a:r>
             <a:r>
-              <a:rPr lang="pt-PT" sz="1400" dirty="0" err="1">
-                <a:solidFill>
-                  <a:schemeClr val="bg1"/>
-                </a:solidFill>
-              </a:rPr>
+              <a:rPr lang="pt-PT" sz="1400" dirty="0" err="1"/>
               <a:t>fileNames</a:t>
             </a:r>
-            <a:endParaRPr lang="pt-PT" sz="1400" dirty="0">
-              <a:solidFill>
-                <a:schemeClr val="bg1"/>
-              </a:solidFill>
-            </a:endParaRPr>
+            <a:endParaRPr lang="pt-PT" sz="1400" dirty="0"/>
           </a:p>
           <a:p>
             <a:pPr marL="285750" indent="-285750">
@@ -4030,34 +3934,18 @@
               <a:buChar char="•"/>
             </a:pPr>
             <a:r>
-              <a:rPr lang="pt-PT" sz="1400" dirty="0" err="1">
-                <a:solidFill>
-                  <a:schemeClr val="bg1"/>
-                </a:solidFill>
-              </a:rPr>
+              <a:rPr lang="pt-PT" sz="1400" dirty="0" err="1"/>
               <a:t>int</a:t>
             </a:r>
             <a:r>
-              <a:rPr lang="pt-PT" sz="1400" dirty="0">
-                <a:solidFill>
-                  <a:schemeClr val="bg1"/>
-                </a:solidFill>
-              </a:rPr>
+              <a:rPr lang="pt-PT" sz="1400" dirty="0"/>
               <a:t> </a:t>
             </a:r>
             <a:r>
-              <a:rPr lang="pt-PT" sz="1400" dirty="0" err="1">
-                <a:solidFill>
-                  <a:schemeClr val="bg1"/>
-                </a:solidFill>
-              </a:rPr>
+              <a:rPr lang="pt-PT" sz="1400" dirty="0" err="1"/>
               <a:t>fileId</a:t>
             </a:r>
-            <a:endParaRPr lang="pt-PT" sz="1400" dirty="0">
-              <a:solidFill>
-                <a:schemeClr val="bg1"/>
-              </a:solidFill>
-            </a:endParaRPr>
+            <a:endParaRPr lang="pt-PT" sz="1400" dirty="0"/>
           </a:p>
           <a:p>
             <a:pPr marL="285750" indent="-285750">
@@ -4065,34 +3953,18 @@
               <a:buChar char="•"/>
             </a:pPr>
             <a:r>
-              <a:rPr lang="pt-PT" sz="1400" dirty="0" err="1">
-                <a:solidFill>
-                  <a:schemeClr val="bg1"/>
-                </a:solidFill>
-              </a:rPr>
+              <a:rPr lang="pt-PT" sz="1400" dirty="0" err="1"/>
               <a:t>int</a:t>
             </a:r>
             <a:r>
-              <a:rPr lang="pt-PT" sz="1400" dirty="0">
-                <a:solidFill>
-                  <a:schemeClr val="bg1"/>
-                </a:solidFill>
-              </a:rPr>
+              <a:rPr lang="pt-PT" sz="1400" dirty="0"/>
               <a:t> </a:t>
             </a:r>
             <a:r>
-              <a:rPr lang="pt-PT" sz="1400" dirty="0" err="1">
-                <a:solidFill>
-                  <a:schemeClr val="bg1"/>
-                </a:solidFill>
-              </a:rPr>
+              <a:rPr lang="pt-PT" sz="1400" dirty="0" err="1"/>
               <a:t>totalFiles</a:t>
             </a:r>
-            <a:endParaRPr lang="pt-PT" sz="1400" dirty="0">
-              <a:solidFill>
-                <a:schemeClr val="bg1"/>
-              </a:solidFill>
-            </a:endParaRPr>
+            <a:endParaRPr lang="pt-PT" sz="1400" dirty="0"/>
           </a:p>
           <a:p>
             <a:pPr marL="285750" indent="-285750">
@@ -4100,34 +3972,18 @@
               <a:buChar char="•"/>
             </a:pPr>
             <a:r>
-              <a:rPr lang="pt-PT" sz="1400" dirty="0" err="1">
-                <a:solidFill>
-                  <a:schemeClr val="bg1"/>
-                </a:solidFill>
-              </a:rPr>
+              <a:rPr lang="pt-PT" sz="1400" dirty="0" err="1"/>
               <a:t>int</a:t>
             </a:r>
             <a:r>
-              <a:rPr lang="pt-PT" sz="1400" dirty="0">
-                <a:solidFill>
-                  <a:schemeClr val="bg1"/>
-                </a:solidFill>
-              </a:rPr>
+              <a:rPr lang="pt-PT" sz="1400" dirty="0"/>
               <a:t> </a:t>
             </a:r>
             <a:r>
-              <a:rPr lang="pt-PT" sz="1400" dirty="0" err="1">
-                <a:solidFill>
-                  <a:schemeClr val="bg1"/>
-                </a:solidFill>
-              </a:rPr>
+              <a:rPr lang="pt-PT" sz="1400" dirty="0" err="1"/>
               <a:t>chunkSize</a:t>
             </a:r>
-            <a:endParaRPr lang="pt-PT" sz="1400" dirty="0">
-              <a:solidFill>
-                <a:schemeClr val="bg1"/>
-              </a:solidFill>
-            </a:endParaRPr>
+            <a:endParaRPr lang="pt-PT" sz="1400" dirty="0"/>
           </a:p>
           <a:p>
             <a:pPr marL="285750" indent="-285750">
@@ -4135,34 +3991,18 @@
               <a:buChar char="•"/>
             </a:pPr>
             <a:r>
-              <a:rPr lang="pt-PT" sz="1400" dirty="0" err="1">
-                <a:solidFill>
-                  <a:schemeClr val="bg1"/>
-                </a:solidFill>
-              </a:rPr>
+              <a:rPr lang="pt-PT" sz="1400" dirty="0" err="1"/>
               <a:t>bool</a:t>
             </a:r>
             <a:r>
-              <a:rPr lang="pt-PT" sz="1400" dirty="0">
-                <a:solidFill>
-                  <a:schemeClr val="bg1"/>
-                </a:solidFill>
-              </a:rPr>
+              <a:rPr lang="pt-PT" sz="1400" dirty="0"/>
               <a:t> </a:t>
             </a:r>
             <a:r>
-              <a:rPr lang="pt-PT" sz="1400" dirty="0" err="1">
-                <a:solidFill>
-                  <a:schemeClr val="bg1"/>
-                </a:solidFill>
-              </a:rPr>
+              <a:rPr lang="pt-PT" sz="1400" dirty="0" err="1"/>
               <a:t>openFile</a:t>
             </a:r>
-            <a:endParaRPr lang="pt-PT" sz="1400" dirty="0">
-              <a:solidFill>
-                <a:schemeClr val="bg1"/>
-              </a:solidFill>
-            </a:endParaRPr>
+            <a:endParaRPr lang="pt-PT" sz="1400" dirty="0"/>
           </a:p>
           <a:p>
             <a:pPr marL="285750" indent="-285750">
@@ -4170,26 +4010,18 @@
               <a:buChar char="•"/>
             </a:pPr>
             <a:r>
-              <a:rPr lang="pt-PT" sz="1400" dirty="0">
-                <a:solidFill>
-                  <a:schemeClr val="bg1"/>
-                </a:solidFill>
-              </a:rPr>
+              <a:rPr lang="pt-PT" sz="1400" dirty="0"/>
               <a:t>File* </a:t>
             </a:r>
             <a:r>
-              <a:rPr lang="pt-PT" sz="1400" dirty="0" err="1">
-                <a:solidFill>
-                  <a:schemeClr val="bg1"/>
-                </a:solidFill>
-              </a:rPr>
+              <a:rPr lang="pt-PT" sz="1400" dirty="0" err="1"/>
               <a:t>currentFile</a:t>
             </a:r>
-            <a:endParaRPr lang="pt-PT" sz="1400" dirty="0">
-              <a:solidFill>
-                <a:schemeClr val="bg1"/>
-              </a:solidFill>
-            </a:endParaRPr>
+            <a:endParaRPr lang="pt-PT" sz="1400" dirty="0"/>
+          </a:p>
+          <a:p>
+            <a:pPr algn="ctr"/>
+            <a:endParaRPr lang="pt-PT" dirty="0"/>
           </a:p>
         </p:txBody>
       </p:sp>
@@ -4429,55 +4261,157 @@
       </p:sp>
       <p:sp>
         <p:nvSpPr>
-          <p:cNvPr id="15" name="CaixaDeTexto 14">
+          <p:cNvPr id="3" name="Oval 2">
             <a:extLst>
               <a:ext uri="{FF2B5EF4-FFF2-40B4-BE49-F238E27FC236}">
-                <a16:creationId xmlns:a16="http://schemas.microsoft.com/office/drawing/2014/main" id="{76F53E89-4251-4B7E-BFF6-5604277C9C8F}"/>
+                <a16:creationId xmlns:a16="http://schemas.microsoft.com/office/drawing/2014/main" id="{791F2C36-FF8A-8503-D50C-6E21F53831B1}"/>
               </a:ext>
             </a:extLst>
           </p:cNvPr>
-          <p:cNvSpPr txBox="1"/>
+          <p:cNvSpPr/>
           <p:nvPr/>
         </p:nvSpPr>
         <p:spPr>
           <a:xfrm>
-            <a:off x="2948703" y="2033659"/>
-            <a:ext cx="2439770" cy="369332"/>
+            <a:off x="1988474" y="2019521"/>
+            <a:ext cx="1090569" cy="1090569"/>
           </a:xfrm>
-          <a:prstGeom prst="rect">
+          <a:prstGeom prst="ellipse">
             <a:avLst/>
           </a:prstGeom>
-          <a:noFill/>
+          <a:ln>
+            <a:headEnd type="none" w="med" len="med"/>
+            <a:tailEnd type="none" w="med" len="med"/>
+          </a:ln>
         </p:spPr>
-        <p:txBody>
-          <a:bodyPr wrap="square" rtlCol="0">
-            <a:spAutoFit/>
-          </a:bodyPr>
+        <p:style>
+          <a:lnRef idx="2">
+            <a:schemeClr val="dk1"/>
+          </a:lnRef>
+          <a:fillRef idx="1">
+            <a:schemeClr val="lt1"/>
+          </a:fillRef>
+          <a:effectRef idx="0">
+            <a:schemeClr val="dk1"/>
+          </a:effectRef>
+          <a:fontRef idx="minor">
+            <a:schemeClr val="dk1"/>
+          </a:fontRef>
+        </p:style>
+        <p:txBody>
+          <a:bodyPr rtlCol="0" anchor="ctr"/>
           <a:lstStyle/>
           <a:p>
             <a:pPr algn="ctr"/>
             <a:r>
-              <a:rPr lang="pt-PT" dirty="0" err="1"/>
-              <a:t>Threads</a:t>
-            </a:r>
-            <a:r>
               <a:rPr lang="pt-PT" dirty="0"/>
-              <a:t> </a:t>
-            </a:r>
-            <a:r>
-              <a:rPr lang="pt-PT" dirty="0" err="1"/>
-              <a:t>initialization</a:t>
-            </a:r>
-            <a:endParaRPr lang="pt-PT" dirty="0"/>
+              <a:t>Main</a:t>
+            </a:r>
           </a:p>
         </p:txBody>
       </p:sp>
       <p:cxnSp>
         <p:nvCxnSpPr>
-          <p:cNvPr id="17" name="Conexão reta unidirecional 16">
+          <p:cNvPr id="8" name="Conexão reta unidirecional 7">
             <a:extLst>
               <a:ext uri="{FF2B5EF4-FFF2-40B4-BE49-F238E27FC236}">
-                <a16:creationId xmlns:a16="http://schemas.microsoft.com/office/drawing/2014/main" id="{553E32DC-E45B-44D9-80E9-55F80C45FA56}"/>
+                <a16:creationId xmlns:a16="http://schemas.microsoft.com/office/drawing/2014/main" id="{24EF4C42-522C-72FB-0974-BA6BB336B72D}"/>
+              </a:ext>
+            </a:extLst>
+          </p:cNvPr>
+          <p:cNvCxnSpPr>
+            <a:stCxn id="3" idx="6"/>
+          </p:cNvCxnSpPr>
+          <p:nvPr/>
+        </p:nvCxnSpPr>
+        <p:spPr>
+          <a:xfrm>
+            <a:off x="3079043" y="2564806"/>
+            <a:ext cx="5367080" cy="10614"/>
+          </a:xfrm>
+          <a:prstGeom prst="straightConnector1">
+            <a:avLst/>
+          </a:prstGeom>
+          <a:ln>
+            <a:tailEnd type="triangle"/>
+          </a:ln>
+        </p:spPr>
+        <p:style>
+          <a:lnRef idx="1">
+            <a:schemeClr val="dk1"/>
+          </a:lnRef>
+          <a:fillRef idx="0">
+            <a:schemeClr val="dk1"/>
+          </a:fillRef>
+          <a:effectRef idx="0">
+            <a:schemeClr val="dk1"/>
+          </a:effectRef>
+          <a:fontRef idx="minor">
+            <a:schemeClr val="tx1"/>
+          </a:fontRef>
+        </p:style>
+      </p:cxnSp>
+      <p:sp>
+        <p:nvSpPr>
+          <p:cNvPr id="9" name="Oval 8">
+            <a:extLst>
+              <a:ext uri="{FF2B5EF4-FFF2-40B4-BE49-F238E27FC236}">
+                <a16:creationId xmlns:a16="http://schemas.microsoft.com/office/drawing/2014/main" id="{8F1A33A3-E536-B0D3-5A1A-55CA7228B7FD}"/>
+              </a:ext>
+            </a:extLst>
+          </p:cNvPr>
+          <p:cNvSpPr/>
+          <p:nvPr/>
+        </p:nvSpPr>
+        <p:spPr>
+          <a:xfrm>
+            <a:off x="3953944" y="3032243"/>
+            <a:ext cx="1090569" cy="1090569"/>
+          </a:xfrm>
+          <a:prstGeom prst="ellipse">
+            <a:avLst/>
+          </a:prstGeom>
+          <a:ln>
+            <a:headEnd type="none" w="med" len="med"/>
+            <a:tailEnd type="none" w="med" len="med"/>
+          </a:ln>
+        </p:spPr>
+        <p:style>
+          <a:lnRef idx="2">
+            <a:schemeClr val="dk1"/>
+          </a:lnRef>
+          <a:fillRef idx="1">
+            <a:schemeClr val="lt1"/>
+          </a:fillRef>
+          <a:effectRef idx="0">
+            <a:schemeClr val="dk1"/>
+          </a:effectRef>
+          <a:fontRef idx="minor">
+            <a:schemeClr val="dk1"/>
+          </a:fontRef>
+        </p:style>
+        <p:txBody>
+          <a:bodyPr rtlCol="0" anchor="ctr"/>
+          <a:lstStyle/>
+          <a:p>
+            <a:pPr algn="ctr"/>
+            <a:r>
+              <a:rPr lang="pt-PT" sz="1400" dirty="0" err="1"/>
+              <a:t>Worker</a:t>
+            </a:r>
+            <a:r>
+              <a:rPr lang="pt-PT" sz="1400" dirty="0"/>
+              <a:t>[n]</a:t>
+            </a:r>
+          </a:p>
+        </p:txBody>
+      </p:sp>
+      <p:cxnSp>
+        <p:nvCxnSpPr>
+          <p:cNvPr id="11" name="Conexão reta unidirecional 10">
+            <a:extLst>
+              <a:ext uri="{FF2B5EF4-FFF2-40B4-BE49-F238E27FC236}">
+                <a16:creationId xmlns:a16="http://schemas.microsoft.com/office/drawing/2014/main" id="{31403509-54BC-7649-9F16-A3C4D7049008}"/>
               </a:ext>
             </a:extLst>
           </p:cNvPr>
@@ -4488,8 +4422,8 @@
         </p:nvCxnSpPr>
         <p:spPr>
           <a:xfrm>
-            <a:off x="4150660" y="2420921"/>
-            <a:ext cx="0" cy="322280"/>
+            <a:off x="3020037" y="2810312"/>
+            <a:ext cx="954269" cy="599638"/>
           </a:xfrm>
           <a:prstGeom prst="straightConnector1">
             <a:avLst/>
@@ -4500,171 +4434,37 @@
         </p:spPr>
         <p:style>
           <a:lnRef idx="1">
-            <a:schemeClr val="accent1"/>
+            <a:schemeClr val="dk1"/>
           </a:lnRef>
           <a:fillRef idx="0">
-            <a:schemeClr val="accent1"/>
+            <a:schemeClr val="dk1"/>
           </a:fillRef>
           <a:effectRef idx="0">
-            <a:schemeClr val="accent1"/>
+            <a:schemeClr val="dk1"/>
           </a:effectRef>
           <a:fontRef idx="minor">
             <a:schemeClr val="tx1"/>
           </a:fontRef>
         </p:style>
       </p:cxnSp>
-      <p:sp>
-        <p:nvSpPr>
-          <p:cNvPr id="19" name="CaixaDeTexto 18">
+      <p:cxnSp>
+        <p:nvCxnSpPr>
+          <p:cNvPr id="34" name="Conexão reta unidirecional 33">
             <a:extLst>
               <a:ext uri="{FF2B5EF4-FFF2-40B4-BE49-F238E27FC236}">
-                <a16:creationId xmlns:a16="http://schemas.microsoft.com/office/drawing/2014/main" id="{18BF5EFF-4E50-4808-BEBF-076E982D032A}"/>
-              </a:ext>
-            </a:extLst>
-          </p:cNvPr>
-          <p:cNvSpPr txBox="1"/>
-          <p:nvPr/>
-        </p:nvSpPr>
-        <p:spPr>
-          <a:xfrm>
-            <a:off x="2948703" y="2725271"/>
-            <a:ext cx="2439770" cy="369332"/>
-          </a:xfrm>
-          <a:prstGeom prst="rect">
-            <a:avLst/>
-          </a:prstGeom>
-          <a:noFill/>
-        </p:spPr>
-        <p:txBody>
-          <a:bodyPr wrap="square" rtlCol="0">
-            <a:spAutoFit/>
-          </a:bodyPr>
-          <a:lstStyle/>
-          <a:p>
-            <a:pPr algn="ctr"/>
-            <a:r>
-              <a:rPr lang="pt-PT" dirty="0" err="1"/>
-              <a:t>Fill</a:t>
-            </a:r>
-            <a:r>
-              <a:rPr lang="pt-PT" dirty="0"/>
-              <a:t> </a:t>
-            </a:r>
-            <a:r>
-              <a:rPr lang="pt-PT" dirty="0" err="1"/>
-              <a:t>shared</a:t>
-            </a:r>
-            <a:r>
-              <a:rPr lang="pt-PT" dirty="0"/>
-              <a:t> </a:t>
-            </a:r>
-            <a:r>
-              <a:rPr lang="pt-PT" dirty="0" err="1"/>
-              <a:t>memory</a:t>
-            </a:r>
-            <a:endParaRPr lang="pt-PT" dirty="0"/>
-          </a:p>
-        </p:txBody>
-      </p:sp>
-      <p:sp>
-        <p:nvSpPr>
-          <p:cNvPr id="21" name="CaixaDeTexto 20">
-            <a:extLst>
-              <a:ext uri="{FF2B5EF4-FFF2-40B4-BE49-F238E27FC236}">
-                <a16:creationId xmlns:a16="http://schemas.microsoft.com/office/drawing/2014/main" id="{6BA57DE3-534E-4077-931E-473808C41764}"/>
-              </a:ext>
-            </a:extLst>
-          </p:cNvPr>
-          <p:cNvSpPr txBox="1"/>
-          <p:nvPr/>
-        </p:nvSpPr>
-        <p:spPr>
-          <a:xfrm>
-            <a:off x="2930775" y="3416883"/>
-            <a:ext cx="2439770" cy="369332"/>
-          </a:xfrm>
-          <a:prstGeom prst="rect">
-            <a:avLst/>
-          </a:prstGeom>
-          <a:noFill/>
-        </p:spPr>
-        <p:txBody>
-          <a:bodyPr wrap="square" rtlCol="0">
-            <a:spAutoFit/>
-          </a:bodyPr>
-          <a:lstStyle/>
-          <a:p>
-            <a:pPr algn="ctr"/>
-            <a:r>
-              <a:rPr lang="pt-PT" dirty="0" err="1"/>
-              <a:t>Start</a:t>
-            </a:r>
-            <a:r>
-              <a:rPr lang="pt-PT" dirty="0"/>
-              <a:t> </a:t>
-            </a:r>
-            <a:r>
-              <a:rPr lang="pt-PT" dirty="0" err="1"/>
-              <a:t>threads</a:t>
-            </a:r>
-            <a:endParaRPr lang="pt-PT" dirty="0"/>
-          </a:p>
-        </p:txBody>
-      </p:sp>
-      <p:sp>
-        <p:nvSpPr>
-          <p:cNvPr id="23" name="CaixaDeTexto 22">
-            <a:extLst>
-              <a:ext uri="{FF2B5EF4-FFF2-40B4-BE49-F238E27FC236}">
-                <a16:creationId xmlns:a16="http://schemas.microsoft.com/office/drawing/2014/main" id="{E414D643-A511-4194-8DD4-1D009D671CD4}"/>
-              </a:ext>
-            </a:extLst>
-          </p:cNvPr>
-          <p:cNvSpPr txBox="1"/>
-          <p:nvPr/>
-        </p:nvSpPr>
-        <p:spPr>
-          <a:xfrm>
-            <a:off x="2948703" y="4103347"/>
-            <a:ext cx="2439770" cy="369332"/>
-          </a:xfrm>
-          <a:prstGeom prst="rect">
-            <a:avLst/>
-          </a:prstGeom>
-          <a:noFill/>
-        </p:spPr>
-        <p:txBody>
-          <a:bodyPr wrap="square" rtlCol="0">
-            <a:spAutoFit/>
-          </a:bodyPr>
-          <a:lstStyle/>
-          <a:p>
-            <a:pPr algn="ctr"/>
-            <a:r>
-              <a:rPr lang="pt-PT" dirty="0"/>
-              <a:t>…</a:t>
-            </a:r>
-          </a:p>
-        </p:txBody>
-      </p:sp>
-      <p:cxnSp>
-        <p:nvCxnSpPr>
-          <p:cNvPr id="25" name="Conexão reta unidirecional 24">
-            <a:extLst>
-              <a:ext uri="{FF2B5EF4-FFF2-40B4-BE49-F238E27FC236}">
-                <a16:creationId xmlns:a16="http://schemas.microsoft.com/office/drawing/2014/main" id="{45FA949B-C680-423D-BB75-E98626B23652}"/>
+                <a16:creationId xmlns:a16="http://schemas.microsoft.com/office/drawing/2014/main" id="{64B5B1AF-29A0-AE8A-4D84-201D4ED0DFA7}"/>
               </a:ext>
             </a:extLst>
           </p:cNvPr>
           <p:cNvCxnSpPr>
-            <a:cxnSpLocks/>
+            <a:stCxn id="9" idx="6"/>
           </p:cNvCxnSpPr>
           <p:nvPr/>
         </p:nvCxnSpPr>
         <p:spPr>
-          <a:xfrm>
-            <a:off x="4150660" y="3110756"/>
-            <a:ext cx="0" cy="322280"/>
+          <a:xfrm flipV="1">
+            <a:off x="5044513" y="3577527"/>
+            <a:ext cx="3401610" cy="1"/>
           </a:xfrm>
           <a:prstGeom prst="straightConnector1">
             <a:avLst/>
@@ -4675,107 +4475,25 @@
         </p:spPr>
         <p:style>
           <a:lnRef idx="1">
-            <a:schemeClr val="accent1"/>
+            <a:schemeClr val="dk1"/>
           </a:lnRef>
           <a:fillRef idx="0">
-            <a:schemeClr val="accent1"/>
+            <a:schemeClr val="dk1"/>
           </a:fillRef>
           <a:effectRef idx="0">
-            <a:schemeClr val="accent1"/>
+            <a:schemeClr val="dk1"/>
           </a:effectRef>
           <a:fontRef idx="minor">
             <a:schemeClr val="tx1"/>
           </a:fontRef>
         </p:style>
       </p:cxnSp>
-      <p:cxnSp>
-        <p:nvCxnSpPr>
-          <p:cNvPr id="26" name="Conexão reta unidirecional 25">
+      <p:sp>
+        <p:nvSpPr>
+          <p:cNvPr id="35" name="CaixaDeTexto 34">
             <a:extLst>
               <a:ext uri="{FF2B5EF4-FFF2-40B4-BE49-F238E27FC236}">
-                <a16:creationId xmlns:a16="http://schemas.microsoft.com/office/drawing/2014/main" id="{E91AF71E-F317-4336-9015-4FF8C192AB67}"/>
-              </a:ext>
-            </a:extLst>
-          </p:cNvPr>
-          <p:cNvCxnSpPr>
-            <a:cxnSpLocks/>
-          </p:cNvCxnSpPr>
-          <p:nvPr/>
-        </p:nvCxnSpPr>
-        <p:spPr>
-          <a:xfrm>
-            <a:off x="4150660" y="3834856"/>
-            <a:ext cx="0" cy="322280"/>
-          </a:xfrm>
-          <a:prstGeom prst="straightConnector1">
-            <a:avLst/>
-          </a:prstGeom>
-          <a:ln>
-            <a:tailEnd type="triangle"/>
-          </a:ln>
-        </p:spPr>
-        <p:style>
-          <a:lnRef idx="1">
-            <a:schemeClr val="accent1"/>
-          </a:lnRef>
-          <a:fillRef idx="0">
-            <a:schemeClr val="accent1"/>
-          </a:fillRef>
-          <a:effectRef idx="0">
-            <a:schemeClr val="accent1"/>
-          </a:effectRef>
-          <a:fontRef idx="minor">
-            <a:schemeClr val="tx1"/>
-          </a:fontRef>
-        </p:style>
-      </p:cxnSp>
-      <p:cxnSp>
-        <p:nvCxnSpPr>
-          <p:cNvPr id="27" name="Conexão reta unidirecional 26">
-            <a:extLst>
-              <a:ext uri="{FF2B5EF4-FFF2-40B4-BE49-F238E27FC236}">
-                <a16:creationId xmlns:a16="http://schemas.microsoft.com/office/drawing/2014/main" id="{ADEA7A9B-3DC0-4453-9776-B6D778BD5870}"/>
-              </a:ext>
-            </a:extLst>
-          </p:cNvPr>
-          <p:cNvCxnSpPr>
-            <a:cxnSpLocks/>
-          </p:cNvCxnSpPr>
-          <p:nvPr/>
-        </p:nvCxnSpPr>
-        <p:spPr>
-          <a:xfrm>
-            <a:off x="4141696" y="4481644"/>
-            <a:ext cx="0" cy="322280"/>
-          </a:xfrm>
-          <a:prstGeom prst="straightConnector1">
-            <a:avLst/>
-          </a:prstGeom>
-          <a:ln>
-            <a:tailEnd type="triangle"/>
-          </a:ln>
-        </p:spPr>
-        <p:style>
-          <a:lnRef idx="1">
-            <a:schemeClr val="accent1"/>
-          </a:lnRef>
-          <a:fillRef idx="0">
-            <a:schemeClr val="accent1"/>
-          </a:fillRef>
-          <a:effectRef idx="0">
-            <a:schemeClr val="accent1"/>
-          </a:effectRef>
-          <a:fontRef idx="minor">
-            <a:schemeClr val="tx1"/>
-          </a:fontRef>
-        </p:style>
-      </p:cxnSp>
-      <p:sp>
-        <p:nvSpPr>
-          <p:cNvPr id="28" name="CaixaDeTexto 27">
-            <a:extLst>
-              <a:ext uri="{FF2B5EF4-FFF2-40B4-BE49-F238E27FC236}">
-                <a16:creationId xmlns:a16="http://schemas.microsoft.com/office/drawing/2014/main" id="{CF274CB7-C6D3-4DF0-9E0C-6A7048985AF8}"/>
+                <a16:creationId xmlns:a16="http://schemas.microsoft.com/office/drawing/2014/main" id="{30CF57D2-8CE2-92F6-EC1A-F213959268AA}"/>
               </a:ext>
             </a:extLst>
           </p:cNvPr>
@@ -4784,8 +4502,8 @@
         </p:nvSpPr>
         <p:spPr>
           <a:xfrm>
-            <a:off x="2948703" y="4789811"/>
-            <a:ext cx="2439770" cy="369332"/>
+            <a:off x="3484542" y="2810312"/>
+            <a:ext cx="142329" cy="369332"/>
           </a:xfrm>
           <a:prstGeom prst="rect">
             <a:avLst/>
@@ -4798,70 +4516,19 @@
           </a:bodyPr>
           <a:lstStyle/>
           <a:p>
-            <a:pPr algn="ctr"/>
-            <a:r>
-              <a:rPr lang="pt-PT" dirty="0" err="1"/>
-              <a:t>Wait</a:t>
-            </a:r>
             <a:r>
               <a:rPr lang="pt-PT" dirty="0"/>
-              <a:t> </a:t>
-            </a:r>
-            <a:r>
-              <a:rPr lang="pt-PT" dirty="0" err="1"/>
-              <a:t>workers</a:t>
-            </a:r>
-            <a:endParaRPr lang="pt-PT" dirty="0"/>
-          </a:p>
-        </p:txBody>
-      </p:sp>
-      <p:cxnSp>
-        <p:nvCxnSpPr>
-          <p:cNvPr id="29" name="Conexão reta unidirecional 28">
+              <a:t>1</a:t>
+            </a:r>
+          </a:p>
+        </p:txBody>
+      </p:sp>
+      <p:sp>
+        <p:nvSpPr>
+          <p:cNvPr id="36" name="CaixaDeTexto 35">
             <a:extLst>
               <a:ext uri="{FF2B5EF4-FFF2-40B4-BE49-F238E27FC236}">
-                <a16:creationId xmlns:a16="http://schemas.microsoft.com/office/drawing/2014/main" id="{93496383-EDDC-4F00-B3EB-BFF4FFFD26DF}"/>
-              </a:ext>
-            </a:extLst>
-          </p:cNvPr>
-          <p:cNvCxnSpPr>
-            <a:cxnSpLocks/>
-          </p:cNvCxnSpPr>
-          <p:nvPr/>
-        </p:nvCxnSpPr>
-        <p:spPr>
-          <a:xfrm>
-            <a:off x="4141696" y="5159143"/>
-            <a:ext cx="0" cy="322280"/>
-          </a:xfrm>
-          <a:prstGeom prst="straightConnector1">
-            <a:avLst/>
-          </a:prstGeom>
-          <a:ln>
-            <a:tailEnd type="triangle"/>
-          </a:ln>
-        </p:spPr>
-        <p:style>
-          <a:lnRef idx="1">
-            <a:schemeClr val="accent1"/>
-          </a:lnRef>
-          <a:fillRef idx="0">
-            <a:schemeClr val="accent1"/>
-          </a:fillRef>
-          <a:effectRef idx="0">
-            <a:schemeClr val="accent1"/>
-          </a:effectRef>
-          <a:fontRef idx="minor">
-            <a:schemeClr val="tx1"/>
-          </a:fontRef>
-        </p:style>
-      </p:cxnSp>
-      <p:sp>
-        <p:nvSpPr>
-          <p:cNvPr id="30" name="CaixaDeTexto 29">
-            <a:extLst>
-              <a:ext uri="{FF2B5EF4-FFF2-40B4-BE49-F238E27FC236}">
-                <a16:creationId xmlns:a16="http://schemas.microsoft.com/office/drawing/2014/main" id="{B3339711-D1E5-487A-800C-1663429EA463}"/>
+                <a16:creationId xmlns:a16="http://schemas.microsoft.com/office/drawing/2014/main" id="{CDCE6BB6-80F6-7A47-4882-D3DF9B80C9F5}"/>
               </a:ext>
             </a:extLst>
           </p:cNvPr>
@@ -4870,8 +4537,8 @@
         </p:nvSpPr>
         <p:spPr>
           <a:xfrm>
-            <a:off x="2948703" y="5514362"/>
-            <a:ext cx="2439770" cy="369332"/>
+            <a:off x="5620253" y="2235539"/>
+            <a:ext cx="142329" cy="369332"/>
           </a:xfrm>
           <a:prstGeom prst="rect">
             <a:avLst/>
@@ -4884,16 +4551,362 @@
           </a:bodyPr>
           <a:lstStyle/>
           <a:p>
-            <a:pPr algn="ctr"/>
             <a:r>
               <a:rPr lang="pt-PT" dirty="0"/>
-              <a:t>Print </a:t>
-            </a:r>
-            <a:r>
-              <a:rPr lang="pt-PT" dirty="0" err="1"/>
+              <a:t>2</a:t>
+            </a:r>
+          </a:p>
+        </p:txBody>
+      </p:sp>
+      <p:sp>
+        <p:nvSpPr>
+          <p:cNvPr id="37" name="CaixaDeTexto 36">
+            <a:extLst>
+              <a:ext uri="{FF2B5EF4-FFF2-40B4-BE49-F238E27FC236}">
+                <a16:creationId xmlns:a16="http://schemas.microsoft.com/office/drawing/2014/main" id="{C19BA16D-E817-74E9-8926-8AA3E42BDEAC}"/>
+              </a:ext>
+            </a:extLst>
+          </p:cNvPr>
+          <p:cNvSpPr txBox="1"/>
+          <p:nvPr/>
+        </p:nvSpPr>
+        <p:spPr>
+          <a:xfrm>
+            <a:off x="6614796" y="3244334"/>
+            <a:ext cx="142329" cy="369332"/>
+          </a:xfrm>
+          <a:prstGeom prst="rect">
+            <a:avLst/>
+          </a:prstGeom>
+          <a:noFill/>
+        </p:spPr>
+        <p:txBody>
+          <a:bodyPr wrap="square" rtlCol="0">
+            <a:spAutoFit/>
+          </a:bodyPr>
+          <a:lstStyle/>
+          <a:p>
+            <a:r>
+              <a:rPr lang="pt-PT" dirty="0"/>
+              <a:t>3</a:t>
+            </a:r>
+          </a:p>
+        </p:txBody>
+      </p:sp>
+      <p:sp>
+        <p:nvSpPr>
+          <p:cNvPr id="38" name="CaixaDeTexto 37">
+            <a:extLst>
+              <a:ext uri="{FF2B5EF4-FFF2-40B4-BE49-F238E27FC236}">
+                <a16:creationId xmlns:a16="http://schemas.microsoft.com/office/drawing/2014/main" id="{84E5CD45-DCFD-7E28-F5B8-C972B21EFD70}"/>
+              </a:ext>
+            </a:extLst>
+          </p:cNvPr>
+          <p:cNvSpPr txBox="1"/>
+          <p:nvPr/>
+        </p:nvSpPr>
+        <p:spPr>
+          <a:xfrm>
+            <a:off x="293615" y="4014448"/>
+            <a:ext cx="7843706" cy="1785104"/>
+          </a:xfrm>
+          <a:prstGeom prst="rect">
+            <a:avLst/>
+          </a:prstGeom>
+          <a:noFill/>
+        </p:spPr>
+        <p:txBody>
+          <a:bodyPr wrap="square" rtlCol="0">
+            <a:spAutoFit/>
+          </a:bodyPr>
+          <a:lstStyle/>
+          <a:p>
+            <a:r>
+              <a:rPr lang="pt-PT" sz="1400" b="1" dirty="0" err="1"/>
+              <a:t>Legend</a:t>
+            </a:r>
+            <a:endParaRPr lang="pt-PT" sz="1400" b="1" dirty="0"/>
+          </a:p>
+          <a:p>
+            <a:r>
+              <a:rPr lang="pt-PT" sz="1200" dirty="0"/>
+              <a:t>1</a:t>
+            </a:r>
+          </a:p>
+          <a:p>
+            <a:pPr marL="171450" indent="-171450">
+              <a:buFont typeface="Arial" panose="020B0604020202020204" pitchFamily="34" charset="0"/>
+              <a:buChar char="•"/>
+            </a:pPr>
+            <a:r>
+              <a:rPr lang="pt-PT" sz="1200" dirty="0" err="1"/>
+              <a:t>init</a:t>
+            </a:r>
+            <a:r>
+              <a:rPr lang="pt-PT" sz="1200" dirty="0"/>
+              <a:t> and </a:t>
+            </a:r>
+            <a:r>
+              <a:rPr lang="pt-PT" sz="1200" dirty="0" err="1"/>
+              <a:t>start</a:t>
+            </a:r>
+            <a:r>
+              <a:rPr lang="pt-PT" sz="1200" dirty="0"/>
+              <a:t> </a:t>
+            </a:r>
+            <a:r>
+              <a:rPr lang="pt-PT" sz="1200" dirty="0" err="1"/>
+              <a:t>workers</a:t>
+            </a:r>
+            <a:endParaRPr lang="pt-PT" sz="1200" dirty="0"/>
+          </a:p>
+          <a:p>
+            <a:r>
+              <a:rPr lang="pt-PT" sz="1200" dirty="0"/>
+              <a:t>2</a:t>
+            </a:r>
+          </a:p>
+          <a:p>
+            <a:pPr marL="171450" indent="-171450">
+              <a:buFont typeface="Arial" panose="020B0604020202020204" pitchFamily="34" charset="0"/>
+              <a:buChar char="•"/>
+            </a:pPr>
+            <a:r>
+              <a:rPr lang="pt-PT" sz="1200" dirty="0" err="1"/>
+              <a:t>fillSharedMem</a:t>
+            </a:r>
+            <a:r>
+              <a:rPr lang="pt-PT" sz="1200" dirty="0"/>
+              <a:t> – </a:t>
+            </a:r>
+            <a:r>
+              <a:rPr lang="pt-PT" sz="1200" dirty="0" err="1"/>
+              <a:t>fill</a:t>
+            </a:r>
+            <a:r>
+              <a:rPr lang="pt-PT" sz="1200" dirty="0"/>
+              <a:t> </a:t>
+            </a:r>
+            <a:r>
+              <a:rPr lang="pt-PT" sz="1200" dirty="0" err="1"/>
+              <a:t>shared</a:t>
+            </a:r>
+            <a:r>
+              <a:rPr lang="pt-PT" sz="1200" dirty="0"/>
+              <a:t> </a:t>
+            </a:r>
+            <a:r>
+              <a:rPr lang="pt-PT" sz="1200" dirty="0" err="1"/>
+              <a:t>memory</a:t>
+            </a:r>
+            <a:r>
+              <a:rPr lang="pt-PT" sz="1200" dirty="0"/>
+              <a:t> </a:t>
+            </a:r>
+            <a:r>
+              <a:rPr lang="pt-PT" sz="1200" dirty="0" err="1"/>
+              <a:t>with</a:t>
+            </a:r>
+            <a:r>
+              <a:rPr lang="pt-PT" sz="1200" dirty="0"/>
+              <a:t> file </a:t>
+            </a:r>
+            <a:r>
+              <a:rPr lang="pt-PT" sz="1200" dirty="0" err="1"/>
+              <a:t>names</a:t>
+            </a:r>
+            <a:r>
+              <a:rPr lang="pt-PT" sz="1200" dirty="0"/>
+              <a:t>; </a:t>
+            </a:r>
+            <a:r>
+              <a:rPr lang="pt-PT" sz="1200" dirty="0" err="1"/>
+              <a:t>initialize</a:t>
+            </a:r>
+            <a:r>
+              <a:rPr lang="pt-PT" sz="1200" dirty="0"/>
+              <a:t> </a:t>
+            </a:r>
+            <a:r>
+              <a:rPr lang="pt-PT" sz="1200" dirty="0" err="1"/>
+              <a:t>remaining</a:t>
+            </a:r>
+            <a:r>
+              <a:rPr lang="pt-PT" sz="1200" dirty="0"/>
+              <a:t> </a:t>
+            </a:r>
+            <a:r>
+              <a:rPr lang="pt-PT" sz="1200" dirty="0" err="1"/>
+              <a:t>entites</a:t>
+            </a:r>
+            <a:r>
+              <a:rPr lang="pt-PT" sz="1200" dirty="0"/>
+              <a:t> </a:t>
+            </a:r>
+            <a:r>
+              <a:rPr lang="pt-PT" sz="1200" dirty="0" err="1"/>
+              <a:t>with</a:t>
+            </a:r>
+            <a:r>
+              <a:rPr lang="pt-PT" sz="1200" dirty="0"/>
+              <a:t> </a:t>
+            </a:r>
+            <a:r>
+              <a:rPr lang="pt-PT" sz="1200" dirty="0" err="1"/>
+              <a:t>default</a:t>
+            </a:r>
+            <a:r>
+              <a:rPr lang="pt-PT" sz="1200" dirty="0"/>
+              <a:t> </a:t>
+            </a:r>
+            <a:r>
+              <a:rPr lang="pt-PT" sz="1200" dirty="0" err="1"/>
+              <a:t>values</a:t>
+            </a:r>
+            <a:endParaRPr lang="pt-PT" sz="1200" dirty="0"/>
+          </a:p>
+          <a:p>
+            <a:pPr marL="171450" indent="-171450">
+              <a:buFont typeface="Arial" panose="020B0604020202020204" pitchFamily="34" charset="0"/>
+              <a:buChar char="•"/>
+            </a:pPr>
+            <a:r>
+              <a:rPr lang="pt-PT" sz="1200" dirty="0" err="1"/>
+              <a:t>printResults</a:t>
+            </a:r>
+            <a:r>
+              <a:rPr lang="pt-PT" sz="1200" dirty="0"/>
+              <a:t> – print </a:t>
+            </a:r>
+            <a:r>
+              <a:rPr lang="pt-PT" sz="1200" dirty="0" err="1"/>
+              <a:t>all</a:t>
+            </a:r>
+            <a:r>
+              <a:rPr lang="pt-PT" sz="1200" dirty="0"/>
+              <a:t> </a:t>
+            </a:r>
+            <a:r>
+              <a:rPr lang="pt-PT" sz="1200" dirty="0" err="1"/>
+              <a:t>obtained</a:t>
+            </a:r>
+            <a:r>
+              <a:rPr lang="pt-PT" sz="1200" dirty="0"/>
+              <a:t> file </a:t>
+            </a:r>
+            <a:r>
+              <a:rPr lang="pt-PT" sz="1200" dirty="0" err="1"/>
               <a:t>results</a:t>
             </a:r>
-            <a:endParaRPr lang="pt-PT" dirty="0"/>
+            <a:endParaRPr lang="pt-PT" sz="1200" dirty="0"/>
+          </a:p>
+          <a:p>
+            <a:r>
+              <a:rPr lang="pt-PT" sz="1200" dirty="0"/>
+              <a:t>3</a:t>
+            </a:r>
+          </a:p>
+          <a:p>
+            <a:pPr marL="171450" indent="-171450">
+              <a:buFont typeface="Arial" panose="020B0604020202020204" pitchFamily="34" charset="0"/>
+              <a:buChar char="•"/>
+            </a:pPr>
+            <a:r>
+              <a:rPr lang="pt-PT" sz="1200" dirty="0" err="1"/>
+              <a:t>requestChunk</a:t>
+            </a:r>
+            <a:r>
+              <a:rPr lang="pt-PT" sz="1200" dirty="0"/>
+              <a:t> – </a:t>
+            </a:r>
+            <a:r>
+              <a:rPr lang="pt-PT" sz="1200" dirty="0" err="1"/>
+              <a:t>request</a:t>
+            </a:r>
+            <a:r>
+              <a:rPr lang="pt-PT" sz="1200" dirty="0"/>
+              <a:t> a </a:t>
+            </a:r>
+            <a:r>
+              <a:rPr lang="pt-PT" sz="1200" dirty="0" err="1"/>
+              <a:t>chunk</a:t>
+            </a:r>
+            <a:r>
+              <a:rPr lang="pt-PT" sz="1200" dirty="0"/>
+              <a:t> of </a:t>
+            </a:r>
+            <a:r>
+              <a:rPr lang="pt-PT" sz="1200" dirty="0" err="1"/>
+              <a:t>text</a:t>
+            </a:r>
+            <a:r>
+              <a:rPr lang="pt-PT" sz="1200" dirty="0"/>
+              <a:t> to </a:t>
+            </a:r>
+            <a:r>
+              <a:rPr lang="pt-PT" sz="1200" dirty="0" err="1"/>
+              <a:t>be</a:t>
+            </a:r>
+            <a:r>
+              <a:rPr lang="pt-PT" sz="1200" dirty="0"/>
+              <a:t> </a:t>
+            </a:r>
+            <a:r>
+              <a:rPr lang="pt-PT" sz="1200" dirty="0" err="1"/>
+              <a:t>processed</a:t>
+            </a:r>
+            <a:endParaRPr lang="pt-PT" sz="1200" dirty="0"/>
+          </a:p>
+          <a:p>
+            <a:pPr marL="171450" indent="-171450">
+              <a:buFont typeface="Arial" panose="020B0604020202020204" pitchFamily="34" charset="0"/>
+              <a:buChar char="•"/>
+            </a:pPr>
+            <a:r>
+              <a:rPr lang="pt-PT" sz="1200" dirty="0" err="1"/>
+              <a:t>postResults</a:t>
+            </a:r>
+            <a:r>
+              <a:rPr lang="pt-PT" sz="1200" dirty="0"/>
+              <a:t> – </a:t>
+            </a:r>
+            <a:r>
+              <a:rPr lang="pt-PT" sz="1200" dirty="0" err="1"/>
+              <a:t>post</a:t>
+            </a:r>
+            <a:r>
+              <a:rPr lang="pt-PT" sz="1200" dirty="0"/>
+              <a:t> the </a:t>
+            </a:r>
+            <a:r>
+              <a:rPr lang="pt-PT" sz="1200" dirty="0" err="1"/>
+              <a:t>obtained</a:t>
+            </a:r>
+            <a:r>
+              <a:rPr lang="pt-PT" sz="1200" dirty="0"/>
+              <a:t> </a:t>
+            </a:r>
+            <a:r>
+              <a:rPr lang="pt-PT" sz="1200" dirty="0" err="1"/>
+              <a:t>results</a:t>
+            </a:r>
+            <a:r>
+              <a:rPr lang="pt-PT" sz="1200" dirty="0"/>
+              <a:t> in the </a:t>
+            </a:r>
+            <a:r>
+              <a:rPr lang="pt-PT" sz="1200" dirty="0" err="1"/>
+              <a:t>shared</a:t>
+            </a:r>
+            <a:r>
+              <a:rPr lang="pt-PT" sz="1200" dirty="0"/>
+              <a:t> </a:t>
+            </a:r>
+            <a:r>
+              <a:rPr lang="pt-PT" sz="1200" dirty="0" err="1"/>
+              <a:t>region</a:t>
+            </a:r>
+            <a:endParaRPr lang="pt-PT" sz="1200" dirty="0"/>
           </a:p>
         </p:txBody>
       </p:sp>
@@ -4911,111 +4924,6 @@
 </file>
 
 <file path=ppt/slides/slide3.xml><?xml version="1.0" encoding="utf-8"?>
-<p:sld xmlns:a="http://schemas.openxmlformats.org/drawingml/2006/main" xmlns:r="http://schemas.openxmlformats.org/officeDocument/2006/relationships" xmlns:p="http://schemas.openxmlformats.org/presentationml/2006/main">
-  <p:cSld>
-    <p:spTree>
-      <p:nvGrpSpPr>
-        <p:cNvPr id="1" name=""/>
-        <p:cNvGrpSpPr/>
-        <p:nvPr/>
-      </p:nvGrpSpPr>
-      <p:grpSpPr>
-        <a:xfrm>
-          <a:off x="0" y="0"/>
-          <a:ext cx="0" cy="0"/>
-          <a:chOff x="0" y="0"/>
-          <a:chExt cx="0" cy="0"/>
-        </a:xfrm>
-      </p:grpSpPr>
-      <p:sp>
-        <p:nvSpPr>
-          <p:cNvPr id="2" name="Título 1">
-            <a:extLst>
-              <a:ext uri="{FF2B5EF4-FFF2-40B4-BE49-F238E27FC236}">
-                <a16:creationId xmlns:a16="http://schemas.microsoft.com/office/drawing/2014/main" id="{C7D52C90-E3ED-4F3F-A8E5-D53ABE83C150}"/>
-              </a:ext>
-            </a:extLst>
-          </p:cNvPr>
-          <p:cNvSpPr>
-            <a:spLocks noGrp="1"/>
-          </p:cNvSpPr>
-          <p:nvPr>
-            <p:ph type="title"/>
-          </p:nvPr>
-        </p:nvSpPr>
-        <p:spPr>
-          <a:xfrm>
-            <a:off x="1451579" y="1039907"/>
-            <a:ext cx="9603275" cy="813848"/>
-          </a:xfrm>
-        </p:spPr>
-        <p:txBody>
-          <a:bodyPr>
-            <a:normAutofit fontScale="90000"/>
-          </a:bodyPr>
-          <a:lstStyle/>
-          <a:p>
-            <a:r>
-              <a:rPr lang="pt-PT" sz="3600" b="1" dirty="0" err="1">
-                <a:latin typeface="Calibri" panose="020F0502020204030204" pitchFamily="34" charset="0"/>
-                <a:ea typeface="Calibri" panose="020F0502020204030204" pitchFamily="34" charset="0"/>
-                <a:cs typeface="Calibri" panose="020F0502020204030204" pitchFamily="34" charset="0"/>
-              </a:rPr>
-              <a:t>Problem</a:t>
-            </a:r>
-            <a:r>
-              <a:rPr lang="pt-PT" sz="3600" b="1" dirty="0">
-                <a:latin typeface="Calibri" panose="020F0502020204030204" pitchFamily="34" charset="0"/>
-                <a:ea typeface="Calibri" panose="020F0502020204030204" pitchFamily="34" charset="0"/>
-                <a:cs typeface="Calibri" panose="020F0502020204030204" pitchFamily="34" charset="0"/>
-              </a:rPr>
-              <a:t> 1</a:t>
-            </a:r>
-            <a:br>
-              <a:rPr lang="pt-PT" dirty="0">
-                <a:latin typeface="Calibri" panose="020F0502020204030204" pitchFamily="34" charset="0"/>
-                <a:ea typeface="Calibri" panose="020F0502020204030204" pitchFamily="34" charset="0"/>
-                <a:cs typeface="Calibri" panose="020F0502020204030204" pitchFamily="34" charset="0"/>
-              </a:rPr>
-            </a:br>
-            <a:r>
-              <a:rPr lang="pt-PT" sz="2200" dirty="0" err="1">
-                <a:latin typeface="Calibri" panose="020F0502020204030204" pitchFamily="34" charset="0"/>
-                <a:ea typeface="Calibri" panose="020F0502020204030204" pitchFamily="34" charset="0"/>
-                <a:cs typeface="Calibri" panose="020F0502020204030204" pitchFamily="34" charset="0"/>
-              </a:rPr>
-              <a:t>Workers</a:t>
-            </a:r>
-            <a:r>
-              <a:rPr lang="pt-PT" sz="2200" dirty="0">
-                <a:latin typeface="Calibri" panose="020F0502020204030204" pitchFamily="34" charset="0"/>
-                <a:ea typeface="Calibri" panose="020F0502020204030204" pitchFamily="34" charset="0"/>
-                <a:cs typeface="Calibri" panose="020F0502020204030204" pitchFamily="34" charset="0"/>
-              </a:rPr>
-              <a:t> LIFECYCLE</a:t>
-            </a:r>
-            <a:endParaRPr lang="pt-PT" dirty="0">
-              <a:latin typeface="Calibri" panose="020F0502020204030204" pitchFamily="34" charset="0"/>
-              <a:ea typeface="Calibri" panose="020F0502020204030204" pitchFamily="34" charset="0"/>
-              <a:cs typeface="Calibri" panose="020F0502020204030204" pitchFamily="34" charset="0"/>
-            </a:endParaRPr>
-          </a:p>
-        </p:txBody>
-      </p:sp>
-    </p:spTree>
-    <p:extLst>
-      <p:ext uri="{BB962C8B-B14F-4D97-AF65-F5344CB8AC3E}">
-        <p14:creationId xmlns:p14="http://schemas.microsoft.com/office/powerpoint/2010/main" val="220112480"/>
-      </p:ext>
-    </p:extLst>
-  </p:cSld>
-  <p:clrMapOvr>
-    <a:masterClrMapping/>
-  </p:clrMapOvr>
-</p:sld>
-</file>
-
-<file path=ppt/slides/slide4.xml><?xml version="1.0" encoding="utf-8"?>
 <p:sld xmlns:a="http://schemas.openxmlformats.org/drawingml/2006/main" xmlns:r="http://schemas.openxmlformats.org/officeDocument/2006/relationships" xmlns:p="http://schemas.openxmlformats.org/presentationml/2006/main">
   <p:cSld>
     <p:spTree>
@@ -5355,6 +5263,103 @@
 </p:sld>
 </file>
 
+<file path=ppt/slides/slide4.xml><?xml version="1.0" encoding="utf-8"?>
+<p:sld xmlns:a="http://schemas.openxmlformats.org/drawingml/2006/main" xmlns:r="http://schemas.openxmlformats.org/officeDocument/2006/relationships" xmlns:p="http://schemas.openxmlformats.org/presentationml/2006/main">
+  <p:cSld>
+    <p:spTree>
+      <p:nvGrpSpPr>
+        <p:cNvPr id="1" name=""/>
+        <p:cNvGrpSpPr/>
+        <p:nvPr/>
+      </p:nvGrpSpPr>
+      <p:grpSpPr>
+        <a:xfrm>
+          <a:off x="0" y="0"/>
+          <a:ext cx="0" cy="0"/>
+          <a:chOff x="0" y="0"/>
+          <a:chExt cx="0" cy="0"/>
+        </a:xfrm>
+      </p:grpSpPr>
+      <p:sp>
+        <p:nvSpPr>
+          <p:cNvPr id="2" name="Título 1">
+            <a:extLst>
+              <a:ext uri="{FF2B5EF4-FFF2-40B4-BE49-F238E27FC236}">
+                <a16:creationId xmlns:a16="http://schemas.microsoft.com/office/drawing/2014/main" id="{C7D52C90-E3ED-4F3F-A8E5-D53ABE83C150}"/>
+              </a:ext>
+            </a:extLst>
+          </p:cNvPr>
+          <p:cNvSpPr>
+            <a:spLocks noGrp="1"/>
+          </p:cNvSpPr>
+          <p:nvPr>
+            <p:ph type="title"/>
+          </p:nvPr>
+        </p:nvSpPr>
+        <p:spPr>
+          <a:xfrm>
+            <a:off x="1451579" y="1039907"/>
+            <a:ext cx="9603275" cy="813848"/>
+          </a:xfrm>
+        </p:spPr>
+        <p:txBody>
+          <a:bodyPr>
+            <a:normAutofit fontScale="90000"/>
+          </a:bodyPr>
+          <a:lstStyle/>
+          <a:p>
+            <a:r>
+              <a:rPr lang="pt-PT" sz="3600" b="1" dirty="0" err="1">
+                <a:latin typeface="Calibri" panose="020F0502020204030204" pitchFamily="34" charset="0"/>
+                <a:ea typeface="Calibri" panose="020F0502020204030204" pitchFamily="34" charset="0"/>
+                <a:cs typeface="Calibri" panose="020F0502020204030204" pitchFamily="34" charset="0"/>
+              </a:rPr>
+              <a:t>Problem</a:t>
+            </a:r>
+            <a:r>
+              <a:rPr lang="pt-PT" sz="3600" b="1" dirty="0">
+                <a:latin typeface="Calibri" panose="020F0502020204030204" pitchFamily="34" charset="0"/>
+                <a:ea typeface="Calibri" panose="020F0502020204030204" pitchFamily="34" charset="0"/>
+                <a:cs typeface="Calibri" panose="020F0502020204030204" pitchFamily="34" charset="0"/>
+              </a:rPr>
+              <a:t> 1</a:t>
+            </a:r>
+            <a:br>
+              <a:rPr lang="pt-PT" dirty="0">
+                <a:latin typeface="Calibri" panose="020F0502020204030204" pitchFamily="34" charset="0"/>
+                <a:ea typeface="Calibri" panose="020F0502020204030204" pitchFamily="34" charset="0"/>
+                <a:cs typeface="Calibri" panose="020F0502020204030204" pitchFamily="34" charset="0"/>
+              </a:rPr>
+            </a:br>
+            <a:r>
+              <a:rPr lang="pt-PT" sz="2200" dirty="0" err="1">
+                <a:latin typeface="Calibri" panose="020F0502020204030204" pitchFamily="34" charset="0"/>
+                <a:ea typeface="Calibri" panose="020F0502020204030204" pitchFamily="34" charset="0"/>
+                <a:cs typeface="Calibri" panose="020F0502020204030204" pitchFamily="34" charset="0"/>
+              </a:rPr>
+              <a:t>Conclusions</a:t>
+            </a:r>
+            <a:endParaRPr lang="pt-PT" dirty="0">
+              <a:latin typeface="Calibri" panose="020F0502020204030204" pitchFamily="34" charset="0"/>
+              <a:ea typeface="Calibri" panose="020F0502020204030204" pitchFamily="34" charset="0"/>
+              <a:cs typeface="Calibri" panose="020F0502020204030204" pitchFamily="34" charset="0"/>
+            </a:endParaRPr>
+          </a:p>
+        </p:txBody>
+      </p:sp>
+    </p:spTree>
+    <p:extLst>
+      <p:ext uri="{BB962C8B-B14F-4D97-AF65-F5344CB8AC3E}">
+        <p14:creationId xmlns:p14="http://schemas.microsoft.com/office/powerpoint/2010/main" val="220112480"/>
+      </p:ext>
+    </p:extLst>
+  </p:cSld>
+  <p:clrMapOvr>
+    <a:masterClrMapping/>
+  </p:clrMapOvr>
+</p:sld>
+</file>
+
 <file path=ppt/slides/slide5.xml><?xml version="1.0" encoding="utf-8"?>
 <p:sld xmlns:a="http://schemas.openxmlformats.org/drawingml/2006/main" xmlns:r="http://schemas.openxmlformats.org/officeDocument/2006/relationships" xmlns:p="http://schemas.openxmlformats.org/presentationml/2006/main">
   <p:cSld>
@@ -5429,7 +5434,23 @@
                 <a:ea typeface="Calibri" panose="020F0502020204030204" pitchFamily="34" charset="0"/>
                 <a:cs typeface="Calibri" panose="020F0502020204030204" pitchFamily="34" charset="0"/>
               </a:rPr>
-              <a:t>Initializations</a:t>
+              <a:t>Entities</a:t>
+            </a:r>
+            <a:r>
+              <a:rPr lang="pt-PT" sz="2200" dirty="0">
+                <a:latin typeface="Calibri" panose="020F0502020204030204" pitchFamily="34" charset="0"/>
+                <a:ea typeface="Calibri" panose="020F0502020204030204" pitchFamily="34" charset="0"/>
+                <a:cs typeface="Calibri" panose="020F0502020204030204" pitchFamily="34" charset="0"/>
+              </a:rPr>
+              <a:t> </a:t>
+            </a:r>
+            <a:r>
+              <a:rPr lang="pt-PT" sz="2200" dirty="0" err="1">
+                <a:latin typeface="Calibri" panose="020F0502020204030204" pitchFamily="34" charset="0"/>
+                <a:ea typeface="Calibri" panose="020F0502020204030204" pitchFamily="34" charset="0"/>
+                <a:cs typeface="Calibri" panose="020F0502020204030204" pitchFamily="34" charset="0"/>
+              </a:rPr>
+              <a:t>diagram</a:t>
             </a:r>
             <a:endParaRPr lang="pt-PT" dirty="0">
               <a:latin typeface="Calibri" panose="020F0502020204030204" pitchFamily="34" charset="0"/>
@@ -5441,26 +5462,1208 @@
       </p:sp>
       <p:sp>
         <p:nvSpPr>
-          <p:cNvPr id="3" name="Marcador de Posição de Conteúdo 2">
+          <p:cNvPr id="4" name="Retângulo 3">
             <a:extLst>
               <a:ext uri="{FF2B5EF4-FFF2-40B4-BE49-F238E27FC236}">
-                <a16:creationId xmlns:a16="http://schemas.microsoft.com/office/drawing/2014/main" id="{2D745695-6161-41A4-A2E0-37169F11F70A}"/>
+                <a16:creationId xmlns:a16="http://schemas.microsoft.com/office/drawing/2014/main" id="{C6B61889-36B2-1753-13D0-6F9AADA8DFF0}"/>
               </a:ext>
             </a:extLst>
           </p:cNvPr>
-          <p:cNvSpPr>
-            <a:spLocks noGrp="1"/>
-          </p:cNvSpPr>
-          <p:nvPr>
-            <p:ph idx="1"/>
-          </p:nvPr>
-        </p:nvSpPr>
-        <p:spPr/>
-        <p:txBody>
-          <a:bodyPr/>
+          <p:cNvSpPr/>
+          <p:nvPr/>
+        </p:nvSpPr>
+        <p:spPr>
+          <a:xfrm>
+            <a:off x="8446124" y="2015731"/>
+            <a:ext cx="2608730" cy="2673716"/>
+          </a:xfrm>
+          <a:prstGeom prst="rect">
+            <a:avLst/>
+          </a:prstGeom>
+          <a:ln/>
+        </p:spPr>
+        <p:style>
+          <a:lnRef idx="2">
+            <a:schemeClr val="dk1"/>
+          </a:lnRef>
+          <a:fillRef idx="1">
+            <a:schemeClr val="lt1"/>
+          </a:fillRef>
+          <a:effectRef idx="0">
+            <a:schemeClr val="dk1"/>
+          </a:effectRef>
+          <a:fontRef idx="minor">
+            <a:schemeClr val="dk1"/>
+          </a:fontRef>
+        </p:style>
+        <p:txBody>
+          <a:bodyPr rtlCol="0" anchor="ctr"/>
           <a:lstStyle/>
           <a:p>
-            <a:endParaRPr lang="pt-PT" dirty="0"/>
+            <a:r>
+              <a:rPr lang="pt-PT" dirty="0" err="1"/>
+              <a:t>Shared</a:t>
+            </a:r>
+            <a:r>
+              <a:rPr lang="pt-PT" dirty="0"/>
+              <a:t> </a:t>
+            </a:r>
+            <a:r>
+              <a:rPr lang="pt-PT" dirty="0" err="1"/>
+              <a:t>Region</a:t>
+            </a:r>
+            <a:endParaRPr lang="pt-PT" sz="1400" dirty="0"/>
+          </a:p>
+          <a:p>
+            <a:pPr marL="285750" indent="-285750">
+              <a:buFont typeface="Arial" panose="020B0604020202020204" pitchFamily="34" charset="0"/>
+              <a:buChar char="•"/>
+            </a:pPr>
+            <a:r>
+              <a:rPr lang="pt-PT" sz="1400" dirty="0" err="1"/>
+              <a:t>char</a:t>
+            </a:r>
+            <a:r>
+              <a:rPr lang="pt-PT" sz="1400" dirty="0"/>
+              <a:t>* </a:t>
+            </a:r>
+            <a:r>
+              <a:rPr lang="pt-PT" sz="1400" dirty="0" err="1"/>
+              <a:t>fileName</a:t>
+            </a:r>
+            <a:endParaRPr lang="pt-PT" sz="1400" dirty="0"/>
+          </a:p>
+          <a:p>
+            <a:pPr marL="285750" indent="-285750">
+              <a:buFont typeface="Arial" panose="020B0604020202020204" pitchFamily="34" charset="0"/>
+              <a:buChar char="•"/>
+            </a:pPr>
+            <a:r>
+              <a:rPr lang="en-US" sz="1400" dirty="0"/>
+              <a:t>int* </a:t>
+            </a:r>
+            <a:r>
+              <a:rPr lang="en-US" sz="1400" dirty="0" err="1"/>
+              <a:t>integerSequence</a:t>
+            </a:r>
+            <a:endParaRPr lang="en-US" sz="1400" dirty="0"/>
+          </a:p>
+          <a:p>
+            <a:pPr marL="285750" indent="-285750">
+              <a:buFont typeface="Arial" panose="020B0604020202020204" pitchFamily="34" charset="0"/>
+              <a:buChar char="•"/>
+            </a:pPr>
+            <a:r>
+              <a:rPr lang="en-US" sz="1400" dirty="0"/>
+              <a:t>FILE* </a:t>
+            </a:r>
+            <a:r>
+              <a:rPr lang="en-US" sz="1400" dirty="0" err="1"/>
+              <a:t>filePointer</a:t>
+            </a:r>
+            <a:endParaRPr lang="en-US" sz="1400" dirty="0"/>
+          </a:p>
+          <a:p>
+            <a:pPr marL="285750" indent="-285750">
+              <a:buFont typeface="Arial" panose="020B0604020202020204" pitchFamily="34" charset="0"/>
+              <a:buChar char="•"/>
+            </a:pPr>
+            <a:r>
+              <a:rPr lang="en-US" sz="1400" dirty="0"/>
+              <a:t>int </a:t>
+            </a:r>
+            <a:r>
+              <a:rPr lang="en-US" sz="1400" dirty="0" err="1"/>
+              <a:t>sequenceLen</a:t>
+            </a:r>
+            <a:endParaRPr lang="en-US" sz="1400" dirty="0"/>
+          </a:p>
+          <a:p>
+            <a:pPr marL="285750" indent="-285750">
+              <a:buFont typeface="Arial" panose="020B0604020202020204" pitchFamily="34" charset="0"/>
+              <a:buChar char="•"/>
+            </a:pPr>
+            <a:r>
+              <a:rPr lang="en-US" sz="1400" dirty="0"/>
+              <a:t>int </a:t>
+            </a:r>
+            <a:r>
+              <a:rPr lang="en-US" sz="1400" dirty="0" err="1"/>
+              <a:t>maxRequests</a:t>
+            </a:r>
+            <a:endParaRPr lang="en-US" sz="1400" dirty="0"/>
+          </a:p>
+          <a:p>
+            <a:pPr marL="285750" indent="-285750">
+              <a:buFont typeface="Arial" panose="020B0604020202020204" pitchFamily="34" charset="0"/>
+              <a:buChar char="•"/>
+            </a:pPr>
+            <a:r>
+              <a:rPr lang="en-US" sz="1400" dirty="0"/>
+              <a:t>int </a:t>
+            </a:r>
+            <a:r>
+              <a:rPr lang="en-US" sz="1400" dirty="0" err="1"/>
+              <a:t>curRequests</a:t>
+            </a:r>
+            <a:endParaRPr lang="en-US" sz="1400" dirty="0"/>
+          </a:p>
+          <a:p>
+            <a:pPr marL="285750" indent="-285750">
+              <a:buFont typeface="Arial" panose="020B0604020202020204" pitchFamily="34" charset="0"/>
+              <a:buChar char="•"/>
+            </a:pPr>
+            <a:r>
+              <a:rPr lang="en-US" sz="1400" dirty="0"/>
+              <a:t>int </a:t>
+            </a:r>
+            <a:r>
+              <a:rPr lang="en-US" sz="1400" dirty="0" err="1"/>
+              <a:t>totalRequests</a:t>
+            </a:r>
+            <a:endParaRPr lang="en-US" sz="1400" dirty="0"/>
+          </a:p>
+          <a:p>
+            <a:pPr marL="285750" indent="-285750">
+              <a:buFont typeface="Arial" panose="020B0604020202020204" pitchFamily="34" charset="0"/>
+              <a:buChar char="•"/>
+            </a:pPr>
+            <a:r>
+              <a:rPr lang="en-US" sz="1400" dirty="0"/>
+              <a:t>int </a:t>
+            </a:r>
+            <a:r>
+              <a:rPr lang="en-US" sz="1400" dirty="0" err="1"/>
+              <a:t>completeRequests</a:t>
+            </a:r>
+            <a:endParaRPr lang="en-US" sz="1400" dirty="0"/>
+          </a:p>
+          <a:p>
+            <a:pPr marL="285750" indent="-285750">
+              <a:buFont typeface="Arial" panose="020B0604020202020204" pitchFamily="34" charset="0"/>
+              <a:buChar char="•"/>
+            </a:pPr>
+            <a:r>
+              <a:rPr lang="en-US" sz="1400" dirty="0"/>
+              <a:t>bool </a:t>
+            </a:r>
+            <a:r>
+              <a:rPr lang="en-US" sz="1400" dirty="0" err="1"/>
+              <a:t>workAvailable</a:t>
+            </a:r>
+            <a:endParaRPr lang="en-US" sz="1400" dirty="0"/>
+          </a:p>
+          <a:p>
+            <a:pPr marL="285750" indent="-285750">
+              <a:buFont typeface="Arial" panose="020B0604020202020204" pitchFamily="34" charset="0"/>
+              <a:buChar char="•"/>
+            </a:pPr>
+            <a:r>
+              <a:rPr lang="en-US" sz="1400" dirty="0"/>
+              <a:t>bool </a:t>
+            </a:r>
+            <a:r>
+              <a:rPr lang="en-US" sz="1400" dirty="0" err="1"/>
+              <a:t>workNeeded</a:t>
+            </a:r>
+            <a:endParaRPr lang="en-US" sz="1400" dirty="0"/>
+          </a:p>
+        </p:txBody>
+      </p:sp>
+      <p:sp>
+        <p:nvSpPr>
+          <p:cNvPr id="7" name="Oval 6">
+            <a:extLst>
+              <a:ext uri="{FF2B5EF4-FFF2-40B4-BE49-F238E27FC236}">
+                <a16:creationId xmlns:a16="http://schemas.microsoft.com/office/drawing/2014/main" id="{10E4C981-17A8-8A11-0C4C-E077BEF3569A}"/>
+              </a:ext>
+            </a:extLst>
+          </p:cNvPr>
+          <p:cNvSpPr/>
+          <p:nvPr/>
+        </p:nvSpPr>
+        <p:spPr>
+          <a:xfrm>
+            <a:off x="1988474" y="2019521"/>
+            <a:ext cx="1090569" cy="1090569"/>
+          </a:xfrm>
+          <a:prstGeom prst="ellipse">
+            <a:avLst/>
+          </a:prstGeom>
+          <a:ln>
+            <a:headEnd type="none" w="med" len="med"/>
+            <a:tailEnd type="none" w="med" len="med"/>
+          </a:ln>
+        </p:spPr>
+        <p:style>
+          <a:lnRef idx="2">
+            <a:schemeClr val="dk1"/>
+          </a:lnRef>
+          <a:fillRef idx="1">
+            <a:schemeClr val="lt1"/>
+          </a:fillRef>
+          <a:effectRef idx="0">
+            <a:schemeClr val="dk1"/>
+          </a:effectRef>
+          <a:fontRef idx="minor">
+            <a:schemeClr val="dk1"/>
+          </a:fontRef>
+        </p:style>
+        <p:txBody>
+          <a:bodyPr rtlCol="0" anchor="ctr"/>
+          <a:lstStyle/>
+          <a:p>
+            <a:pPr algn="ctr"/>
+            <a:r>
+              <a:rPr lang="pt-PT" dirty="0"/>
+              <a:t>Main</a:t>
+            </a:r>
+          </a:p>
+        </p:txBody>
+      </p:sp>
+      <p:cxnSp>
+        <p:nvCxnSpPr>
+          <p:cNvPr id="8" name="Conexão reta unidirecional 7">
+            <a:extLst>
+              <a:ext uri="{FF2B5EF4-FFF2-40B4-BE49-F238E27FC236}">
+                <a16:creationId xmlns:a16="http://schemas.microsoft.com/office/drawing/2014/main" id="{78786D92-D2F0-5038-248A-5B5890F1D9D5}"/>
+              </a:ext>
+            </a:extLst>
+          </p:cNvPr>
+          <p:cNvCxnSpPr/>
+          <p:nvPr/>
+        </p:nvCxnSpPr>
+        <p:spPr>
+          <a:xfrm>
+            <a:off x="3079043" y="2564806"/>
+            <a:ext cx="5367080" cy="10614"/>
+          </a:xfrm>
+          <a:prstGeom prst="straightConnector1">
+            <a:avLst/>
+          </a:prstGeom>
+          <a:ln>
+            <a:tailEnd type="triangle"/>
+          </a:ln>
+        </p:spPr>
+        <p:style>
+          <a:lnRef idx="1">
+            <a:schemeClr val="dk1"/>
+          </a:lnRef>
+          <a:fillRef idx="0">
+            <a:schemeClr val="dk1"/>
+          </a:fillRef>
+          <a:effectRef idx="0">
+            <a:schemeClr val="dk1"/>
+          </a:effectRef>
+          <a:fontRef idx="minor">
+            <a:schemeClr val="tx1"/>
+          </a:fontRef>
+        </p:style>
+      </p:cxnSp>
+      <p:sp>
+        <p:nvSpPr>
+          <p:cNvPr id="9" name="CaixaDeTexto 8">
+            <a:extLst>
+              <a:ext uri="{FF2B5EF4-FFF2-40B4-BE49-F238E27FC236}">
+                <a16:creationId xmlns:a16="http://schemas.microsoft.com/office/drawing/2014/main" id="{50D9E3F0-E74B-BE15-E15A-AD23D6770651}"/>
+              </a:ext>
+            </a:extLst>
+          </p:cNvPr>
+          <p:cNvSpPr txBox="1"/>
+          <p:nvPr/>
+        </p:nvSpPr>
+        <p:spPr>
+          <a:xfrm>
+            <a:off x="5620253" y="2235539"/>
+            <a:ext cx="142329" cy="369332"/>
+          </a:xfrm>
+          <a:prstGeom prst="rect">
+            <a:avLst/>
+          </a:prstGeom>
+          <a:noFill/>
+        </p:spPr>
+        <p:txBody>
+          <a:bodyPr wrap="square" rtlCol="0">
+            <a:spAutoFit/>
+          </a:bodyPr>
+          <a:lstStyle/>
+          <a:p>
+            <a:r>
+              <a:rPr lang="pt-PT" dirty="0"/>
+              <a:t>2</a:t>
+            </a:r>
+          </a:p>
+        </p:txBody>
+      </p:sp>
+      <p:sp>
+        <p:nvSpPr>
+          <p:cNvPr id="10" name="Oval 9">
+            <a:extLst>
+              <a:ext uri="{FF2B5EF4-FFF2-40B4-BE49-F238E27FC236}">
+                <a16:creationId xmlns:a16="http://schemas.microsoft.com/office/drawing/2014/main" id="{14ACCFC4-C089-3939-CA0E-00B226725782}"/>
+              </a:ext>
+            </a:extLst>
+          </p:cNvPr>
+          <p:cNvSpPr/>
+          <p:nvPr/>
+        </p:nvSpPr>
+        <p:spPr>
+          <a:xfrm>
+            <a:off x="4032370" y="2810312"/>
+            <a:ext cx="1090569" cy="1090569"/>
+          </a:xfrm>
+          <a:prstGeom prst="ellipse">
+            <a:avLst/>
+          </a:prstGeom>
+          <a:ln>
+            <a:headEnd type="none" w="med" len="med"/>
+            <a:tailEnd type="none" w="med" len="med"/>
+          </a:ln>
+        </p:spPr>
+        <p:style>
+          <a:lnRef idx="2">
+            <a:schemeClr val="dk1"/>
+          </a:lnRef>
+          <a:fillRef idx="1">
+            <a:schemeClr val="lt1"/>
+          </a:fillRef>
+          <a:effectRef idx="0">
+            <a:schemeClr val="dk1"/>
+          </a:effectRef>
+          <a:fontRef idx="minor">
+            <a:schemeClr val="dk1"/>
+          </a:fontRef>
+        </p:style>
+        <p:txBody>
+          <a:bodyPr rtlCol="0" anchor="ctr"/>
+          <a:lstStyle/>
+          <a:p>
+            <a:pPr algn="ctr"/>
+            <a:r>
+              <a:rPr lang="pt-PT" sz="1400" dirty="0" err="1"/>
+              <a:t>Distributor</a:t>
+            </a:r>
+            <a:endParaRPr lang="pt-PT" sz="1400" dirty="0"/>
+          </a:p>
+        </p:txBody>
+      </p:sp>
+      <p:cxnSp>
+        <p:nvCxnSpPr>
+          <p:cNvPr id="11" name="Conexão reta unidirecional 10">
+            <a:extLst>
+              <a:ext uri="{FF2B5EF4-FFF2-40B4-BE49-F238E27FC236}">
+                <a16:creationId xmlns:a16="http://schemas.microsoft.com/office/drawing/2014/main" id="{7D0B105D-14D0-7E68-F0E8-3FABE6D2FB5B}"/>
+              </a:ext>
+            </a:extLst>
+          </p:cNvPr>
+          <p:cNvCxnSpPr>
+            <a:cxnSpLocks/>
+            <a:endCxn id="10" idx="2"/>
+          </p:cNvCxnSpPr>
+          <p:nvPr/>
+        </p:nvCxnSpPr>
+        <p:spPr>
+          <a:xfrm>
+            <a:off x="3020037" y="2810312"/>
+            <a:ext cx="1012333" cy="545285"/>
+          </a:xfrm>
+          <a:prstGeom prst="straightConnector1">
+            <a:avLst/>
+          </a:prstGeom>
+          <a:ln>
+            <a:tailEnd type="triangle"/>
+          </a:ln>
+        </p:spPr>
+        <p:style>
+          <a:lnRef idx="1">
+            <a:schemeClr val="dk1"/>
+          </a:lnRef>
+          <a:fillRef idx="0">
+            <a:schemeClr val="dk1"/>
+          </a:fillRef>
+          <a:effectRef idx="0">
+            <a:schemeClr val="dk1"/>
+          </a:effectRef>
+          <a:fontRef idx="minor">
+            <a:schemeClr val="tx1"/>
+          </a:fontRef>
+        </p:style>
+      </p:cxnSp>
+      <p:sp>
+        <p:nvSpPr>
+          <p:cNvPr id="12" name="CaixaDeTexto 11">
+            <a:extLst>
+              <a:ext uri="{FF2B5EF4-FFF2-40B4-BE49-F238E27FC236}">
+                <a16:creationId xmlns:a16="http://schemas.microsoft.com/office/drawing/2014/main" id="{718A75EE-1C76-3A78-BC21-0FFB48FC3F01}"/>
+              </a:ext>
+            </a:extLst>
+          </p:cNvPr>
+          <p:cNvSpPr txBox="1"/>
+          <p:nvPr/>
+        </p:nvSpPr>
+        <p:spPr>
+          <a:xfrm>
+            <a:off x="3484542" y="2751373"/>
+            <a:ext cx="142329" cy="369332"/>
+          </a:xfrm>
+          <a:prstGeom prst="rect">
+            <a:avLst/>
+          </a:prstGeom>
+          <a:noFill/>
+        </p:spPr>
+        <p:txBody>
+          <a:bodyPr wrap="square" rtlCol="0">
+            <a:spAutoFit/>
+          </a:bodyPr>
+          <a:lstStyle/>
+          <a:p>
+            <a:r>
+              <a:rPr lang="pt-PT" dirty="0"/>
+              <a:t>1</a:t>
+            </a:r>
+          </a:p>
+        </p:txBody>
+      </p:sp>
+      <p:sp>
+        <p:nvSpPr>
+          <p:cNvPr id="13" name="Oval 12">
+            <a:extLst>
+              <a:ext uri="{FF2B5EF4-FFF2-40B4-BE49-F238E27FC236}">
+                <a16:creationId xmlns:a16="http://schemas.microsoft.com/office/drawing/2014/main" id="{689C136D-A5D0-CF67-FE76-881DC7073B64}"/>
+              </a:ext>
+            </a:extLst>
+          </p:cNvPr>
+          <p:cNvSpPr/>
+          <p:nvPr/>
+        </p:nvSpPr>
+        <p:spPr>
+          <a:xfrm>
+            <a:off x="1988474" y="3609492"/>
+            <a:ext cx="1090569" cy="1090569"/>
+          </a:xfrm>
+          <a:prstGeom prst="ellipse">
+            <a:avLst/>
+          </a:prstGeom>
+          <a:ln>
+            <a:headEnd type="none" w="med" len="med"/>
+            <a:tailEnd type="none" w="med" len="med"/>
+          </a:ln>
+        </p:spPr>
+        <p:style>
+          <a:lnRef idx="2">
+            <a:schemeClr val="dk1"/>
+          </a:lnRef>
+          <a:fillRef idx="1">
+            <a:schemeClr val="lt1"/>
+          </a:fillRef>
+          <a:effectRef idx="0">
+            <a:schemeClr val="dk1"/>
+          </a:effectRef>
+          <a:fontRef idx="minor">
+            <a:schemeClr val="dk1"/>
+          </a:fontRef>
+        </p:style>
+        <p:txBody>
+          <a:bodyPr rtlCol="0" anchor="ctr"/>
+          <a:lstStyle/>
+          <a:p>
+            <a:pPr algn="ctr"/>
+            <a:r>
+              <a:rPr lang="pt-PT" sz="1400" dirty="0" err="1"/>
+              <a:t>Worker</a:t>
+            </a:r>
+            <a:r>
+              <a:rPr lang="pt-PT" sz="1400" dirty="0"/>
+              <a:t>[n]</a:t>
+            </a:r>
+          </a:p>
+        </p:txBody>
+      </p:sp>
+      <p:cxnSp>
+        <p:nvCxnSpPr>
+          <p:cNvPr id="14" name="Conexão reta unidirecional 13">
+            <a:extLst>
+              <a:ext uri="{FF2B5EF4-FFF2-40B4-BE49-F238E27FC236}">
+                <a16:creationId xmlns:a16="http://schemas.microsoft.com/office/drawing/2014/main" id="{2E42F483-E2B2-AB58-D648-EEAA86EEB4B3}"/>
+              </a:ext>
+            </a:extLst>
+          </p:cNvPr>
+          <p:cNvCxnSpPr>
+            <a:cxnSpLocks/>
+            <a:stCxn id="13" idx="6"/>
+          </p:cNvCxnSpPr>
+          <p:nvPr/>
+        </p:nvCxnSpPr>
+        <p:spPr>
+          <a:xfrm flipV="1">
+            <a:off x="3079043" y="4144163"/>
+            <a:ext cx="5367080" cy="10614"/>
+          </a:xfrm>
+          <a:prstGeom prst="straightConnector1">
+            <a:avLst/>
+          </a:prstGeom>
+          <a:ln>
+            <a:tailEnd type="triangle"/>
+          </a:ln>
+        </p:spPr>
+        <p:style>
+          <a:lnRef idx="1">
+            <a:schemeClr val="dk1"/>
+          </a:lnRef>
+          <a:fillRef idx="0">
+            <a:schemeClr val="dk1"/>
+          </a:fillRef>
+          <a:effectRef idx="0">
+            <a:schemeClr val="dk1"/>
+          </a:effectRef>
+          <a:fontRef idx="minor">
+            <a:schemeClr val="tx1"/>
+          </a:fontRef>
+        </p:style>
+      </p:cxnSp>
+      <p:sp>
+        <p:nvSpPr>
+          <p:cNvPr id="15" name="CaixaDeTexto 14">
+            <a:extLst>
+              <a:ext uri="{FF2B5EF4-FFF2-40B4-BE49-F238E27FC236}">
+                <a16:creationId xmlns:a16="http://schemas.microsoft.com/office/drawing/2014/main" id="{C299B71D-8714-81F5-8EED-8AE86C881E2D}"/>
+              </a:ext>
+            </a:extLst>
+          </p:cNvPr>
+          <p:cNvSpPr txBox="1"/>
+          <p:nvPr/>
+        </p:nvSpPr>
+        <p:spPr>
+          <a:xfrm>
+            <a:off x="5477924" y="3810397"/>
+            <a:ext cx="142329" cy="369332"/>
+          </a:xfrm>
+          <a:prstGeom prst="rect">
+            <a:avLst/>
+          </a:prstGeom>
+          <a:noFill/>
+        </p:spPr>
+        <p:txBody>
+          <a:bodyPr wrap="square" rtlCol="0">
+            <a:spAutoFit/>
+          </a:bodyPr>
+          <a:lstStyle/>
+          <a:p>
+            <a:r>
+              <a:rPr lang="pt-PT" dirty="0"/>
+              <a:t>4</a:t>
+            </a:r>
+          </a:p>
+        </p:txBody>
+      </p:sp>
+      <p:cxnSp>
+        <p:nvCxnSpPr>
+          <p:cNvPr id="17" name="Conexão reta unidirecional 16">
+            <a:extLst>
+              <a:ext uri="{FF2B5EF4-FFF2-40B4-BE49-F238E27FC236}">
+                <a16:creationId xmlns:a16="http://schemas.microsoft.com/office/drawing/2014/main" id="{9065879C-FEF2-096B-C111-93355DB21285}"/>
+              </a:ext>
+            </a:extLst>
+          </p:cNvPr>
+          <p:cNvCxnSpPr>
+            <a:cxnSpLocks/>
+            <a:stCxn id="7" idx="4"/>
+            <a:endCxn id="13" idx="0"/>
+          </p:cNvCxnSpPr>
+          <p:nvPr/>
+        </p:nvCxnSpPr>
+        <p:spPr>
+          <a:xfrm>
+            <a:off x="2533759" y="3110090"/>
+            <a:ext cx="0" cy="499402"/>
+          </a:xfrm>
+          <a:prstGeom prst="straightConnector1">
+            <a:avLst/>
+          </a:prstGeom>
+          <a:ln>
+            <a:tailEnd type="triangle"/>
+          </a:ln>
+        </p:spPr>
+        <p:style>
+          <a:lnRef idx="1">
+            <a:schemeClr val="dk1"/>
+          </a:lnRef>
+          <a:fillRef idx="0">
+            <a:schemeClr val="dk1"/>
+          </a:fillRef>
+          <a:effectRef idx="0">
+            <a:schemeClr val="dk1"/>
+          </a:effectRef>
+          <a:fontRef idx="minor">
+            <a:schemeClr val="tx1"/>
+          </a:fontRef>
+        </p:style>
+      </p:cxnSp>
+      <p:cxnSp>
+        <p:nvCxnSpPr>
+          <p:cNvPr id="27" name="Conexão reta unidirecional 26">
+            <a:extLst>
+              <a:ext uri="{FF2B5EF4-FFF2-40B4-BE49-F238E27FC236}">
+                <a16:creationId xmlns:a16="http://schemas.microsoft.com/office/drawing/2014/main" id="{919C4D4C-CCB8-3064-D7DD-4B0AB9D462F8}"/>
+              </a:ext>
+            </a:extLst>
+          </p:cNvPr>
+          <p:cNvCxnSpPr>
+            <a:stCxn id="10" idx="6"/>
+          </p:cNvCxnSpPr>
+          <p:nvPr/>
+        </p:nvCxnSpPr>
+        <p:spPr>
+          <a:xfrm>
+            <a:off x="5122939" y="3355597"/>
+            <a:ext cx="3323184" cy="0"/>
+          </a:xfrm>
+          <a:prstGeom prst="straightConnector1">
+            <a:avLst/>
+          </a:prstGeom>
+          <a:ln>
+            <a:tailEnd type="triangle"/>
+          </a:ln>
+        </p:spPr>
+        <p:style>
+          <a:lnRef idx="1">
+            <a:schemeClr val="dk1"/>
+          </a:lnRef>
+          <a:fillRef idx="0">
+            <a:schemeClr val="dk1"/>
+          </a:fillRef>
+          <a:effectRef idx="0">
+            <a:schemeClr val="dk1"/>
+          </a:effectRef>
+          <a:fontRef idx="minor">
+            <a:schemeClr val="tx1"/>
+          </a:fontRef>
+        </p:style>
+      </p:cxnSp>
+      <p:sp>
+        <p:nvSpPr>
+          <p:cNvPr id="32" name="CaixaDeTexto 31">
+            <a:extLst>
+              <a:ext uri="{FF2B5EF4-FFF2-40B4-BE49-F238E27FC236}">
+                <a16:creationId xmlns:a16="http://schemas.microsoft.com/office/drawing/2014/main" id="{76E4BB0F-F9A3-D615-C110-6FBACDC7F6A4}"/>
+              </a:ext>
+            </a:extLst>
+          </p:cNvPr>
+          <p:cNvSpPr txBox="1"/>
+          <p:nvPr/>
+        </p:nvSpPr>
+        <p:spPr>
+          <a:xfrm>
+            <a:off x="6641286" y="3028899"/>
+            <a:ext cx="306228" cy="369332"/>
+          </a:xfrm>
+          <a:prstGeom prst="rect">
+            <a:avLst/>
+          </a:prstGeom>
+          <a:noFill/>
+        </p:spPr>
+        <p:txBody>
+          <a:bodyPr wrap="square" rtlCol="0">
+            <a:spAutoFit/>
+          </a:bodyPr>
+          <a:lstStyle/>
+          <a:p>
+            <a:r>
+              <a:rPr lang="pt-PT" dirty="0"/>
+              <a:t>3</a:t>
+            </a:r>
+          </a:p>
+        </p:txBody>
+      </p:sp>
+      <p:sp>
+        <p:nvSpPr>
+          <p:cNvPr id="39" name="CaixaDeTexto 38">
+            <a:extLst>
+              <a:ext uri="{FF2B5EF4-FFF2-40B4-BE49-F238E27FC236}">
+                <a16:creationId xmlns:a16="http://schemas.microsoft.com/office/drawing/2014/main" id="{F3A91E18-A115-461E-8E54-2F02DF640087}"/>
+              </a:ext>
+            </a:extLst>
+          </p:cNvPr>
+          <p:cNvSpPr txBox="1"/>
+          <p:nvPr/>
+        </p:nvSpPr>
+        <p:spPr>
+          <a:xfrm>
+            <a:off x="314729" y="4588779"/>
+            <a:ext cx="5326638" cy="1415772"/>
+          </a:xfrm>
+          <a:prstGeom prst="rect">
+            <a:avLst/>
+          </a:prstGeom>
+          <a:noFill/>
+        </p:spPr>
+        <p:txBody>
+          <a:bodyPr wrap="square" rtlCol="0">
+            <a:spAutoFit/>
+          </a:bodyPr>
+          <a:lstStyle/>
+          <a:p>
+            <a:r>
+              <a:rPr lang="pt-PT" sz="1400" b="1" dirty="0" err="1"/>
+              <a:t>Legend</a:t>
+            </a:r>
+            <a:endParaRPr lang="pt-PT" sz="1400" b="1" dirty="0"/>
+          </a:p>
+          <a:p>
+            <a:r>
+              <a:rPr lang="pt-PT" sz="1200" dirty="0"/>
+              <a:t>1</a:t>
+            </a:r>
+          </a:p>
+          <a:p>
+            <a:pPr marL="171450" indent="-171450">
+              <a:buFont typeface="Arial" panose="020B0604020202020204" pitchFamily="34" charset="0"/>
+              <a:buChar char="•"/>
+            </a:pPr>
+            <a:r>
+              <a:rPr lang="pt-PT" sz="1200" dirty="0" err="1"/>
+              <a:t>init</a:t>
+            </a:r>
+            <a:r>
+              <a:rPr lang="pt-PT" sz="1200" dirty="0"/>
+              <a:t> and </a:t>
+            </a:r>
+            <a:r>
+              <a:rPr lang="pt-PT" sz="1200" dirty="0" err="1"/>
+              <a:t>start</a:t>
+            </a:r>
+            <a:r>
+              <a:rPr lang="pt-PT" sz="1200" dirty="0"/>
+              <a:t> </a:t>
+            </a:r>
+            <a:r>
+              <a:rPr lang="pt-PT" sz="1200" dirty="0" err="1"/>
+              <a:t>thread</a:t>
+            </a:r>
+            <a:endParaRPr lang="pt-PT" sz="1200" dirty="0"/>
+          </a:p>
+          <a:p>
+            <a:r>
+              <a:rPr lang="pt-PT" sz="1200" dirty="0"/>
+              <a:t>2</a:t>
+            </a:r>
+          </a:p>
+          <a:p>
+            <a:pPr marL="171450" indent="-171450">
+              <a:buFont typeface="Arial" panose="020B0604020202020204" pitchFamily="34" charset="0"/>
+              <a:buChar char="•"/>
+            </a:pPr>
+            <a:r>
+              <a:rPr lang="pt-PT" sz="1200" dirty="0" err="1"/>
+              <a:t>fillFileName</a:t>
+            </a:r>
+            <a:r>
+              <a:rPr lang="pt-PT" sz="1200" dirty="0"/>
+              <a:t> – </a:t>
+            </a:r>
+            <a:r>
+              <a:rPr lang="pt-PT" sz="1200" dirty="0" err="1"/>
+              <a:t>fill</a:t>
+            </a:r>
+            <a:r>
+              <a:rPr lang="pt-PT" sz="1200" dirty="0"/>
+              <a:t> </a:t>
+            </a:r>
+            <a:r>
+              <a:rPr lang="pt-PT" sz="1200" dirty="0" err="1"/>
+              <a:t>shared</a:t>
+            </a:r>
+            <a:r>
+              <a:rPr lang="pt-PT" sz="1200" dirty="0"/>
+              <a:t> </a:t>
+            </a:r>
+            <a:r>
+              <a:rPr lang="pt-PT" sz="1200" dirty="0" err="1"/>
+              <a:t>memory</a:t>
+            </a:r>
+            <a:r>
+              <a:rPr lang="pt-PT" sz="1200" dirty="0"/>
+              <a:t> </a:t>
+            </a:r>
+            <a:r>
+              <a:rPr lang="pt-PT" sz="1200" dirty="0" err="1"/>
+              <a:t>with</a:t>
+            </a:r>
+            <a:r>
+              <a:rPr lang="pt-PT" sz="1200" dirty="0"/>
+              <a:t> file </a:t>
+            </a:r>
+            <a:r>
+              <a:rPr lang="pt-PT" sz="1200" dirty="0" err="1"/>
+              <a:t>name</a:t>
+            </a:r>
+            <a:r>
+              <a:rPr lang="pt-PT" sz="1200" dirty="0"/>
+              <a:t> </a:t>
+            </a:r>
+            <a:r>
+              <a:rPr lang="pt-PT" sz="1200" dirty="0" err="1"/>
+              <a:t>containing</a:t>
+            </a:r>
+            <a:r>
+              <a:rPr lang="pt-PT" sz="1200" dirty="0"/>
+              <a:t> the </a:t>
+            </a:r>
+            <a:r>
+              <a:rPr lang="pt-PT" sz="1200" dirty="0" err="1"/>
+              <a:t>integer</a:t>
+            </a:r>
+            <a:r>
+              <a:rPr lang="pt-PT" sz="1200" dirty="0"/>
+              <a:t> </a:t>
+            </a:r>
+            <a:r>
+              <a:rPr lang="pt-PT" sz="1200" dirty="0" err="1"/>
+              <a:t>sequence</a:t>
+            </a:r>
+            <a:endParaRPr lang="pt-PT" sz="1200" dirty="0"/>
+          </a:p>
+          <a:p>
+            <a:pPr marL="171450" indent="-171450">
+              <a:buFont typeface="Arial" panose="020B0604020202020204" pitchFamily="34" charset="0"/>
+              <a:buChar char="•"/>
+            </a:pPr>
+            <a:r>
+              <a:rPr lang="pt-PT" sz="1200" dirty="0" err="1"/>
+              <a:t>validateArray</a:t>
+            </a:r>
+            <a:r>
+              <a:rPr lang="pt-PT" sz="1200" dirty="0"/>
+              <a:t> – </a:t>
+            </a:r>
+            <a:r>
+              <a:rPr lang="pt-PT" sz="1200" dirty="0" err="1"/>
+              <a:t>validate</a:t>
+            </a:r>
+            <a:r>
+              <a:rPr lang="pt-PT" sz="1200" dirty="0"/>
+              <a:t> </a:t>
+            </a:r>
+            <a:r>
+              <a:rPr lang="pt-PT" sz="1200" dirty="0" err="1"/>
+              <a:t>if</a:t>
+            </a:r>
+            <a:r>
+              <a:rPr lang="pt-PT" sz="1200" dirty="0"/>
+              <a:t> the </a:t>
+            </a:r>
+            <a:r>
+              <a:rPr lang="pt-PT" sz="1200" dirty="0" err="1"/>
+              <a:t>obtained</a:t>
+            </a:r>
+            <a:r>
+              <a:rPr lang="pt-PT" sz="1200" dirty="0"/>
+              <a:t> </a:t>
+            </a:r>
+            <a:r>
+              <a:rPr lang="pt-PT" sz="1200" dirty="0" err="1"/>
+              <a:t>array</a:t>
+            </a:r>
+            <a:r>
+              <a:rPr lang="pt-PT" sz="1200" dirty="0"/>
+              <a:t> </a:t>
+            </a:r>
+            <a:r>
+              <a:rPr lang="pt-PT" sz="1200" dirty="0" err="1"/>
+              <a:t>is</a:t>
+            </a:r>
+            <a:r>
+              <a:rPr lang="pt-PT" sz="1200" dirty="0"/>
+              <a:t> </a:t>
+            </a:r>
+            <a:r>
+              <a:rPr lang="pt-PT" sz="1200" dirty="0" err="1"/>
+              <a:t>sorted</a:t>
+            </a:r>
+            <a:endParaRPr lang="pt-PT" sz="1200" dirty="0"/>
+          </a:p>
+          <a:p>
+            <a:endParaRPr lang="pt-PT" sz="1200" dirty="0"/>
+          </a:p>
+        </p:txBody>
+      </p:sp>
+      <p:sp>
+        <p:nvSpPr>
+          <p:cNvPr id="40" name="CaixaDeTexto 39">
+            <a:extLst>
+              <a:ext uri="{FF2B5EF4-FFF2-40B4-BE49-F238E27FC236}">
+                <a16:creationId xmlns:a16="http://schemas.microsoft.com/office/drawing/2014/main" id="{795EE621-B0DA-1864-3810-F00F8AE12751}"/>
+              </a:ext>
+            </a:extLst>
+          </p:cNvPr>
+          <p:cNvSpPr txBox="1"/>
+          <p:nvPr/>
+        </p:nvSpPr>
+        <p:spPr>
+          <a:xfrm>
+            <a:off x="2280576" y="3170930"/>
+            <a:ext cx="142329" cy="369332"/>
+          </a:xfrm>
+          <a:prstGeom prst="rect">
+            <a:avLst/>
+          </a:prstGeom>
+          <a:noFill/>
+        </p:spPr>
+        <p:txBody>
+          <a:bodyPr wrap="square" rtlCol="0">
+            <a:spAutoFit/>
+          </a:bodyPr>
+          <a:lstStyle/>
+          <a:p>
+            <a:r>
+              <a:rPr lang="pt-PT" dirty="0"/>
+              <a:t>1</a:t>
+            </a:r>
+          </a:p>
+        </p:txBody>
+      </p:sp>
+      <p:sp>
+        <p:nvSpPr>
+          <p:cNvPr id="43" name="CaixaDeTexto 42">
+            <a:extLst>
+              <a:ext uri="{FF2B5EF4-FFF2-40B4-BE49-F238E27FC236}">
+                <a16:creationId xmlns:a16="http://schemas.microsoft.com/office/drawing/2014/main" id="{A0129DEF-BC5F-3570-248C-53E0A04991F7}"/>
+              </a:ext>
+            </a:extLst>
+          </p:cNvPr>
+          <p:cNvSpPr txBox="1"/>
+          <p:nvPr/>
+        </p:nvSpPr>
+        <p:spPr>
+          <a:xfrm>
+            <a:off x="5620253" y="4706844"/>
+            <a:ext cx="5326638" cy="1200329"/>
+          </a:xfrm>
+          <a:prstGeom prst="rect">
+            <a:avLst/>
+          </a:prstGeom>
+          <a:noFill/>
+        </p:spPr>
+        <p:txBody>
+          <a:bodyPr wrap="square" rtlCol="0">
+            <a:spAutoFit/>
+          </a:bodyPr>
+          <a:lstStyle/>
+          <a:p>
+            <a:r>
+              <a:rPr lang="pt-PT" sz="1200" dirty="0"/>
+              <a:t>3</a:t>
+            </a:r>
+          </a:p>
+          <a:p>
+            <a:pPr marL="171450" indent="-171450">
+              <a:buFont typeface="Arial" panose="020B0604020202020204" pitchFamily="34" charset="0"/>
+              <a:buChar char="•"/>
+            </a:pPr>
+            <a:r>
+              <a:rPr lang="pt-PT" sz="1200" dirty="0" err="1"/>
+              <a:t>readIntegerSequence</a:t>
+            </a:r>
+            <a:r>
+              <a:rPr lang="pt-PT" sz="1200" dirty="0"/>
+              <a:t> – </a:t>
+            </a:r>
+            <a:r>
+              <a:rPr lang="pt-PT" sz="1200" dirty="0" err="1"/>
+              <a:t>fill</a:t>
+            </a:r>
+            <a:r>
+              <a:rPr lang="pt-PT" sz="1200" dirty="0"/>
+              <a:t> </a:t>
+            </a:r>
+            <a:r>
+              <a:rPr lang="pt-PT" sz="1200" dirty="0" err="1"/>
+              <a:t>shared</a:t>
+            </a:r>
+            <a:r>
+              <a:rPr lang="pt-PT" sz="1200" dirty="0"/>
+              <a:t> </a:t>
+            </a:r>
+            <a:r>
+              <a:rPr lang="pt-PT" sz="1200" dirty="0" err="1"/>
+              <a:t>memory</a:t>
+            </a:r>
+            <a:r>
+              <a:rPr lang="pt-PT" sz="1200" dirty="0"/>
+              <a:t> </a:t>
+            </a:r>
+            <a:r>
+              <a:rPr lang="pt-PT" sz="1200" dirty="0" err="1"/>
+              <a:t>with</a:t>
+            </a:r>
+            <a:r>
+              <a:rPr lang="pt-PT" sz="1200" dirty="0"/>
+              <a:t> the </a:t>
+            </a:r>
+            <a:r>
+              <a:rPr lang="pt-PT" sz="1200" dirty="0" err="1"/>
+              <a:t>integer</a:t>
+            </a:r>
+            <a:r>
+              <a:rPr lang="pt-PT" sz="1200" dirty="0"/>
+              <a:t> </a:t>
+            </a:r>
+            <a:r>
+              <a:rPr lang="pt-PT" sz="1200" dirty="0" err="1"/>
+              <a:t>array</a:t>
+            </a:r>
+            <a:endParaRPr lang="pt-PT" sz="1200" dirty="0"/>
+          </a:p>
+          <a:p>
+            <a:pPr marL="171450" indent="-171450">
+              <a:buFont typeface="Arial" panose="020B0604020202020204" pitchFamily="34" charset="0"/>
+              <a:buChar char="•"/>
+            </a:pPr>
+            <a:r>
+              <a:rPr lang="pt-PT" sz="1200" dirty="0" err="1"/>
+              <a:t>assignWork</a:t>
+            </a:r>
+            <a:r>
+              <a:rPr lang="pt-PT" sz="1200" dirty="0"/>
+              <a:t> – </a:t>
+            </a:r>
+            <a:r>
+              <a:rPr lang="pt-PT" sz="1200" dirty="0" err="1"/>
+              <a:t>assign</a:t>
+            </a:r>
+            <a:r>
+              <a:rPr lang="pt-PT" sz="1200" dirty="0"/>
+              <a:t> </a:t>
+            </a:r>
+            <a:r>
+              <a:rPr lang="pt-PT" sz="1200" dirty="0" err="1"/>
+              <a:t>work</a:t>
+            </a:r>
+            <a:r>
+              <a:rPr lang="pt-PT" sz="1200" dirty="0"/>
+              <a:t> to the </a:t>
+            </a:r>
+            <a:r>
+              <a:rPr lang="pt-PT" sz="1200" dirty="0" err="1"/>
+              <a:t>worker</a:t>
+            </a:r>
+            <a:r>
+              <a:rPr lang="pt-PT" sz="1200" dirty="0"/>
+              <a:t> </a:t>
+            </a:r>
+            <a:r>
+              <a:rPr lang="pt-PT" sz="1200" dirty="0" err="1"/>
+              <a:t>threads</a:t>
+            </a:r>
+            <a:endParaRPr lang="pt-PT" sz="1200" dirty="0"/>
+          </a:p>
+          <a:p>
+            <a:r>
+              <a:rPr lang="pt-PT" sz="1200" dirty="0"/>
+              <a:t>4</a:t>
+            </a:r>
+          </a:p>
+          <a:p>
+            <a:pPr marL="171450" indent="-171450">
+              <a:buFont typeface="Arial" panose="020B0604020202020204" pitchFamily="34" charset="0"/>
+              <a:buChar char="•"/>
+            </a:pPr>
+            <a:r>
+              <a:rPr lang="pt-PT" sz="1200" dirty="0" err="1"/>
+              <a:t>requestWork</a:t>
+            </a:r>
+            <a:r>
+              <a:rPr lang="pt-PT" sz="1200" dirty="0"/>
+              <a:t> – </a:t>
+            </a:r>
+            <a:r>
+              <a:rPr lang="pt-PT" sz="1200" dirty="0" err="1"/>
+              <a:t>request</a:t>
+            </a:r>
+            <a:r>
+              <a:rPr lang="pt-PT" sz="1200" dirty="0"/>
+              <a:t> </a:t>
+            </a:r>
+            <a:r>
+              <a:rPr lang="pt-PT" sz="1200" dirty="0" err="1"/>
+              <a:t>integer</a:t>
+            </a:r>
+            <a:r>
+              <a:rPr lang="pt-PT" sz="1200" dirty="0"/>
+              <a:t> </a:t>
+            </a:r>
+            <a:r>
+              <a:rPr lang="pt-PT" sz="1200" dirty="0" err="1"/>
+              <a:t>sequence</a:t>
+            </a:r>
+            <a:r>
+              <a:rPr lang="pt-PT" sz="1200" dirty="0"/>
+              <a:t> to </a:t>
+            </a:r>
+            <a:r>
+              <a:rPr lang="pt-PT" sz="1200" dirty="0" err="1"/>
+              <a:t>sort</a:t>
+            </a:r>
+            <a:endParaRPr lang="pt-PT" sz="1200" dirty="0"/>
+          </a:p>
+          <a:p>
+            <a:pPr marL="171450" indent="-171450">
+              <a:buFont typeface="Arial" panose="020B0604020202020204" pitchFamily="34" charset="0"/>
+              <a:buChar char="•"/>
+            </a:pPr>
+            <a:r>
+              <a:rPr lang="pt-PT" sz="1200" dirty="0" err="1"/>
+              <a:t>informWork</a:t>
+            </a:r>
+            <a:r>
+              <a:rPr lang="pt-PT" sz="1200" dirty="0"/>
+              <a:t> – </a:t>
+            </a:r>
+            <a:r>
+              <a:rPr lang="pt-PT" sz="1200" dirty="0" err="1"/>
+              <a:t>inform</a:t>
+            </a:r>
+            <a:r>
+              <a:rPr lang="pt-PT" sz="1200" dirty="0"/>
+              <a:t> </a:t>
+            </a:r>
+            <a:r>
+              <a:rPr lang="pt-PT" sz="1200" dirty="0" err="1"/>
+              <a:t>that</a:t>
+            </a:r>
+            <a:r>
+              <a:rPr lang="pt-PT" sz="1200" dirty="0"/>
+              <a:t> the </a:t>
+            </a:r>
+            <a:r>
+              <a:rPr lang="pt-PT" sz="1200" dirty="0" err="1"/>
+              <a:t>assigned</a:t>
+            </a:r>
+            <a:r>
+              <a:rPr lang="pt-PT" sz="1200" dirty="0"/>
+              <a:t> </a:t>
+            </a:r>
+            <a:r>
+              <a:rPr lang="pt-PT" sz="1200" dirty="0" err="1"/>
+              <a:t>sequence</a:t>
+            </a:r>
+            <a:r>
+              <a:rPr lang="pt-PT" sz="1200" dirty="0"/>
+              <a:t> </a:t>
+            </a:r>
+            <a:r>
+              <a:rPr lang="pt-PT" sz="1200" dirty="0" err="1"/>
+              <a:t>was</a:t>
+            </a:r>
+            <a:r>
+              <a:rPr lang="pt-PT" sz="1200" dirty="0"/>
+              <a:t> </a:t>
+            </a:r>
+            <a:r>
+              <a:rPr lang="pt-PT" sz="1200" dirty="0" err="1"/>
+              <a:t>sorted</a:t>
+            </a:r>
+            <a:endParaRPr lang="pt-PT" sz="1200" dirty="0"/>
           </a:p>
         </p:txBody>
       </p:sp>
@@ -5478,144 +6681,6 @@
 </file>
 
 <file path=ppt/slides/slide6.xml><?xml version="1.0" encoding="utf-8"?>
-<p:sld xmlns:a="http://schemas.openxmlformats.org/drawingml/2006/main" xmlns:r="http://schemas.openxmlformats.org/officeDocument/2006/relationships" xmlns:p="http://schemas.openxmlformats.org/presentationml/2006/main">
-  <p:cSld>
-    <p:spTree>
-      <p:nvGrpSpPr>
-        <p:cNvPr id="1" name=""/>
-        <p:cNvGrpSpPr/>
-        <p:nvPr/>
-      </p:nvGrpSpPr>
-      <p:grpSpPr>
-        <a:xfrm>
-          <a:off x="0" y="0"/>
-          <a:ext cx="0" cy="0"/>
-          <a:chOff x="0" y="0"/>
-          <a:chExt cx="0" cy="0"/>
-        </a:xfrm>
-      </p:grpSpPr>
-      <p:sp>
-        <p:nvSpPr>
-          <p:cNvPr id="2" name="Título 1">
-            <a:extLst>
-              <a:ext uri="{FF2B5EF4-FFF2-40B4-BE49-F238E27FC236}">
-                <a16:creationId xmlns:a16="http://schemas.microsoft.com/office/drawing/2014/main" id="{C7D52C90-E3ED-4F3F-A8E5-D53ABE83C150}"/>
-              </a:ext>
-            </a:extLst>
-          </p:cNvPr>
-          <p:cNvSpPr>
-            <a:spLocks noGrp="1"/>
-          </p:cNvSpPr>
-          <p:nvPr>
-            <p:ph type="title"/>
-          </p:nvPr>
-        </p:nvSpPr>
-        <p:spPr>
-          <a:xfrm>
-            <a:off x="1451579" y="1039907"/>
-            <a:ext cx="9603275" cy="813848"/>
-          </a:xfrm>
-        </p:spPr>
-        <p:txBody>
-          <a:bodyPr>
-            <a:normAutofit fontScale="90000"/>
-          </a:bodyPr>
-          <a:lstStyle/>
-          <a:p>
-            <a:r>
-              <a:rPr lang="pt-PT" sz="3600" b="1" dirty="0" err="1">
-                <a:latin typeface="Calibri" panose="020F0502020204030204" pitchFamily="34" charset="0"/>
-                <a:ea typeface="Calibri" panose="020F0502020204030204" pitchFamily="34" charset="0"/>
-                <a:cs typeface="Calibri" panose="020F0502020204030204" pitchFamily="34" charset="0"/>
-              </a:rPr>
-              <a:t>Problem</a:t>
-            </a:r>
-            <a:r>
-              <a:rPr lang="pt-PT" sz="3600" b="1" dirty="0">
-                <a:latin typeface="Calibri" panose="020F0502020204030204" pitchFamily="34" charset="0"/>
-                <a:ea typeface="Calibri" panose="020F0502020204030204" pitchFamily="34" charset="0"/>
-                <a:cs typeface="Calibri" panose="020F0502020204030204" pitchFamily="34" charset="0"/>
-              </a:rPr>
-              <a:t> 2</a:t>
-            </a:r>
-            <a:br>
-              <a:rPr lang="pt-PT" dirty="0">
-                <a:latin typeface="Calibri" panose="020F0502020204030204" pitchFamily="34" charset="0"/>
-                <a:ea typeface="Calibri" panose="020F0502020204030204" pitchFamily="34" charset="0"/>
-                <a:cs typeface="Calibri" panose="020F0502020204030204" pitchFamily="34" charset="0"/>
-              </a:rPr>
-            </a:br>
-            <a:r>
-              <a:rPr lang="pt-PT" sz="2200" dirty="0" err="1">
-                <a:latin typeface="Calibri" panose="020F0502020204030204" pitchFamily="34" charset="0"/>
-                <a:ea typeface="Calibri" panose="020F0502020204030204" pitchFamily="34" charset="0"/>
-                <a:cs typeface="Calibri" panose="020F0502020204030204" pitchFamily="34" charset="0"/>
-              </a:rPr>
-              <a:t>Workers</a:t>
-            </a:r>
-            <a:r>
-              <a:rPr lang="pt-PT" sz="2200" dirty="0">
-                <a:latin typeface="Calibri" panose="020F0502020204030204" pitchFamily="34" charset="0"/>
-                <a:ea typeface="Calibri" panose="020F0502020204030204" pitchFamily="34" charset="0"/>
-                <a:cs typeface="Calibri" panose="020F0502020204030204" pitchFamily="34" charset="0"/>
-              </a:rPr>
-              <a:t> / </a:t>
-            </a:r>
-            <a:r>
-              <a:rPr lang="pt-PT" sz="2200" dirty="0" err="1">
-                <a:latin typeface="Calibri" panose="020F0502020204030204" pitchFamily="34" charset="0"/>
-                <a:ea typeface="Calibri" panose="020F0502020204030204" pitchFamily="34" charset="0"/>
-                <a:cs typeface="Calibri" panose="020F0502020204030204" pitchFamily="34" charset="0"/>
-              </a:rPr>
-              <a:t>Distributor</a:t>
-            </a:r>
-            <a:endParaRPr lang="pt-PT" dirty="0">
-              <a:latin typeface="Calibri" panose="020F0502020204030204" pitchFamily="34" charset="0"/>
-              <a:ea typeface="Calibri" panose="020F0502020204030204" pitchFamily="34" charset="0"/>
-              <a:cs typeface="Calibri" panose="020F0502020204030204" pitchFamily="34" charset="0"/>
-            </a:endParaRPr>
-          </a:p>
-        </p:txBody>
-      </p:sp>
-      <p:sp>
-        <p:nvSpPr>
-          <p:cNvPr id="3" name="Marcador de Posição de Conteúdo 2">
-            <a:extLst>
-              <a:ext uri="{FF2B5EF4-FFF2-40B4-BE49-F238E27FC236}">
-                <a16:creationId xmlns:a16="http://schemas.microsoft.com/office/drawing/2014/main" id="{2D745695-6161-41A4-A2E0-37169F11F70A}"/>
-              </a:ext>
-            </a:extLst>
-          </p:cNvPr>
-          <p:cNvSpPr>
-            <a:spLocks noGrp="1"/>
-          </p:cNvSpPr>
-          <p:nvPr>
-            <p:ph idx="1"/>
-          </p:nvPr>
-        </p:nvSpPr>
-        <p:spPr/>
-        <p:txBody>
-          <a:bodyPr/>
-          <a:lstStyle/>
-          <a:p>
-            <a:endParaRPr lang="pt-PT" dirty="0"/>
-          </a:p>
-        </p:txBody>
-      </p:sp>
-    </p:spTree>
-    <p:extLst>
-      <p:ext uri="{BB962C8B-B14F-4D97-AF65-F5344CB8AC3E}">
-        <p14:creationId xmlns:p14="http://schemas.microsoft.com/office/powerpoint/2010/main" val="808554269"/>
-      </p:ext>
-    </p:extLst>
-  </p:cSld>
-  <p:clrMapOvr>
-    <a:masterClrMapping/>
-  </p:clrMapOvr>
-</p:sld>
-</file>
-
-<file path=ppt/slides/slide7.xml><?xml version="1.0" encoding="utf-8"?>
 <p:sld xmlns:a="http://schemas.openxmlformats.org/drawingml/2006/main" xmlns:r="http://schemas.openxmlformats.org/officeDocument/2006/relationships" xmlns:p="http://schemas.openxmlformats.org/presentationml/2006/main">
   <p:cSld>
     <p:spTree>
@@ -6302,6 +7367,128 @@
 </p:sld>
 </file>
 
+<file path=ppt/slides/slide7.xml><?xml version="1.0" encoding="utf-8"?>
+<p:sld xmlns:a="http://schemas.openxmlformats.org/drawingml/2006/main" xmlns:r="http://schemas.openxmlformats.org/officeDocument/2006/relationships" xmlns:p="http://schemas.openxmlformats.org/presentationml/2006/main">
+  <p:cSld>
+    <p:spTree>
+      <p:nvGrpSpPr>
+        <p:cNvPr id="1" name=""/>
+        <p:cNvGrpSpPr/>
+        <p:nvPr/>
+      </p:nvGrpSpPr>
+      <p:grpSpPr>
+        <a:xfrm>
+          <a:off x="0" y="0"/>
+          <a:ext cx="0" cy="0"/>
+          <a:chOff x="0" y="0"/>
+          <a:chExt cx="0" cy="0"/>
+        </a:xfrm>
+      </p:grpSpPr>
+      <p:sp>
+        <p:nvSpPr>
+          <p:cNvPr id="2" name="Título 1">
+            <a:extLst>
+              <a:ext uri="{FF2B5EF4-FFF2-40B4-BE49-F238E27FC236}">
+                <a16:creationId xmlns:a16="http://schemas.microsoft.com/office/drawing/2014/main" id="{C7D52C90-E3ED-4F3F-A8E5-D53ABE83C150}"/>
+              </a:ext>
+            </a:extLst>
+          </p:cNvPr>
+          <p:cNvSpPr>
+            <a:spLocks noGrp="1"/>
+          </p:cNvSpPr>
+          <p:nvPr>
+            <p:ph type="title"/>
+          </p:nvPr>
+        </p:nvSpPr>
+        <p:spPr>
+          <a:xfrm>
+            <a:off x="1451579" y="1039907"/>
+            <a:ext cx="9603275" cy="813848"/>
+          </a:xfrm>
+        </p:spPr>
+        <p:txBody>
+          <a:bodyPr>
+            <a:normAutofit fontScale="90000"/>
+          </a:bodyPr>
+          <a:lstStyle/>
+          <a:p>
+            <a:r>
+              <a:rPr lang="pt-PT" sz="3600" b="1" dirty="0" err="1">
+                <a:latin typeface="Calibri" panose="020F0502020204030204" pitchFamily="34" charset="0"/>
+                <a:ea typeface="Calibri" panose="020F0502020204030204" pitchFamily="34" charset="0"/>
+                <a:cs typeface="Calibri" panose="020F0502020204030204" pitchFamily="34" charset="0"/>
+              </a:rPr>
+              <a:t>Problem</a:t>
+            </a:r>
+            <a:r>
+              <a:rPr lang="pt-PT" sz="3600" b="1" dirty="0">
+                <a:latin typeface="Calibri" panose="020F0502020204030204" pitchFamily="34" charset="0"/>
+                <a:ea typeface="Calibri" panose="020F0502020204030204" pitchFamily="34" charset="0"/>
+                <a:cs typeface="Calibri" panose="020F0502020204030204" pitchFamily="34" charset="0"/>
+              </a:rPr>
+              <a:t> 2</a:t>
+            </a:r>
+            <a:br>
+              <a:rPr lang="pt-PT" dirty="0">
+                <a:latin typeface="Calibri" panose="020F0502020204030204" pitchFamily="34" charset="0"/>
+                <a:ea typeface="Calibri" panose="020F0502020204030204" pitchFamily="34" charset="0"/>
+                <a:cs typeface="Calibri" panose="020F0502020204030204" pitchFamily="34" charset="0"/>
+              </a:rPr>
+            </a:br>
+            <a:r>
+              <a:rPr lang="pt-PT" sz="2200" dirty="0" err="1">
+                <a:latin typeface="Calibri" panose="020F0502020204030204" pitchFamily="34" charset="0"/>
+                <a:ea typeface="Calibri" panose="020F0502020204030204" pitchFamily="34" charset="0"/>
+                <a:cs typeface="Calibri" panose="020F0502020204030204" pitchFamily="34" charset="0"/>
+              </a:rPr>
+              <a:t>Conclusions</a:t>
+            </a:r>
+            <a:endParaRPr lang="pt-PT" dirty="0">
+              <a:latin typeface="Calibri" panose="020F0502020204030204" pitchFamily="34" charset="0"/>
+              <a:ea typeface="Calibri" panose="020F0502020204030204" pitchFamily="34" charset="0"/>
+              <a:cs typeface="Calibri" panose="020F0502020204030204" pitchFamily="34" charset="0"/>
+            </a:endParaRPr>
+          </a:p>
+        </p:txBody>
+      </p:sp>
+      <p:sp>
+        <p:nvSpPr>
+          <p:cNvPr id="3" name="Marcador de Posição de Conteúdo 2">
+            <a:extLst>
+              <a:ext uri="{FF2B5EF4-FFF2-40B4-BE49-F238E27FC236}">
+                <a16:creationId xmlns:a16="http://schemas.microsoft.com/office/drawing/2014/main" id="{2D745695-6161-41A4-A2E0-37169F11F70A}"/>
+              </a:ext>
+            </a:extLst>
+          </p:cNvPr>
+          <p:cNvSpPr>
+            <a:spLocks noGrp="1"/>
+          </p:cNvSpPr>
+          <p:nvPr>
+            <p:ph idx="1"/>
+          </p:nvPr>
+        </p:nvSpPr>
+        <p:spPr/>
+        <p:txBody>
+          <a:bodyPr/>
+          <a:lstStyle/>
+          <a:p>
+            <a:endParaRPr lang="pt-PT" dirty="0"/>
+          </a:p>
+        </p:txBody>
+      </p:sp>
+    </p:spTree>
+    <p:extLst>
+      <p:ext uri="{BB962C8B-B14F-4D97-AF65-F5344CB8AC3E}">
+        <p14:creationId xmlns:p14="http://schemas.microsoft.com/office/powerpoint/2010/main" val="808554269"/>
+      </p:ext>
+    </p:extLst>
+  </p:cSld>
+  <p:clrMapOvr>
+    <a:masterClrMapping/>
+  </p:clrMapOvr>
+</p:sld>
+</file>
+
 <file path=ppt/theme/theme1.xml><?xml version="1.0" encoding="utf-8"?>
 <a:theme xmlns:a="http://schemas.openxmlformats.org/drawingml/2006/main" name="Galeria">
   <a:themeElements>

--- a/CLE1_T3G5/present.pptx
+++ b/CLE1_T3G5/present.pptx
@@ -2,7 +2,7 @@
 <file path=ppt/presentation.xml><?xml version="1.0" encoding="utf-8"?>
 <p:presentation xmlns:a="http://schemas.openxmlformats.org/drawingml/2006/main" xmlns:r="http://schemas.openxmlformats.org/officeDocument/2006/relationships" xmlns:p="http://schemas.openxmlformats.org/presentationml/2006/main" saveSubsetFonts="1">
   <p:sldMasterIdLst>
-    <p:sldMasterId id="2147483660" r:id="rId1"/>
+    <p:sldMasterId id="2147483708" r:id="rId1"/>
   </p:sldMasterIdLst>
   <p:sldIdLst>
     <p:sldId id="256" r:id="rId2"/>
@@ -119,8 +119,18 @@
 </file>
 
 <file path=ppt/slideLayouts/slideLayout1.xml><?xml version="1.0" encoding="utf-8"?>
-<p:sldLayout xmlns:a="http://schemas.openxmlformats.org/drawingml/2006/main" xmlns:r="http://schemas.openxmlformats.org/officeDocument/2006/relationships" xmlns:p="http://schemas.openxmlformats.org/presentationml/2006/main" type="title" preserve="1">
+<p:sldLayout xmlns:a="http://schemas.openxmlformats.org/drawingml/2006/main" xmlns:r="http://schemas.openxmlformats.org/officeDocument/2006/relationships" xmlns:p="http://schemas.openxmlformats.org/presentationml/2006/main" showMasterSp="0" type="title" preserve="1">
   <p:cSld name="Diapositivo de Título">
+    <p:bg>
+      <p:bgPr>
+        <a:solidFill>
+          <a:schemeClr val="bg2">
+            <a:lumMod val="75000"/>
+          </a:schemeClr>
+        </a:solidFill>
+        <a:effectLst/>
+      </p:bgPr>
+    </p:bg>
     <p:spTree>
       <p:nvGrpSpPr>
         <p:cNvPr id="1" name=""/>
@@ -147,17 +157,24 @@
         </p:nvSpPr>
         <p:spPr>
           <a:xfrm>
-            <a:off x="2417779" y="802298"/>
-            <a:ext cx="8637073" cy="2541431"/>
+            <a:off x="1261872" y="758952"/>
+            <a:ext cx="9418320" cy="4041648"/>
           </a:xfrm>
         </p:spPr>
         <p:txBody>
-          <a:bodyPr bIns="0" anchor="b">
+          <a:bodyPr anchor="b">
             <a:normAutofit/>
           </a:bodyPr>
           <a:lstStyle>
             <a:lvl1pPr algn="l">
-              <a:defRPr sz="6600"/>
+              <a:lnSpc>
+                <a:spcPct val="85000"/>
+              </a:lnSpc>
+              <a:defRPr sz="7200" baseline="0">
+                <a:solidFill>
+                  <a:schemeClr val="tx1"/>
+                </a:solidFill>
+              </a:defRPr>
             </a:lvl1pPr>
           </a:lstStyle>
           <a:p>
@@ -181,54 +198,56 @@
         </p:nvSpPr>
         <p:spPr>
           <a:xfrm>
-            <a:off x="2417780" y="3531204"/>
-            <a:ext cx="8637072" cy="977621"/>
+            <a:off x="1261872" y="4800600"/>
+            <a:ext cx="9418320" cy="1691640"/>
           </a:xfrm>
         </p:spPr>
         <p:txBody>
-          <a:bodyPr tIns="91440" bIns="91440">
+          <a:bodyPr>
             <a:normAutofit/>
           </a:bodyPr>
           <a:lstStyle>
             <a:lvl1pPr marL="0" indent="0" algn="l">
               <a:buNone/>
-              <a:defRPr sz="1800" b="0" cap="all" baseline="0">
+              <a:defRPr sz="2200" baseline="0">
                 <a:solidFill>
-                  <a:schemeClr val="tx1"/>
+                  <a:schemeClr val="tx1">
+                    <a:lumMod val="75000"/>
+                  </a:schemeClr>
                 </a:solidFill>
               </a:defRPr>
             </a:lvl1pPr>
             <a:lvl2pPr marL="457200" indent="0" algn="ctr">
               <a:buNone/>
-              <a:defRPr sz="1800"/>
+              <a:defRPr sz="2200"/>
             </a:lvl2pPr>
             <a:lvl3pPr marL="914400" indent="0" algn="ctr">
               <a:buNone/>
-              <a:defRPr sz="1800"/>
+              <a:defRPr sz="2200"/>
             </a:lvl3pPr>
             <a:lvl4pPr marL="1371600" indent="0" algn="ctr">
               <a:buNone/>
-              <a:defRPr sz="1600"/>
+              <a:defRPr sz="2000"/>
             </a:lvl4pPr>
             <a:lvl5pPr marL="1828800" indent="0" algn="ctr">
               <a:buNone/>
-              <a:defRPr sz="1600"/>
+              <a:defRPr sz="2000"/>
             </a:lvl5pPr>
             <a:lvl6pPr marL="2286000" indent="0" algn="ctr">
               <a:buNone/>
-              <a:defRPr sz="1600"/>
+              <a:defRPr sz="2000"/>
             </a:lvl6pPr>
             <a:lvl7pPr marL="2743200" indent="0" algn="ctr">
               <a:buNone/>
-              <a:defRPr sz="1600"/>
+              <a:defRPr sz="2000"/>
             </a:lvl7pPr>
             <a:lvl8pPr marL="3200400" indent="0" algn="ctr">
               <a:buNone/>
-              <a:defRPr sz="1600"/>
+              <a:defRPr sz="2000"/>
             </a:lvl8pPr>
             <a:lvl9pPr marL="3657600" indent="0" algn="ctr">
               <a:buNone/>
-              <a:defRPr sz="1600"/>
+              <a:defRPr sz="2000"/>
             </a:lvl9pPr>
           </a:lstStyle>
           <a:p>
@@ -253,7 +272,17 @@
         <p:spPr/>
         <p:txBody>
           <a:bodyPr/>
-          <a:lstStyle/>
+          <a:lstStyle>
+            <a:lvl1pPr>
+              <a:defRPr>
+                <a:solidFill>
+                  <a:schemeClr val="tx1">
+                    <a:lumMod val="50000"/>
+                  </a:schemeClr>
+                </a:solidFill>
+              </a:defRPr>
+            </a:lvl1pPr>
+          </a:lstStyle>
           <a:p>
             <a:fld id="{65E3D7AB-6C06-41C6-99AC-C74008AD09CE}" type="datetimeFigureOut">
               <a:rPr lang="pt-PT" smtClean="0"/>
@@ -273,15 +302,20 @@
             <p:ph type="ftr" sz="quarter" idx="11"/>
           </p:nvPr>
         </p:nvSpPr>
-        <p:spPr>
-          <a:xfrm>
-            <a:off x="2416500" y="329307"/>
-            <a:ext cx="4973915" cy="309201"/>
-          </a:xfrm>
-        </p:spPr>
+        <p:spPr/>
         <p:txBody>
           <a:bodyPr/>
-          <a:lstStyle/>
+          <a:lstStyle>
+            <a:lvl1pPr>
+              <a:defRPr>
+                <a:solidFill>
+                  <a:schemeClr val="tx1">
+                    <a:lumMod val="65000"/>
+                  </a:schemeClr>
+                </a:solidFill>
+              </a:defRPr>
+            </a:lvl1pPr>
+          </a:lstStyle>
           <a:p>
             <a:endParaRPr lang="pt-PT"/>
           </a:p>
@@ -297,15 +331,20 @@
             <p:ph type="sldNum" sz="quarter" idx="12"/>
           </p:nvPr>
         </p:nvSpPr>
-        <p:spPr>
-          <a:xfrm>
-            <a:off x="1437664" y="798973"/>
-            <a:ext cx="811019" cy="503578"/>
-          </a:xfrm>
-        </p:spPr>
+        <p:spPr/>
         <p:txBody>
           <a:bodyPr/>
-          <a:lstStyle/>
+          <a:lstStyle>
+            <a:lvl1pPr>
+              <a:defRPr>
+                <a:solidFill>
+                  <a:schemeClr val="tx1">
+                    <a:lumMod val="65000"/>
+                  </a:schemeClr>
+                </a:solidFill>
+              </a:defRPr>
+            </a:lvl1pPr>
+          </a:lstStyle>
           <a:p>
             <a:fld id="{CE87DB2C-CCD0-4E61-B3C9-E96B167F0653}" type="slidenum">
               <a:rPr lang="pt-PT" smtClean="0"/>
@@ -315,46 +354,53 @@
           </a:p>
         </p:txBody>
       </p:sp>
-      <p:cxnSp>
-        <p:nvCxnSpPr>
-          <p:cNvPr id="15" name="Straight Connector 14"/>
-          <p:cNvCxnSpPr/>
+      <p:sp>
+        <p:nvSpPr>
+          <p:cNvPr id="7" name="Rectangle 6"/>
+          <p:cNvSpPr/>
           <p:nvPr/>
-        </p:nvCxnSpPr>
+        </p:nvSpPr>
         <p:spPr>
           <a:xfrm>
-            <a:off x="2417780" y="3528542"/>
-            <a:ext cx="8637072" cy="0"/>
+            <a:off x="0" y="0"/>
+            <a:ext cx="457200" cy="6858000"/>
           </a:xfrm>
-          <a:prstGeom prst="line">
+          <a:prstGeom prst="rect">
             <a:avLst/>
           </a:prstGeom>
-          <a:ln w="31750"/>
+          <a:solidFill>
+            <a:schemeClr val="accent1"/>
+          </a:solidFill>
+          <a:ln>
+            <a:noFill/>
+          </a:ln>
         </p:spPr>
         <p:style>
-          <a:lnRef idx="3">
-            <a:schemeClr val="accent1"/>
+          <a:lnRef idx="2">
+            <a:schemeClr val="accent1">
+              <a:shade val="50000"/>
+            </a:schemeClr>
           </a:lnRef>
-          <a:fillRef idx="0">
+          <a:fillRef idx="1">
             <a:schemeClr val="accent1"/>
           </a:fillRef>
-          <a:effectRef idx="2">
+          <a:effectRef idx="0">
             <a:schemeClr val="accent1"/>
           </a:effectRef>
           <a:fontRef idx="minor">
-            <a:schemeClr val="tx1"/>
+            <a:schemeClr val="lt1"/>
           </a:fontRef>
         </p:style>
-      </p:cxnSp>
+      </p:sp>
     </p:spTree>
     <p:extLst>
       <p:ext uri="{BB962C8B-B14F-4D97-AF65-F5344CB8AC3E}">
-        <p14:creationId xmlns:p14="http://schemas.microsoft.com/office/powerpoint/2010/main" val="3611339316"/>
+        <p14:creationId xmlns:p14="http://schemas.microsoft.com/office/powerpoint/2010/main" val="850522724"/>
       </p:ext>
     </p:extLst>
   </p:cSld>
   <p:clrMapOvr>
-    <a:masterClrMapping/>
+    <a:overrideClrMapping bg1="dk1" tx1="lt1" bg2="dk2" tx2="lt2" accent1="accent1" accent2="accent2" accent3="accent3" accent4="accent4" accent5="accent5" accent6="accent6" hlink="hlink" folHlink="folHlink"/>
   </p:clrMapOvr>
 </p:sldLayout>
 </file>
@@ -516,41 +562,10 @@
           </a:p>
         </p:txBody>
       </p:sp>
-      <p:cxnSp>
-        <p:nvCxnSpPr>
-          <p:cNvPr id="26" name="Straight Connector 25"/>
-          <p:cNvCxnSpPr/>
-          <p:nvPr/>
-        </p:nvCxnSpPr>
-        <p:spPr>
-          <a:xfrm>
-            <a:off x="1453896" y="1847088"/>
-            <a:ext cx="9607522" cy="0"/>
-          </a:xfrm>
-          <a:prstGeom prst="line">
-            <a:avLst/>
-          </a:prstGeom>
-          <a:ln w="31750"/>
-        </p:spPr>
-        <p:style>
-          <a:lnRef idx="3">
-            <a:schemeClr val="accent1"/>
-          </a:lnRef>
-          <a:fillRef idx="0">
-            <a:schemeClr val="accent1"/>
-          </a:fillRef>
-          <a:effectRef idx="2">
-            <a:schemeClr val="accent1"/>
-          </a:effectRef>
-          <a:fontRef idx="minor">
-            <a:schemeClr val="tx1"/>
-          </a:fontRef>
-        </p:style>
-      </p:cxnSp>
     </p:spTree>
     <p:extLst>
       <p:ext uri="{BB962C8B-B14F-4D97-AF65-F5344CB8AC3E}">
-        <p14:creationId xmlns:p14="http://schemas.microsoft.com/office/powerpoint/2010/main" val="2351667929"/>
+        <p14:creationId xmlns:p14="http://schemas.microsoft.com/office/powerpoint/2010/main" val="4095675086"/>
       </p:ext>
     </p:extLst>
   </p:cSld>
@@ -589,17 +604,13 @@
         </p:nvSpPr>
         <p:spPr>
           <a:xfrm>
-            <a:off x="9439111" y="798973"/>
-            <a:ext cx="1615742" cy="4659889"/>
+            <a:off x="8648700" y="381000"/>
+            <a:ext cx="2476500" cy="5897562"/>
           </a:xfrm>
         </p:spPr>
         <p:txBody>
           <a:bodyPr vert="eaVert"/>
-          <a:lstStyle>
-            <a:lvl1pPr algn="l">
-              <a:defRPr/>
-            </a:lvl1pPr>
-          </a:lstStyle>
+          <a:lstStyle/>
           <a:p>
             <a:r>
               <a:rPr lang="pt-PT"/>
@@ -621,8 +632,8 @@
         </p:nvSpPr>
         <p:spPr>
           <a:xfrm>
-            <a:off x="1444672" y="798973"/>
-            <a:ext cx="7828830" cy="4659889"/>
+            <a:off x="762000" y="381000"/>
+            <a:ext cx="7734300" cy="5897562"/>
           </a:xfrm>
         </p:spPr>
         <p:txBody>
@@ -731,41 +742,10 @@
           </a:p>
         </p:txBody>
       </p:sp>
-      <p:cxnSp>
-        <p:nvCxnSpPr>
-          <p:cNvPr id="15" name="Straight Connector 14"/>
-          <p:cNvCxnSpPr/>
-          <p:nvPr/>
-        </p:nvCxnSpPr>
-        <p:spPr>
-          <a:xfrm>
-            <a:off x="9439111" y="798973"/>
-            <a:ext cx="0" cy="4659889"/>
-          </a:xfrm>
-          <a:prstGeom prst="line">
-            <a:avLst/>
-          </a:prstGeom>
-          <a:ln w="31750"/>
-        </p:spPr>
-        <p:style>
-          <a:lnRef idx="3">
-            <a:schemeClr val="accent1"/>
-          </a:lnRef>
-          <a:fillRef idx="0">
-            <a:schemeClr val="accent1"/>
-          </a:fillRef>
-          <a:effectRef idx="2">
-            <a:schemeClr val="accent1"/>
-          </a:effectRef>
-          <a:fontRef idx="minor">
-            <a:schemeClr val="tx1"/>
-          </a:fontRef>
-        </p:style>
-      </p:cxnSp>
     </p:spTree>
     <p:extLst>
       <p:ext uri="{BB962C8B-B14F-4D97-AF65-F5344CB8AC3E}">
-        <p14:creationId xmlns:p14="http://schemas.microsoft.com/office/powerpoint/2010/main" val="1030841639"/>
+        <p14:creationId xmlns:p14="http://schemas.microsoft.com/office/powerpoint/2010/main" val="1556425573"/>
       </p:ext>
     </p:extLst>
   </p:cSld>
@@ -827,7 +807,7 @@
         </p:nvSpPr>
         <p:spPr/>
         <p:txBody>
-          <a:bodyPr anchor="t"/>
+          <a:bodyPr/>
           <a:lstStyle/>
           <a:p>
             <a:pPr lvl="0"/>
@@ -932,41 +912,10 @@
           </a:p>
         </p:txBody>
       </p:sp>
-      <p:cxnSp>
-        <p:nvCxnSpPr>
-          <p:cNvPr id="33" name="Straight Connector 32"/>
-          <p:cNvCxnSpPr/>
-          <p:nvPr/>
-        </p:nvCxnSpPr>
-        <p:spPr>
-          <a:xfrm>
-            <a:off x="1453896" y="1847088"/>
-            <a:ext cx="9607522" cy="0"/>
-          </a:xfrm>
-          <a:prstGeom prst="line">
-            <a:avLst/>
-          </a:prstGeom>
-          <a:ln w="31750"/>
-        </p:spPr>
-        <p:style>
-          <a:lnRef idx="3">
-            <a:schemeClr val="accent1"/>
-          </a:lnRef>
-          <a:fillRef idx="0">
-            <a:schemeClr val="accent1"/>
-          </a:fillRef>
-          <a:effectRef idx="2">
-            <a:schemeClr val="accent1"/>
-          </a:effectRef>
-          <a:fontRef idx="minor">
-            <a:schemeClr val="tx1"/>
-          </a:fontRef>
-        </p:style>
-      </p:cxnSp>
     </p:spTree>
     <p:extLst>
       <p:ext uri="{BB962C8B-B14F-4D97-AF65-F5344CB8AC3E}">
-        <p14:creationId xmlns:p14="http://schemas.microsoft.com/office/powerpoint/2010/main" val="431451735"/>
+        <p14:creationId xmlns:p14="http://schemas.microsoft.com/office/powerpoint/2010/main" val="2711385527"/>
       </p:ext>
     </p:extLst>
   </p:cSld>
@@ -1005,8 +954,8 @@
         </p:nvSpPr>
         <p:spPr>
           <a:xfrm>
-            <a:off x="1454239" y="1756130"/>
-            <a:ext cx="8643154" cy="1887950"/>
+            <a:off x="1261872" y="758952"/>
+            <a:ext cx="9418320" cy="4041648"/>
           </a:xfrm>
         </p:spPr>
         <p:txBody>
@@ -1014,8 +963,11 @@
             <a:normAutofit/>
           </a:bodyPr>
           <a:lstStyle>
-            <a:lvl1pPr algn="l">
-              <a:defRPr sz="3600"/>
+            <a:lvl1pPr>
+              <a:lnSpc>
+                <a:spcPct val="85000"/>
+              </a:lnSpc>
+              <a:defRPr sz="7200" b="0"/>
             </a:lvl1pPr>
           </a:lstStyle>
           <a:p>
@@ -1039,20 +991,23 @@
         </p:nvSpPr>
         <p:spPr>
           <a:xfrm>
-            <a:off x="1454239" y="3806195"/>
-            <a:ext cx="8630446" cy="1012929"/>
+            <a:off x="1261872" y="4800600"/>
+            <a:ext cx="9418320" cy="1691640"/>
           </a:xfrm>
         </p:spPr>
         <p:txBody>
-          <a:bodyPr tIns="91440">
+          <a:bodyPr anchor="t">
             <a:normAutofit/>
           </a:bodyPr>
           <a:lstStyle>
-            <a:lvl1pPr marL="0" indent="0" algn="l">
+            <a:lvl1pPr marL="0" indent="0">
               <a:buNone/>
-              <a:defRPr sz="1800">
+              <a:defRPr sz="2200">
                 <a:solidFill>
-                  <a:schemeClr val="tx1"/>
+                  <a:schemeClr val="tx1">
+                    <a:lumMod val="65000"/>
+                    <a:lumOff val="35000"/>
+                  </a:schemeClr>
                 </a:solidFill>
               </a:defRPr>
             </a:lvl1pPr>
@@ -1068,7 +1023,7 @@
             </a:lvl2pPr>
             <a:lvl3pPr marL="914400" indent="0">
               <a:buNone/>
-              <a:defRPr sz="1800">
+              <a:defRPr sz="1600">
                 <a:solidFill>
                   <a:schemeClr val="tx1">
                     <a:tint val="75000"/>
@@ -1078,7 +1033,7 @@
             </a:lvl3pPr>
             <a:lvl4pPr marL="1371600" indent="0">
               <a:buNone/>
-              <a:defRPr sz="1600">
+              <a:defRPr sz="1400">
                 <a:solidFill>
                   <a:schemeClr val="tx1">
                     <a:tint val="75000"/>
@@ -1088,7 +1043,7 @@
             </a:lvl4pPr>
             <a:lvl5pPr marL="1828800" indent="0">
               <a:buNone/>
-              <a:defRPr sz="1600">
+              <a:defRPr sz="1400">
                 <a:solidFill>
                   <a:schemeClr val="tx1">
                     <a:tint val="75000"/>
@@ -1098,7 +1053,7 @@
             </a:lvl5pPr>
             <a:lvl6pPr marL="2286000" indent="0">
               <a:buNone/>
-              <a:defRPr sz="1600">
+              <a:defRPr sz="1400">
                 <a:solidFill>
                   <a:schemeClr val="tx1">
                     <a:tint val="75000"/>
@@ -1108,7 +1063,7 @@
             </a:lvl6pPr>
             <a:lvl7pPr marL="2743200" indent="0">
               <a:buNone/>
-              <a:defRPr sz="1600">
+              <a:defRPr sz="1400">
                 <a:solidFill>
                   <a:schemeClr val="tx1">
                     <a:tint val="75000"/>
@@ -1118,7 +1073,7 @@
             </a:lvl7pPr>
             <a:lvl8pPr marL="3200400" indent="0">
               <a:buNone/>
-              <a:defRPr sz="1600">
+              <a:defRPr sz="1400">
                 <a:solidFill>
                   <a:schemeClr val="tx1">
                     <a:tint val="75000"/>
@@ -1128,7 +1083,7 @@
             </a:lvl8pPr>
             <a:lvl9pPr marL="3657600" indent="0">
               <a:buNone/>
-              <a:defRPr sz="1600">
+              <a:defRPr sz="1400">
                 <a:solidFill>
                   <a:schemeClr val="tx1">
                     <a:tint val="75000"/>
@@ -1211,41 +1166,48 @@
           </a:p>
         </p:txBody>
       </p:sp>
-      <p:cxnSp>
-        <p:nvCxnSpPr>
-          <p:cNvPr id="15" name="Straight Connector 14"/>
-          <p:cNvCxnSpPr/>
+      <p:sp>
+        <p:nvSpPr>
+          <p:cNvPr id="7" name="Rectangle 6"/>
+          <p:cNvSpPr/>
           <p:nvPr/>
-        </p:nvCxnSpPr>
+        </p:nvSpPr>
         <p:spPr>
           <a:xfrm>
-            <a:off x="1454239" y="3804985"/>
-            <a:ext cx="8630446" cy="0"/>
+            <a:off x="0" y="0"/>
+            <a:ext cx="457200" cy="6858000"/>
           </a:xfrm>
-          <a:prstGeom prst="line">
+          <a:prstGeom prst="rect">
             <a:avLst/>
           </a:prstGeom>
-          <a:ln w="31750"/>
+          <a:solidFill>
+            <a:schemeClr val="accent1"/>
+          </a:solidFill>
+          <a:ln>
+            <a:noFill/>
+          </a:ln>
         </p:spPr>
         <p:style>
-          <a:lnRef idx="3">
-            <a:schemeClr val="accent1"/>
+          <a:lnRef idx="2">
+            <a:schemeClr val="accent1">
+              <a:shade val="50000"/>
+            </a:schemeClr>
           </a:lnRef>
-          <a:fillRef idx="0">
+          <a:fillRef idx="1">
             <a:schemeClr val="accent1"/>
           </a:fillRef>
-          <a:effectRef idx="2">
+          <a:effectRef idx="0">
             <a:schemeClr val="accent1"/>
           </a:effectRef>
           <a:fontRef idx="minor">
-            <a:schemeClr val="tx1"/>
+            <a:schemeClr val="lt1"/>
           </a:fontRef>
         </p:style>
-      </p:cxnSp>
+      </p:sp>
     </p:spTree>
     <p:extLst>
       <p:ext uri="{BB962C8B-B14F-4D97-AF65-F5344CB8AC3E}">
-        <p14:creationId xmlns:p14="http://schemas.microsoft.com/office/powerpoint/2010/main" val="1874184282"/>
+        <p14:creationId xmlns:p14="http://schemas.microsoft.com/office/powerpoint/2010/main" val="1738789255"/>
       </p:ext>
     </p:extLst>
   </p:cSld>
@@ -1282,12 +1244,7 @@
             <p:ph type="title"/>
           </p:nvPr>
         </p:nvSpPr>
-        <p:spPr>
-          <a:xfrm>
-            <a:off x="1449217" y="804889"/>
-            <a:ext cx="9605635" cy="1059305"/>
-          </a:xfrm>
-        </p:spPr>
+        <p:spPr/>
         <p:txBody>
           <a:bodyPr/>
           <a:lstStyle/>
@@ -1312,13 +1269,41 @@
         </p:nvSpPr>
         <p:spPr>
           <a:xfrm>
-            <a:off x="1447331" y="2010878"/>
-            <a:ext cx="4645152" cy="3448595"/>
+            <a:off x="1261872" y="1828800"/>
+            <a:ext cx="4480560" cy="4351337"/>
           </a:xfrm>
         </p:spPr>
         <p:txBody>
           <a:bodyPr/>
-          <a:lstStyle/>
+          <a:lstStyle>
+            <a:lvl1pPr>
+              <a:defRPr sz="1800"/>
+            </a:lvl1pPr>
+            <a:lvl2pPr>
+              <a:defRPr sz="1600"/>
+            </a:lvl2pPr>
+            <a:lvl3pPr>
+              <a:defRPr sz="1400"/>
+            </a:lvl3pPr>
+            <a:lvl4pPr>
+              <a:defRPr sz="1400"/>
+            </a:lvl4pPr>
+            <a:lvl5pPr>
+              <a:defRPr sz="1400"/>
+            </a:lvl5pPr>
+            <a:lvl6pPr>
+              <a:defRPr sz="1400"/>
+            </a:lvl6pPr>
+            <a:lvl7pPr>
+              <a:defRPr sz="1400"/>
+            </a:lvl7pPr>
+            <a:lvl8pPr>
+              <a:defRPr sz="1400"/>
+            </a:lvl8pPr>
+            <a:lvl9pPr>
+              <a:defRPr sz="1400"/>
+            </a:lvl9pPr>
+          </a:lstStyle>
           <a:p>
             <a:pPr lvl="0"/>
             <a:r>
@@ -1369,13 +1354,41 @@
         </p:nvSpPr>
         <p:spPr>
           <a:xfrm>
-            <a:off x="6413771" y="2017343"/>
-            <a:ext cx="4645152" cy="3441520"/>
+            <a:off x="6126480" y="1828800"/>
+            <a:ext cx="4480560" cy="4351337"/>
           </a:xfrm>
         </p:spPr>
         <p:txBody>
           <a:bodyPr/>
-          <a:lstStyle/>
+          <a:lstStyle>
+            <a:lvl1pPr>
+              <a:defRPr sz="1800"/>
+            </a:lvl1pPr>
+            <a:lvl2pPr>
+              <a:defRPr sz="1600"/>
+            </a:lvl2pPr>
+            <a:lvl3pPr>
+              <a:defRPr sz="1400"/>
+            </a:lvl3pPr>
+            <a:lvl4pPr>
+              <a:defRPr sz="1400"/>
+            </a:lvl4pPr>
+            <a:lvl5pPr>
+              <a:defRPr sz="1400"/>
+            </a:lvl5pPr>
+            <a:lvl6pPr>
+              <a:defRPr sz="1400"/>
+            </a:lvl6pPr>
+            <a:lvl7pPr>
+              <a:defRPr sz="1400"/>
+            </a:lvl7pPr>
+            <a:lvl8pPr>
+              <a:defRPr sz="1400"/>
+            </a:lvl8pPr>
+            <a:lvl9pPr>
+              <a:defRPr sz="1400"/>
+            </a:lvl9pPr>
+          </a:lstStyle>
           <a:p>
             <a:pPr lvl="0"/>
             <a:r>
@@ -1479,41 +1492,10 @@
           </a:p>
         </p:txBody>
       </p:sp>
-      <p:cxnSp>
-        <p:nvCxnSpPr>
-          <p:cNvPr id="35" name="Straight Connector 34"/>
-          <p:cNvCxnSpPr/>
-          <p:nvPr/>
-        </p:nvCxnSpPr>
-        <p:spPr>
-          <a:xfrm>
-            <a:off x="1453896" y="1847088"/>
-            <a:ext cx="9607522" cy="0"/>
-          </a:xfrm>
-          <a:prstGeom prst="line">
-            <a:avLst/>
-          </a:prstGeom>
-          <a:ln w="31750"/>
-        </p:spPr>
-        <p:style>
-          <a:lnRef idx="3">
-            <a:schemeClr val="accent1"/>
-          </a:lnRef>
-          <a:fillRef idx="0">
-            <a:schemeClr val="accent1"/>
-          </a:fillRef>
-          <a:effectRef idx="2">
-            <a:schemeClr val="accent1"/>
-          </a:effectRef>
-          <a:fontRef idx="minor">
-            <a:schemeClr val="tx1"/>
-          </a:fontRef>
-        </p:style>
-      </p:cxnSp>
     </p:spTree>
     <p:extLst>
       <p:ext uri="{BB962C8B-B14F-4D97-AF65-F5344CB8AC3E}">
-        <p14:creationId xmlns:p14="http://schemas.microsoft.com/office/powerpoint/2010/main" val="1348310499"/>
+        <p14:creationId xmlns:p14="http://schemas.microsoft.com/office/powerpoint/2010/main" val="1765776476"/>
       </p:ext>
     </p:extLst>
   </p:cSld>
@@ -1542,7 +1524,7 @@
       </p:grpSpPr>
       <p:sp>
         <p:nvSpPr>
-          <p:cNvPr id="2" name="Title 1"/>
+          <p:cNvPr id="10" name="Title 9"/>
           <p:cNvSpPr>
             <a:spLocks noGrp="1"/>
           </p:cNvSpPr>
@@ -1550,12 +1532,7 @@
             <p:ph type="title"/>
           </p:nvPr>
         </p:nvSpPr>
-        <p:spPr>
-          <a:xfrm>
-            <a:off x="1447191" y="804163"/>
-            <a:ext cx="9607661" cy="1056319"/>
-          </a:xfrm>
-        </p:spPr>
+        <p:spPr/>
         <p:txBody>
           <a:bodyPr/>
           <a:lstStyle/>
@@ -1580,8 +1557,8 @@
         </p:nvSpPr>
         <p:spPr>
           <a:xfrm>
-            <a:off x="1447191" y="2019549"/>
-            <a:ext cx="4645152" cy="801943"/>
+            <a:off x="1261872" y="1713655"/>
+            <a:ext cx="4480560" cy="731520"/>
           </a:xfrm>
         </p:spPr>
         <p:txBody>
@@ -1590,13 +1567,13 @@
           </a:bodyPr>
           <a:lstStyle>
             <a:lvl1pPr marL="0" indent="0">
-              <a:lnSpc>
-                <a:spcPct val="100000"/>
-              </a:lnSpc>
+              <a:spcBef>
+                <a:spcPts val="0"/>
+              </a:spcBef>
               <a:buNone/>
-              <a:defRPr sz="2200" b="0" cap="all" baseline="0">
+              <a:defRPr sz="2000" b="0">
                 <a:solidFill>
-                  <a:schemeClr val="accent1"/>
+                  <a:schemeClr val="tx2"/>
                 </a:solidFill>
               </a:defRPr>
             </a:lvl1pPr>
@@ -1654,13 +1631,41 @@
         </p:nvSpPr>
         <p:spPr>
           <a:xfrm>
-            <a:off x="1447191" y="2824269"/>
-            <a:ext cx="4645152" cy="2644457"/>
+            <a:off x="1261872" y="2507550"/>
+            <a:ext cx="4480560" cy="3664650"/>
           </a:xfrm>
         </p:spPr>
         <p:txBody>
           <a:bodyPr/>
-          <a:lstStyle/>
+          <a:lstStyle>
+            <a:lvl1pPr>
+              <a:defRPr sz="1800"/>
+            </a:lvl1pPr>
+            <a:lvl2pPr>
+              <a:defRPr sz="1600"/>
+            </a:lvl2pPr>
+            <a:lvl3pPr>
+              <a:defRPr sz="1400"/>
+            </a:lvl3pPr>
+            <a:lvl4pPr>
+              <a:defRPr sz="1400"/>
+            </a:lvl4pPr>
+            <a:lvl5pPr>
+              <a:defRPr sz="1400"/>
+            </a:lvl5pPr>
+            <a:lvl6pPr>
+              <a:defRPr sz="1400"/>
+            </a:lvl6pPr>
+            <a:lvl7pPr>
+              <a:defRPr sz="1400"/>
+            </a:lvl7pPr>
+            <a:lvl8pPr>
+              <a:defRPr sz="1400"/>
+            </a:lvl8pPr>
+            <a:lvl9pPr>
+              <a:defRPr sz="1400"/>
+            </a:lvl9pPr>
+          </a:lstStyle>
           <a:p>
             <a:pPr lvl="0"/>
             <a:r>
@@ -1711,8 +1716,8 @@
         </p:nvSpPr>
         <p:spPr>
           <a:xfrm>
-            <a:off x="6412362" y="2023003"/>
-            <a:ext cx="4645152" cy="802237"/>
+            <a:off x="6126480" y="1713655"/>
+            <a:ext cx="4480560" cy="731520"/>
           </a:xfrm>
         </p:spPr>
         <p:txBody>
@@ -1722,13 +1727,19 @@
           <a:lstStyle>
             <a:lvl1pPr marL="0" indent="0">
               <a:lnSpc>
-                <a:spcPct val="100000"/>
+                <a:spcPct val="95000"/>
               </a:lnSpc>
+              <a:spcBef>
+                <a:spcPts val="0"/>
+              </a:spcBef>
               <a:buNone/>
-              <a:defRPr sz="2200" b="0" cap="all" baseline="0">
+              <a:defRPr lang="en-US" sz="2000" b="0" kern="1200" dirty="0">
                 <a:solidFill>
-                  <a:schemeClr val="accent1"/>
+                  <a:schemeClr val="tx2"/>
                 </a:solidFill>
+                <a:latin typeface="+mn-lt"/>
+                <a:ea typeface="+mn-ea"/>
+                <a:cs typeface="+mn-cs"/>
               </a:defRPr>
             </a:lvl1pPr>
             <a:lvl2pPr marL="457200" indent="0">
@@ -1765,7 +1776,16 @@
             </a:lvl9pPr>
           </a:lstStyle>
           <a:p>
-            <a:pPr lvl="0"/>
+            <a:pPr marL="0" lvl="0" indent="0" algn="l" defTabSz="914400" rtl="0" eaLnBrk="1" latinLnBrk="0" hangingPunct="1">
+              <a:lnSpc>
+                <a:spcPct val="90000"/>
+              </a:lnSpc>
+              <a:spcBef>
+                <a:spcPts val="2000"/>
+              </a:spcBef>
+              <a:buFontTx/>
+              <a:buNone/>
+            </a:pPr>
             <a:r>
               <a:rPr lang="pt-PT"/>
               <a:t>Clique para editar os estilos do texto de Modelo Global</a:t>
@@ -1785,13 +1805,41 @@
         </p:nvSpPr>
         <p:spPr>
           <a:xfrm>
-            <a:off x="6412362" y="2821491"/>
-            <a:ext cx="4645152" cy="2637371"/>
+            <a:off x="6126480" y="2507550"/>
+            <a:ext cx="4480560" cy="3664650"/>
           </a:xfrm>
         </p:spPr>
         <p:txBody>
           <a:bodyPr/>
-          <a:lstStyle/>
+          <a:lstStyle>
+            <a:lvl1pPr>
+              <a:defRPr sz="1800"/>
+            </a:lvl1pPr>
+            <a:lvl2pPr>
+              <a:defRPr sz="1600"/>
+            </a:lvl2pPr>
+            <a:lvl3pPr>
+              <a:defRPr sz="1400"/>
+            </a:lvl3pPr>
+            <a:lvl4pPr>
+              <a:defRPr sz="1400"/>
+            </a:lvl4pPr>
+            <a:lvl5pPr>
+              <a:defRPr sz="1400"/>
+            </a:lvl5pPr>
+            <a:lvl6pPr>
+              <a:defRPr sz="1400"/>
+            </a:lvl6pPr>
+            <a:lvl7pPr>
+              <a:defRPr sz="1400"/>
+            </a:lvl7pPr>
+            <a:lvl8pPr>
+              <a:defRPr sz="1400"/>
+            </a:lvl8pPr>
+            <a:lvl9pPr>
+              <a:defRPr sz="1400"/>
+            </a:lvl9pPr>
+          </a:lstStyle>
           <a:p>
             <a:pPr lvl="0"/>
             <a:r>
@@ -1895,41 +1943,10 @@
           </a:p>
         </p:txBody>
       </p:sp>
-      <p:cxnSp>
-        <p:nvCxnSpPr>
-          <p:cNvPr id="29" name="Straight Connector 28"/>
-          <p:cNvCxnSpPr/>
-          <p:nvPr/>
-        </p:nvCxnSpPr>
-        <p:spPr>
-          <a:xfrm>
-            <a:off x="1453896" y="1847088"/>
-            <a:ext cx="9607522" cy="0"/>
-          </a:xfrm>
-          <a:prstGeom prst="line">
-            <a:avLst/>
-          </a:prstGeom>
-          <a:ln w="31750"/>
-        </p:spPr>
-        <p:style>
-          <a:lnRef idx="3">
-            <a:schemeClr val="accent1"/>
-          </a:lnRef>
-          <a:fillRef idx="0">
-            <a:schemeClr val="accent1"/>
-          </a:fillRef>
-          <a:effectRef idx="2">
-            <a:schemeClr val="accent1"/>
-          </a:effectRef>
-          <a:fontRef idx="minor">
-            <a:schemeClr val="tx1"/>
-          </a:fontRef>
-        </p:style>
-      </p:cxnSp>
     </p:spTree>
     <p:extLst>
       <p:ext uri="{BB962C8B-B14F-4D97-AF65-F5344CB8AC3E}">
-        <p14:creationId xmlns:p14="http://schemas.microsoft.com/office/powerpoint/2010/main" val="1970658198"/>
+        <p14:creationId xmlns:p14="http://schemas.microsoft.com/office/powerpoint/2010/main" val="751159279"/>
       </p:ext>
     </p:extLst>
   </p:cSld>
@@ -1958,7 +1975,7 @@
       </p:grpSpPr>
       <p:sp>
         <p:nvSpPr>
-          <p:cNvPr id="2" name="Title 1"/>
+          <p:cNvPr id="6" name="Title 5"/>
           <p:cNvSpPr>
             <a:spLocks noGrp="1"/>
           </p:cNvSpPr>
@@ -2044,41 +2061,10 @@
           </a:p>
         </p:txBody>
       </p:sp>
-      <p:cxnSp>
-        <p:nvCxnSpPr>
-          <p:cNvPr id="25" name="Straight Connector 24"/>
-          <p:cNvCxnSpPr/>
-          <p:nvPr/>
-        </p:nvCxnSpPr>
-        <p:spPr>
-          <a:xfrm>
-            <a:off x="1453896" y="1847088"/>
-            <a:ext cx="9607522" cy="0"/>
-          </a:xfrm>
-          <a:prstGeom prst="line">
-            <a:avLst/>
-          </a:prstGeom>
-          <a:ln w="31750"/>
-        </p:spPr>
-        <p:style>
-          <a:lnRef idx="3">
-            <a:schemeClr val="accent1"/>
-          </a:lnRef>
-          <a:fillRef idx="0">
-            <a:schemeClr val="accent1"/>
-          </a:fillRef>
-          <a:effectRef idx="2">
-            <a:schemeClr val="accent1"/>
-          </a:effectRef>
-          <a:fontRef idx="minor">
-            <a:schemeClr val="tx1"/>
-          </a:fontRef>
-        </p:style>
-      </p:cxnSp>
     </p:spTree>
     <p:extLst>
       <p:ext uri="{BB962C8B-B14F-4D97-AF65-F5344CB8AC3E}">
-        <p14:creationId xmlns:p14="http://schemas.microsoft.com/office/powerpoint/2010/main" val="646614531"/>
+        <p14:creationId xmlns:p14="http://schemas.microsoft.com/office/powerpoint/2010/main" val="1821157254"/>
       </p:ext>
     </p:extLst>
   </p:cSld>
@@ -2173,7 +2159,7 @@
     </p:spTree>
     <p:extLst>
       <p:ext uri="{BB962C8B-B14F-4D97-AF65-F5344CB8AC3E}">
-        <p14:creationId xmlns:p14="http://schemas.microsoft.com/office/powerpoint/2010/main" val="1939599749"/>
+        <p14:creationId xmlns:p14="http://schemas.microsoft.com/office/powerpoint/2010/main" val="3428779125"/>
       </p:ext>
     </p:extLst>
   </p:cSld>
@@ -2212,8 +2198,8 @@
         </p:nvSpPr>
         <p:spPr>
           <a:xfrm>
-            <a:off x="1444671" y="798973"/>
-            <a:ext cx="3273099" cy="2247117"/>
+            <a:off x="841248" y="457200"/>
+            <a:ext cx="3200400" cy="1600197"/>
           </a:xfrm>
         </p:spPr>
         <p:txBody>
@@ -2221,8 +2207,8 @@
             <a:normAutofit/>
           </a:bodyPr>
           <a:lstStyle>
-            <a:lvl1pPr algn="l">
-              <a:defRPr sz="2400"/>
+            <a:lvl1pPr>
+              <a:defRPr sz="3200" b="0" baseline="0"/>
             </a:lvl1pPr>
           </a:lstStyle>
           <a:p>
@@ -2246,13 +2232,41 @@
         </p:nvSpPr>
         <p:spPr>
           <a:xfrm>
-            <a:off x="5043714" y="798974"/>
-            <a:ext cx="6012470" cy="4658826"/>
+            <a:off x="4504267" y="685800"/>
+            <a:ext cx="6079066" cy="5486400"/>
           </a:xfrm>
         </p:spPr>
         <p:txBody>
-          <a:bodyPr anchor="ctr"/>
-          <a:lstStyle/>
+          <a:bodyPr/>
+          <a:lstStyle>
+            <a:lvl1pPr>
+              <a:defRPr sz="2000"/>
+            </a:lvl1pPr>
+            <a:lvl2pPr>
+              <a:defRPr sz="1800"/>
+            </a:lvl2pPr>
+            <a:lvl3pPr>
+              <a:defRPr sz="1600"/>
+            </a:lvl3pPr>
+            <a:lvl4pPr>
+              <a:defRPr sz="1400"/>
+            </a:lvl4pPr>
+            <a:lvl5pPr>
+              <a:defRPr sz="1400"/>
+            </a:lvl5pPr>
+            <a:lvl6pPr>
+              <a:defRPr sz="1400"/>
+            </a:lvl6pPr>
+            <a:lvl7pPr>
+              <a:defRPr sz="1400"/>
+            </a:lvl7pPr>
+            <a:lvl8pPr>
+              <a:defRPr sz="1400"/>
+            </a:lvl8pPr>
+            <a:lvl9pPr>
+              <a:defRPr sz="1400"/>
+            </a:lvl9pPr>
+          </a:lstStyle>
           <a:p>
             <a:pPr lvl="0"/>
             <a:r>
@@ -2303,48 +2317,56 @@
         </p:nvSpPr>
         <p:spPr>
           <a:xfrm>
-            <a:off x="1444671" y="3205491"/>
-            <a:ext cx="3275013" cy="2248181"/>
+            <a:off x="841248" y="2099734"/>
+            <a:ext cx="3200400" cy="3810001"/>
           </a:xfrm>
         </p:spPr>
         <p:txBody>
-          <a:bodyPr/>
+          <a:bodyPr>
+            <a:normAutofit/>
+          </a:bodyPr>
           <a:lstStyle>
-            <a:lvl1pPr marL="0" indent="0" algn="l">
+            <a:lvl1pPr marL="0" indent="0">
+              <a:lnSpc>
+                <a:spcPct val="114000"/>
+              </a:lnSpc>
+              <a:spcBef>
+                <a:spcPts val="800"/>
+              </a:spcBef>
               <a:buNone/>
-              <a:defRPr sz="1600"/>
+              <a:defRPr sz="1300"/>
             </a:lvl1pPr>
             <a:lvl2pPr marL="457200" indent="0">
               <a:buNone/>
-              <a:defRPr sz="1400"/>
+              <a:defRPr sz="1200"/>
             </a:lvl2pPr>
             <a:lvl3pPr marL="914400" indent="0">
               <a:buNone/>
-              <a:defRPr sz="1200"/>
+              <a:defRPr sz="1000"/>
             </a:lvl3pPr>
             <a:lvl4pPr marL="1371600" indent="0">
               <a:buNone/>
-              <a:defRPr sz="1000"/>
+              <a:defRPr sz="900"/>
             </a:lvl4pPr>
             <a:lvl5pPr marL="1828800" indent="0">
               <a:buNone/>
-              <a:defRPr sz="1000"/>
+              <a:defRPr sz="900"/>
             </a:lvl5pPr>
             <a:lvl6pPr marL="2286000" indent="0">
               <a:buNone/>
-              <a:defRPr sz="1000"/>
+              <a:defRPr sz="900"/>
             </a:lvl6pPr>
             <a:lvl7pPr marL="2743200" indent="0">
               <a:buNone/>
-              <a:defRPr sz="1000"/>
+              <a:defRPr sz="900"/>
             </a:lvl7pPr>
             <a:lvl8pPr marL="3200400" indent="0">
               <a:buNone/>
-              <a:defRPr sz="1000"/>
+              <a:defRPr sz="900"/>
             </a:lvl8pPr>
             <a:lvl9pPr marL="3657600" indent="0">
               <a:buNone/>
-              <a:defRPr sz="1000"/>
+              <a:defRPr sz="900"/>
             </a:lvl9pPr>
           </a:lstStyle>
           <a:p>
@@ -2421,41 +2443,10 @@
           </a:p>
         </p:txBody>
       </p:sp>
-      <p:cxnSp>
-        <p:nvCxnSpPr>
-          <p:cNvPr id="17" name="Straight Connector 16"/>
-          <p:cNvCxnSpPr/>
-          <p:nvPr/>
-        </p:nvCxnSpPr>
-        <p:spPr>
-          <a:xfrm>
-            <a:off x="1448280" y="3205491"/>
-            <a:ext cx="3269490" cy="0"/>
-          </a:xfrm>
-          <a:prstGeom prst="line">
-            <a:avLst/>
-          </a:prstGeom>
-          <a:ln w="31750"/>
-        </p:spPr>
-        <p:style>
-          <a:lnRef idx="3">
-            <a:schemeClr val="accent1"/>
-          </a:lnRef>
-          <a:fillRef idx="0">
-            <a:schemeClr val="accent1"/>
-          </a:fillRef>
-          <a:effectRef idx="2">
-            <a:schemeClr val="accent1"/>
-          </a:effectRef>
-          <a:fontRef idx="minor">
-            <a:schemeClr val="tx1"/>
-          </a:fontRef>
-        </p:style>
-      </p:cxnSp>
     </p:spTree>
     <p:extLst>
       <p:ext uri="{BB962C8B-B14F-4D97-AF65-F5344CB8AC3E}">
-        <p14:creationId xmlns:p14="http://schemas.microsoft.com/office/powerpoint/2010/main" val="929287047"/>
+        <p14:creationId xmlns:p14="http://schemas.microsoft.com/office/powerpoint/2010/main" val="921958744"/>
       </p:ext>
     </p:extLst>
   </p:cSld>
@@ -2482,140 +2473,44 @@
           <a:chExt cx="0" cy="0"/>
         </a:xfrm>
       </p:grpSpPr>
-      <p:grpSp>
-        <p:nvGrpSpPr>
-          <p:cNvPr id="8" name="Group 7"/>
-          <p:cNvGrpSpPr/>
+      <p:sp>
+        <p:nvSpPr>
+          <p:cNvPr id="8" name="Rectangle 7"/>
+          <p:cNvSpPr/>
           <p:nvPr/>
-        </p:nvGrpSpPr>
-        <p:grpSpPr>
+        </p:nvSpPr>
+        <p:spPr>
           <a:xfrm>
-            <a:off x="7477387" y="482170"/>
-            <a:ext cx="4074533" cy="5149101"/>
-            <a:chOff x="7477387" y="482170"/>
-            <a:chExt cx="4074533" cy="5149101"/>
+            <a:off x="0" y="5105400"/>
+            <a:ext cx="11292840" cy="1752600"/>
           </a:xfrm>
-        </p:grpSpPr>
-        <p:sp>
-          <p:nvSpPr>
-            <p:cNvPr id="18" name="Rectangle 17"/>
-            <p:cNvSpPr/>
-            <p:nvPr/>
-          </p:nvSpPr>
-          <p:spPr bwMode="black">
-            <a:xfrm>
-              <a:off x="7477387" y="482170"/>
-              <a:ext cx="4074533" cy="5149101"/>
-            </a:xfrm>
-            <a:prstGeom prst="rect">
-              <a:avLst/>
-            </a:prstGeom>
-            <a:gradFill>
-              <a:gsLst>
-                <a:gs pos="0">
-                  <a:srgbClr val="000001"/>
-                </a:gs>
-                <a:gs pos="100000">
-                  <a:srgbClr val="191919"/>
-                </a:gs>
-              </a:gsLst>
-            </a:gradFill>
-            <a:ln w="76200" cmpd="sng">
-              <a:noFill/>
-              <a:miter lim="800000"/>
-            </a:ln>
-            <a:effectLst>
-              <a:outerShdw blurRad="127000" dist="228600" dir="4740000" sx="98000" sy="98000" algn="tl" rotWithShape="0">
-                <a:srgbClr val="000000">
-                  <a:alpha val="34000"/>
-                </a:srgbClr>
-              </a:outerShdw>
-            </a:effectLst>
-            <a:scene3d>
-              <a:camera prst="orthographicFront"/>
-              <a:lightRig rig="threePt" dir="t"/>
-            </a:scene3d>
-            <a:sp3d>
-              <a:bevelT w="152400" h="50800" prst="softRound"/>
-            </a:sp3d>
-          </p:spPr>
-          <p:style>
-            <a:lnRef idx="1">
-              <a:schemeClr val="accent1"/>
-            </a:lnRef>
-            <a:fillRef idx="3">
-              <a:schemeClr val="accent1"/>
-            </a:fillRef>
-            <a:effectRef idx="2">
-              <a:schemeClr val="accent1"/>
-            </a:effectRef>
-            <a:fontRef idx="minor">
-              <a:schemeClr val="lt1"/>
-            </a:fontRef>
-          </p:style>
-        </p:sp>
-        <p:sp>
-          <p:nvSpPr>
-            <p:cNvPr id="19" name="Rectangle 18"/>
-            <p:cNvSpPr/>
-            <p:nvPr/>
-          </p:nvSpPr>
-          <p:spPr bwMode="blackWhite">
-            <a:xfrm>
-              <a:off x="7790446" y="812506"/>
-              <a:ext cx="3450289" cy="4466452"/>
-            </a:xfrm>
-            <a:prstGeom prst="rect">
-              <a:avLst/>
-            </a:prstGeom>
-            <a:gradFill>
-              <a:gsLst>
-                <a:gs pos="0">
-                  <a:srgbClr val="DADADA"/>
-                </a:gs>
-                <a:gs pos="100000">
-                  <a:srgbClr val="FFFFFE"/>
-                </a:gs>
-              </a:gsLst>
-              <a:lin ang="16200000" scaled="0"/>
-            </a:gradFill>
-            <a:ln w="50800" cmpd="sng">
-              <a:solidFill>
-                <a:srgbClr val="191919"/>
-              </a:solidFill>
-              <a:miter lim="800000"/>
-            </a:ln>
-            <a:effectLst>
-              <a:innerShdw blurRad="63500" dist="88900" dir="14100000">
-                <a:srgbClr val="000000">
-                  <a:alpha val="30000"/>
-                </a:srgbClr>
-              </a:innerShdw>
-            </a:effectLst>
-            <a:scene3d>
-              <a:camera prst="orthographicFront"/>
-              <a:lightRig rig="threePt" dir="t"/>
-            </a:scene3d>
-            <a:sp3d>
-              <a:bevelT prst="relaxedInset"/>
-            </a:sp3d>
-          </p:spPr>
-          <p:style>
-            <a:lnRef idx="1">
-              <a:schemeClr val="accent1"/>
-            </a:lnRef>
-            <a:fillRef idx="3">
-              <a:schemeClr val="accent1"/>
-            </a:fillRef>
-            <a:effectRef idx="2">
-              <a:schemeClr val="accent1"/>
-            </a:effectRef>
-            <a:fontRef idx="minor">
-              <a:schemeClr val="lt1"/>
-            </a:fontRef>
-          </p:style>
-        </p:sp>
-      </p:grpSp>
+          <a:prstGeom prst="rect">
+            <a:avLst/>
+          </a:prstGeom>
+          <a:solidFill>
+            <a:srgbClr val="000000"/>
+          </a:solidFill>
+          <a:ln>
+            <a:noFill/>
+          </a:ln>
+        </p:spPr>
+        <p:style>
+          <a:lnRef idx="2">
+            <a:schemeClr val="accent1">
+              <a:shade val="50000"/>
+            </a:schemeClr>
+          </a:lnRef>
+          <a:fillRef idx="1">
+            <a:schemeClr val="accent1"/>
+          </a:fillRef>
+          <a:effectRef idx="0">
+            <a:schemeClr val="accent1"/>
+          </a:effectRef>
+          <a:fontRef idx="minor">
+            <a:schemeClr val="lt1"/>
+          </a:fontRef>
+        </p:style>
+      </p:sp>
       <p:sp>
         <p:nvSpPr>
           <p:cNvPr id="2" name="Title 1"/>
@@ -2628,8 +2523,8 @@
         </p:nvSpPr>
         <p:spPr>
           <a:xfrm>
-            <a:off x="1451206" y="1129513"/>
-            <a:ext cx="5532328" cy="1830584"/>
+            <a:off x="914400" y="5257800"/>
+            <a:ext cx="9982200" cy="914400"/>
           </a:xfrm>
         </p:spPr>
         <p:txBody>
@@ -2638,7 +2533,11 @@
           </a:bodyPr>
           <a:lstStyle>
             <a:lvl1pPr>
-              <a:defRPr sz="3200"/>
+              <a:defRPr sz="2800" b="0">
+                <a:solidFill>
+                  <a:schemeClr val="bg1"/>
+                </a:solidFill>
+              </a:defRPr>
             </a:lvl1pPr>
           </a:lstStyle>
           <a:p>
@@ -2662,26 +2561,23 @@
         </p:nvSpPr>
         <p:spPr>
           <a:xfrm>
-            <a:off x="8124389" y="1122542"/>
-            <a:ext cx="2791171" cy="3866327"/>
+            <a:off x="0" y="0"/>
+            <a:ext cx="11292840" cy="5128923"/>
           </a:xfrm>
           <a:solidFill>
-            <a:schemeClr val="bg1">
-              <a:lumMod val="85000"/>
-            </a:schemeClr>
+            <a:schemeClr val="accent1"/>
           </a:solidFill>
-          <a:ln w="9525" cap="sq">
-            <a:noFill/>
-            <a:miter lim="800000"/>
-          </a:ln>
-          <a:effectLst/>
         </p:spPr>
         <p:txBody>
           <a:bodyPr anchor="t"/>
           <a:lstStyle>
-            <a:lvl1pPr marL="0" indent="0" algn="ctr">
+            <a:lvl1pPr marL="0" indent="0">
               <a:buNone/>
-              <a:defRPr sz="3200"/>
+              <a:defRPr sz="3200">
+                <a:solidFill>
+                  <a:schemeClr val="bg1"/>
+                </a:solidFill>
+              </a:defRPr>
             </a:lvl1pPr>
             <a:lvl2pPr marL="457200" indent="0">
               <a:buNone/>
@@ -2737,8 +2633,8 @@
         </p:nvSpPr>
         <p:spPr>
           <a:xfrm>
-            <a:off x="1450329" y="3145992"/>
-            <a:ext cx="5524404" cy="2003742"/>
+            <a:off x="914400" y="6108589"/>
+            <a:ext cx="9982200" cy="597011"/>
           </a:xfrm>
         </p:spPr>
         <p:txBody>
@@ -2746,41 +2642,53 @@
             <a:normAutofit/>
           </a:bodyPr>
           <a:lstStyle>
-            <a:lvl1pPr marL="0" indent="0" algn="l">
+            <a:lvl1pPr marL="0" indent="0">
+              <a:lnSpc>
+                <a:spcPct val="100000"/>
+              </a:lnSpc>
+              <a:spcBef>
+                <a:spcPts val="800"/>
+              </a:spcBef>
               <a:buNone/>
-              <a:defRPr sz="1800"/>
+              <a:defRPr sz="1300">
+                <a:solidFill>
+                  <a:schemeClr val="bg1">
+                    <a:lumMod val="85000"/>
+                  </a:schemeClr>
+                </a:solidFill>
+              </a:defRPr>
             </a:lvl1pPr>
             <a:lvl2pPr marL="457200" indent="0">
               <a:buNone/>
-              <a:defRPr sz="1400"/>
+              <a:defRPr sz="1200"/>
             </a:lvl2pPr>
             <a:lvl3pPr marL="914400" indent="0">
               <a:buNone/>
-              <a:defRPr sz="1200"/>
+              <a:defRPr sz="1000"/>
             </a:lvl3pPr>
             <a:lvl4pPr marL="1371600" indent="0">
               <a:buNone/>
-              <a:defRPr sz="1000"/>
+              <a:defRPr sz="900"/>
             </a:lvl4pPr>
             <a:lvl5pPr marL="1828800" indent="0">
               <a:buNone/>
-              <a:defRPr sz="1000"/>
+              <a:defRPr sz="900"/>
             </a:lvl5pPr>
             <a:lvl6pPr marL="2286000" indent="0">
               <a:buNone/>
-              <a:defRPr sz="1000"/>
+              <a:defRPr sz="900"/>
             </a:lvl6pPr>
             <a:lvl7pPr marL="2743200" indent="0">
               <a:buNone/>
-              <a:defRPr sz="1000"/>
+              <a:defRPr sz="900"/>
             </a:lvl7pPr>
             <a:lvl8pPr marL="3200400" indent="0">
               <a:buNone/>
-              <a:defRPr sz="1000"/>
+              <a:defRPr sz="900"/>
             </a:lvl8pPr>
             <a:lvl9pPr marL="3657600" indent="0">
               <a:buNone/>
-              <a:defRPr sz="1000"/>
+              <a:defRPr sz="900"/>
             </a:lvl9pPr>
           </a:lstStyle>
           <a:p>
@@ -2802,19 +2710,10 @@
             <p:ph type="dt" sz="half" idx="10"/>
           </p:nvPr>
         </p:nvSpPr>
-        <p:spPr>
-          <a:xfrm>
-            <a:off x="1447382" y="5469856"/>
-            <a:ext cx="5527351" cy="320123"/>
-          </a:xfrm>
-        </p:spPr>
+        <p:spPr/>
         <p:txBody>
           <a:bodyPr/>
-          <a:lstStyle>
-            <a:lvl1pPr algn="l">
-              <a:defRPr/>
-            </a:lvl1pPr>
-          </a:lstStyle>
+          <a:lstStyle/>
           <a:p>
             <a:fld id="{65E3D7AB-6C06-41C6-99AC-C74008AD09CE}" type="datetimeFigureOut">
               <a:rPr lang="pt-PT" smtClean="0"/>
@@ -2834,12 +2733,7 @@
             <p:ph type="ftr" sz="quarter" idx="11"/>
           </p:nvPr>
         </p:nvSpPr>
-        <p:spPr>
-          <a:xfrm>
-            <a:off x="1447382" y="318640"/>
-            <a:ext cx="5541004" cy="320931"/>
-          </a:xfrm>
-        </p:spPr>
+        <p:spPr/>
         <p:txBody>
           <a:bodyPr/>
           <a:lstStyle/>
@@ -2871,41 +2765,10 @@
           </a:p>
         </p:txBody>
       </p:sp>
-      <p:cxnSp>
-        <p:nvCxnSpPr>
-          <p:cNvPr id="31" name="Straight Connector 30"/>
-          <p:cNvCxnSpPr/>
-          <p:nvPr/>
-        </p:nvCxnSpPr>
-        <p:spPr>
-          <a:xfrm>
-            <a:off x="1447382" y="3143605"/>
-            <a:ext cx="5527351" cy="0"/>
-          </a:xfrm>
-          <a:prstGeom prst="line">
-            <a:avLst/>
-          </a:prstGeom>
-          <a:ln w="31750"/>
-        </p:spPr>
-        <p:style>
-          <a:lnRef idx="3">
-            <a:schemeClr val="accent1"/>
-          </a:lnRef>
-          <a:fillRef idx="0">
-            <a:schemeClr val="accent1"/>
-          </a:fillRef>
-          <a:effectRef idx="2">
-            <a:schemeClr val="accent1"/>
-          </a:effectRef>
-          <a:fontRef idx="minor">
-            <a:schemeClr val="tx1"/>
-          </a:fontRef>
-        </p:style>
-      </p:cxnSp>
     </p:spTree>
     <p:extLst>
       <p:ext uri="{BB962C8B-B14F-4D97-AF65-F5344CB8AC3E}">
-        <p14:creationId xmlns:p14="http://schemas.microsoft.com/office/powerpoint/2010/main" val="434604379"/>
+        <p14:creationId xmlns:p14="http://schemas.microsoft.com/office/powerpoint/2010/main" val="2646118502"/>
       </p:ext>
     </p:extLst>
   </p:cSld>
@@ -2919,8 +2782,8 @@
 <p:sldMaster xmlns:a="http://schemas.openxmlformats.org/drawingml/2006/main" xmlns:r="http://schemas.openxmlformats.org/officeDocument/2006/relationships" xmlns:p="http://schemas.openxmlformats.org/presentationml/2006/main">
   <p:cSld>
     <p:bg>
-      <p:bgRef idx="1003">
-        <a:schemeClr val="bg2"/>
+      <p:bgRef idx="1001">
+        <a:schemeClr val="bg1"/>
       </p:bgRef>
     </p:bg>
     <p:spTree>
@@ -2939,32 +2802,23 @@
       </p:grpSpPr>
       <p:sp>
         <p:nvSpPr>
-          <p:cNvPr id="8" name="Rectangle 7"/>
+          <p:cNvPr id="7" name="Rectangle 6"/>
           <p:cNvSpPr/>
           <p:nvPr/>
         </p:nvSpPr>
         <p:spPr>
           <a:xfrm>
-            <a:off x="0" y="2019476"/>
-            <a:ext cx="12192000" cy="4105941"/>
+            <a:off x="11292840" y="0"/>
+            <a:ext cx="914400" cy="6858000"/>
           </a:xfrm>
           <a:prstGeom prst="rect">
             <a:avLst/>
           </a:prstGeom>
-          <a:gradFill flip="none" rotWithShape="1">
-            <a:gsLst>
-              <a:gs pos="0">
-                <a:schemeClr val="bg2">
-                  <a:alpha val="0"/>
-                </a:schemeClr>
-              </a:gs>
-              <a:gs pos="100000">
-                <a:schemeClr val="bg2"/>
-              </a:gs>
-            </a:gsLst>
-            <a:lin ang="5400000" scaled="0"/>
-            <a:tileRect/>
-          </a:gradFill>
+          <a:solidFill>
+            <a:schemeClr val="tx2">
+              <a:lumMod val="75000"/>
+            </a:schemeClr>
+          </a:solidFill>
           <a:ln>
             <a:noFill/>
           </a:ln>
@@ -2986,35 +2840,6 @@
           </a:fontRef>
         </p:style>
       </p:sp>
-      <p:pic>
-        <p:nvPicPr>
-          <p:cNvPr id="7" name="Picture 6"/>
-          <p:cNvPicPr>
-            <a:picLocks noChangeAspect="1"/>
-          </p:cNvPicPr>
-          <p:nvPr/>
-        </p:nvPicPr>
-        <p:blipFill rotWithShape="1">
-          <a:blip r:embed="rId13">
-            <a:extLst>
-              <a:ext uri="{28A0092B-C50C-407E-A947-70E740481C1C}">
-                <a14:useLocalDpi xmlns:a14="http://schemas.microsoft.com/office/drawing/2010/main" val="0"/>
-              </a:ext>
-            </a:extLst>
-          </a:blip>
-          <a:srcRect t="1538" b="-1538"/>
-          <a:stretch/>
-        </p:blipFill>
-        <p:spPr bwMode="black">
-          <a:xfrm>
-            <a:off x="0" y="6126480"/>
-            <a:ext cx="12192000" cy="742950"/>
-          </a:xfrm>
-          <a:prstGeom prst="rect">
-            <a:avLst/>
-          </a:prstGeom>
-        </p:spPr>
-      </p:pic>
       <p:sp>
         <p:nvSpPr>
           <p:cNvPr id="2" name="Title Placeholder 1"/>
@@ -3027,15 +2852,15 @@
         </p:nvSpPr>
         <p:spPr>
           <a:xfrm>
-            <a:off x="1451579" y="804519"/>
-            <a:ext cx="9603275" cy="1049235"/>
+            <a:off x="1261872" y="365760"/>
+            <a:ext cx="9692640" cy="1325562"/>
           </a:xfrm>
           <a:prstGeom prst="rect">
             <a:avLst/>
           </a:prstGeom>
         </p:spPr>
         <p:txBody>
-          <a:bodyPr vert="horz" lIns="91440" tIns="45720" rIns="91440" bIns="45720" rtlCol="0" anchor="t">
+          <a:bodyPr vert="horz" lIns="91440" tIns="45720" rIns="91440" bIns="45720" rtlCol="0" anchor="b">
             <a:normAutofit/>
           </a:bodyPr>
           <a:lstStyle/>
@@ -3060,8 +2885,8 @@
         </p:nvSpPr>
         <p:spPr>
           <a:xfrm>
-            <a:off x="1451579" y="2015732"/>
-            <a:ext cx="9603275" cy="3450613"/>
+            <a:off x="1261872" y="1828800"/>
+            <a:ext cx="8595360" cy="4351337"/>
           </a:xfrm>
           <a:prstGeom prst="rect">
             <a:avLst/>
@@ -3121,9 +2946,9 @@
           </p:nvPr>
         </p:nvSpPr>
         <p:spPr>
-          <a:xfrm>
-            <a:off x="7554138" y="330370"/>
-            <a:ext cx="3500715" cy="309201"/>
+          <a:xfrm rot="16200000">
+            <a:off x="10797542" y="998537"/>
+            <a:ext cx="1904999" cy="365125"/>
           </a:xfrm>
           <a:prstGeom prst="rect">
             <a:avLst/>
@@ -3133,10 +2958,11 @@
           <a:bodyPr vert="horz" lIns="91440" tIns="45720" rIns="91440" bIns="45720" rtlCol="0" anchor="ctr"/>
           <a:lstStyle>
             <a:lvl1pPr algn="r">
-              <a:defRPr sz="1000">
+              <a:defRPr sz="1050" b="0">
                 <a:solidFill>
-                  <a:schemeClr val="tx1">
-                    <a:tint val="75000"/>
+                  <a:schemeClr val="tx2">
+                    <a:lumMod val="20000"/>
+                    <a:lumOff val="80000"/>
                   </a:schemeClr>
                 </a:solidFill>
               </a:defRPr>
@@ -3162,9 +2988,9 @@
           </p:nvPr>
         </p:nvSpPr>
         <p:spPr>
-          <a:xfrm>
-            <a:off x="1451579" y="329307"/>
-            <a:ext cx="5938836" cy="309201"/>
+          <a:xfrm rot="16200000">
+            <a:off x="9959341" y="4046537"/>
+            <a:ext cx="3581400" cy="365125"/>
           </a:xfrm>
           <a:prstGeom prst="rect">
             <a:avLst/>
@@ -3174,10 +3000,11 @@
           <a:bodyPr vert="horz" lIns="91440" tIns="45720" rIns="91440" bIns="45720" rtlCol="0" anchor="ctr"/>
           <a:lstStyle>
             <a:lvl1pPr algn="l">
-              <a:defRPr sz="1000">
+              <a:defRPr sz="1050">
                 <a:solidFill>
-                  <a:schemeClr val="tx1">
-                    <a:tint val="75000"/>
+                  <a:schemeClr val="tx2">
+                    <a:lumMod val="20000"/>
+                    <a:lumOff val="80000"/>
                   </a:schemeClr>
                 </a:solidFill>
               </a:defRPr>
@@ -3200,20 +3027,25 @@
         </p:nvSpPr>
         <p:spPr>
           <a:xfrm>
-            <a:off x="480060" y="798973"/>
-            <a:ext cx="811019" cy="503578"/>
+            <a:off x="11292840" y="6172200"/>
+            <a:ext cx="914400" cy="593725"/>
           </a:xfrm>
           <a:prstGeom prst="rect">
             <a:avLst/>
           </a:prstGeom>
         </p:spPr>
         <p:txBody>
-          <a:bodyPr vert="horz" lIns="91440" tIns="45720" rIns="91440" bIns="45720" rtlCol="0" anchor="t"/>
+          <a:bodyPr vert="horz" lIns="45720" tIns="45720" rIns="45720" bIns="45720" rtlCol="0" anchor="ctr">
+            <a:normAutofit/>
+          </a:bodyPr>
           <a:lstStyle>
-            <a:lvl1pPr algn="r">
-              <a:defRPr sz="2800">
+            <a:lvl1pPr algn="ctr">
+              <a:defRPr sz="3600">
                 <a:solidFill>
-                  <a:schemeClr val="accent1"/>
+                  <a:schemeClr val="tx2">
+                    <a:lumMod val="60000"/>
+                    <a:lumOff val="40000"/>
+                  </a:schemeClr>
                 </a:solidFill>
               </a:defRPr>
             </a:lvl1pPr>
@@ -3227,63 +3059,26 @@
           </a:p>
         </p:txBody>
       </p:sp>
-      <p:cxnSp>
-        <p:nvCxnSpPr>
-          <p:cNvPr id="10" name="Straight Connector 9"/>
-          <p:cNvCxnSpPr/>
-          <p:nvPr/>
-        </p:nvCxnSpPr>
-        <p:spPr>
-          <a:xfrm>
-            <a:off x="0" y="6128413"/>
-            <a:ext cx="12192000" cy="0"/>
-          </a:xfrm>
-          <a:prstGeom prst="line">
-            <a:avLst/>
-          </a:prstGeom>
-          <a:ln w="12700">
-            <a:solidFill>
-              <a:srgbClr val="000001">
-                <a:alpha val="20000"/>
-              </a:srgbClr>
-            </a:solidFill>
-          </a:ln>
-        </p:spPr>
-        <p:style>
-          <a:lnRef idx="1">
-            <a:schemeClr val="accent1"/>
-          </a:lnRef>
-          <a:fillRef idx="0">
-            <a:schemeClr val="accent1"/>
-          </a:fillRef>
-          <a:effectRef idx="0">
-            <a:schemeClr val="accent1"/>
-          </a:effectRef>
-          <a:fontRef idx="minor">
-            <a:schemeClr val="tx1"/>
-          </a:fontRef>
-        </p:style>
-      </p:cxnSp>
     </p:spTree>
     <p:extLst>
       <p:ext uri="{BB962C8B-B14F-4D97-AF65-F5344CB8AC3E}">
-        <p14:creationId xmlns:p14="http://schemas.microsoft.com/office/powerpoint/2010/main" val="3583660016"/>
+        <p14:creationId xmlns:p14="http://schemas.microsoft.com/office/powerpoint/2010/main" val="3229778654"/>
       </p:ext>
     </p:extLst>
   </p:cSld>
   <p:clrMap bg1="lt1" tx1="dk1" bg2="lt2" tx2="dk2" accent1="accent1" accent2="accent2" accent3="accent3" accent4="accent4" accent5="accent5" accent6="accent6" hlink="hlink" folHlink="folHlink"/>
   <p:sldLayoutIdLst>
-    <p:sldLayoutId id="2147483661" r:id="rId1"/>
-    <p:sldLayoutId id="2147483662" r:id="rId2"/>
-    <p:sldLayoutId id="2147483663" r:id="rId3"/>
-    <p:sldLayoutId id="2147483664" r:id="rId4"/>
-    <p:sldLayoutId id="2147483665" r:id="rId5"/>
-    <p:sldLayoutId id="2147483666" r:id="rId6"/>
-    <p:sldLayoutId id="2147483667" r:id="rId7"/>
-    <p:sldLayoutId id="2147483668" r:id="rId8"/>
-    <p:sldLayoutId id="2147483669" r:id="rId9"/>
-    <p:sldLayoutId id="2147483670" r:id="rId10"/>
-    <p:sldLayoutId id="2147483671" r:id="rId11"/>
+    <p:sldLayoutId id="2147483709" r:id="rId1"/>
+    <p:sldLayoutId id="2147483710" r:id="rId2"/>
+    <p:sldLayoutId id="2147483711" r:id="rId3"/>
+    <p:sldLayoutId id="2147483712" r:id="rId4"/>
+    <p:sldLayoutId id="2147483713" r:id="rId5"/>
+    <p:sldLayoutId id="2147483714" r:id="rId6"/>
+    <p:sldLayoutId id="2147483715" r:id="rId7"/>
+    <p:sldLayoutId id="2147483716" r:id="rId8"/>
+    <p:sldLayoutId id="2147483717" r:id="rId9"/>
+    <p:sldLayoutId id="2147483718" r:id="rId10"/>
+    <p:sldLayoutId id="2147483719" r:id="rId11"/>
   </p:sldLayoutIdLst>
   <p:txStyles>
     <p:titleStyle>
@@ -3295,11 +3090,10 @@
           <a:spcPct val="0"/>
         </a:spcBef>
         <a:buNone/>
-        <a:defRPr sz="3200" b="0" i="0" kern="1200" cap="all">
+        <a:defRPr sz="4400" kern="1200" spc="-50" baseline="0">
           <a:solidFill>
             <a:schemeClr val="tx1"/>
           </a:solidFill>
-          <a:effectLst/>
           <a:latin typeface="+mj-lt"/>
           <a:ea typeface="+mj-ea"/>
           <a:cs typeface="+mj-cs"/>
@@ -3307,208 +3101,242 @@
       </a:lvl1pPr>
     </p:titleStyle>
     <p:bodyStyle>
-      <a:lvl1pPr marL="228600" indent="-228600" algn="l" defTabSz="914400" rtl="0" eaLnBrk="1" latinLnBrk="0" hangingPunct="1">
+      <a:lvl1pPr marL="182880" indent="-182880" algn="l" defTabSz="914400" rtl="0" eaLnBrk="1" latinLnBrk="0" hangingPunct="1">
         <a:lnSpc>
-          <a:spcPct val="120000"/>
+          <a:spcPct val="95000"/>
         </a:lnSpc>
         <a:spcBef>
-          <a:spcPts val="1000"/>
+          <a:spcPts val="1400"/>
         </a:spcBef>
+        <a:spcAft>
+          <a:spcPts val="200"/>
+        </a:spcAft>
         <a:buClr>
           <a:schemeClr val="accent1"/>
         </a:buClr>
-        <a:buSzPct val="100000"/>
-        <a:buFont typeface="Arial" panose="020B0604020202020204" pitchFamily="34" charset="0"/>
+        <a:buSzPct val="80000"/>
+        <a:buFont typeface="Arial" pitchFamily="34" charset="0"/>
         <a:buChar char="•"/>
-        <a:defRPr sz="2000" kern="1200">
+        <a:defRPr sz="1800" kern="1200" spc="10" baseline="0">
           <a:solidFill>
             <a:schemeClr val="tx1"/>
           </a:solidFill>
-          <a:effectLst/>
           <a:latin typeface="+mn-lt"/>
           <a:ea typeface="+mn-ea"/>
           <a:cs typeface="+mn-cs"/>
         </a:defRPr>
       </a:lvl1pPr>
-      <a:lvl2pPr marL="685800" indent="-228600" algn="l" defTabSz="914400" rtl="0" eaLnBrk="1" latinLnBrk="0" hangingPunct="1">
+      <a:lvl2pPr marL="457200" indent="-182880" algn="l" defTabSz="914400" rtl="0" eaLnBrk="1" latinLnBrk="0" hangingPunct="1">
         <a:lnSpc>
-          <a:spcPct val="120000"/>
+          <a:spcPct val="90000"/>
         </a:lnSpc>
         <a:spcBef>
-          <a:spcPts val="500"/>
+          <a:spcPts val="300"/>
         </a:spcBef>
+        <a:spcAft>
+          <a:spcPts val="300"/>
+        </a:spcAft>
         <a:buClr>
           <a:schemeClr val="accent1"/>
         </a:buClr>
-        <a:buSzPct val="100000"/>
-        <a:buFont typeface="Arial" panose="020B0604020202020204" pitchFamily="34" charset="0"/>
-        <a:buChar char="•"/>
-        <a:defRPr sz="1800" kern="1200" cap="none" baseline="0">
+        <a:buFont typeface="Wingdings 2" pitchFamily="18" charset="2"/>
+        <a:buChar char=""/>
+        <a:defRPr sz="1600" kern="1200">
           <a:solidFill>
-            <a:schemeClr val="tx1"/>
+            <a:schemeClr val="tx1">
+              <a:lumMod val="85000"/>
+              <a:lumOff val="15000"/>
+            </a:schemeClr>
           </a:solidFill>
-          <a:effectLst/>
           <a:latin typeface="+mn-lt"/>
           <a:ea typeface="+mn-ea"/>
           <a:cs typeface="+mn-cs"/>
         </a:defRPr>
       </a:lvl2pPr>
-      <a:lvl3pPr marL="1143000" indent="-228600" algn="l" defTabSz="914400" rtl="0" eaLnBrk="1" latinLnBrk="0" hangingPunct="1">
+      <a:lvl3pPr marL="731520" indent="-182880" algn="l" defTabSz="914400" rtl="0" eaLnBrk="1" latinLnBrk="0" hangingPunct="1">
         <a:lnSpc>
-          <a:spcPct val="120000"/>
+          <a:spcPct val="90000"/>
         </a:lnSpc>
         <a:spcBef>
-          <a:spcPts val="500"/>
+          <a:spcPts val="300"/>
         </a:spcBef>
+        <a:spcAft>
+          <a:spcPts val="300"/>
+        </a:spcAft>
         <a:buClr>
           <a:schemeClr val="accent1"/>
         </a:buClr>
-        <a:buSzPct val="100000"/>
-        <a:buFont typeface="Arial" panose="020B0604020202020204" pitchFamily="34" charset="0"/>
-        <a:buChar char="•"/>
-        <a:defRPr sz="1600" kern="1200">
+        <a:buFont typeface="Wingdings 2" pitchFamily="18" charset="2"/>
+        <a:buChar char=""/>
+        <a:defRPr sz="1400" kern="1200">
           <a:solidFill>
-            <a:schemeClr val="tx1"/>
+            <a:schemeClr val="tx1">
+              <a:lumMod val="85000"/>
+              <a:lumOff val="15000"/>
+            </a:schemeClr>
           </a:solidFill>
-          <a:effectLst/>
           <a:latin typeface="+mn-lt"/>
           <a:ea typeface="+mn-ea"/>
           <a:cs typeface="+mn-cs"/>
         </a:defRPr>
       </a:lvl3pPr>
-      <a:lvl4pPr marL="1600200" indent="-228600" algn="l" defTabSz="914400" rtl="0" eaLnBrk="1" latinLnBrk="0" hangingPunct="1">
+      <a:lvl4pPr marL="1005840" indent="-182880" algn="l" defTabSz="914400" rtl="0" eaLnBrk="1" latinLnBrk="0" hangingPunct="1">
         <a:lnSpc>
-          <a:spcPct val="120000"/>
+          <a:spcPct val="90000"/>
         </a:lnSpc>
         <a:spcBef>
-          <a:spcPts val="500"/>
+          <a:spcPts val="300"/>
         </a:spcBef>
+        <a:spcAft>
+          <a:spcPts val="300"/>
+        </a:spcAft>
         <a:buClr>
           <a:schemeClr val="accent1"/>
         </a:buClr>
-        <a:buSzPct val="100000"/>
-        <a:buFont typeface="Arial" panose="020B0604020202020204" pitchFamily="34" charset="0"/>
-        <a:buChar char="•"/>
-        <a:defRPr sz="1400" kern="1200" cap="none" baseline="0">
+        <a:buFont typeface="Wingdings 2" pitchFamily="18" charset="2"/>
+        <a:buChar char=""/>
+        <a:defRPr sz="1400" kern="1200">
           <a:solidFill>
-            <a:schemeClr val="tx1"/>
+            <a:schemeClr val="tx1">
+              <a:lumMod val="85000"/>
+              <a:lumOff val="15000"/>
+            </a:schemeClr>
           </a:solidFill>
-          <a:effectLst/>
           <a:latin typeface="+mn-lt"/>
           <a:ea typeface="+mn-ea"/>
           <a:cs typeface="+mn-cs"/>
         </a:defRPr>
       </a:lvl4pPr>
-      <a:lvl5pPr marL="2057400" indent="-228600" algn="l" defTabSz="914400" rtl="0" eaLnBrk="1" latinLnBrk="0" hangingPunct="1">
+      <a:lvl5pPr marL="1280160" indent="-182880" algn="l" defTabSz="914400" rtl="0" eaLnBrk="1" latinLnBrk="0" hangingPunct="1">
         <a:lnSpc>
-          <a:spcPct val="120000"/>
+          <a:spcPct val="90000"/>
         </a:lnSpc>
         <a:spcBef>
-          <a:spcPts val="500"/>
+          <a:spcPts val="300"/>
         </a:spcBef>
+        <a:spcAft>
+          <a:spcPts val="300"/>
+        </a:spcAft>
         <a:buClr>
           <a:schemeClr val="accent1"/>
         </a:buClr>
-        <a:buSzPct val="100000"/>
-        <a:buFont typeface="Arial" panose="020B0604020202020204" pitchFamily="34" charset="0"/>
-        <a:buChar char="•"/>
-        <a:defRPr sz="1200" kern="1200">
+        <a:buFont typeface="Wingdings 2" pitchFamily="18" charset="2"/>
+        <a:buChar char=""/>
+        <a:defRPr sz="1400" kern="1200">
           <a:solidFill>
-            <a:schemeClr val="tx1"/>
+            <a:schemeClr val="tx1">
+              <a:lumMod val="85000"/>
+              <a:lumOff val="15000"/>
+            </a:schemeClr>
           </a:solidFill>
-          <a:effectLst/>
           <a:latin typeface="+mn-lt"/>
           <a:ea typeface="+mn-ea"/>
           <a:cs typeface="+mn-cs"/>
         </a:defRPr>
       </a:lvl5pPr>
-      <a:lvl6pPr marL="2514600" indent="-228600" algn="l" defTabSz="914400" rtl="0" eaLnBrk="1" latinLnBrk="0" hangingPunct="1">
+      <a:lvl6pPr marL="1600000" indent="-228600" algn="l" defTabSz="914400" rtl="0" eaLnBrk="1" latinLnBrk="0" hangingPunct="1">
         <a:lnSpc>
-          <a:spcPct val="120000"/>
+          <a:spcPct val="90000"/>
         </a:lnSpc>
         <a:spcBef>
-          <a:spcPts val="500"/>
+          <a:spcPts val="300"/>
         </a:spcBef>
+        <a:spcAft>
+          <a:spcPts val="300"/>
+        </a:spcAft>
         <a:buClr>
           <a:schemeClr val="accent1"/>
         </a:buClr>
-        <a:buSzPct val="100000"/>
-        <a:buFont typeface="Arial" panose="020B0604020202020204" pitchFamily="34" charset="0"/>
-        <a:buChar char="•"/>
-        <a:defRPr sz="1200" kern="1200">
+        <a:buFont typeface="Wingdings 2" pitchFamily="18" charset="2"/>
+        <a:buChar char=""/>
+        <a:defRPr sz="1400" kern="1200">
           <a:solidFill>
-            <a:schemeClr val="tx1"/>
+            <a:schemeClr val="tx1">
+              <a:lumMod val="85000"/>
+              <a:lumOff val="15000"/>
+            </a:schemeClr>
           </a:solidFill>
-          <a:effectLst/>
           <a:latin typeface="+mn-lt"/>
           <a:ea typeface="+mn-ea"/>
           <a:cs typeface="+mn-cs"/>
         </a:defRPr>
       </a:lvl6pPr>
-      <a:lvl7pPr marL="2971800" indent="-228600" algn="l" defTabSz="914400" rtl="0" eaLnBrk="1" latinLnBrk="0" hangingPunct="1">
+      <a:lvl7pPr marL="1900000" indent="-228600" algn="l" defTabSz="914400" rtl="0" eaLnBrk="1" latinLnBrk="0" hangingPunct="1">
         <a:lnSpc>
-          <a:spcPct val="120000"/>
+          <a:spcPct val="90000"/>
         </a:lnSpc>
         <a:spcBef>
-          <a:spcPts val="500"/>
+          <a:spcPts val="300"/>
         </a:spcBef>
+        <a:spcAft>
+          <a:spcPts val="300"/>
+        </a:spcAft>
         <a:buClr>
           <a:schemeClr val="accent1"/>
         </a:buClr>
-        <a:buSzPct val="100000"/>
-        <a:buFont typeface="Arial" panose="020B0604020202020204" pitchFamily="34" charset="0"/>
-        <a:buChar char="•"/>
-        <a:defRPr sz="1200" kern="1200">
+        <a:buFont typeface="Wingdings 2" pitchFamily="18" charset="2"/>
+        <a:buChar char=""/>
+        <a:defRPr sz="1400" kern="1200">
           <a:solidFill>
-            <a:schemeClr val="tx1"/>
+            <a:schemeClr val="tx1">
+              <a:lumMod val="85000"/>
+              <a:lumOff val="15000"/>
+            </a:schemeClr>
           </a:solidFill>
-          <a:effectLst/>
           <a:latin typeface="+mn-lt"/>
           <a:ea typeface="+mn-ea"/>
           <a:cs typeface="+mn-cs"/>
         </a:defRPr>
       </a:lvl7pPr>
-      <a:lvl8pPr marL="3429000" indent="-228600" algn="l" defTabSz="914400" rtl="0" eaLnBrk="1" latinLnBrk="0" hangingPunct="1">
+      <a:lvl8pPr marL="2200000" indent="-228600" algn="l" defTabSz="914400" rtl="0" eaLnBrk="1" latinLnBrk="0" hangingPunct="1">
         <a:lnSpc>
-          <a:spcPct val="120000"/>
+          <a:spcPct val="90000"/>
         </a:lnSpc>
         <a:spcBef>
-          <a:spcPts val="500"/>
+          <a:spcPts val="300"/>
         </a:spcBef>
+        <a:spcAft>
+          <a:spcPts val="300"/>
+        </a:spcAft>
         <a:buClr>
           <a:schemeClr val="accent1"/>
         </a:buClr>
-        <a:buSzPct val="100000"/>
-        <a:buFont typeface="Arial" panose="020B0604020202020204" pitchFamily="34" charset="0"/>
-        <a:buChar char="•"/>
-        <a:defRPr sz="1200" kern="1200" baseline="0">
+        <a:buFont typeface="Wingdings 2" pitchFamily="18" charset="2"/>
+        <a:buChar char=""/>
+        <a:defRPr sz="1400" kern="1200">
           <a:solidFill>
-            <a:schemeClr val="tx1"/>
+            <a:schemeClr val="tx1">
+              <a:lumMod val="85000"/>
+              <a:lumOff val="15000"/>
+            </a:schemeClr>
           </a:solidFill>
-          <a:effectLst/>
           <a:latin typeface="+mn-lt"/>
           <a:ea typeface="+mn-ea"/>
           <a:cs typeface="+mn-cs"/>
         </a:defRPr>
       </a:lvl8pPr>
-      <a:lvl9pPr marL="3886200" indent="-228600" algn="l" defTabSz="914400" rtl="0" eaLnBrk="1" latinLnBrk="0" hangingPunct="1">
+      <a:lvl9pPr marL="2500000" indent="-228600" algn="l" defTabSz="914400" rtl="0" eaLnBrk="1" latinLnBrk="0" hangingPunct="1">
         <a:lnSpc>
-          <a:spcPct val="120000"/>
+          <a:spcPct val="90000"/>
         </a:lnSpc>
         <a:spcBef>
-          <a:spcPts val="500"/>
+          <a:spcPts val="300"/>
         </a:spcBef>
+        <a:spcAft>
+          <a:spcPts val="300"/>
+        </a:spcAft>
         <a:buClr>
           <a:schemeClr val="accent1"/>
         </a:buClr>
-        <a:buSzPct val="100000"/>
-        <a:buFont typeface="Arial" panose="020B0604020202020204" pitchFamily="34" charset="0"/>
-        <a:buChar char="•"/>
-        <a:defRPr sz="1200" kern="1200" baseline="0">
+        <a:buFont typeface="Wingdings 2" pitchFamily="18" charset="2"/>
+        <a:buChar char=""/>
+        <a:defRPr sz="1400" kern="1200">
           <a:solidFill>
-            <a:schemeClr val="tx1"/>
+            <a:schemeClr val="tx1">
+              <a:lumMod val="85000"/>
+              <a:lumOff val="15000"/>
+            </a:schemeClr>
           </a:solidFill>
-          <a:effectLst/>
           <a:latin typeface="+mn-lt"/>
           <a:ea typeface="+mn-ea"/>
           <a:cs typeface="+mn-cs"/>
@@ -4940,73 +4768,6 @@
           <a:chExt cx="0" cy="0"/>
         </a:xfrm>
       </p:grpSpPr>
-      <p:sp>
-        <p:nvSpPr>
-          <p:cNvPr id="2" name="Título 1">
-            <a:extLst>
-              <a:ext uri="{FF2B5EF4-FFF2-40B4-BE49-F238E27FC236}">
-                <a16:creationId xmlns:a16="http://schemas.microsoft.com/office/drawing/2014/main" id="{C7D52C90-E3ED-4F3F-A8E5-D53ABE83C150}"/>
-              </a:ext>
-            </a:extLst>
-          </p:cNvPr>
-          <p:cNvSpPr>
-            <a:spLocks noGrp="1"/>
-          </p:cNvSpPr>
-          <p:nvPr>
-            <p:ph type="title"/>
-          </p:nvPr>
-        </p:nvSpPr>
-        <p:spPr>
-          <a:xfrm>
-            <a:off x="1451579" y="1039907"/>
-            <a:ext cx="9603275" cy="813848"/>
-          </a:xfrm>
-        </p:spPr>
-        <p:txBody>
-          <a:bodyPr>
-            <a:normAutofit fontScale="90000"/>
-          </a:bodyPr>
-          <a:lstStyle/>
-          <a:p>
-            <a:r>
-              <a:rPr lang="pt-PT" sz="3600" b="1" dirty="0" err="1">
-                <a:latin typeface="Calibri" panose="020F0502020204030204" pitchFamily="34" charset="0"/>
-                <a:ea typeface="Calibri" panose="020F0502020204030204" pitchFamily="34" charset="0"/>
-                <a:cs typeface="Calibri" panose="020F0502020204030204" pitchFamily="34" charset="0"/>
-              </a:rPr>
-              <a:t>Problem</a:t>
-            </a:r>
-            <a:r>
-              <a:rPr lang="pt-PT" sz="3600" b="1" dirty="0">
-                <a:latin typeface="Calibri" panose="020F0502020204030204" pitchFamily="34" charset="0"/>
-                <a:ea typeface="Calibri" panose="020F0502020204030204" pitchFamily="34" charset="0"/>
-                <a:cs typeface="Calibri" panose="020F0502020204030204" pitchFamily="34" charset="0"/>
-              </a:rPr>
-              <a:t> 1</a:t>
-            </a:r>
-            <a:br>
-              <a:rPr lang="pt-PT" dirty="0">
-                <a:latin typeface="Calibri" panose="020F0502020204030204" pitchFamily="34" charset="0"/>
-                <a:ea typeface="Calibri" panose="020F0502020204030204" pitchFamily="34" charset="0"/>
-                <a:cs typeface="Calibri" panose="020F0502020204030204" pitchFamily="34" charset="0"/>
-              </a:rPr>
-            </a:br>
-            <a:r>
-              <a:rPr lang="pt-PT" sz="2200" dirty="0" err="1">
-                <a:latin typeface="Calibri" panose="020F0502020204030204" pitchFamily="34" charset="0"/>
-                <a:ea typeface="Calibri" panose="020F0502020204030204" pitchFamily="34" charset="0"/>
-                <a:cs typeface="Calibri" panose="020F0502020204030204" pitchFamily="34" charset="0"/>
-              </a:rPr>
-              <a:t>Results</a:t>
-            </a:r>
-            <a:endParaRPr lang="pt-PT" dirty="0">
-              <a:latin typeface="Calibri" panose="020F0502020204030204" pitchFamily="34" charset="0"/>
-              <a:ea typeface="Calibri" panose="020F0502020204030204" pitchFamily="34" charset="0"/>
-              <a:cs typeface="Calibri" panose="020F0502020204030204" pitchFamily="34" charset="0"/>
-            </a:endParaRPr>
-          </a:p>
-        </p:txBody>
-      </p:sp>
       <p:graphicFrame>
         <p:nvGraphicFramePr>
           <p:cNvPr id="4" name="Tabela 4">
@@ -5023,14 +4784,14 @@
             <p:ph idx="1"/>
             <p:extLst>
               <p:ext uri="{D42A27DB-BD31-4B8C-83A1-F6EECF244321}">
-                <p14:modId xmlns:p14="http://schemas.microsoft.com/office/powerpoint/2010/main" val="1897475815"/>
+                <p14:modId xmlns:p14="http://schemas.microsoft.com/office/powerpoint/2010/main" val="2032687290"/>
               </p:ext>
             </p:extLst>
           </p:nvPr>
         </p:nvGraphicFramePr>
         <p:xfrm>
-          <a:off x="1450975" y="2016125"/>
-          <a:ext cx="9604372" cy="741680"/>
+          <a:off x="1450977" y="1631577"/>
+          <a:ext cx="8594720" cy="1381760"/>
         </p:xfrm>
         <a:graphic>
           <a:graphicData uri="http://schemas.openxmlformats.org/drawingml/2006/table">
@@ -5039,37 +4800,65 @@
                 <a:tableStyleId>{073A0DAA-6AF3-43AB-8588-CEC1D06C72B9}</a:tableStyleId>
               </a:tblPr>
               <a:tblGrid>
-                <a:gridCol w="2401093">
+                <a:gridCol w="1074340">
                   <a:extLst>
                     <a:ext uri="{9D8B030D-6E8A-4147-A177-3AD203B41FA5}">
                       <a16:colId xmlns:a16="http://schemas.microsoft.com/office/drawing/2014/main" val="1694873685"/>
                     </a:ext>
                   </a:extLst>
                 </a:gridCol>
-                <a:gridCol w="2401093">
+                <a:gridCol w="1074340">
+                  <a:extLst>
+                    <a:ext uri="{9D8B030D-6E8A-4147-A177-3AD203B41FA5}">
+                      <a16:colId xmlns:a16="http://schemas.microsoft.com/office/drawing/2014/main" val="3817143934"/>
+                    </a:ext>
+                  </a:extLst>
+                </a:gridCol>
+                <a:gridCol w="1074340">
                   <a:extLst>
                     <a:ext uri="{9D8B030D-6E8A-4147-A177-3AD203B41FA5}">
                       <a16:colId xmlns:a16="http://schemas.microsoft.com/office/drawing/2014/main" val="1516063400"/>
                     </a:ext>
                   </a:extLst>
                 </a:gridCol>
-                <a:gridCol w="2401093">
+                <a:gridCol w="1074340">
+                  <a:extLst>
+                    <a:ext uri="{9D8B030D-6E8A-4147-A177-3AD203B41FA5}">
+                      <a16:colId xmlns:a16="http://schemas.microsoft.com/office/drawing/2014/main" val="1986810562"/>
+                    </a:ext>
+                  </a:extLst>
+                </a:gridCol>
+                <a:gridCol w="1074340">
                   <a:extLst>
                     <a:ext uri="{9D8B030D-6E8A-4147-A177-3AD203B41FA5}">
                       <a16:colId xmlns:a16="http://schemas.microsoft.com/office/drawing/2014/main" val="1935499054"/>
                     </a:ext>
                   </a:extLst>
                 </a:gridCol>
-                <a:gridCol w="2401093">
+                <a:gridCol w="1074340">
+                  <a:extLst>
+                    <a:ext uri="{9D8B030D-6E8A-4147-A177-3AD203B41FA5}">
+                      <a16:colId xmlns:a16="http://schemas.microsoft.com/office/drawing/2014/main" val="691534411"/>
+                    </a:ext>
+                  </a:extLst>
+                </a:gridCol>
+                <a:gridCol w="1074340">
                   <a:extLst>
                     <a:ext uri="{9D8B030D-6E8A-4147-A177-3AD203B41FA5}">
                       <a16:colId xmlns:a16="http://schemas.microsoft.com/office/drawing/2014/main" val="3036198595"/>
                     </a:ext>
                   </a:extLst>
                 </a:gridCol>
+                <a:gridCol w="1074340">
+                  <a:extLst>
+                    <a:ext uri="{9D8B030D-6E8A-4147-A177-3AD203B41FA5}">
+                      <a16:colId xmlns:a16="http://schemas.microsoft.com/office/drawing/2014/main" val="1547783530"/>
+                    </a:ext>
+                  </a:extLst>
+                </a:gridCol>
               </a:tblGrid>
               <a:tr h="370840">
-                <a:tc>
+                <a:tc gridSpan="2">
                   <a:txBody>
                     <a:bodyPr/>
                     <a:lstStyle/>
@@ -5090,9 +4879,19 @@
                       </a:endParaRPr>
                     </a:p>
                   </a:txBody>
+                  <a:tcPr marL="81828" marR="81828"/>
+                </a:tc>
+                <a:tc hMerge="1">
+                  <a:txBody>
+                    <a:bodyPr/>
+                    <a:lstStyle/>
+                    <a:p>
+                      <a:endParaRPr lang="pt-PT"/>
+                    </a:p>
+                  </a:txBody>
                   <a:tcPr/>
                 </a:tc>
-                <a:tc>
+                <a:tc gridSpan="2">
                   <a:txBody>
                     <a:bodyPr/>
                     <a:lstStyle/>
@@ -5113,9 +4912,19 @@
                       </a:endParaRPr>
                     </a:p>
                   </a:txBody>
+                  <a:tcPr marL="81828" marR="81828"/>
+                </a:tc>
+                <a:tc hMerge="1">
+                  <a:txBody>
+                    <a:bodyPr/>
+                    <a:lstStyle/>
+                    <a:p>
+                      <a:endParaRPr lang="pt-PT"/>
+                    </a:p>
+                  </a:txBody>
                   <a:tcPr/>
                 </a:tc>
-                <a:tc>
+                <a:tc gridSpan="2">
                   <a:txBody>
                     <a:bodyPr/>
                     <a:lstStyle/>
@@ -5136,9 +4945,19 @@
                       </a:endParaRPr>
                     </a:p>
                   </a:txBody>
+                  <a:tcPr marL="81828" marR="81828"/>
+                </a:tc>
+                <a:tc hMerge="1">
+                  <a:txBody>
+                    <a:bodyPr/>
+                    <a:lstStyle/>
+                    <a:p>
+                      <a:endParaRPr lang="pt-PT"/>
+                    </a:p>
+                  </a:txBody>
                   <a:tcPr/>
                 </a:tc>
-                <a:tc>
+                <a:tc gridSpan="2">
                   <a:txBody>
                     <a:bodyPr/>
                     <a:lstStyle/>
@@ -5157,6 +4976,16 @@
                         <a:ea typeface="Calibri" panose="020F0502020204030204" pitchFamily="34" charset="0"/>
                         <a:cs typeface="Calibri" panose="020F0502020204030204" pitchFamily="34" charset="0"/>
                       </a:endParaRPr>
+                    </a:p>
+                  </a:txBody>
+                  <a:tcPr marL="81828" marR="81828"/>
+                </a:tc>
+                <a:tc hMerge="1">
+                  <a:txBody>
+                    <a:bodyPr/>
+                    <a:lstStyle/>
+                    <a:p>
+                      <a:endParaRPr lang="pt-PT"/>
                     </a:p>
                   </a:txBody>
                   <a:tcPr/>
@@ -5175,74 +5004,481 @@
                     <a:p>
                       <a:pPr algn="ctr"/>
                       <a:r>
-                        <a:rPr lang="pt-PT" dirty="0">
+                        <a:rPr lang="pt-PT" b="0" dirty="0" err="1">
                           <a:latin typeface="Calibri" panose="020F0502020204030204" pitchFamily="34" charset="0"/>
                           <a:ea typeface="Calibri" panose="020F0502020204030204" pitchFamily="34" charset="0"/>
                           <a:cs typeface="Calibri" panose="020F0502020204030204" pitchFamily="34" charset="0"/>
                         </a:rPr>
-                        <a:t>0.02733 (s)</a:t>
-                      </a:r>
-                    </a:p>
-                  </a:txBody>
-                  <a:tcPr/>
-                </a:tc>
-                <a:tc>
-                  <a:txBody>
-                    <a:bodyPr/>
-                    <a:lstStyle/>
-                    <a:p>
-                      <a:pPr algn="ctr"/>
-                      <a:r>
-                        <a:rPr lang="pt-PT" dirty="0">
+                        <a:t>Median</a:t>
+                      </a:r>
+                      <a:endParaRPr lang="pt-PT" b="0" dirty="0">
+                        <a:latin typeface="Calibri" panose="020F0502020204030204" pitchFamily="34" charset="0"/>
+                        <a:ea typeface="Calibri" panose="020F0502020204030204" pitchFamily="34" charset="0"/>
+                        <a:cs typeface="Calibri" panose="020F0502020204030204" pitchFamily="34" charset="0"/>
+                      </a:endParaRPr>
+                    </a:p>
+                  </a:txBody>
+                  <a:tcPr marL="81828" marR="81828">
+                    <a:solidFill>
+                      <a:schemeClr val="bg2">
+                        <a:lumMod val="75000"/>
+                      </a:schemeClr>
+                    </a:solidFill>
+                  </a:tcPr>
+                </a:tc>
+                <a:tc>
+                  <a:txBody>
+                    <a:bodyPr/>
+                    <a:lstStyle/>
+                    <a:p>
+                      <a:pPr algn="ctr"/>
+                      <a:r>
+                        <a:rPr lang="pt-PT" b="0" dirty="0">
                           <a:latin typeface="Calibri" panose="020F0502020204030204" pitchFamily="34" charset="0"/>
                           <a:ea typeface="Calibri" panose="020F0502020204030204" pitchFamily="34" charset="0"/>
                           <a:cs typeface="Calibri" panose="020F0502020204030204" pitchFamily="34" charset="0"/>
                         </a:rPr>
-                        <a:t>0.01943 (s)</a:t>
-                      </a:r>
-                    </a:p>
-                  </a:txBody>
-                  <a:tcPr/>
-                </a:tc>
-                <a:tc>
-                  <a:txBody>
-                    <a:bodyPr/>
-                    <a:lstStyle/>
-                    <a:p>
-                      <a:pPr algn="ctr"/>
-                      <a:r>
-                        <a:rPr lang="pt-PT" dirty="0">
+                        <a:t>Standard </a:t>
+                      </a:r>
+                      <a:r>
+                        <a:rPr lang="pt-PT" b="0" dirty="0" err="1">
                           <a:latin typeface="Calibri" panose="020F0502020204030204" pitchFamily="34" charset="0"/>
                           <a:ea typeface="Calibri" panose="020F0502020204030204" pitchFamily="34" charset="0"/>
                           <a:cs typeface="Calibri" panose="020F0502020204030204" pitchFamily="34" charset="0"/>
                         </a:rPr>
-                        <a:t>0.01989 (s)</a:t>
-                      </a:r>
-                    </a:p>
-                  </a:txBody>
-                  <a:tcPr/>
-                </a:tc>
-                <a:tc>
-                  <a:txBody>
-                    <a:bodyPr/>
-                    <a:lstStyle/>
-                    <a:p>
-                      <a:pPr algn="ctr"/>
-                      <a:r>
-                        <a:rPr lang="pt-PT" dirty="0">
+                        <a:t>deviation</a:t>
+                      </a:r>
+                      <a:endParaRPr lang="pt-PT" b="0" dirty="0">
+                        <a:latin typeface="Calibri" panose="020F0502020204030204" pitchFamily="34" charset="0"/>
+                        <a:ea typeface="Calibri" panose="020F0502020204030204" pitchFamily="34" charset="0"/>
+                        <a:cs typeface="Calibri" panose="020F0502020204030204" pitchFamily="34" charset="0"/>
+                      </a:endParaRPr>
+                    </a:p>
+                  </a:txBody>
+                  <a:tcPr marL="81828" marR="81828">
+                    <a:solidFill>
+                      <a:schemeClr val="bg2">
+                        <a:lumMod val="75000"/>
+                      </a:schemeClr>
+                    </a:solidFill>
+                  </a:tcPr>
+                </a:tc>
+                <a:tc>
+                  <a:txBody>
+                    <a:bodyPr/>
+                    <a:lstStyle/>
+                    <a:p>
+                      <a:pPr algn="ctr"/>
+                      <a:r>
+                        <a:rPr lang="pt-PT" b="0" dirty="0" err="1">
                           <a:latin typeface="Calibri" panose="020F0502020204030204" pitchFamily="34" charset="0"/>
                           <a:ea typeface="Calibri" panose="020F0502020204030204" pitchFamily="34" charset="0"/>
                           <a:cs typeface="Calibri" panose="020F0502020204030204" pitchFamily="34" charset="0"/>
                         </a:rPr>
-                        <a:t>0.02321 (s)</a:t>
-                      </a:r>
-                    </a:p>
-                  </a:txBody>
-                  <a:tcPr/>
+                        <a:t>Median</a:t>
+                      </a:r>
+                      <a:endParaRPr lang="pt-PT" b="0" dirty="0">
+                        <a:latin typeface="Calibri" panose="020F0502020204030204" pitchFamily="34" charset="0"/>
+                        <a:ea typeface="Calibri" panose="020F0502020204030204" pitchFamily="34" charset="0"/>
+                        <a:cs typeface="Calibri" panose="020F0502020204030204" pitchFamily="34" charset="0"/>
+                      </a:endParaRPr>
+                    </a:p>
+                  </a:txBody>
+                  <a:tcPr marL="81828" marR="81828">
+                    <a:solidFill>
+                      <a:schemeClr val="bg2">
+                        <a:lumMod val="75000"/>
+                      </a:schemeClr>
+                    </a:solidFill>
+                  </a:tcPr>
+                </a:tc>
+                <a:tc>
+                  <a:txBody>
+                    <a:bodyPr/>
+                    <a:lstStyle/>
+                    <a:p>
+                      <a:pPr algn="ctr"/>
+                      <a:r>
+                        <a:rPr lang="pt-PT" b="0" dirty="0">
+                          <a:latin typeface="Calibri" panose="020F0502020204030204" pitchFamily="34" charset="0"/>
+                          <a:ea typeface="Calibri" panose="020F0502020204030204" pitchFamily="34" charset="0"/>
+                          <a:cs typeface="Calibri" panose="020F0502020204030204" pitchFamily="34" charset="0"/>
+                        </a:rPr>
+                        <a:t>Standard </a:t>
+                      </a:r>
+                      <a:r>
+                        <a:rPr lang="pt-PT" b="0" dirty="0" err="1">
+                          <a:latin typeface="Calibri" panose="020F0502020204030204" pitchFamily="34" charset="0"/>
+                          <a:ea typeface="Calibri" panose="020F0502020204030204" pitchFamily="34" charset="0"/>
+                          <a:cs typeface="Calibri" panose="020F0502020204030204" pitchFamily="34" charset="0"/>
+                        </a:rPr>
+                        <a:t>deviation</a:t>
+                      </a:r>
+                      <a:endParaRPr lang="pt-PT" b="0" dirty="0">
+                        <a:latin typeface="Calibri" panose="020F0502020204030204" pitchFamily="34" charset="0"/>
+                        <a:ea typeface="Calibri" panose="020F0502020204030204" pitchFamily="34" charset="0"/>
+                        <a:cs typeface="Calibri" panose="020F0502020204030204" pitchFamily="34" charset="0"/>
+                      </a:endParaRPr>
+                    </a:p>
+                  </a:txBody>
+                  <a:tcPr marL="81828" marR="81828">
+                    <a:solidFill>
+                      <a:schemeClr val="bg2">
+                        <a:lumMod val="75000"/>
+                      </a:schemeClr>
+                    </a:solidFill>
+                  </a:tcPr>
+                </a:tc>
+                <a:tc>
+                  <a:txBody>
+                    <a:bodyPr/>
+                    <a:lstStyle/>
+                    <a:p>
+                      <a:pPr algn="ctr"/>
+                      <a:r>
+                        <a:rPr lang="pt-PT" b="0" dirty="0" err="1">
+                          <a:latin typeface="Calibri" panose="020F0502020204030204" pitchFamily="34" charset="0"/>
+                          <a:ea typeface="Calibri" panose="020F0502020204030204" pitchFamily="34" charset="0"/>
+                          <a:cs typeface="Calibri" panose="020F0502020204030204" pitchFamily="34" charset="0"/>
+                        </a:rPr>
+                        <a:t>Median</a:t>
+                      </a:r>
+                      <a:endParaRPr lang="pt-PT" b="0" dirty="0">
+                        <a:latin typeface="Calibri" panose="020F0502020204030204" pitchFamily="34" charset="0"/>
+                        <a:ea typeface="Calibri" panose="020F0502020204030204" pitchFamily="34" charset="0"/>
+                        <a:cs typeface="Calibri" panose="020F0502020204030204" pitchFamily="34" charset="0"/>
+                      </a:endParaRPr>
+                    </a:p>
+                  </a:txBody>
+                  <a:tcPr marL="81828" marR="81828">
+                    <a:solidFill>
+                      <a:schemeClr val="bg2">
+                        <a:lumMod val="75000"/>
+                      </a:schemeClr>
+                    </a:solidFill>
+                  </a:tcPr>
+                </a:tc>
+                <a:tc>
+                  <a:txBody>
+                    <a:bodyPr/>
+                    <a:lstStyle/>
+                    <a:p>
+                      <a:pPr algn="ctr"/>
+                      <a:r>
+                        <a:rPr lang="pt-PT" b="0" dirty="0">
+                          <a:latin typeface="Calibri" panose="020F0502020204030204" pitchFamily="34" charset="0"/>
+                          <a:ea typeface="Calibri" panose="020F0502020204030204" pitchFamily="34" charset="0"/>
+                          <a:cs typeface="Calibri" panose="020F0502020204030204" pitchFamily="34" charset="0"/>
+                        </a:rPr>
+                        <a:t>Standard </a:t>
+                      </a:r>
+                      <a:r>
+                        <a:rPr lang="pt-PT" b="0" dirty="0" err="1">
+                          <a:latin typeface="Calibri" panose="020F0502020204030204" pitchFamily="34" charset="0"/>
+                          <a:ea typeface="Calibri" panose="020F0502020204030204" pitchFamily="34" charset="0"/>
+                          <a:cs typeface="Calibri" panose="020F0502020204030204" pitchFamily="34" charset="0"/>
+                        </a:rPr>
+                        <a:t>deviation</a:t>
+                      </a:r>
+                      <a:endParaRPr lang="pt-PT" b="0" dirty="0">
+                        <a:latin typeface="Calibri" panose="020F0502020204030204" pitchFamily="34" charset="0"/>
+                        <a:ea typeface="Calibri" panose="020F0502020204030204" pitchFamily="34" charset="0"/>
+                        <a:cs typeface="Calibri" panose="020F0502020204030204" pitchFamily="34" charset="0"/>
+                      </a:endParaRPr>
+                    </a:p>
+                  </a:txBody>
+                  <a:tcPr marL="81828" marR="81828">
+                    <a:solidFill>
+                      <a:schemeClr val="bg2">
+                        <a:lumMod val="75000"/>
+                      </a:schemeClr>
+                    </a:solidFill>
+                  </a:tcPr>
+                </a:tc>
+                <a:tc>
+                  <a:txBody>
+                    <a:bodyPr/>
+                    <a:lstStyle/>
+                    <a:p>
+                      <a:pPr algn="ctr"/>
+                      <a:r>
+                        <a:rPr lang="pt-PT" b="0" dirty="0" err="1">
+                          <a:latin typeface="Calibri" panose="020F0502020204030204" pitchFamily="34" charset="0"/>
+                          <a:ea typeface="Calibri" panose="020F0502020204030204" pitchFamily="34" charset="0"/>
+                          <a:cs typeface="Calibri" panose="020F0502020204030204" pitchFamily="34" charset="0"/>
+                        </a:rPr>
+                        <a:t>Median</a:t>
+                      </a:r>
+                      <a:endParaRPr lang="pt-PT" b="0" dirty="0">
+                        <a:latin typeface="Calibri" panose="020F0502020204030204" pitchFamily="34" charset="0"/>
+                        <a:ea typeface="Calibri" panose="020F0502020204030204" pitchFamily="34" charset="0"/>
+                        <a:cs typeface="Calibri" panose="020F0502020204030204" pitchFamily="34" charset="0"/>
+                      </a:endParaRPr>
+                    </a:p>
+                  </a:txBody>
+                  <a:tcPr marL="81828" marR="81828">
+                    <a:solidFill>
+                      <a:schemeClr val="bg2">
+                        <a:lumMod val="75000"/>
+                      </a:schemeClr>
+                    </a:solidFill>
+                  </a:tcPr>
+                </a:tc>
+                <a:tc>
+                  <a:txBody>
+                    <a:bodyPr/>
+                    <a:lstStyle/>
+                    <a:p>
+                      <a:pPr algn="ctr"/>
+                      <a:r>
+                        <a:rPr lang="pt-PT" b="0" dirty="0">
+                          <a:latin typeface="Calibri" panose="020F0502020204030204" pitchFamily="34" charset="0"/>
+                          <a:ea typeface="Calibri" panose="020F0502020204030204" pitchFamily="34" charset="0"/>
+                          <a:cs typeface="Calibri" panose="020F0502020204030204" pitchFamily="34" charset="0"/>
+                        </a:rPr>
+                        <a:t>Standard </a:t>
+                      </a:r>
+                      <a:r>
+                        <a:rPr lang="pt-PT" b="0" dirty="0" err="1">
+                          <a:latin typeface="Calibri" panose="020F0502020204030204" pitchFamily="34" charset="0"/>
+                          <a:ea typeface="Calibri" panose="020F0502020204030204" pitchFamily="34" charset="0"/>
+                          <a:cs typeface="Calibri" panose="020F0502020204030204" pitchFamily="34" charset="0"/>
+                        </a:rPr>
+                        <a:t>deviation</a:t>
+                      </a:r>
+                      <a:endParaRPr lang="pt-PT" b="0" dirty="0">
+                        <a:latin typeface="Calibri" panose="020F0502020204030204" pitchFamily="34" charset="0"/>
+                        <a:ea typeface="Calibri" panose="020F0502020204030204" pitchFamily="34" charset="0"/>
+                        <a:cs typeface="Calibri" panose="020F0502020204030204" pitchFamily="34" charset="0"/>
+                      </a:endParaRPr>
+                    </a:p>
+                  </a:txBody>
+                  <a:tcPr marL="81828" marR="81828">
+                    <a:solidFill>
+                      <a:schemeClr val="bg2">
+                        <a:lumMod val="75000"/>
+                      </a:schemeClr>
+                    </a:solidFill>
+                  </a:tcPr>
                 </a:tc>
                 <a:extLst>
                   <a:ext uri="{0D108BD9-81ED-4DB2-BD59-A6C34878D82A}">
-                    <a16:rowId xmlns:a16="http://schemas.microsoft.com/office/drawing/2014/main" val="309770518"/>
+                    <a16:rowId xmlns:a16="http://schemas.microsoft.com/office/drawing/2014/main" val="60976799"/>
+                  </a:ext>
+                </a:extLst>
+              </a:tr>
+              <a:tr h="370840">
+                <a:tc>
+                  <a:txBody>
+                    <a:bodyPr/>
+                    <a:lstStyle/>
+                    <a:p>
+                      <a:pPr algn="ctr"/>
+                      <a:r>
+                        <a:rPr lang="pt-PT" b="0" dirty="0">
+                          <a:latin typeface="Calibri" panose="020F0502020204030204" pitchFamily="34" charset="0"/>
+                          <a:ea typeface="Calibri" panose="020F0502020204030204" pitchFamily="34" charset="0"/>
+                          <a:cs typeface="Calibri" panose="020F0502020204030204" pitchFamily="34" charset="0"/>
+                        </a:rPr>
+                        <a:t>0.009220</a:t>
+                      </a:r>
+                    </a:p>
+                  </a:txBody>
+                  <a:tcPr marL="81828" marR="81828"/>
+                </a:tc>
+                <a:tc>
+                  <a:txBody>
+                    <a:bodyPr/>
+                    <a:lstStyle/>
+                    <a:p>
+                      <a:pPr marL="0" marR="0" lvl="0" indent="0" algn="ctr" defTabSz="914400" rtl="0" eaLnBrk="1" fontAlgn="auto" latinLnBrk="0" hangingPunct="1">
+                        <a:lnSpc>
+                          <a:spcPct val="100000"/>
+                        </a:lnSpc>
+                        <a:spcBef>
+                          <a:spcPts val="0"/>
+                        </a:spcBef>
+                        <a:spcAft>
+                          <a:spcPts val="0"/>
+                        </a:spcAft>
+                        <a:buClrTx/>
+                        <a:buSzTx/>
+                        <a:buFontTx/>
+                        <a:buNone/>
+                        <a:tabLst/>
+                        <a:defRPr/>
+                      </a:pPr>
+                      <a:r>
+                        <a:rPr lang="pt-PT" b="0" dirty="0">
+                          <a:latin typeface="Calibri" panose="020F0502020204030204" pitchFamily="34" charset="0"/>
+                          <a:ea typeface="Calibri" panose="020F0502020204030204" pitchFamily="34" charset="0"/>
+                          <a:cs typeface="Calibri" panose="020F0502020204030204" pitchFamily="34" charset="0"/>
+                        </a:rPr>
+                        <a:t>0.000396</a:t>
+                      </a:r>
+                    </a:p>
+                  </a:txBody>
+                  <a:tcPr marL="81828" marR="81828"/>
+                </a:tc>
+                <a:tc>
+                  <a:txBody>
+                    <a:bodyPr/>
+                    <a:lstStyle/>
+                    <a:p>
+                      <a:pPr algn="ctr"/>
+                      <a:r>
+                        <a:rPr lang="pt-PT" b="0" dirty="0">
+                          <a:latin typeface="Calibri" panose="020F0502020204030204" pitchFamily="34" charset="0"/>
+                          <a:ea typeface="Calibri" panose="020F0502020204030204" pitchFamily="34" charset="0"/>
+                          <a:cs typeface="Calibri" panose="020F0502020204030204" pitchFamily="34" charset="0"/>
+                        </a:rPr>
+                        <a:t>0.007389</a:t>
+                      </a:r>
+                    </a:p>
+                  </a:txBody>
+                  <a:tcPr marL="81828" marR="81828"/>
+                </a:tc>
+                <a:tc>
+                  <a:txBody>
+                    <a:bodyPr/>
+                    <a:lstStyle/>
+                    <a:p>
+                      <a:pPr marL="0" marR="0" lvl="0" indent="0" algn="ctr" defTabSz="914400" rtl="0" eaLnBrk="1" fontAlgn="auto" latinLnBrk="0" hangingPunct="1">
+                        <a:lnSpc>
+                          <a:spcPct val="100000"/>
+                        </a:lnSpc>
+                        <a:spcBef>
+                          <a:spcPts val="0"/>
+                        </a:spcBef>
+                        <a:spcAft>
+                          <a:spcPts val="0"/>
+                        </a:spcAft>
+                        <a:buClrTx/>
+                        <a:buSzTx/>
+                        <a:buFontTx/>
+                        <a:buNone/>
+                        <a:tabLst/>
+                        <a:defRPr/>
+                      </a:pPr>
+                      <a:r>
+                        <a:rPr lang="pt-PT" b="0" dirty="0">
+                          <a:latin typeface="Calibri" panose="020F0502020204030204" pitchFamily="34" charset="0"/>
+                          <a:ea typeface="Calibri" panose="020F0502020204030204" pitchFamily="34" charset="0"/>
+                          <a:cs typeface="Calibri" panose="020F0502020204030204" pitchFamily="34" charset="0"/>
+                        </a:rPr>
+                        <a:t>0.000952</a:t>
+                      </a:r>
+                    </a:p>
+                  </a:txBody>
+                  <a:tcPr marL="81828" marR="81828"/>
+                </a:tc>
+                <a:tc>
+                  <a:txBody>
+                    <a:bodyPr/>
+                    <a:lstStyle/>
+                    <a:p>
+                      <a:pPr algn="ctr"/>
+                      <a:r>
+                        <a:rPr lang="pt-PT" b="0" dirty="0">
+                          <a:latin typeface="Calibri" panose="020F0502020204030204" pitchFamily="34" charset="0"/>
+                          <a:ea typeface="Calibri" panose="020F0502020204030204" pitchFamily="34" charset="0"/>
+                          <a:cs typeface="Calibri" panose="020F0502020204030204" pitchFamily="34" charset="0"/>
+                        </a:rPr>
+                        <a:t>0.008853</a:t>
+                      </a:r>
+                    </a:p>
+                  </a:txBody>
+                  <a:tcPr marL="81828" marR="81828"/>
+                </a:tc>
+                <a:tc>
+                  <a:txBody>
+                    <a:bodyPr/>
+                    <a:lstStyle/>
+                    <a:p>
+                      <a:pPr marL="0" marR="0" lvl="0" indent="0" algn="ctr" defTabSz="914400" rtl="0" eaLnBrk="1" fontAlgn="auto" latinLnBrk="0" hangingPunct="1">
+                        <a:lnSpc>
+                          <a:spcPct val="100000"/>
+                        </a:lnSpc>
+                        <a:spcBef>
+                          <a:spcPts val="0"/>
+                        </a:spcBef>
+                        <a:spcAft>
+                          <a:spcPts val="0"/>
+                        </a:spcAft>
+                        <a:buClrTx/>
+                        <a:buSzTx/>
+                        <a:buFontTx/>
+                        <a:buNone/>
+                        <a:tabLst/>
+                        <a:defRPr/>
+                      </a:pPr>
+                      <a:r>
+                        <a:rPr lang="pt-PT" b="0" dirty="0">
+                          <a:latin typeface="Calibri" panose="020F0502020204030204" pitchFamily="34" charset="0"/>
+                          <a:ea typeface="Calibri" panose="020F0502020204030204" pitchFamily="34" charset="0"/>
+                          <a:cs typeface="Calibri" panose="020F0502020204030204" pitchFamily="34" charset="0"/>
+                        </a:rPr>
+                        <a:t>0.001383</a:t>
+                      </a:r>
+                    </a:p>
+                  </a:txBody>
+                  <a:tcPr marL="81828" marR="81828"/>
+                </a:tc>
+                <a:tc>
+                  <a:txBody>
+                    <a:bodyPr/>
+                    <a:lstStyle/>
+                    <a:p>
+                      <a:pPr algn="ctr"/>
+                      <a:r>
+                        <a:rPr lang="pt-PT" b="0" dirty="0">
+                          <a:latin typeface="Calibri" panose="020F0502020204030204" pitchFamily="34" charset="0"/>
+                          <a:ea typeface="Calibri" panose="020F0502020204030204" pitchFamily="34" charset="0"/>
+                          <a:cs typeface="Calibri" panose="020F0502020204030204" pitchFamily="34" charset="0"/>
+                        </a:rPr>
+                        <a:t>0.008420</a:t>
+                      </a:r>
+                    </a:p>
+                  </a:txBody>
+                  <a:tcPr marL="81828" marR="81828"/>
+                </a:tc>
+                <a:tc>
+                  <a:txBody>
+                    <a:bodyPr/>
+                    <a:lstStyle/>
+                    <a:p>
+                      <a:pPr marL="0" marR="0" lvl="0" indent="0" algn="ctr" defTabSz="914400" rtl="0" eaLnBrk="1" fontAlgn="auto" latinLnBrk="0" hangingPunct="1">
+                        <a:lnSpc>
+                          <a:spcPct val="100000"/>
+                        </a:lnSpc>
+                        <a:spcBef>
+                          <a:spcPts val="0"/>
+                        </a:spcBef>
+                        <a:spcAft>
+                          <a:spcPts val="0"/>
+                        </a:spcAft>
+                        <a:buClrTx/>
+                        <a:buSzTx/>
+                        <a:buFontTx/>
+                        <a:buNone/>
+                        <a:tabLst/>
+                        <a:defRPr/>
+                      </a:pPr>
+                      <a:r>
+                        <a:rPr lang="pt-PT" b="0" dirty="0">
+                          <a:latin typeface="Calibri" panose="020F0502020204030204" pitchFamily="34" charset="0"/>
+                          <a:ea typeface="Calibri" panose="020F0502020204030204" pitchFamily="34" charset="0"/>
+                          <a:cs typeface="Calibri" panose="020F0502020204030204" pitchFamily="34" charset="0"/>
+                        </a:rPr>
+                        <a:t>0.000215</a:t>
+                      </a:r>
+                    </a:p>
+                  </a:txBody>
+                  <a:tcPr marL="81828" marR="81828"/>
+                </a:tc>
+                <a:extLst>
+                  <a:ext uri="{0D108BD9-81ED-4DB2-BD59-A6C34878D82A}">
+                    <a16:rowId xmlns:a16="http://schemas.microsoft.com/office/drawing/2014/main" val="939384820"/>
                   </a:ext>
                 </a:extLst>
               </a:tr>
@@ -5250,6 +5486,73 @@
           </a:graphicData>
         </a:graphic>
       </p:graphicFrame>
+      <p:sp>
+        <p:nvSpPr>
+          <p:cNvPr id="7" name="Título 1">
+            <a:extLst>
+              <a:ext uri="{FF2B5EF4-FFF2-40B4-BE49-F238E27FC236}">
+                <a16:creationId xmlns:a16="http://schemas.microsoft.com/office/drawing/2014/main" id="{F771945D-1681-4951-B993-AF4802F4A6D7}"/>
+              </a:ext>
+            </a:extLst>
+          </p:cNvPr>
+          <p:cNvSpPr>
+            <a:spLocks noGrp="1"/>
+          </p:cNvSpPr>
+          <p:nvPr>
+            <p:ph type="title"/>
+          </p:nvPr>
+        </p:nvSpPr>
+        <p:spPr>
+          <a:xfrm>
+            <a:off x="1450977" y="289897"/>
+            <a:ext cx="9603275" cy="813848"/>
+          </a:xfrm>
+        </p:spPr>
+        <p:txBody>
+          <a:bodyPr>
+            <a:normAutofit fontScale="90000"/>
+          </a:bodyPr>
+          <a:lstStyle/>
+          <a:p>
+            <a:r>
+              <a:rPr lang="pt-PT" sz="3600" b="1" dirty="0" err="1">
+                <a:latin typeface="Calibri" panose="020F0502020204030204" pitchFamily="34" charset="0"/>
+                <a:ea typeface="Calibri" panose="020F0502020204030204" pitchFamily="34" charset="0"/>
+                <a:cs typeface="Calibri" panose="020F0502020204030204" pitchFamily="34" charset="0"/>
+              </a:rPr>
+              <a:t>Problem</a:t>
+            </a:r>
+            <a:r>
+              <a:rPr lang="pt-PT" sz="3600" b="1" dirty="0">
+                <a:latin typeface="Calibri" panose="020F0502020204030204" pitchFamily="34" charset="0"/>
+                <a:ea typeface="Calibri" panose="020F0502020204030204" pitchFamily="34" charset="0"/>
+                <a:cs typeface="Calibri" panose="020F0502020204030204" pitchFamily="34" charset="0"/>
+              </a:rPr>
+              <a:t> 1</a:t>
+            </a:r>
+            <a:br>
+              <a:rPr lang="pt-PT" dirty="0">
+                <a:latin typeface="Calibri" panose="020F0502020204030204" pitchFamily="34" charset="0"/>
+                <a:ea typeface="Calibri" panose="020F0502020204030204" pitchFamily="34" charset="0"/>
+                <a:cs typeface="Calibri" panose="020F0502020204030204" pitchFamily="34" charset="0"/>
+              </a:rPr>
+            </a:br>
+            <a:r>
+              <a:rPr lang="pt-PT" sz="2200" dirty="0" err="1">
+                <a:latin typeface="Calibri" panose="020F0502020204030204" pitchFamily="34" charset="0"/>
+                <a:ea typeface="Calibri" panose="020F0502020204030204" pitchFamily="34" charset="0"/>
+                <a:cs typeface="Calibri" panose="020F0502020204030204" pitchFamily="34" charset="0"/>
+              </a:rPr>
+              <a:t>Results</a:t>
+            </a:r>
+            <a:endParaRPr lang="pt-PT" dirty="0">
+              <a:latin typeface="Calibri" panose="020F0502020204030204" pitchFamily="34" charset="0"/>
+              <a:ea typeface="Calibri" panose="020F0502020204030204" pitchFamily="34" charset="0"/>
+              <a:cs typeface="Calibri" panose="020F0502020204030204" pitchFamily="34" charset="0"/>
+            </a:endParaRPr>
+          </a:p>
+        </p:txBody>
+      </p:sp>
     </p:spTree>
     <p:extLst>
       <p:ext uri="{BB962C8B-B14F-4D97-AF65-F5344CB8AC3E}">
@@ -6715,7 +7018,7 @@
         </p:nvSpPr>
         <p:spPr>
           <a:xfrm>
-            <a:off x="1451579" y="1039907"/>
+            <a:off x="1450977" y="289897"/>
             <a:ext cx="9603275" cy="813848"/>
           </a:xfrm>
         </p:spPr>
@@ -6780,14 +7083,1432 @@
             <p:ph idx="1"/>
             <p:extLst>
               <p:ext uri="{D42A27DB-BD31-4B8C-83A1-F6EECF244321}">
-                <p14:modId xmlns:p14="http://schemas.microsoft.com/office/powerpoint/2010/main" val="2241353057"/>
+                <p14:modId xmlns:p14="http://schemas.microsoft.com/office/powerpoint/2010/main" val="3118628679"/>
               </p:ext>
             </p:extLst>
           </p:nvPr>
         </p:nvGraphicFramePr>
         <p:xfrm>
-          <a:off x="1450975" y="2016125"/>
-          <a:ext cx="9604370" cy="1854200"/>
+          <a:off x="1450977" y="1289985"/>
+          <a:ext cx="9603277" cy="2407920"/>
+        </p:xfrm>
+        <a:graphic>
+          <a:graphicData uri="http://schemas.openxmlformats.org/drawingml/2006/table">
+            <a:tbl>
+              <a:tblPr firstRow="1" bandRow="1">
+                <a:tableStyleId>{073A0DAA-6AF3-43AB-8588-CEC1D06C72B9}</a:tableStyleId>
+              </a:tblPr>
+              <a:tblGrid>
+                <a:gridCol w="1920653">
+                  <a:extLst>
+                    <a:ext uri="{9D8B030D-6E8A-4147-A177-3AD203B41FA5}">
+                      <a16:colId xmlns:a16="http://schemas.microsoft.com/office/drawing/2014/main" val="2688708435"/>
+                    </a:ext>
+                  </a:extLst>
+                </a:gridCol>
+                <a:gridCol w="960328">
+                  <a:extLst>
+                    <a:ext uri="{9D8B030D-6E8A-4147-A177-3AD203B41FA5}">
+                      <a16:colId xmlns:a16="http://schemas.microsoft.com/office/drawing/2014/main" val="1694873685"/>
+                    </a:ext>
+                  </a:extLst>
+                </a:gridCol>
+                <a:gridCol w="960328">
+                  <a:extLst>
+                    <a:ext uri="{9D8B030D-6E8A-4147-A177-3AD203B41FA5}">
+                      <a16:colId xmlns:a16="http://schemas.microsoft.com/office/drawing/2014/main" val="3360597691"/>
+                    </a:ext>
+                  </a:extLst>
+                </a:gridCol>
+                <a:gridCol w="960328">
+                  <a:extLst>
+                    <a:ext uri="{9D8B030D-6E8A-4147-A177-3AD203B41FA5}">
+                      <a16:colId xmlns:a16="http://schemas.microsoft.com/office/drawing/2014/main" val="1516063400"/>
+                    </a:ext>
+                  </a:extLst>
+                </a:gridCol>
+                <a:gridCol w="960328">
+                  <a:extLst>
+                    <a:ext uri="{9D8B030D-6E8A-4147-A177-3AD203B41FA5}">
+                      <a16:colId xmlns:a16="http://schemas.microsoft.com/office/drawing/2014/main" val="525659777"/>
+                    </a:ext>
+                  </a:extLst>
+                </a:gridCol>
+                <a:gridCol w="960328">
+                  <a:extLst>
+                    <a:ext uri="{9D8B030D-6E8A-4147-A177-3AD203B41FA5}">
+                      <a16:colId xmlns:a16="http://schemas.microsoft.com/office/drawing/2014/main" val="1935499054"/>
+                    </a:ext>
+                  </a:extLst>
+                </a:gridCol>
+                <a:gridCol w="960328">
+                  <a:extLst>
+                    <a:ext uri="{9D8B030D-6E8A-4147-A177-3AD203B41FA5}">
+                      <a16:colId xmlns:a16="http://schemas.microsoft.com/office/drawing/2014/main" val="3677099432"/>
+                    </a:ext>
+                  </a:extLst>
+                </a:gridCol>
+                <a:gridCol w="960328">
+                  <a:extLst>
+                    <a:ext uri="{9D8B030D-6E8A-4147-A177-3AD203B41FA5}">
+                      <a16:colId xmlns:a16="http://schemas.microsoft.com/office/drawing/2014/main" val="3036198595"/>
+                    </a:ext>
+                  </a:extLst>
+                </a:gridCol>
+                <a:gridCol w="960328">
+                  <a:extLst>
+                    <a:ext uri="{9D8B030D-6E8A-4147-A177-3AD203B41FA5}">
+                      <a16:colId xmlns:a16="http://schemas.microsoft.com/office/drawing/2014/main" val="1626575749"/>
+                    </a:ext>
+                  </a:extLst>
+                </a:gridCol>
+              </a:tblGrid>
+              <a:tr h="287466">
+                <a:tc rowSpan="2">
+                  <a:txBody>
+                    <a:bodyPr/>
+                    <a:lstStyle/>
+                    <a:p>
+                      <a:pPr algn="ctr"/>
+                      <a:r>
+                        <a:rPr lang="pt-PT" sz="2000" b="0" dirty="0" err="1">
+                          <a:latin typeface="Calibri" panose="020F0502020204030204" pitchFamily="34" charset="0"/>
+                          <a:ea typeface="Calibri" panose="020F0502020204030204" pitchFamily="34" charset="0"/>
+                          <a:cs typeface="Calibri" panose="020F0502020204030204" pitchFamily="34" charset="0"/>
+                        </a:rPr>
+                        <a:t>Binary</a:t>
+                      </a:r>
+                      <a:r>
+                        <a:rPr lang="pt-PT" sz="2000" b="0" dirty="0">
+                          <a:latin typeface="Calibri" panose="020F0502020204030204" pitchFamily="34" charset="0"/>
+                          <a:ea typeface="Calibri" panose="020F0502020204030204" pitchFamily="34" charset="0"/>
+                          <a:cs typeface="Calibri" panose="020F0502020204030204" pitchFamily="34" charset="0"/>
+                        </a:rPr>
+                        <a:t> file</a:t>
+                      </a:r>
+                    </a:p>
+                  </a:txBody>
+                  <a:tcPr anchor="ctr"/>
+                </a:tc>
+                <a:tc gridSpan="2">
+                  <a:txBody>
+                    <a:bodyPr/>
+                    <a:lstStyle/>
+                    <a:p>
+                      <a:pPr algn="ctr"/>
+                      <a:r>
+                        <a:rPr lang="pt-PT" b="0" dirty="0"/>
+                        <a:t>1 </a:t>
+                      </a:r>
+                      <a:r>
+                        <a:rPr lang="pt-PT" b="0" dirty="0" err="1"/>
+                        <a:t>worker</a:t>
+                      </a:r>
+                      <a:endParaRPr lang="pt-PT" b="0" dirty="0">
+                        <a:latin typeface="Calibri" panose="020F0502020204030204" pitchFamily="34" charset="0"/>
+                        <a:ea typeface="Calibri" panose="020F0502020204030204" pitchFamily="34" charset="0"/>
+                        <a:cs typeface="Calibri" panose="020F0502020204030204" pitchFamily="34" charset="0"/>
+                      </a:endParaRPr>
+                    </a:p>
+                  </a:txBody>
+                  <a:tcPr anchor="ctr"/>
+                </a:tc>
+                <a:tc hMerge="1">
+                  <a:txBody>
+                    <a:bodyPr/>
+                    <a:lstStyle/>
+                    <a:p>
+                      <a:endParaRPr lang="pt-PT"/>
+                    </a:p>
+                  </a:txBody>
+                  <a:tcPr/>
+                </a:tc>
+                <a:tc gridSpan="2">
+                  <a:txBody>
+                    <a:bodyPr/>
+                    <a:lstStyle/>
+                    <a:p>
+                      <a:pPr algn="ctr"/>
+                      <a:r>
+                        <a:rPr lang="pt-PT" b="0" dirty="0"/>
+                        <a:t>2 </a:t>
+                      </a:r>
+                      <a:r>
+                        <a:rPr lang="pt-PT" b="0" dirty="0" err="1"/>
+                        <a:t>workers</a:t>
+                      </a:r>
+                      <a:endParaRPr lang="pt-PT" b="0" dirty="0">
+                        <a:latin typeface="Calibri" panose="020F0502020204030204" pitchFamily="34" charset="0"/>
+                        <a:ea typeface="Calibri" panose="020F0502020204030204" pitchFamily="34" charset="0"/>
+                        <a:cs typeface="Calibri" panose="020F0502020204030204" pitchFamily="34" charset="0"/>
+                      </a:endParaRPr>
+                    </a:p>
+                  </a:txBody>
+                  <a:tcPr anchor="ctr"/>
+                </a:tc>
+                <a:tc hMerge="1">
+                  <a:txBody>
+                    <a:bodyPr/>
+                    <a:lstStyle/>
+                    <a:p>
+                      <a:endParaRPr lang="pt-PT"/>
+                    </a:p>
+                  </a:txBody>
+                  <a:tcPr/>
+                </a:tc>
+                <a:tc gridSpan="2">
+                  <a:txBody>
+                    <a:bodyPr/>
+                    <a:lstStyle/>
+                    <a:p>
+                      <a:pPr algn="ctr"/>
+                      <a:r>
+                        <a:rPr lang="pt-PT" b="0" dirty="0"/>
+                        <a:t>4 </a:t>
+                      </a:r>
+                      <a:r>
+                        <a:rPr lang="pt-PT" b="0" dirty="0" err="1"/>
+                        <a:t>workers</a:t>
+                      </a:r>
+                      <a:endParaRPr lang="pt-PT" b="0" dirty="0">
+                        <a:latin typeface="Calibri" panose="020F0502020204030204" pitchFamily="34" charset="0"/>
+                        <a:ea typeface="Calibri" panose="020F0502020204030204" pitchFamily="34" charset="0"/>
+                        <a:cs typeface="Calibri" panose="020F0502020204030204" pitchFamily="34" charset="0"/>
+                      </a:endParaRPr>
+                    </a:p>
+                  </a:txBody>
+                  <a:tcPr anchor="ctr"/>
+                </a:tc>
+                <a:tc hMerge="1">
+                  <a:txBody>
+                    <a:bodyPr/>
+                    <a:lstStyle/>
+                    <a:p>
+                      <a:endParaRPr lang="pt-PT"/>
+                    </a:p>
+                  </a:txBody>
+                  <a:tcPr/>
+                </a:tc>
+                <a:tc gridSpan="2">
+                  <a:txBody>
+                    <a:bodyPr/>
+                    <a:lstStyle/>
+                    <a:p>
+                      <a:pPr algn="ctr"/>
+                      <a:r>
+                        <a:rPr lang="pt-PT" b="0" dirty="0"/>
+                        <a:t>8 </a:t>
+                      </a:r>
+                      <a:r>
+                        <a:rPr lang="pt-PT" b="0" dirty="0" err="1"/>
+                        <a:t>workers</a:t>
+                      </a:r>
+                      <a:endParaRPr lang="pt-PT" b="0" dirty="0">
+                        <a:latin typeface="Calibri" panose="020F0502020204030204" pitchFamily="34" charset="0"/>
+                        <a:ea typeface="Calibri" panose="020F0502020204030204" pitchFamily="34" charset="0"/>
+                        <a:cs typeface="Calibri" panose="020F0502020204030204" pitchFamily="34" charset="0"/>
+                      </a:endParaRPr>
+                    </a:p>
+                  </a:txBody>
+                  <a:tcPr anchor="ctr"/>
+                </a:tc>
+                <a:tc hMerge="1">
+                  <a:txBody>
+                    <a:bodyPr/>
+                    <a:lstStyle/>
+                    <a:p>
+                      <a:endParaRPr lang="pt-PT"/>
+                    </a:p>
+                  </a:txBody>
+                  <a:tcPr/>
+                </a:tc>
+                <a:extLst>
+                  <a:ext uri="{0D108BD9-81ED-4DB2-BD59-A6C34878D82A}">
+                    <a16:rowId xmlns:a16="http://schemas.microsoft.com/office/drawing/2014/main" val="3843915449"/>
+                  </a:ext>
+                </a:extLst>
+              </a:tr>
+              <a:tr h="455155">
+                <a:tc vMerge="1">
+                  <a:txBody>
+                    <a:bodyPr/>
+                    <a:lstStyle/>
+                    <a:p>
+                      <a:pPr algn="ctr"/>
+                      <a:endParaRPr lang="pt-PT" dirty="0">
+                        <a:latin typeface="Calibri" panose="020F0502020204030204" pitchFamily="34" charset="0"/>
+                        <a:ea typeface="Calibri" panose="020F0502020204030204" pitchFamily="34" charset="0"/>
+                        <a:cs typeface="Calibri" panose="020F0502020204030204" pitchFamily="34" charset="0"/>
+                      </a:endParaRPr>
+                    </a:p>
+                  </a:txBody>
+                  <a:tcPr/>
+                </a:tc>
+                <a:tc>
+                  <a:txBody>
+                    <a:bodyPr/>
+                    <a:lstStyle/>
+                    <a:p>
+                      <a:pPr algn="ctr"/>
+                      <a:r>
+                        <a:rPr lang="pt-PT" sz="1600" dirty="0" err="1">
+                          <a:latin typeface="Calibri" panose="020F0502020204030204" pitchFamily="34" charset="0"/>
+                          <a:ea typeface="Calibri" panose="020F0502020204030204" pitchFamily="34" charset="0"/>
+                          <a:cs typeface="Calibri" panose="020F0502020204030204" pitchFamily="34" charset="0"/>
+                        </a:rPr>
+                        <a:t>Median</a:t>
+                      </a:r>
+                      <a:endParaRPr lang="pt-PT" sz="1600" dirty="0">
+                        <a:latin typeface="Calibri" panose="020F0502020204030204" pitchFamily="34" charset="0"/>
+                        <a:ea typeface="Calibri" panose="020F0502020204030204" pitchFamily="34" charset="0"/>
+                        <a:cs typeface="Calibri" panose="020F0502020204030204" pitchFamily="34" charset="0"/>
+                      </a:endParaRPr>
+                    </a:p>
+                  </a:txBody>
+                  <a:tcPr anchor="ctr">
+                    <a:solidFill>
+                      <a:schemeClr val="bg2">
+                        <a:lumMod val="75000"/>
+                      </a:schemeClr>
+                    </a:solidFill>
+                  </a:tcPr>
+                </a:tc>
+                <a:tc>
+                  <a:txBody>
+                    <a:bodyPr/>
+                    <a:lstStyle/>
+                    <a:p>
+                      <a:pPr algn="ctr"/>
+                      <a:r>
+                        <a:rPr lang="pt-PT" sz="1600" dirty="0">
+                          <a:latin typeface="Calibri" panose="020F0502020204030204" pitchFamily="34" charset="0"/>
+                          <a:ea typeface="Calibri" panose="020F0502020204030204" pitchFamily="34" charset="0"/>
+                          <a:cs typeface="Calibri" panose="020F0502020204030204" pitchFamily="34" charset="0"/>
+                        </a:rPr>
+                        <a:t>Standard </a:t>
+                      </a:r>
+                      <a:r>
+                        <a:rPr lang="pt-PT" sz="1600" dirty="0" err="1">
+                          <a:latin typeface="Calibri" panose="020F0502020204030204" pitchFamily="34" charset="0"/>
+                          <a:ea typeface="Calibri" panose="020F0502020204030204" pitchFamily="34" charset="0"/>
+                          <a:cs typeface="Calibri" panose="020F0502020204030204" pitchFamily="34" charset="0"/>
+                        </a:rPr>
+                        <a:t>deviation</a:t>
+                      </a:r>
+                      <a:endParaRPr lang="pt-PT" sz="1600" dirty="0">
+                        <a:latin typeface="Calibri" panose="020F0502020204030204" pitchFamily="34" charset="0"/>
+                        <a:ea typeface="Calibri" panose="020F0502020204030204" pitchFamily="34" charset="0"/>
+                        <a:cs typeface="Calibri" panose="020F0502020204030204" pitchFamily="34" charset="0"/>
+                      </a:endParaRPr>
+                    </a:p>
+                  </a:txBody>
+                  <a:tcPr anchor="ctr">
+                    <a:solidFill>
+                      <a:schemeClr val="bg2">
+                        <a:lumMod val="75000"/>
+                      </a:schemeClr>
+                    </a:solidFill>
+                  </a:tcPr>
+                </a:tc>
+                <a:tc>
+                  <a:txBody>
+                    <a:bodyPr/>
+                    <a:lstStyle/>
+                    <a:p>
+                      <a:pPr algn="ctr"/>
+                      <a:r>
+                        <a:rPr lang="pt-PT" sz="1600" dirty="0" err="1">
+                          <a:latin typeface="Calibri" panose="020F0502020204030204" pitchFamily="34" charset="0"/>
+                          <a:ea typeface="Calibri" panose="020F0502020204030204" pitchFamily="34" charset="0"/>
+                          <a:cs typeface="Calibri" panose="020F0502020204030204" pitchFamily="34" charset="0"/>
+                        </a:rPr>
+                        <a:t>Median</a:t>
+                      </a:r>
+                      <a:endParaRPr lang="pt-PT" sz="1600" dirty="0">
+                        <a:latin typeface="Calibri" panose="020F0502020204030204" pitchFamily="34" charset="0"/>
+                        <a:ea typeface="Calibri" panose="020F0502020204030204" pitchFamily="34" charset="0"/>
+                        <a:cs typeface="Calibri" panose="020F0502020204030204" pitchFamily="34" charset="0"/>
+                      </a:endParaRPr>
+                    </a:p>
+                  </a:txBody>
+                  <a:tcPr anchor="ctr">
+                    <a:solidFill>
+                      <a:schemeClr val="bg2">
+                        <a:lumMod val="75000"/>
+                      </a:schemeClr>
+                    </a:solidFill>
+                  </a:tcPr>
+                </a:tc>
+                <a:tc>
+                  <a:txBody>
+                    <a:bodyPr/>
+                    <a:lstStyle/>
+                    <a:p>
+                      <a:pPr algn="ctr"/>
+                      <a:r>
+                        <a:rPr lang="pt-PT" sz="1600" dirty="0">
+                          <a:latin typeface="Calibri" panose="020F0502020204030204" pitchFamily="34" charset="0"/>
+                          <a:ea typeface="Calibri" panose="020F0502020204030204" pitchFamily="34" charset="0"/>
+                          <a:cs typeface="Calibri" panose="020F0502020204030204" pitchFamily="34" charset="0"/>
+                        </a:rPr>
+                        <a:t>Standard </a:t>
+                      </a:r>
+                      <a:r>
+                        <a:rPr lang="pt-PT" sz="1600" dirty="0" err="1">
+                          <a:latin typeface="Calibri" panose="020F0502020204030204" pitchFamily="34" charset="0"/>
+                          <a:ea typeface="Calibri" panose="020F0502020204030204" pitchFamily="34" charset="0"/>
+                          <a:cs typeface="Calibri" panose="020F0502020204030204" pitchFamily="34" charset="0"/>
+                        </a:rPr>
+                        <a:t>deviation</a:t>
+                      </a:r>
+                      <a:endParaRPr lang="pt-PT" sz="1600" dirty="0">
+                        <a:latin typeface="Calibri" panose="020F0502020204030204" pitchFamily="34" charset="0"/>
+                        <a:ea typeface="Calibri" panose="020F0502020204030204" pitchFamily="34" charset="0"/>
+                        <a:cs typeface="Calibri" panose="020F0502020204030204" pitchFamily="34" charset="0"/>
+                      </a:endParaRPr>
+                    </a:p>
+                  </a:txBody>
+                  <a:tcPr anchor="ctr">
+                    <a:solidFill>
+                      <a:schemeClr val="bg2">
+                        <a:lumMod val="75000"/>
+                      </a:schemeClr>
+                    </a:solidFill>
+                  </a:tcPr>
+                </a:tc>
+                <a:tc>
+                  <a:txBody>
+                    <a:bodyPr/>
+                    <a:lstStyle/>
+                    <a:p>
+                      <a:pPr algn="ctr"/>
+                      <a:r>
+                        <a:rPr lang="pt-PT" sz="1600" dirty="0" err="1">
+                          <a:latin typeface="Calibri" panose="020F0502020204030204" pitchFamily="34" charset="0"/>
+                          <a:ea typeface="Calibri" panose="020F0502020204030204" pitchFamily="34" charset="0"/>
+                          <a:cs typeface="Calibri" panose="020F0502020204030204" pitchFamily="34" charset="0"/>
+                        </a:rPr>
+                        <a:t>Median</a:t>
+                      </a:r>
+                      <a:endParaRPr lang="pt-PT" sz="1600" dirty="0">
+                        <a:latin typeface="Calibri" panose="020F0502020204030204" pitchFamily="34" charset="0"/>
+                        <a:ea typeface="Calibri" panose="020F0502020204030204" pitchFamily="34" charset="0"/>
+                        <a:cs typeface="Calibri" panose="020F0502020204030204" pitchFamily="34" charset="0"/>
+                      </a:endParaRPr>
+                    </a:p>
+                  </a:txBody>
+                  <a:tcPr anchor="ctr">
+                    <a:solidFill>
+                      <a:schemeClr val="bg2">
+                        <a:lumMod val="75000"/>
+                      </a:schemeClr>
+                    </a:solidFill>
+                  </a:tcPr>
+                </a:tc>
+                <a:tc>
+                  <a:txBody>
+                    <a:bodyPr/>
+                    <a:lstStyle/>
+                    <a:p>
+                      <a:pPr algn="ctr"/>
+                      <a:r>
+                        <a:rPr lang="pt-PT" sz="1600" dirty="0">
+                          <a:latin typeface="Calibri" panose="020F0502020204030204" pitchFamily="34" charset="0"/>
+                          <a:ea typeface="Calibri" panose="020F0502020204030204" pitchFamily="34" charset="0"/>
+                          <a:cs typeface="Calibri" panose="020F0502020204030204" pitchFamily="34" charset="0"/>
+                        </a:rPr>
+                        <a:t>Standard </a:t>
+                      </a:r>
+                      <a:r>
+                        <a:rPr lang="pt-PT" sz="1600" dirty="0" err="1">
+                          <a:latin typeface="Calibri" panose="020F0502020204030204" pitchFamily="34" charset="0"/>
+                          <a:ea typeface="Calibri" panose="020F0502020204030204" pitchFamily="34" charset="0"/>
+                          <a:cs typeface="Calibri" panose="020F0502020204030204" pitchFamily="34" charset="0"/>
+                        </a:rPr>
+                        <a:t>deviation</a:t>
+                      </a:r>
+                      <a:endParaRPr lang="pt-PT" sz="1600" dirty="0">
+                        <a:latin typeface="Calibri" panose="020F0502020204030204" pitchFamily="34" charset="0"/>
+                        <a:ea typeface="Calibri" panose="020F0502020204030204" pitchFamily="34" charset="0"/>
+                        <a:cs typeface="Calibri" panose="020F0502020204030204" pitchFamily="34" charset="0"/>
+                      </a:endParaRPr>
+                    </a:p>
+                  </a:txBody>
+                  <a:tcPr anchor="ctr">
+                    <a:solidFill>
+                      <a:schemeClr val="bg2">
+                        <a:lumMod val="75000"/>
+                      </a:schemeClr>
+                    </a:solidFill>
+                  </a:tcPr>
+                </a:tc>
+                <a:tc>
+                  <a:txBody>
+                    <a:bodyPr/>
+                    <a:lstStyle/>
+                    <a:p>
+                      <a:pPr algn="ctr"/>
+                      <a:r>
+                        <a:rPr lang="pt-PT" sz="1600" dirty="0" err="1">
+                          <a:latin typeface="Calibri" panose="020F0502020204030204" pitchFamily="34" charset="0"/>
+                          <a:ea typeface="Calibri" panose="020F0502020204030204" pitchFamily="34" charset="0"/>
+                          <a:cs typeface="Calibri" panose="020F0502020204030204" pitchFamily="34" charset="0"/>
+                        </a:rPr>
+                        <a:t>Median</a:t>
+                      </a:r>
+                      <a:endParaRPr lang="pt-PT" sz="1600" dirty="0">
+                        <a:latin typeface="Calibri" panose="020F0502020204030204" pitchFamily="34" charset="0"/>
+                        <a:ea typeface="Calibri" panose="020F0502020204030204" pitchFamily="34" charset="0"/>
+                        <a:cs typeface="Calibri" panose="020F0502020204030204" pitchFamily="34" charset="0"/>
+                      </a:endParaRPr>
+                    </a:p>
+                  </a:txBody>
+                  <a:tcPr anchor="ctr">
+                    <a:solidFill>
+                      <a:schemeClr val="bg2">
+                        <a:lumMod val="75000"/>
+                      </a:schemeClr>
+                    </a:solidFill>
+                  </a:tcPr>
+                </a:tc>
+                <a:tc>
+                  <a:txBody>
+                    <a:bodyPr/>
+                    <a:lstStyle/>
+                    <a:p>
+                      <a:pPr algn="ctr"/>
+                      <a:r>
+                        <a:rPr lang="pt-PT" sz="1600" dirty="0">
+                          <a:latin typeface="Calibri" panose="020F0502020204030204" pitchFamily="34" charset="0"/>
+                          <a:ea typeface="Calibri" panose="020F0502020204030204" pitchFamily="34" charset="0"/>
+                          <a:cs typeface="Calibri" panose="020F0502020204030204" pitchFamily="34" charset="0"/>
+                        </a:rPr>
+                        <a:t>Standard </a:t>
+                      </a:r>
+                      <a:r>
+                        <a:rPr lang="pt-PT" sz="1600" dirty="0" err="1">
+                          <a:latin typeface="Calibri" panose="020F0502020204030204" pitchFamily="34" charset="0"/>
+                          <a:ea typeface="Calibri" panose="020F0502020204030204" pitchFamily="34" charset="0"/>
+                          <a:cs typeface="Calibri" panose="020F0502020204030204" pitchFamily="34" charset="0"/>
+                        </a:rPr>
+                        <a:t>deviation</a:t>
+                      </a:r>
+                      <a:endParaRPr lang="pt-PT" sz="1600" dirty="0">
+                        <a:latin typeface="Calibri" panose="020F0502020204030204" pitchFamily="34" charset="0"/>
+                        <a:ea typeface="Calibri" panose="020F0502020204030204" pitchFamily="34" charset="0"/>
+                        <a:cs typeface="Calibri" panose="020F0502020204030204" pitchFamily="34" charset="0"/>
+                      </a:endParaRPr>
+                    </a:p>
+                  </a:txBody>
+                  <a:tcPr anchor="ctr">
+                    <a:solidFill>
+                      <a:schemeClr val="bg2">
+                        <a:lumMod val="75000"/>
+                      </a:schemeClr>
+                    </a:solidFill>
+                  </a:tcPr>
+                </a:tc>
+                <a:extLst>
+                  <a:ext uri="{0D108BD9-81ED-4DB2-BD59-A6C34878D82A}">
+                    <a16:rowId xmlns:a16="http://schemas.microsoft.com/office/drawing/2014/main" val="92455586"/>
+                  </a:ext>
+                </a:extLst>
+              </a:tr>
+              <a:tr h="287466">
+                <a:tc>
+                  <a:txBody>
+                    <a:bodyPr/>
+                    <a:lstStyle/>
+                    <a:p>
+                      <a:pPr algn="ctr"/>
+                      <a:r>
+                        <a:rPr lang="pt-PT" dirty="0">
+                          <a:latin typeface="Calibri" panose="020F0502020204030204" pitchFamily="34" charset="0"/>
+                          <a:ea typeface="Calibri" panose="020F0502020204030204" pitchFamily="34" charset="0"/>
+                          <a:cs typeface="Calibri" panose="020F0502020204030204" pitchFamily="34" charset="0"/>
+                        </a:rPr>
+                        <a:t>datSeq32.bin</a:t>
+                      </a:r>
+                    </a:p>
+                  </a:txBody>
+                  <a:tcPr anchor="ctr"/>
+                </a:tc>
+                <a:tc>
+                  <a:txBody>
+                    <a:bodyPr/>
+                    <a:lstStyle/>
+                    <a:p>
+                      <a:pPr algn="ctr"/>
+                      <a:r>
+                        <a:rPr lang="pt-PT" sz="1400" dirty="0">
+                          <a:latin typeface="Calibri" panose="020F0502020204030204" pitchFamily="34" charset="0"/>
+                          <a:ea typeface="Calibri" panose="020F0502020204030204" pitchFamily="34" charset="0"/>
+                          <a:cs typeface="Calibri" panose="020F0502020204030204" pitchFamily="34" charset="0"/>
+                        </a:rPr>
+                        <a:t>0.001535</a:t>
+                      </a:r>
+                    </a:p>
+                  </a:txBody>
+                  <a:tcPr anchor="ctr"/>
+                </a:tc>
+                <a:tc>
+                  <a:txBody>
+                    <a:bodyPr/>
+                    <a:lstStyle/>
+                    <a:p>
+                      <a:pPr algn="ctr"/>
+                      <a:r>
+                        <a:rPr lang="pt-PT" sz="1400" dirty="0">
+                          <a:latin typeface="Calibri" panose="020F0502020204030204" pitchFamily="34" charset="0"/>
+                          <a:ea typeface="Calibri" panose="020F0502020204030204" pitchFamily="34" charset="0"/>
+                          <a:cs typeface="Calibri" panose="020F0502020204030204" pitchFamily="34" charset="0"/>
+                        </a:rPr>
+                        <a:t>0.000242</a:t>
+                      </a:r>
+                    </a:p>
+                  </a:txBody>
+                  <a:tcPr anchor="ctr"/>
+                </a:tc>
+                <a:tc>
+                  <a:txBody>
+                    <a:bodyPr/>
+                    <a:lstStyle/>
+                    <a:p>
+                      <a:pPr algn="ctr"/>
+                      <a:r>
+                        <a:rPr lang="pt-PT" sz="1400" dirty="0">
+                          <a:latin typeface="Calibri" panose="020F0502020204030204" pitchFamily="34" charset="0"/>
+                          <a:ea typeface="Calibri" panose="020F0502020204030204" pitchFamily="34" charset="0"/>
+                          <a:cs typeface="Calibri" panose="020F0502020204030204" pitchFamily="34" charset="0"/>
+                        </a:rPr>
+                        <a:t>0.0018208</a:t>
+                      </a:r>
+                    </a:p>
+                  </a:txBody>
+                  <a:tcPr anchor="ctr"/>
+                </a:tc>
+                <a:tc>
+                  <a:txBody>
+                    <a:bodyPr/>
+                    <a:lstStyle/>
+                    <a:p>
+                      <a:pPr algn="ctr"/>
+                      <a:r>
+                        <a:rPr lang="pt-PT" sz="1400" dirty="0">
+                          <a:latin typeface="Calibri" panose="020F0502020204030204" pitchFamily="34" charset="0"/>
+                          <a:ea typeface="Calibri" panose="020F0502020204030204" pitchFamily="34" charset="0"/>
+                          <a:cs typeface="Calibri" panose="020F0502020204030204" pitchFamily="34" charset="0"/>
+                        </a:rPr>
+                        <a:t>0.000415</a:t>
+                      </a:r>
+                    </a:p>
+                  </a:txBody>
+                  <a:tcPr anchor="ctr"/>
+                </a:tc>
+                <a:tc>
+                  <a:txBody>
+                    <a:bodyPr/>
+                    <a:lstStyle/>
+                    <a:p>
+                      <a:pPr algn="ctr"/>
+                      <a:r>
+                        <a:rPr lang="pt-PT" sz="1400" dirty="0">
+                          <a:latin typeface="Calibri" panose="020F0502020204030204" pitchFamily="34" charset="0"/>
+                          <a:ea typeface="Calibri" panose="020F0502020204030204" pitchFamily="34" charset="0"/>
+                          <a:cs typeface="Calibri" panose="020F0502020204030204" pitchFamily="34" charset="0"/>
+                        </a:rPr>
+                        <a:t>0.0019512</a:t>
+                      </a:r>
+                    </a:p>
+                  </a:txBody>
+                  <a:tcPr anchor="ctr"/>
+                </a:tc>
+                <a:tc>
+                  <a:txBody>
+                    <a:bodyPr/>
+                    <a:lstStyle/>
+                    <a:p>
+                      <a:pPr algn="ctr"/>
+                      <a:r>
+                        <a:rPr lang="pt-PT" sz="1400" dirty="0">
+                          <a:latin typeface="Calibri" panose="020F0502020204030204" pitchFamily="34" charset="0"/>
+                          <a:ea typeface="Calibri" panose="020F0502020204030204" pitchFamily="34" charset="0"/>
+                          <a:cs typeface="Calibri" panose="020F0502020204030204" pitchFamily="34" charset="0"/>
+                        </a:rPr>
+                        <a:t>0.000361</a:t>
+                      </a:r>
+                    </a:p>
+                  </a:txBody>
+                  <a:tcPr anchor="ctr"/>
+                </a:tc>
+                <a:tc>
+                  <a:txBody>
+                    <a:bodyPr/>
+                    <a:lstStyle/>
+                    <a:p>
+                      <a:pPr algn="ctr"/>
+                      <a:r>
+                        <a:rPr lang="pt-PT" sz="1400" dirty="0">
+                          <a:latin typeface="Calibri" panose="020F0502020204030204" pitchFamily="34" charset="0"/>
+                          <a:ea typeface="Calibri" panose="020F0502020204030204" pitchFamily="34" charset="0"/>
+                          <a:cs typeface="Calibri" panose="020F0502020204030204" pitchFamily="34" charset="0"/>
+                        </a:rPr>
+                        <a:t>0.0022976</a:t>
+                      </a:r>
+                    </a:p>
+                  </a:txBody>
+                  <a:tcPr anchor="ctr"/>
+                </a:tc>
+                <a:tc>
+                  <a:txBody>
+                    <a:bodyPr/>
+                    <a:lstStyle/>
+                    <a:p>
+                      <a:pPr algn="ctr"/>
+                      <a:r>
+                        <a:rPr lang="pt-PT" sz="1400" dirty="0">
+                          <a:latin typeface="Calibri" panose="020F0502020204030204" pitchFamily="34" charset="0"/>
+                          <a:ea typeface="Calibri" panose="020F0502020204030204" pitchFamily="34" charset="0"/>
+                          <a:cs typeface="Calibri" panose="020F0502020204030204" pitchFamily="34" charset="0"/>
+                        </a:rPr>
+                        <a:t>0.000405</a:t>
+                      </a:r>
+                    </a:p>
+                  </a:txBody>
+                  <a:tcPr anchor="ctr"/>
+                </a:tc>
+                <a:extLst>
+                  <a:ext uri="{0D108BD9-81ED-4DB2-BD59-A6C34878D82A}">
+                    <a16:rowId xmlns:a16="http://schemas.microsoft.com/office/drawing/2014/main" val="309770518"/>
+                  </a:ext>
+                </a:extLst>
+              </a:tr>
+              <a:tr h="287466">
+                <a:tc>
+                  <a:txBody>
+                    <a:bodyPr/>
+                    <a:lstStyle/>
+                    <a:p>
+                      <a:pPr algn="ctr"/>
+                      <a:r>
+                        <a:rPr lang="pt-PT" dirty="0">
+                          <a:latin typeface="Calibri" panose="020F0502020204030204" pitchFamily="34" charset="0"/>
+                          <a:ea typeface="Calibri" panose="020F0502020204030204" pitchFamily="34" charset="0"/>
+                          <a:cs typeface="Calibri" panose="020F0502020204030204" pitchFamily="34" charset="0"/>
+                        </a:rPr>
+                        <a:t>datSeq256K.bin</a:t>
+                      </a:r>
+                    </a:p>
+                  </a:txBody>
+                  <a:tcPr anchor="ctr"/>
+                </a:tc>
+                <a:tc>
+                  <a:txBody>
+                    <a:bodyPr/>
+                    <a:lstStyle/>
+                    <a:p>
+                      <a:pPr algn="ctr"/>
+                      <a:r>
+                        <a:rPr lang="pt-PT" sz="1400" dirty="0">
+                          <a:latin typeface="Calibri" panose="020F0502020204030204" pitchFamily="34" charset="0"/>
+                          <a:ea typeface="Calibri" panose="020F0502020204030204" pitchFamily="34" charset="0"/>
+                          <a:cs typeface="Calibri" panose="020F0502020204030204" pitchFamily="34" charset="0"/>
+                        </a:rPr>
+                        <a:t>0.277978</a:t>
+                      </a:r>
+                    </a:p>
+                  </a:txBody>
+                  <a:tcPr anchor="ctr"/>
+                </a:tc>
+                <a:tc>
+                  <a:txBody>
+                    <a:bodyPr/>
+                    <a:lstStyle/>
+                    <a:p>
+                      <a:pPr marL="0" marR="0" lvl="0" indent="0" algn="ctr" defTabSz="914400" rtl="0" eaLnBrk="1" fontAlgn="auto" latinLnBrk="0" hangingPunct="1">
+                        <a:lnSpc>
+                          <a:spcPct val="100000"/>
+                        </a:lnSpc>
+                        <a:spcBef>
+                          <a:spcPts val="0"/>
+                        </a:spcBef>
+                        <a:spcAft>
+                          <a:spcPts val="0"/>
+                        </a:spcAft>
+                        <a:buClrTx/>
+                        <a:buSzTx/>
+                        <a:buFontTx/>
+                        <a:buNone/>
+                        <a:tabLst/>
+                        <a:defRPr/>
+                      </a:pPr>
+                      <a:r>
+                        <a:rPr lang="pt-PT" sz="1400" dirty="0">
+                          <a:latin typeface="Calibri" panose="020F0502020204030204" pitchFamily="34" charset="0"/>
+                          <a:ea typeface="Calibri" panose="020F0502020204030204" pitchFamily="34" charset="0"/>
+                          <a:cs typeface="Calibri" panose="020F0502020204030204" pitchFamily="34" charset="0"/>
+                        </a:rPr>
+                        <a:t>0.015954</a:t>
+                      </a:r>
+                    </a:p>
+                  </a:txBody>
+                  <a:tcPr anchor="ctr"/>
+                </a:tc>
+                <a:tc>
+                  <a:txBody>
+                    <a:bodyPr/>
+                    <a:lstStyle/>
+                    <a:p>
+                      <a:pPr algn="ctr"/>
+                      <a:r>
+                        <a:rPr lang="pt-PT" sz="1400" dirty="0">
+                          <a:latin typeface="Calibri" panose="020F0502020204030204" pitchFamily="34" charset="0"/>
+                          <a:ea typeface="Calibri" panose="020F0502020204030204" pitchFamily="34" charset="0"/>
+                          <a:cs typeface="Calibri" panose="020F0502020204030204" pitchFamily="34" charset="0"/>
+                        </a:rPr>
+                        <a:t>0.2623584</a:t>
+                      </a:r>
+                    </a:p>
+                  </a:txBody>
+                  <a:tcPr anchor="ctr"/>
+                </a:tc>
+                <a:tc>
+                  <a:txBody>
+                    <a:bodyPr/>
+                    <a:lstStyle/>
+                    <a:p>
+                      <a:pPr marL="0" marR="0" lvl="0" indent="0" algn="ctr" defTabSz="914400" rtl="0" eaLnBrk="1" fontAlgn="auto" latinLnBrk="0" hangingPunct="1">
+                        <a:lnSpc>
+                          <a:spcPct val="100000"/>
+                        </a:lnSpc>
+                        <a:spcBef>
+                          <a:spcPts val="0"/>
+                        </a:spcBef>
+                        <a:spcAft>
+                          <a:spcPts val="0"/>
+                        </a:spcAft>
+                        <a:buClrTx/>
+                        <a:buSzTx/>
+                        <a:buFontTx/>
+                        <a:buNone/>
+                        <a:tabLst/>
+                        <a:defRPr/>
+                      </a:pPr>
+                      <a:r>
+                        <a:rPr lang="pt-PT" sz="1400" dirty="0">
+                          <a:latin typeface="Calibri" panose="020F0502020204030204" pitchFamily="34" charset="0"/>
+                          <a:ea typeface="Calibri" panose="020F0502020204030204" pitchFamily="34" charset="0"/>
+                          <a:cs typeface="Calibri" panose="020F0502020204030204" pitchFamily="34" charset="0"/>
+                        </a:rPr>
+                        <a:t>0.005271</a:t>
+                      </a:r>
+                    </a:p>
+                  </a:txBody>
+                  <a:tcPr anchor="ctr"/>
+                </a:tc>
+                <a:tc>
+                  <a:txBody>
+                    <a:bodyPr/>
+                    <a:lstStyle/>
+                    <a:p>
+                      <a:pPr algn="ctr"/>
+                      <a:r>
+                        <a:rPr lang="pt-PT" sz="1400" dirty="0">
+                          <a:latin typeface="Calibri" panose="020F0502020204030204" pitchFamily="34" charset="0"/>
+                          <a:ea typeface="Calibri" panose="020F0502020204030204" pitchFamily="34" charset="0"/>
+                          <a:cs typeface="Calibri" panose="020F0502020204030204" pitchFamily="34" charset="0"/>
+                        </a:rPr>
+                        <a:t>0.248080</a:t>
+                      </a:r>
+                    </a:p>
+                  </a:txBody>
+                  <a:tcPr anchor="ctr"/>
+                </a:tc>
+                <a:tc>
+                  <a:txBody>
+                    <a:bodyPr/>
+                    <a:lstStyle/>
+                    <a:p>
+                      <a:pPr marL="0" marR="0" lvl="0" indent="0" algn="ctr" defTabSz="914400" rtl="0" eaLnBrk="1" fontAlgn="auto" latinLnBrk="0" hangingPunct="1">
+                        <a:lnSpc>
+                          <a:spcPct val="100000"/>
+                        </a:lnSpc>
+                        <a:spcBef>
+                          <a:spcPts val="0"/>
+                        </a:spcBef>
+                        <a:spcAft>
+                          <a:spcPts val="0"/>
+                        </a:spcAft>
+                        <a:buClrTx/>
+                        <a:buSzTx/>
+                        <a:buFontTx/>
+                        <a:buNone/>
+                        <a:tabLst/>
+                        <a:defRPr/>
+                      </a:pPr>
+                      <a:r>
+                        <a:rPr lang="pt-PT" sz="1400" dirty="0">
+                          <a:latin typeface="Calibri" panose="020F0502020204030204" pitchFamily="34" charset="0"/>
+                          <a:ea typeface="Calibri" panose="020F0502020204030204" pitchFamily="34" charset="0"/>
+                          <a:cs typeface="Calibri" panose="020F0502020204030204" pitchFamily="34" charset="0"/>
+                        </a:rPr>
+                        <a:t>0.005687</a:t>
+                      </a:r>
+                    </a:p>
+                  </a:txBody>
+                  <a:tcPr anchor="ctr"/>
+                </a:tc>
+                <a:tc>
+                  <a:txBody>
+                    <a:bodyPr/>
+                    <a:lstStyle/>
+                    <a:p>
+                      <a:pPr algn="ctr"/>
+                      <a:r>
+                        <a:rPr lang="pt-PT" sz="1400" dirty="0">
+                          <a:latin typeface="Calibri" panose="020F0502020204030204" pitchFamily="34" charset="0"/>
+                          <a:ea typeface="Calibri" panose="020F0502020204030204" pitchFamily="34" charset="0"/>
+                          <a:cs typeface="Calibri" panose="020F0502020204030204" pitchFamily="34" charset="0"/>
+                        </a:rPr>
+                        <a:t>0.251595</a:t>
+                      </a:r>
+                    </a:p>
+                  </a:txBody>
+                  <a:tcPr anchor="ctr"/>
+                </a:tc>
+                <a:tc>
+                  <a:txBody>
+                    <a:bodyPr/>
+                    <a:lstStyle/>
+                    <a:p>
+                      <a:pPr marL="0" marR="0" lvl="0" indent="0" algn="ctr" defTabSz="914400" rtl="0" eaLnBrk="1" fontAlgn="auto" latinLnBrk="0" hangingPunct="1">
+                        <a:lnSpc>
+                          <a:spcPct val="100000"/>
+                        </a:lnSpc>
+                        <a:spcBef>
+                          <a:spcPts val="0"/>
+                        </a:spcBef>
+                        <a:spcAft>
+                          <a:spcPts val="0"/>
+                        </a:spcAft>
+                        <a:buClrTx/>
+                        <a:buSzTx/>
+                        <a:buFontTx/>
+                        <a:buNone/>
+                        <a:tabLst/>
+                        <a:defRPr/>
+                      </a:pPr>
+                      <a:r>
+                        <a:rPr lang="pt-PT" sz="1400" dirty="0">
+                          <a:latin typeface="Calibri" panose="020F0502020204030204" pitchFamily="34" charset="0"/>
+                          <a:ea typeface="Calibri" panose="020F0502020204030204" pitchFamily="34" charset="0"/>
+                          <a:cs typeface="Calibri" panose="020F0502020204030204" pitchFamily="34" charset="0"/>
+                        </a:rPr>
+                        <a:t>0.005165</a:t>
+                      </a:r>
+                    </a:p>
+                  </a:txBody>
+                  <a:tcPr anchor="ctr"/>
+                </a:tc>
+                <a:extLst>
+                  <a:ext uri="{0D108BD9-81ED-4DB2-BD59-A6C34878D82A}">
+                    <a16:rowId xmlns:a16="http://schemas.microsoft.com/office/drawing/2014/main" val="1738142589"/>
+                  </a:ext>
+                </a:extLst>
+              </a:tr>
+              <a:tr h="287466">
+                <a:tc>
+                  <a:txBody>
+                    <a:bodyPr/>
+                    <a:lstStyle/>
+                    <a:p>
+                      <a:pPr algn="ctr"/>
+                      <a:r>
+                        <a:rPr lang="pt-PT" dirty="0">
+                          <a:latin typeface="Calibri" panose="020F0502020204030204" pitchFamily="34" charset="0"/>
+                          <a:ea typeface="Calibri" panose="020F0502020204030204" pitchFamily="34" charset="0"/>
+                          <a:cs typeface="Calibri" panose="020F0502020204030204" pitchFamily="34" charset="0"/>
+                        </a:rPr>
+                        <a:t>datSeq1M.bin</a:t>
+                      </a:r>
+                    </a:p>
+                  </a:txBody>
+                  <a:tcPr anchor="ctr"/>
+                </a:tc>
+                <a:tc>
+                  <a:txBody>
+                    <a:bodyPr/>
+                    <a:lstStyle/>
+                    <a:p>
+                      <a:pPr algn="ctr"/>
+                      <a:r>
+                        <a:rPr lang="pt-PT" sz="1400" dirty="0">
+                          <a:latin typeface="Calibri" panose="020F0502020204030204" pitchFamily="34" charset="0"/>
+                          <a:ea typeface="Calibri" panose="020F0502020204030204" pitchFamily="34" charset="0"/>
+                          <a:cs typeface="Calibri" panose="020F0502020204030204" pitchFamily="34" charset="0"/>
+                        </a:rPr>
+                        <a:t>1.163098</a:t>
+                      </a:r>
+                    </a:p>
+                  </a:txBody>
+                  <a:tcPr anchor="ctr"/>
+                </a:tc>
+                <a:tc>
+                  <a:txBody>
+                    <a:bodyPr/>
+                    <a:lstStyle/>
+                    <a:p>
+                      <a:pPr marL="0" marR="0" lvl="0" indent="0" algn="ctr" defTabSz="914400" rtl="0" eaLnBrk="1" fontAlgn="auto" latinLnBrk="0" hangingPunct="1">
+                        <a:lnSpc>
+                          <a:spcPct val="100000"/>
+                        </a:lnSpc>
+                        <a:spcBef>
+                          <a:spcPts val="0"/>
+                        </a:spcBef>
+                        <a:spcAft>
+                          <a:spcPts val="0"/>
+                        </a:spcAft>
+                        <a:buClrTx/>
+                        <a:buSzTx/>
+                        <a:buFontTx/>
+                        <a:buNone/>
+                        <a:tabLst/>
+                        <a:defRPr/>
+                      </a:pPr>
+                      <a:r>
+                        <a:rPr lang="pt-PT" sz="1400" dirty="0">
+                          <a:latin typeface="Calibri" panose="020F0502020204030204" pitchFamily="34" charset="0"/>
+                          <a:ea typeface="Calibri" panose="020F0502020204030204" pitchFamily="34" charset="0"/>
+                          <a:cs typeface="Calibri" panose="020F0502020204030204" pitchFamily="34" charset="0"/>
+                        </a:rPr>
+                        <a:t>0.040732</a:t>
+                      </a:r>
+                    </a:p>
+                  </a:txBody>
+                  <a:tcPr anchor="ctr"/>
+                </a:tc>
+                <a:tc>
+                  <a:txBody>
+                    <a:bodyPr/>
+                    <a:lstStyle/>
+                    <a:p>
+                      <a:pPr algn="ctr"/>
+                      <a:r>
+                        <a:rPr lang="pt-PT" sz="1400" dirty="0">
+                          <a:latin typeface="Calibri" panose="020F0502020204030204" pitchFamily="34" charset="0"/>
+                          <a:ea typeface="Calibri" panose="020F0502020204030204" pitchFamily="34" charset="0"/>
+                          <a:cs typeface="Calibri" panose="020F0502020204030204" pitchFamily="34" charset="0"/>
+                        </a:rPr>
+                        <a:t>1.066309</a:t>
+                      </a:r>
+                    </a:p>
+                  </a:txBody>
+                  <a:tcPr anchor="ctr"/>
+                </a:tc>
+                <a:tc>
+                  <a:txBody>
+                    <a:bodyPr/>
+                    <a:lstStyle/>
+                    <a:p>
+                      <a:pPr marL="0" marR="0" lvl="0" indent="0" algn="ctr" defTabSz="914400" rtl="0" eaLnBrk="1" fontAlgn="auto" latinLnBrk="0" hangingPunct="1">
+                        <a:lnSpc>
+                          <a:spcPct val="100000"/>
+                        </a:lnSpc>
+                        <a:spcBef>
+                          <a:spcPts val="0"/>
+                        </a:spcBef>
+                        <a:spcAft>
+                          <a:spcPts val="0"/>
+                        </a:spcAft>
+                        <a:buClrTx/>
+                        <a:buSzTx/>
+                        <a:buFontTx/>
+                        <a:buNone/>
+                        <a:tabLst/>
+                        <a:defRPr/>
+                      </a:pPr>
+                      <a:r>
+                        <a:rPr lang="pt-PT" sz="1400" dirty="0">
+                          <a:latin typeface="Calibri" panose="020F0502020204030204" pitchFamily="34" charset="0"/>
+                          <a:ea typeface="Calibri" panose="020F0502020204030204" pitchFamily="34" charset="0"/>
+                          <a:cs typeface="Calibri" panose="020F0502020204030204" pitchFamily="34" charset="0"/>
+                        </a:rPr>
+                        <a:t>0.020666</a:t>
+                      </a:r>
+                    </a:p>
+                  </a:txBody>
+                  <a:tcPr anchor="ctr"/>
+                </a:tc>
+                <a:tc>
+                  <a:txBody>
+                    <a:bodyPr/>
+                    <a:lstStyle/>
+                    <a:p>
+                      <a:pPr algn="ctr"/>
+                      <a:r>
+                        <a:rPr lang="pt-PT" sz="1400" dirty="0">
+                          <a:latin typeface="Calibri" panose="020F0502020204030204" pitchFamily="34" charset="0"/>
+                          <a:ea typeface="Calibri" panose="020F0502020204030204" pitchFamily="34" charset="0"/>
+                          <a:cs typeface="Calibri" panose="020F0502020204030204" pitchFamily="34" charset="0"/>
+                        </a:rPr>
+                        <a:t>1.010236</a:t>
+                      </a:r>
+                    </a:p>
+                  </a:txBody>
+                  <a:tcPr anchor="ctr"/>
+                </a:tc>
+                <a:tc>
+                  <a:txBody>
+                    <a:bodyPr/>
+                    <a:lstStyle/>
+                    <a:p>
+                      <a:pPr marL="0" marR="0" lvl="0" indent="0" algn="ctr" defTabSz="914400" rtl="0" eaLnBrk="1" fontAlgn="auto" latinLnBrk="0" hangingPunct="1">
+                        <a:lnSpc>
+                          <a:spcPct val="100000"/>
+                        </a:lnSpc>
+                        <a:spcBef>
+                          <a:spcPts val="0"/>
+                        </a:spcBef>
+                        <a:spcAft>
+                          <a:spcPts val="0"/>
+                        </a:spcAft>
+                        <a:buClrTx/>
+                        <a:buSzTx/>
+                        <a:buFontTx/>
+                        <a:buNone/>
+                        <a:tabLst/>
+                        <a:defRPr/>
+                      </a:pPr>
+                      <a:r>
+                        <a:rPr lang="pt-PT" sz="1400" dirty="0">
+                          <a:latin typeface="Calibri" panose="020F0502020204030204" pitchFamily="34" charset="0"/>
+                          <a:ea typeface="Calibri" panose="020F0502020204030204" pitchFamily="34" charset="0"/>
+                          <a:cs typeface="Calibri" panose="020F0502020204030204" pitchFamily="34" charset="0"/>
+                        </a:rPr>
+                        <a:t>0.020289</a:t>
+                      </a:r>
+                    </a:p>
+                  </a:txBody>
+                  <a:tcPr anchor="ctr"/>
+                </a:tc>
+                <a:tc>
+                  <a:txBody>
+                    <a:bodyPr/>
+                    <a:lstStyle/>
+                    <a:p>
+                      <a:pPr algn="ctr"/>
+                      <a:r>
+                        <a:rPr lang="pt-PT" sz="1400" dirty="0">
+                          <a:latin typeface="Calibri" panose="020F0502020204030204" pitchFamily="34" charset="0"/>
+                          <a:ea typeface="Calibri" panose="020F0502020204030204" pitchFamily="34" charset="0"/>
+                          <a:cs typeface="Calibri" panose="020F0502020204030204" pitchFamily="34" charset="0"/>
+                        </a:rPr>
+                        <a:t>1.004948</a:t>
+                      </a:r>
+                    </a:p>
+                  </a:txBody>
+                  <a:tcPr anchor="ctr"/>
+                </a:tc>
+                <a:tc>
+                  <a:txBody>
+                    <a:bodyPr/>
+                    <a:lstStyle/>
+                    <a:p>
+                      <a:pPr marL="0" marR="0" lvl="0" indent="0" algn="ctr" defTabSz="914400" rtl="0" eaLnBrk="1" fontAlgn="auto" latinLnBrk="0" hangingPunct="1">
+                        <a:lnSpc>
+                          <a:spcPct val="100000"/>
+                        </a:lnSpc>
+                        <a:spcBef>
+                          <a:spcPts val="0"/>
+                        </a:spcBef>
+                        <a:spcAft>
+                          <a:spcPts val="0"/>
+                        </a:spcAft>
+                        <a:buClrTx/>
+                        <a:buSzTx/>
+                        <a:buFontTx/>
+                        <a:buNone/>
+                        <a:tabLst/>
+                        <a:defRPr/>
+                      </a:pPr>
+                      <a:r>
+                        <a:rPr lang="pt-PT" sz="1400" dirty="0">
+                          <a:latin typeface="Calibri" panose="020F0502020204030204" pitchFamily="34" charset="0"/>
+                          <a:ea typeface="Calibri" panose="020F0502020204030204" pitchFamily="34" charset="0"/>
+                          <a:cs typeface="Calibri" panose="020F0502020204030204" pitchFamily="34" charset="0"/>
+                        </a:rPr>
+                        <a:t>0.026401</a:t>
+                      </a:r>
+                    </a:p>
+                  </a:txBody>
+                  <a:tcPr anchor="ctr"/>
+                </a:tc>
+                <a:extLst>
+                  <a:ext uri="{0D108BD9-81ED-4DB2-BD59-A6C34878D82A}">
+                    <a16:rowId xmlns:a16="http://schemas.microsoft.com/office/drawing/2014/main" val="625706260"/>
+                  </a:ext>
+                </a:extLst>
+              </a:tr>
+              <a:tr h="287466">
+                <a:tc>
+                  <a:txBody>
+                    <a:bodyPr/>
+                    <a:lstStyle/>
+                    <a:p>
+                      <a:pPr algn="ctr"/>
+                      <a:r>
+                        <a:rPr lang="pt-PT" dirty="0">
+                          <a:latin typeface="Calibri" panose="020F0502020204030204" pitchFamily="34" charset="0"/>
+                          <a:ea typeface="Calibri" panose="020F0502020204030204" pitchFamily="34" charset="0"/>
+                          <a:cs typeface="Calibri" panose="020F0502020204030204" pitchFamily="34" charset="0"/>
+                        </a:rPr>
+                        <a:t>datSeq16M.bin</a:t>
+                      </a:r>
+                    </a:p>
+                  </a:txBody>
+                  <a:tcPr anchor="ctr"/>
+                </a:tc>
+                <a:tc>
+                  <a:txBody>
+                    <a:bodyPr/>
+                    <a:lstStyle/>
+                    <a:p>
+                      <a:pPr algn="ctr"/>
+                      <a:r>
+                        <a:rPr lang="pt-PT" sz="1400" dirty="0">
+                          <a:latin typeface="Calibri" panose="020F0502020204030204" pitchFamily="34" charset="0"/>
+                          <a:ea typeface="Calibri" panose="020F0502020204030204" pitchFamily="34" charset="0"/>
+                          <a:cs typeface="Calibri" panose="020F0502020204030204" pitchFamily="34" charset="0"/>
+                        </a:rPr>
+                        <a:t>19.756249</a:t>
+                      </a:r>
+                    </a:p>
+                  </a:txBody>
+                  <a:tcPr anchor="ctr"/>
+                </a:tc>
+                <a:tc>
+                  <a:txBody>
+                    <a:bodyPr/>
+                    <a:lstStyle/>
+                    <a:p>
+                      <a:pPr marL="0" marR="0" lvl="0" indent="0" algn="ctr" defTabSz="914400" rtl="0" eaLnBrk="1" fontAlgn="auto" latinLnBrk="0" hangingPunct="1">
+                        <a:lnSpc>
+                          <a:spcPct val="100000"/>
+                        </a:lnSpc>
+                        <a:spcBef>
+                          <a:spcPts val="0"/>
+                        </a:spcBef>
+                        <a:spcAft>
+                          <a:spcPts val="0"/>
+                        </a:spcAft>
+                        <a:buClrTx/>
+                        <a:buSzTx/>
+                        <a:buFontTx/>
+                        <a:buNone/>
+                        <a:tabLst/>
+                        <a:defRPr/>
+                      </a:pPr>
+                      <a:r>
+                        <a:rPr lang="pt-PT" sz="1400" dirty="0">
+                          <a:latin typeface="Calibri" panose="020F0502020204030204" pitchFamily="34" charset="0"/>
+                          <a:ea typeface="Calibri" panose="020F0502020204030204" pitchFamily="34" charset="0"/>
+                          <a:cs typeface="Calibri" panose="020F0502020204030204" pitchFamily="34" charset="0"/>
+                        </a:rPr>
+                        <a:t>0.235015</a:t>
+                      </a:r>
+                    </a:p>
+                  </a:txBody>
+                  <a:tcPr anchor="ctr"/>
+                </a:tc>
+                <a:tc>
+                  <a:txBody>
+                    <a:bodyPr/>
+                    <a:lstStyle/>
+                    <a:p>
+                      <a:pPr algn="ctr"/>
+                      <a:r>
+                        <a:rPr lang="pt-PT" sz="1400" dirty="0">
+                          <a:latin typeface="Calibri" panose="020F0502020204030204" pitchFamily="34" charset="0"/>
+                          <a:ea typeface="Calibri" panose="020F0502020204030204" pitchFamily="34" charset="0"/>
+                          <a:cs typeface="Calibri" panose="020F0502020204030204" pitchFamily="34" charset="0"/>
+                        </a:rPr>
+                        <a:t>17.782816</a:t>
+                      </a:r>
+                    </a:p>
+                  </a:txBody>
+                  <a:tcPr anchor="ctr"/>
+                </a:tc>
+                <a:tc>
+                  <a:txBody>
+                    <a:bodyPr/>
+                    <a:lstStyle/>
+                    <a:p>
+                      <a:pPr marL="0" marR="0" lvl="0" indent="0" algn="ctr" defTabSz="914400" rtl="0" eaLnBrk="1" fontAlgn="auto" latinLnBrk="0" hangingPunct="1">
+                        <a:lnSpc>
+                          <a:spcPct val="100000"/>
+                        </a:lnSpc>
+                        <a:spcBef>
+                          <a:spcPts val="0"/>
+                        </a:spcBef>
+                        <a:spcAft>
+                          <a:spcPts val="0"/>
+                        </a:spcAft>
+                        <a:buClrTx/>
+                        <a:buSzTx/>
+                        <a:buFontTx/>
+                        <a:buNone/>
+                        <a:tabLst/>
+                        <a:defRPr/>
+                      </a:pPr>
+                      <a:r>
+                        <a:rPr lang="pt-PT" sz="1400" dirty="0">
+                          <a:latin typeface="Calibri" panose="020F0502020204030204" pitchFamily="34" charset="0"/>
+                          <a:ea typeface="Calibri" panose="020F0502020204030204" pitchFamily="34" charset="0"/>
+                          <a:cs typeface="Calibri" panose="020F0502020204030204" pitchFamily="34" charset="0"/>
+                        </a:rPr>
+                        <a:t>0.483265</a:t>
+                      </a:r>
+                    </a:p>
+                  </a:txBody>
+                  <a:tcPr anchor="ctr"/>
+                </a:tc>
+                <a:tc>
+                  <a:txBody>
+                    <a:bodyPr/>
+                    <a:lstStyle/>
+                    <a:p>
+                      <a:pPr algn="ctr"/>
+                      <a:r>
+                        <a:rPr lang="pt-PT" sz="1400" dirty="0">
+                          <a:latin typeface="Calibri" panose="020F0502020204030204" pitchFamily="34" charset="0"/>
+                          <a:ea typeface="Calibri" panose="020F0502020204030204" pitchFamily="34" charset="0"/>
+                          <a:cs typeface="Calibri" panose="020F0502020204030204" pitchFamily="34" charset="0"/>
+                        </a:rPr>
+                        <a:t>16.933987</a:t>
+                      </a:r>
+                    </a:p>
+                  </a:txBody>
+                  <a:tcPr anchor="ctr"/>
+                </a:tc>
+                <a:tc>
+                  <a:txBody>
+                    <a:bodyPr/>
+                    <a:lstStyle/>
+                    <a:p>
+                      <a:pPr marL="0" marR="0" lvl="0" indent="0" algn="ctr" defTabSz="914400" rtl="0" eaLnBrk="1" fontAlgn="auto" latinLnBrk="0" hangingPunct="1">
+                        <a:lnSpc>
+                          <a:spcPct val="100000"/>
+                        </a:lnSpc>
+                        <a:spcBef>
+                          <a:spcPts val="0"/>
+                        </a:spcBef>
+                        <a:spcAft>
+                          <a:spcPts val="0"/>
+                        </a:spcAft>
+                        <a:buClrTx/>
+                        <a:buSzTx/>
+                        <a:buFontTx/>
+                        <a:buNone/>
+                        <a:tabLst/>
+                        <a:defRPr/>
+                      </a:pPr>
+                      <a:r>
+                        <a:rPr lang="pt-PT" sz="1400" dirty="0">
+                          <a:latin typeface="Calibri" panose="020F0502020204030204" pitchFamily="34" charset="0"/>
+                          <a:ea typeface="Calibri" panose="020F0502020204030204" pitchFamily="34" charset="0"/>
+                          <a:cs typeface="Calibri" panose="020F0502020204030204" pitchFamily="34" charset="0"/>
+                        </a:rPr>
+                        <a:t>0.135016</a:t>
+                      </a:r>
+                    </a:p>
+                  </a:txBody>
+                  <a:tcPr anchor="ctr"/>
+                </a:tc>
+                <a:tc>
+                  <a:txBody>
+                    <a:bodyPr/>
+                    <a:lstStyle/>
+                    <a:p>
+                      <a:pPr algn="ctr"/>
+                      <a:r>
+                        <a:rPr lang="pt-PT" sz="1400" dirty="0">
+                          <a:latin typeface="Calibri" panose="020F0502020204030204" pitchFamily="34" charset="0"/>
+                          <a:ea typeface="Calibri" panose="020F0502020204030204" pitchFamily="34" charset="0"/>
+                          <a:cs typeface="Calibri" panose="020F0502020204030204" pitchFamily="34" charset="0"/>
+                        </a:rPr>
+                        <a:t>16.660244</a:t>
+                      </a:r>
+                    </a:p>
+                  </a:txBody>
+                  <a:tcPr anchor="ctr"/>
+                </a:tc>
+                <a:tc>
+                  <a:txBody>
+                    <a:bodyPr/>
+                    <a:lstStyle/>
+                    <a:p>
+                      <a:pPr marL="0" marR="0" lvl="0" indent="0" algn="ctr" defTabSz="914400" rtl="0" eaLnBrk="1" fontAlgn="auto" latinLnBrk="0" hangingPunct="1">
+                        <a:lnSpc>
+                          <a:spcPct val="100000"/>
+                        </a:lnSpc>
+                        <a:spcBef>
+                          <a:spcPts val="0"/>
+                        </a:spcBef>
+                        <a:spcAft>
+                          <a:spcPts val="0"/>
+                        </a:spcAft>
+                        <a:buClrTx/>
+                        <a:buSzTx/>
+                        <a:buFontTx/>
+                        <a:buNone/>
+                        <a:tabLst/>
+                        <a:defRPr/>
+                      </a:pPr>
+                      <a:r>
+                        <a:rPr lang="pt-PT" sz="1400" dirty="0">
+                          <a:latin typeface="Calibri" panose="020F0502020204030204" pitchFamily="34" charset="0"/>
+                          <a:ea typeface="Calibri" panose="020F0502020204030204" pitchFamily="34" charset="0"/>
+                          <a:cs typeface="Calibri" panose="020F0502020204030204" pitchFamily="34" charset="0"/>
+                        </a:rPr>
+                        <a:t>0.193803</a:t>
+                      </a:r>
+                    </a:p>
+                  </a:txBody>
+                  <a:tcPr anchor="ctr"/>
+                </a:tc>
+                <a:extLst>
+                  <a:ext uri="{0D108BD9-81ED-4DB2-BD59-A6C34878D82A}">
+                    <a16:rowId xmlns:a16="http://schemas.microsoft.com/office/drawing/2014/main" val="2028467105"/>
+                  </a:ext>
+                </a:extLst>
+              </a:tr>
+            </a:tbl>
+          </a:graphicData>
+        </a:graphic>
+      </p:graphicFrame>
+      <p:graphicFrame>
+        <p:nvGraphicFramePr>
+          <p:cNvPr id="5" name="Tabela 4">
+            <a:extLst>
+              <a:ext uri="{FF2B5EF4-FFF2-40B4-BE49-F238E27FC236}">
+                <a16:creationId xmlns:a16="http://schemas.microsoft.com/office/drawing/2014/main" id="{A06F1C4E-4F81-4F2E-B53F-AEE00C1F0F5E}"/>
+              </a:ext>
+            </a:extLst>
+          </p:cNvPr>
+          <p:cNvGraphicFramePr>
+            <a:graphicFrameLocks/>
+          </p:cNvGraphicFramePr>
+          <p:nvPr>
+            <p:extLst>
+              <p:ext uri="{D42A27DB-BD31-4B8C-83A1-F6EECF244321}">
+                <p14:modId xmlns:p14="http://schemas.microsoft.com/office/powerpoint/2010/main" val="1773529267"/>
+              </p:ext>
+            </p:extLst>
+          </p:nvPr>
+        </p:nvGraphicFramePr>
+        <p:xfrm>
+          <a:off x="1449882" y="4070385"/>
+          <a:ext cx="9604370" cy="2407920"/>
         </p:xfrm>
         <a:graphic>
           <a:graphicData uri="http://schemas.openxmlformats.org/drawingml/2006/table">
@@ -6803,44 +8524,72 @@
                     </a:ext>
                   </a:extLst>
                 </a:gridCol>
-                <a:gridCol w="1920874">
+                <a:gridCol w="960437">
                   <a:extLst>
                     <a:ext uri="{9D8B030D-6E8A-4147-A177-3AD203B41FA5}">
                       <a16:colId xmlns:a16="http://schemas.microsoft.com/office/drawing/2014/main" val="1694873685"/>
                     </a:ext>
                   </a:extLst>
                 </a:gridCol>
-                <a:gridCol w="1920874">
+                <a:gridCol w="960437">
+                  <a:extLst>
+                    <a:ext uri="{9D8B030D-6E8A-4147-A177-3AD203B41FA5}">
+                      <a16:colId xmlns:a16="http://schemas.microsoft.com/office/drawing/2014/main" val="3360597691"/>
+                    </a:ext>
+                  </a:extLst>
+                </a:gridCol>
+                <a:gridCol w="960437">
                   <a:extLst>
                     <a:ext uri="{9D8B030D-6E8A-4147-A177-3AD203B41FA5}">
                       <a16:colId xmlns:a16="http://schemas.microsoft.com/office/drawing/2014/main" val="1516063400"/>
                     </a:ext>
                   </a:extLst>
                 </a:gridCol>
-                <a:gridCol w="1920874">
+                <a:gridCol w="960437">
+                  <a:extLst>
+                    <a:ext uri="{9D8B030D-6E8A-4147-A177-3AD203B41FA5}">
+                      <a16:colId xmlns:a16="http://schemas.microsoft.com/office/drawing/2014/main" val="525659777"/>
+                    </a:ext>
+                  </a:extLst>
+                </a:gridCol>
+                <a:gridCol w="960437">
                   <a:extLst>
                     <a:ext uri="{9D8B030D-6E8A-4147-A177-3AD203B41FA5}">
                       <a16:colId xmlns:a16="http://schemas.microsoft.com/office/drawing/2014/main" val="1935499054"/>
                     </a:ext>
                   </a:extLst>
                 </a:gridCol>
-                <a:gridCol w="1920874">
+                <a:gridCol w="960437">
+                  <a:extLst>
+                    <a:ext uri="{9D8B030D-6E8A-4147-A177-3AD203B41FA5}">
+                      <a16:colId xmlns:a16="http://schemas.microsoft.com/office/drawing/2014/main" val="3677099432"/>
+                    </a:ext>
+                  </a:extLst>
+                </a:gridCol>
+                <a:gridCol w="960437">
                   <a:extLst>
                     <a:ext uri="{9D8B030D-6E8A-4147-A177-3AD203B41FA5}">
                       <a16:colId xmlns:a16="http://schemas.microsoft.com/office/drawing/2014/main" val="3036198595"/>
                     </a:ext>
                   </a:extLst>
                 </a:gridCol>
+                <a:gridCol w="960437">
+                  <a:extLst>
+                    <a:ext uri="{9D8B030D-6E8A-4147-A177-3AD203B41FA5}">
+                      <a16:colId xmlns:a16="http://schemas.microsoft.com/office/drawing/2014/main" val="1626575749"/>
+                    </a:ext>
+                  </a:extLst>
+                </a:gridCol>
               </a:tblGrid>
-              <a:tr h="370840">
-                <a:tc>
-                  <a:txBody>
-                    <a:bodyPr/>
-                    <a:lstStyle/>
-                    <a:p>
-                      <a:pPr algn="ctr"/>
-                      <a:r>
-                        <a:rPr lang="pt-PT" b="0" dirty="0" err="1">
+              <a:tr h="191521">
+                <a:tc rowSpan="2">
+                  <a:txBody>
+                    <a:bodyPr/>
+                    <a:lstStyle/>
+                    <a:p>
+                      <a:pPr algn="ctr"/>
+                      <a:r>
+                        <a:rPr lang="pt-PT" sz="2000" b="0" dirty="0" err="1">
                           <a:latin typeface="Calibri" panose="020F0502020204030204" pitchFamily="34" charset="0"/>
                           <a:ea typeface="Calibri" panose="020F0502020204030204" pitchFamily="34" charset="0"/>
                           <a:cs typeface="Calibri" panose="020F0502020204030204" pitchFamily="34" charset="0"/>
@@ -6848,7 +8597,7 @@
                         <a:t>Binary</a:t>
                       </a:r>
                       <a:r>
-                        <a:rPr lang="pt-PT" b="0" dirty="0">
+                        <a:rPr lang="pt-PT" sz="2000" b="0" dirty="0">
                           <a:latin typeface="Calibri" panose="020F0502020204030204" pitchFamily="34" charset="0"/>
                           <a:ea typeface="Calibri" panose="020F0502020204030204" pitchFamily="34" charset="0"/>
                           <a:cs typeface="Calibri" panose="020F0502020204030204" pitchFamily="34" charset="0"/>
@@ -6857,9 +8606,9 @@
                       </a:r>
                     </a:p>
                   </a:txBody>
-                  <a:tcPr/>
-                </a:tc>
-                <a:tc>
+                  <a:tcPr anchor="ctr"/>
+                </a:tc>
+                <a:tc gridSpan="2">
                   <a:txBody>
                     <a:bodyPr/>
                     <a:lstStyle/>
@@ -6882,7 +8631,17 @@
                   </a:txBody>
                   <a:tcPr/>
                 </a:tc>
-                <a:tc>
+                <a:tc hMerge="1">
+                  <a:txBody>
+                    <a:bodyPr/>
+                    <a:lstStyle/>
+                    <a:p>
+                      <a:endParaRPr lang="pt-PT"/>
+                    </a:p>
+                  </a:txBody>
+                  <a:tcPr/>
+                </a:tc>
+                <a:tc gridSpan="2">
                   <a:txBody>
                     <a:bodyPr/>
                     <a:lstStyle/>
@@ -6905,7 +8664,17 @@
                   </a:txBody>
                   <a:tcPr/>
                 </a:tc>
-                <a:tc>
+                <a:tc hMerge="1">
+                  <a:txBody>
+                    <a:bodyPr/>
+                    <a:lstStyle/>
+                    <a:p>
+                      <a:endParaRPr lang="pt-PT"/>
+                    </a:p>
+                  </a:txBody>
+                  <a:tcPr/>
+                </a:tc>
+                <a:tc gridSpan="2">
                   <a:txBody>
                     <a:bodyPr/>
                     <a:lstStyle/>
@@ -6928,7 +8697,17 @@
                   </a:txBody>
                   <a:tcPr/>
                 </a:tc>
-                <a:tc>
+                <a:tc hMerge="1">
+                  <a:txBody>
+                    <a:bodyPr/>
+                    <a:lstStyle/>
+                    <a:p>
+                      <a:endParaRPr lang="pt-PT"/>
+                    </a:p>
+                  </a:txBody>
+                  <a:tcPr/>
+                </a:tc>
+                <a:tc gridSpan="2">
                   <a:txBody>
                     <a:bodyPr/>
                     <a:lstStyle/>
@@ -6947,6 +8726,16 @@
                         <a:ea typeface="Calibri" panose="020F0502020204030204" pitchFamily="34" charset="0"/>
                         <a:cs typeface="Calibri" panose="020F0502020204030204" pitchFamily="34" charset="0"/>
                       </a:endParaRPr>
+                    </a:p>
+                  </a:txBody>
+                  <a:tcPr/>
+                </a:tc>
+                <a:tc hMerge="1">
+                  <a:txBody>
+                    <a:bodyPr/>
+                    <a:lstStyle/>
+                    <a:p>
+                      <a:endParaRPr lang="pt-PT"/>
                     </a:p>
                   </a:txBody>
                   <a:tcPr/>
@@ -6957,7 +8746,293 @@
                   </a:ext>
                 </a:extLst>
               </a:tr>
-              <a:tr h="370840">
+              <a:tr h="303242">
+                <a:tc vMerge="1">
+                  <a:txBody>
+                    <a:bodyPr/>
+                    <a:lstStyle/>
+                    <a:p>
+                      <a:pPr algn="ctr"/>
+                      <a:endParaRPr lang="pt-PT" dirty="0">
+                        <a:latin typeface="Calibri" panose="020F0502020204030204" pitchFamily="34" charset="0"/>
+                        <a:ea typeface="Calibri" panose="020F0502020204030204" pitchFamily="34" charset="0"/>
+                        <a:cs typeface="Calibri" panose="020F0502020204030204" pitchFamily="34" charset="0"/>
+                      </a:endParaRPr>
+                    </a:p>
+                  </a:txBody>
+                  <a:tcPr/>
+                </a:tc>
+                <a:tc>
+                  <a:txBody>
+                    <a:bodyPr/>
+                    <a:lstStyle/>
+                    <a:p>
+                      <a:pPr algn="ctr"/>
+                      <a:r>
+                        <a:rPr lang="pt-PT" sz="1600" dirty="0" err="1">
+                          <a:latin typeface="Calibri" panose="020F0502020204030204" pitchFamily="34" charset="0"/>
+                          <a:ea typeface="Calibri" panose="020F0502020204030204" pitchFamily="34" charset="0"/>
+                          <a:cs typeface="Calibri" panose="020F0502020204030204" pitchFamily="34" charset="0"/>
+                        </a:rPr>
+                        <a:t>Median</a:t>
+                      </a:r>
+                      <a:endParaRPr lang="pt-PT" sz="1600" dirty="0">
+                        <a:latin typeface="Calibri" panose="020F0502020204030204" pitchFamily="34" charset="0"/>
+                        <a:ea typeface="Calibri" panose="020F0502020204030204" pitchFamily="34" charset="0"/>
+                        <a:cs typeface="Calibri" panose="020F0502020204030204" pitchFamily="34" charset="0"/>
+                      </a:endParaRPr>
+                    </a:p>
+                  </a:txBody>
+                  <a:tcPr anchor="ctr">
+                    <a:solidFill>
+                      <a:schemeClr val="bg2">
+                        <a:lumMod val="75000"/>
+                      </a:schemeClr>
+                    </a:solidFill>
+                  </a:tcPr>
+                </a:tc>
+                <a:tc>
+                  <a:txBody>
+                    <a:bodyPr/>
+                    <a:lstStyle/>
+                    <a:p>
+                      <a:pPr algn="ctr"/>
+                      <a:r>
+                        <a:rPr lang="pt-PT" sz="1600" dirty="0">
+                          <a:latin typeface="Calibri" panose="020F0502020204030204" pitchFamily="34" charset="0"/>
+                          <a:ea typeface="Calibri" panose="020F0502020204030204" pitchFamily="34" charset="0"/>
+                          <a:cs typeface="Calibri" panose="020F0502020204030204" pitchFamily="34" charset="0"/>
+                        </a:rPr>
+                        <a:t>Standard </a:t>
+                      </a:r>
+                      <a:r>
+                        <a:rPr lang="pt-PT" sz="1600" dirty="0" err="1">
+                          <a:latin typeface="Calibri" panose="020F0502020204030204" pitchFamily="34" charset="0"/>
+                          <a:ea typeface="Calibri" panose="020F0502020204030204" pitchFamily="34" charset="0"/>
+                          <a:cs typeface="Calibri" panose="020F0502020204030204" pitchFamily="34" charset="0"/>
+                        </a:rPr>
+                        <a:t>deviation</a:t>
+                      </a:r>
+                      <a:endParaRPr lang="pt-PT" sz="1600" dirty="0">
+                        <a:latin typeface="Calibri" panose="020F0502020204030204" pitchFamily="34" charset="0"/>
+                        <a:ea typeface="Calibri" panose="020F0502020204030204" pitchFamily="34" charset="0"/>
+                        <a:cs typeface="Calibri" panose="020F0502020204030204" pitchFamily="34" charset="0"/>
+                      </a:endParaRPr>
+                    </a:p>
+                  </a:txBody>
+                  <a:tcPr anchor="ctr">
+                    <a:solidFill>
+                      <a:schemeClr val="bg2">
+                        <a:lumMod val="75000"/>
+                      </a:schemeClr>
+                    </a:solidFill>
+                  </a:tcPr>
+                </a:tc>
+                <a:tc>
+                  <a:txBody>
+                    <a:bodyPr/>
+                    <a:lstStyle/>
+                    <a:p>
+                      <a:pPr algn="ctr"/>
+                      <a:r>
+                        <a:rPr lang="pt-PT" sz="1600" dirty="0" err="1">
+                          <a:latin typeface="Calibri" panose="020F0502020204030204" pitchFamily="34" charset="0"/>
+                          <a:ea typeface="Calibri" panose="020F0502020204030204" pitchFamily="34" charset="0"/>
+                          <a:cs typeface="Calibri" panose="020F0502020204030204" pitchFamily="34" charset="0"/>
+                        </a:rPr>
+                        <a:t>Median</a:t>
+                      </a:r>
+                      <a:endParaRPr lang="pt-PT" sz="1600" dirty="0">
+                        <a:latin typeface="Calibri" panose="020F0502020204030204" pitchFamily="34" charset="0"/>
+                        <a:ea typeface="Calibri" panose="020F0502020204030204" pitchFamily="34" charset="0"/>
+                        <a:cs typeface="Calibri" panose="020F0502020204030204" pitchFamily="34" charset="0"/>
+                      </a:endParaRPr>
+                    </a:p>
+                  </a:txBody>
+                  <a:tcPr anchor="ctr">
+                    <a:solidFill>
+                      <a:schemeClr val="bg2">
+                        <a:lumMod val="75000"/>
+                      </a:schemeClr>
+                    </a:solidFill>
+                  </a:tcPr>
+                </a:tc>
+                <a:tc>
+                  <a:txBody>
+                    <a:bodyPr/>
+                    <a:lstStyle/>
+                    <a:p>
+                      <a:pPr algn="ctr"/>
+                      <a:r>
+                        <a:rPr lang="pt-PT" sz="1600" dirty="0">
+                          <a:latin typeface="Calibri" panose="020F0502020204030204" pitchFamily="34" charset="0"/>
+                          <a:ea typeface="Calibri" panose="020F0502020204030204" pitchFamily="34" charset="0"/>
+                          <a:cs typeface="Calibri" panose="020F0502020204030204" pitchFamily="34" charset="0"/>
+                        </a:rPr>
+                        <a:t>Standard </a:t>
+                      </a:r>
+                      <a:r>
+                        <a:rPr lang="pt-PT" sz="1600" dirty="0" err="1">
+                          <a:latin typeface="Calibri" panose="020F0502020204030204" pitchFamily="34" charset="0"/>
+                          <a:ea typeface="Calibri" panose="020F0502020204030204" pitchFamily="34" charset="0"/>
+                          <a:cs typeface="Calibri" panose="020F0502020204030204" pitchFamily="34" charset="0"/>
+                        </a:rPr>
+                        <a:t>deviation</a:t>
+                      </a:r>
+                      <a:endParaRPr lang="pt-PT" sz="1600" dirty="0">
+                        <a:latin typeface="Calibri" panose="020F0502020204030204" pitchFamily="34" charset="0"/>
+                        <a:ea typeface="Calibri" panose="020F0502020204030204" pitchFamily="34" charset="0"/>
+                        <a:cs typeface="Calibri" panose="020F0502020204030204" pitchFamily="34" charset="0"/>
+                      </a:endParaRPr>
+                    </a:p>
+                  </a:txBody>
+                  <a:tcPr anchor="ctr">
+                    <a:solidFill>
+                      <a:schemeClr val="bg2">
+                        <a:lumMod val="75000"/>
+                      </a:schemeClr>
+                    </a:solidFill>
+                  </a:tcPr>
+                </a:tc>
+                <a:tc>
+                  <a:txBody>
+                    <a:bodyPr/>
+                    <a:lstStyle/>
+                    <a:p>
+                      <a:pPr algn="ctr"/>
+                      <a:r>
+                        <a:rPr lang="pt-PT" sz="1600" dirty="0" err="1">
+                          <a:latin typeface="Calibri" panose="020F0502020204030204" pitchFamily="34" charset="0"/>
+                          <a:ea typeface="Calibri" panose="020F0502020204030204" pitchFamily="34" charset="0"/>
+                          <a:cs typeface="Calibri" panose="020F0502020204030204" pitchFamily="34" charset="0"/>
+                        </a:rPr>
+                        <a:t>Median</a:t>
+                      </a:r>
+                      <a:endParaRPr lang="pt-PT" sz="1600" dirty="0">
+                        <a:latin typeface="Calibri" panose="020F0502020204030204" pitchFamily="34" charset="0"/>
+                        <a:ea typeface="Calibri" panose="020F0502020204030204" pitchFamily="34" charset="0"/>
+                        <a:cs typeface="Calibri" panose="020F0502020204030204" pitchFamily="34" charset="0"/>
+                      </a:endParaRPr>
+                    </a:p>
+                  </a:txBody>
+                  <a:tcPr anchor="ctr">
+                    <a:solidFill>
+                      <a:schemeClr val="bg2">
+                        <a:lumMod val="75000"/>
+                      </a:schemeClr>
+                    </a:solidFill>
+                  </a:tcPr>
+                </a:tc>
+                <a:tc>
+                  <a:txBody>
+                    <a:bodyPr/>
+                    <a:lstStyle/>
+                    <a:p>
+                      <a:pPr algn="ctr"/>
+                      <a:r>
+                        <a:rPr lang="pt-PT" sz="1600" dirty="0">
+                          <a:latin typeface="Calibri" panose="020F0502020204030204" pitchFamily="34" charset="0"/>
+                          <a:ea typeface="Calibri" panose="020F0502020204030204" pitchFamily="34" charset="0"/>
+                          <a:cs typeface="Calibri" panose="020F0502020204030204" pitchFamily="34" charset="0"/>
+                        </a:rPr>
+                        <a:t>Standard </a:t>
+                      </a:r>
+                      <a:r>
+                        <a:rPr lang="pt-PT" sz="1600" dirty="0" err="1">
+                          <a:latin typeface="Calibri" panose="020F0502020204030204" pitchFamily="34" charset="0"/>
+                          <a:ea typeface="Calibri" panose="020F0502020204030204" pitchFamily="34" charset="0"/>
+                          <a:cs typeface="Calibri" panose="020F0502020204030204" pitchFamily="34" charset="0"/>
+                        </a:rPr>
+                        <a:t>deviation</a:t>
+                      </a:r>
+                      <a:endParaRPr lang="pt-PT" sz="1600" dirty="0">
+                        <a:latin typeface="Calibri" panose="020F0502020204030204" pitchFamily="34" charset="0"/>
+                        <a:ea typeface="Calibri" panose="020F0502020204030204" pitchFamily="34" charset="0"/>
+                        <a:cs typeface="Calibri" panose="020F0502020204030204" pitchFamily="34" charset="0"/>
+                      </a:endParaRPr>
+                    </a:p>
+                  </a:txBody>
+                  <a:tcPr anchor="ctr">
+                    <a:solidFill>
+                      <a:schemeClr val="bg2">
+                        <a:lumMod val="75000"/>
+                      </a:schemeClr>
+                    </a:solidFill>
+                  </a:tcPr>
+                </a:tc>
+                <a:tc>
+                  <a:txBody>
+                    <a:bodyPr/>
+                    <a:lstStyle/>
+                    <a:p>
+                      <a:pPr algn="ctr"/>
+                      <a:r>
+                        <a:rPr lang="pt-PT" sz="1600" dirty="0" err="1">
+                          <a:latin typeface="Calibri" panose="020F0502020204030204" pitchFamily="34" charset="0"/>
+                          <a:ea typeface="Calibri" panose="020F0502020204030204" pitchFamily="34" charset="0"/>
+                          <a:cs typeface="Calibri" panose="020F0502020204030204" pitchFamily="34" charset="0"/>
+                        </a:rPr>
+                        <a:t>Median</a:t>
+                      </a:r>
+                      <a:endParaRPr lang="pt-PT" sz="1600" dirty="0">
+                        <a:latin typeface="Calibri" panose="020F0502020204030204" pitchFamily="34" charset="0"/>
+                        <a:ea typeface="Calibri" panose="020F0502020204030204" pitchFamily="34" charset="0"/>
+                        <a:cs typeface="Calibri" panose="020F0502020204030204" pitchFamily="34" charset="0"/>
+                      </a:endParaRPr>
+                    </a:p>
+                  </a:txBody>
+                  <a:tcPr anchor="ctr">
+                    <a:solidFill>
+                      <a:schemeClr val="bg2">
+                        <a:lumMod val="75000"/>
+                      </a:schemeClr>
+                    </a:solidFill>
+                  </a:tcPr>
+                </a:tc>
+                <a:tc>
+                  <a:txBody>
+                    <a:bodyPr/>
+                    <a:lstStyle/>
+                    <a:p>
+                      <a:pPr algn="ctr"/>
+                      <a:r>
+                        <a:rPr lang="pt-PT" sz="1600" dirty="0">
+                          <a:latin typeface="Calibri" panose="020F0502020204030204" pitchFamily="34" charset="0"/>
+                          <a:ea typeface="Calibri" panose="020F0502020204030204" pitchFamily="34" charset="0"/>
+                          <a:cs typeface="Calibri" panose="020F0502020204030204" pitchFamily="34" charset="0"/>
+                        </a:rPr>
+                        <a:t>Standard </a:t>
+                      </a:r>
+                      <a:r>
+                        <a:rPr lang="pt-PT" sz="1600" dirty="0" err="1">
+                          <a:latin typeface="Calibri" panose="020F0502020204030204" pitchFamily="34" charset="0"/>
+                          <a:ea typeface="Calibri" panose="020F0502020204030204" pitchFamily="34" charset="0"/>
+                          <a:cs typeface="Calibri" panose="020F0502020204030204" pitchFamily="34" charset="0"/>
+                        </a:rPr>
+                        <a:t>deviation</a:t>
+                      </a:r>
+                      <a:endParaRPr lang="pt-PT" sz="1600" dirty="0">
+                        <a:latin typeface="Calibri" panose="020F0502020204030204" pitchFamily="34" charset="0"/>
+                        <a:ea typeface="Calibri" panose="020F0502020204030204" pitchFamily="34" charset="0"/>
+                        <a:cs typeface="Calibri" panose="020F0502020204030204" pitchFamily="34" charset="0"/>
+                      </a:endParaRPr>
+                    </a:p>
+                  </a:txBody>
+                  <a:tcPr anchor="ctr">
+                    <a:solidFill>
+                      <a:schemeClr val="bg2">
+                        <a:lumMod val="75000"/>
+                      </a:schemeClr>
+                    </a:solidFill>
+                  </a:tcPr>
+                </a:tc>
+                <a:extLst>
+                  <a:ext uri="{0D108BD9-81ED-4DB2-BD59-A6C34878D82A}">
+                    <a16:rowId xmlns:a16="http://schemas.microsoft.com/office/drawing/2014/main" val="92455586"/>
+                  </a:ext>
+                </a:extLst>
+              </a:tr>
+              <a:tr h="191521">
                 <a:tc>
                   <a:txBody>
                     <a:bodyPr/>
@@ -6974,79 +9049,130 @@
                       </a:r>
                     </a:p>
                   </a:txBody>
-                  <a:tcPr/>
-                </a:tc>
-                <a:tc>
-                  <a:txBody>
-                    <a:bodyPr/>
-                    <a:lstStyle/>
-                    <a:p>
-                      <a:pPr algn="ctr"/>
-                      <a:r>
-                        <a:rPr lang="pt-PT" dirty="0">
+                  <a:tcPr anchor="ctr"/>
+                </a:tc>
+                <a:tc>
+                  <a:txBody>
+                    <a:bodyPr/>
+                    <a:lstStyle/>
+                    <a:p>
+                      <a:pPr algn="ctr"/>
+                      <a:r>
+                        <a:rPr lang="pt-PT" sz="1400" dirty="0">
                           <a:latin typeface="Calibri" panose="020F0502020204030204" pitchFamily="34" charset="0"/>
                           <a:ea typeface="Calibri" panose="020F0502020204030204" pitchFamily="34" charset="0"/>
                           <a:cs typeface="Calibri" panose="020F0502020204030204" pitchFamily="34" charset="0"/>
                         </a:rPr>
-                        <a:t>0.00346 (s)</a:t>
-                      </a:r>
-                    </a:p>
-                  </a:txBody>
-                  <a:tcPr/>
-                </a:tc>
-                <a:tc>
-                  <a:txBody>
-                    <a:bodyPr/>
-                    <a:lstStyle/>
-                    <a:p>
-                      <a:pPr algn="ctr"/>
-                      <a:r>
-                        <a:rPr lang="pt-PT" dirty="0">
-                          <a:latin typeface="Calibri" panose="020F0502020204030204" pitchFamily="34" charset="0"/>
-                          <a:ea typeface="Calibri" panose="020F0502020204030204" pitchFamily="34" charset="0"/>
-                          <a:cs typeface="Calibri" panose="020F0502020204030204" pitchFamily="34" charset="0"/>
-                        </a:rPr>
-                        <a:t>0.003670 (s)</a:t>
-                      </a:r>
-                    </a:p>
-                  </a:txBody>
-                  <a:tcPr/>
-                </a:tc>
-                <a:tc>
-                  <a:txBody>
-                    <a:bodyPr/>
-                    <a:lstStyle/>
-                    <a:p>
-                      <a:pPr algn="ctr"/>
-                      <a:r>
-                        <a:rPr lang="pt-PT" dirty="0">
-                          <a:latin typeface="Calibri" panose="020F0502020204030204" pitchFamily="34" charset="0"/>
-                          <a:ea typeface="Calibri" panose="020F0502020204030204" pitchFamily="34" charset="0"/>
-                          <a:cs typeface="Calibri" panose="020F0502020204030204" pitchFamily="34" charset="0"/>
-                        </a:rPr>
-                        <a:t>0.00375 (s)</a:t>
-                      </a:r>
-                    </a:p>
-                  </a:txBody>
-                  <a:tcPr/>
-                </a:tc>
-                <a:tc>
-                  <a:txBody>
-                    <a:bodyPr/>
-                    <a:lstStyle/>
-                    <a:p>
-                      <a:pPr algn="ctr"/>
-                      <a:r>
-                        <a:rPr lang="pt-PT" dirty="0">
-                          <a:latin typeface="Calibri" panose="020F0502020204030204" pitchFamily="34" charset="0"/>
-                          <a:ea typeface="Calibri" panose="020F0502020204030204" pitchFamily="34" charset="0"/>
-                          <a:cs typeface="Calibri" panose="020F0502020204030204" pitchFamily="34" charset="0"/>
-                        </a:rPr>
-                        <a:t>0.00353 (s)</a:t>
-                      </a:r>
-                    </a:p>
-                  </a:txBody>
-                  <a:tcPr/>
+                        <a:t> </a:t>
+                      </a:r>
+                    </a:p>
+                  </a:txBody>
+                  <a:tcPr anchor="ctr"/>
+                </a:tc>
+                <a:tc>
+                  <a:txBody>
+                    <a:bodyPr/>
+                    <a:lstStyle/>
+                    <a:p>
+                      <a:pPr algn="ctr"/>
+                      <a:endParaRPr lang="pt-PT" sz="1400" dirty="0">
+                        <a:latin typeface="Calibri" panose="020F0502020204030204" pitchFamily="34" charset="0"/>
+                        <a:ea typeface="Calibri" panose="020F0502020204030204" pitchFamily="34" charset="0"/>
+                        <a:cs typeface="Calibri" panose="020F0502020204030204" pitchFamily="34" charset="0"/>
+                      </a:endParaRPr>
+                    </a:p>
+                  </a:txBody>
+                  <a:tcPr anchor="ctr"/>
+                </a:tc>
+                <a:tc>
+                  <a:txBody>
+                    <a:bodyPr/>
+                    <a:lstStyle/>
+                    <a:p>
+                      <a:pPr algn="ctr"/>
+                      <a:endParaRPr lang="pt-PT" sz="1400" dirty="0">
+                        <a:latin typeface="Calibri" panose="020F0502020204030204" pitchFamily="34" charset="0"/>
+                        <a:ea typeface="Calibri" panose="020F0502020204030204" pitchFamily="34" charset="0"/>
+                        <a:cs typeface="Calibri" panose="020F0502020204030204" pitchFamily="34" charset="0"/>
+                      </a:endParaRPr>
+                    </a:p>
+                  </a:txBody>
+                  <a:tcPr anchor="ctr"/>
+                </a:tc>
+                <a:tc>
+                  <a:txBody>
+                    <a:bodyPr/>
+                    <a:lstStyle/>
+                    <a:p>
+                      <a:pPr algn="ctr"/>
+                      <a:endParaRPr lang="pt-PT" sz="1400" dirty="0">
+                        <a:latin typeface="Calibri" panose="020F0502020204030204" pitchFamily="34" charset="0"/>
+                        <a:ea typeface="Calibri" panose="020F0502020204030204" pitchFamily="34" charset="0"/>
+                        <a:cs typeface="Calibri" panose="020F0502020204030204" pitchFamily="34" charset="0"/>
+                      </a:endParaRPr>
+                    </a:p>
+                  </a:txBody>
+                  <a:tcPr anchor="ctr"/>
+                </a:tc>
+                <a:tc>
+                  <a:txBody>
+                    <a:bodyPr/>
+                    <a:lstStyle/>
+                    <a:p>
+                      <a:pPr algn="ctr"/>
+                      <a:endParaRPr lang="pt-PT" sz="1400" dirty="0">
+                        <a:latin typeface="Calibri" panose="020F0502020204030204" pitchFamily="34" charset="0"/>
+                        <a:ea typeface="Calibri" panose="020F0502020204030204" pitchFamily="34" charset="0"/>
+                        <a:cs typeface="Calibri" panose="020F0502020204030204" pitchFamily="34" charset="0"/>
+                      </a:endParaRPr>
+                    </a:p>
+                  </a:txBody>
+                  <a:tcPr anchor="ctr"/>
+                </a:tc>
+                <a:tc>
+                  <a:txBody>
+                    <a:bodyPr/>
+                    <a:lstStyle/>
+                    <a:p>
+                      <a:pPr algn="ctr"/>
+                      <a:endParaRPr lang="pt-PT" sz="1400" dirty="0">
+                        <a:latin typeface="Calibri" panose="020F0502020204030204" pitchFamily="34" charset="0"/>
+                        <a:ea typeface="Calibri" panose="020F0502020204030204" pitchFamily="34" charset="0"/>
+                        <a:cs typeface="Calibri" panose="020F0502020204030204" pitchFamily="34" charset="0"/>
+                      </a:endParaRPr>
+                    </a:p>
+                  </a:txBody>
+                  <a:tcPr anchor="ctr"/>
+                </a:tc>
+                <a:tc>
+                  <a:txBody>
+                    <a:bodyPr/>
+                    <a:lstStyle/>
+                    <a:p>
+                      <a:pPr algn="ctr"/>
+                      <a:endParaRPr lang="pt-PT" sz="1400" dirty="0">
+                        <a:latin typeface="Calibri" panose="020F0502020204030204" pitchFamily="34" charset="0"/>
+                        <a:ea typeface="Calibri" panose="020F0502020204030204" pitchFamily="34" charset="0"/>
+                        <a:cs typeface="Calibri" panose="020F0502020204030204" pitchFamily="34" charset="0"/>
+                      </a:endParaRPr>
+                    </a:p>
+                  </a:txBody>
+                  <a:tcPr anchor="ctr"/>
+                </a:tc>
+                <a:tc>
+                  <a:txBody>
+                    <a:bodyPr/>
+                    <a:lstStyle/>
+                    <a:p>
+                      <a:pPr algn="ctr"/>
+                      <a:endParaRPr lang="pt-PT" sz="1400" dirty="0">
+                        <a:latin typeface="Calibri" panose="020F0502020204030204" pitchFamily="34" charset="0"/>
+                        <a:ea typeface="Calibri" panose="020F0502020204030204" pitchFamily="34" charset="0"/>
+                        <a:cs typeface="Calibri" panose="020F0502020204030204" pitchFamily="34" charset="0"/>
+                      </a:endParaRPr>
+                    </a:p>
+                  </a:txBody>
+                  <a:tcPr anchor="ctr"/>
                 </a:tc>
                 <a:extLst>
                   <a:ext uri="{0D108BD9-81ED-4DB2-BD59-A6C34878D82A}">
@@ -7054,7 +9180,7 @@
                   </a:ext>
                 </a:extLst>
               </a:tr>
-              <a:tr h="370840">
+              <a:tr h="191521">
                 <a:tc>
                   <a:txBody>
                     <a:bodyPr/>
@@ -7071,79 +9197,127 @@
                       </a:r>
                     </a:p>
                   </a:txBody>
-                  <a:tcPr/>
-                </a:tc>
-                <a:tc>
-                  <a:txBody>
-                    <a:bodyPr/>
-                    <a:lstStyle/>
-                    <a:p>
-                      <a:pPr algn="ctr"/>
-                      <a:r>
-                        <a:rPr lang="pt-PT" dirty="0">
-                          <a:latin typeface="Calibri" panose="020F0502020204030204" pitchFamily="34" charset="0"/>
-                          <a:ea typeface="Calibri" panose="020F0502020204030204" pitchFamily="34" charset="0"/>
-                          <a:cs typeface="Calibri" panose="020F0502020204030204" pitchFamily="34" charset="0"/>
-                        </a:rPr>
-                        <a:t>0.25714 (s)</a:t>
-                      </a:r>
-                    </a:p>
-                  </a:txBody>
-                  <a:tcPr/>
-                </a:tc>
-                <a:tc>
-                  <a:txBody>
-                    <a:bodyPr/>
-                    <a:lstStyle/>
-                    <a:p>
-                      <a:pPr algn="ctr"/>
-                      <a:r>
-                        <a:rPr lang="pt-PT" dirty="0">
-                          <a:latin typeface="Calibri" panose="020F0502020204030204" pitchFamily="34" charset="0"/>
-                          <a:ea typeface="Calibri" panose="020F0502020204030204" pitchFamily="34" charset="0"/>
-                          <a:cs typeface="Calibri" panose="020F0502020204030204" pitchFamily="34" charset="0"/>
-                        </a:rPr>
-                        <a:t>0.24202 (s)</a:t>
-                      </a:r>
-                    </a:p>
-                  </a:txBody>
-                  <a:tcPr/>
-                </a:tc>
-                <a:tc>
-                  <a:txBody>
-                    <a:bodyPr/>
-                    <a:lstStyle/>
-                    <a:p>
-                      <a:pPr algn="ctr"/>
-                      <a:r>
-                        <a:rPr lang="pt-PT" dirty="0">
-                          <a:latin typeface="Calibri" panose="020F0502020204030204" pitchFamily="34" charset="0"/>
-                          <a:ea typeface="Calibri" panose="020F0502020204030204" pitchFamily="34" charset="0"/>
-                          <a:cs typeface="Calibri" panose="020F0502020204030204" pitchFamily="34" charset="0"/>
-                        </a:rPr>
-                        <a:t>0.25478 (s)</a:t>
-                      </a:r>
-                    </a:p>
-                  </a:txBody>
-                  <a:tcPr/>
-                </a:tc>
-                <a:tc>
-                  <a:txBody>
-                    <a:bodyPr/>
-                    <a:lstStyle/>
-                    <a:p>
-                      <a:pPr algn="ctr"/>
-                      <a:r>
-                        <a:rPr lang="pt-PT" dirty="0">
-                          <a:latin typeface="Calibri" panose="020F0502020204030204" pitchFamily="34" charset="0"/>
-                          <a:ea typeface="Calibri" panose="020F0502020204030204" pitchFamily="34" charset="0"/>
-                          <a:cs typeface="Calibri" panose="020F0502020204030204" pitchFamily="34" charset="0"/>
-                        </a:rPr>
-                        <a:t>0.23286 (s)</a:t>
-                      </a:r>
-                    </a:p>
-                  </a:txBody>
-                  <a:tcPr/>
+                  <a:tcPr anchor="ctr"/>
+                </a:tc>
+                <a:tc>
+                  <a:txBody>
+                    <a:bodyPr/>
+                    <a:lstStyle/>
+                    <a:p>
+                      <a:pPr algn="ctr"/>
+                      <a:endParaRPr lang="pt-PT" sz="1400" dirty="0">
+                        <a:latin typeface="Calibri" panose="020F0502020204030204" pitchFamily="34" charset="0"/>
+                        <a:ea typeface="Calibri" panose="020F0502020204030204" pitchFamily="34" charset="0"/>
+                        <a:cs typeface="Calibri" panose="020F0502020204030204" pitchFamily="34" charset="0"/>
+                      </a:endParaRPr>
+                    </a:p>
+                  </a:txBody>
+                  <a:tcPr anchor="ctr"/>
+                </a:tc>
+                <a:tc>
+                  <a:txBody>
+                    <a:bodyPr/>
+                    <a:lstStyle/>
+                    <a:p>
+                      <a:pPr algn="ctr"/>
+                      <a:endParaRPr lang="pt-PT" sz="1400" dirty="0">
+                        <a:latin typeface="Calibri" panose="020F0502020204030204" pitchFamily="34" charset="0"/>
+                        <a:ea typeface="Calibri" panose="020F0502020204030204" pitchFamily="34" charset="0"/>
+                        <a:cs typeface="Calibri" panose="020F0502020204030204" pitchFamily="34" charset="0"/>
+                      </a:endParaRPr>
+                    </a:p>
+                  </a:txBody>
+                  <a:tcPr anchor="ctr"/>
+                </a:tc>
+                <a:tc>
+                  <a:txBody>
+                    <a:bodyPr/>
+                    <a:lstStyle/>
+                    <a:p>
+                      <a:pPr algn="ctr"/>
+                      <a:endParaRPr lang="pt-PT" sz="1400" dirty="0">
+                        <a:latin typeface="Calibri" panose="020F0502020204030204" pitchFamily="34" charset="0"/>
+                        <a:ea typeface="Calibri" panose="020F0502020204030204" pitchFamily="34" charset="0"/>
+                        <a:cs typeface="Calibri" panose="020F0502020204030204" pitchFamily="34" charset="0"/>
+                      </a:endParaRPr>
+                    </a:p>
+                  </a:txBody>
+                  <a:tcPr anchor="ctr"/>
+                </a:tc>
+                <a:tc>
+                  <a:txBody>
+                    <a:bodyPr/>
+                    <a:lstStyle/>
+                    <a:p>
+                      <a:pPr algn="ctr"/>
+                      <a:endParaRPr lang="pt-PT" sz="1400" dirty="0">
+                        <a:latin typeface="Calibri" panose="020F0502020204030204" pitchFamily="34" charset="0"/>
+                        <a:ea typeface="Calibri" panose="020F0502020204030204" pitchFamily="34" charset="0"/>
+                        <a:cs typeface="Calibri" panose="020F0502020204030204" pitchFamily="34" charset="0"/>
+                      </a:endParaRPr>
+                    </a:p>
+                  </a:txBody>
+                  <a:tcPr anchor="ctr"/>
+                </a:tc>
+                <a:tc>
+                  <a:txBody>
+                    <a:bodyPr/>
+                    <a:lstStyle/>
+                    <a:p>
+                      <a:pPr algn="ctr"/>
+                      <a:endParaRPr lang="pt-PT" sz="1400" dirty="0">
+                        <a:latin typeface="Calibri" panose="020F0502020204030204" pitchFamily="34" charset="0"/>
+                        <a:ea typeface="Calibri" panose="020F0502020204030204" pitchFamily="34" charset="0"/>
+                        <a:cs typeface="Calibri" panose="020F0502020204030204" pitchFamily="34" charset="0"/>
+                      </a:endParaRPr>
+                    </a:p>
+                  </a:txBody>
+                  <a:tcPr anchor="ctr"/>
+                </a:tc>
+                <a:tc>
+                  <a:txBody>
+                    <a:bodyPr/>
+                    <a:lstStyle/>
+                    <a:p>
+                      <a:pPr algn="ctr"/>
+                      <a:endParaRPr lang="pt-PT" sz="1400" dirty="0">
+                        <a:latin typeface="Calibri" panose="020F0502020204030204" pitchFamily="34" charset="0"/>
+                        <a:ea typeface="Calibri" panose="020F0502020204030204" pitchFamily="34" charset="0"/>
+                        <a:cs typeface="Calibri" panose="020F0502020204030204" pitchFamily="34" charset="0"/>
+                      </a:endParaRPr>
+                    </a:p>
+                  </a:txBody>
+                  <a:tcPr anchor="ctr"/>
+                </a:tc>
+                <a:tc>
+                  <a:txBody>
+                    <a:bodyPr/>
+                    <a:lstStyle/>
+                    <a:p>
+                      <a:pPr algn="ctr"/>
+                      <a:endParaRPr lang="pt-PT" sz="1400" dirty="0">
+                        <a:latin typeface="Calibri" panose="020F0502020204030204" pitchFamily="34" charset="0"/>
+                        <a:ea typeface="Calibri" panose="020F0502020204030204" pitchFamily="34" charset="0"/>
+                        <a:cs typeface="Calibri" panose="020F0502020204030204" pitchFamily="34" charset="0"/>
+                      </a:endParaRPr>
+                    </a:p>
+                  </a:txBody>
+                  <a:tcPr anchor="ctr"/>
+                </a:tc>
+                <a:tc>
+                  <a:txBody>
+                    <a:bodyPr/>
+                    <a:lstStyle/>
+                    <a:p>
+                      <a:pPr algn="ctr"/>
+                      <a:endParaRPr lang="pt-PT" sz="1400" dirty="0">
+                        <a:latin typeface="Calibri" panose="020F0502020204030204" pitchFamily="34" charset="0"/>
+                        <a:ea typeface="Calibri" panose="020F0502020204030204" pitchFamily="34" charset="0"/>
+                        <a:cs typeface="Calibri" panose="020F0502020204030204" pitchFamily="34" charset="0"/>
+                      </a:endParaRPr>
+                    </a:p>
+                  </a:txBody>
+                  <a:tcPr anchor="ctr"/>
                 </a:tc>
                 <a:extLst>
                   <a:ext uri="{0D108BD9-81ED-4DB2-BD59-A6C34878D82A}">
@@ -7151,7 +9325,7 @@
                   </a:ext>
                 </a:extLst>
               </a:tr>
-              <a:tr h="370840">
+              <a:tr h="191521">
                 <a:tc>
                   <a:txBody>
                     <a:bodyPr/>
@@ -7168,79 +9342,127 @@
                       </a:r>
                     </a:p>
                   </a:txBody>
-                  <a:tcPr/>
-                </a:tc>
-                <a:tc>
-                  <a:txBody>
-                    <a:bodyPr/>
-                    <a:lstStyle/>
-                    <a:p>
-                      <a:pPr algn="ctr"/>
-                      <a:r>
-                        <a:rPr lang="pt-PT" dirty="0">
-                          <a:latin typeface="Calibri" panose="020F0502020204030204" pitchFamily="34" charset="0"/>
-                          <a:ea typeface="Calibri" panose="020F0502020204030204" pitchFamily="34" charset="0"/>
-                          <a:cs typeface="Calibri" panose="020F0502020204030204" pitchFamily="34" charset="0"/>
-                        </a:rPr>
-                        <a:t>1.17612 (s)</a:t>
-                      </a:r>
-                    </a:p>
-                  </a:txBody>
-                  <a:tcPr/>
-                </a:tc>
-                <a:tc>
-                  <a:txBody>
-                    <a:bodyPr/>
-                    <a:lstStyle/>
-                    <a:p>
-                      <a:pPr algn="ctr"/>
-                      <a:r>
-                        <a:rPr lang="pt-PT" dirty="0">
-                          <a:latin typeface="Calibri" panose="020F0502020204030204" pitchFamily="34" charset="0"/>
-                          <a:ea typeface="Calibri" panose="020F0502020204030204" pitchFamily="34" charset="0"/>
-                          <a:cs typeface="Calibri" panose="020F0502020204030204" pitchFamily="34" charset="0"/>
-                        </a:rPr>
-                        <a:t>1.02708 (s)</a:t>
-                      </a:r>
-                    </a:p>
-                  </a:txBody>
-                  <a:tcPr/>
-                </a:tc>
-                <a:tc>
-                  <a:txBody>
-                    <a:bodyPr/>
-                    <a:lstStyle/>
-                    <a:p>
-                      <a:pPr algn="ctr"/>
-                      <a:r>
-                        <a:rPr lang="pt-PT" dirty="0">
-                          <a:latin typeface="Calibri" panose="020F0502020204030204" pitchFamily="34" charset="0"/>
-                          <a:ea typeface="Calibri" panose="020F0502020204030204" pitchFamily="34" charset="0"/>
-                          <a:cs typeface="Calibri" panose="020F0502020204030204" pitchFamily="34" charset="0"/>
-                        </a:rPr>
-                        <a:t>1.10320 (s)</a:t>
-                      </a:r>
-                    </a:p>
-                  </a:txBody>
-                  <a:tcPr/>
-                </a:tc>
-                <a:tc>
-                  <a:txBody>
-                    <a:bodyPr/>
-                    <a:lstStyle/>
-                    <a:p>
-                      <a:pPr algn="ctr"/>
-                      <a:r>
-                        <a:rPr lang="pt-PT" dirty="0">
-                          <a:latin typeface="Calibri" panose="020F0502020204030204" pitchFamily="34" charset="0"/>
-                          <a:ea typeface="Calibri" panose="020F0502020204030204" pitchFamily="34" charset="0"/>
-                          <a:cs typeface="Calibri" panose="020F0502020204030204" pitchFamily="34" charset="0"/>
-                        </a:rPr>
-                        <a:t>1.24012 (s)</a:t>
-                      </a:r>
-                    </a:p>
-                  </a:txBody>
-                  <a:tcPr/>
+                  <a:tcPr anchor="ctr"/>
+                </a:tc>
+                <a:tc>
+                  <a:txBody>
+                    <a:bodyPr/>
+                    <a:lstStyle/>
+                    <a:p>
+                      <a:pPr algn="ctr"/>
+                      <a:endParaRPr lang="pt-PT" sz="1400" dirty="0">
+                        <a:latin typeface="Calibri" panose="020F0502020204030204" pitchFamily="34" charset="0"/>
+                        <a:ea typeface="Calibri" panose="020F0502020204030204" pitchFamily="34" charset="0"/>
+                        <a:cs typeface="Calibri" panose="020F0502020204030204" pitchFamily="34" charset="0"/>
+                      </a:endParaRPr>
+                    </a:p>
+                  </a:txBody>
+                  <a:tcPr anchor="ctr"/>
+                </a:tc>
+                <a:tc>
+                  <a:txBody>
+                    <a:bodyPr/>
+                    <a:lstStyle/>
+                    <a:p>
+                      <a:pPr algn="ctr"/>
+                      <a:endParaRPr lang="pt-PT" sz="1400" dirty="0">
+                        <a:latin typeface="Calibri" panose="020F0502020204030204" pitchFamily="34" charset="0"/>
+                        <a:ea typeface="Calibri" panose="020F0502020204030204" pitchFamily="34" charset="0"/>
+                        <a:cs typeface="Calibri" panose="020F0502020204030204" pitchFamily="34" charset="0"/>
+                      </a:endParaRPr>
+                    </a:p>
+                  </a:txBody>
+                  <a:tcPr anchor="ctr"/>
+                </a:tc>
+                <a:tc>
+                  <a:txBody>
+                    <a:bodyPr/>
+                    <a:lstStyle/>
+                    <a:p>
+                      <a:pPr algn="ctr"/>
+                      <a:endParaRPr lang="pt-PT" sz="1400" dirty="0">
+                        <a:latin typeface="Calibri" panose="020F0502020204030204" pitchFamily="34" charset="0"/>
+                        <a:ea typeface="Calibri" panose="020F0502020204030204" pitchFamily="34" charset="0"/>
+                        <a:cs typeface="Calibri" panose="020F0502020204030204" pitchFamily="34" charset="0"/>
+                      </a:endParaRPr>
+                    </a:p>
+                  </a:txBody>
+                  <a:tcPr anchor="ctr"/>
+                </a:tc>
+                <a:tc>
+                  <a:txBody>
+                    <a:bodyPr/>
+                    <a:lstStyle/>
+                    <a:p>
+                      <a:pPr algn="ctr"/>
+                      <a:endParaRPr lang="pt-PT" sz="1400" dirty="0">
+                        <a:latin typeface="Calibri" panose="020F0502020204030204" pitchFamily="34" charset="0"/>
+                        <a:ea typeface="Calibri" panose="020F0502020204030204" pitchFamily="34" charset="0"/>
+                        <a:cs typeface="Calibri" panose="020F0502020204030204" pitchFamily="34" charset="0"/>
+                      </a:endParaRPr>
+                    </a:p>
+                  </a:txBody>
+                  <a:tcPr anchor="ctr"/>
+                </a:tc>
+                <a:tc>
+                  <a:txBody>
+                    <a:bodyPr/>
+                    <a:lstStyle/>
+                    <a:p>
+                      <a:pPr algn="ctr"/>
+                      <a:endParaRPr lang="pt-PT" sz="1400" dirty="0">
+                        <a:latin typeface="Calibri" panose="020F0502020204030204" pitchFamily="34" charset="0"/>
+                        <a:ea typeface="Calibri" panose="020F0502020204030204" pitchFamily="34" charset="0"/>
+                        <a:cs typeface="Calibri" panose="020F0502020204030204" pitchFamily="34" charset="0"/>
+                      </a:endParaRPr>
+                    </a:p>
+                  </a:txBody>
+                  <a:tcPr anchor="ctr"/>
+                </a:tc>
+                <a:tc>
+                  <a:txBody>
+                    <a:bodyPr/>
+                    <a:lstStyle/>
+                    <a:p>
+                      <a:pPr algn="ctr"/>
+                      <a:endParaRPr lang="pt-PT" sz="1400" dirty="0">
+                        <a:latin typeface="Calibri" panose="020F0502020204030204" pitchFamily="34" charset="0"/>
+                        <a:ea typeface="Calibri" panose="020F0502020204030204" pitchFamily="34" charset="0"/>
+                        <a:cs typeface="Calibri" panose="020F0502020204030204" pitchFamily="34" charset="0"/>
+                      </a:endParaRPr>
+                    </a:p>
+                  </a:txBody>
+                  <a:tcPr anchor="ctr"/>
+                </a:tc>
+                <a:tc>
+                  <a:txBody>
+                    <a:bodyPr/>
+                    <a:lstStyle/>
+                    <a:p>
+                      <a:pPr algn="ctr"/>
+                      <a:endParaRPr lang="pt-PT" sz="1400" dirty="0">
+                        <a:latin typeface="Calibri" panose="020F0502020204030204" pitchFamily="34" charset="0"/>
+                        <a:ea typeface="Calibri" panose="020F0502020204030204" pitchFamily="34" charset="0"/>
+                        <a:cs typeface="Calibri" panose="020F0502020204030204" pitchFamily="34" charset="0"/>
+                      </a:endParaRPr>
+                    </a:p>
+                  </a:txBody>
+                  <a:tcPr anchor="ctr"/>
+                </a:tc>
+                <a:tc>
+                  <a:txBody>
+                    <a:bodyPr/>
+                    <a:lstStyle/>
+                    <a:p>
+                      <a:pPr algn="ctr"/>
+                      <a:endParaRPr lang="pt-PT" sz="1400" dirty="0">
+                        <a:latin typeface="Calibri" panose="020F0502020204030204" pitchFamily="34" charset="0"/>
+                        <a:ea typeface="Calibri" panose="020F0502020204030204" pitchFamily="34" charset="0"/>
+                        <a:cs typeface="Calibri" panose="020F0502020204030204" pitchFamily="34" charset="0"/>
+                      </a:endParaRPr>
+                    </a:p>
+                  </a:txBody>
+                  <a:tcPr anchor="ctr"/>
                 </a:tc>
                 <a:extLst>
                   <a:ext uri="{0D108BD9-81ED-4DB2-BD59-A6C34878D82A}">
@@ -7248,7 +9470,7 @@
                   </a:ext>
                 </a:extLst>
               </a:tr>
-              <a:tr h="370840">
+              <a:tr h="191521">
                 <a:tc>
                   <a:txBody>
                     <a:bodyPr/>
@@ -7265,84 +9487,127 @@
                       </a:r>
                     </a:p>
                   </a:txBody>
-                  <a:tcPr/>
-                </a:tc>
-                <a:tc>
-                  <a:txBody>
-                    <a:bodyPr/>
-                    <a:lstStyle/>
-                    <a:p>
-                      <a:pPr algn="ctr"/>
-                      <a:r>
-                        <a:rPr lang="pt-PT" dirty="0">
-                          <a:latin typeface="Calibri" panose="020F0502020204030204" pitchFamily="34" charset="0"/>
-                          <a:ea typeface="Calibri" panose="020F0502020204030204" pitchFamily="34" charset="0"/>
-                          <a:cs typeface="Calibri" panose="020F0502020204030204" pitchFamily="34" charset="0"/>
-                        </a:rPr>
-                        <a:t>25.04875 (s)</a:t>
-                      </a:r>
-                    </a:p>
-                  </a:txBody>
-                  <a:tcPr/>
-                </a:tc>
-                <a:tc>
-                  <a:txBody>
-                    <a:bodyPr/>
-                    <a:lstStyle/>
-                    <a:p>
-                      <a:pPr algn="ctr"/>
-                      <a:r>
-                        <a:rPr lang="pt-PT" dirty="0">
-                          <a:latin typeface="Calibri" panose="020F0502020204030204" pitchFamily="34" charset="0"/>
-                          <a:ea typeface="Calibri" panose="020F0502020204030204" pitchFamily="34" charset="0"/>
-                          <a:cs typeface="Calibri" panose="020F0502020204030204" pitchFamily="34" charset="0"/>
-                        </a:rPr>
-                        <a:t>23.03485 (s)</a:t>
-                      </a:r>
-                    </a:p>
-                  </a:txBody>
-                  <a:tcPr/>
-                </a:tc>
-                <a:tc>
-                  <a:txBody>
-                    <a:bodyPr/>
-                    <a:lstStyle/>
-                    <a:p>
-                      <a:pPr algn="ctr"/>
-                      <a:r>
-                        <a:rPr lang="pt-PT" dirty="0">
-                          <a:latin typeface="Calibri" panose="020F0502020204030204" pitchFamily="34" charset="0"/>
-                          <a:ea typeface="Calibri" panose="020F0502020204030204" pitchFamily="34" charset="0"/>
-                          <a:cs typeface="Calibri" panose="020F0502020204030204" pitchFamily="34" charset="0"/>
-                        </a:rPr>
-                        <a:t>25.10465 (s)</a:t>
-                      </a:r>
-                    </a:p>
-                  </a:txBody>
-                  <a:tcPr/>
-                </a:tc>
-                <a:tc>
-                  <a:txBody>
-                    <a:bodyPr/>
-                    <a:lstStyle/>
-                    <a:p>
-                      <a:pPr algn="ctr"/>
-                      <a:r>
-                        <a:rPr lang="pt-PT">
-                          <a:latin typeface="Calibri" panose="020F0502020204030204" pitchFamily="34" charset="0"/>
-                          <a:ea typeface="Calibri" panose="020F0502020204030204" pitchFamily="34" charset="0"/>
-                          <a:cs typeface="Calibri" panose="020F0502020204030204" pitchFamily="34" charset="0"/>
-                        </a:rPr>
-                        <a:t>25.01592 (s)</a:t>
-                      </a:r>
-                      <a:endParaRPr lang="pt-PT" dirty="0">
+                  <a:tcPr anchor="ctr"/>
+                </a:tc>
+                <a:tc>
+                  <a:txBody>
+                    <a:bodyPr/>
+                    <a:lstStyle/>
+                    <a:p>
+                      <a:pPr algn="ctr"/>
+                      <a:endParaRPr lang="pt-PT" sz="1400" dirty="0">
                         <a:latin typeface="Calibri" panose="020F0502020204030204" pitchFamily="34" charset="0"/>
                         <a:ea typeface="Calibri" panose="020F0502020204030204" pitchFamily="34" charset="0"/>
                         <a:cs typeface="Calibri" panose="020F0502020204030204" pitchFamily="34" charset="0"/>
                       </a:endParaRPr>
                     </a:p>
                   </a:txBody>
-                  <a:tcPr/>
+                  <a:tcPr anchor="ctr"/>
+                </a:tc>
+                <a:tc>
+                  <a:txBody>
+                    <a:bodyPr/>
+                    <a:lstStyle/>
+                    <a:p>
+                      <a:pPr algn="ctr"/>
+                      <a:endParaRPr lang="pt-PT" sz="1400" dirty="0">
+                        <a:latin typeface="Calibri" panose="020F0502020204030204" pitchFamily="34" charset="0"/>
+                        <a:ea typeface="Calibri" panose="020F0502020204030204" pitchFamily="34" charset="0"/>
+                        <a:cs typeface="Calibri" panose="020F0502020204030204" pitchFamily="34" charset="0"/>
+                      </a:endParaRPr>
+                    </a:p>
+                  </a:txBody>
+                  <a:tcPr anchor="ctr"/>
+                </a:tc>
+                <a:tc>
+                  <a:txBody>
+                    <a:bodyPr/>
+                    <a:lstStyle/>
+                    <a:p>
+                      <a:pPr algn="ctr"/>
+                      <a:endParaRPr lang="pt-PT" sz="1400" dirty="0">
+                        <a:latin typeface="Calibri" panose="020F0502020204030204" pitchFamily="34" charset="0"/>
+                        <a:ea typeface="Calibri" panose="020F0502020204030204" pitchFamily="34" charset="0"/>
+                        <a:cs typeface="Calibri" panose="020F0502020204030204" pitchFamily="34" charset="0"/>
+                      </a:endParaRPr>
+                    </a:p>
+                  </a:txBody>
+                  <a:tcPr anchor="ctr"/>
+                </a:tc>
+                <a:tc>
+                  <a:txBody>
+                    <a:bodyPr/>
+                    <a:lstStyle/>
+                    <a:p>
+                      <a:pPr algn="ctr"/>
+                      <a:endParaRPr lang="pt-PT" sz="1400" dirty="0">
+                        <a:latin typeface="Calibri" panose="020F0502020204030204" pitchFamily="34" charset="0"/>
+                        <a:ea typeface="Calibri" panose="020F0502020204030204" pitchFamily="34" charset="0"/>
+                        <a:cs typeface="Calibri" panose="020F0502020204030204" pitchFamily="34" charset="0"/>
+                      </a:endParaRPr>
+                    </a:p>
+                  </a:txBody>
+                  <a:tcPr anchor="ctr"/>
+                </a:tc>
+                <a:tc>
+                  <a:txBody>
+                    <a:bodyPr/>
+                    <a:lstStyle/>
+                    <a:p>
+                      <a:pPr algn="ctr"/>
+                      <a:endParaRPr lang="pt-PT" sz="1400" dirty="0">
+                        <a:latin typeface="Calibri" panose="020F0502020204030204" pitchFamily="34" charset="0"/>
+                        <a:ea typeface="Calibri" panose="020F0502020204030204" pitchFamily="34" charset="0"/>
+                        <a:cs typeface="Calibri" panose="020F0502020204030204" pitchFamily="34" charset="0"/>
+                      </a:endParaRPr>
+                    </a:p>
+                  </a:txBody>
+                  <a:tcPr anchor="ctr"/>
+                </a:tc>
+                <a:tc>
+                  <a:txBody>
+                    <a:bodyPr/>
+                    <a:lstStyle/>
+                    <a:p>
+                      <a:pPr algn="ctr"/>
+                      <a:endParaRPr lang="pt-PT" sz="1400" dirty="0">
+                        <a:latin typeface="Calibri" panose="020F0502020204030204" pitchFamily="34" charset="0"/>
+                        <a:ea typeface="Calibri" panose="020F0502020204030204" pitchFamily="34" charset="0"/>
+                        <a:cs typeface="Calibri" panose="020F0502020204030204" pitchFamily="34" charset="0"/>
+                      </a:endParaRPr>
+                    </a:p>
+                  </a:txBody>
+                  <a:tcPr anchor="ctr"/>
+                </a:tc>
+                <a:tc>
+                  <a:txBody>
+                    <a:bodyPr/>
+                    <a:lstStyle/>
+                    <a:p>
+                      <a:pPr algn="ctr"/>
+                      <a:endParaRPr lang="pt-PT" sz="1400" dirty="0">
+                        <a:latin typeface="Calibri" panose="020F0502020204030204" pitchFamily="34" charset="0"/>
+                        <a:ea typeface="Calibri" panose="020F0502020204030204" pitchFamily="34" charset="0"/>
+                        <a:cs typeface="Calibri" panose="020F0502020204030204" pitchFamily="34" charset="0"/>
+                      </a:endParaRPr>
+                    </a:p>
+                  </a:txBody>
+                  <a:tcPr anchor="ctr"/>
+                </a:tc>
+                <a:tc>
+                  <a:txBody>
+                    <a:bodyPr/>
+                    <a:lstStyle/>
+                    <a:p>
+                      <a:pPr algn="ctr"/>
+                      <a:endParaRPr lang="pt-PT" sz="1400" dirty="0">
+                        <a:latin typeface="Calibri" panose="020F0502020204030204" pitchFamily="34" charset="0"/>
+                        <a:ea typeface="Calibri" panose="020F0502020204030204" pitchFamily="34" charset="0"/>
+                        <a:cs typeface="Calibri" panose="020F0502020204030204" pitchFamily="34" charset="0"/>
+                      </a:endParaRPr>
+                    </a:p>
+                  </a:txBody>
+                  <a:tcPr anchor="ctr"/>
                 </a:tc>
                 <a:extLst>
                   <a:ext uri="{0D108BD9-81ED-4DB2-BD59-A6C34878D82A}">
@@ -7354,6 +9619,102 @@
           </a:graphicData>
         </a:graphic>
       </p:graphicFrame>
+      <p:sp>
+        <p:nvSpPr>
+          <p:cNvPr id="3" name="CaixaDeTexto 2">
+            <a:extLst>
+              <a:ext uri="{FF2B5EF4-FFF2-40B4-BE49-F238E27FC236}">
+                <a16:creationId xmlns:a16="http://schemas.microsoft.com/office/drawing/2014/main" id="{386603BD-CE43-4165-872A-5A55E21FDBE8}"/>
+              </a:ext>
+            </a:extLst>
+          </p:cNvPr>
+          <p:cNvSpPr txBox="1"/>
+          <p:nvPr/>
+        </p:nvSpPr>
+        <p:spPr>
+          <a:xfrm>
+            <a:off x="0" y="1289985"/>
+            <a:ext cx="1297482" cy="646331"/>
+          </a:xfrm>
+          <a:prstGeom prst="rect">
+            <a:avLst/>
+          </a:prstGeom>
+          <a:noFill/>
+        </p:spPr>
+        <p:txBody>
+          <a:bodyPr wrap="square" rtlCol="0">
+            <a:spAutoFit/>
+          </a:bodyPr>
+          <a:lstStyle/>
+          <a:p>
+            <a:r>
+              <a:rPr lang="pt-PT" sz="1200" dirty="0"/>
+              <a:t>PC1:</a:t>
+            </a:r>
+          </a:p>
+          <a:p>
+            <a:r>
+              <a:rPr lang="pt-PT" sz="1200" dirty="0"/>
+              <a:t>→ </a:t>
+            </a:r>
+            <a:r>
+              <a:rPr lang="pt-PT" sz="1200" dirty="0" err="1"/>
+              <a:t>Lubuntu</a:t>
+            </a:r>
+            <a:r>
+              <a:rPr lang="pt-PT" sz="1200" dirty="0"/>
+              <a:t> VM  </a:t>
+            </a:r>
+          </a:p>
+          <a:p>
+            <a:r>
+              <a:rPr lang="pt-PT" sz="1200" dirty="0"/>
+              <a:t>→ 8 cores</a:t>
+            </a:r>
+          </a:p>
+        </p:txBody>
+      </p:sp>
+      <p:sp>
+        <p:nvSpPr>
+          <p:cNvPr id="7" name="CaixaDeTexto 6">
+            <a:extLst>
+              <a:ext uri="{FF2B5EF4-FFF2-40B4-BE49-F238E27FC236}">
+                <a16:creationId xmlns:a16="http://schemas.microsoft.com/office/drawing/2014/main" id="{1FF5743C-BFCE-4F9A-8CB8-4B9AA030E393}"/>
+              </a:ext>
+            </a:extLst>
+          </p:cNvPr>
+          <p:cNvSpPr txBox="1"/>
+          <p:nvPr/>
+        </p:nvSpPr>
+        <p:spPr>
+          <a:xfrm>
+            <a:off x="1079" y="4070385"/>
+            <a:ext cx="1297482" cy="646331"/>
+          </a:xfrm>
+          <a:prstGeom prst="rect">
+            <a:avLst/>
+          </a:prstGeom>
+          <a:noFill/>
+        </p:spPr>
+        <p:txBody>
+          <a:bodyPr wrap="square" rtlCol="0">
+            <a:spAutoFit/>
+          </a:bodyPr>
+          <a:lstStyle/>
+          <a:p>
+            <a:r>
+              <a:rPr lang="pt-PT" sz="1200" dirty="0"/>
+              <a:t>PC2:</a:t>
+            </a:r>
+          </a:p>
+          <a:p>
+            <a:r>
+              <a:rPr lang="pt-PT" sz="1200" dirty="0"/>
+              <a:t>→ Ubuntu VM  → 4 cores</a:t>
+            </a:r>
+          </a:p>
+        </p:txBody>
+      </p:sp>
     </p:spTree>
     <p:extLst>
       <p:ext uri="{BB962C8B-B14F-4D97-AF65-F5344CB8AC3E}">
@@ -7490,93 +9851,58 @@
 </file>
 
 <file path=ppt/theme/theme1.xml><?xml version="1.0" encoding="utf-8"?>
-<a:theme xmlns:a="http://schemas.openxmlformats.org/drawingml/2006/main" name="Galeria">
+<a:theme xmlns:a="http://schemas.openxmlformats.org/drawingml/2006/main" name="Vista">
   <a:themeElements>
-    <a:clrScheme name="Galeria">
+    <a:clrScheme name="Vista">
       <a:dk1>
-        <a:sysClr val="windowText" lastClr="000000"/>
+        <a:srgbClr val="000000"/>
       </a:dk1>
       <a:lt1>
-        <a:sysClr val="window" lastClr="FFFFFF"/>
+        <a:srgbClr val="FFFFFF"/>
       </a:lt1>
       <a:dk2>
-        <a:srgbClr val="454545"/>
+        <a:srgbClr val="46464A"/>
       </a:dk2>
       <a:lt2>
-        <a:srgbClr val="DFDBD5"/>
+        <a:srgbClr val="D6D3CC"/>
       </a:lt2>
       <a:accent1>
-        <a:srgbClr val="B71E42"/>
+        <a:srgbClr val="6F6F74"/>
       </a:accent1>
       <a:accent2>
-        <a:srgbClr val="DE478E"/>
+        <a:srgbClr val="92A9B9"/>
       </a:accent2>
       <a:accent3>
-        <a:srgbClr val="BC72F0"/>
+        <a:srgbClr val="A7B789"/>
       </a:accent3>
       <a:accent4>
-        <a:srgbClr val="795FAF"/>
+        <a:srgbClr val="B9A489"/>
       </a:accent4>
       <a:accent5>
-        <a:srgbClr val="586EA6"/>
+        <a:srgbClr val="8D6374"/>
       </a:accent5>
       <a:accent6>
-        <a:srgbClr val="6892A0"/>
+        <a:srgbClr val="9B7362"/>
       </a:accent6>
       <a:hlink>
-        <a:srgbClr val="FA2B5C"/>
+        <a:srgbClr val="67AABF"/>
       </a:hlink>
       <a:folHlink>
-        <a:srgbClr val="BC658E"/>
+        <a:srgbClr val="ABAFA5"/>
       </a:folHlink>
     </a:clrScheme>
-    <a:fontScheme name="Galeria">
+    <a:fontScheme name="Vista">
       <a:majorFont>
-        <a:latin typeface="Gill Sans MT" panose="020B0502020104020203"/>
+        <a:latin typeface="Century Schoolbook" panose="02040604050505020304"/>
         <a:ea typeface=""/>
         <a:cs typeface=""/>
-        <a:font script="Jpan" typeface="游ゴシック Light"/>
+        <a:font script="Jpan" typeface="ＭＳ ゴシック"/>
         <a:font script="Hang" typeface="맑은 고딕"/>
-        <a:font script="Hans" typeface="等线 Light"/>
+        <a:font script="Hans" typeface="宋体"/>
         <a:font script="Hant" typeface="新細明體"/>
-        <a:font script="Arab" typeface="Times New Roman"/>
-        <a:font script="Hebr" typeface="Times New Roman"/>
-        <a:font script="Thai" typeface="Angsana New"/>
-        <a:font script="Ethi" typeface="Nyala"/>
-        <a:font script="Beng" typeface="Vrinda"/>
-        <a:font script="Gujr" typeface="Shruti"/>
-        <a:font script="Khmr" typeface="MoolBoran"/>
-        <a:font script="Knda" typeface="Tunga"/>
-        <a:font script="Guru" typeface="Raavi"/>
-        <a:font script="Cans" typeface="Euphemia"/>
-        <a:font script="Cher" typeface="Plantagenet Cherokee"/>
-        <a:font script="Yiii" typeface="Microsoft Yi Baiti"/>
-        <a:font script="Tibt" typeface="Microsoft Himalaya"/>
-        <a:font script="Thaa" typeface="MV Boli"/>
-        <a:font script="Deva" typeface="Mangal"/>
-        <a:font script="Telu" typeface="Gautami"/>
-        <a:font script="Taml" typeface="Latha"/>
-        <a:font script="Syrc" typeface="Estrangelo Edessa"/>
-        <a:font script="Orya" typeface="Kalinga"/>
-        <a:font script="Mlym" typeface="Kartika"/>
-        <a:font script="Laoo" typeface="DokChampa"/>
-        <a:font script="Sinh" typeface="Iskoola Pota"/>
-        <a:font script="Mong" typeface="Mongolian Baiti"/>
-        <a:font script="Viet" typeface="Times New Roman"/>
-        <a:font script="Uigh" typeface="Microsoft Uighur"/>
-        <a:font script="Geor" typeface="Sylfaen"/>
-      </a:majorFont>
-      <a:minorFont>
-        <a:latin typeface="Gill Sans MT" panose="020B0502020104020203"/>
-        <a:ea typeface=""/>
-        <a:cs typeface=""/>
-        <a:font script="Jpan" typeface="游ゴシック"/>
-        <a:font script="Hang" typeface="맑은 고딕"/>
-        <a:font script="Hans" typeface="等线"/>
-        <a:font script="Hant" typeface="新細明體"/>
-        <a:font script="Arab" typeface="Arial"/>
-        <a:font script="Hebr" typeface="Arial"/>
-        <a:font script="Thai" typeface="Cordia New"/>
+        <a:font script="Arab" typeface="Tahoma"/>
+        <a:font script="Hebr" typeface="Gisha"/>
+        <a:font script="Thai" typeface="DilleniaUPC"/>
         <a:font script="Ethi" typeface="Nyala"/>
         <a:font script="Beng" typeface="Vrinda"/>
         <a:font script="Gujr" typeface="Shruti"/>
@@ -7597,63 +9923,63 @@
         <a:font script="Laoo" typeface="DokChampa"/>
         <a:font script="Sinh" typeface="Iskoola Pota"/>
         <a:font script="Mong" typeface="Mongolian Baiti"/>
-        <a:font script="Viet" typeface="Arial"/>
+        <a:font script="Viet" typeface="Tahoma"/>
+        <a:font script="Uigh" typeface="Microsoft Uighur"/>
+        <a:font script="Geor" typeface="Sylfaen"/>
+      </a:majorFont>
+      <a:minorFont>
+        <a:latin typeface="Century Schoolbook" panose="02040604050505020304"/>
+        <a:ea typeface=""/>
+        <a:cs typeface=""/>
+        <a:font script="Jpan" typeface="ＭＳ ゴシック"/>
+        <a:font script="Hang" typeface="맑은 고딕"/>
+        <a:font script="Hans" typeface="宋体"/>
+        <a:font script="Hant" typeface="新細明體"/>
+        <a:font script="Arab" typeface="Tahoma"/>
+        <a:font script="Hebr" typeface="Gisha"/>
+        <a:font script="Thai" typeface="DilleniaUPC"/>
+        <a:font script="Ethi" typeface="Nyala"/>
+        <a:font script="Beng" typeface="Vrinda"/>
+        <a:font script="Gujr" typeface="Shruti"/>
+        <a:font script="Khmr" typeface="DaunPenh"/>
+        <a:font script="Knda" typeface="Tunga"/>
+        <a:font script="Guru" typeface="Raavi"/>
+        <a:font script="Cans" typeface="Euphemia"/>
+        <a:font script="Cher" typeface="Plantagenet Cherokee"/>
+        <a:font script="Yiii" typeface="Microsoft Yi Baiti"/>
+        <a:font script="Tibt" typeface="Microsoft Himalaya"/>
+        <a:font script="Thaa" typeface="MV Boli"/>
+        <a:font script="Deva" typeface="Mangal"/>
+        <a:font script="Telu" typeface="Gautami"/>
+        <a:font script="Taml" typeface="Latha"/>
+        <a:font script="Syrc" typeface="Estrangelo Edessa"/>
+        <a:font script="Orya" typeface="Kalinga"/>
+        <a:font script="Mlym" typeface="Kartika"/>
+        <a:font script="Laoo" typeface="DokChampa"/>
+        <a:font script="Sinh" typeface="Iskoola Pota"/>
+        <a:font script="Mong" typeface="Mongolian Baiti"/>
+        <a:font script="Viet" typeface="Verdana"/>
         <a:font script="Uigh" typeface="Microsoft Uighur"/>
         <a:font script="Geor" typeface="Sylfaen"/>
       </a:minorFont>
     </a:fontScheme>
-    <a:fmtScheme name="Galeria">
+    <a:fmtScheme name="Vista">
       <a:fillStyleLst>
         <a:solidFill>
           <a:schemeClr val="phClr"/>
         </a:solidFill>
-        <a:gradFill rotWithShape="1">
-          <a:gsLst>
-            <a:gs pos="0">
-              <a:schemeClr val="phClr">
-                <a:tint val="54000"/>
-                <a:alpha val="100000"/>
-                <a:satMod val="105000"/>
-                <a:lumMod val="110000"/>
-              </a:schemeClr>
-            </a:gs>
-            <a:gs pos="100000">
-              <a:schemeClr val="phClr">
-                <a:tint val="78000"/>
-                <a:alpha val="92000"/>
-                <a:satMod val="109000"/>
-                <a:lumMod val="100000"/>
-              </a:schemeClr>
-            </a:gs>
-          </a:gsLst>
-          <a:lin ang="5400000" scaled="0"/>
-        </a:gradFill>
-        <a:gradFill rotWithShape="1">
-          <a:gsLst>
-            <a:gs pos="0">
-              <a:schemeClr val="phClr">
-                <a:tint val="98000"/>
-                <a:satMod val="110000"/>
-                <a:lumMod val="104000"/>
-              </a:schemeClr>
-            </a:gs>
-            <a:gs pos="69000">
-              <a:schemeClr val="phClr">
-                <a:shade val="88000"/>
-                <a:satMod val="130000"/>
-                <a:lumMod val="92000"/>
-              </a:schemeClr>
-            </a:gs>
-            <a:gs pos="100000">
-              <a:schemeClr val="phClr">
-                <a:shade val="78000"/>
-                <a:satMod val="130000"/>
-                <a:lumMod val="92000"/>
-              </a:schemeClr>
-            </a:gs>
-          </a:gsLst>
-          <a:lin ang="5400000" scaled="0"/>
-        </a:gradFill>
+        <a:solidFill>
+          <a:schemeClr val="phClr">
+            <a:tint val="60000"/>
+            <a:satMod val="120000"/>
+          </a:schemeClr>
+        </a:solidFill>
+        <a:solidFill>
+          <a:schemeClr val="phClr">
+            <a:shade val="75000"/>
+            <a:satMod val="160000"/>
+          </a:schemeClr>
+        </a:solidFill>
       </a:fillStyleLst>
       <a:lnStyleLst>
         <a:ln w="9525" cap="flat" cmpd="sng" algn="ctr">
@@ -7662,15 +9988,19 @@
           </a:solidFill>
           <a:prstDash val="solid"/>
         </a:ln>
-        <a:ln w="15875" cap="flat" cmpd="sng" algn="ctr">
+        <a:ln w="13970" cap="flat" cmpd="sng" algn="ctr">
           <a:solidFill>
             <a:schemeClr val="phClr"/>
           </a:solidFill>
           <a:prstDash val="solid"/>
         </a:ln>
-        <a:ln w="22225" cap="flat" cmpd="sng" algn="ctr">
+        <a:ln w="17145" cap="flat" cmpd="sng" algn="ctr">
           <a:solidFill>
-            <a:schemeClr val="phClr"/>
+            <a:schemeClr val="phClr">
+              <a:shade val="95000"/>
+              <a:alpha val="95000"/>
+              <a:satMod val="150000"/>
+            </a:schemeClr>
           </a:solidFill>
           <a:prstDash val="solid"/>
         </a:ln>
@@ -7680,13 +10010,10 @@
           <a:effectLst/>
         </a:effectStyle>
         <a:effectStyle>
-          <a:effectLst/>
-        </a:effectStyle>
-        <a:effectStyle>
           <a:effectLst>
-            <a:outerShdw blurRad="50800" dist="50800" dir="5400000" sx="96000" sy="96000" rotWithShape="0">
+            <a:outerShdw blurRad="50800" dist="15240" dir="5400000" algn="tl" rotWithShape="0">
               <a:srgbClr val="000000">
-                <a:alpha val="48000"/>
+                <a:alpha val="75000"/>
               </a:srgbClr>
             </a:outerShdw>
           </a:effectLst>
@@ -7694,12 +10021,40 @@
             <a:camera prst="orthographicFront">
               <a:rot lat="0" lon="0" rev="0"/>
             </a:camera>
-            <a:lightRig rig="balanced" dir="t">
-              <a:rot lat="0" lon="0" rev="1080000"/>
-            </a:lightRig>
+            <a:lightRig rig="brightRoom" dir="tl"/>
           </a:scene3d>
-          <a:sp3d>
-            <a:bevelT w="38100" h="12700" prst="softRound"/>
+          <a:sp3d contourW="9525" prstMaterial="flat">
+            <a:bevelT w="0" h="0" prst="coolSlant"/>
+            <a:contourClr>
+              <a:schemeClr val="phClr">
+                <a:shade val="35000"/>
+                <a:satMod val="130000"/>
+              </a:schemeClr>
+            </a:contourClr>
+          </a:sp3d>
+        </a:effectStyle>
+        <a:effectStyle>
+          <a:effectLst>
+            <a:outerShdw blurRad="76200" dist="25400" dir="5400000" algn="tl" rotWithShape="0">
+              <a:srgbClr val="000000">
+                <a:alpha val="55000"/>
+              </a:srgbClr>
+            </a:outerShdw>
+          </a:effectLst>
+          <a:scene3d>
+            <a:camera prst="orthographicFront">
+              <a:rot lat="0" lon="0" rev="0"/>
+            </a:camera>
+            <a:lightRig rig="brightRoom" dir="tl"/>
+          </a:scene3d>
+          <a:sp3d contourW="19050" prstMaterial="flat">
+            <a:bevelT w="0" h="0" prst="coolSlant"/>
+            <a:contourClr>
+              <a:schemeClr val="phClr">
+                <a:shade val="25000"/>
+                <a:satMod val="140000"/>
+              </a:schemeClr>
+            </a:contourClr>
           </a:sp3d>
         </a:effectStyle>
       </a:effectStyleLst>
@@ -7708,25 +10063,31 @@
           <a:schemeClr val="phClr"/>
         </a:solidFill>
         <a:solidFill>
-          <a:schemeClr val="phClr"/>
+          <a:schemeClr val="phClr">
+            <a:tint val="95000"/>
+            <a:satMod val="170000"/>
+          </a:schemeClr>
         </a:solidFill>
         <a:gradFill rotWithShape="1">
           <a:gsLst>
             <a:gs pos="0">
               <a:schemeClr val="phClr">
                 <a:tint val="94000"/>
-                <a:satMod val="80000"/>
-                <a:lumMod val="106000"/>
+                <a:shade val="98000"/>
+                <a:satMod val="130000"/>
+                <a:lumMod val="102000"/>
               </a:schemeClr>
             </a:gs>
             <a:gs pos="100000">
               <a:schemeClr val="phClr">
-                <a:shade val="80000"/>
+                <a:tint val="98000"/>
+                <a:shade val="78000"/>
+                <a:satMod val="140000"/>
               </a:schemeClr>
             </a:gs>
           </a:gsLst>
           <a:path path="circle">
-            <a:fillToRect l="50000" t="50000" r="50000" b="50000"/>
+            <a:fillToRect l="100000" t="100000" r="100000" b="100000"/>
           </a:path>
         </a:gradFill>
       </a:bgFillStyleLst>
@@ -7736,7 +10097,7 @@
   <a:extraClrSchemeLst/>
   <a:extLst>
     <a:ext uri="{05A4C25C-085E-4340-85A3-A5531E510DB2}">
-      <thm15:themeFamily xmlns:thm15="http://schemas.microsoft.com/office/thememl/2012/main" name="Gallery" id="{BBFCD31E-59A1-489D-B089-A3EAD7CAE12E}" vid="{F5E91637-A7B6-4E27-B710-77DA7014EE1E}"/>
+      <thm15:themeFamily xmlns:thm15="http://schemas.microsoft.com/office/thememl/2012/main" name="View" id="{BA0EB5A6-F2D4-4F82-977B-64ADEE4A2A69}" vid="{3969A8A2-35DB-4E3B-8885-16FD20568674}"/>
     </a:ext>
   </a:extLst>
 </a:theme>

--- a/CLE1_T3G5/present.pptx
+++ b/CLE1_T3G5/present.pptx
@@ -286,7 +286,7 @@
           <a:p>
             <a:fld id="{65E3D7AB-6C06-41C6-99AC-C74008AD09CE}" type="datetimeFigureOut">
               <a:rPr lang="pt-PT" smtClean="0"/>
-              <a:t>21/03/2023</a:t>
+              <a:t>22/03/2023</a:t>
             </a:fld>
             <a:endParaRPr lang="pt-PT"/>
           </a:p>
@@ -514,7 +514,7 @@
           <a:p>
             <a:fld id="{65E3D7AB-6C06-41C6-99AC-C74008AD09CE}" type="datetimeFigureOut">
               <a:rPr lang="pt-PT" smtClean="0"/>
-              <a:t>21/03/2023</a:t>
+              <a:t>22/03/2023</a:t>
             </a:fld>
             <a:endParaRPr lang="pt-PT"/>
           </a:p>
@@ -694,7 +694,7 @@
           <a:p>
             <a:fld id="{65E3D7AB-6C06-41C6-99AC-C74008AD09CE}" type="datetimeFigureOut">
               <a:rPr lang="pt-PT" smtClean="0"/>
-              <a:t>21/03/2023</a:t>
+              <a:t>22/03/2023</a:t>
             </a:fld>
             <a:endParaRPr lang="pt-PT"/>
           </a:p>
@@ -864,7 +864,7 @@
           <a:p>
             <a:fld id="{65E3D7AB-6C06-41C6-99AC-C74008AD09CE}" type="datetimeFigureOut">
               <a:rPr lang="pt-PT" smtClean="0"/>
-              <a:t>21/03/2023</a:t>
+              <a:t>22/03/2023</a:t>
             </a:fld>
             <a:endParaRPr lang="pt-PT"/>
           </a:p>
@@ -1118,7 +1118,7 @@
           <a:p>
             <a:fld id="{65E3D7AB-6C06-41C6-99AC-C74008AD09CE}" type="datetimeFigureOut">
               <a:rPr lang="pt-PT" smtClean="0"/>
-              <a:t>21/03/2023</a:t>
+              <a:t>22/03/2023</a:t>
             </a:fld>
             <a:endParaRPr lang="pt-PT"/>
           </a:p>
@@ -1444,7 +1444,7 @@
           <a:p>
             <a:fld id="{65E3D7AB-6C06-41C6-99AC-C74008AD09CE}" type="datetimeFigureOut">
               <a:rPr lang="pt-PT" smtClean="0"/>
-              <a:t>21/03/2023</a:t>
+              <a:t>22/03/2023</a:t>
             </a:fld>
             <a:endParaRPr lang="pt-PT"/>
           </a:p>
@@ -1895,7 +1895,7 @@
           <a:p>
             <a:fld id="{65E3D7AB-6C06-41C6-99AC-C74008AD09CE}" type="datetimeFigureOut">
               <a:rPr lang="pt-PT" smtClean="0"/>
-              <a:t>21/03/2023</a:t>
+              <a:t>22/03/2023</a:t>
             </a:fld>
             <a:endParaRPr lang="pt-PT"/>
           </a:p>
@@ -2013,7 +2013,7 @@
           <a:p>
             <a:fld id="{65E3D7AB-6C06-41C6-99AC-C74008AD09CE}" type="datetimeFigureOut">
               <a:rPr lang="pt-PT" smtClean="0"/>
-              <a:t>21/03/2023</a:t>
+              <a:t>22/03/2023</a:t>
             </a:fld>
             <a:endParaRPr lang="pt-PT"/>
           </a:p>
@@ -2108,7 +2108,7 @@
           <a:p>
             <a:fld id="{65E3D7AB-6C06-41C6-99AC-C74008AD09CE}" type="datetimeFigureOut">
               <a:rPr lang="pt-PT" smtClean="0"/>
-              <a:t>21/03/2023</a:t>
+              <a:t>22/03/2023</a:t>
             </a:fld>
             <a:endParaRPr lang="pt-PT"/>
           </a:p>
@@ -2395,7 +2395,7 @@
           <a:p>
             <a:fld id="{65E3D7AB-6C06-41C6-99AC-C74008AD09CE}" type="datetimeFigureOut">
               <a:rPr lang="pt-PT" smtClean="0"/>
-              <a:t>21/03/2023</a:t>
+              <a:t>22/03/2023</a:t>
             </a:fld>
             <a:endParaRPr lang="pt-PT"/>
           </a:p>
@@ -2717,7 +2717,7 @@
           <a:p>
             <a:fld id="{65E3D7AB-6C06-41C6-99AC-C74008AD09CE}" type="datetimeFigureOut">
               <a:rPr lang="pt-PT" smtClean="0"/>
-              <a:t>21/03/2023</a:t>
+              <a:t>22/03/2023</a:t>
             </a:fld>
             <a:endParaRPr lang="pt-PT"/>
           </a:p>
@@ -2971,7 +2971,7 @@
           <a:p>
             <a:fld id="{65E3D7AB-6C06-41C6-99AC-C74008AD09CE}" type="datetimeFigureOut">
               <a:rPr lang="pt-PT" smtClean="0"/>
-              <a:t>21/03/2023</a:t>
+              <a:t>22/03/2023</a:t>
             </a:fld>
             <a:endParaRPr lang="pt-PT"/>
           </a:p>
@@ -3591,7 +3591,7 @@
         </p:nvSpPr>
         <p:spPr>
           <a:xfrm>
-            <a:off x="1451579" y="1039907"/>
+            <a:off x="960944" y="700831"/>
             <a:ext cx="9603275" cy="813848"/>
           </a:xfrm>
         </p:spPr>
@@ -3698,15 +3698,7 @@
           <a:p>
             <a:r>
               <a:rPr lang="pt-PT" dirty="0" err="1"/>
-              <a:t>Shared</a:t>
-            </a:r>
-            <a:r>
-              <a:rPr lang="pt-PT" dirty="0"/>
-              <a:t> </a:t>
-            </a:r>
-            <a:r>
-              <a:rPr lang="pt-PT" dirty="0" err="1"/>
-              <a:t>Region</a:t>
+              <a:t>SharedRegion</a:t>
             </a:r>
             <a:endParaRPr lang="pt-PT" sz="1400" dirty="0"/>
           </a:p>
@@ -3900,47 +3892,13 @@
           <a:bodyPr rtlCol="0" anchor="ctr"/>
           <a:lstStyle/>
           <a:p>
-            <a:pPr algn="ctr"/>
-            <a:endParaRPr lang="pt-PT" dirty="0"/>
-          </a:p>
-        </p:txBody>
-      </p:sp>
-      <p:sp>
-        <p:nvSpPr>
-          <p:cNvPr id="13" name="CaixaDeTexto 12">
-            <a:extLst>
-              <a:ext uri="{FF2B5EF4-FFF2-40B4-BE49-F238E27FC236}">
-                <a16:creationId xmlns:a16="http://schemas.microsoft.com/office/drawing/2014/main" id="{902ED50C-BB19-4988-A429-E5917976072E}"/>
-              </a:ext>
-            </a:extLst>
-          </p:cNvPr>
-          <p:cNvSpPr txBox="1"/>
-          <p:nvPr/>
-        </p:nvSpPr>
-        <p:spPr>
-          <a:xfrm>
-            <a:off x="8446123" y="4579636"/>
-            <a:ext cx="2608729" cy="369332"/>
-          </a:xfrm>
-          <a:prstGeom prst="rect">
-            <a:avLst/>
-          </a:prstGeom>
-          <a:noFill/>
-        </p:spPr>
-        <p:txBody>
-          <a:bodyPr wrap="square" rtlCol="0">
-            <a:spAutoFit/>
-          </a:bodyPr>
-          <a:lstStyle/>
-          <a:p>
-            <a:pPr algn="ctr"/>
             <a:r>
               <a:rPr lang="pt-PT" dirty="0" err="1">
                 <a:solidFill>
                   <a:schemeClr val="bg1"/>
                 </a:solidFill>
               </a:rPr>
-              <a:t>FileResults</a:t>
+              <a:t>FileResult</a:t>
             </a:r>
             <a:endParaRPr lang="pt-PT" dirty="0">
               <a:solidFill>
@@ -3948,35 +3906,6 @@
               </a:solidFill>
             </a:endParaRPr>
           </a:p>
-        </p:txBody>
-      </p:sp>
-      <p:sp>
-        <p:nvSpPr>
-          <p:cNvPr id="14" name="CaixaDeTexto 13">
-            <a:extLst>
-              <a:ext uri="{FF2B5EF4-FFF2-40B4-BE49-F238E27FC236}">
-                <a16:creationId xmlns:a16="http://schemas.microsoft.com/office/drawing/2014/main" id="{9305E7AD-A7AC-4270-B857-86C147BDBCF8}"/>
-              </a:ext>
-            </a:extLst>
-          </p:cNvPr>
-          <p:cNvSpPr txBox="1"/>
-          <p:nvPr/>
-        </p:nvSpPr>
-        <p:spPr>
-          <a:xfrm>
-            <a:off x="8446124" y="5079761"/>
-            <a:ext cx="2608728" cy="738664"/>
-          </a:xfrm>
-          <a:prstGeom prst="rect">
-            <a:avLst/>
-          </a:prstGeom>
-          <a:noFill/>
-        </p:spPr>
-        <p:txBody>
-          <a:bodyPr wrap="square" rtlCol="0">
-            <a:spAutoFit/>
-          </a:bodyPr>
-          <a:lstStyle/>
           <a:p>
             <a:pPr marL="285750" indent="-285750">
               <a:buFont typeface="Arial" panose="020B0604020202020204" pitchFamily="34" charset="0"/>
@@ -4084,6 +4013,10 @@
                 <a:schemeClr val="bg1"/>
               </a:solidFill>
             </a:endParaRPr>
+          </a:p>
+          <a:p>
+            <a:pPr algn="ctr"/>
+            <a:endParaRPr lang="pt-PT" sz="1400" dirty="0"/>
           </a:p>
         </p:txBody>
       </p:sp>
@@ -4784,14 +4717,14 @@
             <p:ph idx="1"/>
             <p:extLst>
               <p:ext uri="{D42A27DB-BD31-4B8C-83A1-F6EECF244321}">
-                <p14:modId xmlns:p14="http://schemas.microsoft.com/office/powerpoint/2010/main" val="2032687290"/>
+                <p14:modId xmlns:p14="http://schemas.microsoft.com/office/powerpoint/2010/main" val="2297716517"/>
               </p:ext>
             </p:extLst>
           </p:nvPr>
         </p:nvGraphicFramePr>
         <p:xfrm>
           <a:off x="1450977" y="1631577"/>
-          <a:ext cx="8594720" cy="1381760"/>
+          <a:ext cx="8594720" cy="1259840"/>
         </p:xfrm>
         <a:graphic>
           <a:graphicData uri="http://schemas.openxmlformats.org/drawingml/2006/table">
@@ -5004,21 +4937,24 @@
                     <a:p>
                       <a:pPr algn="ctr"/>
                       <a:r>
-                        <a:rPr lang="pt-PT" b="0" dirty="0" err="1">
+                        <a:rPr lang="pt-PT" sz="1400" b="0" dirty="0" err="1">
                           <a:latin typeface="Calibri" panose="020F0502020204030204" pitchFamily="34" charset="0"/>
                           <a:ea typeface="Calibri" panose="020F0502020204030204" pitchFamily="34" charset="0"/>
                           <a:cs typeface="Calibri" panose="020F0502020204030204" pitchFamily="34" charset="0"/>
                         </a:rPr>
                         <a:t>Median</a:t>
                       </a:r>
-                      <a:endParaRPr lang="pt-PT" b="0" dirty="0">
-                        <a:latin typeface="Calibri" panose="020F0502020204030204" pitchFamily="34" charset="0"/>
-                        <a:ea typeface="Calibri" panose="020F0502020204030204" pitchFamily="34" charset="0"/>
-                        <a:cs typeface="Calibri" panose="020F0502020204030204" pitchFamily="34" charset="0"/>
-                      </a:endParaRPr>
-                    </a:p>
-                  </a:txBody>
-                  <a:tcPr marL="81828" marR="81828">
+                      <a:r>
+                        <a:rPr lang="pt-PT" sz="1400" b="0" dirty="0">
+                          <a:latin typeface="Calibri" panose="020F0502020204030204" pitchFamily="34" charset="0"/>
+                          <a:ea typeface="Calibri" panose="020F0502020204030204" pitchFamily="34" charset="0"/>
+                          <a:cs typeface="Calibri" panose="020F0502020204030204" pitchFamily="34" charset="0"/>
+                        </a:rPr>
+                        <a:t> (s)</a:t>
+                      </a:r>
+                    </a:p>
+                  </a:txBody>
+                  <a:tcPr marL="81828" marR="81828" anchor="ctr">
                     <a:solidFill>
                       <a:schemeClr val="bg2">
                         <a:lumMod val="75000"/>
@@ -5033,7 +4969,7 @@
                     <a:p>
                       <a:pPr algn="ctr"/>
                       <a:r>
-                        <a:rPr lang="pt-PT" b="0" dirty="0">
+                        <a:rPr lang="pt-PT" sz="1400" b="0" dirty="0">
                           <a:latin typeface="Calibri" panose="020F0502020204030204" pitchFamily="34" charset="0"/>
                           <a:ea typeface="Calibri" panose="020F0502020204030204" pitchFamily="34" charset="0"/>
                           <a:cs typeface="Calibri" panose="020F0502020204030204" pitchFamily="34" charset="0"/>
@@ -5041,21 +4977,24 @@
                         <a:t>Standard </a:t>
                       </a:r>
                       <a:r>
-                        <a:rPr lang="pt-PT" b="0" dirty="0" err="1">
+                        <a:rPr lang="pt-PT" sz="1400" b="0" dirty="0" err="1">
                           <a:latin typeface="Calibri" panose="020F0502020204030204" pitchFamily="34" charset="0"/>
                           <a:ea typeface="Calibri" panose="020F0502020204030204" pitchFamily="34" charset="0"/>
                           <a:cs typeface="Calibri" panose="020F0502020204030204" pitchFamily="34" charset="0"/>
                         </a:rPr>
                         <a:t>deviation</a:t>
                       </a:r>
-                      <a:endParaRPr lang="pt-PT" b="0" dirty="0">
-                        <a:latin typeface="Calibri" panose="020F0502020204030204" pitchFamily="34" charset="0"/>
-                        <a:ea typeface="Calibri" panose="020F0502020204030204" pitchFamily="34" charset="0"/>
-                        <a:cs typeface="Calibri" panose="020F0502020204030204" pitchFamily="34" charset="0"/>
-                      </a:endParaRPr>
-                    </a:p>
-                  </a:txBody>
-                  <a:tcPr marL="81828" marR="81828">
+                      <a:r>
+                        <a:rPr lang="pt-PT" sz="1400" b="0" dirty="0">
+                          <a:latin typeface="Calibri" panose="020F0502020204030204" pitchFamily="34" charset="0"/>
+                          <a:ea typeface="Calibri" panose="020F0502020204030204" pitchFamily="34" charset="0"/>
+                          <a:cs typeface="Calibri" panose="020F0502020204030204" pitchFamily="34" charset="0"/>
+                        </a:rPr>
+                        <a:t> (s)</a:t>
+                      </a:r>
+                    </a:p>
+                  </a:txBody>
+                  <a:tcPr marL="81828" marR="81828" anchor="ctr">
                     <a:solidFill>
                       <a:schemeClr val="bg2">
                         <a:lumMod val="75000"/>
@@ -5070,21 +5009,24 @@
                     <a:p>
                       <a:pPr algn="ctr"/>
                       <a:r>
-                        <a:rPr lang="pt-PT" b="0" dirty="0" err="1">
+                        <a:rPr lang="pt-PT" sz="1400" b="0" dirty="0" err="1">
                           <a:latin typeface="Calibri" panose="020F0502020204030204" pitchFamily="34" charset="0"/>
                           <a:ea typeface="Calibri" panose="020F0502020204030204" pitchFamily="34" charset="0"/>
                           <a:cs typeface="Calibri" panose="020F0502020204030204" pitchFamily="34" charset="0"/>
                         </a:rPr>
                         <a:t>Median</a:t>
                       </a:r>
-                      <a:endParaRPr lang="pt-PT" b="0" dirty="0">
-                        <a:latin typeface="Calibri" panose="020F0502020204030204" pitchFamily="34" charset="0"/>
-                        <a:ea typeface="Calibri" panose="020F0502020204030204" pitchFamily="34" charset="0"/>
-                        <a:cs typeface="Calibri" panose="020F0502020204030204" pitchFamily="34" charset="0"/>
-                      </a:endParaRPr>
-                    </a:p>
-                  </a:txBody>
-                  <a:tcPr marL="81828" marR="81828">
+                      <a:r>
+                        <a:rPr lang="pt-PT" sz="1400" b="0" dirty="0">
+                          <a:latin typeface="Calibri" panose="020F0502020204030204" pitchFamily="34" charset="0"/>
+                          <a:ea typeface="Calibri" panose="020F0502020204030204" pitchFamily="34" charset="0"/>
+                          <a:cs typeface="Calibri" panose="020F0502020204030204" pitchFamily="34" charset="0"/>
+                        </a:rPr>
+                        <a:t> (s)</a:t>
+                      </a:r>
+                    </a:p>
+                  </a:txBody>
+                  <a:tcPr marL="81828" marR="81828" anchor="ctr">
                     <a:solidFill>
                       <a:schemeClr val="bg2">
                         <a:lumMod val="75000"/>
@@ -5099,7 +5041,7 @@
                     <a:p>
                       <a:pPr algn="ctr"/>
                       <a:r>
-                        <a:rPr lang="pt-PT" b="0" dirty="0">
+                        <a:rPr lang="pt-PT" sz="1400" b="0" dirty="0">
                           <a:latin typeface="Calibri" panose="020F0502020204030204" pitchFamily="34" charset="0"/>
                           <a:ea typeface="Calibri" panose="020F0502020204030204" pitchFamily="34" charset="0"/>
                           <a:cs typeface="Calibri" panose="020F0502020204030204" pitchFamily="34" charset="0"/>
@@ -5107,21 +5049,24 @@
                         <a:t>Standard </a:t>
                       </a:r>
                       <a:r>
-                        <a:rPr lang="pt-PT" b="0" dirty="0" err="1">
+                        <a:rPr lang="pt-PT" sz="1400" b="0" dirty="0" err="1">
                           <a:latin typeface="Calibri" panose="020F0502020204030204" pitchFamily="34" charset="0"/>
                           <a:ea typeface="Calibri" panose="020F0502020204030204" pitchFamily="34" charset="0"/>
                           <a:cs typeface="Calibri" panose="020F0502020204030204" pitchFamily="34" charset="0"/>
                         </a:rPr>
                         <a:t>deviation</a:t>
                       </a:r>
-                      <a:endParaRPr lang="pt-PT" b="0" dirty="0">
-                        <a:latin typeface="Calibri" panose="020F0502020204030204" pitchFamily="34" charset="0"/>
-                        <a:ea typeface="Calibri" panose="020F0502020204030204" pitchFamily="34" charset="0"/>
-                        <a:cs typeface="Calibri" panose="020F0502020204030204" pitchFamily="34" charset="0"/>
-                      </a:endParaRPr>
-                    </a:p>
-                  </a:txBody>
-                  <a:tcPr marL="81828" marR="81828">
+                      <a:r>
+                        <a:rPr lang="pt-PT" sz="1400" b="0" dirty="0">
+                          <a:latin typeface="Calibri" panose="020F0502020204030204" pitchFamily="34" charset="0"/>
+                          <a:ea typeface="Calibri" panose="020F0502020204030204" pitchFamily="34" charset="0"/>
+                          <a:cs typeface="Calibri" panose="020F0502020204030204" pitchFamily="34" charset="0"/>
+                        </a:rPr>
+                        <a:t> (s)</a:t>
+                      </a:r>
+                    </a:p>
+                  </a:txBody>
+                  <a:tcPr marL="81828" marR="81828" anchor="ctr">
                     <a:solidFill>
                       <a:schemeClr val="bg2">
                         <a:lumMod val="75000"/>
@@ -5136,21 +5081,24 @@
                     <a:p>
                       <a:pPr algn="ctr"/>
                       <a:r>
-                        <a:rPr lang="pt-PT" b="0" dirty="0" err="1">
+                        <a:rPr lang="pt-PT" sz="1400" b="0" dirty="0" err="1">
                           <a:latin typeface="Calibri" panose="020F0502020204030204" pitchFamily="34" charset="0"/>
                           <a:ea typeface="Calibri" panose="020F0502020204030204" pitchFamily="34" charset="0"/>
                           <a:cs typeface="Calibri" panose="020F0502020204030204" pitchFamily="34" charset="0"/>
                         </a:rPr>
                         <a:t>Median</a:t>
                       </a:r>
-                      <a:endParaRPr lang="pt-PT" b="0" dirty="0">
-                        <a:latin typeface="Calibri" panose="020F0502020204030204" pitchFamily="34" charset="0"/>
-                        <a:ea typeface="Calibri" panose="020F0502020204030204" pitchFamily="34" charset="0"/>
-                        <a:cs typeface="Calibri" panose="020F0502020204030204" pitchFamily="34" charset="0"/>
-                      </a:endParaRPr>
-                    </a:p>
-                  </a:txBody>
-                  <a:tcPr marL="81828" marR="81828">
+                      <a:r>
+                        <a:rPr lang="pt-PT" sz="1400" b="0" dirty="0">
+                          <a:latin typeface="Calibri" panose="020F0502020204030204" pitchFamily="34" charset="0"/>
+                          <a:ea typeface="Calibri" panose="020F0502020204030204" pitchFamily="34" charset="0"/>
+                          <a:cs typeface="Calibri" panose="020F0502020204030204" pitchFamily="34" charset="0"/>
+                        </a:rPr>
+                        <a:t> (s)</a:t>
+                      </a:r>
+                    </a:p>
+                  </a:txBody>
+                  <a:tcPr marL="81828" marR="81828" anchor="ctr">
                     <a:solidFill>
                       <a:schemeClr val="bg2">
                         <a:lumMod val="75000"/>
@@ -5165,7 +5113,7 @@
                     <a:p>
                       <a:pPr algn="ctr"/>
                       <a:r>
-                        <a:rPr lang="pt-PT" b="0" dirty="0">
+                        <a:rPr lang="pt-PT" sz="1400" b="0" dirty="0">
                           <a:latin typeface="Calibri" panose="020F0502020204030204" pitchFamily="34" charset="0"/>
                           <a:ea typeface="Calibri" panose="020F0502020204030204" pitchFamily="34" charset="0"/>
                           <a:cs typeface="Calibri" panose="020F0502020204030204" pitchFamily="34" charset="0"/>
@@ -5173,21 +5121,24 @@
                         <a:t>Standard </a:t>
                       </a:r>
                       <a:r>
-                        <a:rPr lang="pt-PT" b="0" dirty="0" err="1">
+                        <a:rPr lang="pt-PT" sz="1400" b="0" dirty="0" err="1">
                           <a:latin typeface="Calibri" panose="020F0502020204030204" pitchFamily="34" charset="0"/>
                           <a:ea typeface="Calibri" panose="020F0502020204030204" pitchFamily="34" charset="0"/>
                           <a:cs typeface="Calibri" panose="020F0502020204030204" pitchFamily="34" charset="0"/>
                         </a:rPr>
                         <a:t>deviation</a:t>
                       </a:r>
-                      <a:endParaRPr lang="pt-PT" b="0" dirty="0">
-                        <a:latin typeface="Calibri" panose="020F0502020204030204" pitchFamily="34" charset="0"/>
-                        <a:ea typeface="Calibri" panose="020F0502020204030204" pitchFamily="34" charset="0"/>
-                        <a:cs typeface="Calibri" panose="020F0502020204030204" pitchFamily="34" charset="0"/>
-                      </a:endParaRPr>
-                    </a:p>
-                  </a:txBody>
-                  <a:tcPr marL="81828" marR="81828">
+                      <a:r>
+                        <a:rPr lang="pt-PT" sz="1400" b="0" dirty="0">
+                          <a:latin typeface="Calibri" panose="020F0502020204030204" pitchFamily="34" charset="0"/>
+                          <a:ea typeface="Calibri" panose="020F0502020204030204" pitchFamily="34" charset="0"/>
+                          <a:cs typeface="Calibri" panose="020F0502020204030204" pitchFamily="34" charset="0"/>
+                        </a:rPr>
+                        <a:t> (s)</a:t>
+                      </a:r>
+                    </a:p>
+                  </a:txBody>
+                  <a:tcPr marL="81828" marR="81828" anchor="ctr">
                     <a:solidFill>
                       <a:schemeClr val="bg2">
                         <a:lumMod val="75000"/>
@@ -5202,21 +5153,24 @@
                     <a:p>
                       <a:pPr algn="ctr"/>
                       <a:r>
-                        <a:rPr lang="pt-PT" b="0" dirty="0" err="1">
+                        <a:rPr lang="pt-PT" sz="1400" b="0" dirty="0" err="1">
                           <a:latin typeface="Calibri" panose="020F0502020204030204" pitchFamily="34" charset="0"/>
                           <a:ea typeface="Calibri" panose="020F0502020204030204" pitchFamily="34" charset="0"/>
                           <a:cs typeface="Calibri" panose="020F0502020204030204" pitchFamily="34" charset="0"/>
                         </a:rPr>
                         <a:t>Median</a:t>
                       </a:r>
-                      <a:endParaRPr lang="pt-PT" b="0" dirty="0">
-                        <a:latin typeface="Calibri" panose="020F0502020204030204" pitchFamily="34" charset="0"/>
-                        <a:ea typeface="Calibri" panose="020F0502020204030204" pitchFamily="34" charset="0"/>
-                        <a:cs typeface="Calibri" panose="020F0502020204030204" pitchFamily="34" charset="0"/>
-                      </a:endParaRPr>
-                    </a:p>
-                  </a:txBody>
-                  <a:tcPr marL="81828" marR="81828">
+                      <a:r>
+                        <a:rPr lang="pt-PT" sz="1400" b="0" dirty="0">
+                          <a:latin typeface="Calibri" panose="020F0502020204030204" pitchFamily="34" charset="0"/>
+                          <a:ea typeface="Calibri" panose="020F0502020204030204" pitchFamily="34" charset="0"/>
+                          <a:cs typeface="Calibri" panose="020F0502020204030204" pitchFamily="34" charset="0"/>
+                        </a:rPr>
+                        <a:t> (s)</a:t>
+                      </a:r>
+                    </a:p>
+                  </a:txBody>
+                  <a:tcPr marL="81828" marR="81828" anchor="ctr">
                     <a:solidFill>
                       <a:schemeClr val="bg2">
                         <a:lumMod val="75000"/>
@@ -5231,7 +5185,7 @@
                     <a:p>
                       <a:pPr algn="ctr"/>
                       <a:r>
-                        <a:rPr lang="pt-PT" b="0" dirty="0">
+                        <a:rPr lang="pt-PT" sz="1400" b="0" dirty="0">
                           <a:latin typeface="Calibri" panose="020F0502020204030204" pitchFamily="34" charset="0"/>
                           <a:ea typeface="Calibri" panose="020F0502020204030204" pitchFamily="34" charset="0"/>
                           <a:cs typeface="Calibri" panose="020F0502020204030204" pitchFamily="34" charset="0"/>
@@ -5239,21 +5193,24 @@
                         <a:t>Standard </a:t>
                       </a:r>
                       <a:r>
-                        <a:rPr lang="pt-PT" b="0" dirty="0" err="1">
+                        <a:rPr lang="pt-PT" sz="1400" b="0" dirty="0" err="1">
                           <a:latin typeface="Calibri" panose="020F0502020204030204" pitchFamily="34" charset="0"/>
                           <a:ea typeface="Calibri" panose="020F0502020204030204" pitchFamily="34" charset="0"/>
                           <a:cs typeface="Calibri" panose="020F0502020204030204" pitchFamily="34" charset="0"/>
                         </a:rPr>
                         <a:t>deviation</a:t>
                       </a:r>
-                      <a:endParaRPr lang="pt-PT" b="0" dirty="0">
-                        <a:latin typeface="Calibri" panose="020F0502020204030204" pitchFamily="34" charset="0"/>
-                        <a:ea typeface="Calibri" panose="020F0502020204030204" pitchFamily="34" charset="0"/>
-                        <a:cs typeface="Calibri" panose="020F0502020204030204" pitchFamily="34" charset="0"/>
-                      </a:endParaRPr>
-                    </a:p>
-                  </a:txBody>
-                  <a:tcPr marL="81828" marR="81828">
+                      <a:r>
+                        <a:rPr lang="pt-PT" sz="1400" b="0" dirty="0">
+                          <a:latin typeface="Calibri" panose="020F0502020204030204" pitchFamily="34" charset="0"/>
+                          <a:ea typeface="Calibri" panose="020F0502020204030204" pitchFamily="34" charset="0"/>
+                          <a:cs typeface="Calibri" panose="020F0502020204030204" pitchFamily="34" charset="0"/>
+                        </a:rPr>
+                        <a:t> (s)</a:t>
+                      </a:r>
+                    </a:p>
+                  </a:txBody>
+                  <a:tcPr marL="81828" marR="81828" anchor="ctr">
                     <a:solidFill>
                       <a:schemeClr val="bg2">
                         <a:lumMod val="75000"/>
@@ -5553,6 +5510,843 @@
           </a:p>
         </p:txBody>
       </p:sp>
+      <p:graphicFrame>
+        <p:nvGraphicFramePr>
+          <p:cNvPr id="2" name="Tabela 4">
+            <a:extLst>
+              <a:ext uri="{FF2B5EF4-FFF2-40B4-BE49-F238E27FC236}">
+                <a16:creationId xmlns:a16="http://schemas.microsoft.com/office/drawing/2014/main" id="{C888DCFE-F49C-0932-9E11-69A0DE0E6D32}"/>
+              </a:ext>
+            </a:extLst>
+          </p:cNvPr>
+          <p:cNvGraphicFramePr>
+            <a:graphicFrameLocks/>
+          </p:cNvGraphicFramePr>
+          <p:nvPr>
+            <p:extLst>
+              <p:ext uri="{D42A27DB-BD31-4B8C-83A1-F6EECF244321}">
+                <p14:modId xmlns:p14="http://schemas.microsoft.com/office/powerpoint/2010/main" val="2583431680"/>
+              </p:ext>
+            </p:extLst>
+          </p:nvPr>
+        </p:nvGraphicFramePr>
+        <p:xfrm>
+          <a:off x="1450977" y="3968377"/>
+          <a:ext cx="8594720" cy="1259840"/>
+        </p:xfrm>
+        <a:graphic>
+          <a:graphicData uri="http://schemas.openxmlformats.org/drawingml/2006/table">
+            <a:tbl>
+              <a:tblPr firstRow="1" bandRow="1">
+                <a:tableStyleId>{073A0DAA-6AF3-43AB-8588-CEC1D06C72B9}</a:tableStyleId>
+              </a:tblPr>
+              <a:tblGrid>
+                <a:gridCol w="1074340">
+                  <a:extLst>
+                    <a:ext uri="{9D8B030D-6E8A-4147-A177-3AD203B41FA5}">
+                      <a16:colId xmlns:a16="http://schemas.microsoft.com/office/drawing/2014/main" val="1694873685"/>
+                    </a:ext>
+                  </a:extLst>
+                </a:gridCol>
+                <a:gridCol w="1074340">
+                  <a:extLst>
+                    <a:ext uri="{9D8B030D-6E8A-4147-A177-3AD203B41FA5}">
+                      <a16:colId xmlns:a16="http://schemas.microsoft.com/office/drawing/2014/main" val="3817143934"/>
+                    </a:ext>
+                  </a:extLst>
+                </a:gridCol>
+                <a:gridCol w="1074340">
+                  <a:extLst>
+                    <a:ext uri="{9D8B030D-6E8A-4147-A177-3AD203B41FA5}">
+                      <a16:colId xmlns:a16="http://schemas.microsoft.com/office/drawing/2014/main" val="1516063400"/>
+                    </a:ext>
+                  </a:extLst>
+                </a:gridCol>
+                <a:gridCol w="1074340">
+                  <a:extLst>
+                    <a:ext uri="{9D8B030D-6E8A-4147-A177-3AD203B41FA5}">
+                      <a16:colId xmlns:a16="http://schemas.microsoft.com/office/drawing/2014/main" val="1986810562"/>
+                    </a:ext>
+                  </a:extLst>
+                </a:gridCol>
+                <a:gridCol w="1074340">
+                  <a:extLst>
+                    <a:ext uri="{9D8B030D-6E8A-4147-A177-3AD203B41FA5}">
+                      <a16:colId xmlns:a16="http://schemas.microsoft.com/office/drawing/2014/main" val="1935499054"/>
+                    </a:ext>
+                  </a:extLst>
+                </a:gridCol>
+                <a:gridCol w="1074340">
+                  <a:extLst>
+                    <a:ext uri="{9D8B030D-6E8A-4147-A177-3AD203B41FA5}">
+                      <a16:colId xmlns:a16="http://schemas.microsoft.com/office/drawing/2014/main" val="691534411"/>
+                    </a:ext>
+                  </a:extLst>
+                </a:gridCol>
+                <a:gridCol w="1074340">
+                  <a:extLst>
+                    <a:ext uri="{9D8B030D-6E8A-4147-A177-3AD203B41FA5}">
+                      <a16:colId xmlns:a16="http://schemas.microsoft.com/office/drawing/2014/main" val="3036198595"/>
+                    </a:ext>
+                  </a:extLst>
+                </a:gridCol>
+                <a:gridCol w="1074340">
+                  <a:extLst>
+                    <a:ext uri="{9D8B030D-6E8A-4147-A177-3AD203B41FA5}">
+                      <a16:colId xmlns:a16="http://schemas.microsoft.com/office/drawing/2014/main" val="1547783530"/>
+                    </a:ext>
+                  </a:extLst>
+                </a:gridCol>
+              </a:tblGrid>
+              <a:tr h="370840">
+                <a:tc gridSpan="2">
+                  <a:txBody>
+                    <a:bodyPr/>
+                    <a:lstStyle/>
+                    <a:p>
+                      <a:pPr algn="ctr"/>
+                      <a:r>
+                        <a:rPr lang="pt-PT" b="0" dirty="0"/>
+                        <a:t>1 </a:t>
+                      </a:r>
+                      <a:r>
+                        <a:rPr lang="pt-PT" b="0" dirty="0" err="1"/>
+                        <a:t>worker</a:t>
+                      </a:r>
+                      <a:endParaRPr lang="pt-PT" b="0" dirty="0">
+                        <a:latin typeface="Calibri" panose="020F0502020204030204" pitchFamily="34" charset="0"/>
+                        <a:ea typeface="Calibri" panose="020F0502020204030204" pitchFamily="34" charset="0"/>
+                        <a:cs typeface="Calibri" panose="020F0502020204030204" pitchFamily="34" charset="0"/>
+                      </a:endParaRPr>
+                    </a:p>
+                  </a:txBody>
+                  <a:tcPr marL="81828" marR="81828"/>
+                </a:tc>
+                <a:tc hMerge="1">
+                  <a:txBody>
+                    <a:bodyPr/>
+                    <a:lstStyle/>
+                    <a:p>
+                      <a:endParaRPr lang="pt-PT"/>
+                    </a:p>
+                  </a:txBody>
+                  <a:tcPr/>
+                </a:tc>
+                <a:tc gridSpan="2">
+                  <a:txBody>
+                    <a:bodyPr/>
+                    <a:lstStyle/>
+                    <a:p>
+                      <a:pPr algn="ctr"/>
+                      <a:r>
+                        <a:rPr lang="pt-PT" b="0" dirty="0"/>
+                        <a:t>2 </a:t>
+                      </a:r>
+                      <a:r>
+                        <a:rPr lang="pt-PT" b="0" dirty="0" err="1"/>
+                        <a:t>workers</a:t>
+                      </a:r>
+                      <a:endParaRPr lang="pt-PT" b="0" dirty="0">
+                        <a:latin typeface="Calibri" panose="020F0502020204030204" pitchFamily="34" charset="0"/>
+                        <a:ea typeface="Calibri" panose="020F0502020204030204" pitchFamily="34" charset="0"/>
+                        <a:cs typeface="Calibri" panose="020F0502020204030204" pitchFamily="34" charset="0"/>
+                      </a:endParaRPr>
+                    </a:p>
+                  </a:txBody>
+                  <a:tcPr marL="81828" marR="81828"/>
+                </a:tc>
+                <a:tc hMerge="1">
+                  <a:txBody>
+                    <a:bodyPr/>
+                    <a:lstStyle/>
+                    <a:p>
+                      <a:endParaRPr lang="pt-PT"/>
+                    </a:p>
+                  </a:txBody>
+                  <a:tcPr/>
+                </a:tc>
+                <a:tc gridSpan="2">
+                  <a:txBody>
+                    <a:bodyPr/>
+                    <a:lstStyle/>
+                    <a:p>
+                      <a:pPr algn="ctr"/>
+                      <a:r>
+                        <a:rPr lang="pt-PT" b="0" dirty="0"/>
+                        <a:t>4 </a:t>
+                      </a:r>
+                      <a:r>
+                        <a:rPr lang="pt-PT" b="0" dirty="0" err="1"/>
+                        <a:t>workers</a:t>
+                      </a:r>
+                      <a:endParaRPr lang="pt-PT" b="0" dirty="0">
+                        <a:latin typeface="Calibri" panose="020F0502020204030204" pitchFamily="34" charset="0"/>
+                        <a:ea typeface="Calibri" panose="020F0502020204030204" pitchFamily="34" charset="0"/>
+                        <a:cs typeface="Calibri" panose="020F0502020204030204" pitchFamily="34" charset="0"/>
+                      </a:endParaRPr>
+                    </a:p>
+                  </a:txBody>
+                  <a:tcPr marL="81828" marR="81828"/>
+                </a:tc>
+                <a:tc hMerge="1">
+                  <a:txBody>
+                    <a:bodyPr/>
+                    <a:lstStyle/>
+                    <a:p>
+                      <a:endParaRPr lang="pt-PT"/>
+                    </a:p>
+                  </a:txBody>
+                  <a:tcPr/>
+                </a:tc>
+                <a:tc gridSpan="2">
+                  <a:txBody>
+                    <a:bodyPr/>
+                    <a:lstStyle/>
+                    <a:p>
+                      <a:pPr algn="ctr"/>
+                      <a:r>
+                        <a:rPr lang="pt-PT" b="0" dirty="0"/>
+                        <a:t>8 </a:t>
+                      </a:r>
+                      <a:r>
+                        <a:rPr lang="pt-PT" b="0" dirty="0" err="1"/>
+                        <a:t>workers</a:t>
+                      </a:r>
+                      <a:endParaRPr lang="pt-PT" b="0" dirty="0">
+                        <a:latin typeface="Calibri" panose="020F0502020204030204" pitchFamily="34" charset="0"/>
+                        <a:ea typeface="Calibri" panose="020F0502020204030204" pitchFamily="34" charset="0"/>
+                        <a:cs typeface="Calibri" panose="020F0502020204030204" pitchFamily="34" charset="0"/>
+                      </a:endParaRPr>
+                    </a:p>
+                  </a:txBody>
+                  <a:tcPr marL="81828" marR="81828"/>
+                </a:tc>
+                <a:tc hMerge="1">
+                  <a:txBody>
+                    <a:bodyPr/>
+                    <a:lstStyle/>
+                    <a:p>
+                      <a:endParaRPr lang="pt-PT"/>
+                    </a:p>
+                  </a:txBody>
+                  <a:tcPr/>
+                </a:tc>
+                <a:extLst>
+                  <a:ext uri="{0D108BD9-81ED-4DB2-BD59-A6C34878D82A}">
+                    <a16:rowId xmlns:a16="http://schemas.microsoft.com/office/drawing/2014/main" val="3843915449"/>
+                  </a:ext>
+                </a:extLst>
+              </a:tr>
+              <a:tr h="370840">
+                <a:tc>
+                  <a:txBody>
+                    <a:bodyPr/>
+                    <a:lstStyle/>
+                    <a:p>
+                      <a:pPr algn="ctr"/>
+                      <a:r>
+                        <a:rPr lang="pt-PT" sz="1400" b="0" dirty="0" err="1">
+                          <a:latin typeface="Calibri" panose="020F0502020204030204" pitchFamily="34" charset="0"/>
+                          <a:ea typeface="Calibri" panose="020F0502020204030204" pitchFamily="34" charset="0"/>
+                          <a:cs typeface="Calibri" panose="020F0502020204030204" pitchFamily="34" charset="0"/>
+                        </a:rPr>
+                        <a:t>Median</a:t>
+                      </a:r>
+                      <a:r>
+                        <a:rPr lang="pt-PT" sz="1400" b="0" dirty="0">
+                          <a:latin typeface="Calibri" panose="020F0502020204030204" pitchFamily="34" charset="0"/>
+                          <a:ea typeface="Calibri" panose="020F0502020204030204" pitchFamily="34" charset="0"/>
+                          <a:cs typeface="Calibri" panose="020F0502020204030204" pitchFamily="34" charset="0"/>
+                        </a:rPr>
+                        <a:t> (s)</a:t>
+                      </a:r>
+                    </a:p>
+                  </a:txBody>
+                  <a:tcPr marL="81828" marR="81828" anchor="ctr">
+                    <a:solidFill>
+                      <a:schemeClr val="bg2">
+                        <a:lumMod val="75000"/>
+                      </a:schemeClr>
+                    </a:solidFill>
+                  </a:tcPr>
+                </a:tc>
+                <a:tc>
+                  <a:txBody>
+                    <a:bodyPr/>
+                    <a:lstStyle/>
+                    <a:p>
+                      <a:pPr algn="ctr"/>
+                      <a:r>
+                        <a:rPr lang="pt-PT" sz="1400" b="0" dirty="0">
+                          <a:latin typeface="Calibri" panose="020F0502020204030204" pitchFamily="34" charset="0"/>
+                          <a:ea typeface="Calibri" panose="020F0502020204030204" pitchFamily="34" charset="0"/>
+                          <a:cs typeface="Calibri" panose="020F0502020204030204" pitchFamily="34" charset="0"/>
+                        </a:rPr>
+                        <a:t>Standard </a:t>
+                      </a:r>
+                      <a:r>
+                        <a:rPr lang="pt-PT" sz="1400" b="0" dirty="0" err="1">
+                          <a:latin typeface="Calibri" panose="020F0502020204030204" pitchFamily="34" charset="0"/>
+                          <a:ea typeface="Calibri" panose="020F0502020204030204" pitchFamily="34" charset="0"/>
+                          <a:cs typeface="Calibri" panose="020F0502020204030204" pitchFamily="34" charset="0"/>
+                        </a:rPr>
+                        <a:t>deviation</a:t>
+                      </a:r>
+                      <a:r>
+                        <a:rPr lang="pt-PT" sz="1400" b="0" dirty="0">
+                          <a:latin typeface="Calibri" panose="020F0502020204030204" pitchFamily="34" charset="0"/>
+                          <a:ea typeface="Calibri" panose="020F0502020204030204" pitchFamily="34" charset="0"/>
+                          <a:cs typeface="Calibri" panose="020F0502020204030204" pitchFamily="34" charset="0"/>
+                        </a:rPr>
+                        <a:t> (s)</a:t>
+                      </a:r>
+                    </a:p>
+                  </a:txBody>
+                  <a:tcPr marL="81828" marR="81828" anchor="ctr">
+                    <a:solidFill>
+                      <a:schemeClr val="bg2">
+                        <a:lumMod val="75000"/>
+                      </a:schemeClr>
+                    </a:solidFill>
+                  </a:tcPr>
+                </a:tc>
+                <a:tc>
+                  <a:txBody>
+                    <a:bodyPr/>
+                    <a:lstStyle/>
+                    <a:p>
+                      <a:pPr algn="ctr"/>
+                      <a:r>
+                        <a:rPr lang="pt-PT" sz="1400" b="0" dirty="0" err="1">
+                          <a:latin typeface="Calibri" panose="020F0502020204030204" pitchFamily="34" charset="0"/>
+                          <a:ea typeface="Calibri" panose="020F0502020204030204" pitchFamily="34" charset="0"/>
+                          <a:cs typeface="Calibri" panose="020F0502020204030204" pitchFamily="34" charset="0"/>
+                        </a:rPr>
+                        <a:t>Median</a:t>
+                      </a:r>
+                      <a:r>
+                        <a:rPr lang="pt-PT" sz="1400" b="0" dirty="0">
+                          <a:latin typeface="Calibri" panose="020F0502020204030204" pitchFamily="34" charset="0"/>
+                          <a:ea typeface="Calibri" panose="020F0502020204030204" pitchFamily="34" charset="0"/>
+                          <a:cs typeface="Calibri" panose="020F0502020204030204" pitchFamily="34" charset="0"/>
+                        </a:rPr>
+                        <a:t> (s)</a:t>
+                      </a:r>
+                    </a:p>
+                  </a:txBody>
+                  <a:tcPr marL="81828" marR="81828" anchor="ctr">
+                    <a:solidFill>
+                      <a:schemeClr val="bg2">
+                        <a:lumMod val="75000"/>
+                      </a:schemeClr>
+                    </a:solidFill>
+                  </a:tcPr>
+                </a:tc>
+                <a:tc>
+                  <a:txBody>
+                    <a:bodyPr/>
+                    <a:lstStyle/>
+                    <a:p>
+                      <a:pPr algn="ctr"/>
+                      <a:r>
+                        <a:rPr lang="pt-PT" sz="1400" b="0" dirty="0">
+                          <a:latin typeface="Calibri" panose="020F0502020204030204" pitchFamily="34" charset="0"/>
+                          <a:ea typeface="Calibri" panose="020F0502020204030204" pitchFamily="34" charset="0"/>
+                          <a:cs typeface="Calibri" panose="020F0502020204030204" pitchFamily="34" charset="0"/>
+                        </a:rPr>
+                        <a:t>Standard </a:t>
+                      </a:r>
+                      <a:r>
+                        <a:rPr lang="pt-PT" sz="1400" b="0" dirty="0" err="1">
+                          <a:latin typeface="Calibri" panose="020F0502020204030204" pitchFamily="34" charset="0"/>
+                          <a:ea typeface="Calibri" panose="020F0502020204030204" pitchFamily="34" charset="0"/>
+                          <a:cs typeface="Calibri" panose="020F0502020204030204" pitchFamily="34" charset="0"/>
+                        </a:rPr>
+                        <a:t>deviation</a:t>
+                      </a:r>
+                      <a:r>
+                        <a:rPr lang="pt-PT" sz="1400" b="0" dirty="0">
+                          <a:latin typeface="Calibri" panose="020F0502020204030204" pitchFamily="34" charset="0"/>
+                          <a:ea typeface="Calibri" panose="020F0502020204030204" pitchFamily="34" charset="0"/>
+                          <a:cs typeface="Calibri" panose="020F0502020204030204" pitchFamily="34" charset="0"/>
+                        </a:rPr>
+                        <a:t> (s)</a:t>
+                      </a:r>
+                    </a:p>
+                  </a:txBody>
+                  <a:tcPr marL="81828" marR="81828" anchor="ctr">
+                    <a:solidFill>
+                      <a:schemeClr val="bg2">
+                        <a:lumMod val="75000"/>
+                      </a:schemeClr>
+                    </a:solidFill>
+                  </a:tcPr>
+                </a:tc>
+                <a:tc>
+                  <a:txBody>
+                    <a:bodyPr/>
+                    <a:lstStyle/>
+                    <a:p>
+                      <a:pPr algn="ctr"/>
+                      <a:r>
+                        <a:rPr lang="pt-PT" sz="1400" b="0" dirty="0" err="1">
+                          <a:latin typeface="Calibri" panose="020F0502020204030204" pitchFamily="34" charset="0"/>
+                          <a:ea typeface="Calibri" panose="020F0502020204030204" pitchFamily="34" charset="0"/>
+                          <a:cs typeface="Calibri" panose="020F0502020204030204" pitchFamily="34" charset="0"/>
+                        </a:rPr>
+                        <a:t>Median</a:t>
+                      </a:r>
+                      <a:r>
+                        <a:rPr lang="pt-PT" sz="1400" b="0" dirty="0">
+                          <a:latin typeface="Calibri" panose="020F0502020204030204" pitchFamily="34" charset="0"/>
+                          <a:ea typeface="Calibri" panose="020F0502020204030204" pitchFamily="34" charset="0"/>
+                          <a:cs typeface="Calibri" panose="020F0502020204030204" pitchFamily="34" charset="0"/>
+                        </a:rPr>
+                        <a:t> (s)</a:t>
+                      </a:r>
+                    </a:p>
+                  </a:txBody>
+                  <a:tcPr marL="81828" marR="81828" anchor="ctr">
+                    <a:solidFill>
+                      <a:schemeClr val="bg2">
+                        <a:lumMod val="75000"/>
+                      </a:schemeClr>
+                    </a:solidFill>
+                  </a:tcPr>
+                </a:tc>
+                <a:tc>
+                  <a:txBody>
+                    <a:bodyPr/>
+                    <a:lstStyle/>
+                    <a:p>
+                      <a:pPr algn="ctr"/>
+                      <a:r>
+                        <a:rPr lang="pt-PT" sz="1400" b="0" dirty="0">
+                          <a:latin typeface="Calibri" panose="020F0502020204030204" pitchFamily="34" charset="0"/>
+                          <a:ea typeface="Calibri" panose="020F0502020204030204" pitchFamily="34" charset="0"/>
+                          <a:cs typeface="Calibri" panose="020F0502020204030204" pitchFamily="34" charset="0"/>
+                        </a:rPr>
+                        <a:t>Standard </a:t>
+                      </a:r>
+                      <a:r>
+                        <a:rPr lang="pt-PT" sz="1400" b="0" dirty="0" err="1">
+                          <a:latin typeface="Calibri" panose="020F0502020204030204" pitchFamily="34" charset="0"/>
+                          <a:ea typeface="Calibri" panose="020F0502020204030204" pitchFamily="34" charset="0"/>
+                          <a:cs typeface="Calibri" panose="020F0502020204030204" pitchFamily="34" charset="0"/>
+                        </a:rPr>
+                        <a:t>deviation</a:t>
+                      </a:r>
+                      <a:r>
+                        <a:rPr lang="pt-PT" sz="1400" b="0" dirty="0">
+                          <a:latin typeface="Calibri" panose="020F0502020204030204" pitchFamily="34" charset="0"/>
+                          <a:ea typeface="Calibri" panose="020F0502020204030204" pitchFamily="34" charset="0"/>
+                          <a:cs typeface="Calibri" panose="020F0502020204030204" pitchFamily="34" charset="0"/>
+                        </a:rPr>
+                        <a:t> (s)</a:t>
+                      </a:r>
+                    </a:p>
+                  </a:txBody>
+                  <a:tcPr marL="81828" marR="81828" anchor="ctr">
+                    <a:solidFill>
+                      <a:schemeClr val="bg2">
+                        <a:lumMod val="75000"/>
+                      </a:schemeClr>
+                    </a:solidFill>
+                  </a:tcPr>
+                </a:tc>
+                <a:tc>
+                  <a:txBody>
+                    <a:bodyPr/>
+                    <a:lstStyle/>
+                    <a:p>
+                      <a:pPr algn="ctr"/>
+                      <a:r>
+                        <a:rPr lang="pt-PT" sz="1400" b="0" dirty="0" err="1">
+                          <a:latin typeface="Calibri" panose="020F0502020204030204" pitchFamily="34" charset="0"/>
+                          <a:ea typeface="Calibri" panose="020F0502020204030204" pitchFamily="34" charset="0"/>
+                          <a:cs typeface="Calibri" panose="020F0502020204030204" pitchFamily="34" charset="0"/>
+                        </a:rPr>
+                        <a:t>Median</a:t>
+                      </a:r>
+                      <a:r>
+                        <a:rPr lang="pt-PT" sz="1400" b="0" dirty="0">
+                          <a:latin typeface="Calibri" panose="020F0502020204030204" pitchFamily="34" charset="0"/>
+                          <a:ea typeface="Calibri" panose="020F0502020204030204" pitchFamily="34" charset="0"/>
+                          <a:cs typeface="Calibri" panose="020F0502020204030204" pitchFamily="34" charset="0"/>
+                        </a:rPr>
+                        <a:t> (s)</a:t>
+                      </a:r>
+                    </a:p>
+                  </a:txBody>
+                  <a:tcPr marL="81828" marR="81828" anchor="ctr">
+                    <a:solidFill>
+                      <a:schemeClr val="bg2">
+                        <a:lumMod val="75000"/>
+                      </a:schemeClr>
+                    </a:solidFill>
+                  </a:tcPr>
+                </a:tc>
+                <a:tc>
+                  <a:txBody>
+                    <a:bodyPr/>
+                    <a:lstStyle/>
+                    <a:p>
+                      <a:pPr algn="ctr"/>
+                      <a:r>
+                        <a:rPr lang="pt-PT" sz="1400" b="0" dirty="0">
+                          <a:latin typeface="Calibri" panose="020F0502020204030204" pitchFamily="34" charset="0"/>
+                          <a:ea typeface="Calibri" panose="020F0502020204030204" pitchFamily="34" charset="0"/>
+                          <a:cs typeface="Calibri" panose="020F0502020204030204" pitchFamily="34" charset="0"/>
+                        </a:rPr>
+                        <a:t>Standard </a:t>
+                      </a:r>
+                      <a:r>
+                        <a:rPr lang="pt-PT" sz="1400" b="0" dirty="0" err="1">
+                          <a:latin typeface="Calibri" panose="020F0502020204030204" pitchFamily="34" charset="0"/>
+                          <a:ea typeface="Calibri" panose="020F0502020204030204" pitchFamily="34" charset="0"/>
+                          <a:cs typeface="Calibri" panose="020F0502020204030204" pitchFamily="34" charset="0"/>
+                        </a:rPr>
+                        <a:t>deviation</a:t>
+                      </a:r>
+                      <a:r>
+                        <a:rPr lang="pt-PT" sz="1400" b="0" dirty="0">
+                          <a:latin typeface="Calibri" panose="020F0502020204030204" pitchFamily="34" charset="0"/>
+                          <a:ea typeface="Calibri" panose="020F0502020204030204" pitchFamily="34" charset="0"/>
+                          <a:cs typeface="Calibri" panose="020F0502020204030204" pitchFamily="34" charset="0"/>
+                        </a:rPr>
+                        <a:t> (s)</a:t>
+                      </a:r>
+                    </a:p>
+                  </a:txBody>
+                  <a:tcPr marL="81828" marR="81828" anchor="ctr">
+                    <a:solidFill>
+                      <a:schemeClr val="bg2">
+                        <a:lumMod val="75000"/>
+                      </a:schemeClr>
+                    </a:solidFill>
+                  </a:tcPr>
+                </a:tc>
+                <a:extLst>
+                  <a:ext uri="{0D108BD9-81ED-4DB2-BD59-A6C34878D82A}">
+                    <a16:rowId xmlns:a16="http://schemas.microsoft.com/office/drawing/2014/main" val="60976799"/>
+                  </a:ext>
+                </a:extLst>
+              </a:tr>
+              <a:tr h="370840">
+                <a:tc>
+                  <a:txBody>
+                    <a:bodyPr/>
+                    <a:lstStyle/>
+                    <a:p>
+                      <a:pPr algn="ctr"/>
+                      <a:r>
+                        <a:rPr lang="pt-PT" b="0" dirty="0">
+                          <a:latin typeface="Calibri" panose="020F0502020204030204" pitchFamily="34" charset="0"/>
+                          <a:ea typeface="Calibri" panose="020F0502020204030204" pitchFamily="34" charset="0"/>
+                          <a:cs typeface="Calibri" panose="020F0502020204030204" pitchFamily="34" charset="0"/>
+                        </a:rPr>
+                        <a:t>0.026864</a:t>
+                      </a:r>
+                    </a:p>
+                  </a:txBody>
+                  <a:tcPr marL="81828" marR="81828"/>
+                </a:tc>
+                <a:tc>
+                  <a:txBody>
+                    <a:bodyPr/>
+                    <a:lstStyle/>
+                    <a:p>
+                      <a:pPr marL="0" marR="0" lvl="0" indent="0" algn="ctr" defTabSz="914400" rtl="0" eaLnBrk="1" fontAlgn="auto" latinLnBrk="0" hangingPunct="1">
+                        <a:lnSpc>
+                          <a:spcPct val="100000"/>
+                        </a:lnSpc>
+                        <a:spcBef>
+                          <a:spcPts val="0"/>
+                        </a:spcBef>
+                        <a:spcAft>
+                          <a:spcPts val="0"/>
+                        </a:spcAft>
+                        <a:buClrTx/>
+                        <a:buSzTx/>
+                        <a:buFontTx/>
+                        <a:buNone/>
+                        <a:tabLst/>
+                        <a:defRPr/>
+                      </a:pPr>
+                      <a:r>
+                        <a:rPr lang="pt-PT" b="0" dirty="0">
+                          <a:latin typeface="Calibri" panose="020F0502020204030204" pitchFamily="34" charset="0"/>
+                          <a:ea typeface="Calibri" panose="020F0502020204030204" pitchFamily="34" charset="0"/>
+                          <a:cs typeface="Calibri" panose="020F0502020204030204" pitchFamily="34" charset="0"/>
+                        </a:rPr>
+                        <a:t>0.012453</a:t>
+                      </a:r>
+                    </a:p>
+                  </a:txBody>
+                  <a:tcPr marL="81828" marR="81828"/>
+                </a:tc>
+                <a:tc>
+                  <a:txBody>
+                    <a:bodyPr/>
+                    <a:lstStyle/>
+                    <a:p>
+                      <a:pPr algn="ctr"/>
+                      <a:r>
+                        <a:rPr lang="pt-PT" b="0" dirty="0">
+                          <a:latin typeface="Calibri" panose="020F0502020204030204" pitchFamily="34" charset="0"/>
+                          <a:ea typeface="Calibri" panose="020F0502020204030204" pitchFamily="34" charset="0"/>
+                          <a:cs typeface="Calibri" panose="020F0502020204030204" pitchFamily="34" charset="0"/>
+                        </a:rPr>
+                        <a:t>0.020446</a:t>
+                      </a:r>
+                    </a:p>
+                  </a:txBody>
+                  <a:tcPr marL="81828" marR="81828"/>
+                </a:tc>
+                <a:tc>
+                  <a:txBody>
+                    <a:bodyPr/>
+                    <a:lstStyle/>
+                    <a:p>
+                      <a:pPr marL="0" marR="0" lvl="0" indent="0" algn="ctr" defTabSz="914400" rtl="0" eaLnBrk="1" fontAlgn="auto" latinLnBrk="0" hangingPunct="1">
+                        <a:lnSpc>
+                          <a:spcPct val="100000"/>
+                        </a:lnSpc>
+                        <a:spcBef>
+                          <a:spcPts val="0"/>
+                        </a:spcBef>
+                        <a:spcAft>
+                          <a:spcPts val="0"/>
+                        </a:spcAft>
+                        <a:buClrTx/>
+                        <a:buSzTx/>
+                        <a:buFontTx/>
+                        <a:buNone/>
+                        <a:tabLst/>
+                        <a:defRPr/>
+                      </a:pPr>
+                      <a:r>
+                        <a:rPr lang="pt-PT" b="0" dirty="0">
+                          <a:latin typeface="Calibri" panose="020F0502020204030204" pitchFamily="34" charset="0"/>
+                          <a:ea typeface="Calibri" panose="020F0502020204030204" pitchFamily="34" charset="0"/>
+                          <a:cs typeface="Calibri" panose="020F0502020204030204" pitchFamily="34" charset="0"/>
+                        </a:rPr>
+                        <a:t>0.005223</a:t>
+                      </a:r>
+                    </a:p>
+                  </a:txBody>
+                  <a:tcPr marL="81828" marR="81828"/>
+                </a:tc>
+                <a:tc>
+                  <a:txBody>
+                    <a:bodyPr/>
+                    <a:lstStyle/>
+                    <a:p>
+                      <a:pPr algn="ctr"/>
+                      <a:r>
+                        <a:rPr lang="pt-PT" b="0" dirty="0">
+                          <a:latin typeface="Calibri" panose="020F0502020204030204" pitchFamily="34" charset="0"/>
+                          <a:ea typeface="Calibri" panose="020F0502020204030204" pitchFamily="34" charset="0"/>
+                          <a:cs typeface="Calibri" panose="020F0502020204030204" pitchFamily="34" charset="0"/>
+                        </a:rPr>
+                        <a:t>0.024906</a:t>
+                      </a:r>
+                    </a:p>
+                  </a:txBody>
+                  <a:tcPr marL="81828" marR="81828"/>
+                </a:tc>
+                <a:tc>
+                  <a:txBody>
+                    <a:bodyPr/>
+                    <a:lstStyle/>
+                    <a:p>
+                      <a:pPr marL="0" marR="0" lvl="0" indent="0" algn="ctr" defTabSz="914400" rtl="0" eaLnBrk="1" fontAlgn="auto" latinLnBrk="0" hangingPunct="1">
+                        <a:lnSpc>
+                          <a:spcPct val="100000"/>
+                        </a:lnSpc>
+                        <a:spcBef>
+                          <a:spcPts val="0"/>
+                        </a:spcBef>
+                        <a:spcAft>
+                          <a:spcPts val="0"/>
+                        </a:spcAft>
+                        <a:buClrTx/>
+                        <a:buSzTx/>
+                        <a:buFontTx/>
+                        <a:buNone/>
+                        <a:tabLst/>
+                        <a:defRPr/>
+                      </a:pPr>
+                      <a:r>
+                        <a:rPr lang="pt-PT" b="0" dirty="0">
+                          <a:latin typeface="Calibri" panose="020F0502020204030204" pitchFamily="34" charset="0"/>
+                          <a:ea typeface="Calibri" panose="020F0502020204030204" pitchFamily="34" charset="0"/>
+                          <a:cs typeface="Calibri" panose="020F0502020204030204" pitchFamily="34" charset="0"/>
+                        </a:rPr>
+                        <a:t>0.007404</a:t>
+                      </a:r>
+                    </a:p>
+                  </a:txBody>
+                  <a:tcPr marL="81828" marR="81828"/>
+                </a:tc>
+                <a:tc>
+                  <a:txBody>
+                    <a:bodyPr/>
+                    <a:lstStyle/>
+                    <a:p>
+                      <a:pPr algn="ctr"/>
+                      <a:r>
+                        <a:rPr lang="pt-PT" b="0" dirty="0">
+                          <a:latin typeface="Calibri" panose="020F0502020204030204" pitchFamily="34" charset="0"/>
+                          <a:ea typeface="Calibri" panose="020F0502020204030204" pitchFamily="34" charset="0"/>
+                          <a:cs typeface="Calibri" panose="020F0502020204030204" pitchFamily="34" charset="0"/>
+                        </a:rPr>
+                        <a:t>0.026550</a:t>
+                      </a:r>
+                    </a:p>
+                  </a:txBody>
+                  <a:tcPr marL="81828" marR="81828"/>
+                </a:tc>
+                <a:tc>
+                  <a:txBody>
+                    <a:bodyPr/>
+                    <a:lstStyle/>
+                    <a:p>
+                      <a:pPr marL="0" marR="0" lvl="0" indent="0" algn="ctr" defTabSz="914400" rtl="0" eaLnBrk="1" fontAlgn="auto" latinLnBrk="0" hangingPunct="1">
+                        <a:lnSpc>
+                          <a:spcPct val="100000"/>
+                        </a:lnSpc>
+                        <a:spcBef>
+                          <a:spcPts val="0"/>
+                        </a:spcBef>
+                        <a:spcAft>
+                          <a:spcPts val="0"/>
+                        </a:spcAft>
+                        <a:buClrTx/>
+                        <a:buSzTx/>
+                        <a:buFontTx/>
+                        <a:buNone/>
+                        <a:tabLst/>
+                        <a:defRPr/>
+                      </a:pPr>
+                      <a:r>
+                        <a:rPr lang="pt-PT" b="0" dirty="0">
+                          <a:latin typeface="Calibri" panose="020F0502020204030204" pitchFamily="34" charset="0"/>
+                          <a:ea typeface="Calibri" panose="020F0502020204030204" pitchFamily="34" charset="0"/>
+                          <a:cs typeface="Calibri" panose="020F0502020204030204" pitchFamily="34" charset="0"/>
+                        </a:rPr>
+                        <a:t>0.015925</a:t>
+                      </a:r>
+                    </a:p>
+                  </a:txBody>
+                  <a:tcPr marL="81828" marR="81828"/>
+                </a:tc>
+                <a:extLst>
+                  <a:ext uri="{0D108BD9-81ED-4DB2-BD59-A6C34878D82A}">
+                    <a16:rowId xmlns:a16="http://schemas.microsoft.com/office/drawing/2014/main" val="939384820"/>
+                  </a:ext>
+                </a:extLst>
+              </a:tr>
+            </a:tbl>
+          </a:graphicData>
+        </a:graphic>
+      </p:graphicFrame>
+      <p:sp>
+        <p:nvSpPr>
+          <p:cNvPr id="3" name="CaixaDeTexto 2">
+            <a:extLst>
+              <a:ext uri="{FF2B5EF4-FFF2-40B4-BE49-F238E27FC236}">
+                <a16:creationId xmlns:a16="http://schemas.microsoft.com/office/drawing/2014/main" id="{0636F3CD-6811-DE2F-0689-164BB80C3227}"/>
+              </a:ext>
+            </a:extLst>
+          </p:cNvPr>
+          <p:cNvSpPr txBox="1"/>
+          <p:nvPr/>
+        </p:nvSpPr>
+        <p:spPr>
+          <a:xfrm>
+            <a:off x="153495" y="1857539"/>
+            <a:ext cx="1297482" cy="646331"/>
+          </a:xfrm>
+          <a:prstGeom prst="rect">
+            <a:avLst/>
+          </a:prstGeom>
+          <a:noFill/>
+        </p:spPr>
+        <p:txBody>
+          <a:bodyPr wrap="square" rtlCol="0">
+            <a:spAutoFit/>
+          </a:bodyPr>
+          <a:lstStyle/>
+          <a:p>
+            <a:r>
+              <a:rPr lang="pt-PT" sz="1200" dirty="0"/>
+              <a:t>PC1:</a:t>
+            </a:r>
+          </a:p>
+          <a:p>
+            <a:r>
+              <a:rPr lang="pt-PT" sz="1200" dirty="0"/>
+              <a:t>→ </a:t>
+            </a:r>
+            <a:r>
+              <a:rPr lang="pt-PT" sz="1200" dirty="0" err="1"/>
+              <a:t>Lubuntu</a:t>
+            </a:r>
+            <a:r>
+              <a:rPr lang="pt-PT" sz="1200" dirty="0"/>
+              <a:t> VM  </a:t>
+            </a:r>
+          </a:p>
+          <a:p>
+            <a:r>
+              <a:rPr lang="pt-PT" sz="1200" dirty="0"/>
+              <a:t>→ 8 cores</a:t>
+            </a:r>
+          </a:p>
+        </p:txBody>
+      </p:sp>
+      <p:sp>
+        <p:nvSpPr>
+          <p:cNvPr id="5" name="CaixaDeTexto 4">
+            <a:extLst>
+              <a:ext uri="{FF2B5EF4-FFF2-40B4-BE49-F238E27FC236}">
+                <a16:creationId xmlns:a16="http://schemas.microsoft.com/office/drawing/2014/main" id="{05F3E89E-BD3E-9062-9DE8-F0224FD9AE24}"/>
+              </a:ext>
+            </a:extLst>
+          </p:cNvPr>
+          <p:cNvSpPr txBox="1"/>
+          <p:nvPr/>
+        </p:nvSpPr>
+        <p:spPr>
+          <a:xfrm>
+            <a:off x="153495" y="4194339"/>
+            <a:ext cx="1297482" cy="646331"/>
+          </a:xfrm>
+          <a:prstGeom prst="rect">
+            <a:avLst/>
+          </a:prstGeom>
+          <a:noFill/>
+        </p:spPr>
+        <p:txBody>
+          <a:bodyPr wrap="square" rtlCol="0">
+            <a:spAutoFit/>
+          </a:bodyPr>
+          <a:lstStyle/>
+          <a:p>
+            <a:r>
+              <a:rPr lang="pt-PT" sz="1200" dirty="0"/>
+              <a:t>PC2:</a:t>
+            </a:r>
+          </a:p>
+          <a:p>
+            <a:r>
+              <a:rPr lang="pt-PT" sz="1200" dirty="0"/>
+              <a:t>→ Ubuntu VM  → 4 cores</a:t>
+            </a:r>
+          </a:p>
+        </p:txBody>
+      </p:sp>
     </p:spTree>
     <p:extLst>
       <p:ext uri="{BB962C8B-B14F-4D97-AF65-F5344CB8AC3E}">
@@ -5585,10 +6379,40 @@
       </p:grpSpPr>
       <p:sp>
         <p:nvSpPr>
-          <p:cNvPr id="2" name="Título 1">
+          <p:cNvPr id="3" name="Marcador de Posição de Conteúdo 2">
             <a:extLst>
               <a:ext uri="{FF2B5EF4-FFF2-40B4-BE49-F238E27FC236}">
-                <a16:creationId xmlns:a16="http://schemas.microsoft.com/office/drawing/2014/main" id="{C7D52C90-E3ED-4F3F-A8E5-D53ABE83C150}"/>
+                <a16:creationId xmlns:a16="http://schemas.microsoft.com/office/drawing/2014/main" id="{51785857-EE14-DADB-1C8E-45E0CDC1B7C7}"/>
+              </a:ext>
+            </a:extLst>
+          </p:cNvPr>
+          <p:cNvSpPr>
+            <a:spLocks noGrp="1"/>
+          </p:cNvSpPr>
+          <p:nvPr>
+            <p:ph idx="1"/>
+          </p:nvPr>
+        </p:nvSpPr>
+        <p:spPr>
+          <a:xfrm>
+            <a:off x="1261872" y="1828800"/>
+            <a:ext cx="8595360" cy="4351337"/>
+          </a:xfrm>
+        </p:spPr>
+        <p:txBody>
+          <a:bodyPr/>
+          <a:lstStyle/>
+          <a:p>
+            <a:endParaRPr lang="pt-PT" dirty="0"/>
+          </a:p>
+        </p:txBody>
+      </p:sp>
+      <p:sp>
+        <p:nvSpPr>
+          <p:cNvPr id="6" name="Título 1">
+            <a:extLst>
+              <a:ext uri="{FF2B5EF4-FFF2-40B4-BE49-F238E27FC236}">
+                <a16:creationId xmlns:a16="http://schemas.microsoft.com/office/drawing/2014/main" id="{88823953-442A-9117-0A2B-53DA082E6B19}"/>
               </a:ext>
             </a:extLst>
           </p:cNvPr>
@@ -5601,7 +6425,7 @@
         </p:nvSpPr>
         <p:spPr>
           <a:xfrm>
-            <a:off x="1451579" y="1039907"/>
+            <a:off x="995172" y="900652"/>
             <a:ext cx="9603275" cy="813848"/>
           </a:xfrm>
         </p:spPr>
@@ -5620,7 +6444,7 @@
               <a:t>Problem</a:t>
             </a:r>
             <a:r>
-              <a:rPr lang="pt-PT" sz="3600" b="1" dirty="0">
+              <a:rPr lang="pt-PT" sz="3600" b="1">
                 <a:latin typeface="Calibri" panose="020F0502020204030204" pitchFamily="34" charset="0"/>
                 <a:ea typeface="Calibri" panose="020F0502020204030204" pitchFamily="34" charset="0"/>
                 <a:cs typeface="Calibri" panose="020F0502020204030204" pitchFamily="34" charset="0"/>
@@ -5680,89 +6504,6 @@
           <a:chExt cx="0" cy="0"/>
         </a:xfrm>
       </p:grpSpPr>
-      <p:sp>
-        <p:nvSpPr>
-          <p:cNvPr id="2" name="Título 1">
-            <a:extLst>
-              <a:ext uri="{FF2B5EF4-FFF2-40B4-BE49-F238E27FC236}">
-                <a16:creationId xmlns:a16="http://schemas.microsoft.com/office/drawing/2014/main" id="{C7D52C90-E3ED-4F3F-A8E5-D53ABE83C150}"/>
-              </a:ext>
-            </a:extLst>
-          </p:cNvPr>
-          <p:cNvSpPr>
-            <a:spLocks noGrp="1"/>
-          </p:cNvSpPr>
-          <p:nvPr>
-            <p:ph type="title"/>
-          </p:nvPr>
-        </p:nvSpPr>
-        <p:spPr>
-          <a:xfrm>
-            <a:off x="1451579" y="1039907"/>
-            <a:ext cx="9603275" cy="813848"/>
-          </a:xfrm>
-        </p:spPr>
-        <p:txBody>
-          <a:bodyPr>
-            <a:normAutofit fontScale="90000"/>
-          </a:bodyPr>
-          <a:lstStyle/>
-          <a:p>
-            <a:r>
-              <a:rPr lang="pt-PT" sz="3600" b="1" dirty="0" err="1">
-                <a:latin typeface="Calibri" panose="020F0502020204030204" pitchFamily="34" charset="0"/>
-                <a:ea typeface="Calibri" panose="020F0502020204030204" pitchFamily="34" charset="0"/>
-                <a:cs typeface="Calibri" panose="020F0502020204030204" pitchFamily="34" charset="0"/>
-              </a:rPr>
-              <a:t>Problem</a:t>
-            </a:r>
-            <a:r>
-              <a:rPr lang="pt-PT" sz="3600" b="1" dirty="0">
-                <a:latin typeface="Calibri" panose="020F0502020204030204" pitchFamily="34" charset="0"/>
-                <a:ea typeface="Calibri" panose="020F0502020204030204" pitchFamily="34" charset="0"/>
-                <a:cs typeface="Calibri" panose="020F0502020204030204" pitchFamily="34" charset="0"/>
-              </a:rPr>
-              <a:t> 2</a:t>
-            </a:r>
-            <a:br>
-              <a:rPr lang="pt-PT" dirty="0">
-                <a:latin typeface="Calibri" panose="020F0502020204030204" pitchFamily="34" charset="0"/>
-                <a:ea typeface="Calibri" panose="020F0502020204030204" pitchFamily="34" charset="0"/>
-                <a:cs typeface="Calibri" panose="020F0502020204030204" pitchFamily="34" charset="0"/>
-              </a:rPr>
-            </a:br>
-            <a:r>
-              <a:rPr lang="pt-PT" sz="2200" dirty="0" err="1">
-                <a:latin typeface="Calibri" panose="020F0502020204030204" pitchFamily="34" charset="0"/>
-                <a:ea typeface="Calibri" panose="020F0502020204030204" pitchFamily="34" charset="0"/>
-                <a:cs typeface="Calibri" panose="020F0502020204030204" pitchFamily="34" charset="0"/>
-              </a:rPr>
-              <a:t>Entities</a:t>
-            </a:r>
-            <a:r>
-              <a:rPr lang="pt-PT" sz="2200" dirty="0">
-                <a:latin typeface="Calibri" panose="020F0502020204030204" pitchFamily="34" charset="0"/>
-                <a:ea typeface="Calibri" panose="020F0502020204030204" pitchFamily="34" charset="0"/>
-                <a:cs typeface="Calibri" panose="020F0502020204030204" pitchFamily="34" charset="0"/>
-              </a:rPr>
-              <a:t> </a:t>
-            </a:r>
-            <a:r>
-              <a:rPr lang="pt-PT" sz="2200" dirty="0" err="1">
-                <a:latin typeface="Calibri" panose="020F0502020204030204" pitchFamily="34" charset="0"/>
-                <a:ea typeface="Calibri" panose="020F0502020204030204" pitchFamily="34" charset="0"/>
-                <a:cs typeface="Calibri" panose="020F0502020204030204" pitchFamily="34" charset="0"/>
-              </a:rPr>
-              <a:t>diagram</a:t>
-            </a:r>
-            <a:endParaRPr lang="pt-PT" dirty="0">
-              <a:latin typeface="Calibri" panose="020F0502020204030204" pitchFamily="34" charset="0"/>
-              <a:ea typeface="Calibri" panose="020F0502020204030204" pitchFamily="34" charset="0"/>
-              <a:cs typeface="Calibri" panose="020F0502020204030204" pitchFamily="34" charset="0"/>
-            </a:endParaRPr>
-          </a:p>
-        </p:txBody>
-      </p:sp>
       <p:sp>
         <p:nvSpPr>
           <p:cNvPr id="4" name="Retângulo 3">
@@ -5805,15 +6546,7 @@
           <a:p>
             <a:r>
               <a:rPr lang="pt-PT" dirty="0" err="1"/>
-              <a:t>Shared</a:t>
-            </a:r>
-            <a:r>
-              <a:rPr lang="pt-PT" dirty="0"/>
-              <a:t> </a:t>
-            </a:r>
-            <a:r>
-              <a:rPr lang="pt-PT" dirty="0" err="1"/>
-              <a:t>Region</a:t>
+              <a:t>SharedRegion</a:t>
             </a:r>
             <a:endParaRPr lang="pt-PT" sz="1400" dirty="0"/>
           </a:p>
@@ -6970,6 +7703,108 @@
           </a:p>
         </p:txBody>
       </p:sp>
+      <p:sp>
+        <p:nvSpPr>
+          <p:cNvPr id="6" name="Título 1">
+            <a:extLst>
+              <a:ext uri="{FF2B5EF4-FFF2-40B4-BE49-F238E27FC236}">
+                <a16:creationId xmlns:a16="http://schemas.microsoft.com/office/drawing/2014/main" id="{AA536782-B645-6CF0-03BE-FBF10EA64741}"/>
+              </a:ext>
+            </a:extLst>
+          </p:cNvPr>
+          <p:cNvSpPr txBox="1">
+            <a:spLocks/>
+          </p:cNvSpPr>
+          <p:nvPr/>
+        </p:nvSpPr>
+        <p:spPr>
+          <a:xfrm>
+            <a:off x="960944" y="700831"/>
+            <a:ext cx="9603275" cy="813848"/>
+          </a:xfrm>
+          <a:prstGeom prst="rect">
+            <a:avLst/>
+          </a:prstGeom>
+        </p:spPr>
+        <p:txBody>
+          <a:bodyPr vert="horz" lIns="91440" tIns="45720" rIns="91440" bIns="45720" rtlCol="0" anchor="b">
+            <a:normAutofit fontScale="97500" lnSpcReduction="10000"/>
+          </a:bodyPr>
+          <a:lstStyle>
+            <a:lvl1pPr algn="l" defTabSz="914400" rtl="0" eaLnBrk="1" latinLnBrk="0" hangingPunct="1">
+              <a:lnSpc>
+                <a:spcPct val="90000"/>
+              </a:lnSpc>
+              <a:spcBef>
+                <a:spcPct val="0"/>
+              </a:spcBef>
+              <a:buNone/>
+              <a:defRPr sz="4400" kern="1200" spc="-50" baseline="0">
+                <a:solidFill>
+                  <a:schemeClr val="tx1"/>
+                </a:solidFill>
+                <a:latin typeface="+mj-lt"/>
+                <a:ea typeface="+mj-ea"/>
+                <a:cs typeface="+mj-cs"/>
+              </a:defRPr>
+            </a:lvl1pPr>
+          </a:lstStyle>
+          <a:p>
+            <a:r>
+              <a:rPr lang="pt-PT" sz="3600" b="1" dirty="0" err="1">
+                <a:latin typeface="Calibri" panose="020F0502020204030204" pitchFamily="34" charset="0"/>
+                <a:ea typeface="Calibri" panose="020F0502020204030204" pitchFamily="34" charset="0"/>
+                <a:cs typeface="Calibri" panose="020F0502020204030204" pitchFamily="34" charset="0"/>
+              </a:rPr>
+              <a:t>Problem</a:t>
+            </a:r>
+            <a:r>
+              <a:rPr lang="pt-PT" sz="3600" b="1" dirty="0">
+                <a:latin typeface="Calibri" panose="020F0502020204030204" pitchFamily="34" charset="0"/>
+                <a:ea typeface="Calibri" panose="020F0502020204030204" pitchFamily="34" charset="0"/>
+                <a:cs typeface="Calibri" panose="020F0502020204030204" pitchFamily="34" charset="0"/>
+              </a:rPr>
+              <a:t> 2</a:t>
+            </a:r>
+            <a:br>
+              <a:rPr lang="pt-PT" dirty="0">
+                <a:latin typeface="Calibri" panose="020F0502020204030204" pitchFamily="34" charset="0"/>
+                <a:ea typeface="Calibri" panose="020F0502020204030204" pitchFamily="34" charset="0"/>
+                <a:cs typeface="Calibri" panose="020F0502020204030204" pitchFamily="34" charset="0"/>
+              </a:rPr>
+            </a:br>
+            <a:r>
+              <a:rPr lang="pt-PT" sz="2200" dirty="0" err="1">
+                <a:latin typeface="Calibri" panose="020F0502020204030204" pitchFamily="34" charset="0"/>
+                <a:ea typeface="Calibri" panose="020F0502020204030204" pitchFamily="34" charset="0"/>
+                <a:cs typeface="Calibri" panose="020F0502020204030204" pitchFamily="34" charset="0"/>
+              </a:rPr>
+              <a:t>Entities</a:t>
+            </a:r>
+            <a:r>
+              <a:rPr lang="pt-PT" sz="2200" dirty="0">
+                <a:latin typeface="Calibri" panose="020F0502020204030204" pitchFamily="34" charset="0"/>
+                <a:ea typeface="Calibri" panose="020F0502020204030204" pitchFamily="34" charset="0"/>
+                <a:cs typeface="Calibri" panose="020F0502020204030204" pitchFamily="34" charset="0"/>
+              </a:rPr>
+              <a:t> </a:t>
+            </a:r>
+            <a:r>
+              <a:rPr lang="pt-PT" sz="2200" dirty="0" err="1">
+                <a:latin typeface="Calibri" panose="020F0502020204030204" pitchFamily="34" charset="0"/>
+                <a:ea typeface="Calibri" panose="020F0502020204030204" pitchFamily="34" charset="0"/>
+                <a:cs typeface="Calibri" panose="020F0502020204030204" pitchFamily="34" charset="0"/>
+              </a:rPr>
+              <a:t>diagram</a:t>
+            </a:r>
+            <a:endParaRPr lang="pt-PT" dirty="0">
+              <a:latin typeface="Calibri" panose="020F0502020204030204" pitchFamily="34" charset="0"/>
+              <a:ea typeface="Calibri" panose="020F0502020204030204" pitchFamily="34" charset="0"/>
+              <a:cs typeface="Calibri" panose="020F0502020204030204" pitchFamily="34" charset="0"/>
+            </a:endParaRPr>
+          </a:p>
+        </p:txBody>
+      </p:sp>
     </p:spTree>
     <p:extLst>
       <p:ext uri="{BB962C8B-B14F-4D97-AF65-F5344CB8AC3E}">
@@ -7083,14 +7918,14 @@
             <p:ph idx="1"/>
             <p:extLst>
               <p:ext uri="{D42A27DB-BD31-4B8C-83A1-F6EECF244321}">
-                <p14:modId xmlns:p14="http://schemas.microsoft.com/office/powerpoint/2010/main" val="3118628679"/>
+                <p14:modId xmlns:p14="http://schemas.microsoft.com/office/powerpoint/2010/main" val="307942996"/>
               </p:ext>
             </p:extLst>
           </p:nvPr>
         </p:nvGraphicFramePr>
         <p:xfrm>
           <a:off x="1450977" y="1289985"/>
-          <a:ext cx="9603277" cy="2407920"/>
+          <a:ext cx="9603277" cy="2286000"/>
         </p:xfrm>
         <a:graphic>
           <a:graphicData uri="http://schemas.openxmlformats.org/drawingml/2006/table">
@@ -7351,21 +8186,24 @@
                     <a:p>
                       <a:pPr algn="ctr"/>
                       <a:r>
-                        <a:rPr lang="pt-PT" sz="1600" dirty="0" err="1">
+                        <a:rPr lang="pt-PT" sz="1200" b="0" dirty="0" err="1">
                           <a:latin typeface="Calibri" panose="020F0502020204030204" pitchFamily="34" charset="0"/>
                           <a:ea typeface="Calibri" panose="020F0502020204030204" pitchFamily="34" charset="0"/>
                           <a:cs typeface="Calibri" panose="020F0502020204030204" pitchFamily="34" charset="0"/>
                         </a:rPr>
                         <a:t>Median</a:t>
                       </a:r>
-                      <a:endParaRPr lang="pt-PT" sz="1600" dirty="0">
-                        <a:latin typeface="Calibri" panose="020F0502020204030204" pitchFamily="34" charset="0"/>
-                        <a:ea typeface="Calibri" panose="020F0502020204030204" pitchFamily="34" charset="0"/>
-                        <a:cs typeface="Calibri" panose="020F0502020204030204" pitchFamily="34" charset="0"/>
-                      </a:endParaRPr>
-                    </a:p>
-                  </a:txBody>
-                  <a:tcPr anchor="ctr">
+                      <a:r>
+                        <a:rPr lang="pt-PT" sz="1200" b="0" dirty="0">
+                          <a:latin typeface="Calibri" panose="020F0502020204030204" pitchFamily="34" charset="0"/>
+                          <a:ea typeface="Calibri" panose="020F0502020204030204" pitchFamily="34" charset="0"/>
+                          <a:cs typeface="Calibri" panose="020F0502020204030204" pitchFamily="34" charset="0"/>
+                        </a:rPr>
+                        <a:t> (s)</a:t>
+                      </a:r>
+                    </a:p>
+                  </a:txBody>
+                  <a:tcPr marL="81828" marR="81828" anchor="ctr">
                     <a:solidFill>
                       <a:schemeClr val="bg2">
                         <a:lumMod val="75000"/>
@@ -7380,7 +8218,7 @@
                     <a:p>
                       <a:pPr algn="ctr"/>
                       <a:r>
-                        <a:rPr lang="pt-PT" sz="1600" dirty="0">
+                        <a:rPr lang="pt-PT" sz="1200" b="0" dirty="0">
                           <a:latin typeface="Calibri" panose="020F0502020204030204" pitchFamily="34" charset="0"/>
                           <a:ea typeface="Calibri" panose="020F0502020204030204" pitchFamily="34" charset="0"/>
                           <a:cs typeface="Calibri" panose="020F0502020204030204" pitchFamily="34" charset="0"/>
@@ -7388,21 +8226,24 @@
                         <a:t>Standard </a:t>
                       </a:r>
                       <a:r>
-                        <a:rPr lang="pt-PT" sz="1600" dirty="0" err="1">
+                        <a:rPr lang="pt-PT" sz="1200" b="0" dirty="0" err="1">
                           <a:latin typeface="Calibri" panose="020F0502020204030204" pitchFamily="34" charset="0"/>
                           <a:ea typeface="Calibri" panose="020F0502020204030204" pitchFamily="34" charset="0"/>
                           <a:cs typeface="Calibri" panose="020F0502020204030204" pitchFamily="34" charset="0"/>
                         </a:rPr>
                         <a:t>deviation</a:t>
                       </a:r>
-                      <a:endParaRPr lang="pt-PT" sz="1600" dirty="0">
-                        <a:latin typeface="Calibri" panose="020F0502020204030204" pitchFamily="34" charset="0"/>
-                        <a:ea typeface="Calibri" panose="020F0502020204030204" pitchFamily="34" charset="0"/>
-                        <a:cs typeface="Calibri" panose="020F0502020204030204" pitchFamily="34" charset="0"/>
-                      </a:endParaRPr>
-                    </a:p>
-                  </a:txBody>
-                  <a:tcPr anchor="ctr">
+                      <a:r>
+                        <a:rPr lang="pt-PT" sz="1200" b="0" dirty="0">
+                          <a:latin typeface="Calibri" panose="020F0502020204030204" pitchFamily="34" charset="0"/>
+                          <a:ea typeface="Calibri" panose="020F0502020204030204" pitchFamily="34" charset="0"/>
+                          <a:cs typeface="Calibri" panose="020F0502020204030204" pitchFamily="34" charset="0"/>
+                        </a:rPr>
+                        <a:t> (s)</a:t>
+                      </a:r>
+                    </a:p>
+                  </a:txBody>
+                  <a:tcPr marL="81828" marR="81828" anchor="ctr">
                     <a:solidFill>
                       <a:schemeClr val="bg2">
                         <a:lumMod val="75000"/>
@@ -7417,21 +8258,24 @@
                     <a:p>
                       <a:pPr algn="ctr"/>
                       <a:r>
-                        <a:rPr lang="pt-PT" sz="1600" dirty="0" err="1">
+                        <a:rPr lang="pt-PT" sz="1200" b="0" dirty="0" err="1">
                           <a:latin typeface="Calibri" panose="020F0502020204030204" pitchFamily="34" charset="0"/>
                           <a:ea typeface="Calibri" panose="020F0502020204030204" pitchFamily="34" charset="0"/>
                           <a:cs typeface="Calibri" panose="020F0502020204030204" pitchFamily="34" charset="0"/>
                         </a:rPr>
                         <a:t>Median</a:t>
                       </a:r>
-                      <a:endParaRPr lang="pt-PT" sz="1600" dirty="0">
-                        <a:latin typeface="Calibri" panose="020F0502020204030204" pitchFamily="34" charset="0"/>
-                        <a:ea typeface="Calibri" panose="020F0502020204030204" pitchFamily="34" charset="0"/>
-                        <a:cs typeface="Calibri" panose="020F0502020204030204" pitchFamily="34" charset="0"/>
-                      </a:endParaRPr>
-                    </a:p>
-                  </a:txBody>
-                  <a:tcPr anchor="ctr">
+                      <a:r>
+                        <a:rPr lang="pt-PT" sz="1200" b="0" dirty="0">
+                          <a:latin typeface="Calibri" panose="020F0502020204030204" pitchFamily="34" charset="0"/>
+                          <a:ea typeface="Calibri" panose="020F0502020204030204" pitchFamily="34" charset="0"/>
+                          <a:cs typeface="Calibri" panose="020F0502020204030204" pitchFamily="34" charset="0"/>
+                        </a:rPr>
+                        <a:t> (s)</a:t>
+                      </a:r>
+                    </a:p>
+                  </a:txBody>
+                  <a:tcPr marL="81828" marR="81828" anchor="ctr">
                     <a:solidFill>
                       <a:schemeClr val="bg2">
                         <a:lumMod val="75000"/>
@@ -7446,7 +8290,7 @@
                     <a:p>
                       <a:pPr algn="ctr"/>
                       <a:r>
-                        <a:rPr lang="pt-PT" sz="1600" dirty="0">
+                        <a:rPr lang="pt-PT" sz="1200" b="0" dirty="0">
                           <a:latin typeface="Calibri" panose="020F0502020204030204" pitchFamily="34" charset="0"/>
                           <a:ea typeface="Calibri" panose="020F0502020204030204" pitchFamily="34" charset="0"/>
                           <a:cs typeface="Calibri" panose="020F0502020204030204" pitchFamily="34" charset="0"/>
@@ -7454,21 +8298,24 @@
                         <a:t>Standard </a:t>
                       </a:r>
                       <a:r>
-                        <a:rPr lang="pt-PT" sz="1600" dirty="0" err="1">
+                        <a:rPr lang="pt-PT" sz="1200" b="0" dirty="0" err="1">
                           <a:latin typeface="Calibri" panose="020F0502020204030204" pitchFamily="34" charset="0"/>
                           <a:ea typeface="Calibri" panose="020F0502020204030204" pitchFamily="34" charset="0"/>
                           <a:cs typeface="Calibri" panose="020F0502020204030204" pitchFamily="34" charset="0"/>
                         </a:rPr>
                         <a:t>deviation</a:t>
                       </a:r>
-                      <a:endParaRPr lang="pt-PT" sz="1600" dirty="0">
-                        <a:latin typeface="Calibri" panose="020F0502020204030204" pitchFamily="34" charset="0"/>
-                        <a:ea typeface="Calibri" panose="020F0502020204030204" pitchFamily="34" charset="0"/>
-                        <a:cs typeface="Calibri" panose="020F0502020204030204" pitchFamily="34" charset="0"/>
-                      </a:endParaRPr>
-                    </a:p>
-                  </a:txBody>
-                  <a:tcPr anchor="ctr">
+                      <a:r>
+                        <a:rPr lang="pt-PT" sz="1200" b="0" dirty="0">
+                          <a:latin typeface="Calibri" panose="020F0502020204030204" pitchFamily="34" charset="0"/>
+                          <a:ea typeface="Calibri" panose="020F0502020204030204" pitchFamily="34" charset="0"/>
+                          <a:cs typeface="Calibri" panose="020F0502020204030204" pitchFamily="34" charset="0"/>
+                        </a:rPr>
+                        <a:t> (s)</a:t>
+                      </a:r>
+                    </a:p>
+                  </a:txBody>
+                  <a:tcPr marL="81828" marR="81828" anchor="ctr">
                     <a:solidFill>
                       <a:schemeClr val="bg2">
                         <a:lumMod val="75000"/>
@@ -7483,21 +8330,24 @@
                     <a:p>
                       <a:pPr algn="ctr"/>
                       <a:r>
-                        <a:rPr lang="pt-PT" sz="1600" dirty="0" err="1">
+                        <a:rPr lang="pt-PT" sz="1200" b="0" dirty="0" err="1">
                           <a:latin typeface="Calibri" panose="020F0502020204030204" pitchFamily="34" charset="0"/>
                           <a:ea typeface="Calibri" panose="020F0502020204030204" pitchFamily="34" charset="0"/>
                           <a:cs typeface="Calibri" panose="020F0502020204030204" pitchFamily="34" charset="0"/>
                         </a:rPr>
                         <a:t>Median</a:t>
                       </a:r>
-                      <a:endParaRPr lang="pt-PT" sz="1600" dirty="0">
-                        <a:latin typeface="Calibri" panose="020F0502020204030204" pitchFamily="34" charset="0"/>
-                        <a:ea typeface="Calibri" panose="020F0502020204030204" pitchFamily="34" charset="0"/>
-                        <a:cs typeface="Calibri" panose="020F0502020204030204" pitchFamily="34" charset="0"/>
-                      </a:endParaRPr>
-                    </a:p>
-                  </a:txBody>
-                  <a:tcPr anchor="ctr">
+                      <a:r>
+                        <a:rPr lang="pt-PT" sz="1200" b="0" dirty="0">
+                          <a:latin typeface="Calibri" panose="020F0502020204030204" pitchFamily="34" charset="0"/>
+                          <a:ea typeface="Calibri" panose="020F0502020204030204" pitchFamily="34" charset="0"/>
+                          <a:cs typeface="Calibri" panose="020F0502020204030204" pitchFamily="34" charset="0"/>
+                        </a:rPr>
+                        <a:t> (s)</a:t>
+                      </a:r>
+                    </a:p>
+                  </a:txBody>
+                  <a:tcPr marL="81828" marR="81828" anchor="ctr">
                     <a:solidFill>
                       <a:schemeClr val="bg2">
                         <a:lumMod val="75000"/>
@@ -7512,7 +8362,7 @@
                     <a:p>
                       <a:pPr algn="ctr"/>
                       <a:r>
-                        <a:rPr lang="pt-PT" sz="1600" dirty="0">
+                        <a:rPr lang="pt-PT" sz="1200" b="0" dirty="0">
                           <a:latin typeface="Calibri" panose="020F0502020204030204" pitchFamily="34" charset="0"/>
                           <a:ea typeface="Calibri" panose="020F0502020204030204" pitchFamily="34" charset="0"/>
                           <a:cs typeface="Calibri" panose="020F0502020204030204" pitchFamily="34" charset="0"/>
@@ -7520,21 +8370,24 @@
                         <a:t>Standard </a:t>
                       </a:r>
                       <a:r>
-                        <a:rPr lang="pt-PT" sz="1600" dirty="0" err="1">
+                        <a:rPr lang="pt-PT" sz="1200" b="0" dirty="0" err="1">
                           <a:latin typeface="Calibri" panose="020F0502020204030204" pitchFamily="34" charset="0"/>
                           <a:ea typeface="Calibri" panose="020F0502020204030204" pitchFamily="34" charset="0"/>
                           <a:cs typeface="Calibri" panose="020F0502020204030204" pitchFamily="34" charset="0"/>
                         </a:rPr>
                         <a:t>deviation</a:t>
                       </a:r>
-                      <a:endParaRPr lang="pt-PT" sz="1600" dirty="0">
-                        <a:latin typeface="Calibri" panose="020F0502020204030204" pitchFamily="34" charset="0"/>
-                        <a:ea typeface="Calibri" panose="020F0502020204030204" pitchFamily="34" charset="0"/>
-                        <a:cs typeface="Calibri" panose="020F0502020204030204" pitchFamily="34" charset="0"/>
-                      </a:endParaRPr>
-                    </a:p>
-                  </a:txBody>
-                  <a:tcPr anchor="ctr">
+                      <a:r>
+                        <a:rPr lang="pt-PT" sz="1200" b="0" dirty="0">
+                          <a:latin typeface="Calibri" panose="020F0502020204030204" pitchFamily="34" charset="0"/>
+                          <a:ea typeface="Calibri" panose="020F0502020204030204" pitchFamily="34" charset="0"/>
+                          <a:cs typeface="Calibri" panose="020F0502020204030204" pitchFamily="34" charset="0"/>
+                        </a:rPr>
+                        <a:t> (s)</a:t>
+                      </a:r>
+                    </a:p>
+                  </a:txBody>
+                  <a:tcPr marL="81828" marR="81828" anchor="ctr">
                     <a:solidFill>
                       <a:schemeClr val="bg2">
                         <a:lumMod val="75000"/>
@@ -7549,21 +8402,24 @@
                     <a:p>
                       <a:pPr algn="ctr"/>
                       <a:r>
-                        <a:rPr lang="pt-PT" sz="1600" dirty="0" err="1">
+                        <a:rPr lang="pt-PT" sz="1200" b="0" dirty="0" err="1">
                           <a:latin typeface="Calibri" panose="020F0502020204030204" pitchFamily="34" charset="0"/>
                           <a:ea typeface="Calibri" panose="020F0502020204030204" pitchFamily="34" charset="0"/>
                           <a:cs typeface="Calibri" panose="020F0502020204030204" pitchFamily="34" charset="0"/>
                         </a:rPr>
                         <a:t>Median</a:t>
                       </a:r>
-                      <a:endParaRPr lang="pt-PT" sz="1600" dirty="0">
-                        <a:latin typeface="Calibri" panose="020F0502020204030204" pitchFamily="34" charset="0"/>
-                        <a:ea typeface="Calibri" panose="020F0502020204030204" pitchFamily="34" charset="0"/>
-                        <a:cs typeface="Calibri" panose="020F0502020204030204" pitchFamily="34" charset="0"/>
-                      </a:endParaRPr>
-                    </a:p>
-                  </a:txBody>
-                  <a:tcPr anchor="ctr">
+                      <a:r>
+                        <a:rPr lang="pt-PT" sz="1200" b="0" dirty="0">
+                          <a:latin typeface="Calibri" panose="020F0502020204030204" pitchFamily="34" charset="0"/>
+                          <a:ea typeface="Calibri" panose="020F0502020204030204" pitchFamily="34" charset="0"/>
+                          <a:cs typeface="Calibri" panose="020F0502020204030204" pitchFamily="34" charset="0"/>
+                        </a:rPr>
+                        <a:t> (s)</a:t>
+                      </a:r>
+                    </a:p>
+                  </a:txBody>
+                  <a:tcPr marL="81828" marR="81828" anchor="ctr">
                     <a:solidFill>
                       <a:schemeClr val="bg2">
                         <a:lumMod val="75000"/>
@@ -7578,7 +8434,7 @@
                     <a:p>
                       <a:pPr algn="ctr"/>
                       <a:r>
-                        <a:rPr lang="pt-PT" sz="1600" dirty="0">
+                        <a:rPr lang="pt-PT" sz="1200" b="0" dirty="0">
                           <a:latin typeface="Calibri" panose="020F0502020204030204" pitchFamily="34" charset="0"/>
                           <a:ea typeface="Calibri" panose="020F0502020204030204" pitchFamily="34" charset="0"/>
                           <a:cs typeface="Calibri" panose="020F0502020204030204" pitchFamily="34" charset="0"/>
@@ -7586,21 +8442,24 @@
                         <a:t>Standard </a:t>
                       </a:r>
                       <a:r>
-                        <a:rPr lang="pt-PT" sz="1600" dirty="0" err="1">
+                        <a:rPr lang="pt-PT" sz="1200" b="0" dirty="0" err="1">
                           <a:latin typeface="Calibri" panose="020F0502020204030204" pitchFamily="34" charset="0"/>
                           <a:ea typeface="Calibri" panose="020F0502020204030204" pitchFamily="34" charset="0"/>
                           <a:cs typeface="Calibri" panose="020F0502020204030204" pitchFamily="34" charset="0"/>
                         </a:rPr>
                         <a:t>deviation</a:t>
                       </a:r>
-                      <a:endParaRPr lang="pt-PT" sz="1600" dirty="0">
-                        <a:latin typeface="Calibri" panose="020F0502020204030204" pitchFamily="34" charset="0"/>
-                        <a:ea typeface="Calibri" panose="020F0502020204030204" pitchFamily="34" charset="0"/>
-                        <a:cs typeface="Calibri" panose="020F0502020204030204" pitchFamily="34" charset="0"/>
-                      </a:endParaRPr>
-                    </a:p>
-                  </a:txBody>
-                  <a:tcPr anchor="ctr">
+                      <a:r>
+                        <a:rPr lang="pt-PT" sz="1200" b="0" dirty="0">
+                          <a:latin typeface="Calibri" panose="020F0502020204030204" pitchFamily="34" charset="0"/>
+                          <a:ea typeface="Calibri" panose="020F0502020204030204" pitchFamily="34" charset="0"/>
+                          <a:cs typeface="Calibri" panose="020F0502020204030204" pitchFamily="34" charset="0"/>
+                        </a:rPr>
+                        <a:t> (s)</a:t>
+                      </a:r>
+                    </a:p>
+                  </a:txBody>
+                  <a:tcPr marL="81828" marR="81828" anchor="ctr">
                     <a:solidFill>
                       <a:schemeClr val="bg2">
                         <a:lumMod val="75000"/>
@@ -8501,14 +9360,14 @@
           <p:nvPr>
             <p:extLst>
               <p:ext uri="{D42A27DB-BD31-4B8C-83A1-F6EECF244321}">
-                <p14:modId xmlns:p14="http://schemas.microsoft.com/office/powerpoint/2010/main" val="1773529267"/>
+                <p14:modId xmlns:p14="http://schemas.microsoft.com/office/powerpoint/2010/main" val="3399152762"/>
               </p:ext>
             </p:extLst>
           </p:nvPr>
         </p:nvGraphicFramePr>
         <p:xfrm>
           <a:off x="1449882" y="4070385"/>
-          <a:ext cx="9604370" cy="2407920"/>
+          <a:ext cx="9604370" cy="2286000"/>
         </p:xfrm>
         <a:graphic>
           <a:graphicData uri="http://schemas.openxmlformats.org/drawingml/2006/table">
@@ -8769,21 +9628,24 @@
                     <a:p>
                       <a:pPr algn="ctr"/>
                       <a:r>
-                        <a:rPr lang="pt-PT" sz="1600" dirty="0" err="1">
+                        <a:rPr lang="pt-PT" sz="1200" b="0" dirty="0" err="1">
                           <a:latin typeface="Calibri" panose="020F0502020204030204" pitchFamily="34" charset="0"/>
                           <a:ea typeface="Calibri" panose="020F0502020204030204" pitchFamily="34" charset="0"/>
                           <a:cs typeface="Calibri" panose="020F0502020204030204" pitchFamily="34" charset="0"/>
                         </a:rPr>
                         <a:t>Median</a:t>
                       </a:r>
-                      <a:endParaRPr lang="pt-PT" sz="1600" dirty="0">
-                        <a:latin typeface="Calibri" panose="020F0502020204030204" pitchFamily="34" charset="0"/>
-                        <a:ea typeface="Calibri" panose="020F0502020204030204" pitchFamily="34" charset="0"/>
-                        <a:cs typeface="Calibri" panose="020F0502020204030204" pitchFamily="34" charset="0"/>
-                      </a:endParaRPr>
-                    </a:p>
-                  </a:txBody>
-                  <a:tcPr anchor="ctr">
+                      <a:r>
+                        <a:rPr lang="pt-PT" sz="1200" b="0" dirty="0">
+                          <a:latin typeface="Calibri" panose="020F0502020204030204" pitchFamily="34" charset="0"/>
+                          <a:ea typeface="Calibri" panose="020F0502020204030204" pitchFamily="34" charset="0"/>
+                          <a:cs typeface="Calibri" panose="020F0502020204030204" pitchFamily="34" charset="0"/>
+                        </a:rPr>
+                        <a:t> (s)</a:t>
+                      </a:r>
+                    </a:p>
+                  </a:txBody>
+                  <a:tcPr marL="81828" marR="81828" anchor="ctr">
                     <a:solidFill>
                       <a:schemeClr val="bg2">
                         <a:lumMod val="75000"/>
@@ -8798,7 +9660,7 @@
                     <a:p>
                       <a:pPr algn="ctr"/>
                       <a:r>
-                        <a:rPr lang="pt-PT" sz="1600" dirty="0">
+                        <a:rPr lang="pt-PT" sz="1200" b="0" dirty="0">
                           <a:latin typeface="Calibri" panose="020F0502020204030204" pitchFamily="34" charset="0"/>
                           <a:ea typeface="Calibri" panose="020F0502020204030204" pitchFamily="34" charset="0"/>
                           <a:cs typeface="Calibri" panose="020F0502020204030204" pitchFamily="34" charset="0"/>
@@ -8806,21 +9668,24 @@
                         <a:t>Standard </a:t>
                       </a:r>
                       <a:r>
-                        <a:rPr lang="pt-PT" sz="1600" dirty="0" err="1">
+                        <a:rPr lang="pt-PT" sz="1200" b="0" dirty="0" err="1">
                           <a:latin typeface="Calibri" panose="020F0502020204030204" pitchFamily="34" charset="0"/>
                           <a:ea typeface="Calibri" panose="020F0502020204030204" pitchFamily="34" charset="0"/>
                           <a:cs typeface="Calibri" panose="020F0502020204030204" pitchFamily="34" charset="0"/>
                         </a:rPr>
                         <a:t>deviation</a:t>
                       </a:r>
-                      <a:endParaRPr lang="pt-PT" sz="1600" dirty="0">
-                        <a:latin typeface="Calibri" panose="020F0502020204030204" pitchFamily="34" charset="0"/>
-                        <a:ea typeface="Calibri" panose="020F0502020204030204" pitchFamily="34" charset="0"/>
-                        <a:cs typeface="Calibri" panose="020F0502020204030204" pitchFamily="34" charset="0"/>
-                      </a:endParaRPr>
-                    </a:p>
-                  </a:txBody>
-                  <a:tcPr anchor="ctr">
+                      <a:r>
+                        <a:rPr lang="pt-PT" sz="1200" b="0" dirty="0">
+                          <a:latin typeface="Calibri" panose="020F0502020204030204" pitchFamily="34" charset="0"/>
+                          <a:ea typeface="Calibri" panose="020F0502020204030204" pitchFamily="34" charset="0"/>
+                          <a:cs typeface="Calibri" panose="020F0502020204030204" pitchFamily="34" charset="0"/>
+                        </a:rPr>
+                        <a:t> (s)</a:t>
+                      </a:r>
+                    </a:p>
+                  </a:txBody>
+                  <a:tcPr marL="81828" marR="81828" anchor="ctr">
                     <a:solidFill>
                       <a:schemeClr val="bg2">
                         <a:lumMod val="75000"/>
@@ -8835,21 +9700,24 @@
                     <a:p>
                       <a:pPr algn="ctr"/>
                       <a:r>
-                        <a:rPr lang="pt-PT" sz="1600" dirty="0" err="1">
+                        <a:rPr lang="pt-PT" sz="1200" b="0" dirty="0" err="1">
                           <a:latin typeface="Calibri" panose="020F0502020204030204" pitchFamily="34" charset="0"/>
                           <a:ea typeface="Calibri" panose="020F0502020204030204" pitchFamily="34" charset="0"/>
                           <a:cs typeface="Calibri" panose="020F0502020204030204" pitchFamily="34" charset="0"/>
                         </a:rPr>
                         <a:t>Median</a:t>
                       </a:r>
-                      <a:endParaRPr lang="pt-PT" sz="1600" dirty="0">
-                        <a:latin typeface="Calibri" panose="020F0502020204030204" pitchFamily="34" charset="0"/>
-                        <a:ea typeface="Calibri" panose="020F0502020204030204" pitchFamily="34" charset="0"/>
-                        <a:cs typeface="Calibri" panose="020F0502020204030204" pitchFamily="34" charset="0"/>
-                      </a:endParaRPr>
-                    </a:p>
-                  </a:txBody>
-                  <a:tcPr anchor="ctr">
+                      <a:r>
+                        <a:rPr lang="pt-PT" sz="1200" b="0" dirty="0">
+                          <a:latin typeface="Calibri" panose="020F0502020204030204" pitchFamily="34" charset="0"/>
+                          <a:ea typeface="Calibri" panose="020F0502020204030204" pitchFamily="34" charset="0"/>
+                          <a:cs typeface="Calibri" panose="020F0502020204030204" pitchFamily="34" charset="0"/>
+                        </a:rPr>
+                        <a:t> (s)</a:t>
+                      </a:r>
+                    </a:p>
+                  </a:txBody>
+                  <a:tcPr marL="81828" marR="81828" anchor="ctr">
                     <a:solidFill>
                       <a:schemeClr val="bg2">
                         <a:lumMod val="75000"/>
@@ -8864,7 +9732,7 @@
                     <a:p>
                       <a:pPr algn="ctr"/>
                       <a:r>
-                        <a:rPr lang="pt-PT" sz="1600" dirty="0">
+                        <a:rPr lang="pt-PT" sz="1200" b="0" dirty="0">
                           <a:latin typeface="Calibri" panose="020F0502020204030204" pitchFamily="34" charset="0"/>
                           <a:ea typeface="Calibri" panose="020F0502020204030204" pitchFamily="34" charset="0"/>
                           <a:cs typeface="Calibri" panose="020F0502020204030204" pitchFamily="34" charset="0"/>
@@ -8872,21 +9740,24 @@
                         <a:t>Standard </a:t>
                       </a:r>
                       <a:r>
-                        <a:rPr lang="pt-PT" sz="1600" dirty="0" err="1">
+                        <a:rPr lang="pt-PT" sz="1200" b="0" dirty="0" err="1">
                           <a:latin typeface="Calibri" panose="020F0502020204030204" pitchFamily="34" charset="0"/>
                           <a:ea typeface="Calibri" panose="020F0502020204030204" pitchFamily="34" charset="0"/>
                           <a:cs typeface="Calibri" panose="020F0502020204030204" pitchFamily="34" charset="0"/>
                         </a:rPr>
                         <a:t>deviation</a:t>
                       </a:r>
-                      <a:endParaRPr lang="pt-PT" sz="1600" dirty="0">
-                        <a:latin typeface="Calibri" panose="020F0502020204030204" pitchFamily="34" charset="0"/>
-                        <a:ea typeface="Calibri" panose="020F0502020204030204" pitchFamily="34" charset="0"/>
-                        <a:cs typeface="Calibri" panose="020F0502020204030204" pitchFamily="34" charset="0"/>
-                      </a:endParaRPr>
-                    </a:p>
-                  </a:txBody>
-                  <a:tcPr anchor="ctr">
+                      <a:r>
+                        <a:rPr lang="pt-PT" sz="1200" b="0" dirty="0">
+                          <a:latin typeface="Calibri" panose="020F0502020204030204" pitchFamily="34" charset="0"/>
+                          <a:ea typeface="Calibri" panose="020F0502020204030204" pitchFamily="34" charset="0"/>
+                          <a:cs typeface="Calibri" panose="020F0502020204030204" pitchFamily="34" charset="0"/>
+                        </a:rPr>
+                        <a:t> (s)</a:t>
+                      </a:r>
+                    </a:p>
+                  </a:txBody>
+                  <a:tcPr marL="81828" marR="81828" anchor="ctr">
                     <a:solidFill>
                       <a:schemeClr val="bg2">
                         <a:lumMod val="75000"/>
@@ -8901,21 +9772,24 @@
                     <a:p>
                       <a:pPr algn="ctr"/>
                       <a:r>
-                        <a:rPr lang="pt-PT" sz="1600" dirty="0" err="1">
+                        <a:rPr lang="pt-PT" sz="1200" b="0" dirty="0" err="1">
                           <a:latin typeface="Calibri" panose="020F0502020204030204" pitchFamily="34" charset="0"/>
                           <a:ea typeface="Calibri" panose="020F0502020204030204" pitchFamily="34" charset="0"/>
                           <a:cs typeface="Calibri" panose="020F0502020204030204" pitchFamily="34" charset="0"/>
                         </a:rPr>
                         <a:t>Median</a:t>
                       </a:r>
-                      <a:endParaRPr lang="pt-PT" sz="1600" dirty="0">
-                        <a:latin typeface="Calibri" panose="020F0502020204030204" pitchFamily="34" charset="0"/>
-                        <a:ea typeface="Calibri" panose="020F0502020204030204" pitchFamily="34" charset="0"/>
-                        <a:cs typeface="Calibri" panose="020F0502020204030204" pitchFamily="34" charset="0"/>
-                      </a:endParaRPr>
-                    </a:p>
-                  </a:txBody>
-                  <a:tcPr anchor="ctr">
+                      <a:r>
+                        <a:rPr lang="pt-PT" sz="1200" b="0" dirty="0">
+                          <a:latin typeface="Calibri" panose="020F0502020204030204" pitchFamily="34" charset="0"/>
+                          <a:ea typeface="Calibri" panose="020F0502020204030204" pitchFamily="34" charset="0"/>
+                          <a:cs typeface="Calibri" panose="020F0502020204030204" pitchFamily="34" charset="0"/>
+                        </a:rPr>
+                        <a:t> (s)</a:t>
+                      </a:r>
+                    </a:p>
+                  </a:txBody>
+                  <a:tcPr marL="81828" marR="81828" anchor="ctr">
                     <a:solidFill>
                       <a:schemeClr val="bg2">
                         <a:lumMod val="75000"/>
@@ -8930,7 +9804,7 @@
                     <a:p>
                       <a:pPr algn="ctr"/>
                       <a:r>
-                        <a:rPr lang="pt-PT" sz="1600" dirty="0">
+                        <a:rPr lang="pt-PT" sz="1200" b="0" dirty="0">
                           <a:latin typeface="Calibri" panose="020F0502020204030204" pitchFamily="34" charset="0"/>
                           <a:ea typeface="Calibri" panose="020F0502020204030204" pitchFamily="34" charset="0"/>
                           <a:cs typeface="Calibri" panose="020F0502020204030204" pitchFamily="34" charset="0"/>
@@ -8938,21 +9812,24 @@
                         <a:t>Standard </a:t>
                       </a:r>
                       <a:r>
-                        <a:rPr lang="pt-PT" sz="1600" dirty="0" err="1">
+                        <a:rPr lang="pt-PT" sz="1200" b="0" dirty="0" err="1">
                           <a:latin typeface="Calibri" panose="020F0502020204030204" pitchFamily="34" charset="0"/>
                           <a:ea typeface="Calibri" panose="020F0502020204030204" pitchFamily="34" charset="0"/>
                           <a:cs typeface="Calibri" panose="020F0502020204030204" pitchFamily="34" charset="0"/>
                         </a:rPr>
                         <a:t>deviation</a:t>
                       </a:r>
-                      <a:endParaRPr lang="pt-PT" sz="1600" dirty="0">
-                        <a:latin typeface="Calibri" panose="020F0502020204030204" pitchFamily="34" charset="0"/>
-                        <a:ea typeface="Calibri" panose="020F0502020204030204" pitchFamily="34" charset="0"/>
-                        <a:cs typeface="Calibri" panose="020F0502020204030204" pitchFamily="34" charset="0"/>
-                      </a:endParaRPr>
-                    </a:p>
-                  </a:txBody>
-                  <a:tcPr anchor="ctr">
+                      <a:r>
+                        <a:rPr lang="pt-PT" sz="1200" b="0" dirty="0">
+                          <a:latin typeface="Calibri" panose="020F0502020204030204" pitchFamily="34" charset="0"/>
+                          <a:ea typeface="Calibri" panose="020F0502020204030204" pitchFamily="34" charset="0"/>
+                          <a:cs typeface="Calibri" panose="020F0502020204030204" pitchFamily="34" charset="0"/>
+                        </a:rPr>
+                        <a:t> (s)</a:t>
+                      </a:r>
+                    </a:p>
+                  </a:txBody>
+                  <a:tcPr marL="81828" marR="81828" anchor="ctr">
                     <a:solidFill>
                       <a:schemeClr val="bg2">
                         <a:lumMod val="75000"/>
@@ -8967,21 +9844,24 @@
                     <a:p>
                       <a:pPr algn="ctr"/>
                       <a:r>
-                        <a:rPr lang="pt-PT" sz="1600" dirty="0" err="1">
+                        <a:rPr lang="pt-PT" sz="1200" b="0" dirty="0" err="1">
                           <a:latin typeface="Calibri" panose="020F0502020204030204" pitchFamily="34" charset="0"/>
                           <a:ea typeface="Calibri" panose="020F0502020204030204" pitchFamily="34" charset="0"/>
                           <a:cs typeface="Calibri" panose="020F0502020204030204" pitchFamily="34" charset="0"/>
                         </a:rPr>
                         <a:t>Median</a:t>
                       </a:r>
-                      <a:endParaRPr lang="pt-PT" sz="1600" dirty="0">
-                        <a:latin typeface="Calibri" panose="020F0502020204030204" pitchFamily="34" charset="0"/>
-                        <a:ea typeface="Calibri" panose="020F0502020204030204" pitchFamily="34" charset="0"/>
-                        <a:cs typeface="Calibri" panose="020F0502020204030204" pitchFamily="34" charset="0"/>
-                      </a:endParaRPr>
-                    </a:p>
-                  </a:txBody>
-                  <a:tcPr anchor="ctr">
+                      <a:r>
+                        <a:rPr lang="pt-PT" sz="1200" b="0" dirty="0">
+                          <a:latin typeface="Calibri" panose="020F0502020204030204" pitchFamily="34" charset="0"/>
+                          <a:ea typeface="Calibri" panose="020F0502020204030204" pitchFamily="34" charset="0"/>
+                          <a:cs typeface="Calibri" panose="020F0502020204030204" pitchFamily="34" charset="0"/>
+                        </a:rPr>
+                        <a:t> (s)</a:t>
+                      </a:r>
+                    </a:p>
+                  </a:txBody>
+                  <a:tcPr marL="81828" marR="81828" anchor="ctr">
                     <a:solidFill>
                       <a:schemeClr val="bg2">
                         <a:lumMod val="75000"/>
@@ -8996,7 +9876,7 @@
                     <a:p>
                       <a:pPr algn="ctr"/>
                       <a:r>
-                        <a:rPr lang="pt-PT" sz="1600" dirty="0">
+                        <a:rPr lang="pt-PT" sz="1200" b="0" dirty="0">
                           <a:latin typeface="Calibri" panose="020F0502020204030204" pitchFamily="34" charset="0"/>
                           <a:ea typeface="Calibri" panose="020F0502020204030204" pitchFamily="34" charset="0"/>
                           <a:cs typeface="Calibri" panose="020F0502020204030204" pitchFamily="34" charset="0"/>
@@ -9004,21 +9884,24 @@
                         <a:t>Standard </a:t>
                       </a:r>
                       <a:r>
-                        <a:rPr lang="pt-PT" sz="1600" dirty="0" err="1">
+                        <a:rPr lang="pt-PT" sz="1200" b="0" dirty="0" err="1">
                           <a:latin typeface="Calibri" panose="020F0502020204030204" pitchFamily="34" charset="0"/>
                           <a:ea typeface="Calibri" panose="020F0502020204030204" pitchFamily="34" charset="0"/>
                           <a:cs typeface="Calibri" panose="020F0502020204030204" pitchFamily="34" charset="0"/>
                         </a:rPr>
                         <a:t>deviation</a:t>
                       </a:r>
-                      <a:endParaRPr lang="pt-PT" sz="1600" dirty="0">
-                        <a:latin typeface="Calibri" panose="020F0502020204030204" pitchFamily="34" charset="0"/>
-                        <a:ea typeface="Calibri" panose="020F0502020204030204" pitchFamily="34" charset="0"/>
-                        <a:cs typeface="Calibri" panose="020F0502020204030204" pitchFamily="34" charset="0"/>
-                      </a:endParaRPr>
-                    </a:p>
-                  </a:txBody>
-                  <a:tcPr anchor="ctr">
+                      <a:r>
+                        <a:rPr lang="pt-PT" sz="1200" b="0" dirty="0">
+                          <a:latin typeface="Calibri" panose="020F0502020204030204" pitchFamily="34" charset="0"/>
+                          <a:ea typeface="Calibri" panose="020F0502020204030204" pitchFamily="34" charset="0"/>
+                          <a:cs typeface="Calibri" panose="020F0502020204030204" pitchFamily="34" charset="0"/>
+                        </a:rPr>
+                        <a:t> (s)</a:t>
+                      </a:r>
+                    </a:p>
+                  </a:txBody>
+                  <a:tcPr marL="81828" marR="81828" anchor="ctr">
                     <a:solidFill>
                       <a:schemeClr val="bg2">
                         <a:lumMod val="75000"/>
@@ -9063,7 +9946,7 @@
                           <a:ea typeface="Calibri" panose="020F0502020204030204" pitchFamily="34" charset="0"/>
                           <a:cs typeface="Calibri" panose="020F0502020204030204" pitchFamily="34" charset="0"/>
                         </a:rPr>
-                        <a:t> </a:t>
+                        <a:t>0.002775</a:t>
                       </a:r>
                     </a:p>
                   </a:txBody>
@@ -9074,12 +9957,49 @@
                     <a:bodyPr/>
                     <a:lstStyle/>
                     <a:p>
+                      <a:pPr marL="0" marR="0" lvl="0" indent="0" algn="ctr" defTabSz="914400" rtl="0" eaLnBrk="1" fontAlgn="auto" latinLnBrk="0" hangingPunct="1">
+                        <a:lnSpc>
+                          <a:spcPct val="100000"/>
+                        </a:lnSpc>
+                        <a:spcBef>
+                          <a:spcPts val="0"/>
+                        </a:spcBef>
+                        <a:spcAft>
+                          <a:spcPts val="0"/>
+                        </a:spcAft>
+                        <a:buClrTx/>
+                        <a:buSzTx/>
+                        <a:buFontTx/>
+                        <a:buNone/>
+                        <a:tabLst/>
+                        <a:defRPr/>
+                      </a:pPr>
+                      <a:r>
+                        <a:rPr lang="pt-PT" sz="1400" dirty="0">
+                          <a:latin typeface="Calibri" panose="020F0502020204030204" pitchFamily="34" charset="0"/>
+                          <a:ea typeface="Calibri" panose="020F0502020204030204" pitchFamily="34" charset="0"/>
+                          <a:cs typeface="Calibri" panose="020F0502020204030204" pitchFamily="34" charset="0"/>
+                        </a:rPr>
+                        <a:t>0.000770</a:t>
+                      </a:r>
+                    </a:p>
+                  </a:txBody>
+                  <a:tcPr anchor="ctr"/>
+                </a:tc>
+                <a:tc>
+                  <a:txBody>
+                    <a:bodyPr/>
+                    <a:lstStyle/>
+                    <a:p>
                       <a:pPr algn="ctr"/>
-                      <a:endParaRPr lang="pt-PT" sz="1400" dirty="0">
-                        <a:latin typeface="Calibri" panose="020F0502020204030204" pitchFamily="34" charset="0"/>
-                        <a:ea typeface="Calibri" panose="020F0502020204030204" pitchFamily="34" charset="0"/>
-                        <a:cs typeface="Calibri" panose="020F0502020204030204" pitchFamily="34" charset="0"/>
-                      </a:endParaRPr>
+                      <a:r>
+                        <a:rPr lang="pt-PT" sz="1400" dirty="0">
+                          <a:latin typeface="Calibri" panose="020F0502020204030204" pitchFamily="34" charset="0"/>
+                          <a:ea typeface="Calibri" panose="020F0502020204030204" pitchFamily="34" charset="0"/>
+                          <a:cs typeface="Calibri" panose="020F0502020204030204" pitchFamily="34" charset="0"/>
+                        </a:rPr>
+                        <a:t>0.005476</a:t>
+                      </a:r>
                     </a:p>
                   </a:txBody>
                   <a:tcPr anchor="ctr"/>
@@ -9089,12 +10009,49 @@
                     <a:bodyPr/>
                     <a:lstStyle/>
                     <a:p>
+                      <a:pPr marL="0" marR="0" lvl="0" indent="0" algn="ctr" defTabSz="914400" rtl="0" eaLnBrk="1" fontAlgn="auto" latinLnBrk="0" hangingPunct="1">
+                        <a:lnSpc>
+                          <a:spcPct val="100000"/>
+                        </a:lnSpc>
+                        <a:spcBef>
+                          <a:spcPts val="0"/>
+                        </a:spcBef>
+                        <a:spcAft>
+                          <a:spcPts val="0"/>
+                        </a:spcAft>
+                        <a:buClrTx/>
+                        <a:buSzTx/>
+                        <a:buFontTx/>
+                        <a:buNone/>
+                        <a:tabLst/>
+                        <a:defRPr/>
+                      </a:pPr>
+                      <a:r>
+                        <a:rPr lang="pt-PT" sz="1400" dirty="0">
+                          <a:latin typeface="Calibri" panose="020F0502020204030204" pitchFamily="34" charset="0"/>
+                          <a:ea typeface="Calibri" panose="020F0502020204030204" pitchFamily="34" charset="0"/>
+                          <a:cs typeface="Calibri" panose="020F0502020204030204" pitchFamily="34" charset="0"/>
+                        </a:rPr>
+                        <a:t>0.004615</a:t>
+                      </a:r>
+                    </a:p>
+                  </a:txBody>
+                  <a:tcPr anchor="ctr"/>
+                </a:tc>
+                <a:tc>
+                  <a:txBody>
+                    <a:bodyPr/>
+                    <a:lstStyle/>
+                    <a:p>
                       <a:pPr algn="ctr"/>
-                      <a:endParaRPr lang="pt-PT" sz="1400" dirty="0">
-                        <a:latin typeface="Calibri" panose="020F0502020204030204" pitchFamily="34" charset="0"/>
-                        <a:ea typeface="Calibri" panose="020F0502020204030204" pitchFamily="34" charset="0"/>
-                        <a:cs typeface="Calibri" panose="020F0502020204030204" pitchFamily="34" charset="0"/>
-                      </a:endParaRPr>
+                      <a:r>
+                        <a:rPr lang="pt-PT" sz="1400" dirty="0">
+                          <a:latin typeface="Calibri" panose="020F0502020204030204" pitchFamily="34" charset="0"/>
+                          <a:ea typeface="Calibri" panose="020F0502020204030204" pitchFamily="34" charset="0"/>
+                          <a:cs typeface="Calibri" panose="020F0502020204030204" pitchFamily="34" charset="0"/>
+                        </a:rPr>
+                        <a:t>0.008056</a:t>
+                      </a:r>
                     </a:p>
                   </a:txBody>
                   <a:tcPr anchor="ctr"/>
@@ -9104,12 +10061,49 @@
                     <a:bodyPr/>
                     <a:lstStyle/>
                     <a:p>
+                      <a:pPr marL="0" marR="0" lvl="0" indent="0" algn="ctr" defTabSz="914400" rtl="0" eaLnBrk="1" fontAlgn="auto" latinLnBrk="0" hangingPunct="1">
+                        <a:lnSpc>
+                          <a:spcPct val="100000"/>
+                        </a:lnSpc>
+                        <a:spcBef>
+                          <a:spcPts val="0"/>
+                        </a:spcBef>
+                        <a:spcAft>
+                          <a:spcPts val="0"/>
+                        </a:spcAft>
+                        <a:buClrTx/>
+                        <a:buSzTx/>
+                        <a:buFontTx/>
+                        <a:buNone/>
+                        <a:tabLst/>
+                        <a:defRPr/>
+                      </a:pPr>
+                      <a:r>
+                        <a:rPr lang="pt-PT" sz="1400" dirty="0">
+                          <a:latin typeface="Calibri" panose="020F0502020204030204" pitchFamily="34" charset="0"/>
+                          <a:ea typeface="Calibri" panose="020F0502020204030204" pitchFamily="34" charset="0"/>
+                          <a:cs typeface="Calibri" panose="020F0502020204030204" pitchFamily="34" charset="0"/>
+                        </a:rPr>
+                        <a:t>0.009762</a:t>
+                      </a:r>
+                    </a:p>
+                  </a:txBody>
+                  <a:tcPr anchor="ctr"/>
+                </a:tc>
+                <a:tc>
+                  <a:txBody>
+                    <a:bodyPr/>
+                    <a:lstStyle/>
+                    <a:p>
                       <a:pPr algn="ctr"/>
-                      <a:endParaRPr lang="pt-PT" sz="1400" dirty="0">
-                        <a:latin typeface="Calibri" panose="020F0502020204030204" pitchFamily="34" charset="0"/>
-                        <a:ea typeface="Calibri" panose="020F0502020204030204" pitchFamily="34" charset="0"/>
-                        <a:cs typeface="Calibri" panose="020F0502020204030204" pitchFamily="34" charset="0"/>
-                      </a:endParaRPr>
+                      <a:r>
+                        <a:rPr lang="pt-PT" sz="1400" dirty="0">
+                          <a:latin typeface="Calibri" panose="020F0502020204030204" pitchFamily="34" charset="0"/>
+                          <a:ea typeface="Calibri" panose="020F0502020204030204" pitchFamily="34" charset="0"/>
+                          <a:cs typeface="Calibri" panose="020F0502020204030204" pitchFamily="34" charset="0"/>
+                        </a:rPr>
+                        <a:t>0.007601</a:t>
+                      </a:r>
                     </a:p>
                   </a:txBody>
                   <a:tcPr anchor="ctr"/>
@@ -9119,57 +10113,31 @@
                     <a:bodyPr/>
                     <a:lstStyle/>
                     <a:p>
-                      <a:pPr algn="ctr"/>
-                      <a:endParaRPr lang="pt-PT" sz="1400" dirty="0">
-                        <a:latin typeface="Calibri" panose="020F0502020204030204" pitchFamily="34" charset="0"/>
-                        <a:ea typeface="Calibri" panose="020F0502020204030204" pitchFamily="34" charset="0"/>
-                        <a:cs typeface="Calibri" panose="020F0502020204030204" pitchFamily="34" charset="0"/>
-                      </a:endParaRPr>
-                    </a:p>
-                  </a:txBody>
-                  <a:tcPr anchor="ctr"/>
-                </a:tc>
-                <a:tc>
-                  <a:txBody>
-                    <a:bodyPr/>
-                    <a:lstStyle/>
-                    <a:p>
-                      <a:pPr algn="ctr"/>
-                      <a:endParaRPr lang="pt-PT" sz="1400" dirty="0">
-                        <a:latin typeface="Calibri" panose="020F0502020204030204" pitchFamily="34" charset="0"/>
-                        <a:ea typeface="Calibri" panose="020F0502020204030204" pitchFamily="34" charset="0"/>
-                        <a:cs typeface="Calibri" panose="020F0502020204030204" pitchFamily="34" charset="0"/>
-                      </a:endParaRPr>
-                    </a:p>
-                  </a:txBody>
-                  <a:tcPr anchor="ctr"/>
-                </a:tc>
-                <a:tc>
-                  <a:txBody>
-                    <a:bodyPr/>
-                    <a:lstStyle/>
-                    <a:p>
-                      <a:pPr algn="ctr"/>
-                      <a:endParaRPr lang="pt-PT" sz="1400" dirty="0">
-                        <a:latin typeface="Calibri" panose="020F0502020204030204" pitchFamily="34" charset="0"/>
-                        <a:ea typeface="Calibri" panose="020F0502020204030204" pitchFamily="34" charset="0"/>
-                        <a:cs typeface="Calibri" panose="020F0502020204030204" pitchFamily="34" charset="0"/>
-                      </a:endParaRPr>
-                    </a:p>
-                  </a:txBody>
-                  <a:tcPr anchor="ctr"/>
-                </a:tc>
-                <a:tc>
-                  <a:txBody>
-                    <a:bodyPr/>
-                    <a:lstStyle/>
-                    <a:p>
-                      <a:pPr algn="ctr"/>
-                      <a:endParaRPr lang="pt-PT" sz="1400" dirty="0">
-                        <a:latin typeface="Calibri" panose="020F0502020204030204" pitchFamily="34" charset="0"/>
-                        <a:ea typeface="Calibri" panose="020F0502020204030204" pitchFamily="34" charset="0"/>
-                        <a:cs typeface="Calibri" panose="020F0502020204030204" pitchFamily="34" charset="0"/>
-                      </a:endParaRPr>
+                      <a:pPr marL="0" marR="0" lvl="0" indent="0" algn="ctr" defTabSz="914400" rtl="0" eaLnBrk="1" fontAlgn="auto" latinLnBrk="0" hangingPunct="1">
+                        <a:lnSpc>
+                          <a:spcPct val="100000"/>
+                        </a:lnSpc>
+                        <a:spcBef>
+                          <a:spcPts val="0"/>
+                        </a:spcBef>
+                        <a:spcAft>
+                          <a:spcPts val="0"/>
+                        </a:spcAft>
+                        <a:buClrTx/>
+                        <a:buSzTx/>
+                        <a:buFontTx/>
+                        <a:buNone/>
+                        <a:tabLst/>
+                        <a:defRPr/>
+                      </a:pPr>
+                      <a:r>
+                        <a:rPr lang="pt-PT" sz="1400" dirty="0">
+                          <a:latin typeface="Calibri" panose="020F0502020204030204" pitchFamily="34" charset="0"/>
+                          <a:ea typeface="Calibri" panose="020F0502020204030204" pitchFamily="34" charset="0"/>
+                          <a:cs typeface="Calibri" panose="020F0502020204030204" pitchFamily="34" charset="0"/>
+                        </a:rPr>
+                        <a:t>0.007706</a:t>
+                      </a:r>
                     </a:p>
                   </a:txBody>
                   <a:tcPr anchor="ctr"/>
@@ -9205,11 +10173,14 @@
                     <a:lstStyle/>
                     <a:p>
                       <a:pPr algn="ctr"/>
-                      <a:endParaRPr lang="pt-PT" sz="1400" dirty="0">
-                        <a:latin typeface="Calibri" panose="020F0502020204030204" pitchFamily="34" charset="0"/>
-                        <a:ea typeface="Calibri" panose="020F0502020204030204" pitchFamily="34" charset="0"/>
-                        <a:cs typeface="Calibri" panose="020F0502020204030204" pitchFamily="34" charset="0"/>
-                      </a:endParaRPr>
+                      <a:r>
+                        <a:rPr lang="pt-PT" sz="1400" dirty="0">
+                          <a:latin typeface="Calibri" panose="020F0502020204030204" pitchFamily="34" charset="0"/>
+                          <a:ea typeface="Calibri" panose="020F0502020204030204" pitchFamily="34" charset="0"/>
+                          <a:cs typeface="Calibri" panose="020F0502020204030204" pitchFamily="34" charset="0"/>
+                        </a:rPr>
+                        <a:t>0.299569</a:t>
+                      </a:r>
                     </a:p>
                   </a:txBody>
                   <a:tcPr anchor="ctr"/>
@@ -9219,12 +10190,49 @@
                     <a:bodyPr/>
                     <a:lstStyle/>
                     <a:p>
+                      <a:pPr marL="0" marR="0" lvl="0" indent="0" algn="ctr" defTabSz="914400" rtl="0" eaLnBrk="1" fontAlgn="auto" latinLnBrk="0" hangingPunct="1">
+                        <a:lnSpc>
+                          <a:spcPct val="100000"/>
+                        </a:lnSpc>
+                        <a:spcBef>
+                          <a:spcPts val="0"/>
+                        </a:spcBef>
+                        <a:spcAft>
+                          <a:spcPts val="0"/>
+                        </a:spcAft>
+                        <a:buClrTx/>
+                        <a:buSzTx/>
+                        <a:buFontTx/>
+                        <a:buNone/>
+                        <a:tabLst/>
+                        <a:defRPr/>
+                      </a:pPr>
+                      <a:r>
+                        <a:rPr lang="pt-PT" sz="1400" dirty="0">
+                          <a:latin typeface="Calibri" panose="020F0502020204030204" pitchFamily="34" charset="0"/>
+                          <a:ea typeface="Calibri" panose="020F0502020204030204" pitchFamily="34" charset="0"/>
+                          <a:cs typeface="Calibri" panose="020F0502020204030204" pitchFamily="34" charset="0"/>
+                        </a:rPr>
+                        <a:t>0.030652</a:t>
+                      </a:r>
+                    </a:p>
+                  </a:txBody>
+                  <a:tcPr anchor="ctr"/>
+                </a:tc>
+                <a:tc>
+                  <a:txBody>
+                    <a:bodyPr/>
+                    <a:lstStyle/>
+                    <a:p>
                       <a:pPr algn="ctr"/>
-                      <a:endParaRPr lang="pt-PT" sz="1400" dirty="0">
-                        <a:latin typeface="Calibri" panose="020F0502020204030204" pitchFamily="34" charset="0"/>
-                        <a:ea typeface="Calibri" panose="020F0502020204030204" pitchFamily="34" charset="0"/>
-                        <a:cs typeface="Calibri" panose="020F0502020204030204" pitchFamily="34" charset="0"/>
-                      </a:endParaRPr>
+                      <a:r>
+                        <a:rPr lang="pt-PT" sz="1400" dirty="0">
+                          <a:latin typeface="Calibri" panose="020F0502020204030204" pitchFamily="34" charset="0"/>
+                          <a:ea typeface="Calibri" panose="020F0502020204030204" pitchFamily="34" charset="0"/>
+                          <a:cs typeface="Calibri" panose="020F0502020204030204" pitchFamily="34" charset="0"/>
+                        </a:rPr>
+                        <a:t>0.270263</a:t>
+                      </a:r>
                     </a:p>
                   </a:txBody>
                   <a:tcPr anchor="ctr"/>
@@ -9234,12 +10242,49 @@
                     <a:bodyPr/>
                     <a:lstStyle/>
                     <a:p>
+                      <a:pPr marL="0" marR="0" lvl="0" indent="0" algn="ctr" defTabSz="914400" rtl="0" eaLnBrk="1" fontAlgn="auto" latinLnBrk="0" hangingPunct="1">
+                        <a:lnSpc>
+                          <a:spcPct val="100000"/>
+                        </a:lnSpc>
+                        <a:spcBef>
+                          <a:spcPts val="0"/>
+                        </a:spcBef>
+                        <a:spcAft>
+                          <a:spcPts val="0"/>
+                        </a:spcAft>
+                        <a:buClrTx/>
+                        <a:buSzTx/>
+                        <a:buFontTx/>
+                        <a:buNone/>
+                        <a:tabLst/>
+                        <a:defRPr/>
+                      </a:pPr>
+                      <a:r>
+                        <a:rPr lang="pt-PT" sz="1400" dirty="0">
+                          <a:latin typeface="Calibri" panose="020F0502020204030204" pitchFamily="34" charset="0"/>
+                          <a:ea typeface="Calibri" panose="020F0502020204030204" pitchFamily="34" charset="0"/>
+                          <a:cs typeface="Calibri" panose="020F0502020204030204" pitchFamily="34" charset="0"/>
+                        </a:rPr>
+                        <a:t>0.023774</a:t>
+                      </a:r>
+                    </a:p>
+                  </a:txBody>
+                  <a:tcPr anchor="ctr"/>
+                </a:tc>
+                <a:tc>
+                  <a:txBody>
+                    <a:bodyPr/>
+                    <a:lstStyle/>
+                    <a:p>
                       <a:pPr algn="ctr"/>
-                      <a:endParaRPr lang="pt-PT" sz="1400" dirty="0">
-                        <a:latin typeface="Calibri" panose="020F0502020204030204" pitchFamily="34" charset="0"/>
-                        <a:ea typeface="Calibri" panose="020F0502020204030204" pitchFamily="34" charset="0"/>
-                        <a:cs typeface="Calibri" panose="020F0502020204030204" pitchFamily="34" charset="0"/>
-                      </a:endParaRPr>
+                      <a:r>
+                        <a:rPr lang="pt-PT" sz="1400" dirty="0">
+                          <a:latin typeface="Calibri" panose="020F0502020204030204" pitchFamily="34" charset="0"/>
+                          <a:ea typeface="Calibri" panose="020F0502020204030204" pitchFamily="34" charset="0"/>
+                          <a:cs typeface="Calibri" panose="020F0502020204030204" pitchFamily="34" charset="0"/>
+                        </a:rPr>
+                        <a:t>0.254095</a:t>
+                      </a:r>
                     </a:p>
                   </a:txBody>
                   <a:tcPr anchor="ctr"/>
@@ -9249,12 +10294,49 @@
                     <a:bodyPr/>
                     <a:lstStyle/>
                     <a:p>
+                      <a:pPr marL="0" marR="0" lvl="0" indent="0" algn="ctr" defTabSz="914400" rtl="0" eaLnBrk="1" fontAlgn="auto" latinLnBrk="0" hangingPunct="1">
+                        <a:lnSpc>
+                          <a:spcPct val="100000"/>
+                        </a:lnSpc>
+                        <a:spcBef>
+                          <a:spcPts val="0"/>
+                        </a:spcBef>
+                        <a:spcAft>
+                          <a:spcPts val="0"/>
+                        </a:spcAft>
+                        <a:buClrTx/>
+                        <a:buSzTx/>
+                        <a:buFontTx/>
+                        <a:buNone/>
+                        <a:tabLst/>
+                        <a:defRPr/>
+                      </a:pPr>
+                      <a:r>
+                        <a:rPr lang="pt-PT" sz="1400" dirty="0">
+                          <a:latin typeface="Calibri" panose="020F0502020204030204" pitchFamily="34" charset="0"/>
+                          <a:ea typeface="Calibri" panose="020F0502020204030204" pitchFamily="34" charset="0"/>
+                          <a:cs typeface="Calibri" panose="020F0502020204030204" pitchFamily="34" charset="0"/>
+                        </a:rPr>
+                        <a:t>0.028820</a:t>
+                      </a:r>
+                    </a:p>
+                  </a:txBody>
+                  <a:tcPr anchor="ctr"/>
+                </a:tc>
+                <a:tc>
+                  <a:txBody>
+                    <a:bodyPr/>
+                    <a:lstStyle/>
+                    <a:p>
                       <a:pPr algn="ctr"/>
-                      <a:endParaRPr lang="pt-PT" sz="1400" dirty="0">
-                        <a:latin typeface="Calibri" panose="020F0502020204030204" pitchFamily="34" charset="0"/>
-                        <a:ea typeface="Calibri" panose="020F0502020204030204" pitchFamily="34" charset="0"/>
-                        <a:cs typeface="Calibri" panose="020F0502020204030204" pitchFamily="34" charset="0"/>
-                      </a:endParaRPr>
+                      <a:r>
+                        <a:rPr lang="pt-PT" sz="1400" dirty="0">
+                          <a:latin typeface="Calibri" panose="020F0502020204030204" pitchFamily="34" charset="0"/>
+                          <a:ea typeface="Calibri" panose="020F0502020204030204" pitchFamily="34" charset="0"/>
+                          <a:cs typeface="Calibri" panose="020F0502020204030204" pitchFamily="34" charset="0"/>
+                        </a:rPr>
+                        <a:t>0.287229</a:t>
+                      </a:r>
                     </a:p>
                   </a:txBody>
                   <a:tcPr anchor="ctr"/>
@@ -9264,57 +10346,31 @@
                     <a:bodyPr/>
                     <a:lstStyle/>
                     <a:p>
-                      <a:pPr algn="ctr"/>
-                      <a:endParaRPr lang="pt-PT" sz="1400" dirty="0">
-                        <a:latin typeface="Calibri" panose="020F0502020204030204" pitchFamily="34" charset="0"/>
-                        <a:ea typeface="Calibri" panose="020F0502020204030204" pitchFamily="34" charset="0"/>
-                        <a:cs typeface="Calibri" panose="020F0502020204030204" pitchFamily="34" charset="0"/>
-                      </a:endParaRPr>
-                    </a:p>
-                  </a:txBody>
-                  <a:tcPr anchor="ctr"/>
-                </a:tc>
-                <a:tc>
-                  <a:txBody>
-                    <a:bodyPr/>
-                    <a:lstStyle/>
-                    <a:p>
-                      <a:pPr algn="ctr"/>
-                      <a:endParaRPr lang="pt-PT" sz="1400" dirty="0">
-                        <a:latin typeface="Calibri" panose="020F0502020204030204" pitchFamily="34" charset="0"/>
-                        <a:ea typeface="Calibri" panose="020F0502020204030204" pitchFamily="34" charset="0"/>
-                        <a:cs typeface="Calibri" panose="020F0502020204030204" pitchFamily="34" charset="0"/>
-                      </a:endParaRPr>
-                    </a:p>
-                  </a:txBody>
-                  <a:tcPr anchor="ctr"/>
-                </a:tc>
-                <a:tc>
-                  <a:txBody>
-                    <a:bodyPr/>
-                    <a:lstStyle/>
-                    <a:p>
-                      <a:pPr algn="ctr"/>
-                      <a:endParaRPr lang="pt-PT" sz="1400" dirty="0">
-                        <a:latin typeface="Calibri" panose="020F0502020204030204" pitchFamily="34" charset="0"/>
-                        <a:ea typeface="Calibri" panose="020F0502020204030204" pitchFamily="34" charset="0"/>
-                        <a:cs typeface="Calibri" panose="020F0502020204030204" pitchFamily="34" charset="0"/>
-                      </a:endParaRPr>
-                    </a:p>
-                  </a:txBody>
-                  <a:tcPr anchor="ctr"/>
-                </a:tc>
-                <a:tc>
-                  <a:txBody>
-                    <a:bodyPr/>
-                    <a:lstStyle/>
-                    <a:p>
-                      <a:pPr algn="ctr"/>
-                      <a:endParaRPr lang="pt-PT" sz="1400" dirty="0">
-                        <a:latin typeface="Calibri" panose="020F0502020204030204" pitchFamily="34" charset="0"/>
-                        <a:ea typeface="Calibri" panose="020F0502020204030204" pitchFamily="34" charset="0"/>
-                        <a:cs typeface="Calibri" panose="020F0502020204030204" pitchFamily="34" charset="0"/>
-                      </a:endParaRPr>
+                      <a:pPr marL="0" marR="0" lvl="0" indent="0" algn="ctr" defTabSz="914400" rtl="0" eaLnBrk="1" fontAlgn="auto" latinLnBrk="0" hangingPunct="1">
+                        <a:lnSpc>
+                          <a:spcPct val="100000"/>
+                        </a:lnSpc>
+                        <a:spcBef>
+                          <a:spcPts val="0"/>
+                        </a:spcBef>
+                        <a:spcAft>
+                          <a:spcPts val="0"/>
+                        </a:spcAft>
+                        <a:buClrTx/>
+                        <a:buSzTx/>
+                        <a:buFontTx/>
+                        <a:buNone/>
+                        <a:tabLst/>
+                        <a:defRPr/>
+                      </a:pPr>
+                      <a:r>
+                        <a:rPr lang="pt-PT" sz="1400" dirty="0">
+                          <a:latin typeface="Calibri" panose="020F0502020204030204" pitchFamily="34" charset="0"/>
+                          <a:ea typeface="Calibri" panose="020F0502020204030204" pitchFamily="34" charset="0"/>
+                          <a:cs typeface="Calibri" panose="020F0502020204030204" pitchFamily="34" charset="0"/>
+                        </a:rPr>
+                        <a:t>0.047620</a:t>
+                      </a:r>
                     </a:p>
                   </a:txBody>
                   <a:tcPr anchor="ctr"/>
@@ -9350,11 +10406,14 @@
                     <a:lstStyle/>
                     <a:p>
                       <a:pPr algn="ctr"/>
-                      <a:endParaRPr lang="pt-PT" sz="1400" dirty="0">
-                        <a:latin typeface="Calibri" panose="020F0502020204030204" pitchFamily="34" charset="0"/>
-                        <a:ea typeface="Calibri" panose="020F0502020204030204" pitchFamily="34" charset="0"/>
-                        <a:cs typeface="Calibri" panose="020F0502020204030204" pitchFamily="34" charset="0"/>
-                      </a:endParaRPr>
+                      <a:r>
+                        <a:rPr lang="pt-PT" sz="1400" dirty="0">
+                          <a:latin typeface="Calibri" panose="020F0502020204030204" pitchFamily="34" charset="0"/>
+                          <a:ea typeface="Calibri" panose="020F0502020204030204" pitchFamily="34" charset="0"/>
+                          <a:cs typeface="Calibri" panose="020F0502020204030204" pitchFamily="34" charset="0"/>
+                        </a:rPr>
+                        <a:t>0.994728</a:t>
+                      </a:r>
                     </a:p>
                   </a:txBody>
                   <a:tcPr anchor="ctr"/>
@@ -9364,12 +10423,49 @@
                     <a:bodyPr/>
                     <a:lstStyle/>
                     <a:p>
+                      <a:pPr marL="0" marR="0" lvl="0" indent="0" algn="ctr" defTabSz="914400" rtl="0" eaLnBrk="1" fontAlgn="auto" latinLnBrk="0" hangingPunct="1">
+                        <a:lnSpc>
+                          <a:spcPct val="100000"/>
+                        </a:lnSpc>
+                        <a:spcBef>
+                          <a:spcPts val="0"/>
+                        </a:spcBef>
+                        <a:spcAft>
+                          <a:spcPts val="0"/>
+                        </a:spcAft>
+                        <a:buClrTx/>
+                        <a:buSzTx/>
+                        <a:buFontTx/>
+                        <a:buNone/>
+                        <a:tabLst/>
+                        <a:defRPr/>
+                      </a:pPr>
+                      <a:r>
+                        <a:rPr lang="pt-PT" sz="1400" dirty="0">
+                          <a:latin typeface="Calibri" panose="020F0502020204030204" pitchFamily="34" charset="0"/>
+                          <a:ea typeface="Calibri" panose="020F0502020204030204" pitchFamily="34" charset="0"/>
+                          <a:cs typeface="Calibri" panose="020F0502020204030204" pitchFamily="34" charset="0"/>
+                        </a:rPr>
+                        <a:t>0.0303520</a:t>
+                      </a:r>
+                    </a:p>
+                  </a:txBody>
+                  <a:tcPr anchor="ctr"/>
+                </a:tc>
+                <a:tc>
+                  <a:txBody>
+                    <a:bodyPr/>
+                    <a:lstStyle/>
+                    <a:p>
                       <a:pPr algn="ctr"/>
-                      <a:endParaRPr lang="pt-PT" sz="1400" dirty="0">
-                        <a:latin typeface="Calibri" panose="020F0502020204030204" pitchFamily="34" charset="0"/>
-                        <a:ea typeface="Calibri" panose="020F0502020204030204" pitchFamily="34" charset="0"/>
-                        <a:cs typeface="Calibri" panose="020F0502020204030204" pitchFamily="34" charset="0"/>
-                      </a:endParaRPr>
+                      <a:r>
+                        <a:rPr lang="pt-PT" sz="1400" dirty="0">
+                          <a:latin typeface="Calibri" panose="020F0502020204030204" pitchFamily="34" charset="0"/>
+                          <a:ea typeface="Calibri" panose="020F0502020204030204" pitchFamily="34" charset="0"/>
+                          <a:cs typeface="Calibri" panose="020F0502020204030204" pitchFamily="34" charset="0"/>
+                        </a:rPr>
+                        <a:t>0.912594</a:t>
+                      </a:r>
                     </a:p>
                   </a:txBody>
                   <a:tcPr anchor="ctr"/>
@@ -9379,12 +10475,49 @@
                     <a:bodyPr/>
                     <a:lstStyle/>
                     <a:p>
+                      <a:pPr marL="0" marR="0" lvl="0" indent="0" algn="ctr" defTabSz="914400" rtl="0" eaLnBrk="1" fontAlgn="auto" latinLnBrk="0" hangingPunct="1">
+                        <a:lnSpc>
+                          <a:spcPct val="100000"/>
+                        </a:lnSpc>
+                        <a:spcBef>
+                          <a:spcPts val="0"/>
+                        </a:spcBef>
+                        <a:spcAft>
+                          <a:spcPts val="0"/>
+                        </a:spcAft>
+                        <a:buClrTx/>
+                        <a:buSzTx/>
+                        <a:buFontTx/>
+                        <a:buNone/>
+                        <a:tabLst/>
+                        <a:defRPr/>
+                      </a:pPr>
+                      <a:r>
+                        <a:rPr lang="pt-PT" sz="1400" dirty="0">
+                          <a:latin typeface="Calibri" panose="020F0502020204030204" pitchFamily="34" charset="0"/>
+                          <a:ea typeface="Calibri" panose="020F0502020204030204" pitchFamily="34" charset="0"/>
+                          <a:cs typeface="Calibri" panose="020F0502020204030204" pitchFamily="34" charset="0"/>
+                        </a:rPr>
+                        <a:t>0.0615767</a:t>
+                      </a:r>
+                    </a:p>
+                  </a:txBody>
+                  <a:tcPr anchor="ctr"/>
+                </a:tc>
+                <a:tc>
+                  <a:txBody>
+                    <a:bodyPr/>
+                    <a:lstStyle/>
+                    <a:p>
                       <a:pPr algn="ctr"/>
-                      <a:endParaRPr lang="pt-PT" sz="1400" dirty="0">
-                        <a:latin typeface="Calibri" panose="020F0502020204030204" pitchFamily="34" charset="0"/>
-                        <a:ea typeface="Calibri" panose="020F0502020204030204" pitchFamily="34" charset="0"/>
-                        <a:cs typeface="Calibri" panose="020F0502020204030204" pitchFamily="34" charset="0"/>
-                      </a:endParaRPr>
+                      <a:r>
+                        <a:rPr lang="pt-PT" sz="1400" dirty="0">
+                          <a:latin typeface="Calibri" panose="020F0502020204030204" pitchFamily="34" charset="0"/>
+                          <a:ea typeface="Calibri" panose="020F0502020204030204" pitchFamily="34" charset="0"/>
+                          <a:cs typeface="Calibri" panose="020F0502020204030204" pitchFamily="34" charset="0"/>
+                        </a:rPr>
+                        <a:t>0.919737</a:t>
+                      </a:r>
                     </a:p>
                   </a:txBody>
                   <a:tcPr anchor="ctr"/>
@@ -9394,12 +10527,49 @@
                     <a:bodyPr/>
                     <a:lstStyle/>
                     <a:p>
+                      <a:pPr marL="0" marR="0" lvl="0" indent="0" algn="ctr" defTabSz="914400" rtl="0" eaLnBrk="1" fontAlgn="auto" latinLnBrk="0" hangingPunct="1">
+                        <a:lnSpc>
+                          <a:spcPct val="100000"/>
+                        </a:lnSpc>
+                        <a:spcBef>
+                          <a:spcPts val="0"/>
+                        </a:spcBef>
+                        <a:spcAft>
+                          <a:spcPts val="0"/>
+                        </a:spcAft>
+                        <a:buClrTx/>
+                        <a:buSzTx/>
+                        <a:buFontTx/>
+                        <a:buNone/>
+                        <a:tabLst/>
+                        <a:defRPr/>
+                      </a:pPr>
+                      <a:r>
+                        <a:rPr lang="pt-PT" sz="1400" dirty="0">
+                          <a:latin typeface="Calibri" panose="020F0502020204030204" pitchFamily="34" charset="0"/>
+                          <a:ea typeface="Calibri" panose="020F0502020204030204" pitchFamily="34" charset="0"/>
+                          <a:cs typeface="Calibri" panose="020F0502020204030204" pitchFamily="34" charset="0"/>
+                        </a:rPr>
+                        <a:t>0.044286</a:t>
+                      </a:r>
+                    </a:p>
+                  </a:txBody>
+                  <a:tcPr anchor="ctr"/>
+                </a:tc>
+                <a:tc>
+                  <a:txBody>
+                    <a:bodyPr/>
+                    <a:lstStyle/>
+                    <a:p>
                       <a:pPr algn="ctr"/>
-                      <a:endParaRPr lang="pt-PT" sz="1400" dirty="0">
-                        <a:latin typeface="Calibri" panose="020F0502020204030204" pitchFamily="34" charset="0"/>
-                        <a:ea typeface="Calibri" panose="020F0502020204030204" pitchFamily="34" charset="0"/>
-                        <a:cs typeface="Calibri" panose="020F0502020204030204" pitchFamily="34" charset="0"/>
-                      </a:endParaRPr>
+                      <a:r>
+                        <a:rPr lang="pt-PT" sz="1400" dirty="0">
+                          <a:latin typeface="Calibri" panose="020F0502020204030204" pitchFamily="34" charset="0"/>
+                          <a:ea typeface="Calibri" panose="020F0502020204030204" pitchFamily="34" charset="0"/>
+                          <a:cs typeface="Calibri" panose="020F0502020204030204" pitchFamily="34" charset="0"/>
+                        </a:rPr>
+                        <a:t>0.943953</a:t>
+                      </a:r>
                     </a:p>
                   </a:txBody>
                   <a:tcPr anchor="ctr"/>
@@ -9409,57 +10579,31 @@
                     <a:bodyPr/>
                     <a:lstStyle/>
                     <a:p>
-                      <a:pPr algn="ctr"/>
-                      <a:endParaRPr lang="pt-PT" sz="1400" dirty="0">
-                        <a:latin typeface="Calibri" panose="020F0502020204030204" pitchFamily="34" charset="0"/>
-                        <a:ea typeface="Calibri" panose="020F0502020204030204" pitchFamily="34" charset="0"/>
-                        <a:cs typeface="Calibri" panose="020F0502020204030204" pitchFamily="34" charset="0"/>
-                      </a:endParaRPr>
-                    </a:p>
-                  </a:txBody>
-                  <a:tcPr anchor="ctr"/>
-                </a:tc>
-                <a:tc>
-                  <a:txBody>
-                    <a:bodyPr/>
-                    <a:lstStyle/>
-                    <a:p>
-                      <a:pPr algn="ctr"/>
-                      <a:endParaRPr lang="pt-PT" sz="1400" dirty="0">
-                        <a:latin typeface="Calibri" panose="020F0502020204030204" pitchFamily="34" charset="0"/>
-                        <a:ea typeface="Calibri" panose="020F0502020204030204" pitchFamily="34" charset="0"/>
-                        <a:cs typeface="Calibri" panose="020F0502020204030204" pitchFamily="34" charset="0"/>
-                      </a:endParaRPr>
-                    </a:p>
-                  </a:txBody>
-                  <a:tcPr anchor="ctr"/>
-                </a:tc>
-                <a:tc>
-                  <a:txBody>
-                    <a:bodyPr/>
-                    <a:lstStyle/>
-                    <a:p>
-                      <a:pPr algn="ctr"/>
-                      <a:endParaRPr lang="pt-PT" sz="1400" dirty="0">
-                        <a:latin typeface="Calibri" panose="020F0502020204030204" pitchFamily="34" charset="0"/>
-                        <a:ea typeface="Calibri" panose="020F0502020204030204" pitchFamily="34" charset="0"/>
-                        <a:cs typeface="Calibri" panose="020F0502020204030204" pitchFamily="34" charset="0"/>
-                      </a:endParaRPr>
-                    </a:p>
-                  </a:txBody>
-                  <a:tcPr anchor="ctr"/>
-                </a:tc>
-                <a:tc>
-                  <a:txBody>
-                    <a:bodyPr/>
-                    <a:lstStyle/>
-                    <a:p>
-                      <a:pPr algn="ctr"/>
-                      <a:endParaRPr lang="pt-PT" sz="1400" dirty="0">
-                        <a:latin typeface="Calibri" panose="020F0502020204030204" pitchFamily="34" charset="0"/>
-                        <a:ea typeface="Calibri" panose="020F0502020204030204" pitchFamily="34" charset="0"/>
-                        <a:cs typeface="Calibri" panose="020F0502020204030204" pitchFamily="34" charset="0"/>
-                      </a:endParaRPr>
+                      <a:pPr marL="0" marR="0" lvl="0" indent="0" algn="ctr" defTabSz="914400" rtl="0" eaLnBrk="1" fontAlgn="auto" latinLnBrk="0" hangingPunct="1">
+                        <a:lnSpc>
+                          <a:spcPct val="100000"/>
+                        </a:lnSpc>
+                        <a:spcBef>
+                          <a:spcPts val="0"/>
+                        </a:spcBef>
+                        <a:spcAft>
+                          <a:spcPts val="0"/>
+                        </a:spcAft>
+                        <a:buClrTx/>
+                        <a:buSzTx/>
+                        <a:buFontTx/>
+                        <a:buNone/>
+                        <a:tabLst/>
+                        <a:defRPr/>
+                      </a:pPr>
+                      <a:r>
+                        <a:rPr lang="pt-PT" sz="1400" dirty="0">
+                          <a:latin typeface="Calibri" panose="020F0502020204030204" pitchFamily="34" charset="0"/>
+                          <a:ea typeface="Calibri" panose="020F0502020204030204" pitchFamily="34" charset="0"/>
+                          <a:cs typeface="Calibri" panose="020F0502020204030204" pitchFamily="34" charset="0"/>
+                        </a:rPr>
+                        <a:t>0.0380660</a:t>
+                      </a:r>
                     </a:p>
                   </a:txBody>
                   <a:tcPr anchor="ctr"/>
@@ -9495,11 +10639,14 @@
                     <a:lstStyle/>
                     <a:p>
                       <a:pPr algn="ctr"/>
-                      <a:endParaRPr lang="pt-PT" sz="1400" dirty="0">
-                        <a:latin typeface="Calibri" panose="020F0502020204030204" pitchFamily="34" charset="0"/>
-                        <a:ea typeface="Calibri" panose="020F0502020204030204" pitchFamily="34" charset="0"/>
-                        <a:cs typeface="Calibri" panose="020F0502020204030204" pitchFamily="34" charset="0"/>
-                      </a:endParaRPr>
+                      <a:r>
+                        <a:rPr lang="pt-PT" sz="1400" dirty="0">
+                          <a:latin typeface="Calibri" panose="020F0502020204030204" pitchFamily="34" charset="0"/>
+                          <a:ea typeface="Calibri" panose="020F0502020204030204" pitchFamily="34" charset="0"/>
+                          <a:cs typeface="Calibri" panose="020F0502020204030204" pitchFamily="34" charset="0"/>
+                        </a:rPr>
+                        <a:t>16.101655</a:t>
+                      </a:r>
                     </a:p>
                   </a:txBody>
                   <a:tcPr anchor="ctr"/>
@@ -9509,12 +10656,49 @@
                     <a:bodyPr/>
                     <a:lstStyle/>
                     <a:p>
+                      <a:pPr marL="0" marR="0" lvl="0" indent="0" algn="ctr" defTabSz="914400" rtl="0" eaLnBrk="1" fontAlgn="auto" latinLnBrk="0" hangingPunct="1">
+                        <a:lnSpc>
+                          <a:spcPct val="100000"/>
+                        </a:lnSpc>
+                        <a:spcBef>
+                          <a:spcPts val="0"/>
+                        </a:spcBef>
+                        <a:spcAft>
+                          <a:spcPts val="0"/>
+                        </a:spcAft>
+                        <a:buClrTx/>
+                        <a:buSzTx/>
+                        <a:buFontTx/>
+                        <a:buNone/>
+                        <a:tabLst/>
+                        <a:defRPr/>
+                      </a:pPr>
+                      <a:r>
+                        <a:rPr lang="pt-PT" sz="1400" dirty="0">
+                          <a:latin typeface="Calibri" panose="020F0502020204030204" pitchFamily="34" charset="0"/>
+                          <a:ea typeface="Calibri" panose="020F0502020204030204" pitchFamily="34" charset="0"/>
+                          <a:cs typeface="Calibri" panose="020F0502020204030204" pitchFamily="34" charset="0"/>
+                        </a:rPr>
+                        <a:t>0.178125</a:t>
+                      </a:r>
+                    </a:p>
+                  </a:txBody>
+                  <a:tcPr anchor="ctr"/>
+                </a:tc>
+                <a:tc>
+                  <a:txBody>
+                    <a:bodyPr/>
+                    <a:lstStyle/>
+                    <a:p>
                       <a:pPr algn="ctr"/>
-                      <a:endParaRPr lang="pt-PT" sz="1400" dirty="0">
-                        <a:latin typeface="Calibri" panose="020F0502020204030204" pitchFamily="34" charset="0"/>
-                        <a:ea typeface="Calibri" panose="020F0502020204030204" pitchFamily="34" charset="0"/>
-                        <a:cs typeface="Calibri" panose="020F0502020204030204" pitchFamily="34" charset="0"/>
-                      </a:endParaRPr>
+                      <a:r>
+                        <a:rPr lang="pt-PT" sz="1400" dirty="0">
+                          <a:latin typeface="Calibri" panose="020F0502020204030204" pitchFamily="34" charset="0"/>
+                          <a:ea typeface="Calibri" panose="020F0502020204030204" pitchFamily="34" charset="0"/>
+                          <a:cs typeface="Calibri" panose="020F0502020204030204" pitchFamily="34" charset="0"/>
+                        </a:rPr>
+                        <a:t>12.858210</a:t>
+                      </a:r>
                     </a:p>
                   </a:txBody>
                   <a:tcPr anchor="ctr"/>
@@ -9524,12 +10708,49 @@
                     <a:bodyPr/>
                     <a:lstStyle/>
                     <a:p>
+                      <a:pPr marL="0" marR="0" lvl="0" indent="0" algn="ctr" defTabSz="914400" rtl="0" eaLnBrk="1" fontAlgn="auto" latinLnBrk="0" hangingPunct="1">
+                        <a:lnSpc>
+                          <a:spcPct val="100000"/>
+                        </a:lnSpc>
+                        <a:spcBef>
+                          <a:spcPts val="0"/>
+                        </a:spcBef>
+                        <a:spcAft>
+                          <a:spcPts val="0"/>
+                        </a:spcAft>
+                        <a:buClrTx/>
+                        <a:buSzTx/>
+                        <a:buFontTx/>
+                        <a:buNone/>
+                        <a:tabLst/>
+                        <a:defRPr/>
+                      </a:pPr>
+                      <a:r>
+                        <a:rPr lang="pt-PT" sz="1400" dirty="0">
+                          <a:latin typeface="Calibri" panose="020F0502020204030204" pitchFamily="34" charset="0"/>
+                          <a:ea typeface="Calibri" panose="020F0502020204030204" pitchFamily="34" charset="0"/>
+                          <a:cs typeface="Calibri" panose="020F0502020204030204" pitchFamily="34" charset="0"/>
+                        </a:rPr>
+                        <a:t>0.186560</a:t>
+                      </a:r>
+                    </a:p>
+                  </a:txBody>
+                  <a:tcPr anchor="ctr"/>
+                </a:tc>
+                <a:tc>
+                  <a:txBody>
+                    <a:bodyPr/>
+                    <a:lstStyle/>
+                    <a:p>
                       <a:pPr algn="ctr"/>
-                      <a:endParaRPr lang="pt-PT" sz="1400" dirty="0">
-                        <a:latin typeface="Calibri" panose="020F0502020204030204" pitchFamily="34" charset="0"/>
-                        <a:ea typeface="Calibri" panose="020F0502020204030204" pitchFamily="34" charset="0"/>
-                        <a:cs typeface="Calibri" panose="020F0502020204030204" pitchFamily="34" charset="0"/>
-                      </a:endParaRPr>
+                      <a:r>
+                        <a:rPr lang="pt-PT" sz="1400" dirty="0">
+                          <a:latin typeface="Calibri" panose="020F0502020204030204" pitchFamily="34" charset="0"/>
+                          <a:ea typeface="Calibri" panose="020F0502020204030204" pitchFamily="34" charset="0"/>
+                          <a:cs typeface="Calibri" panose="020F0502020204030204" pitchFamily="34" charset="0"/>
+                        </a:rPr>
+                        <a:t>12.686568</a:t>
+                      </a:r>
                     </a:p>
                   </a:txBody>
                   <a:tcPr anchor="ctr"/>
@@ -9539,12 +10760,49 @@
                     <a:bodyPr/>
                     <a:lstStyle/>
                     <a:p>
+                      <a:pPr marL="0" marR="0" lvl="0" indent="0" algn="ctr" defTabSz="914400" rtl="0" eaLnBrk="1" fontAlgn="auto" latinLnBrk="0" hangingPunct="1">
+                        <a:lnSpc>
+                          <a:spcPct val="100000"/>
+                        </a:lnSpc>
+                        <a:spcBef>
+                          <a:spcPts val="0"/>
+                        </a:spcBef>
+                        <a:spcAft>
+                          <a:spcPts val="0"/>
+                        </a:spcAft>
+                        <a:buClrTx/>
+                        <a:buSzTx/>
+                        <a:buFontTx/>
+                        <a:buNone/>
+                        <a:tabLst/>
+                        <a:defRPr/>
+                      </a:pPr>
+                      <a:r>
+                        <a:rPr lang="pt-PT" sz="1400" dirty="0">
+                          <a:latin typeface="Calibri" panose="020F0502020204030204" pitchFamily="34" charset="0"/>
+                          <a:ea typeface="Calibri" panose="020F0502020204030204" pitchFamily="34" charset="0"/>
+                          <a:cs typeface="Calibri" panose="020F0502020204030204" pitchFamily="34" charset="0"/>
+                        </a:rPr>
+                        <a:t>0.281215</a:t>
+                      </a:r>
+                    </a:p>
+                  </a:txBody>
+                  <a:tcPr anchor="ctr"/>
+                </a:tc>
+                <a:tc>
+                  <a:txBody>
+                    <a:bodyPr/>
+                    <a:lstStyle/>
+                    <a:p>
                       <a:pPr algn="ctr"/>
-                      <a:endParaRPr lang="pt-PT" sz="1400" dirty="0">
-                        <a:latin typeface="Calibri" panose="020F0502020204030204" pitchFamily="34" charset="0"/>
-                        <a:ea typeface="Calibri" panose="020F0502020204030204" pitchFamily="34" charset="0"/>
-                        <a:cs typeface="Calibri" panose="020F0502020204030204" pitchFamily="34" charset="0"/>
-                      </a:endParaRPr>
+                      <a:r>
+                        <a:rPr lang="pt-PT" sz="1400" dirty="0">
+                          <a:latin typeface="Calibri" panose="020F0502020204030204" pitchFamily="34" charset="0"/>
+                          <a:ea typeface="Calibri" panose="020F0502020204030204" pitchFamily="34" charset="0"/>
+                          <a:cs typeface="Calibri" panose="020F0502020204030204" pitchFamily="34" charset="0"/>
+                        </a:rPr>
+                        <a:t>12.424148</a:t>
+                      </a:r>
                     </a:p>
                   </a:txBody>
                   <a:tcPr anchor="ctr"/>
@@ -9554,57 +10812,31 @@
                     <a:bodyPr/>
                     <a:lstStyle/>
                     <a:p>
-                      <a:pPr algn="ctr"/>
-                      <a:endParaRPr lang="pt-PT" sz="1400" dirty="0">
-                        <a:latin typeface="Calibri" panose="020F0502020204030204" pitchFamily="34" charset="0"/>
-                        <a:ea typeface="Calibri" panose="020F0502020204030204" pitchFamily="34" charset="0"/>
-                        <a:cs typeface="Calibri" panose="020F0502020204030204" pitchFamily="34" charset="0"/>
-                      </a:endParaRPr>
-                    </a:p>
-                  </a:txBody>
-                  <a:tcPr anchor="ctr"/>
-                </a:tc>
-                <a:tc>
-                  <a:txBody>
-                    <a:bodyPr/>
-                    <a:lstStyle/>
-                    <a:p>
-                      <a:pPr algn="ctr"/>
-                      <a:endParaRPr lang="pt-PT" sz="1400" dirty="0">
-                        <a:latin typeface="Calibri" panose="020F0502020204030204" pitchFamily="34" charset="0"/>
-                        <a:ea typeface="Calibri" panose="020F0502020204030204" pitchFamily="34" charset="0"/>
-                        <a:cs typeface="Calibri" panose="020F0502020204030204" pitchFamily="34" charset="0"/>
-                      </a:endParaRPr>
-                    </a:p>
-                  </a:txBody>
-                  <a:tcPr anchor="ctr"/>
-                </a:tc>
-                <a:tc>
-                  <a:txBody>
-                    <a:bodyPr/>
-                    <a:lstStyle/>
-                    <a:p>
-                      <a:pPr algn="ctr"/>
-                      <a:endParaRPr lang="pt-PT" sz="1400" dirty="0">
-                        <a:latin typeface="Calibri" panose="020F0502020204030204" pitchFamily="34" charset="0"/>
-                        <a:ea typeface="Calibri" panose="020F0502020204030204" pitchFamily="34" charset="0"/>
-                        <a:cs typeface="Calibri" panose="020F0502020204030204" pitchFamily="34" charset="0"/>
-                      </a:endParaRPr>
-                    </a:p>
-                  </a:txBody>
-                  <a:tcPr anchor="ctr"/>
-                </a:tc>
-                <a:tc>
-                  <a:txBody>
-                    <a:bodyPr/>
-                    <a:lstStyle/>
-                    <a:p>
-                      <a:pPr algn="ctr"/>
-                      <a:endParaRPr lang="pt-PT" sz="1400" dirty="0">
-                        <a:latin typeface="Calibri" panose="020F0502020204030204" pitchFamily="34" charset="0"/>
-                        <a:ea typeface="Calibri" panose="020F0502020204030204" pitchFamily="34" charset="0"/>
-                        <a:cs typeface="Calibri" panose="020F0502020204030204" pitchFamily="34" charset="0"/>
-                      </a:endParaRPr>
+                      <a:pPr marL="0" marR="0" lvl="0" indent="0" algn="ctr" defTabSz="914400" rtl="0" eaLnBrk="1" fontAlgn="auto" latinLnBrk="0" hangingPunct="1">
+                        <a:lnSpc>
+                          <a:spcPct val="100000"/>
+                        </a:lnSpc>
+                        <a:spcBef>
+                          <a:spcPts val="0"/>
+                        </a:spcBef>
+                        <a:spcAft>
+                          <a:spcPts val="0"/>
+                        </a:spcAft>
+                        <a:buClrTx/>
+                        <a:buSzTx/>
+                        <a:buFontTx/>
+                        <a:buNone/>
+                        <a:tabLst/>
+                        <a:defRPr/>
+                      </a:pPr>
+                      <a:r>
+                        <a:rPr lang="pt-PT" sz="1400" dirty="0">
+                          <a:latin typeface="Calibri" panose="020F0502020204030204" pitchFamily="34" charset="0"/>
+                          <a:ea typeface="Calibri" panose="020F0502020204030204" pitchFamily="34" charset="0"/>
+                          <a:cs typeface="Calibri" panose="020F0502020204030204" pitchFamily="34" charset="0"/>
+                        </a:rPr>
+                        <a:t>0.316890</a:t>
+                      </a:r>
                     </a:p>
                   </a:txBody>
                   <a:tcPr anchor="ctr"/>
@@ -9633,7 +10865,7 @@
         </p:nvSpPr>
         <p:spPr>
           <a:xfrm>
-            <a:off x="0" y="1289985"/>
+            <a:off x="151321" y="2141284"/>
             <a:ext cx="1297482" cy="646331"/>
           </a:xfrm>
           <a:prstGeom prst="rect">
@@ -9688,7 +10920,7 @@
         </p:nvSpPr>
         <p:spPr>
           <a:xfrm>
-            <a:off x="1079" y="4070385"/>
+            <a:off x="152400" y="4921684"/>
             <a:ext cx="1297482" cy="646331"/>
           </a:xfrm>
           <a:prstGeom prst="rect">
@@ -9763,7 +10995,7 @@
         </p:nvSpPr>
         <p:spPr>
           <a:xfrm>
-            <a:off x="1451579" y="1039907"/>
+            <a:off x="995172" y="900652"/>
             <a:ext cx="9603275" cy="813848"/>
           </a:xfrm>
         </p:spPr>

--- a/CLE1_T3G5/present.pptx
+++ b/CLE1_T3G5/present.pptx
@@ -3575,89 +3575,6 @@
       </p:grpSpPr>
       <p:sp>
         <p:nvSpPr>
-          <p:cNvPr id="2" name="Título 1">
-            <a:extLst>
-              <a:ext uri="{FF2B5EF4-FFF2-40B4-BE49-F238E27FC236}">
-                <a16:creationId xmlns:a16="http://schemas.microsoft.com/office/drawing/2014/main" id="{C7D52C90-E3ED-4F3F-A8E5-D53ABE83C150}"/>
-              </a:ext>
-            </a:extLst>
-          </p:cNvPr>
-          <p:cNvSpPr>
-            <a:spLocks noGrp="1"/>
-          </p:cNvSpPr>
-          <p:nvPr>
-            <p:ph type="title"/>
-          </p:nvPr>
-        </p:nvSpPr>
-        <p:spPr>
-          <a:xfrm>
-            <a:off x="960944" y="700831"/>
-            <a:ext cx="9603275" cy="813848"/>
-          </a:xfrm>
-        </p:spPr>
-        <p:txBody>
-          <a:bodyPr>
-            <a:normAutofit fontScale="90000"/>
-          </a:bodyPr>
-          <a:lstStyle/>
-          <a:p>
-            <a:r>
-              <a:rPr lang="pt-PT" sz="3600" b="1" dirty="0" err="1">
-                <a:latin typeface="Calibri" panose="020F0502020204030204" pitchFamily="34" charset="0"/>
-                <a:ea typeface="Calibri" panose="020F0502020204030204" pitchFamily="34" charset="0"/>
-                <a:cs typeface="Calibri" panose="020F0502020204030204" pitchFamily="34" charset="0"/>
-              </a:rPr>
-              <a:t>Problem</a:t>
-            </a:r>
-            <a:r>
-              <a:rPr lang="pt-PT" sz="3600" b="1" dirty="0">
-                <a:latin typeface="Calibri" panose="020F0502020204030204" pitchFamily="34" charset="0"/>
-                <a:ea typeface="Calibri" panose="020F0502020204030204" pitchFamily="34" charset="0"/>
-                <a:cs typeface="Calibri" panose="020F0502020204030204" pitchFamily="34" charset="0"/>
-              </a:rPr>
-              <a:t> 1</a:t>
-            </a:r>
-            <a:br>
-              <a:rPr lang="pt-PT" dirty="0">
-                <a:latin typeface="Calibri" panose="020F0502020204030204" pitchFamily="34" charset="0"/>
-                <a:ea typeface="Calibri" panose="020F0502020204030204" pitchFamily="34" charset="0"/>
-                <a:cs typeface="Calibri" panose="020F0502020204030204" pitchFamily="34" charset="0"/>
-              </a:rPr>
-            </a:br>
-            <a:r>
-              <a:rPr lang="pt-PT" sz="2200" dirty="0" err="1">
-                <a:latin typeface="Calibri" panose="020F0502020204030204" pitchFamily="34" charset="0"/>
-                <a:ea typeface="Calibri" panose="020F0502020204030204" pitchFamily="34" charset="0"/>
-                <a:cs typeface="Calibri" panose="020F0502020204030204" pitchFamily="34" charset="0"/>
-              </a:rPr>
-              <a:t>Entities</a:t>
-            </a:r>
-            <a:r>
-              <a:rPr lang="pt-PT" sz="2200" dirty="0">
-                <a:latin typeface="Calibri" panose="020F0502020204030204" pitchFamily="34" charset="0"/>
-                <a:ea typeface="Calibri" panose="020F0502020204030204" pitchFamily="34" charset="0"/>
-                <a:cs typeface="Calibri" panose="020F0502020204030204" pitchFamily="34" charset="0"/>
-              </a:rPr>
-              <a:t> </a:t>
-            </a:r>
-            <a:r>
-              <a:rPr lang="pt-PT" sz="2200" dirty="0" err="1">
-                <a:latin typeface="Calibri" panose="020F0502020204030204" pitchFamily="34" charset="0"/>
-                <a:ea typeface="Calibri" panose="020F0502020204030204" pitchFamily="34" charset="0"/>
-                <a:cs typeface="Calibri" panose="020F0502020204030204" pitchFamily="34" charset="0"/>
-              </a:rPr>
-              <a:t>diagram</a:t>
-            </a:r>
-            <a:endParaRPr lang="pt-PT" dirty="0">
-              <a:latin typeface="Calibri" panose="020F0502020204030204" pitchFamily="34" charset="0"/>
-              <a:ea typeface="Calibri" panose="020F0502020204030204" pitchFamily="34" charset="0"/>
-              <a:cs typeface="Calibri" panose="020F0502020204030204" pitchFamily="34" charset="0"/>
-            </a:endParaRPr>
-          </a:p>
-        </p:txBody>
-      </p:sp>
-      <p:sp>
-        <p:nvSpPr>
           <p:cNvPr id="5" name="Retângulo 4">
             <a:extLst>
               <a:ext uri="{FF2B5EF4-FFF2-40B4-BE49-F238E27FC236}">
@@ -3670,8 +3587,8 @@
         </p:nvSpPr>
         <p:spPr>
           <a:xfrm>
-            <a:off x="8446124" y="2015732"/>
-            <a:ext cx="2608730" cy="2188716"/>
+            <a:off x="8446124" y="1944288"/>
+            <a:ext cx="2608730" cy="2200138"/>
           </a:xfrm>
           <a:prstGeom prst="rect">
             <a:avLst/>
@@ -3838,10 +3755,6 @@
               <a:t>currentFile</a:t>
             </a:r>
             <a:endParaRPr lang="pt-PT" sz="1400" dirty="0"/>
-          </a:p>
-          <a:p>
-            <a:pPr algn="ctr"/>
-            <a:endParaRPr lang="pt-PT" dirty="0"/>
           </a:p>
         </p:txBody>
       </p:sp>
@@ -4671,6 +4584,108 @@
           </a:p>
         </p:txBody>
       </p:sp>
+      <p:sp>
+        <p:nvSpPr>
+          <p:cNvPr id="7" name="Título 1">
+            <a:extLst>
+              <a:ext uri="{FF2B5EF4-FFF2-40B4-BE49-F238E27FC236}">
+                <a16:creationId xmlns:a16="http://schemas.microsoft.com/office/drawing/2014/main" id="{E68EA26D-16BC-CE47-5BBB-BDC89CDD72CE}"/>
+              </a:ext>
+            </a:extLst>
+          </p:cNvPr>
+          <p:cNvSpPr txBox="1">
+            <a:spLocks/>
+          </p:cNvSpPr>
+          <p:nvPr/>
+        </p:nvSpPr>
+        <p:spPr>
+          <a:xfrm>
+            <a:off x="960944" y="700831"/>
+            <a:ext cx="9603275" cy="813848"/>
+          </a:xfrm>
+          <a:prstGeom prst="rect">
+            <a:avLst/>
+          </a:prstGeom>
+        </p:spPr>
+        <p:txBody>
+          <a:bodyPr vert="horz" lIns="91440" tIns="45720" rIns="91440" bIns="45720" rtlCol="0" anchor="b">
+            <a:normAutofit fontScale="97500" lnSpcReduction="10000"/>
+          </a:bodyPr>
+          <a:lstStyle>
+            <a:lvl1pPr algn="l" defTabSz="914400" rtl="0" eaLnBrk="1" latinLnBrk="0" hangingPunct="1">
+              <a:lnSpc>
+                <a:spcPct val="90000"/>
+              </a:lnSpc>
+              <a:spcBef>
+                <a:spcPct val="0"/>
+              </a:spcBef>
+              <a:buNone/>
+              <a:defRPr sz="4400" kern="1200" spc="-50" baseline="0">
+                <a:solidFill>
+                  <a:schemeClr val="tx1"/>
+                </a:solidFill>
+                <a:latin typeface="+mj-lt"/>
+                <a:ea typeface="+mj-ea"/>
+                <a:cs typeface="+mj-cs"/>
+              </a:defRPr>
+            </a:lvl1pPr>
+          </a:lstStyle>
+          <a:p>
+            <a:r>
+              <a:rPr lang="pt-PT" sz="3600" b="1" dirty="0" err="1">
+                <a:latin typeface="Calibri" panose="020F0502020204030204" pitchFamily="34" charset="0"/>
+                <a:ea typeface="Calibri" panose="020F0502020204030204" pitchFamily="34" charset="0"/>
+                <a:cs typeface="Calibri" panose="020F0502020204030204" pitchFamily="34" charset="0"/>
+              </a:rPr>
+              <a:t>Problem</a:t>
+            </a:r>
+            <a:r>
+              <a:rPr lang="pt-PT" sz="3600" b="1" dirty="0">
+                <a:latin typeface="Calibri" panose="020F0502020204030204" pitchFamily="34" charset="0"/>
+                <a:ea typeface="Calibri" panose="020F0502020204030204" pitchFamily="34" charset="0"/>
+                <a:cs typeface="Calibri" panose="020F0502020204030204" pitchFamily="34" charset="0"/>
+              </a:rPr>
+              <a:t> 1</a:t>
+            </a:r>
+            <a:br>
+              <a:rPr lang="pt-PT" dirty="0">
+                <a:latin typeface="Calibri" panose="020F0502020204030204" pitchFamily="34" charset="0"/>
+                <a:ea typeface="Calibri" panose="020F0502020204030204" pitchFamily="34" charset="0"/>
+                <a:cs typeface="Calibri" panose="020F0502020204030204" pitchFamily="34" charset="0"/>
+              </a:rPr>
+            </a:br>
+            <a:r>
+              <a:rPr lang="pt-PT" sz="2200" dirty="0" err="1">
+                <a:latin typeface="Calibri" panose="020F0502020204030204" pitchFamily="34" charset="0"/>
+                <a:ea typeface="Calibri" panose="020F0502020204030204" pitchFamily="34" charset="0"/>
+                <a:cs typeface="Calibri" panose="020F0502020204030204" pitchFamily="34" charset="0"/>
+              </a:rPr>
+              <a:t>Entities</a:t>
+            </a:r>
+            <a:r>
+              <a:rPr lang="pt-PT" sz="2200" dirty="0">
+                <a:latin typeface="Calibri" panose="020F0502020204030204" pitchFamily="34" charset="0"/>
+                <a:ea typeface="Calibri" panose="020F0502020204030204" pitchFamily="34" charset="0"/>
+                <a:cs typeface="Calibri" panose="020F0502020204030204" pitchFamily="34" charset="0"/>
+              </a:rPr>
+              <a:t> </a:t>
+            </a:r>
+            <a:r>
+              <a:rPr lang="pt-PT" sz="2200" dirty="0" err="1">
+                <a:latin typeface="Calibri" panose="020F0502020204030204" pitchFamily="34" charset="0"/>
+                <a:ea typeface="Calibri" panose="020F0502020204030204" pitchFamily="34" charset="0"/>
+                <a:cs typeface="Calibri" panose="020F0502020204030204" pitchFamily="34" charset="0"/>
+              </a:rPr>
+              <a:t>diagram</a:t>
+            </a:r>
+            <a:endParaRPr lang="pt-PT" dirty="0">
+              <a:latin typeface="Calibri" panose="020F0502020204030204" pitchFamily="34" charset="0"/>
+              <a:ea typeface="Calibri" panose="020F0502020204030204" pitchFamily="34" charset="0"/>
+              <a:cs typeface="Calibri" panose="020F0502020204030204" pitchFamily="34" charset="0"/>
+            </a:endParaRPr>
+          </a:p>
+        </p:txBody>
+      </p:sp>
     </p:spTree>
     <p:extLst>
       <p:ext uri="{BB962C8B-B14F-4D97-AF65-F5344CB8AC3E}">
@@ -4717,13 +4732,13 @@
             <p:ph idx="1"/>
             <p:extLst>
               <p:ext uri="{D42A27DB-BD31-4B8C-83A1-F6EECF244321}">
-                <p14:modId xmlns:p14="http://schemas.microsoft.com/office/powerpoint/2010/main" val="2297716517"/>
+                <p14:modId xmlns:p14="http://schemas.microsoft.com/office/powerpoint/2010/main" val="2411329006"/>
               </p:ext>
             </p:extLst>
           </p:nvPr>
         </p:nvGraphicFramePr>
         <p:xfrm>
-          <a:off x="1450977" y="1631577"/>
+          <a:off x="1450977" y="1829708"/>
           <a:ext cx="8594720" cy="1259840"/>
         </p:xfrm>
         <a:graphic>
@@ -5525,13 +5540,13 @@
           <p:nvPr>
             <p:extLst>
               <p:ext uri="{D42A27DB-BD31-4B8C-83A1-F6EECF244321}">
-                <p14:modId xmlns:p14="http://schemas.microsoft.com/office/powerpoint/2010/main" val="2583431680"/>
+                <p14:modId xmlns:p14="http://schemas.microsoft.com/office/powerpoint/2010/main" val="3910874424"/>
               </p:ext>
             </p:extLst>
           </p:nvPr>
         </p:nvGraphicFramePr>
         <p:xfrm>
-          <a:off x="1450977" y="3968377"/>
+          <a:off x="1450977" y="4396216"/>
           <a:ext cx="8594720" cy="1259840"/>
         </p:xfrm>
         <a:graphic>
@@ -6265,8 +6280,8 @@
         </p:nvSpPr>
         <p:spPr>
           <a:xfrm>
-            <a:off x="153495" y="1857539"/>
-            <a:ext cx="1297482" cy="646331"/>
+            <a:off x="153495" y="1982574"/>
+            <a:ext cx="1297482" cy="954107"/>
           </a:xfrm>
           <a:prstGeom prst="rect">
             <a:avLst/>
@@ -6280,28 +6295,35 @@
           <a:lstStyle/>
           <a:p>
             <a:r>
-              <a:rPr lang="pt-PT" sz="1200" dirty="0"/>
-              <a:t>PC1:</a:t>
-            </a:r>
-          </a:p>
-          <a:p>
-            <a:r>
-              <a:rPr lang="pt-PT" sz="1200" dirty="0"/>
-              <a:t>→ </a:t>
-            </a:r>
-            <a:r>
-              <a:rPr lang="pt-PT" sz="1200" dirty="0" err="1"/>
+              <a:rPr lang="pt-PT" sz="1400" b="1" dirty="0"/>
+              <a:t>PC1 </a:t>
+            </a:r>
+            <a:r>
+              <a:rPr lang="pt-PT" sz="1400" b="1" dirty="0" err="1"/>
+              <a:t>Specs</a:t>
+            </a:r>
+            <a:r>
+              <a:rPr lang="pt-PT" sz="1400" b="1" dirty="0"/>
+              <a:t>:</a:t>
+            </a:r>
+          </a:p>
+          <a:p>
+            <a:endParaRPr lang="pt-PT" sz="1400" dirty="0"/>
+          </a:p>
+          <a:p>
+            <a:r>
+              <a:rPr lang="pt-PT" sz="1400" dirty="0" err="1"/>
               <a:t>Lubuntu</a:t>
             </a:r>
             <a:r>
-              <a:rPr lang="pt-PT" sz="1200" dirty="0"/>
+              <a:rPr lang="pt-PT" sz="1400" dirty="0"/>
               <a:t> VM  </a:t>
             </a:r>
           </a:p>
           <a:p>
             <a:r>
-              <a:rPr lang="pt-PT" sz="1200" dirty="0"/>
-              <a:t>→ 8 cores</a:t>
+              <a:rPr lang="pt-PT" sz="1400" dirty="0"/>
+              <a:t>8 cores</a:t>
             </a:r>
           </a:p>
         </p:txBody>
@@ -6320,8 +6342,8 @@
         </p:nvSpPr>
         <p:spPr>
           <a:xfrm>
-            <a:off x="153495" y="4194339"/>
-            <a:ext cx="1297482" cy="646331"/>
+            <a:off x="153495" y="4549082"/>
+            <a:ext cx="1297482" cy="954107"/>
           </a:xfrm>
           <a:prstGeom prst="rect">
             <a:avLst/>
@@ -6335,14 +6357,25 @@
           <a:lstStyle/>
           <a:p>
             <a:r>
-              <a:rPr lang="pt-PT" sz="1200" dirty="0"/>
-              <a:t>PC2:</a:t>
-            </a:r>
-          </a:p>
-          <a:p>
-            <a:r>
-              <a:rPr lang="pt-PT" sz="1200" dirty="0"/>
-              <a:t>→ Ubuntu VM  → 4 cores</a:t>
+              <a:rPr lang="pt-PT" sz="1400" b="1" dirty="0"/>
+              <a:t>PC2 </a:t>
+            </a:r>
+            <a:r>
+              <a:rPr lang="pt-PT" sz="1400" b="1" dirty="0" err="1"/>
+              <a:t>Specs</a:t>
+            </a:r>
+            <a:r>
+              <a:rPr lang="pt-PT" sz="1400" b="1" dirty="0"/>
+              <a:t>:</a:t>
+            </a:r>
+          </a:p>
+          <a:p>
+            <a:endParaRPr lang="pt-PT" sz="1400" dirty="0"/>
+          </a:p>
+          <a:p>
+            <a:r>
+              <a:rPr lang="pt-PT" sz="1400" dirty="0"/>
+              <a:t>Ubuntu VM  4 cores</a:t>
             </a:r>
           </a:p>
         </p:txBody>
@@ -7005,12 +7038,12 @@
           <a:p>
             <a:pPr algn="ctr"/>
             <a:r>
-              <a:rPr lang="pt-PT" sz="1400" dirty="0" err="1"/>
+              <a:rPr lang="pt-PT" sz="1200" dirty="0" err="1"/>
               <a:t>Worker</a:t>
             </a:r>
             <a:r>
-              <a:rPr lang="pt-PT" sz="1400" dirty="0"/>
-              <a:t>[n]</a:t>
+              <a:rPr lang="pt-PT" sz="1200" dirty="0"/>
+              <a:t> [n]</a:t>
             </a:r>
           </a:p>
         </p:txBody>
@@ -9360,13 +9393,13 @@
           <p:nvPr>
             <p:extLst>
               <p:ext uri="{D42A27DB-BD31-4B8C-83A1-F6EECF244321}">
-                <p14:modId xmlns:p14="http://schemas.microsoft.com/office/powerpoint/2010/main" val="3399152762"/>
+                <p14:modId xmlns:p14="http://schemas.microsoft.com/office/powerpoint/2010/main" val="1988439113"/>
               </p:ext>
             </p:extLst>
           </p:nvPr>
         </p:nvGraphicFramePr>
         <p:xfrm>
-          <a:off x="1449882" y="4070385"/>
+          <a:off x="1449882" y="3910994"/>
           <a:ext cx="9604370" cy="2286000"/>
         </p:xfrm>
         <a:graphic>
@@ -10853,10 +10886,10 @@
       </p:graphicFrame>
       <p:sp>
         <p:nvSpPr>
-          <p:cNvPr id="3" name="CaixaDeTexto 2">
+          <p:cNvPr id="6" name="CaixaDeTexto 5">
             <a:extLst>
               <a:ext uri="{FF2B5EF4-FFF2-40B4-BE49-F238E27FC236}">
-                <a16:creationId xmlns:a16="http://schemas.microsoft.com/office/drawing/2014/main" id="{386603BD-CE43-4165-872A-5A55E21FDBE8}"/>
+                <a16:creationId xmlns:a16="http://schemas.microsoft.com/office/drawing/2014/main" id="{ED132EFE-157E-C22A-CE6C-E796B8D18056}"/>
               </a:ext>
             </a:extLst>
           </p:cNvPr>
@@ -10865,8 +10898,8 @@
         </p:nvSpPr>
         <p:spPr>
           <a:xfrm>
-            <a:off x="151321" y="2141284"/>
-            <a:ext cx="1297482" cy="646331"/>
+            <a:off x="152400" y="1955931"/>
+            <a:ext cx="1297482" cy="954107"/>
           </a:xfrm>
           <a:prstGeom prst="rect">
             <a:avLst/>
@@ -10880,38 +10913,45 @@
           <a:lstStyle/>
           <a:p>
             <a:r>
-              <a:rPr lang="pt-PT" sz="1200" dirty="0"/>
-              <a:t>PC1:</a:t>
-            </a:r>
-          </a:p>
-          <a:p>
-            <a:r>
-              <a:rPr lang="pt-PT" sz="1200" dirty="0"/>
-              <a:t>→ </a:t>
-            </a:r>
-            <a:r>
-              <a:rPr lang="pt-PT" sz="1200" dirty="0" err="1"/>
+              <a:rPr lang="pt-PT" sz="1400" b="1" dirty="0"/>
+              <a:t>PC1 </a:t>
+            </a:r>
+            <a:r>
+              <a:rPr lang="pt-PT" sz="1400" b="1" dirty="0" err="1"/>
+              <a:t>Specs</a:t>
+            </a:r>
+            <a:r>
+              <a:rPr lang="pt-PT" sz="1400" b="1" dirty="0"/>
+              <a:t>:</a:t>
+            </a:r>
+          </a:p>
+          <a:p>
+            <a:endParaRPr lang="pt-PT" sz="1400" dirty="0"/>
+          </a:p>
+          <a:p>
+            <a:r>
+              <a:rPr lang="pt-PT" sz="1400" dirty="0" err="1"/>
               <a:t>Lubuntu</a:t>
             </a:r>
             <a:r>
-              <a:rPr lang="pt-PT" sz="1200" dirty="0"/>
+              <a:rPr lang="pt-PT" sz="1400" dirty="0"/>
               <a:t> VM  </a:t>
             </a:r>
           </a:p>
           <a:p>
             <a:r>
-              <a:rPr lang="pt-PT" sz="1200" dirty="0"/>
-              <a:t>→ 8 cores</a:t>
+              <a:rPr lang="pt-PT" sz="1400" dirty="0"/>
+              <a:t>8 cores</a:t>
             </a:r>
           </a:p>
         </p:txBody>
       </p:sp>
       <p:sp>
         <p:nvSpPr>
-          <p:cNvPr id="7" name="CaixaDeTexto 6">
+          <p:cNvPr id="8" name="CaixaDeTexto 7">
             <a:extLst>
               <a:ext uri="{FF2B5EF4-FFF2-40B4-BE49-F238E27FC236}">
-                <a16:creationId xmlns:a16="http://schemas.microsoft.com/office/drawing/2014/main" id="{1FF5743C-BFCE-4F9A-8CB8-4B9AA030E393}"/>
+                <a16:creationId xmlns:a16="http://schemas.microsoft.com/office/drawing/2014/main" id="{27E2631D-4254-45EB-13D4-D4A9477AEC19}"/>
               </a:ext>
             </a:extLst>
           </p:cNvPr>
@@ -10920,8 +10960,8 @@
         </p:nvSpPr>
         <p:spPr>
           <a:xfrm>
-            <a:off x="152400" y="4921684"/>
-            <a:ext cx="1297482" cy="646331"/>
+            <a:off x="152400" y="4576940"/>
+            <a:ext cx="1297482" cy="954107"/>
           </a:xfrm>
           <a:prstGeom prst="rect">
             <a:avLst/>
@@ -10935,14 +10975,25 @@
           <a:lstStyle/>
           <a:p>
             <a:r>
-              <a:rPr lang="pt-PT" sz="1200" dirty="0"/>
-              <a:t>PC2:</a:t>
-            </a:r>
-          </a:p>
-          <a:p>
-            <a:r>
-              <a:rPr lang="pt-PT" sz="1200" dirty="0"/>
-              <a:t>→ Ubuntu VM  → 4 cores</a:t>
+              <a:rPr lang="pt-PT" sz="1400" b="1" dirty="0"/>
+              <a:t>PC2 </a:t>
+            </a:r>
+            <a:r>
+              <a:rPr lang="pt-PT" sz="1400" b="1" dirty="0" err="1"/>
+              <a:t>Specs</a:t>
+            </a:r>
+            <a:r>
+              <a:rPr lang="pt-PT" sz="1400" b="1" dirty="0"/>
+              <a:t>:</a:t>
+            </a:r>
+          </a:p>
+          <a:p>
+            <a:endParaRPr lang="pt-PT" sz="1400" dirty="0"/>
+          </a:p>
+          <a:p>
+            <a:r>
+              <a:rPr lang="pt-PT" sz="1400" dirty="0"/>
+              <a:t>Ubuntu VM  4 cores</a:t>
             </a:r>
           </a:p>
         </p:txBody>

--- a/CLE1_T3G5/present.pptx
+++ b/CLE1_T3G5/present.pptx
@@ -4732,7 +4732,7 @@
             <p:ph idx="1"/>
             <p:extLst>
               <p:ext uri="{D42A27DB-BD31-4B8C-83A1-F6EECF244321}">
-                <p14:modId xmlns:p14="http://schemas.microsoft.com/office/powerpoint/2010/main" val="2411329006"/>
+                <p14:modId xmlns:p14="http://schemas.microsoft.com/office/powerpoint/2010/main" val="2560381859"/>
               </p:ext>
             </p:extLst>
           </p:nvPr>
@@ -4957,7 +4957,7 @@
                           <a:ea typeface="Calibri" panose="020F0502020204030204" pitchFamily="34" charset="0"/>
                           <a:cs typeface="Calibri" panose="020F0502020204030204" pitchFamily="34" charset="0"/>
                         </a:rPr>
-                        <a:t>Median</a:t>
+                        <a:t>Mean</a:t>
                       </a:r>
                       <a:r>
                         <a:rPr lang="pt-PT" sz="1400" b="0" dirty="0">
@@ -5029,7 +5029,7 @@
                           <a:ea typeface="Calibri" panose="020F0502020204030204" pitchFamily="34" charset="0"/>
                           <a:cs typeface="Calibri" panose="020F0502020204030204" pitchFamily="34" charset="0"/>
                         </a:rPr>
-                        <a:t>Median</a:t>
+                        <a:t>Mean</a:t>
                       </a:r>
                       <a:r>
                         <a:rPr lang="pt-PT" sz="1400" b="0" dirty="0">
@@ -5101,7 +5101,7 @@
                           <a:ea typeface="Calibri" panose="020F0502020204030204" pitchFamily="34" charset="0"/>
                           <a:cs typeface="Calibri" panose="020F0502020204030204" pitchFamily="34" charset="0"/>
                         </a:rPr>
-                        <a:t>Median</a:t>
+                        <a:t>Mean</a:t>
                       </a:r>
                       <a:r>
                         <a:rPr lang="pt-PT" sz="1400" b="0" dirty="0">
@@ -5173,7 +5173,7 @@
                           <a:ea typeface="Calibri" panose="020F0502020204030204" pitchFamily="34" charset="0"/>
                           <a:cs typeface="Calibri" panose="020F0502020204030204" pitchFamily="34" charset="0"/>
                         </a:rPr>
-                        <a:t>Median</a:t>
+                        <a:t>Mean</a:t>
                       </a:r>
                       <a:r>
                         <a:rPr lang="pt-PT" sz="1400" b="0" dirty="0">
@@ -5540,7 +5540,7 @@
           <p:nvPr>
             <p:extLst>
               <p:ext uri="{D42A27DB-BD31-4B8C-83A1-F6EECF244321}">
-                <p14:modId xmlns:p14="http://schemas.microsoft.com/office/powerpoint/2010/main" val="3910874424"/>
+                <p14:modId xmlns:p14="http://schemas.microsoft.com/office/powerpoint/2010/main" val="2777688387"/>
               </p:ext>
             </p:extLst>
           </p:nvPr>
@@ -5765,7 +5765,7 @@
                           <a:ea typeface="Calibri" panose="020F0502020204030204" pitchFamily="34" charset="0"/>
                           <a:cs typeface="Calibri" panose="020F0502020204030204" pitchFamily="34" charset="0"/>
                         </a:rPr>
-                        <a:t>Median</a:t>
+                        <a:t>Mean</a:t>
                       </a:r>
                       <a:r>
                         <a:rPr lang="pt-PT" sz="1400" b="0" dirty="0">
@@ -5837,7 +5837,7 @@
                           <a:ea typeface="Calibri" panose="020F0502020204030204" pitchFamily="34" charset="0"/>
                           <a:cs typeface="Calibri" panose="020F0502020204030204" pitchFamily="34" charset="0"/>
                         </a:rPr>
-                        <a:t>Median</a:t>
+                        <a:t>Mean</a:t>
                       </a:r>
                       <a:r>
                         <a:rPr lang="pt-PT" sz="1400" b="0" dirty="0">
@@ -5909,7 +5909,7 @@
                           <a:ea typeface="Calibri" panose="020F0502020204030204" pitchFamily="34" charset="0"/>
                           <a:cs typeface="Calibri" panose="020F0502020204030204" pitchFamily="34" charset="0"/>
                         </a:rPr>
-                        <a:t>Median</a:t>
+                        <a:t>Mean</a:t>
                       </a:r>
                       <a:r>
                         <a:rPr lang="pt-PT" sz="1400" b="0" dirty="0">
@@ -5981,7 +5981,7 @@
                           <a:ea typeface="Calibri" panose="020F0502020204030204" pitchFamily="34" charset="0"/>
                           <a:cs typeface="Calibri" panose="020F0502020204030204" pitchFamily="34" charset="0"/>
                         </a:rPr>
-                        <a:t>Median</a:t>
+                        <a:t>Mean</a:t>
                       </a:r>
                       <a:r>
                         <a:rPr lang="pt-PT" sz="1400" b="0" dirty="0">
@@ -6377,6 +6377,124 @@
               <a:rPr lang="pt-PT" sz="1400" dirty="0"/>
               <a:t>Ubuntu VM  4 cores</a:t>
             </a:r>
+          </a:p>
+        </p:txBody>
+      </p:sp>
+      <p:sp>
+        <p:nvSpPr>
+          <p:cNvPr id="6" name="CaixaDeTexto 5">
+            <a:extLst>
+              <a:ext uri="{FF2B5EF4-FFF2-40B4-BE49-F238E27FC236}">
+                <a16:creationId xmlns:a16="http://schemas.microsoft.com/office/drawing/2014/main" id="{98613272-A0E5-7E57-E42C-97D665BC4A57}"/>
+              </a:ext>
+            </a:extLst>
+          </p:cNvPr>
+          <p:cNvSpPr txBox="1"/>
+          <p:nvPr/>
+        </p:nvSpPr>
+        <p:spPr>
+          <a:xfrm>
+            <a:off x="1357638" y="6097218"/>
+            <a:ext cx="9789952" cy="584775"/>
+          </a:xfrm>
+          <a:prstGeom prst="rect">
+            <a:avLst/>
+          </a:prstGeom>
+          <a:noFill/>
+        </p:spPr>
+        <p:txBody>
+          <a:bodyPr wrap="square" rtlCol="0">
+            <a:spAutoFit/>
+          </a:bodyPr>
+          <a:lstStyle/>
+          <a:p>
+            <a:r>
+              <a:rPr lang="pt-PT" sz="1400" i="1" dirty="0"/>
+              <a:t>(</a:t>
+            </a:r>
+            <a:r>
+              <a:rPr lang="pt-PT" sz="1400" i="1" dirty="0" err="1"/>
+              <a:t>both</a:t>
+            </a:r>
+            <a:r>
+              <a:rPr lang="pt-PT" sz="1400" i="1" dirty="0"/>
+              <a:t> </a:t>
+            </a:r>
+            <a:r>
+              <a:rPr lang="pt-PT" sz="1400" i="1" dirty="0" err="1"/>
+              <a:t>mean</a:t>
+            </a:r>
+            <a:r>
+              <a:rPr lang="pt-PT" sz="1400" i="1" dirty="0"/>
+              <a:t> and standard </a:t>
+            </a:r>
+            <a:r>
+              <a:rPr lang="pt-PT" sz="1400" i="1" dirty="0" err="1"/>
+              <a:t>deviation</a:t>
+            </a:r>
+            <a:r>
+              <a:rPr lang="pt-PT" sz="1400" i="1" dirty="0"/>
+              <a:t> </a:t>
+            </a:r>
+            <a:r>
+              <a:rPr lang="pt-PT" sz="1400" i="1" dirty="0" err="1"/>
+              <a:t>results</a:t>
+            </a:r>
+            <a:r>
+              <a:rPr lang="pt-PT" sz="1400" i="1" dirty="0"/>
+              <a:t> </a:t>
+            </a:r>
+            <a:r>
+              <a:rPr lang="pt-PT" sz="1400" i="1" dirty="0" err="1"/>
+              <a:t>were</a:t>
+            </a:r>
+            <a:r>
+              <a:rPr lang="pt-PT" sz="1400" i="1" dirty="0"/>
+              <a:t> </a:t>
+            </a:r>
+            <a:r>
+              <a:rPr lang="pt-PT" sz="1400" i="1" dirty="0" err="1"/>
+              <a:t>calculated</a:t>
+            </a:r>
+            <a:r>
+              <a:rPr lang="pt-PT" sz="1400" i="1" dirty="0"/>
+              <a:t> </a:t>
+            </a:r>
+            <a:r>
+              <a:rPr lang="pt-PT" sz="1400" i="1" dirty="0" err="1"/>
+              <a:t>by</a:t>
+            </a:r>
+            <a:r>
+              <a:rPr lang="pt-PT" sz="1400" i="1" dirty="0"/>
+              <a:t> </a:t>
+            </a:r>
+            <a:r>
+              <a:rPr lang="pt-PT" sz="1400" i="1" dirty="0" err="1"/>
+              <a:t>running</a:t>
+            </a:r>
+            <a:r>
+              <a:rPr lang="pt-PT" sz="1400" i="1" dirty="0"/>
+              <a:t> the </a:t>
+            </a:r>
+            <a:r>
+              <a:rPr lang="pt-PT" sz="1400" i="1" dirty="0" err="1"/>
+              <a:t>program</a:t>
+            </a:r>
+            <a:r>
+              <a:rPr lang="pt-PT" sz="1400" i="1" dirty="0"/>
+              <a:t> 5</a:t>
+            </a:r>
+            <a:r>
+              <a:rPr lang="pt-PT" sz="1400" b="1" i="1" dirty="0"/>
+              <a:t> </a:t>
+            </a:r>
+            <a:r>
+              <a:rPr lang="pt-PT" sz="1400" i="1" dirty="0"/>
+              <a:t>times)</a:t>
+            </a:r>
+          </a:p>
+          <a:p>
+            <a:endParaRPr lang="pt-PT" dirty="0"/>
           </a:p>
         </p:txBody>
       </p:sp>
@@ -6436,6 +6554,322 @@
           <a:bodyPr/>
           <a:lstStyle/>
           <a:p>
+            <a:r>
+              <a:rPr lang="pt-PT" dirty="0" err="1"/>
+              <a:t>By</a:t>
+            </a:r>
+            <a:r>
+              <a:rPr lang="pt-PT" dirty="0"/>
+              <a:t> </a:t>
+            </a:r>
+            <a:r>
+              <a:rPr lang="pt-PT" dirty="0" err="1"/>
+              <a:t>looking</a:t>
+            </a:r>
+            <a:r>
+              <a:rPr lang="pt-PT" dirty="0"/>
+              <a:t> </a:t>
+            </a:r>
+            <a:r>
+              <a:rPr lang="pt-PT" dirty="0" err="1"/>
+              <a:t>at</a:t>
+            </a:r>
+            <a:r>
+              <a:rPr lang="pt-PT" dirty="0"/>
+              <a:t> the </a:t>
+            </a:r>
+            <a:r>
+              <a:rPr lang="pt-PT" dirty="0" err="1"/>
+              <a:t>obtained</a:t>
+            </a:r>
+            <a:r>
+              <a:rPr lang="pt-PT" dirty="0"/>
+              <a:t> </a:t>
+            </a:r>
+            <a:r>
+              <a:rPr lang="pt-PT" dirty="0" err="1"/>
+              <a:t>results</a:t>
+            </a:r>
+            <a:r>
+              <a:rPr lang="pt-PT" dirty="0"/>
+              <a:t> </a:t>
+            </a:r>
+            <a:r>
+              <a:rPr lang="pt-PT" dirty="0" err="1"/>
+              <a:t>it</a:t>
+            </a:r>
+            <a:r>
+              <a:rPr lang="pt-PT" dirty="0"/>
+              <a:t> </a:t>
+            </a:r>
+            <a:r>
+              <a:rPr lang="pt-PT" dirty="0" err="1"/>
+              <a:t>possible</a:t>
+            </a:r>
+            <a:r>
+              <a:rPr lang="pt-PT" dirty="0"/>
+              <a:t> to take some </a:t>
+            </a:r>
+            <a:r>
+              <a:rPr lang="pt-PT" dirty="0" err="1"/>
+              <a:t>conclusions</a:t>
+            </a:r>
+            <a:r>
+              <a:rPr lang="pt-PT" dirty="0"/>
+              <a:t>:</a:t>
+            </a:r>
+          </a:p>
+          <a:p>
+            <a:endParaRPr lang="pt-PT" dirty="0"/>
+          </a:p>
+          <a:p>
+            <a:pPr lvl="1"/>
+            <a:r>
+              <a:rPr lang="pt-PT" dirty="0"/>
+              <a:t>In </a:t>
+            </a:r>
+            <a:r>
+              <a:rPr lang="pt-PT" dirty="0" err="1"/>
+              <a:t>both</a:t>
+            </a:r>
+            <a:r>
+              <a:rPr lang="pt-PT" dirty="0"/>
+              <a:t> </a:t>
+            </a:r>
+            <a:r>
+              <a:rPr lang="pt-PT" dirty="0" err="1"/>
+              <a:t>PCs</a:t>
+            </a:r>
+            <a:r>
+              <a:rPr lang="pt-PT" dirty="0"/>
+              <a:t>, </a:t>
+            </a:r>
+            <a:r>
+              <a:rPr lang="pt-PT" dirty="0" err="1"/>
+              <a:t>there</a:t>
+            </a:r>
+            <a:r>
+              <a:rPr lang="pt-PT" dirty="0"/>
+              <a:t> </a:t>
+            </a:r>
+            <a:r>
+              <a:rPr lang="pt-PT" dirty="0" err="1"/>
+              <a:t>is</a:t>
+            </a:r>
+            <a:r>
+              <a:rPr lang="pt-PT" dirty="0"/>
+              <a:t> a </a:t>
+            </a:r>
+            <a:r>
+              <a:rPr lang="pt-PT" dirty="0" err="1"/>
+              <a:t>small</a:t>
+            </a:r>
+            <a:r>
+              <a:rPr lang="pt-PT" dirty="0"/>
+              <a:t> </a:t>
+            </a:r>
+            <a:r>
+              <a:rPr lang="pt-PT" dirty="0" err="1"/>
+              <a:t>gain</a:t>
+            </a:r>
+            <a:r>
+              <a:rPr lang="pt-PT" dirty="0"/>
+              <a:t> </a:t>
+            </a:r>
+            <a:r>
+              <a:rPr lang="pt-PT" dirty="0" err="1"/>
+              <a:t>when</a:t>
+            </a:r>
+            <a:r>
+              <a:rPr lang="pt-PT" dirty="0"/>
+              <a:t> </a:t>
+            </a:r>
+            <a:r>
+              <a:rPr lang="pt-PT" dirty="0" err="1"/>
+              <a:t>using</a:t>
+            </a:r>
+            <a:r>
+              <a:rPr lang="pt-PT" dirty="0"/>
+              <a:t> 2 </a:t>
+            </a:r>
+            <a:r>
+              <a:rPr lang="pt-PT" dirty="0" err="1"/>
+              <a:t>threads</a:t>
+            </a:r>
+            <a:r>
+              <a:rPr lang="pt-PT" dirty="0"/>
+              <a:t> </a:t>
+            </a:r>
+            <a:r>
+              <a:rPr lang="pt-PT" dirty="0" err="1"/>
+              <a:t>comparing</a:t>
+            </a:r>
+            <a:r>
+              <a:rPr lang="pt-PT" dirty="0"/>
+              <a:t> to 1 </a:t>
+            </a:r>
+            <a:r>
+              <a:rPr lang="pt-PT" dirty="0" err="1"/>
+              <a:t>thread</a:t>
+            </a:r>
+            <a:r>
+              <a:rPr lang="pt-PT" dirty="0"/>
+              <a:t> </a:t>
+            </a:r>
+            <a:r>
+              <a:rPr lang="pt-PT" dirty="0" err="1"/>
+              <a:t>only</a:t>
+            </a:r>
+            <a:r>
+              <a:rPr lang="pt-PT" dirty="0"/>
+              <a:t>.</a:t>
+            </a:r>
+          </a:p>
+          <a:p>
+            <a:pPr lvl="1"/>
+            <a:endParaRPr lang="pt-PT" dirty="0"/>
+          </a:p>
+          <a:p>
+            <a:pPr lvl="1"/>
+            <a:r>
+              <a:rPr lang="pt-PT" dirty="0" err="1"/>
+              <a:t>From</a:t>
+            </a:r>
+            <a:r>
+              <a:rPr lang="pt-PT" dirty="0"/>
+              <a:t> </a:t>
+            </a:r>
+            <a:r>
+              <a:rPr lang="pt-PT" dirty="0" err="1"/>
+              <a:t>two</a:t>
+            </a:r>
+            <a:r>
+              <a:rPr lang="pt-PT" dirty="0"/>
+              <a:t> </a:t>
+            </a:r>
+            <a:r>
+              <a:rPr lang="pt-PT" dirty="0" err="1"/>
+              <a:t>threads</a:t>
+            </a:r>
+            <a:r>
+              <a:rPr lang="pt-PT" dirty="0"/>
+              <a:t> </a:t>
+            </a:r>
+            <a:r>
+              <a:rPr lang="pt-PT" dirty="0" err="1"/>
+              <a:t>upwards</a:t>
+            </a:r>
+            <a:r>
+              <a:rPr lang="pt-PT" dirty="0"/>
+              <a:t> and </a:t>
+            </a:r>
+            <a:r>
+              <a:rPr lang="pt-PT" b="1" dirty="0" err="1"/>
+              <a:t>given</a:t>
+            </a:r>
+            <a:r>
+              <a:rPr lang="pt-PT" b="1" dirty="0"/>
+              <a:t> the input </a:t>
+            </a:r>
+            <a:r>
+              <a:rPr lang="pt-PT" b="1" dirty="0" err="1"/>
+              <a:t>input</a:t>
+            </a:r>
+            <a:r>
+              <a:rPr lang="pt-PT" b="1" dirty="0"/>
+              <a:t> files </a:t>
+            </a:r>
+            <a:r>
+              <a:rPr lang="pt-PT" b="1" dirty="0" err="1"/>
+              <a:t>used</a:t>
+            </a:r>
+            <a:r>
+              <a:rPr lang="pt-PT" dirty="0"/>
+              <a:t>, the </a:t>
+            </a:r>
+            <a:r>
+              <a:rPr lang="pt-PT" dirty="0" err="1"/>
+              <a:t>program</a:t>
+            </a:r>
+            <a:r>
+              <a:rPr lang="pt-PT" dirty="0"/>
+              <a:t> </a:t>
+            </a:r>
+            <a:r>
+              <a:rPr lang="pt-PT" dirty="0" err="1"/>
+              <a:t>execution</a:t>
+            </a:r>
+            <a:r>
+              <a:rPr lang="pt-PT" dirty="0"/>
+              <a:t> time does </a:t>
+            </a:r>
+            <a:r>
+              <a:rPr lang="pt-PT" dirty="0" err="1"/>
+              <a:t>not</a:t>
+            </a:r>
+            <a:r>
+              <a:rPr lang="pt-PT" dirty="0"/>
+              <a:t> </a:t>
+            </a:r>
+            <a:r>
+              <a:rPr lang="pt-PT" dirty="0" err="1"/>
+              <a:t>benefit</a:t>
+            </a:r>
+            <a:r>
+              <a:rPr lang="pt-PT" dirty="0"/>
+              <a:t> </a:t>
+            </a:r>
+            <a:r>
+              <a:rPr lang="pt-PT" dirty="0" err="1"/>
+              <a:t>at</a:t>
+            </a:r>
+            <a:r>
+              <a:rPr lang="pt-PT" dirty="0"/>
+              <a:t> </a:t>
+            </a:r>
+            <a:r>
+              <a:rPr lang="pt-PT" dirty="0" err="1"/>
+              <a:t>all</a:t>
+            </a:r>
+            <a:r>
+              <a:rPr lang="pt-PT" dirty="0"/>
+              <a:t> of </a:t>
+            </a:r>
+            <a:r>
+              <a:rPr lang="pt-PT" dirty="0" err="1"/>
+              <a:t>being</a:t>
+            </a:r>
+            <a:r>
+              <a:rPr lang="pt-PT" dirty="0"/>
+              <a:t> </a:t>
+            </a:r>
+            <a:r>
+              <a:rPr lang="pt-PT" dirty="0" err="1"/>
+              <a:t>run</a:t>
+            </a:r>
+            <a:r>
+              <a:rPr lang="pt-PT" dirty="0"/>
+              <a:t> </a:t>
+            </a:r>
+            <a:r>
+              <a:rPr lang="pt-PT" dirty="0" err="1"/>
+              <a:t>using</a:t>
+            </a:r>
+            <a:r>
+              <a:rPr lang="pt-PT" dirty="0"/>
+              <a:t> more </a:t>
+            </a:r>
+            <a:r>
+              <a:rPr lang="pt-PT" dirty="0" err="1"/>
+              <a:t>threads</a:t>
+            </a:r>
+            <a:r>
+              <a:rPr lang="pt-PT" dirty="0"/>
+              <a:t>.</a:t>
+            </a:r>
+          </a:p>
+          <a:p>
+            <a:pPr lvl="1"/>
             <a:endParaRPr lang="pt-PT" dirty="0"/>
           </a:p>
         </p:txBody>
@@ -6477,7 +6911,7 @@
               <a:t>Problem</a:t>
             </a:r>
             <a:r>
-              <a:rPr lang="pt-PT" sz="3600" b="1">
+              <a:rPr lang="pt-PT" sz="3600" b="1" dirty="0">
                 <a:latin typeface="Calibri" panose="020F0502020204030204" pitchFamily="34" charset="0"/>
                 <a:ea typeface="Calibri" panose="020F0502020204030204" pitchFamily="34" charset="0"/>
                 <a:cs typeface="Calibri" panose="020F0502020204030204" pitchFamily="34" charset="0"/>
@@ -7951,7 +8385,7 @@
             <p:ph idx="1"/>
             <p:extLst>
               <p:ext uri="{D42A27DB-BD31-4B8C-83A1-F6EECF244321}">
-                <p14:modId xmlns:p14="http://schemas.microsoft.com/office/powerpoint/2010/main" val="307942996"/>
+                <p14:modId xmlns:p14="http://schemas.microsoft.com/office/powerpoint/2010/main" val="4032663723"/>
               </p:ext>
             </p:extLst>
           </p:nvPr>
@@ -8224,7 +8658,7 @@
                           <a:ea typeface="Calibri" panose="020F0502020204030204" pitchFamily="34" charset="0"/>
                           <a:cs typeface="Calibri" panose="020F0502020204030204" pitchFamily="34" charset="0"/>
                         </a:rPr>
-                        <a:t>Median</a:t>
+                        <a:t>Mean</a:t>
                       </a:r>
                       <a:r>
                         <a:rPr lang="pt-PT" sz="1200" b="0" dirty="0">
@@ -8296,7 +8730,7 @@
                           <a:ea typeface="Calibri" panose="020F0502020204030204" pitchFamily="34" charset="0"/>
                           <a:cs typeface="Calibri" panose="020F0502020204030204" pitchFamily="34" charset="0"/>
                         </a:rPr>
-                        <a:t>Median</a:t>
+                        <a:t>Mean</a:t>
                       </a:r>
                       <a:r>
                         <a:rPr lang="pt-PT" sz="1200" b="0" dirty="0">
@@ -8368,7 +8802,7 @@
                           <a:ea typeface="Calibri" panose="020F0502020204030204" pitchFamily="34" charset="0"/>
                           <a:cs typeface="Calibri" panose="020F0502020204030204" pitchFamily="34" charset="0"/>
                         </a:rPr>
-                        <a:t>Median</a:t>
+                        <a:t>Mean</a:t>
                       </a:r>
                       <a:r>
                         <a:rPr lang="pt-PT" sz="1200" b="0" dirty="0">
@@ -8440,7 +8874,7 @@
                           <a:ea typeface="Calibri" panose="020F0502020204030204" pitchFamily="34" charset="0"/>
                           <a:cs typeface="Calibri" panose="020F0502020204030204" pitchFamily="34" charset="0"/>
                         </a:rPr>
-                        <a:t>Median</a:t>
+                        <a:t>Mean</a:t>
                       </a:r>
                       <a:r>
                         <a:rPr lang="pt-PT" sz="1200" b="0" dirty="0">
@@ -9393,7 +9827,7 @@
           <p:nvPr>
             <p:extLst>
               <p:ext uri="{D42A27DB-BD31-4B8C-83A1-F6EECF244321}">
-                <p14:modId xmlns:p14="http://schemas.microsoft.com/office/powerpoint/2010/main" val="1988439113"/>
+                <p14:modId xmlns:p14="http://schemas.microsoft.com/office/powerpoint/2010/main" val="3380998740"/>
               </p:ext>
             </p:extLst>
           </p:nvPr>
@@ -9666,7 +10100,7 @@
                           <a:ea typeface="Calibri" panose="020F0502020204030204" pitchFamily="34" charset="0"/>
                           <a:cs typeface="Calibri" panose="020F0502020204030204" pitchFamily="34" charset="0"/>
                         </a:rPr>
-                        <a:t>Median</a:t>
+                        <a:t>Mean</a:t>
                       </a:r>
                       <a:r>
                         <a:rPr lang="pt-PT" sz="1200" b="0" dirty="0">
@@ -9738,7 +10172,7 @@
                           <a:ea typeface="Calibri" panose="020F0502020204030204" pitchFamily="34" charset="0"/>
                           <a:cs typeface="Calibri" panose="020F0502020204030204" pitchFamily="34" charset="0"/>
                         </a:rPr>
-                        <a:t>Median</a:t>
+                        <a:t>Mean</a:t>
                       </a:r>
                       <a:r>
                         <a:rPr lang="pt-PT" sz="1200" b="0" dirty="0">
@@ -9810,7 +10244,7 @@
                           <a:ea typeface="Calibri" panose="020F0502020204030204" pitchFamily="34" charset="0"/>
                           <a:cs typeface="Calibri" panose="020F0502020204030204" pitchFamily="34" charset="0"/>
                         </a:rPr>
-                        <a:t>Median</a:t>
+                        <a:t>Mean</a:t>
                       </a:r>
                       <a:r>
                         <a:rPr lang="pt-PT" sz="1200" b="0" dirty="0">
@@ -9882,7 +10316,7 @@
                           <a:ea typeface="Calibri" panose="020F0502020204030204" pitchFamily="34" charset="0"/>
                           <a:cs typeface="Calibri" panose="020F0502020204030204" pitchFamily="34" charset="0"/>
                         </a:rPr>
-                        <a:t>Median</a:t>
+                        <a:t>Mean</a:t>
                       </a:r>
                       <a:r>
                         <a:rPr lang="pt-PT" sz="1200" b="0" dirty="0">
@@ -10995,6 +11429,124 @@
               <a:rPr lang="pt-PT" sz="1400" dirty="0"/>
               <a:t>Ubuntu VM  4 cores</a:t>
             </a:r>
+          </a:p>
+        </p:txBody>
+      </p:sp>
+      <p:sp>
+        <p:nvSpPr>
+          <p:cNvPr id="3" name="CaixaDeTexto 2">
+            <a:extLst>
+              <a:ext uri="{FF2B5EF4-FFF2-40B4-BE49-F238E27FC236}">
+                <a16:creationId xmlns:a16="http://schemas.microsoft.com/office/drawing/2014/main" id="{F14A81CD-694A-0044-D27F-A263B238B6E0}"/>
+              </a:ext>
+            </a:extLst>
+          </p:cNvPr>
+          <p:cNvSpPr txBox="1"/>
+          <p:nvPr/>
+        </p:nvSpPr>
+        <p:spPr>
+          <a:xfrm>
+            <a:off x="1357091" y="6383233"/>
+            <a:ext cx="9789952" cy="584775"/>
+          </a:xfrm>
+          <a:prstGeom prst="rect">
+            <a:avLst/>
+          </a:prstGeom>
+          <a:noFill/>
+        </p:spPr>
+        <p:txBody>
+          <a:bodyPr wrap="square" rtlCol="0">
+            <a:spAutoFit/>
+          </a:bodyPr>
+          <a:lstStyle/>
+          <a:p>
+            <a:r>
+              <a:rPr lang="pt-PT" sz="1400" i="1" dirty="0"/>
+              <a:t>(</a:t>
+            </a:r>
+            <a:r>
+              <a:rPr lang="pt-PT" sz="1400" i="1" dirty="0" err="1"/>
+              <a:t>both</a:t>
+            </a:r>
+            <a:r>
+              <a:rPr lang="pt-PT" sz="1400" i="1" dirty="0"/>
+              <a:t> </a:t>
+            </a:r>
+            <a:r>
+              <a:rPr lang="pt-PT" sz="1400" i="1" dirty="0" err="1"/>
+              <a:t>mean</a:t>
+            </a:r>
+            <a:r>
+              <a:rPr lang="pt-PT" sz="1400" i="1" dirty="0"/>
+              <a:t> and standard </a:t>
+            </a:r>
+            <a:r>
+              <a:rPr lang="pt-PT" sz="1400" i="1" dirty="0" err="1"/>
+              <a:t>deviation</a:t>
+            </a:r>
+            <a:r>
+              <a:rPr lang="pt-PT" sz="1400" i="1" dirty="0"/>
+              <a:t> </a:t>
+            </a:r>
+            <a:r>
+              <a:rPr lang="pt-PT" sz="1400" i="1" dirty="0" err="1"/>
+              <a:t>results</a:t>
+            </a:r>
+            <a:r>
+              <a:rPr lang="pt-PT" sz="1400" i="1" dirty="0"/>
+              <a:t> </a:t>
+            </a:r>
+            <a:r>
+              <a:rPr lang="pt-PT" sz="1400" i="1" dirty="0" err="1"/>
+              <a:t>were</a:t>
+            </a:r>
+            <a:r>
+              <a:rPr lang="pt-PT" sz="1400" i="1" dirty="0"/>
+              <a:t> </a:t>
+            </a:r>
+            <a:r>
+              <a:rPr lang="pt-PT" sz="1400" i="1" dirty="0" err="1"/>
+              <a:t>calculated</a:t>
+            </a:r>
+            <a:r>
+              <a:rPr lang="pt-PT" sz="1400" i="1" dirty="0"/>
+              <a:t> </a:t>
+            </a:r>
+            <a:r>
+              <a:rPr lang="pt-PT" sz="1400" i="1" dirty="0" err="1"/>
+              <a:t>by</a:t>
+            </a:r>
+            <a:r>
+              <a:rPr lang="pt-PT" sz="1400" i="1" dirty="0"/>
+              <a:t> </a:t>
+            </a:r>
+            <a:r>
+              <a:rPr lang="pt-PT" sz="1400" i="1" dirty="0" err="1"/>
+              <a:t>running</a:t>
+            </a:r>
+            <a:r>
+              <a:rPr lang="pt-PT" sz="1400" i="1" dirty="0"/>
+              <a:t> the </a:t>
+            </a:r>
+            <a:r>
+              <a:rPr lang="pt-PT" sz="1400" i="1" dirty="0" err="1"/>
+              <a:t>program</a:t>
+            </a:r>
+            <a:r>
+              <a:rPr lang="pt-PT" sz="1400" i="1" dirty="0"/>
+              <a:t> 5</a:t>
+            </a:r>
+            <a:r>
+              <a:rPr lang="pt-PT" sz="1400" b="1" i="1" dirty="0"/>
+              <a:t> </a:t>
+            </a:r>
+            <a:r>
+              <a:rPr lang="pt-PT" sz="1400" i="1" dirty="0"/>
+              <a:t>times)</a:t>
+            </a:r>
+          </a:p>
+          <a:p>
+            <a:endParaRPr lang="pt-PT" dirty="0"/>
           </a:p>
         </p:txBody>
       </p:sp>
@@ -11097,10 +11649,10 @@
       </p:sp>
       <p:sp>
         <p:nvSpPr>
-          <p:cNvPr id="3" name="Marcador de Posição de Conteúdo 2">
+          <p:cNvPr id="4" name="Marcador de Posição de Conteúdo 2">
             <a:extLst>
               <a:ext uri="{FF2B5EF4-FFF2-40B4-BE49-F238E27FC236}">
-                <a16:creationId xmlns:a16="http://schemas.microsoft.com/office/drawing/2014/main" id="{2D745695-6161-41A4-A2E0-37169F11F70A}"/>
+                <a16:creationId xmlns:a16="http://schemas.microsoft.com/office/drawing/2014/main" id="{BBC14A0E-DB56-01B7-F3BA-0A8AA2D906A0}"/>
               </a:ext>
             </a:extLst>
           </p:cNvPr>
@@ -11111,12 +11663,514 @@
             <p:ph idx="1"/>
           </p:nvPr>
         </p:nvSpPr>
-        <p:spPr/>
+        <p:spPr>
+          <a:xfrm>
+            <a:off x="1261872" y="1828800"/>
+            <a:ext cx="8595360" cy="4351337"/>
+          </a:xfrm>
+        </p:spPr>
         <p:txBody>
           <a:bodyPr/>
           <a:lstStyle/>
           <a:p>
+            <a:r>
+              <a:rPr lang="pt-PT" dirty="0"/>
+              <a:t>In the </a:t>
+            </a:r>
+            <a:r>
+              <a:rPr lang="pt-PT" dirty="0" err="1"/>
+              <a:t>second</a:t>
+            </a:r>
+            <a:r>
+              <a:rPr lang="pt-PT" dirty="0"/>
+              <a:t> </a:t>
+            </a:r>
+            <a:r>
+              <a:rPr lang="pt-PT" dirty="0" err="1"/>
+              <a:t>problem</a:t>
+            </a:r>
+            <a:r>
+              <a:rPr lang="pt-PT" dirty="0"/>
+              <a:t>, </a:t>
+            </a:r>
+            <a:r>
+              <a:rPr lang="pt-PT" dirty="0" err="1"/>
+              <a:t>specially</a:t>
+            </a:r>
+            <a:r>
+              <a:rPr lang="pt-PT" dirty="0"/>
+              <a:t> in the </a:t>
+            </a:r>
+            <a:r>
+              <a:rPr lang="pt-PT" dirty="0" err="1"/>
+              <a:t>larger</a:t>
+            </a:r>
+            <a:r>
+              <a:rPr lang="pt-PT" dirty="0"/>
+              <a:t> file, </a:t>
+            </a:r>
+            <a:r>
+              <a:rPr lang="pt-PT" dirty="0" err="1"/>
+              <a:t>there</a:t>
+            </a:r>
+            <a:r>
+              <a:rPr lang="pt-PT" dirty="0"/>
+              <a:t> </a:t>
+            </a:r>
+            <a:r>
+              <a:rPr lang="pt-PT" dirty="0" err="1"/>
+              <a:t>is</a:t>
+            </a:r>
+            <a:r>
+              <a:rPr lang="pt-PT" dirty="0"/>
+              <a:t> a </a:t>
+            </a:r>
+            <a:r>
+              <a:rPr lang="pt-PT" dirty="0" err="1"/>
+              <a:t>much</a:t>
+            </a:r>
+            <a:r>
+              <a:rPr lang="pt-PT" dirty="0"/>
+              <a:t> clear </a:t>
+            </a:r>
+            <a:r>
+              <a:rPr lang="pt-PT" dirty="0" err="1"/>
+              <a:t>difference</a:t>
+            </a:r>
+            <a:r>
+              <a:rPr lang="pt-PT" dirty="0"/>
+              <a:t> </a:t>
+            </a:r>
+            <a:r>
+              <a:rPr lang="pt-PT" dirty="0" err="1"/>
+              <a:t>when</a:t>
+            </a:r>
+            <a:r>
+              <a:rPr lang="pt-PT" dirty="0"/>
+              <a:t> </a:t>
+            </a:r>
+            <a:r>
+              <a:rPr lang="pt-PT" dirty="0" err="1"/>
+              <a:t>running</a:t>
+            </a:r>
+            <a:r>
+              <a:rPr lang="pt-PT" dirty="0"/>
+              <a:t> the </a:t>
+            </a:r>
+            <a:r>
+              <a:rPr lang="pt-PT" dirty="0" err="1"/>
+              <a:t>program</a:t>
+            </a:r>
+            <a:r>
+              <a:rPr lang="pt-PT" dirty="0"/>
+              <a:t> </a:t>
+            </a:r>
+            <a:r>
+              <a:rPr lang="pt-PT" dirty="0" err="1"/>
+              <a:t>using</a:t>
+            </a:r>
+            <a:r>
+              <a:rPr lang="pt-PT" dirty="0"/>
+              <a:t> a </a:t>
+            </a:r>
+            <a:r>
+              <a:rPr lang="pt-PT" dirty="0" err="1"/>
+              <a:t>different</a:t>
+            </a:r>
+            <a:r>
+              <a:rPr lang="pt-PT" dirty="0"/>
+              <a:t> </a:t>
+            </a:r>
+            <a:r>
+              <a:rPr lang="pt-PT" dirty="0" err="1"/>
+              <a:t>number</a:t>
+            </a:r>
+            <a:r>
+              <a:rPr lang="pt-PT" dirty="0"/>
+              <a:t> of </a:t>
+            </a:r>
+            <a:r>
+              <a:rPr lang="pt-PT" dirty="0" err="1"/>
+              <a:t>threads</a:t>
+            </a:r>
+            <a:r>
+              <a:rPr lang="pt-PT" dirty="0"/>
+              <a:t>.</a:t>
+            </a:r>
+          </a:p>
+          <a:p>
+            <a:pPr lvl="1"/>
             <a:endParaRPr lang="pt-PT" dirty="0"/>
+          </a:p>
+          <a:p>
+            <a:pPr lvl="1"/>
+            <a:r>
+              <a:rPr lang="pt-PT" dirty="0"/>
+              <a:t>For the </a:t>
+            </a:r>
+            <a:r>
+              <a:rPr lang="pt-PT" dirty="0" err="1"/>
+              <a:t>smaller</a:t>
+            </a:r>
+            <a:r>
+              <a:rPr lang="pt-PT" dirty="0"/>
+              <a:t> files (</a:t>
+            </a:r>
+            <a:r>
+              <a:rPr lang="pt-PT" i="1" dirty="0"/>
+              <a:t>datSeq32.bin </a:t>
+            </a:r>
+            <a:r>
+              <a:rPr lang="pt-PT" dirty="0"/>
+              <a:t>and </a:t>
+            </a:r>
+            <a:r>
+              <a:rPr lang="pt-PT" i="1" dirty="0"/>
+              <a:t>datSeq256K.bin</a:t>
+            </a:r>
+            <a:r>
+              <a:rPr lang="pt-PT" dirty="0"/>
+              <a:t>) the </a:t>
+            </a:r>
+            <a:r>
+              <a:rPr lang="pt-PT" dirty="0" err="1"/>
+              <a:t>program</a:t>
+            </a:r>
+            <a:r>
+              <a:rPr lang="pt-PT" dirty="0"/>
+              <a:t> </a:t>
+            </a:r>
+            <a:r>
+              <a:rPr lang="pt-PT" dirty="0" err="1"/>
+              <a:t>behaviour</a:t>
+            </a:r>
+            <a:r>
+              <a:rPr lang="pt-PT" dirty="0"/>
+              <a:t> </a:t>
+            </a:r>
+            <a:r>
+              <a:rPr lang="pt-PT" dirty="0" err="1"/>
+              <a:t>remains</a:t>
+            </a:r>
+            <a:r>
+              <a:rPr lang="pt-PT" dirty="0"/>
+              <a:t> similar to </a:t>
+            </a:r>
+            <a:r>
+              <a:rPr lang="pt-PT" dirty="0" err="1"/>
+              <a:t>what</a:t>
+            </a:r>
+            <a:r>
+              <a:rPr lang="pt-PT" dirty="0"/>
+              <a:t> </a:t>
+            </a:r>
+            <a:r>
+              <a:rPr lang="pt-PT" dirty="0" err="1"/>
+              <a:t>was</a:t>
+            </a:r>
+            <a:r>
+              <a:rPr lang="pt-PT" dirty="0"/>
+              <a:t> </a:t>
+            </a:r>
+            <a:r>
+              <a:rPr lang="pt-PT" dirty="0" err="1"/>
+              <a:t>observed</a:t>
+            </a:r>
+            <a:r>
+              <a:rPr lang="pt-PT" dirty="0"/>
+              <a:t> in the </a:t>
+            </a:r>
+            <a:r>
+              <a:rPr lang="pt-PT" dirty="0" err="1"/>
+              <a:t>first</a:t>
+            </a:r>
+            <a:r>
+              <a:rPr lang="pt-PT" dirty="0"/>
+              <a:t> </a:t>
+            </a:r>
+            <a:r>
+              <a:rPr lang="pt-PT" dirty="0" err="1"/>
+              <a:t>problem</a:t>
+            </a:r>
+            <a:r>
+              <a:rPr lang="pt-PT" dirty="0"/>
+              <a:t>, as the </a:t>
+            </a:r>
+            <a:r>
+              <a:rPr lang="pt-PT" dirty="0" err="1"/>
+              <a:t>dataset</a:t>
+            </a:r>
+            <a:r>
+              <a:rPr lang="pt-PT" dirty="0"/>
+              <a:t> </a:t>
+            </a:r>
+            <a:r>
+              <a:rPr lang="pt-PT" dirty="0" err="1"/>
+              <a:t>is</a:t>
+            </a:r>
+            <a:r>
+              <a:rPr lang="pt-PT" dirty="0"/>
+              <a:t> </a:t>
+            </a:r>
+            <a:r>
+              <a:rPr lang="pt-PT" dirty="0" err="1"/>
+              <a:t>not</a:t>
+            </a:r>
+            <a:r>
+              <a:rPr lang="pt-PT" dirty="0"/>
+              <a:t> </a:t>
+            </a:r>
+            <a:r>
+              <a:rPr lang="pt-PT" dirty="0" err="1"/>
+              <a:t>big</a:t>
+            </a:r>
+            <a:r>
+              <a:rPr lang="pt-PT" dirty="0"/>
+              <a:t> </a:t>
+            </a:r>
+            <a:r>
+              <a:rPr lang="pt-PT" dirty="0" err="1"/>
+              <a:t>enough</a:t>
+            </a:r>
+            <a:r>
+              <a:rPr lang="pt-PT" dirty="0"/>
+              <a:t> to </a:t>
+            </a:r>
+            <a:r>
+              <a:rPr lang="pt-PT" dirty="0" err="1"/>
+              <a:t>make</a:t>
+            </a:r>
+            <a:r>
+              <a:rPr lang="pt-PT" dirty="0"/>
+              <a:t> a </a:t>
+            </a:r>
+            <a:r>
+              <a:rPr lang="pt-PT" dirty="0" err="1"/>
+              <a:t>significant</a:t>
+            </a:r>
+            <a:r>
+              <a:rPr lang="pt-PT" dirty="0"/>
+              <a:t> </a:t>
+            </a:r>
+            <a:r>
+              <a:rPr lang="pt-PT" dirty="0" err="1"/>
+              <a:t>difference</a:t>
+            </a:r>
+            <a:r>
+              <a:rPr lang="pt-PT" dirty="0"/>
+              <a:t>.</a:t>
+            </a:r>
+          </a:p>
+          <a:p>
+            <a:pPr lvl="1"/>
+            <a:endParaRPr lang="pt-PT" dirty="0"/>
+          </a:p>
+          <a:p>
+            <a:pPr lvl="1"/>
+            <a:r>
+              <a:rPr lang="pt-PT" dirty="0"/>
+              <a:t>The </a:t>
+            </a:r>
+            <a:r>
+              <a:rPr lang="pt-PT" dirty="0" err="1"/>
+              <a:t>last</a:t>
+            </a:r>
+            <a:r>
+              <a:rPr lang="pt-PT" dirty="0"/>
+              <a:t> </a:t>
+            </a:r>
+            <a:r>
+              <a:rPr lang="pt-PT" dirty="0" err="1"/>
+              <a:t>two</a:t>
+            </a:r>
+            <a:r>
+              <a:rPr lang="pt-PT" dirty="0"/>
+              <a:t> files (</a:t>
+            </a:r>
+            <a:r>
+              <a:rPr lang="pt-PT" i="1" dirty="0"/>
+              <a:t>datSeq1M.bin </a:t>
+            </a:r>
+            <a:r>
+              <a:rPr lang="pt-PT" dirty="0"/>
+              <a:t>and </a:t>
+            </a:r>
+            <a:r>
+              <a:rPr lang="pt-PT" i="1" dirty="0">
+                <a:latin typeface="Calibri" panose="020F0502020204030204" pitchFamily="34" charset="0"/>
+                <a:ea typeface="Calibri" panose="020F0502020204030204" pitchFamily="34" charset="0"/>
+                <a:cs typeface="Calibri" panose="020F0502020204030204" pitchFamily="34" charset="0"/>
+              </a:rPr>
+              <a:t>datSeq16M.bin</a:t>
+            </a:r>
+            <a:r>
+              <a:rPr lang="pt-PT" dirty="0">
+                <a:latin typeface="Calibri" panose="020F0502020204030204" pitchFamily="34" charset="0"/>
+                <a:ea typeface="Calibri" panose="020F0502020204030204" pitchFamily="34" charset="0"/>
+                <a:cs typeface="Calibri" panose="020F0502020204030204" pitchFamily="34" charset="0"/>
+              </a:rPr>
+              <a:t>)</a:t>
+            </a:r>
+            <a:r>
+              <a:rPr lang="pt-PT" i="1" dirty="0">
+                <a:latin typeface="Calibri" panose="020F0502020204030204" pitchFamily="34" charset="0"/>
+                <a:ea typeface="Calibri" panose="020F0502020204030204" pitchFamily="34" charset="0"/>
+                <a:cs typeface="Calibri" panose="020F0502020204030204" pitchFamily="34" charset="0"/>
+              </a:rPr>
+              <a:t>, </a:t>
+            </a:r>
+            <a:r>
+              <a:rPr lang="pt-PT" dirty="0" err="1">
+                <a:latin typeface="Calibri" panose="020F0502020204030204" pitchFamily="34" charset="0"/>
+                <a:ea typeface="Calibri" panose="020F0502020204030204" pitchFamily="34" charset="0"/>
+                <a:cs typeface="Calibri" panose="020F0502020204030204" pitchFamily="34" charset="0"/>
+              </a:rPr>
+              <a:t>however</a:t>
+            </a:r>
+            <a:r>
+              <a:rPr lang="pt-PT" dirty="0">
+                <a:latin typeface="Calibri" panose="020F0502020204030204" pitchFamily="34" charset="0"/>
+                <a:ea typeface="Calibri" panose="020F0502020204030204" pitchFamily="34" charset="0"/>
+                <a:cs typeface="Calibri" panose="020F0502020204030204" pitchFamily="34" charset="0"/>
+              </a:rPr>
+              <a:t>, </a:t>
+            </a:r>
+            <a:r>
+              <a:rPr lang="pt-PT" dirty="0" err="1">
+                <a:latin typeface="Calibri" panose="020F0502020204030204" pitchFamily="34" charset="0"/>
+                <a:ea typeface="Calibri" panose="020F0502020204030204" pitchFamily="34" charset="0"/>
+                <a:cs typeface="Calibri" panose="020F0502020204030204" pitchFamily="34" charset="0"/>
+              </a:rPr>
+              <a:t>showed</a:t>
+            </a:r>
+            <a:r>
+              <a:rPr lang="pt-PT" dirty="0">
+                <a:latin typeface="Calibri" panose="020F0502020204030204" pitchFamily="34" charset="0"/>
+                <a:ea typeface="Calibri" panose="020F0502020204030204" pitchFamily="34" charset="0"/>
+                <a:cs typeface="Calibri" panose="020F0502020204030204" pitchFamily="34" charset="0"/>
+              </a:rPr>
+              <a:t> some </a:t>
+            </a:r>
+            <a:r>
+              <a:rPr lang="pt-PT" dirty="0" err="1">
+                <a:latin typeface="Calibri" panose="020F0502020204030204" pitchFamily="34" charset="0"/>
+                <a:ea typeface="Calibri" panose="020F0502020204030204" pitchFamily="34" charset="0"/>
+                <a:cs typeface="Calibri" panose="020F0502020204030204" pitchFamily="34" charset="0"/>
+              </a:rPr>
+              <a:t>improvement</a:t>
+            </a:r>
+            <a:r>
+              <a:rPr lang="pt-PT" dirty="0">
+                <a:latin typeface="Calibri" panose="020F0502020204030204" pitchFamily="34" charset="0"/>
+                <a:ea typeface="Calibri" panose="020F0502020204030204" pitchFamily="34" charset="0"/>
+                <a:cs typeface="Calibri" panose="020F0502020204030204" pitchFamily="34" charset="0"/>
+              </a:rPr>
+              <a:t> </a:t>
+            </a:r>
+            <a:r>
+              <a:rPr lang="pt-PT" dirty="0" err="1">
+                <a:latin typeface="Calibri" panose="020F0502020204030204" pitchFamily="34" charset="0"/>
+                <a:ea typeface="Calibri" panose="020F0502020204030204" pitchFamily="34" charset="0"/>
+                <a:cs typeface="Calibri" panose="020F0502020204030204" pitchFamily="34" charset="0"/>
+              </a:rPr>
+              <a:t>when</a:t>
+            </a:r>
+            <a:r>
+              <a:rPr lang="pt-PT" dirty="0">
+                <a:latin typeface="Calibri" panose="020F0502020204030204" pitchFamily="34" charset="0"/>
+                <a:ea typeface="Calibri" panose="020F0502020204030204" pitchFamily="34" charset="0"/>
+                <a:cs typeface="Calibri" panose="020F0502020204030204" pitchFamily="34" charset="0"/>
+              </a:rPr>
+              <a:t> </a:t>
+            </a:r>
+            <a:r>
+              <a:rPr lang="pt-PT" dirty="0" err="1">
+                <a:latin typeface="Calibri" panose="020F0502020204030204" pitchFamily="34" charset="0"/>
+                <a:ea typeface="Calibri" panose="020F0502020204030204" pitchFamily="34" charset="0"/>
+                <a:cs typeface="Calibri" panose="020F0502020204030204" pitchFamily="34" charset="0"/>
+              </a:rPr>
+              <a:t>using</a:t>
+            </a:r>
+            <a:r>
+              <a:rPr lang="pt-PT" dirty="0">
+                <a:latin typeface="Calibri" panose="020F0502020204030204" pitchFamily="34" charset="0"/>
+                <a:ea typeface="Calibri" panose="020F0502020204030204" pitchFamily="34" charset="0"/>
+                <a:cs typeface="Calibri" panose="020F0502020204030204" pitchFamily="34" charset="0"/>
+              </a:rPr>
+              <a:t> more </a:t>
+            </a:r>
+            <a:r>
+              <a:rPr lang="pt-PT" dirty="0" err="1">
+                <a:latin typeface="Calibri" panose="020F0502020204030204" pitchFamily="34" charset="0"/>
+                <a:ea typeface="Calibri" panose="020F0502020204030204" pitchFamily="34" charset="0"/>
+                <a:cs typeface="Calibri" panose="020F0502020204030204" pitchFamily="34" charset="0"/>
+              </a:rPr>
+              <a:t>threads</a:t>
+            </a:r>
+            <a:r>
+              <a:rPr lang="pt-PT" dirty="0">
+                <a:latin typeface="Calibri" panose="020F0502020204030204" pitchFamily="34" charset="0"/>
+                <a:ea typeface="Calibri" panose="020F0502020204030204" pitchFamily="34" charset="0"/>
+                <a:cs typeface="Calibri" panose="020F0502020204030204" pitchFamily="34" charset="0"/>
+              </a:rPr>
+              <a:t>, </a:t>
+            </a:r>
+            <a:r>
+              <a:rPr lang="pt-PT" dirty="0" err="1">
+                <a:latin typeface="Calibri" panose="020F0502020204030204" pitchFamily="34" charset="0"/>
+                <a:ea typeface="Calibri" panose="020F0502020204030204" pitchFamily="34" charset="0"/>
+                <a:cs typeface="Calibri" panose="020F0502020204030204" pitchFamily="34" charset="0"/>
+              </a:rPr>
+              <a:t>up</a:t>
+            </a:r>
+            <a:r>
+              <a:rPr lang="pt-PT" dirty="0">
+                <a:latin typeface="Calibri" panose="020F0502020204030204" pitchFamily="34" charset="0"/>
+                <a:ea typeface="Calibri" panose="020F0502020204030204" pitchFamily="34" charset="0"/>
+                <a:cs typeface="Calibri" panose="020F0502020204030204" pitchFamily="34" charset="0"/>
+              </a:rPr>
+              <a:t> to </a:t>
+            </a:r>
+            <a:r>
+              <a:rPr lang="pt-PT" dirty="0" err="1">
+                <a:latin typeface="Calibri" panose="020F0502020204030204" pitchFamily="34" charset="0"/>
+                <a:ea typeface="Calibri" panose="020F0502020204030204" pitchFamily="34" charset="0"/>
+                <a:cs typeface="Calibri" panose="020F0502020204030204" pitchFamily="34" charset="0"/>
+              </a:rPr>
+              <a:t>almost</a:t>
+            </a:r>
+            <a:r>
+              <a:rPr lang="pt-PT" dirty="0">
+                <a:latin typeface="Calibri" panose="020F0502020204030204" pitchFamily="34" charset="0"/>
+                <a:ea typeface="Calibri" panose="020F0502020204030204" pitchFamily="34" charset="0"/>
+                <a:cs typeface="Calibri" panose="020F0502020204030204" pitchFamily="34" charset="0"/>
+              </a:rPr>
+              <a:t> 4 </a:t>
+            </a:r>
+            <a:r>
+              <a:rPr lang="pt-PT" dirty="0" err="1">
+                <a:latin typeface="Calibri" panose="020F0502020204030204" pitchFamily="34" charset="0"/>
+                <a:ea typeface="Calibri" panose="020F0502020204030204" pitchFamily="34" charset="0"/>
+                <a:cs typeface="Calibri" panose="020F0502020204030204" pitchFamily="34" charset="0"/>
+              </a:rPr>
+              <a:t>seconds</a:t>
+            </a:r>
+            <a:r>
+              <a:rPr lang="pt-PT" dirty="0">
+                <a:latin typeface="Calibri" panose="020F0502020204030204" pitchFamily="34" charset="0"/>
+                <a:ea typeface="Calibri" panose="020F0502020204030204" pitchFamily="34" charset="0"/>
+                <a:cs typeface="Calibri" panose="020F0502020204030204" pitchFamily="34" charset="0"/>
+              </a:rPr>
+              <a:t> in the 16M file.</a:t>
+            </a:r>
+            <a:endParaRPr lang="pt-PT" i="1" dirty="0"/>
+          </a:p>
+          <a:p>
+            <a:pPr lvl="1"/>
+            <a:endParaRPr lang="pt-PT" dirty="0">
+              <a:latin typeface="Calibri" panose="020F0502020204030204" pitchFamily="34" charset="0"/>
+              <a:cs typeface="Calibri" panose="020F0502020204030204" pitchFamily="34" charset="0"/>
+            </a:endParaRPr>
           </a:p>
         </p:txBody>
       </p:sp>

--- a/CLE1_T3G5/present.pptx
+++ b/CLE1_T3G5/present.pptx
@@ -6551,9 +6551,12 @@
           </a:xfrm>
         </p:spPr>
         <p:txBody>
-          <a:bodyPr/>
+          <a:bodyPr>
+            <a:normAutofit lnSpcReduction="10000"/>
+          </a:bodyPr>
           <a:lstStyle/>
           <a:p>
+            <a:pPr algn="just"/>
             <a:r>
               <a:rPr lang="pt-PT" dirty="0" err="1"/>
               <a:t>By</a:t>
@@ -6620,10 +6623,11 @@
             </a:r>
           </a:p>
           <a:p>
+            <a:pPr algn="just"/>
             <a:endParaRPr lang="pt-PT" dirty="0"/>
           </a:p>
           <a:p>
-            <a:pPr lvl="1"/>
+            <a:pPr lvl="1" algn="just"/>
             <a:r>
               <a:rPr lang="pt-PT" dirty="0"/>
               <a:t>In </a:t>
@@ -6726,11 +6730,11 @@
             </a:r>
           </a:p>
           <a:p>
-            <a:pPr lvl="1"/>
+            <a:pPr lvl="1" algn="just"/>
             <a:endParaRPr lang="pt-PT" dirty="0"/>
           </a:p>
           <a:p>
-            <a:pPr lvl="1"/>
+            <a:pPr lvl="1" algn="just"/>
             <a:r>
               <a:rPr lang="pt-PT" dirty="0" err="1"/>
               <a:t>From</a:t>
@@ -6769,15 +6773,7 @@
             </a:r>
             <a:r>
               <a:rPr lang="pt-PT" b="1" dirty="0"/>
-              <a:t> the input </a:t>
-            </a:r>
-            <a:r>
-              <a:rPr lang="pt-PT" b="1" dirty="0" err="1"/>
-              <a:t>input</a:t>
-            </a:r>
-            <a:r>
-              <a:rPr lang="pt-PT" b="1" dirty="0"/>
-              <a:t> files </a:t>
+              <a:t> the input files </a:t>
             </a:r>
             <a:r>
               <a:rPr lang="pt-PT" b="1" dirty="0" err="1"/>
@@ -6867,6 +6863,405 @@
               <a:rPr lang="pt-PT" dirty="0"/>
               <a:t>.</a:t>
             </a:r>
+          </a:p>
+          <a:p>
+            <a:pPr lvl="1" algn="just"/>
+            <a:endParaRPr lang="pt-PT" dirty="0"/>
+          </a:p>
+          <a:p>
+            <a:pPr lvl="1" algn="just"/>
+            <a:r>
+              <a:rPr lang="pt-PT" dirty="0" err="1"/>
+              <a:t>By</a:t>
+            </a:r>
+            <a:r>
+              <a:rPr lang="pt-PT" dirty="0"/>
+              <a:t> </a:t>
+            </a:r>
+            <a:r>
+              <a:rPr lang="pt-PT" dirty="0" err="1"/>
+              <a:t>the</a:t>
+            </a:r>
+            <a:r>
+              <a:rPr lang="pt-PT" dirty="0"/>
+              <a:t> </a:t>
+            </a:r>
+            <a:r>
+              <a:rPr lang="pt-PT" dirty="0" err="1"/>
+              <a:t>low</a:t>
+            </a:r>
+            <a:r>
+              <a:rPr lang="pt-PT" dirty="0"/>
+              <a:t> </a:t>
+            </a:r>
+            <a:r>
+              <a:rPr lang="pt-PT" dirty="0" err="1"/>
+              <a:t>values</a:t>
+            </a:r>
+            <a:r>
+              <a:rPr lang="pt-PT" dirty="0"/>
+              <a:t> </a:t>
+            </a:r>
+            <a:r>
+              <a:rPr lang="pt-PT" dirty="0" err="1"/>
+              <a:t>of</a:t>
+            </a:r>
+            <a:r>
+              <a:rPr lang="pt-PT" dirty="0"/>
+              <a:t> </a:t>
+            </a:r>
+            <a:r>
+              <a:rPr lang="pt-PT" dirty="0" err="1"/>
+              <a:t>the</a:t>
+            </a:r>
+            <a:r>
+              <a:rPr lang="pt-PT" dirty="0"/>
+              <a:t> standard </a:t>
+            </a:r>
+            <a:r>
+              <a:rPr lang="pt-PT" dirty="0" err="1"/>
+              <a:t>deviation</a:t>
+            </a:r>
+            <a:r>
+              <a:rPr lang="pt-PT" dirty="0"/>
+              <a:t> </a:t>
+            </a:r>
+            <a:r>
+              <a:rPr lang="pt-PT" dirty="0" err="1"/>
+              <a:t>we</a:t>
+            </a:r>
+            <a:r>
+              <a:rPr lang="pt-PT" dirty="0"/>
+              <a:t> can </a:t>
+            </a:r>
+            <a:r>
+              <a:rPr lang="pt-PT" dirty="0" err="1"/>
+              <a:t>perceive</a:t>
+            </a:r>
+            <a:r>
+              <a:rPr lang="pt-PT" dirty="0"/>
+              <a:t> </a:t>
+            </a:r>
+            <a:r>
+              <a:rPr lang="pt-PT" dirty="0" err="1"/>
+              <a:t>that</a:t>
+            </a:r>
+            <a:r>
+              <a:rPr lang="pt-PT" dirty="0"/>
+              <a:t> </a:t>
+            </a:r>
+            <a:r>
+              <a:rPr lang="pt-PT" dirty="0" err="1"/>
+              <a:t>all</a:t>
+            </a:r>
+            <a:r>
+              <a:rPr lang="pt-PT" dirty="0"/>
+              <a:t> </a:t>
+            </a:r>
+            <a:r>
+              <a:rPr lang="pt-PT" dirty="0" err="1"/>
+              <a:t>program’s</a:t>
+            </a:r>
+            <a:r>
+              <a:rPr lang="pt-PT" dirty="0"/>
+              <a:t> </a:t>
+            </a:r>
+            <a:r>
+              <a:rPr lang="pt-PT" dirty="0" err="1"/>
+              <a:t>executions</a:t>
+            </a:r>
+            <a:r>
+              <a:rPr lang="pt-PT" dirty="0"/>
+              <a:t> </a:t>
+            </a:r>
+            <a:r>
+              <a:rPr lang="pt-PT" dirty="0" err="1"/>
+              <a:t>follows</a:t>
+            </a:r>
+            <a:r>
+              <a:rPr lang="pt-PT" dirty="0"/>
+              <a:t> </a:t>
+            </a:r>
+            <a:r>
+              <a:rPr lang="pt-PT" dirty="0" err="1"/>
+              <a:t>the</a:t>
+            </a:r>
+            <a:r>
+              <a:rPr lang="pt-PT" dirty="0"/>
+              <a:t> </a:t>
+            </a:r>
+            <a:r>
+              <a:rPr lang="pt-PT" dirty="0" err="1"/>
+              <a:t>same</a:t>
+            </a:r>
+            <a:r>
+              <a:rPr lang="pt-PT" dirty="0"/>
+              <a:t> </a:t>
+            </a:r>
+            <a:r>
+              <a:rPr lang="pt-PT" dirty="0" err="1"/>
+              <a:t>conditions</a:t>
+            </a:r>
+            <a:r>
+              <a:rPr lang="pt-PT" dirty="0"/>
+              <a:t> (</a:t>
+            </a:r>
+            <a:r>
+              <a:rPr lang="pt-PT" dirty="0" err="1"/>
+              <a:t>it</a:t>
+            </a:r>
+            <a:r>
+              <a:rPr lang="pt-PT" dirty="0"/>
+              <a:t> </a:t>
+            </a:r>
+            <a:r>
+              <a:rPr lang="pt-PT" dirty="0" err="1"/>
+              <a:t>means</a:t>
+            </a:r>
+            <a:r>
+              <a:rPr lang="pt-PT" dirty="0"/>
+              <a:t> </a:t>
+            </a:r>
+            <a:r>
+              <a:rPr lang="pt-PT" dirty="0" err="1"/>
+              <a:t>that</a:t>
+            </a:r>
+            <a:r>
+              <a:rPr lang="pt-PT" dirty="0"/>
+              <a:t> </a:t>
+            </a:r>
+            <a:r>
+              <a:rPr lang="pt-PT" dirty="0" err="1"/>
+              <a:t>there</a:t>
+            </a:r>
+            <a:r>
+              <a:rPr lang="pt-PT" dirty="0"/>
+              <a:t> </a:t>
+            </a:r>
+            <a:r>
+              <a:rPr lang="pt-PT" dirty="0" err="1"/>
+              <a:t>were</a:t>
+            </a:r>
+            <a:r>
+              <a:rPr lang="pt-PT" dirty="0"/>
+              <a:t> </a:t>
+            </a:r>
+            <a:r>
+              <a:rPr lang="pt-PT" dirty="0" err="1"/>
+              <a:t>not</a:t>
+            </a:r>
+            <a:r>
+              <a:rPr lang="pt-PT" dirty="0"/>
+              <a:t> </a:t>
+            </a:r>
+            <a:r>
+              <a:rPr lang="pt-PT" dirty="0" err="1"/>
+              <a:t>big</a:t>
+            </a:r>
+            <a:r>
+              <a:rPr lang="pt-PT" dirty="0"/>
+              <a:t> </a:t>
+            </a:r>
+            <a:r>
+              <a:rPr lang="pt-PT" dirty="0" err="1"/>
+              <a:t>changes</a:t>
+            </a:r>
+            <a:r>
+              <a:rPr lang="pt-PT" dirty="0"/>
+              <a:t> in </a:t>
+            </a:r>
+            <a:r>
+              <a:rPr lang="pt-PT" dirty="0" err="1"/>
+              <a:t>terms</a:t>
+            </a:r>
+            <a:r>
+              <a:rPr lang="pt-PT" dirty="0"/>
+              <a:t> </a:t>
+            </a:r>
+            <a:r>
+              <a:rPr lang="pt-PT" dirty="0" err="1"/>
+              <a:t>of</a:t>
+            </a:r>
+            <a:r>
+              <a:rPr lang="pt-PT" dirty="0"/>
+              <a:t> </a:t>
+            </a:r>
+            <a:r>
+              <a:rPr lang="pt-PT" dirty="0" err="1"/>
+              <a:t>available</a:t>
+            </a:r>
+            <a:r>
+              <a:rPr lang="pt-PT" dirty="0"/>
+              <a:t> hardware/software). </a:t>
+            </a:r>
+            <a:r>
+              <a:rPr lang="pt-PT" dirty="0" err="1"/>
+              <a:t>However</a:t>
+            </a:r>
+            <a:r>
+              <a:rPr lang="pt-PT" dirty="0"/>
+              <a:t>, </a:t>
+            </a:r>
+            <a:r>
+              <a:rPr lang="pt-PT" dirty="0" err="1"/>
+              <a:t>the</a:t>
+            </a:r>
+            <a:r>
+              <a:rPr lang="pt-PT" dirty="0"/>
+              <a:t> PC1 </a:t>
+            </a:r>
+            <a:r>
+              <a:rPr lang="pt-PT" dirty="0" err="1"/>
+              <a:t>presents</a:t>
+            </a:r>
+            <a:r>
+              <a:rPr lang="pt-PT" dirty="0"/>
+              <a:t> </a:t>
+            </a:r>
+            <a:r>
+              <a:rPr lang="pt-PT" dirty="0" err="1"/>
+              <a:t>lower</a:t>
+            </a:r>
+            <a:r>
+              <a:rPr lang="pt-PT" dirty="0"/>
+              <a:t> </a:t>
+            </a:r>
+            <a:r>
+              <a:rPr lang="pt-PT" dirty="0" err="1"/>
+              <a:t>values</a:t>
+            </a:r>
+            <a:r>
+              <a:rPr lang="pt-PT" dirty="0"/>
+              <a:t> </a:t>
+            </a:r>
+            <a:r>
+              <a:rPr lang="pt-PT" dirty="0" err="1"/>
+              <a:t>which</a:t>
+            </a:r>
+            <a:r>
+              <a:rPr lang="pt-PT" dirty="0"/>
+              <a:t> can </a:t>
+            </a:r>
+            <a:r>
+              <a:rPr lang="pt-PT" dirty="0" err="1"/>
+              <a:t>be</a:t>
+            </a:r>
+            <a:r>
+              <a:rPr lang="pt-PT" dirty="0"/>
+              <a:t> </a:t>
+            </a:r>
+            <a:r>
+              <a:rPr lang="pt-PT" dirty="0" err="1"/>
+              <a:t>related</a:t>
+            </a:r>
+            <a:r>
+              <a:rPr lang="pt-PT" dirty="0"/>
+              <a:t> </a:t>
+            </a:r>
+            <a:r>
+              <a:rPr lang="pt-PT" dirty="0" err="1"/>
+              <a:t>with</a:t>
+            </a:r>
+            <a:r>
+              <a:rPr lang="pt-PT" dirty="0"/>
+              <a:t> </a:t>
+            </a:r>
+            <a:r>
+              <a:rPr lang="pt-PT" dirty="0" err="1"/>
+              <a:t>the</a:t>
+            </a:r>
+            <a:r>
+              <a:rPr lang="pt-PT" dirty="0"/>
+              <a:t> </a:t>
+            </a:r>
+            <a:r>
+              <a:rPr lang="pt-PT" dirty="0" err="1"/>
+              <a:t>higher</a:t>
+            </a:r>
+            <a:r>
+              <a:rPr lang="pt-PT" dirty="0"/>
+              <a:t> </a:t>
+            </a:r>
+            <a:r>
+              <a:rPr lang="pt-PT" dirty="0" err="1"/>
+              <a:t>specifications</a:t>
+            </a:r>
+            <a:r>
+              <a:rPr lang="pt-PT" dirty="0"/>
+              <a:t> </a:t>
+            </a:r>
+            <a:r>
+              <a:rPr lang="pt-PT" dirty="0" err="1"/>
+              <a:t>that</a:t>
+            </a:r>
+            <a:r>
+              <a:rPr lang="pt-PT" dirty="0"/>
+              <a:t> </a:t>
+            </a:r>
+            <a:r>
+              <a:rPr lang="pt-PT" dirty="0" err="1"/>
+              <a:t>this</a:t>
+            </a:r>
+            <a:r>
+              <a:rPr lang="pt-PT" dirty="0"/>
+              <a:t> laptop </a:t>
+            </a:r>
+            <a:r>
+              <a:rPr lang="pt-PT" dirty="0" err="1"/>
+              <a:t>has</a:t>
+            </a:r>
+            <a:r>
+              <a:rPr lang="pt-PT" dirty="0"/>
+              <a:t> </a:t>
+            </a:r>
+            <a:r>
+              <a:rPr lang="pt-PT" dirty="0" err="1"/>
+              <a:t>comparing</a:t>
+            </a:r>
+            <a:r>
+              <a:rPr lang="pt-PT" dirty="0"/>
+              <a:t> </a:t>
+            </a:r>
+            <a:r>
+              <a:rPr lang="pt-PT" dirty="0" err="1"/>
+              <a:t>with</a:t>
+            </a:r>
+            <a:r>
+              <a:rPr lang="pt-PT" dirty="0"/>
+              <a:t> </a:t>
+            </a:r>
+            <a:r>
+              <a:rPr lang="pt-PT" dirty="0" err="1"/>
+              <a:t>the</a:t>
+            </a:r>
+            <a:r>
+              <a:rPr lang="pt-PT" dirty="0"/>
+              <a:t> PC2.</a:t>
+            </a:r>
+          </a:p>
+          <a:p>
+            <a:pPr lvl="1" algn="just"/>
+            <a:endParaRPr lang="pt-PT" dirty="0"/>
+          </a:p>
+          <a:p>
+            <a:pPr algn="just"/>
+            <a:r>
+              <a:rPr lang="en-US" u="sng" dirty="0"/>
+              <a:t>When looking at these conclusions we can't forget the environment at which the program ran: a virtual machine which applies an "</a:t>
+            </a:r>
+            <a:r>
+              <a:rPr lang="en-US" u="sng" dirty="0" err="1"/>
+              <a:t>aditional</a:t>
+            </a:r>
+            <a:r>
+              <a:rPr lang="en-US" u="sng" dirty="0"/>
+              <a:t> layer" between the operating system and the program execution.</a:t>
+            </a:r>
+            <a:endParaRPr lang="pt-PT" u="sng" dirty="0">
+              <a:latin typeface="Calibri" panose="020F0502020204030204" pitchFamily="34" charset="0"/>
+              <a:ea typeface="Calibri" panose="020F0502020204030204" pitchFamily="34" charset="0"/>
+              <a:cs typeface="Calibri" panose="020F0502020204030204" pitchFamily="34" charset="0"/>
+            </a:endParaRPr>
           </a:p>
           <a:p>
             <a:pPr lvl="1"/>
@@ -11665,12 +12060,14 @@
         </p:nvSpPr>
         <p:spPr>
           <a:xfrm>
-            <a:off x="1261872" y="1828800"/>
-            <a:ext cx="8595360" cy="4351337"/>
+            <a:off x="1261872" y="1828801"/>
+            <a:ext cx="8595360" cy="4805082"/>
           </a:xfrm>
         </p:spPr>
         <p:txBody>
-          <a:bodyPr/>
+          <a:bodyPr>
+            <a:normAutofit lnSpcReduction="10000"/>
+          </a:bodyPr>
           <a:lstStyle/>
           <a:p>
             <a:r>
@@ -12163,6 +12560,420 @@
               </a:rPr>
               <a:t> in the 16M file.</a:t>
             </a:r>
+          </a:p>
+          <a:p>
+            <a:pPr lvl="1"/>
+            <a:endParaRPr lang="pt-PT" dirty="0">
+              <a:latin typeface="Calibri" panose="020F0502020204030204" pitchFamily="34" charset="0"/>
+              <a:ea typeface="Calibri" panose="020F0502020204030204" pitchFamily="34" charset="0"/>
+              <a:cs typeface="Calibri" panose="020F0502020204030204" pitchFamily="34" charset="0"/>
+            </a:endParaRPr>
+          </a:p>
+          <a:p>
+            <a:pPr lvl="1" algn="just"/>
+            <a:r>
+              <a:rPr lang="pt-PT" dirty="0" err="1"/>
+              <a:t>By</a:t>
+            </a:r>
+            <a:r>
+              <a:rPr lang="pt-PT" dirty="0"/>
+              <a:t> </a:t>
+            </a:r>
+            <a:r>
+              <a:rPr lang="pt-PT" dirty="0" err="1"/>
+              <a:t>the</a:t>
+            </a:r>
+            <a:r>
+              <a:rPr lang="pt-PT" dirty="0"/>
+              <a:t> </a:t>
+            </a:r>
+            <a:r>
+              <a:rPr lang="pt-PT" dirty="0" err="1"/>
+              <a:t>low</a:t>
+            </a:r>
+            <a:r>
+              <a:rPr lang="pt-PT" dirty="0"/>
+              <a:t> </a:t>
+            </a:r>
+            <a:r>
+              <a:rPr lang="pt-PT" dirty="0" err="1"/>
+              <a:t>values</a:t>
+            </a:r>
+            <a:r>
+              <a:rPr lang="pt-PT" dirty="0"/>
+              <a:t> </a:t>
+            </a:r>
+            <a:r>
+              <a:rPr lang="pt-PT" dirty="0" err="1"/>
+              <a:t>of</a:t>
+            </a:r>
+            <a:r>
+              <a:rPr lang="pt-PT" dirty="0"/>
+              <a:t> </a:t>
+            </a:r>
+            <a:r>
+              <a:rPr lang="pt-PT" dirty="0" err="1"/>
+              <a:t>the</a:t>
+            </a:r>
+            <a:r>
+              <a:rPr lang="pt-PT" dirty="0"/>
+              <a:t> standard </a:t>
+            </a:r>
+            <a:r>
+              <a:rPr lang="pt-PT" dirty="0" err="1"/>
+              <a:t>deviation</a:t>
+            </a:r>
+            <a:r>
+              <a:rPr lang="pt-PT" dirty="0"/>
+              <a:t> </a:t>
+            </a:r>
+            <a:r>
+              <a:rPr lang="pt-PT" dirty="0" err="1"/>
+              <a:t>we</a:t>
+            </a:r>
+            <a:r>
+              <a:rPr lang="pt-PT" dirty="0"/>
+              <a:t> can </a:t>
+            </a:r>
+            <a:r>
+              <a:rPr lang="pt-PT" dirty="0" err="1"/>
+              <a:t>perceive</a:t>
+            </a:r>
+            <a:r>
+              <a:rPr lang="pt-PT" dirty="0"/>
+              <a:t> </a:t>
+            </a:r>
+            <a:r>
+              <a:rPr lang="pt-PT" dirty="0" err="1"/>
+              <a:t>that</a:t>
+            </a:r>
+            <a:r>
+              <a:rPr lang="pt-PT" dirty="0"/>
+              <a:t> </a:t>
+            </a:r>
+            <a:r>
+              <a:rPr lang="pt-PT" dirty="0" err="1"/>
+              <a:t>all</a:t>
+            </a:r>
+            <a:r>
+              <a:rPr lang="pt-PT" dirty="0"/>
+              <a:t> </a:t>
+            </a:r>
+            <a:r>
+              <a:rPr lang="pt-PT" dirty="0" err="1"/>
+              <a:t>program’s</a:t>
+            </a:r>
+            <a:r>
+              <a:rPr lang="pt-PT" dirty="0"/>
+              <a:t> </a:t>
+            </a:r>
+            <a:r>
+              <a:rPr lang="pt-PT" dirty="0" err="1"/>
+              <a:t>executions</a:t>
+            </a:r>
+            <a:r>
+              <a:rPr lang="pt-PT" dirty="0"/>
+              <a:t> </a:t>
+            </a:r>
+            <a:r>
+              <a:rPr lang="pt-PT" dirty="0" err="1"/>
+              <a:t>follows</a:t>
+            </a:r>
+            <a:r>
+              <a:rPr lang="pt-PT" dirty="0"/>
+              <a:t> </a:t>
+            </a:r>
+            <a:r>
+              <a:rPr lang="pt-PT" dirty="0" err="1"/>
+              <a:t>the</a:t>
+            </a:r>
+            <a:r>
+              <a:rPr lang="pt-PT" dirty="0"/>
+              <a:t> </a:t>
+            </a:r>
+            <a:r>
+              <a:rPr lang="pt-PT" dirty="0" err="1"/>
+              <a:t>same</a:t>
+            </a:r>
+            <a:r>
+              <a:rPr lang="pt-PT" dirty="0"/>
+              <a:t> </a:t>
+            </a:r>
+            <a:r>
+              <a:rPr lang="pt-PT" dirty="0" err="1"/>
+              <a:t>conditions</a:t>
+            </a:r>
+            <a:r>
+              <a:rPr lang="pt-PT" dirty="0"/>
+              <a:t> (</a:t>
+            </a:r>
+            <a:r>
+              <a:rPr lang="pt-PT" dirty="0" err="1"/>
+              <a:t>it</a:t>
+            </a:r>
+            <a:r>
+              <a:rPr lang="pt-PT" dirty="0"/>
+              <a:t> </a:t>
+            </a:r>
+            <a:r>
+              <a:rPr lang="pt-PT" dirty="0" err="1"/>
+              <a:t>means</a:t>
+            </a:r>
+            <a:r>
+              <a:rPr lang="pt-PT" dirty="0"/>
+              <a:t> </a:t>
+            </a:r>
+            <a:r>
+              <a:rPr lang="pt-PT" dirty="0" err="1"/>
+              <a:t>that</a:t>
+            </a:r>
+            <a:r>
+              <a:rPr lang="pt-PT" dirty="0"/>
+              <a:t> </a:t>
+            </a:r>
+            <a:r>
+              <a:rPr lang="pt-PT" dirty="0" err="1"/>
+              <a:t>there</a:t>
+            </a:r>
+            <a:r>
+              <a:rPr lang="pt-PT" dirty="0"/>
+              <a:t> </a:t>
+            </a:r>
+            <a:r>
+              <a:rPr lang="pt-PT" dirty="0" err="1"/>
+              <a:t>were</a:t>
+            </a:r>
+            <a:r>
+              <a:rPr lang="pt-PT" dirty="0"/>
+              <a:t> </a:t>
+            </a:r>
+            <a:r>
+              <a:rPr lang="pt-PT" dirty="0" err="1"/>
+              <a:t>not</a:t>
+            </a:r>
+            <a:r>
+              <a:rPr lang="pt-PT" dirty="0"/>
+              <a:t> </a:t>
+            </a:r>
+            <a:r>
+              <a:rPr lang="pt-PT" dirty="0" err="1"/>
+              <a:t>big</a:t>
+            </a:r>
+            <a:r>
+              <a:rPr lang="pt-PT" dirty="0"/>
+              <a:t> </a:t>
+            </a:r>
+            <a:r>
+              <a:rPr lang="pt-PT" dirty="0" err="1"/>
+              <a:t>changes</a:t>
+            </a:r>
+            <a:r>
+              <a:rPr lang="pt-PT" dirty="0"/>
+              <a:t> in </a:t>
+            </a:r>
+            <a:r>
+              <a:rPr lang="pt-PT" dirty="0" err="1"/>
+              <a:t>terms</a:t>
+            </a:r>
+            <a:r>
+              <a:rPr lang="pt-PT" dirty="0"/>
+              <a:t> </a:t>
+            </a:r>
+            <a:r>
+              <a:rPr lang="pt-PT" dirty="0" err="1"/>
+              <a:t>of</a:t>
+            </a:r>
+            <a:r>
+              <a:rPr lang="pt-PT" dirty="0"/>
+              <a:t> </a:t>
+            </a:r>
+            <a:r>
+              <a:rPr lang="pt-PT" dirty="0" err="1"/>
+              <a:t>available</a:t>
+            </a:r>
+            <a:r>
+              <a:rPr lang="pt-PT" dirty="0"/>
+              <a:t> hardware/software). </a:t>
+            </a:r>
+            <a:r>
+              <a:rPr lang="pt-PT" dirty="0" err="1"/>
+              <a:t>However</a:t>
+            </a:r>
+            <a:r>
+              <a:rPr lang="pt-PT" dirty="0"/>
+              <a:t>, </a:t>
+            </a:r>
+            <a:r>
+              <a:rPr lang="pt-PT" dirty="0" err="1"/>
+              <a:t>the</a:t>
+            </a:r>
+            <a:r>
+              <a:rPr lang="pt-PT" dirty="0"/>
+              <a:t> PC1 </a:t>
+            </a:r>
+            <a:r>
+              <a:rPr lang="pt-PT" dirty="0" err="1"/>
+              <a:t>typically</a:t>
+            </a:r>
+            <a:r>
+              <a:rPr lang="pt-PT" dirty="0"/>
+              <a:t> </a:t>
+            </a:r>
+            <a:r>
+              <a:rPr lang="pt-PT" dirty="0" err="1"/>
+              <a:t>presents</a:t>
+            </a:r>
+            <a:r>
+              <a:rPr lang="pt-PT" dirty="0"/>
+              <a:t> </a:t>
+            </a:r>
+            <a:r>
+              <a:rPr lang="pt-PT" dirty="0" err="1"/>
+              <a:t>lower</a:t>
+            </a:r>
+            <a:r>
+              <a:rPr lang="pt-PT" dirty="0"/>
+              <a:t> </a:t>
+            </a:r>
+            <a:r>
+              <a:rPr lang="pt-PT" dirty="0" err="1"/>
+              <a:t>values</a:t>
+            </a:r>
+            <a:r>
+              <a:rPr lang="pt-PT" dirty="0"/>
+              <a:t> </a:t>
+            </a:r>
+            <a:r>
+              <a:rPr lang="pt-PT" dirty="0" err="1"/>
+              <a:t>which</a:t>
+            </a:r>
+            <a:r>
+              <a:rPr lang="pt-PT" dirty="0"/>
+              <a:t> can </a:t>
+            </a:r>
+            <a:r>
+              <a:rPr lang="pt-PT" dirty="0" err="1"/>
+              <a:t>be</a:t>
+            </a:r>
+            <a:r>
+              <a:rPr lang="pt-PT" dirty="0"/>
+              <a:t> </a:t>
+            </a:r>
+            <a:r>
+              <a:rPr lang="pt-PT" dirty="0" err="1"/>
+              <a:t>related</a:t>
+            </a:r>
+            <a:r>
+              <a:rPr lang="pt-PT" dirty="0"/>
+              <a:t> </a:t>
+            </a:r>
+            <a:r>
+              <a:rPr lang="pt-PT" dirty="0" err="1"/>
+              <a:t>with</a:t>
+            </a:r>
+            <a:r>
+              <a:rPr lang="pt-PT" dirty="0"/>
+              <a:t> </a:t>
+            </a:r>
+            <a:r>
+              <a:rPr lang="pt-PT" dirty="0" err="1"/>
+              <a:t>the</a:t>
+            </a:r>
+            <a:r>
+              <a:rPr lang="pt-PT" dirty="0"/>
+              <a:t> </a:t>
+            </a:r>
+            <a:r>
+              <a:rPr lang="pt-PT" dirty="0" err="1"/>
+              <a:t>highest</a:t>
+            </a:r>
+            <a:r>
+              <a:rPr lang="pt-PT" dirty="0"/>
+              <a:t> </a:t>
+            </a:r>
+            <a:r>
+              <a:rPr lang="pt-PT" dirty="0" err="1"/>
+              <a:t>specifications</a:t>
+            </a:r>
+            <a:r>
+              <a:rPr lang="pt-PT" dirty="0"/>
+              <a:t> </a:t>
+            </a:r>
+            <a:r>
+              <a:rPr lang="pt-PT" dirty="0" err="1"/>
+              <a:t>that</a:t>
+            </a:r>
+            <a:r>
+              <a:rPr lang="pt-PT" dirty="0"/>
+              <a:t> </a:t>
+            </a:r>
+            <a:r>
+              <a:rPr lang="pt-PT" dirty="0" err="1"/>
+              <a:t>this</a:t>
+            </a:r>
+            <a:r>
+              <a:rPr lang="pt-PT" dirty="0"/>
+              <a:t> laptop </a:t>
+            </a:r>
+            <a:r>
+              <a:rPr lang="pt-PT" dirty="0" err="1"/>
+              <a:t>has</a:t>
+            </a:r>
+            <a:r>
+              <a:rPr lang="pt-PT" dirty="0"/>
+              <a:t> </a:t>
+            </a:r>
+            <a:r>
+              <a:rPr lang="pt-PT" dirty="0" err="1"/>
+              <a:t>comparing</a:t>
+            </a:r>
+            <a:r>
+              <a:rPr lang="pt-PT" dirty="0"/>
+              <a:t> </a:t>
+            </a:r>
+            <a:r>
+              <a:rPr lang="pt-PT" dirty="0" err="1"/>
+              <a:t>with</a:t>
+            </a:r>
+            <a:r>
+              <a:rPr lang="pt-PT" dirty="0"/>
+              <a:t> </a:t>
+            </a:r>
+            <a:r>
+              <a:rPr lang="pt-PT" dirty="0" err="1"/>
+              <a:t>the</a:t>
+            </a:r>
+            <a:r>
+              <a:rPr lang="pt-PT" dirty="0"/>
+              <a:t> PC2.</a:t>
+            </a:r>
+          </a:p>
+          <a:p>
+            <a:pPr lvl="1" algn="just"/>
+            <a:endParaRPr lang="pt-PT" dirty="0"/>
+          </a:p>
+          <a:p>
+            <a:pPr algn="just"/>
+            <a:r>
+              <a:rPr lang="en-US" u="sng" dirty="0"/>
+              <a:t>When looking at these conclusions we can't forget the environment at which the program ran: a virtual machine which applies an "</a:t>
+            </a:r>
+            <a:r>
+              <a:rPr lang="en-US" u="sng" dirty="0" err="1"/>
+              <a:t>aditional</a:t>
+            </a:r>
+            <a:r>
+              <a:rPr lang="en-US" u="sng" dirty="0"/>
+              <a:t> layer" between the operating system and the program execution.</a:t>
+            </a:r>
+            <a:endParaRPr lang="pt-PT" u="sng" dirty="0">
+              <a:latin typeface="Calibri" panose="020F0502020204030204" pitchFamily="34" charset="0"/>
+              <a:ea typeface="Calibri" panose="020F0502020204030204" pitchFamily="34" charset="0"/>
+              <a:cs typeface="Calibri" panose="020F0502020204030204" pitchFamily="34" charset="0"/>
+            </a:endParaRPr>
+          </a:p>
+          <a:p>
+            <a:pPr lvl="1"/>
             <a:endParaRPr lang="pt-PT" i="1" dirty="0"/>
           </a:p>
           <a:p>

--- a/CLE1_T3G5/present.pptx
+++ b/CLE1_T3G5/present.pptx
@@ -6876,15 +6876,7 @@
             </a:r>
             <a:r>
               <a:rPr lang="pt-PT" dirty="0"/>
-              <a:t> </a:t>
-            </a:r>
-            <a:r>
-              <a:rPr lang="pt-PT" dirty="0" err="1"/>
-              <a:t>the</a:t>
-            </a:r>
-            <a:r>
-              <a:rPr lang="pt-PT" dirty="0"/>
-              <a:t> </a:t>
+              <a:t> the </a:t>
             </a:r>
             <a:r>
               <a:rPr lang="pt-PT" dirty="0" err="1"/>
@@ -6900,23 +6892,7 @@
             </a:r>
             <a:r>
               <a:rPr lang="pt-PT" dirty="0"/>
-              <a:t> </a:t>
-            </a:r>
-            <a:r>
-              <a:rPr lang="pt-PT" dirty="0" err="1"/>
-              <a:t>of</a:t>
-            </a:r>
-            <a:r>
-              <a:rPr lang="pt-PT" dirty="0"/>
-              <a:t> </a:t>
-            </a:r>
-            <a:r>
-              <a:rPr lang="pt-PT" dirty="0" err="1"/>
-              <a:t>the</a:t>
-            </a:r>
-            <a:r>
-              <a:rPr lang="pt-PT" dirty="0"/>
-              <a:t> standard </a:t>
+              <a:t> of the standard </a:t>
             </a:r>
             <a:r>
               <a:rPr lang="pt-PT" dirty="0" err="1"/>
@@ -6976,19 +6952,11 @@
             </a:r>
             <a:r>
               <a:rPr lang="pt-PT" dirty="0" err="1"/>
-              <a:t>follows</a:t>
-            </a:r>
-            <a:r>
-              <a:rPr lang="pt-PT" dirty="0"/>
-              <a:t> </a:t>
-            </a:r>
-            <a:r>
-              <a:rPr lang="pt-PT" dirty="0" err="1"/>
-              <a:t>the</a:t>
-            </a:r>
-            <a:r>
-              <a:rPr lang="pt-PT" dirty="0"/>
-              <a:t> </a:t>
+              <a:t>follow</a:t>
+            </a:r>
+            <a:r>
+              <a:rPr lang="pt-PT" dirty="0"/>
+              <a:t> the </a:t>
             </a:r>
             <a:r>
               <a:rPr lang="pt-PT" dirty="0" err="1"/>
@@ -7044,15 +7012,7 @@
             </a:r>
             <a:r>
               <a:rPr lang="pt-PT" dirty="0"/>
-              <a:t> </a:t>
-            </a:r>
-            <a:r>
-              <a:rPr lang="pt-PT" dirty="0" err="1"/>
-              <a:t>not</a:t>
-            </a:r>
-            <a:r>
-              <a:rPr lang="pt-PT" dirty="0"/>
-              <a:t> </a:t>
+              <a:t> no </a:t>
             </a:r>
             <a:r>
               <a:rPr lang="pt-PT" dirty="0" err="1"/>
@@ -7076,15 +7036,7 @@
             </a:r>
             <a:r>
               <a:rPr lang="pt-PT" dirty="0"/>
-              <a:t> </a:t>
-            </a:r>
-            <a:r>
-              <a:rPr lang="pt-PT" dirty="0" err="1"/>
-              <a:t>of</a:t>
-            </a:r>
-            <a:r>
-              <a:rPr lang="pt-PT" dirty="0"/>
-              <a:t> </a:t>
+              <a:t> of </a:t>
             </a:r>
             <a:r>
               <a:rPr lang="pt-PT" dirty="0" err="1"/>
@@ -7100,47 +7052,55 @@
             </a:r>
             <a:r>
               <a:rPr lang="pt-PT" dirty="0"/>
+              <a:t>, PC1 </a:t>
+            </a:r>
+            <a:r>
+              <a:rPr lang="pt-PT" dirty="0" err="1"/>
+              <a:t>presents</a:t>
+            </a:r>
+            <a:r>
+              <a:rPr lang="pt-PT" dirty="0"/>
+              <a:t> </a:t>
+            </a:r>
+            <a:r>
+              <a:rPr lang="pt-PT" dirty="0" err="1"/>
+              <a:t>lower</a:t>
+            </a:r>
+            <a:r>
+              <a:rPr lang="pt-PT" dirty="0"/>
+              <a:t> </a:t>
+            </a:r>
+            <a:r>
+              <a:rPr lang="pt-PT" dirty="0" err="1"/>
+              <a:t>deviation</a:t>
+            </a:r>
+            <a:r>
+              <a:rPr lang="pt-PT" dirty="0"/>
+              <a:t> </a:t>
+            </a:r>
+            <a:r>
+              <a:rPr lang="pt-PT" dirty="0" err="1"/>
+              <a:t>values</a:t>
+            </a:r>
+            <a:r>
+              <a:rPr lang="pt-PT" dirty="0"/>
               <a:t>, </a:t>
             </a:r>
             <a:r>
               <a:rPr lang="pt-PT" dirty="0" err="1"/>
-              <a:t>the</a:t>
-            </a:r>
-            <a:r>
-              <a:rPr lang="pt-PT" dirty="0"/>
-              <a:t> PC1 </a:t>
-            </a:r>
-            <a:r>
-              <a:rPr lang="pt-PT" dirty="0" err="1"/>
-              <a:t>presents</a:t>
-            </a:r>
-            <a:r>
-              <a:rPr lang="pt-PT" dirty="0"/>
-              <a:t> </a:t>
-            </a:r>
-            <a:r>
-              <a:rPr lang="pt-PT" dirty="0" err="1"/>
-              <a:t>lower</a:t>
-            </a:r>
-            <a:r>
-              <a:rPr lang="pt-PT" dirty="0"/>
-              <a:t> </a:t>
-            </a:r>
-            <a:r>
-              <a:rPr lang="pt-PT" dirty="0" err="1"/>
-              <a:t>values</a:t>
-            </a:r>
-            <a:r>
-              <a:rPr lang="pt-PT" dirty="0"/>
-              <a:t> </a:t>
-            </a:r>
-            <a:r>
-              <a:rPr lang="pt-PT" dirty="0" err="1"/>
               <a:t>which</a:t>
             </a:r>
             <a:r>
               <a:rPr lang="pt-PT" dirty="0"/>
-              <a:t> can </a:t>
+              <a:t> </a:t>
+            </a:r>
+            <a:r>
+              <a:rPr lang="pt-PT" dirty="0" err="1"/>
+              <a:t>may</a:t>
+            </a:r>
+            <a:r>
+              <a:rPr lang="pt-PT" dirty="0"/>
+              <a:t> </a:t>
             </a:r>
             <a:r>
               <a:rPr lang="pt-PT" dirty="0" err="1"/>
@@ -7156,6 +7116,46 @@
             </a:r>
             <a:r>
               <a:rPr lang="pt-PT" dirty="0"/>
+              <a:t> to the </a:t>
+            </a:r>
+            <a:r>
+              <a:rPr lang="pt-PT" dirty="0" err="1"/>
+              <a:t>higher</a:t>
+            </a:r>
+            <a:r>
+              <a:rPr lang="pt-PT" dirty="0"/>
+              <a:t> </a:t>
+            </a:r>
+            <a:r>
+              <a:rPr lang="pt-PT" dirty="0" err="1"/>
+              <a:t>specifications</a:t>
+            </a:r>
+            <a:r>
+              <a:rPr lang="pt-PT" dirty="0"/>
+              <a:t> </a:t>
+            </a:r>
+            <a:r>
+              <a:rPr lang="pt-PT" dirty="0" err="1"/>
+              <a:t>given</a:t>
+            </a:r>
+            <a:r>
+              <a:rPr lang="pt-PT" dirty="0"/>
+              <a:t> to the VM </a:t>
+            </a:r>
+            <a:r>
+              <a:rPr lang="pt-PT" dirty="0" err="1"/>
+              <a:t>when</a:t>
+            </a:r>
+            <a:r>
+              <a:rPr lang="pt-PT" dirty="0"/>
+              <a:t> </a:t>
+            </a:r>
+            <a:r>
+              <a:rPr lang="pt-PT" dirty="0" err="1"/>
+              <a:t>comparing</a:t>
+            </a:r>
+            <a:r>
+              <a:rPr lang="pt-PT" dirty="0"/>
               <a:t> </a:t>
             </a:r>
             <a:r>
@@ -7164,79 +7164,23 @@
             </a:r>
             <a:r>
               <a:rPr lang="pt-PT" dirty="0"/>
-              <a:t> </a:t>
-            </a:r>
-            <a:r>
-              <a:rPr lang="pt-PT" dirty="0" err="1"/>
-              <a:t>the</a:t>
-            </a:r>
-            <a:r>
-              <a:rPr lang="pt-PT" dirty="0"/>
-              <a:t> </a:t>
-            </a:r>
-            <a:r>
-              <a:rPr lang="pt-PT" dirty="0" err="1"/>
-              <a:t>higher</a:t>
-            </a:r>
-            <a:r>
-              <a:rPr lang="pt-PT" dirty="0"/>
-              <a:t> </a:t>
-            </a:r>
-            <a:r>
-              <a:rPr lang="pt-PT" dirty="0" err="1"/>
-              <a:t>specifications</a:t>
-            </a:r>
-            <a:r>
-              <a:rPr lang="pt-PT" dirty="0"/>
-              <a:t> </a:t>
-            </a:r>
-            <a:r>
-              <a:rPr lang="pt-PT" dirty="0" err="1"/>
-              <a:t>that</a:t>
-            </a:r>
-            <a:r>
-              <a:rPr lang="pt-PT" dirty="0"/>
-              <a:t> </a:t>
-            </a:r>
-            <a:r>
-              <a:rPr lang="pt-PT" dirty="0" err="1"/>
-              <a:t>this</a:t>
-            </a:r>
-            <a:r>
-              <a:rPr lang="pt-PT" dirty="0"/>
-              <a:t> laptop </a:t>
-            </a:r>
-            <a:r>
-              <a:rPr lang="pt-PT" dirty="0" err="1"/>
-              <a:t>has</a:t>
-            </a:r>
-            <a:r>
-              <a:rPr lang="pt-PT" dirty="0"/>
-              <a:t> </a:t>
-            </a:r>
-            <a:r>
-              <a:rPr lang="pt-PT" dirty="0" err="1"/>
-              <a:t>comparing</a:t>
-            </a:r>
-            <a:r>
-              <a:rPr lang="pt-PT" dirty="0"/>
-              <a:t> </a:t>
-            </a:r>
-            <a:r>
-              <a:rPr lang="pt-PT" dirty="0" err="1"/>
-              <a:t>with</a:t>
-            </a:r>
-            <a:r>
-              <a:rPr lang="pt-PT" dirty="0"/>
-              <a:t> </a:t>
-            </a:r>
-            <a:r>
-              <a:rPr lang="pt-PT" dirty="0" err="1"/>
-              <a:t>the</a:t>
-            </a:r>
-            <a:r>
-              <a:rPr lang="pt-PT" dirty="0"/>
-              <a:t> PC2.</a:t>
+              <a:t> the </a:t>
+            </a:r>
+            <a:r>
+              <a:rPr lang="pt-PT" dirty="0" err="1"/>
+              <a:t>ones</a:t>
+            </a:r>
+            <a:r>
+              <a:rPr lang="pt-PT" dirty="0"/>
+              <a:t> </a:t>
+            </a:r>
+            <a:r>
+              <a:rPr lang="pt-PT" dirty="0" err="1"/>
+              <a:t>given</a:t>
+            </a:r>
+            <a:r>
+              <a:rPr lang="pt-PT" dirty="0"/>
+              <a:t> to the VM of PC2.</a:t>
             </a:r>
           </a:p>
           <a:p>
@@ -7247,15 +7191,7 @@
             <a:pPr algn="just"/>
             <a:r>
               <a:rPr lang="en-US" u="sng" dirty="0"/>
-              <a:t>When looking at these conclusions we can't forget the environment at which the program ran: a virtual machine which applies an "</a:t>
-            </a:r>
-            <a:r>
-              <a:rPr lang="en-US" u="sng" dirty="0" err="1"/>
-              <a:t>aditional</a:t>
-            </a:r>
-            <a:r>
-              <a:rPr lang="en-US" u="sng" dirty="0"/>
-              <a:t> layer" between the operating system and the program execution.</a:t>
+              <a:t>When looking at these conclusions we can't forget the environment at which the program ran: a virtual machine which applies an "additional layer" between the operating system and the program execution.</a:t>
             </a:r>
             <a:endParaRPr lang="pt-PT" u="sng" dirty="0">
               <a:latin typeface="Calibri" panose="020F0502020204030204" pitchFamily="34" charset="0"/>
@@ -12577,15 +12513,7 @@
             </a:r>
             <a:r>
               <a:rPr lang="pt-PT" dirty="0"/>
-              <a:t> </a:t>
-            </a:r>
-            <a:r>
-              <a:rPr lang="pt-PT" dirty="0" err="1"/>
-              <a:t>the</a:t>
-            </a:r>
-            <a:r>
-              <a:rPr lang="pt-PT" dirty="0"/>
-              <a:t> </a:t>
+              <a:t> the </a:t>
             </a:r>
             <a:r>
               <a:rPr lang="pt-PT" dirty="0" err="1"/>
@@ -12601,23 +12529,7 @@
             </a:r>
             <a:r>
               <a:rPr lang="pt-PT" dirty="0"/>
-              <a:t> </a:t>
-            </a:r>
-            <a:r>
-              <a:rPr lang="pt-PT" dirty="0" err="1"/>
-              <a:t>of</a:t>
-            </a:r>
-            <a:r>
-              <a:rPr lang="pt-PT" dirty="0"/>
-              <a:t> </a:t>
-            </a:r>
-            <a:r>
-              <a:rPr lang="pt-PT" dirty="0" err="1"/>
-              <a:t>the</a:t>
-            </a:r>
-            <a:r>
-              <a:rPr lang="pt-PT" dirty="0"/>
-              <a:t> standard </a:t>
+              <a:t> of the standard </a:t>
             </a:r>
             <a:r>
               <a:rPr lang="pt-PT" dirty="0" err="1"/>
@@ -12677,19 +12589,11 @@
             </a:r>
             <a:r>
               <a:rPr lang="pt-PT" dirty="0" err="1"/>
-              <a:t>follows</a:t>
-            </a:r>
-            <a:r>
-              <a:rPr lang="pt-PT" dirty="0"/>
-              <a:t> </a:t>
-            </a:r>
-            <a:r>
-              <a:rPr lang="pt-PT" dirty="0" err="1"/>
-              <a:t>the</a:t>
-            </a:r>
-            <a:r>
-              <a:rPr lang="pt-PT" dirty="0"/>
-              <a:t> </a:t>
+              <a:t>follow</a:t>
+            </a:r>
+            <a:r>
+              <a:rPr lang="pt-PT" dirty="0"/>
+              <a:t> the </a:t>
             </a:r>
             <a:r>
               <a:rPr lang="pt-PT" dirty="0" err="1"/>
@@ -12777,15 +12681,7 @@
             </a:r>
             <a:r>
               <a:rPr lang="pt-PT" dirty="0"/>
-              <a:t> </a:t>
-            </a:r>
-            <a:r>
-              <a:rPr lang="pt-PT" dirty="0" err="1"/>
-              <a:t>of</a:t>
-            </a:r>
-            <a:r>
-              <a:rPr lang="pt-PT" dirty="0"/>
-              <a:t> </a:t>
+              <a:t> of </a:t>
             </a:r>
             <a:r>
               <a:rPr lang="pt-PT" dirty="0" err="1"/>
@@ -12801,15 +12697,7 @@
             </a:r>
             <a:r>
               <a:rPr lang="pt-PT" dirty="0"/>
-              <a:t>, </a:t>
-            </a:r>
-            <a:r>
-              <a:rPr lang="pt-PT" dirty="0" err="1"/>
-              <a:t>the</a:t>
-            </a:r>
-            <a:r>
-              <a:rPr lang="pt-PT" dirty="0"/>
-              <a:t> PC1 </a:t>
+              <a:t>, PC1 </a:t>
             </a:r>
             <a:r>
               <a:rPr lang="pt-PT" dirty="0" err="1"/>
@@ -12837,6 +12725,14 @@
             </a:r>
             <a:r>
               <a:rPr lang="pt-PT" dirty="0" err="1"/>
+              <a:t>deviation</a:t>
+            </a:r>
+            <a:r>
+              <a:rPr lang="pt-PT" dirty="0"/>
+              <a:t> </a:t>
+            </a:r>
+            <a:r>
+              <a:rPr lang="pt-PT" dirty="0" err="1"/>
               <a:t>values</a:t>
             </a:r>
             <a:r>
@@ -12849,7 +12745,15 @@
             </a:r>
             <a:r>
               <a:rPr lang="pt-PT" dirty="0"/>
-              <a:t> can </a:t>
+              <a:t> </a:t>
+            </a:r>
+            <a:r>
+              <a:rPr lang="pt-PT" dirty="0" err="1"/>
+              <a:t>may</a:t>
+            </a:r>
+            <a:r>
+              <a:rPr lang="pt-PT" dirty="0"/>
+              <a:t> </a:t>
             </a:r>
             <a:r>
               <a:rPr lang="pt-PT" dirty="0" err="1"/>
@@ -12865,6 +12769,46 @@
             </a:r>
             <a:r>
               <a:rPr lang="pt-PT" dirty="0"/>
+              <a:t> to the </a:t>
+            </a:r>
+            <a:r>
+              <a:rPr lang="pt-PT" dirty="0" err="1"/>
+              <a:t>higher</a:t>
+            </a:r>
+            <a:r>
+              <a:rPr lang="pt-PT" dirty="0"/>
+              <a:t> </a:t>
+            </a:r>
+            <a:r>
+              <a:rPr lang="pt-PT" dirty="0" err="1"/>
+              <a:t>specifications</a:t>
+            </a:r>
+            <a:r>
+              <a:rPr lang="pt-PT" dirty="0"/>
+              <a:t> </a:t>
+            </a:r>
+            <a:r>
+              <a:rPr lang="pt-PT" dirty="0" err="1"/>
+              <a:t>given</a:t>
+            </a:r>
+            <a:r>
+              <a:rPr lang="pt-PT" dirty="0"/>
+              <a:t> to the VM </a:t>
+            </a:r>
+            <a:r>
+              <a:rPr lang="pt-PT" dirty="0" err="1"/>
+              <a:t>when</a:t>
+            </a:r>
+            <a:r>
+              <a:rPr lang="pt-PT" dirty="0"/>
+              <a:t> </a:t>
+            </a:r>
+            <a:r>
+              <a:rPr lang="pt-PT" dirty="0" err="1"/>
+              <a:t>comparing</a:t>
+            </a:r>
+            <a:r>
+              <a:rPr lang="pt-PT" dirty="0"/>
               <a:t> </a:t>
             </a:r>
             <a:r>
@@ -12873,79 +12817,23 @@
             </a:r>
             <a:r>
               <a:rPr lang="pt-PT" dirty="0"/>
-              <a:t> </a:t>
-            </a:r>
-            <a:r>
-              <a:rPr lang="pt-PT" dirty="0" err="1"/>
-              <a:t>the</a:t>
-            </a:r>
-            <a:r>
-              <a:rPr lang="pt-PT" dirty="0"/>
-              <a:t> </a:t>
-            </a:r>
-            <a:r>
-              <a:rPr lang="pt-PT" dirty="0" err="1"/>
-              <a:t>highest</a:t>
-            </a:r>
-            <a:r>
-              <a:rPr lang="pt-PT" dirty="0"/>
-              <a:t> </a:t>
-            </a:r>
-            <a:r>
-              <a:rPr lang="pt-PT" dirty="0" err="1"/>
-              <a:t>specifications</a:t>
-            </a:r>
-            <a:r>
-              <a:rPr lang="pt-PT" dirty="0"/>
-              <a:t> </a:t>
-            </a:r>
-            <a:r>
-              <a:rPr lang="pt-PT" dirty="0" err="1"/>
-              <a:t>that</a:t>
-            </a:r>
-            <a:r>
-              <a:rPr lang="pt-PT" dirty="0"/>
-              <a:t> </a:t>
-            </a:r>
-            <a:r>
-              <a:rPr lang="pt-PT" dirty="0" err="1"/>
-              <a:t>this</a:t>
-            </a:r>
-            <a:r>
-              <a:rPr lang="pt-PT" dirty="0"/>
-              <a:t> laptop </a:t>
-            </a:r>
-            <a:r>
-              <a:rPr lang="pt-PT" dirty="0" err="1"/>
-              <a:t>has</a:t>
-            </a:r>
-            <a:r>
-              <a:rPr lang="pt-PT" dirty="0"/>
-              <a:t> </a:t>
-            </a:r>
-            <a:r>
-              <a:rPr lang="pt-PT" dirty="0" err="1"/>
-              <a:t>comparing</a:t>
-            </a:r>
-            <a:r>
-              <a:rPr lang="pt-PT" dirty="0"/>
-              <a:t> </a:t>
-            </a:r>
-            <a:r>
-              <a:rPr lang="pt-PT" dirty="0" err="1"/>
-              <a:t>with</a:t>
-            </a:r>
-            <a:r>
-              <a:rPr lang="pt-PT" dirty="0"/>
-              <a:t> </a:t>
-            </a:r>
-            <a:r>
-              <a:rPr lang="pt-PT" dirty="0" err="1"/>
-              <a:t>the</a:t>
-            </a:r>
-            <a:r>
-              <a:rPr lang="pt-PT" dirty="0"/>
-              <a:t> PC2.</a:t>
+              <a:t> the </a:t>
+            </a:r>
+            <a:r>
+              <a:rPr lang="pt-PT" dirty="0" err="1"/>
+              <a:t>ones</a:t>
+            </a:r>
+            <a:r>
+              <a:rPr lang="pt-PT" dirty="0"/>
+              <a:t> </a:t>
+            </a:r>
+            <a:r>
+              <a:rPr lang="pt-PT" dirty="0" err="1"/>
+              <a:t>given</a:t>
+            </a:r>
+            <a:r>
+              <a:rPr lang="pt-PT" dirty="0"/>
+              <a:t> to the VM of PC2.</a:t>
             </a:r>
           </a:p>
           <a:p>
@@ -12956,15 +12844,7 @@
             <a:pPr algn="just"/>
             <a:r>
               <a:rPr lang="en-US" u="sng" dirty="0"/>
-              <a:t>When looking at these conclusions we can't forget the environment at which the program ran: a virtual machine which applies an "</a:t>
-            </a:r>
-            <a:r>
-              <a:rPr lang="en-US" u="sng" dirty="0" err="1"/>
-              <a:t>aditional</a:t>
-            </a:r>
-            <a:r>
-              <a:rPr lang="en-US" u="sng" dirty="0"/>
-              <a:t> layer" between the operating system and the program execution.</a:t>
+              <a:t>When looking at these conclusions we can't forget the environment at which the program ran: a virtual machine which applies an "additional layer" between the operating system and the program execution.</a:t>
             </a:r>
             <a:endParaRPr lang="pt-PT" u="sng" dirty="0">
               <a:latin typeface="Calibri" panose="020F0502020204030204" pitchFamily="34" charset="0"/>

--- a/CLE1_T3G5/present.pptx
+++ b/CLE1_T3G5/present.pptx
@@ -286,7 +286,7 @@
           <a:p>
             <a:fld id="{65E3D7AB-6C06-41C6-99AC-C74008AD09CE}" type="datetimeFigureOut">
               <a:rPr lang="pt-PT" smtClean="0"/>
-              <a:t>22/03/2023</a:t>
+              <a:t>23/03/2023</a:t>
             </a:fld>
             <a:endParaRPr lang="pt-PT"/>
           </a:p>
@@ -514,7 +514,7 @@
           <a:p>
             <a:fld id="{65E3D7AB-6C06-41C6-99AC-C74008AD09CE}" type="datetimeFigureOut">
               <a:rPr lang="pt-PT" smtClean="0"/>
-              <a:t>22/03/2023</a:t>
+              <a:t>23/03/2023</a:t>
             </a:fld>
             <a:endParaRPr lang="pt-PT"/>
           </a:p>
@@ -694,7 +694,7 @@
           <a:p>
             <a:fld id="{65E3D7AB-6C06-41C6-99AC-C74008AD09CE}" type="datetimeFigureOut">
               <a:rPr lang="pt-PT" smtClean="0"/>
-              <a:t>22/03/2023</a:t>
+              <a:t>23/03/2023</a:t>
             </a:fld>
             <a:endParaRPr lang="pt-PT"/>
           </a:p>
@@ -864,7 +864,7 @@
           <a:p>
             <a:fld id="{65E3D7AB-6C06-41C6-99AC-C74008AD09CE}" type="datetimeFigureOut">
               <a:rPr lang="pt-PT" smtClean="0"/>
-              <a:t>22/03/2023</a:t>
+              <a:t>23/03/2023</a:t>
             </a:fld>
             <a:endParaRPr lang="pt-PT"/>
           </a:p>
@@ -1118,7 +1118,7 @@
           <a:p>
             <a:fld id="{65E3D7AB-6C06-41C6-99AC-C74008AD09CE}" type="datetimeFigureOut">
               <a:rPr lang="pt-PT" smtClean="0"/>
-              <a:t>22/03/2023</a:t>
+              <a:t>23/03/2023</a:t>
             </a:fld>
             <a:endParaRPr lang="pt-PT"/>
           </a:p>
@@ -1444,7 +1444,7 @@
           <a:p>
             <a:fld id="{65E3D7AB-6C06-41C6-99AC-C74008AD09CE}" type="datetimeFigureOut">
               <a:rPr lang="pt-PT" smtClean="0"/>
-              <a:t>22/03/2023</a:t>
+              <a:t>23/03/2023</a:t>
             </a:fld>
             <a:endParaRPr lang="pt-PT"/>
           </a:p>
@@ -1895,7 +1895,7 @@
           <a:p>
             <a:fld id="{65E3D7AB-6C06-41C6-99AC-C74008AD09CE}" type="datetimeFigureOut">
               <a:rPr lang="pt-PT" smtClean="0"/>
-              <a:t>22/03/2023</a:t>
+              <a:t>23/03/2023</a:t>
             </a:fld>
             <a:endParaRPr lang="pt-PT"/>
           </a:p>
@@ -2013,7 +2013,7 @@
           <a:p>
             <a:fld id="{65E3D7AB-6C06-41C6-99AC-C74008AD09CE}" type="datetimeFigureOut">
               <a:rPr lang="pt-PT" smtClean="0"/>
-              <a:t>22/03/2023</a:t>
+              <a:t>23/03/2023</a:t>
             </a:fld>
             <a:endParaRPr lang="pt-PT"/>
           </a:p>
@@ -2108,7 +2108,7 @@
           <a:p>
             <a:fld id="{65E3D7AB-6C06-41C6-99AC-C74008AD09CE}" type="datetimeFigureOut">
               <a:rPr lang="pt-PT" smtClean="0"/>
-              <a:t>22/03/2023</a:t>
+              <a:t>23/03/2023</a:t>
             </a:fld>
             <a:endParaRPr lang="pt-PT"/>
           </a:p>
@@ -2395,7 +2395,7 @@
           <a:p>
             <a:fld id="{65E3D7AB-6C06-41C6-99AC-C74008AD09CE}" type="datetimeFigureOut">
               <a:rPr lang="pt-PT" smtClean="0"/>
-              <a:t>22/03/2023</a:t>
+              <a:t>23/03/2023</a:t>
             </a:fld>
             <a:endParaRPr lang="pt-PT"/>
           </a:p>
@@ -2717,7 +2717,7 @@
           <a:p>
             <a:fld id="{65E3D7AB-6C06-41C6-99AC-C74008AD09CE}" type="datetimeFigureOut">
               <a:rPr lang="pt-PT" smtClean="0"/>
-              <a:t>22/03/2023</a:t>
+              <a:t>23/03/2023</a:t>
             </a:fld>
             <a:endParaRPr lang="pt-PT"/>
           </a:p>
@@ -2971,7 +2971,7 @@
           <a:p>
             <a:fld id="{65E3D7AB-6C06-41C6-99AC-C74008AD09CE}" type="datetimeFigureOut">
               <a:rPr lang="pt-PT" smtClean="0"/>
-              <a:t>22/03/2023</a:t>
+              <a:t>23/03/2023</a:t>
             </a:fld>
             <a:endParaRPr lang="pt-PT"/>
           </a:p>
@@ -3543,6 +3543,66 @@
           </a:p>
         </p:txBody>
       </p:sp>
+      <p:pic>
+        <p:nvPicPr>
+          <p:cNvPr id="1028" name="Picture 4" descr="Mestrado em Engenharia Informática - DETI | UA">
+            <a:extLst>
+              <a:ext uri="{FF2B5EF4-FFF2-40B4-BE49-F238E27FC236}">
+                <a16:creationId xmlns:a16="http://schemas.microsoft.com/office/drawing/2014/main" id="{39F91E5E-0695-43A9-986F-B551523EDC36}"/>
+              </a:ext>
+            </a:extLst>
+          </p:cNvPr>
+          <p:cNvPicPr>
+            <a:picLocks noChangeAspect="1" noChangeArrowheads="1"/>
+          </p:cNvPicPr>
+          <p:nvPr/>
+        </p:nvPicPr>
+        <p:blipFill>
+          <a:blip r:embed="rId2">
+            <a:extLst>
+              <a:ext uri="{28A0092B-C50C-407E-A947-70E740481C1C}">
+                <a14:useLocalDpi xmlns:a14="http://schemas.microsoft.com/office/drawing/2010/main" val="0"/>
+              </a:ext>
+            </a:extLst>
+          </a:blip>
+          <a:srcRect/>
+          <a:stretch>
+            <a:fillRect/>
+          </a:stretch>
+        </p:blipFill>
+        <p:spPr bwMode="auto">
+          <a:xfrm>
+            <a:off x="1261872" y="758952"/>
+            <a:ext cx="5038725" cy="904875"/>
+          </a:xfrm>
+          <a:prstGeom prst="rect">
+            <a:avLst/>
+          </a:prstGeom>
+          <a:ln w="38100" cap="sq">
+            <a:solidFill>
+              <a:srgbClr val="000000"/>
+            </a:solidFill>
+            <a:prstDash val="solid"/>
+            <a:miter lim="800000"/>
+          </a:ln>
+          <a:effectLst>
+            <a:outerShdw blurRad="50800" dist="38100" dir="2700000" algn="tl" rotWithShape="0">
+              <a:srgbClr val="000000">
+                <a:alpha val="43000"/>
+              </a:srgbClr>
+            </a:outerShdw>
+          </a:effectLst>
+          <a:extLst>
+            <a:ext uri="{909E8E84-426E-40DD-AFC4-6F175D3DCCD1}">
+              <a14:hiddenFill xmlns:a14="http://schemas.microsoft.com/office/drawing/2010/main">
+                <a:solidFill>
+                  <a:srgbClr val="FFFFFF"/>
+                </a:solidFill>
+              </a14:hiddenFill>
+            </a:ext>
+          </a:extLst>
+        </p:spPr>
+      </p:pic>
     </p:spTree>
     <p:extLst>
       <p:ext uri="{BB962C8B-B14F-4D97-AF65-F5344CB8AC3E}">

--- a/CLE1_T3G5/present.pptx
+++ b/CLE1_T3G5/present.pptx
@@ -3533,12 +3533,20 @@
           </a:p>
           <a:p>
             <a:r>
+              <a:rPr lang="pt-PT">
+                <a:latin typeface="Calibri" panose="020F0502020204030204" pitchFamily="34" charset="0"/>
+                <a:ea typeface="Calibri" panose="020F0502020204030204" pitchFamily="34" charset="0"/>
+                <a:cs typeface="Calibri" panose="020F0502020204030204" pitchFamily="34" charset="0"/>
+              </a:rPr>
+              <a:t>Luís Batista</a:t>
+            </a:r>
+            <a:r>
               <a:rPr lang="pt-PT" dirty="0">
                 <a:latin typeface="Calibri" panose="020F0502020204030204" pitchFamily="34" charset="0"/>
                 <a:ea typeface="Calibri" panose="020F0502020204030204" pitchFamily="34" charset="0"/>
                 <a:cs typeface="Calibri" panose="020F0502020204030204" pitchFamily="34" charset="0"/>
               </a:rPr>
-              <a:t>Luís batista, nº 115279</a:t>
+              <a:t>, nº 115279</a:t>
             </a:r>
           </a:p>
         </p:txBody>
